--- a/最終報告.pptx
+++ b/最終報告.pptx
@@ -6,6 +6,7 @@
   </p:sldMasterIdLst>
   <p:sldIdLst>
     <p:sldId id="256" r:id="rId2"/>
+    <p:sldId id="257" r:id="rId3"/>
   </p:sldIdLst>
   <p:sldSz cx="12192000" cy="6858000"/>
   <p:notesSz cx="6858000" cy="9144000"/>
@@ -104,6 +105,11 @@
       </a:defRPr>
     </a:lvl9pPr>
   </p:defaultTextStyle>
+  <p:extLst>
+    <p:ext uri="{EFAFB233-063F-42B5-8137-9DF3F51BA10A}">
+      <p15:sldGuideLst xmlns:p15="http://schemas.microsoft.com/office/powerpoint/2012/main"/>
+    </p:ext>
+  </p:extLst>
 </p:presentation>
 </file>
 
@@ -3665,6 +3671,89 @@
 </p:sld>
 </file>
 
+<file path=ppt/slides/slide2.xml><?xml version="1.0" encoding="utf-8"?>
+<p:sld xmlns:a="http://schemas.openxmlformats.org/drawingml/2006/main" xmlns:r="http://schemas.openxmlformats.org/officeDocument/2006/relationships" xmlns:p="http://schemas.openxmlformats.org/presentationml/2006/main">
+  <p:cSld>
+    <p:spTree>
+      <p:nvGrpSpPr>
+        <p:cNvPr id="1" name=""/>
+        <p:cNvGrpSpPr/>
+        <p:nvPr/>
+      </p:nvGrpSpPr>
+      <p:grpSpPr>
+        <a:xfrm>
+          <a:off x="0" y="0"/>
+          <a:ext cx="0" cy="0"/>
+          <a:chOff x="0" y="0"/>
+          <a:chExt cx="0" cy="0"/>
+        </a:xfrm>
+      </p:grpSpPr>
+      <p:sp>
+        <p:nvSpPr>
+          <p:cNvPr id="4" name="テキスト ボックス 3">
+            <a:extLst>
+              <a:ext uri="{FF2B5EF4-FFF2-40B4-BE49-F238E27FC236}">
+                <a16:creationId xmlns:a16="http://schemas.microsoft.com/office/drawing/2014/main" id="{6B56B9D3-FC29-4B9B-96B7-19FB66BC0676}"/>
+              </a:ext>
+            </a:extLst>
+          </p:cNvPr>
+          <p:cNvSpPr txBox="1"/>
+          <p:nvPr/>
+        </p:nvSpPr>
+        <p:spPr>
+          <a:xfrm>
+            <a:off x="1013011" y="2705725"/>
+            <a:ext cx="10165977" cy="1446550"/>
+          </a:xfrm>
+          <a:prstGeom prst="rect">
+            <a:avLst/>
+          </a:prstGeom>
+          <a:noFill/>
+        </p:spPr>
+        <p:txBody>
+          <a:bodyPr wrap="square" rtlCol="0">
+            <a:spAutoFit/>
+          </a:bodyPr>
+          <a:lstStyle/>
+          <a:p>
+            <a:pPr algn="ctr"/>
+            <a:r>
+              <a:rPr kumimoji="1" lang="ja-JP" altLang="en-US" sz="8800" b="1" dirty="0">
+                <a:latin typeface="BIZ UDPゴシック" panose="020B0400000000000000" pitchFamily="50" charset="-128"/>
+                <a:ea typeface="BIZ UDPゴシック" panose="020B0400000000000000" pitchFamily="50" charset="-128"/>
+              </a:rPr>
+              <a:t>結論 </a:t>
+            </a:r>
+            <a:r>
+              <a:rPr kumimoji="1" lang="en-US" altLang="ja-JP" sz="8800" b="1" dirty="0">
+                <a:latin typeface="BIZ UDPゴシック" panose="020B0400000000000000" pitchFamily="50" charset="-128"/>
+                <a:ea typeface="BIZ UDPゴシック" panose="020B0400000000000000" pitchFamily="50" charset="-128"/>
+              </a:rPr>
+              <a:t>: </a:t>
+            </a:r>
+            <a:r>
+              <a:rPr kumimoji="1" lang="ja-JP" altLang="en-US" sz="8800" b="1" dirty="0">
+                <a:latin typeface="BIZ UDPゴシック" panose="020B0400000000000000" pitchFamily="50" charset="-128"/>
+                <a:ea typeface="BIZ UDPゴシック" panose="020B0400000000000000" pitchFamily="50" charset="-128"/>
+              </a:rPr>
+              <a:t>できなかった</a:t>
+            </a:r>
+          </a:p>
+        </p:txBody>
+      </p:sp>
+    </p:spTree>
+    <p:extLst>
+      <p:ext uri="{BB962C8B-B14F-4D97-AF65-F5344CB8AC3E}">
+        <p14:creationId xmlns:p14="http://schemas.microsoft.com/office/powerpoint/2010/main" val="642360478"/>
+      </p:ext>
+    </p:extLst>
+  </p:cSld>
+  <p:clrMapOvr>
+    <a:masterClrMapping/>
+  </p:clrMapOvr>
+</p:sld>
+</file>
+
 <file path=ppt/theme/theme1.xml><?xml version="1.0" encoding="utf-8"?>
 <a:theme xmlns:a="http://schemas.openxmlformats.org/drawingml/2006/main" name="Office テーマ">
   <a:themeElements>

--- a/最終報告.pptx
+++ b/最終報告.pptx
@@ -6,7 +6,10 @@
   </p:sldMasterIdLst>
   <p:sldIdLst>
     <p:sldId id="256" r:id="rId2"/>
-    <p:sldId id="257" r:id="rId3"/>
+    <p:sldId id="258" r:id="rId3"/>
+    <p:sldId id="260" r:id="rId4"/>
+    <p:sldId id="257" r:id="rId5"/>
+    <p:sldId id="259" r:id="rId6"/>
   </p:sldIdLst>
   <p:sldSz cx="12192000" cy="6858000"/>
   <p:notesSz cx="6858000" cy="9144000"/>
@@ -3629,8 +3632,8 @@
         </p:nvSpPr>
         <p:spPr>
           <a:xfrm>
-            <a:off x="1013011" y="2263622"/>
-            <a:ext cx="10165977" cy="923330"/>
+            <a:off x="457197" y="2228671"/>
+            <a:ext cx="11277601" cy="1200329"/>
           </a:xfrm>
           <a:prstGeom prst="rect">
             <a:avLst/>
@@ -3645,16 +3648,62 @@
           <a:p>
             <a:pPr algn="ctr"/>
             <a:r>
-              <a:rPr lang="ja-JP" altLang="en-US" sz="5400" dirty="0">
+              <a:rPr lang="ja-JP" altLang="en-US" sz="7200" b="1" dirty="0">
                 <a:latin typeface="BIZ UDPゴシック" panose="020B0400000000000000" pitchFamily="50" charset="-128"/>
                 <a:ea typeface="BIZ UDPゴシック" panose="020B0400000000000000" pitchFamily="50" charset="-128"/>
               </a:rPr>
-              <a:t>ニュースによる株価の時系列予測</a:t>
-            </a:r>
-            <a:endParaRPr kumimoji="1" lang="ja-JP" altLang="en-US" sz="5400" dirty="0">
+              <a:t>多変量解析時系列予測</a:t>
+            </a:r>
+            <a:endParaRPr kumimoji="1" lang="ja-JP" altLang="en-US" sz="7200" b="1" dirty="0">
               <a:latin typeface="BIZ UDPゴシック" panose="020B0400000000000000" pitchFamily="50" charset="-128"/>
               <a:ea typeface="BIZ UDPゴシック" panose="020B0400000000000000" pitchFamily="50" charset="-128"/>
             </a:endParaRPr>
+          </a:p>
+        </p:txBody>
+      </p:sp>
+      <p:sp>
+        <p:nvSpPr>
+          <p:cNvPr id="3" name="テキスト ボックス 2">
+            <a:extLst>
+              <a:ext uri="{FF2B5EF4-FFF2-40B4-BE49-F238E27FC236}">
+                <a16:creationId xmlns:a16="http://schemas.microsoft.com/office/drawing/2014/main" id="{A1FFD346-4765-44FA-86D0-08185EE76D82}"/>
+              </a:ext>
+            </a:extLst>
+          </p:cNvPr>
+          <p:cNvSpPr txBox="1"/>
+          <p:nvPr/>
+        </p:nvSpPr>
+        <p:spPr>
+          <a:xfrm>
+            <a:off x="1013010" y="3671049"/>
+            <a:ext cx="10165977" cy="707886"/>
+          </a:xfrm>
+          <a:prstGeom prst="rect">
+            <a:avLst/>
+          </a:prstGeom>
+          <a:noFill/>
+        </p:spPr>
+        <p:txBody>
+          <a:bodyPr wrap="square" rtlCol="0">
+            <a:spAutoFit/>
+          </a:bodyPr>
+          <a:lstStyle/>
+          <a:p>
+            <a:pPr algn="ctr"/>
+            <a:r>
+              <a:rPr kumimoji="1" lang="en-US" altLang="ja-JP" sz="4000" dirty="0">
+                <a:latin typeface="BIZ UDPゴシック" panose="020B0400000000000000" pitchFamily="50" charset="-128"/>
+                <a:ea typeface="BIZ UDPゴシック" panose="020B0400000000000000" pitchFamily="50" charset="-128"/>
+              </a:rPr>
+              <a:t>T5-16 </a:t>
+            </a:r>
+            <a:r>
+              <a:rPr kumimoji="1" lang="ja-JP" altLang="en-US" sz="4000" dirty="0">
+                <a:latin typeface="BIZ UDPゴシック" panose="020B0400000000000000" pitchFamily="50" charset="-128"/>
+                <a:ea typeface="BIZ UDPゴシック" panose="020B0400000000000000" pitchFamily="50" charset="-128"/>
+              </a:rPr>
+              <a:t>下沢 亮太郎</a:t>
+            </a:r>
           </a:p>
         </p:txBody>
       </p:sp>
@@ -3693,6 +3742,280 @@
           <p:cNvPr id="4" name="テキスト ボックス 3">
             <a:extLst>
               <a:ext uri="{FF2B5EF4-FFF2-40B4-BE49-F238E27FC236}">
+                <a16:creationId xmlns:a16="http://schemas.microsoft.com/office/drawing/2014/main" id="{345C0ACB-10D9-416C-A877-70F5014C5FB4}"/>
+              </a:ext>
+            </a:extLst>
+          </p:cNvPr>
+          <p:cNvSpPr txBox="1"/>
+          <p:nvPr/>
+        </p:nvSpPr>
+        <p:spPr>
+          <a:xfrm>
+            <a:off x="242888" y="188445"/>
+            <a:ext cx="2528888" cy="1200329"/>
+          </a:xfrm>
+          <a:prstGeom prst="rect">
+            <a:avLst/>
+          </a:prstGeom>
+          <a:noFill/>
+        </p:spPr>
+        <p:txBody>
+          <a:bodyPr wrap="square" rtlCol="0">
+            <a:spAutoFit/>
+          </a:bodyPr>
+          <a:lstStyle/>
+          <a:p>
+            <a:r>
+              <a:rPr kumimoji="1" lang="ja-JP" altLang="en-US" sz="7200" b="1" dirty="0">
+                <a:latin typeface="BIZ UDPゴシック" panose="020B0400000000000000" pitchFamily="50" charset="-128"/>
+                <a:ea typeface="BIZ UDPゴシック" panose="020B0400000000000000" pitchFamily="50" charset="-128"/>
+              </a:rPr>
+              <a:t>目的</a:t>
+            </a:r>
+          </a:p>
+        </p:txBody>
+      </p:sp>
+      <p:sp>
+        <p:nvSpPr>
+          <p:cNvPr id="5" name="テキスト ボックス 4">
+            <a:extLst>
+              <a:ext uri="{FF2B5EF4-FFF2-40B4-BE49-F238E27FC236}">
+                <a16:creationId xmlns:a16="http://schemas.microsoft.com/office/drawing/2014/main" id="{8328FAAC-671D-4848-AFAA-E9386F467836}"/>
+              </a:ext>
+            </a:extLst>
+          </p:cNvPr>
+          <p:cNvSpPr txBox="1"/>
+          <p:nvPr/>
+        </p:nvSpPr>
+        <p:spPr>
+          <a:xfrm>
+            <a:off x="692242" y="2052906"/>
+            <a:ext cx="11499758" cy="3416320"/>
+          </a:xfrm>
+          <a:prstGeom prst="rect">
+            <a:avLst/>
+          </a:prstGeom>
+          <a:noFill/>
+        </p:spPr>
+        <p:txBody>
+          <a:bodyPr wrap="square" rtlCol="0">
+            <a:spAutoFit/>
+          </a:bodyPr>
+          <a:lstStyle/>
+          <a:p>
+            <a:pPr marL="571500" indent="-571500">
+              <a:buFont typeface="Arial" panose="020B0604020202020204" pitchFamily="34" charset="0"/>
+              <a:buChar char="•"/>
+            </a:pPr>
+            <a:r>
+              <a:rPr kumimoji="1" lang="ja-JP" altLang="en-US" sz="3800" dirty="0">
+                <a:latin typeface="BIZ UDPゴシック" panose="020B0400000000000000" pitchFamily="50" charset="-128"/>
+                <a:ea typeface="BIZ UDPゴシック" panose="020B0400000000000000" pitchFamily="50" charset="-128"/>
+              </a:rPr>
+              <a:t>せっかく</a:t>
+            </a:r>
+            <a:r>
+              <a:rPr kumimoji="1" lang="en-US" altLang="ja-JP" sz="3800" dirty="0">
+                <a:latin typeface="BIZ UDPゴシック" panose="020B0400000000000000" pitchFamily="50" charset="-128"/>
+                <a:ea typeface="BIZ UDPゴシック" panose="020B0400000000000000" pitchFamily="50" charset="-128"/>
+              </a:rPr>
+              <a:t>NISA</a:t>
+            </a:r>
+            <a:r>
+              <a:rPr lang="ja-JP" altLang="en-US" sz="3800" dirty="0">
+                <a:latin typeface="BIZ UDPゴシック" panose="020B0400000000000000" pitchFamily="50" charset="-128"/>
+                <a:ea typeface="BIZ UDPゴシック" panose="020B0400000000000000" pitchFamily="50" charset="-128"/>
+              </a:rPr>
+              <a:t>口座を持てる年齢になったのだから</a:t>
+            </a:r>
+            <a:r>
+              <a:rPr kumimoji="1" lang="ja-JP" altLang="en-US" sz="3800" dirty="0">
+                <a:latin typeface="BIZ UDPゴシック" panose="020B0400000000000000" pitchFamily="50" charset="-128"/>
+                <a:ea typeface="BIZ UDPゴシック" panose="020B0400000000000000" pitchFamily="50" charset="-128"/>
+              </a:rPr>
+              <a:t>株価の時系列予測をしたい</a:t>
+            </a:r>
+            <a:r>
+              <a:rPr kumimoji="1" lang="en-US" altLang="ja-JP" sz="2800" dirty="0">
+                <a:solidFill>
+                  <a:schemeClr val="bg2">
+                    <a:lumMod val="50000"/>
+                  </a:schemeClr>
+                </a:solidFill>
+                <a:latin typeface="BIZ UDPゴシック" panose="020B0400000000000000" pitchFamily="50" charset="-128"/>
+                <a:ea typeface="BIZ UDPゴシック" panose="020B0400000000000000" pitchFamily="50" charset="-128"/>
+              </a:rPr>
+              <a:t>(</a:t>
+            </a:r>
+            <a:r>
+              <a:rPr kumimoji="1" lang="ja-JP" altLang="en-US" sz="2800" dirty="0">
+                <a:solidFill>
+                  <a:schemeClr val="bg2">
+                    <a:lumMod val="50000"/>
+                  </a:schemeClr>
+                </a:solidFill>
+                <a:latin typeface="BIZ UDPゴシック" panose="020B0400000000000000" pitchFamily="50" charset="-128"/>
+                <a:ea typeface="BIZ UDPゴシック" panose="020B0400000000000000" pitchFamily="50" charset="-128"/>
+              </a:rPr>
+              <a:t>儲けたい</a:t>
+            </a:r>
+            <a:r>
+              <a:rPr kumimoji="1" lang="en-US" altLang="ja-JP" sz="2800" dirty="0">
+                <a:solidFill>
+                  <a:schemeClr val="bg2">
+                    <a:lumMod val="50000"/>
+                  </a:schemeClr>
+                </a:solidFill>
+                <a:latin typeface="BIZ UDPゴシック" panose="020B0400000000000000" pitchFamily="50" charset="-128"/>
+                <a:ea typeface="BIZ UDPゴシック" panose="020B0400000000000000" pitchFamily="50" charset="-128"/>
+              </a:rPr>
+              <a:t>)</a:t>
+            </a:r>
+          </a:p>
+          <a:p>
+            <a:pPr marL="457200" indent="-457200">
+              <a:buFont typeface="Arial" panose="020B0604020202020204" pitchFamily="34" charset="0"/>
+              <a:buChar char="•"/>
+            </a:pPr>
+            <a:endParaRPr lang="en-US" altLang="ja-JP" sz="2800" dirty="0">
+              <a:solidFill>
+                <a:schemeClr val="bg2">
+                  <a:lumMod val="50000"/>
+                </a:schemeClr>
+              </a:solidFill>
+              <a:latin typeface="BIZ UDPゴシック" panose="020B0400000000000000" pitchFamily="50" charset="-128"/>
+              <a:ea typeface="BIZ UDPゴシック" panose="020B0400000000000000" pitchFamily="50" charset="-128"/>
+            </a:endParaRPr>
+          </a:p>
+          <a:p>
+            <a:pPr marL="571500" indent="-571500">
+              <a:buFont typeface="Arial" panose="020B0604020202020204" pitchFamily="34" charset="0"/>
+              <a:buChar char="•"/>
+            </a:pPr>
+            <a:r>
+              <a:rPr lang="ja-JP" altLang="en-US" sz="3800" dirty="0">
+                <a:latin typeface="BIZ UDPゴシック" panose="020B0400000000000000" pitchFamily="50" charset="-128"/>
+                <a:ea typeface="BIZ UDPゴシック" panose="020B0400000000000000" pitchFamily="50" charset="-128"/>
+              </a:rPr>
+              <a:t>全く知らない分野の会社の株式を買う時の指標としたい</a:t>
+            </a:r>
+          </a:p>
+          <a:p>
+            <a:endParaRPr kumimoji="1" lang="ja-JP" altLang="en-US" sz="3600" dirty="0">
+              <a:solidFill>
+                <a:schemeClr val="bg2">
+                  <a:lumMod val="50000"/>
+                </a:schemeClr>
+              </a:solidFill>
+              <a:latin typeface="BIZ UDPゴシック" panose="020B0400000000000000" pitchFamily="50" charset="-128"/>
+              <a:ea typeface="BIZ UDPゴシック" panose="020B0400000000000000" pitchFamily="50" charset="-128"/>
+            </a:endParaRPr>
+          </a:p>
+        </p:txBody>
+      </p:sp>
+    </p:spTree>
+    <p:extLst>
+      <p:ext uri="{BB962C8B-B14F-4D97-AF65-F5344CB8AC3E}">
+        <p14:creationId xmlns:p14="http://schemas.microsoft.com/office/powerpoint/2010/main" val="3128121415"/>
+      </p:ext>
+    </p:extLst>
+  </p:cSld>
+  <p:clrMapOvr>
+    <a:masterClrMapping/>
+  </p:clrMapOvr>
+</p:sld>
+</file>
+
+<file path=ppt/slides/slide3.xml><?xml version="1.0" encoding="utf-8"?>
+<p:sld xmlns:a="http://schemas.openxmlformats.org/drawingml/2006/main" xmlns:r="http://schemas.openxmlformats.org/officeDocument/2006/relationships" xmlns:p="http://schemas.openxmlformats.org/presentationml/2006/main">
+  <p:cSld>
+    <p:spTree>
+      <p:nvGrpSpPr>
+        <p:cNvPr id="1" name=""/>
+        <p:cNvGrpSpPr/>
+        <p:nvPr/>
+      </p:nvGrpSpPr>
+      <p:grpSpPr>
+        <a:xfrm>
+          <a:off x="0" y="0"/>
+          <a:ext cx="0" cy="0"/>
+          <a:chOff x="0" y="0"/>
+          <a:chExt cx="0" cy="0"/>
+        </a:xfrm>
+      </p:grpSpPr>
+      <p:sp>
+        <p:nvSpPr>
+          <p:cNvPr id="2" name="テキスト ボックス 1">
+            <a:extLst>
+              <a:ext uri="{FF2B5EF4-FFF2-40B4-BE49-F238E27FC236}">
+                <a16:creationId xmlns:a16="http://schemas.microsoft.com/office/drawing/2014/main" id="{4C346C83-1902-42D5-B622-093593ED705F}"/>
+              </a:ext>
+            </a:extLst>
+          </p:cNvPr>
+          <p:cNvSpPr txBox="1"/>
+          <p:nvPr/>
+        </p:nvSpPr>
+        <p:spPr>
+          <a:xfrm>
+            <a:off x="242888" y="188445"/>
+            <a:ext cx="2528888" cy="1200329"/>
+          </a:xfrm>
+          <a:prstGeom prst="rect">
+            <a:avLst/>
+          </a:prstGeom>
+          <a:noFill/>
+        </p:spPr>
+        <p:txBody>
+          <a:bodyPr wrap="square" rtlCol="0">
+            <a:spAutoFit/>
+          </a:bodyPr>
+          <a:lstStyle/>
+          <a:p>
+            <a:r>
+              <a:rPr kumimoji="1" lang="ja-JP" altLang="en-US" sz="7200" b="1" dirty="0">
+                <a:latin typeface="BIZ UDPゴシック" panose="020B0400000000000000" pitchFamily="50" charset="-128"/>
+                <a:ea typeface="BIZ UDPゴシック" panose="020B0400000000000000" pitchFamily="50" charset="-128"/>
+              </a:rPr>
+              <a:t>目的</a:t>
+            </a:r>
+          </a:p>
+        </p:txBody>
+      </p:sp>
+    </p:spTree>
+    <p:extLst>
+      <p:ext uri="{BB962C8B-B14F-4D97-AF65-F5344CB8AC3E}">
+        <p14:creationId xmlns:p14="http://schemas.microsoft.com/office/powerpoint/2010/main" val="4140306835"/>
+      </p:ext>
+    </p:extLst>
+  </p:cSld>
+  <p:clrMapOvr>
+    <a:masterClrMapping/>
+  </p:clrMapOvr>
+</p:sld>
+</file>
+
+<file path=ppt/slides/slide4.xml><?xml version="1.0" encoding="utf-8"?>
+<p:sld xmlns:a="http://schemas.openxmlformats.org/drawingml/2006/main" xmlns:r="http://schemas.openxmlformats.org/officeDocument/2006/relationships" xmlns:p="http://schemas.openxmlformats.org/presentationml/2006/main">
+  <p:cSld>
+    <p:spTree>
+      <p:nvGrpSpPr>
+        <p:cNvPr id="1" name=""/>
+        <p:cNvGrpSpPr/>
+        <p:nvPr/>
+      </p:nvGrpSpPr>
+      <p:grpSpPr>
+        <a:xfrm>
+          <a:off x="0" y="0"/>
+          <a:ext cx="0" cy="0"/>
+          <a:chOff x="0" y="0"/>
+          <a:chExt cx="0" cy="0"/>
+        </a:xfrm>
+      </p:grpSpPr>
+      <p:sp>
+        <p:nvSpPr>
+          <p:cNvPr id="4" name="テキスト ボックス 3">
+            <a:extLst>
+              <a:ext uri="{FF2B5EF4-FFF2-40B4-BE49-F238E27FC236}">
                 <a16:creationId xmlns:a16="http://schemas.microsoft.com/office/drawing/2014/main" id="{6B56B9D3-FC29-4B9B-96B7-19FB66BC0676}"/>
               </a:ext>
             </a:extLst>
@@ -3745,6 +4068,36 @@
     <p:extLst>
       <p:ext uri="{BB962C8B-B14F-4D97-AF65-F5344CB8AC3E}">
         <p14:creationId xmlns:p14="http://schemas.microsoft.com/office/powerpoint/2010/main" val="642360478"/>
+      </p:ext>
+    </p:extLst>
+  </p:cSld>
+  <p:clrMapOvr>
+    <a:masterClrMapping/>
+  </p:clrMapOvr>
+</p:sld>
+</file>
+
+<file path=ppt/slides/slide5.xml><?xml version="1.0" encoding="utf-8"?>
+<p:sld xmlns:a="http://schemas.openxmlformats.org/drawingml/2006/main" xmlns:r="http://schemas.openxmlformats.org/officeDocument/2006/relationships" xmlns:p="http://schemas.openxmlformats.org/presentationml/2006/main">
+  <p:cSld>
+    <p:spTree>
+      <p:nvGrpSpPr>
+        <p:cNvPr id="1" name=""/>
+        <p:cNvGrpSpPr/>
+        <p:nvPr/>
+      </p:nvGrpSpPr>
+      <p:grpSpPr>
+        <a:xfrm>
+          <a:off x="0" y="0"/>
+          <a:ext cx="0" cy="0"/>
+          <a:chOff x="0" y="0"/>
+          <a:chExt cx="0" cy="0"/>
+        </a:xfrm>
+      </p:grpSpPr>
+    </p:spTree>
+    <p:extLst>
+      <p:ext uri="{BB962C8B-B14F-4D97-AF65-F5344CB8AC3E}">
+        <p14:creationId xmlns:p14="http://schemas.microsoft.com/office/powerpoint/2010/main" val="3441272322"/>
       </p:ext>
     </p:extLst>
   </p:cSld>

--- a/最終報告.pptx
+++ b/最終報告.pptx
@@ -4,12 +4,23 @@
   <p:sldMasterIdLst>
     <p:sldMasterId id="2147483648" r:id="rId1"/>
   </p:sldMasterIdLst>
+  <p:notesMasterIdLst>
+    <p:notesMasterId r:id="rId15"/>
+  </p:notesMasterIdLst>
   <p:sldIdLst>
     <p:sldId id="256" r:id="rId2"/>
     <p:sldId id="258" r:id="rId3"/>
     <p:sldId id="260" r:id="rId4"/>
-    <p:sldId id="257" r:id="rId5"/>
-    <p:sldId id="259" r:id="rId6"/>
+    <p:sldId id="261" r:id="rId5"/>
+    <p:sldId id="262" r:id="rId6"/>
+    <p:sldId id="264" r:id="rId7"/>
+    <p:sldId id="265" r:id="rId8"/>
+    <p:sldId id="266" r:id="rId9"/>
+    <p:sldId id="267" r:id="rId10"/>
+    <p:sldId id="268" r:id="rId11"/>
+    <p:sldId id="257" r:id="rId12"/>
+    <p:sldId id="259" r:id="rId13"/>
+    <p:sldId id="263" r:id="rId14"/>
   </p:sldIdLst>
   <p:sldSz cx="12192000" cy="6858000"/>
   <p:notesSz cx="6858000" cy="9144000"/>
@@ -116,6 +127,2676 @@
 </p:presentation>
 </file>
 
+<file path=ppt/charts/chart1.xml><?xml version="1.0" encoding="utf-8"?>
+<c:chartSpace xmlns:c="http://schemas.openxmlformats.org/drawingml/2006/chart" xmlns:a="http://schemas.openxmlformats.org/drawingml/2006/main" xmlns:r="http://schemas.openxmlformats.org/officeDocument/2006/relationships" xmlns:c16r2="http://schemas.microsoft.com/office/drawing/2015/06/chart">
+  <c:date1904 val="0"/>
+  <c:lang val="ja-JP"/>
+  <c:roundedCorners val="0"/>
+  <mc:AlternateContent xmlns:mc="http://schemas.openxmlformats.org/markup-compatibility/2006">
+    <mc:Choice xmlns:c14="http://schemas.microsoft.com/office/drawing/2007/8/2/chart" Requires="c14">
+      <c14:style val="102"/>
+    </mc:Choice>
+    <mc:Fallback>
+      <c:style val="2"/>
+    </mc:Fallback>
+  </mc:AlternateContent>
+  <c:chart>
+    <c:autoTitleDeleted val="1"/>
+    <c:plotArea>
+      <c:layout/>
+      <c:pieChart>
+        <c:varyColors val="1"/>
+        <c:ser>
+          <c:idx val="0"/>
+          <c:order val="0"/>
+          <c:dPt>
+            <c:idx val="0"/>
+            <c:bubble3D val="0"/>
+            <c:spPr>
+              <a:solidFill>
+                <a:srgbClr val="92D050"/>
+              </a:solidFill>
+              <a:ln w="19050">
+                <a:solidFill>
+                  <a:schemeClr val="lt1"/>
+                </a:solidFill>
+              </a:ln>
+              <a:effectLst/>
+            </c:spPr>
+            <c:extLst>
+              <c:ext xmlns:c16="http://schemas.microsoft.com/office/drawing/2014/chart" uri="{C3380CC4-5D6E-409C-BE32-E72D297353CC}">
+                <c16:uniqueId val="{00000001-6271-4AAC-87FD-4862D021D21D}"/>
+              </c:ext>
+            </c:extLst>
+          </c:dPt>
+          <c:dPt>
+            <c:idx val="1"/>
+            <c:bubble3D val="0"/>
+            <c:spPr>
+              <a:solidFill>
+                <a:schemeClr val="accent1"/>
+              </a:solidFill>
+              <a:ln w="19050">
+                <a:solidFill>
+                  <a:schemeClr val="lt1"/>
+                </a:solidFill>
+              </a:ln>
+              <a:effectLst/>
+            </c:spPr>
+            <c:extLst>
+              <c:ext xmlns:c16="http://schemas.microsoft.com/office/drawing/2014/chart" uri="{C3380CC4-5D6E-409C-BE32-E72D297353CC}">
+                <c16:uniqueId val="{00000003-6271-4AAC-87FD-4862D021D21D}"/>
+              </c:ext>
+            </c:extLst>
+          </c:dPt>
+          <c:dPt>
+            <c:idx val="2"/>
+            <c:bubble3D val="0"/>
+            <c:spPr>
+              <a:solidFill>
+                <a:srgbClr val="FF3399"/>
+              </a:solidFill>
+              <a:ln w="19050">
+                <a:solidFill>
+                  <a:schemeClr val="lt1"/>
+                </a:solidFill>
+              </a:ln>
+              <a:effectLst/>
+            </c:spPr>
+            <c:extLst>
+              <c:ext xmlns:c16="http://schemas.microsoft.com/office/drawing/2014/chart" uri="{C3380CC4-5D6E-409C-BE32-E72D297353CC}">
+                <c16:uniqueId val="{00000005-6271-4AAC-87FD-4862D021D21D}"/>
+              </c:ext>
+            </c:extLst>
+          </c:dPt>
+          <c:cat>
+            <c:strRef>
+              <c:f>Sheet1!$D$8:$D$10</c:f>
+              <c:strCache>
+                <c:ptCount val="3"/>
+                <c:pt idx="0">
+                  <c:v>投資信託</c:v>
+                </c:pt>
+                <c:pt idx="1">
+                  <c:v>国内株式</c:v>
+                </c:pt>
+                <c:pt idx="2">
+                  <c:v>米国株式</c:v>
+                </c:pt>
+              </c:strCache>
+            </c:strRef>
+          </c:cat>
+          <c:val>
+            <c:numRef>
+              <c:f>Sheet1!$E$8:$E$10</c:f>
+              <c:numCache>
+                <c:formatCode>General</c:formatCode>
+                <c:ptCount val="3"/>
+                <c:pt idx="0">
+                  <c:v>25.6</c:v>
+                </c:pt>
+                <c:pt idx="1">
+                  <c:v>33.799999999999997</c:v>
+                </c:pt>
+                <c:pt idx="2">
+                  <c:v>40.5</c:v>
+                </c:pt>
+              </c:numCache>
+            </c:numRef>
+          </c:val>
+          <c:extLst>
+            <c:ext xmlns:c16="http://schemas.microsoft.com/office/drawing/2014/chart" uri="{C3380CC4-5D6E-409C-BE32-E72D297353CC}">
+              <c16:uniqueId val="{00000006-6271-4AAC-87FD-4862D021D21D}"/>
+            </c:ext>
+          </c:extLst>
+        </c:ser>
+        <c:dLbls>
+          <c:showLegendKey val="0"/>
+          <c:showVal val="0"/>
+          <c:showCatName val="0"/>
+          <c:showSerName val="0"/>
+          <c:showPercent val="0"/>
+          <c:showBubbleSize val="0"/>
+          <c:showLeaderLines val="1"/>
+        </c:dLbls>
+        <c:firstSliceAng val="157"/>
+      </c:pieChart>
+      <c:spPr>
+        <a:noFill/>
+        <a:ln>
+          <a:noFill/>
+        </a:ln>
+        <a:effectLst/>
+      </c:spPr>
+    </c:plotArea>
+    <c:plotVisOnly val="1"/>
+    <c:dispBlanksAs val="gap"/>
+    <c:extLst>
+      <c:ext xmlns:c16r3="http://schemas.microsoft.com/office/drawing/2017/03/chart" uri="{56B9EC1D-385E-4148-901F-78D8002777C0}">
+        <c16r3:dataDisplayOptions16>
+          <c16r3:dispNaAsBlank val="1"/>
+        </c16r3:dataDisplayOptions16>
+      </c:ext>
+    </c:extLst>
+    <c:showDLblsOverMax val="0"/>
+  </c:chart>
+  <c:spPr>
+    <a:noFill/>
+    <a:ln w="9525" cap="flat" cmpd="sng" algn="ctr">
+      <a:noFill/>
+      <a:round/>
+    </a:ln>
+    <a:effectLst/>
+  </c:spPr>
+  <c:txPr>
+    <a:bodyPr/>
+    <a:lstStyle/>
+    <a:p>
+      <a:pPr>
+        <a:defRPr/>
+      </a:pPr>
+      <a:endParaRPr lang="ja-JP"/>
+    </a:p>
+  </c:txPr>
+  <c:externalData r:id="rId3">
+    <c:autoUpdate val="0"/>
+  </c:externalData>
+</c:chartSpace>
+</file>
+
+<file path=ppt/charts/chart2.xml><?xml version="1.0" encoding="utf-8"?>
+<c:chartSpace xmlns:c="http://schemas.openxmlformats.org/drawingml/2006/chart" xmlns:a="http://schemas.openxmlformats.org/drawingml/2006/main" xmlns:r="http://schemas.openxmlformats.org/officeDocument/2006/relationships" xmlns:c16r2="http://schemas.microsoft.com/office/drawing/2015/06/chart">
+  <c:date1904 val="0"/>
+  <c:lang val="ja-JP"/>
+  <c:roundedCorners val="0"/>
+  <mc:AlternateContent xmlns:mc="http://schemas.openxmlformats.org/markup-compatibility/2006">
+    <mc:Choice xmlns:c14="http://schemas.microsoft.com/office/drawing/2007/8/2/chart" Requires="c14">
+      <c14:style val="102"/>
+    </mc:Choice>
+    <mc:Fallback>
+      <c:style val="2"/>
+    </mc:Fallback>
+  </mc:AlternateContent>
+  <c:chart>
+    <c:autoTitleDeleted val="1"/>
+    <c:plotArea>
+      <c:layout/>
+      <c:pieChart>
+        <c:varyColors val="1"/>
+        <c:ser>
+          <c:idx val="0"/>
+          <c:order val="0"/>
+          <c:dPt>
+            <c:idx val="0"/>
+            <c:bubble3D val="0"/>
+            <c:spPr>
+              <a:solidFill>
+                <a:schemeClr val="tx1">
+                  <a:lumMod val="75000"/>
+                  <a:lumOff val="25000"/>
+                </a:schemeClr>
+              </a:solidFill>
+              <a:ln w="19050">
+                <a:solidFill>
+                  <a:schemeClr val="lt1"/>
+                </a:solidFill>
+              </a:ln>
+              <a:effectLst/>
+            </c:spPr>
+            <c:extLst>
+              <c:ext xmlns:c16="http://schemas.microsoft.com/office/drawing/2014/chart" uri="{C3380CC4-5D6E-409C-BE32-E72D297353CC}">
+                <c16:uniqueId val="{00000001-F33C-493D-88BC-E54B31B2AB20}"/>
+              </c:ext>
+            </c:extLst>
+          </c:dPt>
+          <c:dPt>
+            <c:idx val="1"/>
+            <c:bubble3D val="0"/>
+            <c:spPr>
+              <a:solidFill>
+                <a:srgbClr val="002060"/>
+              </a:solidFill>
+              <a:ln w="19050">
+                <a:solidFill>
+                  <a:schemeClr val="lt1"/>
+                </a:solidFill>
+              </a:ln>
+              <a:effectLst/>
+            </c:spPr>
+            <c:extLst>
+              <c:ext xmlns:c16="http://schemas.microsoft.com/office/drawing/2014/chart" uri="{C3380CC4-5D6E-409C-BE32-E72D297353CC}">
+                <c16:uniqueId val="{00000003-F33C-493D-88BC-E54B31B2AB20}"/>
+              </c:ext>
+            </c:extLst>
+          </c:dPt>
+          <c:dPt>
+            <c:idx val="2"/>
+            <c:bubble3D val="0"/>
+            <c:spPr>
+              <a:solidFill>
+                <a:srgbClr val="00B0F0"/>
+              </a:solidFill>
+              <a:ln w="19050">
+                <a:solidFill>
+                  <a:schemeClr val="lt1"/>
+                </a:solidFill>
+              </a:ln>
+              <a:effectLst/>
+            </c:spPr>
+            <c:extLst>
+              <c:ext xmlns:c16="http://schemas.microsoft.com/office/drawing/2014/chart" uri="{C3380CC4-5D6E-409C-BE32-E72D297353CC}">
+                <c16:uniqueId val="{00000005-F33C-493D-88BC-E54B31B2AB20}"/>
+              </c:ext>
+            </c:extLst>
+          </c:dPt>
+          <c:dPt>
+            <c:idx val="3"/>
+            <c:bubble3D val="0"/>
+            <c:spPr>
+              <a:solidFill>
+                <a:schemeClr val="accent6">
+                  <a:lumMod val="75000"/>
+                </a:schemeClr>
+              </a:solidFill>
+              <a:ln w="19050">
+                <a:solidFill>
+                  <a:schemeClr val="lt1"/>
+                </a:solidFill>
+              </a:ln>
+              <a:effectLst/>
+            </c:spPr>
+            <c:extLst>
+              <c:ext xmlns:c16="http://schemas.microsoft.com/office/drawing/2014/chart" uri="{C3380CC4-5D6E-409C-BE32-E72D297353CC}">
+                <c16:uniqueId val="{00000007-F33C-493D-88BC-E54B31B2AB20}"/>
+              </c:ext>
+            </c:extLst>
+          </c:dPt>
+          <c:dPt>
+            <c:idx val="4"/>
+            <c:bubble3D val="0"/>
+            <c:spPr>
+              <a:solidFill>
+                <a:srgbClr val="FF3300"/>
+              </a:solidFill>
+              <a:ln w="19050">
+                <a:solidFill>
+                  <a:schemeClr val="lt1"/>
+                </a:solidFill>
+              </a:ln>
+              <a:effectLst/>
+            </c:spPr>
+            <c:extLst>
+              <c:ext xmlns:c16="http://schemas.microsoft.com/office/drawing/2014/chart" uri="{C3380CC4-5D6E-409C-BE32-E72D297353CC}">
+                <c16:uniqueId val="{00000009-F33C-493D-88BC-E54B31B2AB20}"/>
+              </c:ext>
+            </c:extLst>
+          </c:dPt>
+          <c:cat>
+            <c:strRef>
+              <c:f>Sheet1!$D$2:$D$6</c:f>
+              <c:strCache>
+                <c:ptCount val="5"/>
+                <c:pt idx="0">
+                  <c:v>AMZN アマゾンドットコム</c:v>
+                </c:pt>
+                <c:pt idx="1">
+                  <c:v>ARM アーム ホールディングス</c:v>
+                </c:pt>
+                <c:pt idx="2">
+                  <c:v>GOOGL アルファベット A</c:v>
+                </c:pt>
+                <c:pt idx="3">
+                  <c:v>NVDA エヌビディア</c:v>
+                </c:pt>
+                <c:pt idx="4">
+                  <c:v>TSM 台湾セミコンダクター ADR</c:v>
+                </c:pt>
+              </c:strCache>
+            </c:strRef>
+          </c:cat>
+          <c:val>
+            <c:numRef>
+              <c:f>Sheet1!$E$2:$E$6</c:f>
+              <c:numCache>
+                <c:formatCode>General</c:formatCode>
+                <c:ptCount val="5"/>
+                <c:pt idx="0">
+                  <c:v>4.0505866715959407</c:v>
+                </c:pt>
+                <c:pt idx="1">
+                  <c:v>21.391287508692248</c:v>
+                </c:pt>
+                <c:pt idx="2">
+                  <c:v>7.5153819747022634</c:v>
+                </c:pt>
+                <c:pt idx="3">
+                  <c:v>60.081024936843683</c:v>
+                </c:pt>
+                <c:pt idx="4">
+                  <c:v>6.9617189081658708</c:v>
+                </c:pt>
+              </c:numCache>
+            </c:numRef>
+          </c:val>
+          <c:extLst>
+            <c:ext xmlns:c16="http://schemas.microsoft.com/office/drawing/2014/chart" uri="{C3380CC4-5D6E-409C-BE32-E72D297353CC}">
+              <c16:uniqueId val="{0000000A-F33C-493D-88BC-E54B31B2AB20}"/>
+            </c:ext>
+          </c:extLst>
+        </c:ser>
+        <c:dLbls>
+          <c:showLegendKey val="0"/>
+          <c:showVal val="0"/>
+          <c:showCatName val="0"/>
+          <c:showSerName val="0"/>
+          <c:showPercent val="0"/>
+          <c:showBubbleSize val="0"/>
+          <c:showLeaderLines val="1"/>
+        </c:dLbls>
+        <c:firstSliceAng val="262"/>
+      </c:pieChart>
+      <c:spPr>
+        <a:noFill/>
+        <a:ln>
+          <a:noFill/>
+        </a:ln>
+        <a:effectLst/>
+      </c:spPr>
+    </c:plotArea>
+    <c:plotVisOnly val="1"/>
+    <c:dispBlanksAs val="gap"/>
+    <c:extLst>
+      <c:ext xmlns:c16r3="http://schemas.microsoft.com/office/drawing/2017/03/chart" uri="{56B9EC1D-385E-4148-901F-78D8002777C0}">
+        <c16r3:dataDisplayOptions16>
+          <c16r3:dispNaAsBlank val="1"/>
+        </c16r3:dataDisplayOptions16>
+      </c:ext>
+    </c:extLst>
+    <c:showDLblsOverMax val="0"/>
+  </c:chart>
+  <c:spPr>
+    <a:noFill/>
+    <a:ln w="9525" cap="flat" cmpd="sng" algn="ctr">
+      <a:noFill/>
+      <a:round/>
+    </a:ln>
+    <a:effectLst/>
+  </c:spPr>
+  <c:txPr>
+    <a:bodyPr/>
+    <a:lstStyle/>
+    <a:p>
+      <a:pPr>
+        <a:defRPr/>
+      </a:pPr>
+      <a:endParaRPr lang="ja-JP"/>
+    </a:p>
+  </c:txPr>
+  <c:externalData r:id="rId3">
+    <c:autoUpdate val="0"/>
+  </c:externalData>
+</c:chartSpace>
+</file>
+
+<file path=ppt/charts/colors1.xml><?xml version="1.0" encoding="utf-8"?>
+<cs:colorStyle xmlns:cs="http://schemas.microsoft.com/office/drawing/2012/chartStyle" xmlns:a="http://schemas.openxmlformats.org/drawingml/2006/main" meth="cycle" id="10">
+  <a:schemeClr val="accent1"/>
+  <a:schemeClr val="accent2"/>
+  <a:schemeClr val="accent3"/>
+  <a:schemeClr val="accent4"/>
+  <a:schemeClr val="accent5"/>
+  <a:schemeClr val="accent6"/>
+  <cs:variation/>
+  <cs:variation>
+    <a:lumMod val="60000"/>
+  </cs:variation>
+  <cs:variation>
+    <a:lumMod val="80000"/>
+    <a:lumOff val="20000"/>
+  </cs:variation>
+  <cs:variation>
+    <a:lumMod val="80000"/>
+  </cs:variation>
+  <cs:variation>
+    <a:lumMod val="60000"/>
+    <a:lumOff val="40000"/>
+  </cs:variation>
+  <cs:variation>
+    <a:lumMod val="50000"/>
+  </cs:variation>
+  <cs:variation>
+    <a:lumMod val="70000"/>
+    <a:lumOff val="30000"/>
+  </cs:variation>
+  <cs:variation>
+    <a:lumMod val="70000"/>
+  </cs:variation>
+  <cs:variation>
+    <a:lumMod val="50000"/>
+    <a:lumOff val="50000"/>
+  </cs:variation>
+</cs:colorStyle>
+</file>
+
+<file path=ppt/charts/colors2.xml><?xml version="1.0" encoding="utf-8"?>
+<cs:colorStyle xmlns:cs="http://schemas.microsoft.com/office/drawing/2012/chartStyle" xmlns:a="http://schemas.openxmlformats.org/drawingml/2006/main" meth="cycle" id="10">
+  <a:schemeClr val="accent1"/>
+  <a:schemeClr val="accent2"/>
+  <a:schemeClr val="accent3"/>
+  <a:schemeClr val="accent4"/>
+  <a:schemeClr val="accent5"/>
+  <a:schemeClr val="accent6"/>
+  <cs:variation/>
+  <cs:variation>
+    <a:lumMod val="60000"/>
+  </cs:variation>
+  <cs:variation>
+    <a:lumMod val="80000"/>
+    <a:lumOff val="20000"/>
+  </cs:variation>
+  <cs:variation>
+    <a:lumMod val="80000"/>
+  </cs:variation>
+  <cs:variation>
+    <a:lumMod val="60000"/>
+    <a:lumOff val="40000"/>
+  </cs:variation>
+  <cs:variation>
+    <a:lumMod val="50000"/>
+  </cs:variation>
+  <cs:variation>
+    <a:lumMod val="70000"/>
+    <a:lumOff val="30000"/>
+  </cs:variation>
+  <cs:variation>
+    <a:lumMod val="70000"/>
+  </cs:variation>
+  <cs:variation>
+    <a:lumMod val="50000"/>
+    <a:lumOff val="50000"/>
+  </cs:variation>
+</cs:colorStyle>
+</file>
+
+<file path=ppt/charts/style1.xml><?xml version="1.0" encoding="utf-8"?>
+<cs:chartStyle xmlns:cs="http://schemas.microsoft.com/office/drawing/2012/chartStyle" xmlns:a="http://schemas.openxmlformats.org/drawingml/2006/main" id="251">
+  <cs:axisTitle>
+    <cs:lnRef idx="0"/>
+    <cs:fillRef idx="0"/>
+    <cs:effectRef idx="0"/>
+    <cs:fontRef idx="minor">
+      <a:schemeClr val="tx1">
+        <a:lumMod val="65000"/>
+        <a:lumOff val="35000"/>
+      </a:schemeClr>
+    </cs:fontRef>
+    <cs:defRPr sz="1000" kern="1200"/>
+  </cs:axisTitle>
+  <cs:categoryAxis>
+    <cs:lnRef idx="0"/>
+    <cs:fillRef idx="0"/>
+    <cs:effectRef idx="0"/>
+    <cs:fontRef idx="minor">
+      <a:schemeClr val="tx1">
+        <a:lumMod val="65000"/>
+        <a:lumOff val="35000"/>
+      </a:schemeClr>
+    </cs:fontRef>
+    <cs:spPr>
+      <a:ln w="9525" cap="flat" cmpd="sng" algn="ctr">
+        <a:solidFill>
+          <a:schemeClr val="tx1">
+            <a:lumMod val="15000"/>
+            <a:lumOff val="85000"/>
+          </a:schemeClr>
+        </a:solidFill>
+        <a:round/>
+      </a:ln>
+    </cs:spPr>
+    <cs:defRPr sz="900" kern="1200"/>
+  </cs:categoryAxis>
+  <cs:chartArea mods="allowNoFillOverride allowNoLineOverride">
+    <cs:lnRef idx="0"/>
+    <cs:fillRef idx="0"/>
+    <cs:effectRef idx="0"/>
+    <cs:fontRef idx="minor">
+      <a:schemeClr val="tx1"/>
+    </cs:fontRef>
+    <cs:spPr>
+      <a:solidFill>
+        <a:schemeClr val="bg1"/>
+      </a:solidFill>
+      <a:ln w="9525" cap="flat" cmpd="sng" algn="ctr">
+        <a:solidFill>
+          <a:schemeClr val="tx1">
+            <a:lumMod val="15000"/>
+            <a:lumOff val="85000"/>
+          </a:schemeClr>
+        </a:solidFill>
+        <a:round/>
+      </a:ln>
+    </cs:spPr>
+    <cs:defRPr sz="900" kern="1200"/>
+  </cs:chartArea>
+  <cs:dataLabel>
+    <cs:lnRef idx="0"/>
+    <cs:fillRef idx="0"/>
+    <cs:effectRef idx="0"/>
+    <cs:fontRef idx="minor">
+      <a:schemeClr val="tx1">
+        <a:lumMod val="75000"/>
+        <a:lumOff val="25000"/>
+      </a:schemeClr>
+    </cs:fontRef>
+    <cs:defRPr sz="900" kern="1200"/>
+  </cs:dataLabel>
+  <cs:dataLabelCallout>
+    <cs:lnRef idx="0"/>
+    <cs:fillRef idx="0"/>
+    <cs:effectRef idx="0"/>
+    <cs:fontRef idx="minor">
+      <a:schemeClr val="dk1">
+        <a:lumMod val="65000"/>
+        <a:lumOff val="35000"/>
+      </a:schemeClr>
+    </cs:fontRef>
+    <cs:spPr>
+      <a:solidFill>
+        <a:schemeClr val="lt1"/>
+      </a:solidFill>
+      <a:ln>
+        <a:solidFill>
+          <a:schemeClr val="dk1">
+            <a:lumMod val="25000"/>
+            <a:lumOff val="75000"/>
+          </a:schemeClr>
+        </a:solidFill>
+      </a:ln>
+    </cs:spPr>
+    <cs:defRPr sz="900" kern="1200"/>
+    <cs:bodyPr rot="0" spcFirstLastPara="1" vertOverflow="clip" horzOverflow="clip" vert="horz" wrap="square" lIns="36576" tIns="18288" rIns="36576" bIns="18288" anchor="ctr" anchorCtr="1">
+      <a:spAutoFit/>
+    </cs:bodyPr>
+  </cs:dataLabelCallout>
+  <cs:dataPoint>
+    <cs:lnRef idx="0"/>
+    <cs:fillRef idx="1">
+      <cs:styleClr val="auto"/>
+    </cs:fillRef>
+    <cs:effectRef idx="0"/>
+    <cs:fontRef idx="minor">
+      <a:schemeClr val="tx1"/>
+    </cs:fontRef>
+    <cs:spPr>
+      <a:ln w="19050">
+        <a:solidFill>
+          <a:schemeClr val="lt1"/>
+        </a:solidFill>
+      </a:ln>
+    </cs:spPr>
+  </cs:dataPoint>
+  <cs:dataPoint3D>
+    <cs:lnRef idx="0"/>
+    <cs:fillRef idx="1">
+      <cs:styleClr val="auto"/>
+    </cs:fillRef>
+    <cs:effectRef idx="0"/>
+    <cs:fontRef idx="minor">
+      <a:schemeClr val="tx1"/>
+    </cs:fontRef>
+    <cs:spPr>
+      <a:ln w="25400">
+        <a:solidFill>
+          <a:schemeClr val="lt1"/>
+        </a:solidFill>
+      </a:ln>
+    </cs:spPr>
+  </cs:dataPoint3D>
+  <cs:dataPointLine>
+    <cs:lnRef idx="0">
+      <cs:styleClr val="auto"/>
+    </cs:lnRef>
+    <cs:fillRef idx="0"/>
+    <cs:effectRef idx="0"/>
+    <cs:fontRef idx="minor">
+      <a:schemeClr val="tx1"/>
+    </cs:fontRef>
+    <cs:spPr>
+      <a:ln w="28575" cap="rnd">
+        <a:solidFill>
+          <a:schemeClr val="phClr"/>
+        </a:solidFill>
+        <a:round/>
+      </a:ln>
+    </cs:spPr>
+  </cs:dataPointLine>
+  <cs:dataPointMarker>
+    <cs:lnRef idx="0">
+      <cs:styleClr val="auto"/>
+    </cs:lnRef>
+    <cs:fillRef idx="1">
+      <cs:styleClr val="auto"/>
+    </cs:fillRef>
+    <cs:effectRef idx="0"/>
+    <cs:fontRef idx="minor">
+      <a:schemeClr val="tx1"/>
+    </cs:fontRef>
+    <cs:spPr>
+      <a:ln w="9525">
+        <a:solidFill>
+          <a:schemeClr val="phClr"/>
+        </a:solidFill>
+      </a:ln>
+    </cs:spPr>
+  </cs:dataPointMarker>
+  <cs:dataPointMarkerLayout symbol="circle" size="5"/>
+  <cs:dataPointWireframe>
+    <cs:lnRef idx="0">
+      <cs:styleClr val="auto"/>
+    </cs:lnRef>
+    <cs:fillRef idx="0"/>
+    <cs:effectRef idx="0"/>
+    <cs:fontRef idx="minor">
+      <a:schemeClr val="tx1"/>
+    </cs:fontRef>
+    <cs:spPr>
+      <a:ln w="9525" cap="rnd">
+        <a:solidFill>
+          <a:schemeClr val="phClr"/>
+        </a:solidFill>
+        <a:round/>
+      </a:ln>
+    </cs:spPr>
+  </cs:dataPointWireframe>
+  <cs:dataTable>
+    <cs:lnRef idx="0"/>
+    <cs:fillRef idx="0"/>
+    <cs:effectRef idx="0"/>
+    <cs:fontRef idx="minor">
+      <a:schemeClr val="tx1">
+        <a:lumMod val="65000"/>
+        <a:lumOff val="35000"/>
+      </a:schemeClr>
+    </cs:fontRef>
+    <cs:spPr>
+      <a:noFill/>
+      <a:ln w="9525" cap="flat" cmpd="sng" algn="ctr">
+        <a:solidFill>
+          <a:schemeClr val="tx1">
+            <a:lumMod val="15000"/>
+            <a:lumOff val="85000"/>
+          </a:schemeClr>
+        </a:solidFill>
+        <a:round/>
+      </a:ln>
+    </cs:spPr>
+    <cs:defRPr sz="900" kern="1200"/>
+  </cs:dataTable>
+  <cs:downBar>
+    <cs:lnRef idx="0"/>
+    <cs:fillRef idx="0"/>
+    <cs:effectRef idx="0"/>
+    <cs:fontRef idx="minor">
+      <a:schemeClr val="tx1"/>
+    </cs:fontRef>
+    <cs:spPr>
+      <a:solidFill>
+        <a:schemeClr val="dk1">
+          <a:lumMod val="75000"/>
+          <a:lumOff val="25000"/>
+        </a:schemeClr>
+      </a:solidFill>
+      <a:ln w="9525" cap="flat" cmpd="sng" algn="ctr">
+        <a:solidFill>
+          <a:schemeClr val="tx1">
+            <a:lumMod val="65000"/>
+            <a:lumOff val="35000"/>
+          </a:schemeClr>
+        </a:solidFill>
+        <a:round/>
+      </a:ln>
+    </cs:spPr>
+  </cs:downBar>
+  <cs:dropLine>
+    <cs:lnRef idx="0"/>
+    <cs:fillRef idx="0"/>
+    <cs:effectRef idx="0"/>
+    <cs:fontRef idx="minor">
+      <a:schemeClr val="tx1"/>
+    </cs:fontRef>
+    <cs:spPr>
+      <a:ln w="9525" cap="flat" cmpd="sng" algn="ctr">
+        <a:solidFill>
+          <a:schemeClr val="tx1">
+            <a:lumMod val="35000"/>
+            <a:lumOff val="65000"/>
+          </a:schemeClr>
+        </a:solidFill>
+        <a:round/>
+      </a:ln>
+    </cs:spPr>
+  </cs:dropLine>
+  <cs:errorBar>
+    <cs:lnRef idx="0"/>
+    <cs:fillRef idx="0"/>
+    <cs:effectRef idx="0"/>
+    <cs:fontRef idx="minor">
+      <a:schemeClr val="tx1"/>
+    </cs:fontRef>
+    <cs:spPr>
+      <a:ln w="9525" cap="flat" cmpd="sng" algn="ctr">
+        <a:solidFill>
+          <a:schemeClr val="tx1">
+            <a:lumMod val="65000"/>
+            <a:lumOff val="35000"/>
+          </a:schemeClr>
+        </a:solidFill>
+        <a:round/>
+      </a:ln>
+    </cs:spPr>
+  </cs:errorBar>
+  <cs:floor>
+    <cs:lnRef idx="0"/>
+    <cs:fillRef idx="0"/>
+    <cs:effectRef idx="0"/>
+    <cs:fontRef idx="minor">
+      <a:schemeClr val="tx1"/>
+    </cs:fontRef>
+    <cs:spPr>
+      <a:noFill/>
+      <a:ln>
+        <a:noFill/>
+      </a:ln>
+    </cs:spPr>
+  </cs:floor>
+  <cs:gridlineMajor>
+    <cs:lnRef idx="0"/>
+    <cs:fillRef idx="0"/>
+    <cs:effectRef idx="0"/>
+    <cs:fontRef idx="minor">
+      <a:schemeClr val="tx1"/>
+    </cs:fontRef>
+    <cs:spPr>
+      <a:ln w="9525" cap="flat" cmpd="sng" algn="ctr">
+        <a:solidFill>
+          <a:schemeClr val="tx1">
+            <a:lumMod val="15000"/>
+            <a:lumOff val="85000"/>
+          </a:schemeClr>
+        </a:solidFill>
+        <a:round/>
+      </a:ln>
+    </cs:spPr>
+  </cs:gridlineMajor>
+  <cs:gridlineMinor>
+    <cs:lnRef idx="0"/>
+    <cs:fillRef idx="0"/>
+    <cs:effectRef idx="0"/>
+    <cs:fontRef idx="minor">
+      <a:schemeClr val="tx1"/>
+    </cs:fontRef>
+    <cs:spPr>
+      <a:ln w="9525" cap="flat" cmpd="sng" algn="ctr">
+        <a:solidFill>
+          <a:schemeClr val="tx1">
+            <a:lumMod val="5000"/>
+            <a:lumOff val="95000"/>
+          </a:schemeClr>
+        </a:solidFill>
+        <a:round/>
+      </a:ln>
+    </cs:spPr>
+  </cs:gridlineMinor>
+  <cs:hiLoLine>
+    <cs:lnRef idx="0"/>
+    <cs:fillRef idx="0"/>
+    <cs:effectRef idx="0"/>
+    <cs:fontRef idx="minor">
+      <a:schemeClr val="tx1"/>
+    </cs:fontRef>
+    <cs:spPr>
+      <a:ln w="9525" cap="flat" cmpd="sng" algn="ctr">
+        <a:solidFill>
+          <a:schemeClr val="tx1">
+            <a:lumMod val="50000"/>
+            <a:lumOff val="50000"/>
+          </a:schemeClr>
+        </a:solidFill>
+        <a:round/>
+      </a:ln>
+    </cs:spPr>
+  </cs:hiLoLine>
+  <cs:leaderLine>
+    <cs:lnRef idx="0"/>
+    <cs:fillRef idx="0"/>
+    <cs:effectRef idx="0"/>
+    <cs:fontRef idx="minor">
+      <a:schemeClr val="tx1"/>
+    </cs:fontRef>
+    <cs:spPr>
+      <a:ln w="9525" cap="flat" cmpd="sng" algn="ctr">
+        <a:solidFill>
+          <a:schemeClr val="tx1">
+            <a:lumMod val="35000"/>
+            <a:lumOff val="65000"/>
+          </a:schemeClr>
+        </a:solidFill>
+        <a:round/>
+      </a:ln>
+    </cs:spPr>
+  </cs:leaderLine>
+  <cs:legend>
+    <cs:lnRef idx="0"/>
+    <cs:fillRef idx="0"/>
+    <cs:effectRef idx="0"/>
+    <cs:fontRef idx="minor">
+      <a:schemeClr val="tx1">
+        <a:lumMod val="65000"/>
+        <a:lumOff val="35000"/>
+      </a:schemeClr>
+    </cs:fontRef>
+    <cs:defRPr sz="900" kern="1200"/>
+  </cs:legend>
+  <cs:plotArea mods="allowNoFillOverride allowNoLineOverride">
+    <cs:lnRef idx="0"/>
+    <cs:fillRef idx="0"/>
+    <cs:effectRef idx="0"/>
+    <cs:fontRef idx="minor">
+      <a:schemeClr val="tx1"/>
+    </cs:fontRef>
+  </cs:plotArea>
+  <cs:plotArea3D mods="allowNoFillOverride allowNoLineOverride">
+    <cs:lnRef idx="0"/>
+    <cs:fillRef idx="0"/>
+    <cs:effectRef idx="0"/>
+    <cs:fontRef idx="minor">
+      <a:schemeClr val="tx1"/>
+    </cs:fontRef>
+  </cs:plotArea3D>
+  <cs:seriesAxis>
+    <cs:lnRef idx="0"/>
+    <cs:fillRef idx="0"/>
+    <cs:effectRef idx="0"/>
+    <cs:fontRef idx="minor">
+      <a:schemeClr val="tx1">
+        <a:lumMod val="65000"/>
+        <a:lumOff val="35000"/>
+      </a:schemeClr>
+    </cs:fontRef>
+    <cs:defRPr sz="900" kern="1200"/>
+  </cs:seriesAxis>
+  <cs:seriesLine>
+    <cs:lnRef idx="0"/>
+    <cs:fillRef idx="0"/>
+    <cs:effectRef idx="0"/>
+    <cs:fontRef idx="minor">
+      <a:schemeClr val="tx1"/>
+    </cs:fontRef>
+    <cs:spPr>
+      <a:ln w="9525" cap="flat" cmpd="sng" algn="ctr">
+        <a:solidFill>
+          <a:schemeClr val="tx1">
+            <a:lumMod val="35000"/>
+            <a:lumOff val="65000"/>
+          </a:schemeClr>
+        </a:solidFill>
+        <a:round/>
+      </a:ln>
+    </cs:spPr>
+  </cs:seriesLine>
+  <cs:title>
+    <cs:lnRef idx="0"/>
+    <cs:fillRef idx="0"/>
+    <cs:effectRef idx="0"/>
+    <cs:fontRef idx="minor">
+      <a:schemeClr val="tx1">
+        <a:lumMod val="65000"/>
+        <a:lumOff val="35000"/>
+      </a:schemeClr>
+    </cs:fontRef>
+    <cs:defRPr sz="1400" b="0" kern="1200" spc="0" baseline="0"/>
+  </cs:title>
+  <cs:trendline>
+    <cs:lnRef idx="0">
+      <cs:styleClr val="auto"/>
+    </cs:lnRef>
+    <cs:fillRef idx="0"/>
+    <cs:effectRef idx="0"/>
+    <cs:fontRef idx="minor">
+      <a:schemeClr val="tx1"/>
+    </cs:fontRef>
+    <cs:spPr>
+      <a:ln w="19050" cap="rnd">
+        <a:solidFill>
+          <a:schemeClr val="phClr"/>
+        </a:solidFill>
+        <a:prstDash val="sysDot"/>
+      </a:ln>
+    </cs:spPr>
+  </cs:trendline>
+  <cs:trendlineLabel>
+    <cs:lnRef idx="0"/>
+    <cs:fillRef idx="0"/>
+    <cs:effectRef idx="0"/>
+    <cs:fontRef idx="minor">
+      <a:schemeClr val="tx1">
+        <a:lumMod val="65000"/>
+        <a:lumOff val="35000"/>
+      </a:schemeClr>
+    </cs:fontRef>
+    <cs:defRPr sz="900" kern="1200"/>
+  </cs:trendlineLabel>
+  <cs:upBar>
+    <cs:lnRef idx="0"/>
+    <cs:fillRef idx="0"/>
+    <cs:effectRef idx="0"/>
+    <cs:fontRef idx="minor">
+      <a:schemeClr val="tx1"/>
+    </cs:fontRef>
+    <cs:spPr>
+      <a:solidFill>
+        <a:schemeClr val="lt1"/>
+      </a:solidFill>
+      <a:ln w="9525" cap="flat" cmpd="sng" algn="ctr">
+        <a:solidFill>
+          <a:schemeClr val="tx1">
+            <a:lumMod val="65000"/>
+            <a:lumOff val="35000"/>
+          </a:schemeClr>
+        </a:solidFill>
+        <a:round/>
+      </a:ln>
+    </cs:spPr>
+  </cs:upBar>
+  <cs:valueAxis>
+    <cs:lnRef idx="0"/>
+    <cs:fillRef idx="0"/>
+    <cs:effectRef idx="0"/>
+    <cs:fontRef idx="minor">
+      <a:schemeClr val="tx1">
+        <a:lumMod val="65000"/>
+        <a:lumOff val="35000"/>
+      </a:schemeClr>
+    </cs:fontRef>
+    <cs:defRPr sz="900" kern="1200"/>
+  </cs:valueAxis>
+  <cs:wall>
+    <cs:lnRef idx="0"/>
+    <cs:fillRef idx="0"/>
+    <cs:effectRef idx="0"/>
+    <cs:fontRef idx="minor">
+      <a:schemeClr val="tx1"/>
+    </cs:fontRef>
+    <cs:spPr>
+      <a:noFill/>
+      <a:ln>
+        <a:noFill/>
+      </a:ln>
+    </cs:spPr>
+  </cs:wall>
+</cs:chartStyle>
+</file>
+
+<file path=ppt/charts/style2.xml><?xml version="1.0" encoding="utf-8"?>
+<cs:chartStyle xmlns:cs="http://schemas.microsoft.com/office/drawing/2012/chartStyle" xmlns:a="http://schemas.openxmlformats.org/drawingml/2006/main" id="251">
+  <cs:axisTitle>
+    <cs:lnRef idx="0"/>
+    <cs:fillRef idx="0"/>
+    <cs:effectRef idx="0"/>
+    <cs:fontRef idx="minor">
+      <a:schemeClr val="tx1">
+        <a:lumMod val="65000"/>
+        <a:lumOff val="35000"/>
+      </a:schemeClr>
+    </cs:fontRef>
+    <cs:defRPr sz="1000" kern="1200"/>
+  </cs:axisTitle>
+  <cs:categoryAxis>
+    <cs:lnRef idx="0"/>
+    <cs:fillRef idx="0"/>
+    <cs:effectRef idx="0"/>
+    <cs:fontRef idx="minor">
+      <a:schemeClr val="tx1">
+        <a:lumMod val="65000"/>
+        <a:lumOff val="35000"/>
+      </a:schemeClr>
+    </cs:fontRef>
+    <cs:spPr>
+      <a:ln w="9525" cap="flat" cmpd="sng" algn="ctr">
+        <a:solidFill>
+          <a:schemeClr val="tx1">
+            <a:lumMod val="15000"/>
+            <a:lumOff val="85000"/>
+          </a:schemeClr>
+        </a:solidFill>
+        <a:round/>
+      </a:ln>
+    </cs:spPr>
+    <cs:defRPr sz="900" kern="1200"/>
+  </cs:categoryAxis>
+  <cs:chartArea mods="allowNoFillOverride allowNoLineOverride">
+    <cs:lnRef idx="0"/>
+    <cs:fillRef idx="0"/>
+    <cs:effectRef idx="0"/>
+    <cs:fontRef idx="minor">
+      <a:schemeClr val="tx1"/>
+    </cs:fontRef>
+    <cs:spPr>
+      <a:solidFill>
+        <a:schemeClr val="bg1"/>
+      </a:solidFill>
+      <a:ln w="9525" cap="flat" cmpd="sng" algn="ctr">
+        <a:solidFill>
+          <a:schemeClr val="tx1">
+            <a:lumMod val="15000"/>
+            <a:lumOff val="85000"/>
+          </a:schemeClr>
+        </a:solidFill>
+        <a:round/>
+      </a:ln>
+    </cs:spPr>
+    <cs:defRPr sz="900" kern="1200"/>
+  </cs:chartArea>
+  <cs:dataLabel>
+    <cs:lnRef idx="0"/>
+    <cs:fillRef idx="0"/>
+    <cs:effectRef idx="0"/>
+    <cs:fontRef idx="minor">
+      <a:schemeClr val="tx1">
+        <a:lumMod val="75000"/>
+        <a:lumOff val="25000"/>
+      </a:schemeClr>
+    </cs:fontRef>
+    <cs:defRPr sz="900" kern="1200"/>
+  </cs:dataLabel>
+  <cs:dataLabelCallout>
+    <cs:lnRef idx="0"/>
+    <cs:fillRef idx="0"/>
+    <cs:effectRef idx="0"/>
+    <cs:fontRef idx="minor">
+      <a:schemeClr val="dk1">
+        <a:lumMod val="65000"/>
+        <a:lumOff val="35000"/>
+      </a:schemeClr>
+    </cs:fontRef>
+    <cs:spPr>
+      <a:solidFill>
+        <a:schemeClr val="lt1"/>
+      </a:solidFill>
+      <a:ln>
+        <a:solidFill>
+          <a:schemeClr val="dk1">
+            <a:lumMod val="25000"/>
+            <a:lumOff val="75000"/>
+          </a:schemeClr>
+        </a:solidFill>
+      </a:ln>
+    </cs:spPr>
+    <cs:defRPr sz="900" kern="1200"/>
+    <cs:bodyPr rot="0" spcFirstLastPara="1" vertOverflow="clip" horzOverflow="clip" vert="horz" wrap="square" lIns="36576" tIns="18288" rIns="36576" bIns="18288" anchor="ctr" anchorCtr="1">
+      <a:spAutoFit/>
+    </cs:bodyPr>
+  </cs:dataLabelCallout>
+  <cs:dataPoint>
+    <cs:lnRef idx="0"/>
+    <cs:fillRef idx="1">
+      <cs:styleClr val="auto"/>
+    </cs:fillRef>
+    <cs:effectRef idx="0"/>
+    <cs:fontRef idx="minor">
+      <a:schemeClr val="tx1"/>
+    </cs:fontRef>
+    <cs:spPr>
+      <a:ln w="19050">
+        <a:solidFill>
+          <a:schemeClr val="lt1"/>
+        </a:solidFill>
+      </a:ln>
+    </cs:spPr>
+  </cs:dataPoint>
+  <cs:dataPoint3D>
+    <cs:lnRef idx="0"/>
+    <cs:fillRef idx="1">
+      <cs:styleClr val="auto"/>
+    </cs:fillRef>
+    <cs:effectRef idx="0"/>
+    <cs:fontRef idx="minor">
+      <a:schemeClr val="tx1"/>
+    </cs:fontRef>
+    <cs:spPr>
+      <a:ln w="25400">
+        <a:solidFill>
+          <a:schemeClr val="lt1"/>
+        </a:solidFill>
+      </a:ln>
+    </cs:spPr>
+  </cs:dataPoint3D>
+  <cs:dataPointLine>
+    <cs:lnRef idx="0">
+      <cs:styleClr val="auto"/>
+    </cs:lnRef>
+    <cs:fillRef idx="0"/>
+    <cs:effectRef idx="0"/>
+    <cs:fontRef idx="minor">
+      <a:schemeClr val="tx1"/>
+    </cs:fontRef>
+    <cs:spPr>
+      <a:ln w="28575" cap="rnd">
+        <a:solidFill>
+          <a:schemeClr val="phClr"/>
+        </a:solidFill>
+        <a:round/>
+      </a:ln>
+    </cs:spPr>
+  </cs:dataPointLine>
+  <cs:dataPointMarker>
+    <cs:lnRef idx="0">
+      <cs:styleClr val="auto"/>
+    </cs:lnRef>
+    <cs:fillRef idx="1">
+      <cs:styleClr val="auto"/>
+    </cs:fillRef>
+    <cs:effectRef idx="0"/>
+    <cs:fontRef idx="minor">
+      <a:schemeClr val="tx1"/>
+    </cs:fontRef>
+    <cs:spPr>
+      <a:ln w="9525">
+        <a:solidFill>
+          <a:schemeClr val="phClr"/>
+        </a:solidFill>
+      </a:ln>
+    </cs:spPr>
+  </cs:dataPointMarker>
+  <cs:dataPointMarkerLayout symbol="circle" size="5"/>
+  <cs:dataPointWireframe>
+    <cs:lnRef idx="0">
+      <cs:styleClr val="auto"/>
+    </cs:lnRef>
+    <cs:fillRef idx="0"/>
+    <cs:effectRef idx="0"/>
+    <cs:fontRef idx="minor">
+      <a:schemeClr val="tx1"/>
+    </cs:fontRef>
+    <cs:spPr>
+      <a:ln w="9525" cap="rnd">
+        <a:solidFill>
+          <a:schemeClr val="phClr"/>
+        </a:solidFill>
+        <a:round/>
+      </a:ln>
+    </cs:spPr>
+  </cs:dataPointWireframe>
+  <cs:dataTable>
+    <cs:lnRef idx="0"/>
+    <cs:fillRef idx="0"/>
+    <cs:effectRef idx="0"/>
+    <cs:fontRef idx="minor">
+      <a:schemeClr val="tx1">
+        <a:lumMod val="65000"/>
+        <a:lumOff val="35000"/>
+      </a:schemeClr>
+    </cs:fontRef>
+    <cs:spPr>
+      <a:noFill/>
+      <a:ln w="9525" cap="flat" cmpd="sng" algn="ctr">
+        <a:solidFill>
+          <a:schemeClr val="tx1">
+            <a:lumMod val="15000"/>
+            <a:lumOff val="85000"/>
+          </a:schemeClr>
+        </a:solidFill>
+        <a:round/>
+      </a:ln>
+    </cs:spPr>
+    <cs:defRPr sz="900" kern="1200"/>
+  </cs:dataTable>
+  <cs:downBar>
+    <cs:lnRef idx="0"/>
+    <cs:fillRef idx="0"/>
+    <cs:effectRef idx="0"/>
+    <cs:fontRef idx="minor">
+      <a:schemeClr val="tx1"/>
+    </cs:fontRef>
+    <cs:spPr>
+      <a:solidFill>
+        <a:schemeClr val="dk1">
+          <a:lumMod val="75000"/>
+          <a:lumOff val="25000"/>
+        </a:schemeClr>
+      </a:solidFill>
+      <a:ln w="9525" cap="flat" cmpd="sng" algn="ctr">
+        <a:solidFill>
+          <a:schemeClr val="tx1">
+            <a:lumMod val="65000"/>
+            <a:lumOff val="35000"/>
+          </a:schemeClr>
+        </a:solidFill>
+        <a:round/>
+      </a:ln>
+    </cs:spPr>
+  </cs:downBar>
+  <cs:dropLine>
+    <cs:lnRef idx="0"/>
+    <cs:fillRef idx="0"/>
+    <cs:effectRef idx="0"/>
+    <cs:fontRef idx="minor">
+      <a:schemeClr val="tx1"/>
+    </cs:fontRef>
+    <cs:spPr>
+      <a:ln w="9525" cap="flat" cmpd="sng" algn="ctr">
+        <a:solidFill>
+          <a:schemeClr val="tx1">
+            <a:lumMod val="35000"/>
+            <a:lumOff val="65000"/>
+          </a:schemeClr>
+        </a:solidFill>
+        <a:round/>
+      </a:ln>
+    </cs:spPr>
+  </cs:dropLine>
+  <cs:errorBar>
+    <cs:lnRef idx="0"/>
+    <cs:fillRef idx="0"/>
+    <cs:effectRef idx="0"/>
+    <cs:fontRef idx="minor">
+      <a:schemeClr val="tx1"/>
+    </cs:fontRef>
+    <cs:spPr>
+      <a:ln w="9525" cap="flat" cmpd="sng" algn="ctr">
+        <a:solidFill>
+          <a:schemeClr val="tx1">
+            <a:lumMod val="65000"/>
+            <a:lumOff val="35000"/>
+          </a:schemeClr>
+        </a:solidFill>
+        <a:round/>
+      </a:ln>
+    </cs:spPr>
+  </cs:errorBar>
+  <cs:floor>
+    <cs:lnRef idx="0"/>
+    <cs:fillRef idx="0"/>
+    <cs:effectRef idx="0"/>
+    <cs:fontRef idx="minor">
+      <a:schemeClr val="tx1"/>
+    </cs:fontRef>
+    <cs:spPr>
+      <a:noFill/>
+      <a:ln>
+        <a:noFill/>
+      </a:ln>
+    </cs:spPr>
+  </cs:floor>
+  <cs:gridlineMajor>
+    <cs:lnRef idx="0"/>
+    <cs:fillRef idx="0"/>
+    <cs:effectRef idx="0"/>
+    <cs:fontRef idx="minor">
+      <a:schemeClr val="tx1"/>
+    </cs:fontRef>
+    <cs:spPr>
+      <a:ln w="9525" cap="flat" cmpd="sng" algn="ctr">
+        <a:solidFill>
+          <a:schemeClr val="tx1">
+            <a:lumMod val="15000"/>
+            <a:lumOff val="85000"/>
+          </a:schemeClr>
+        </a:solidFill>
+        <a:round/>
+      </a:ln>
+    </cs:spPr>
+  </cs:gridlineMajor>
+  <cs:gridlineMinor>
+    <cs:lnRef idx="0"/>
+    <cs:fillRef idx="0"/>
+    <cs:effectRef idx="0"/>
+    <cs:fontRef idx="minor">
+      <a:schemeClr val="tx1"/>
+    </cs:fontRef>
+    <cs:spPr>
+      <a:ln w="9525" cap="flat" cmpd="sng" algn="ctr">
+        <a:solidFill>
+          <a:schemeClr val="tx1">
+            <a:lumMod val="5000"/>
+            <a:lumOff val="95000"/>
+          </a:schemeClr>
+        </a:solidFill>
+        <a:round/>
+      </a:ln>
+    </cs:spPr>
+  </cs:gridlineMinor>
+  <cs:hiLoLine>
+    <cs:lnRef idx="0"/>
+    <cs:fillRef idx="0"/>
+    <cs:effectRef idx="0"/>
+    <cs:fontRef idx="minor">
+      <a:schemeClr val="tx1"/>
+    </cs:fontRef>
+    <cs:spPr>
+      <a:ln w="9525" cap="flat" cmpd="sng" algn="ctr">
+        <a:solidFill>
+          <a:schemeClr val="tx1">
+            <a:lumMod val="50000"/>
+            <a:lumOff val="50000"/>
+          </a:schemeClr>
+        </a:solidFill>
+        <a:round/>
+      </a:ln>
+    </cs:spPr>
+  </cs:hiLoLine>
+  <cs:leaderLine>
+    <cs:lnRef idx="0"/>
+    <cs:fillRef idx="0"/>
+    <cs:effectRef idx="0"/>
+    <cs:fontRef idx="minor">
+      <a:schemeClr val="tx1"/>
+    </cs:fontRef>
+    <cs:spPr>
+      <a:ln w="9525" cap="flat" cmpd="sng" algn="ctr">
+        <a:solidFill>
+          <a:schemeClr val="tx1">
+            <a:lumMod val="35000"/>
+            <a:lumOff val="65000"/>
+          </a:schemeClr>
+        </a:solidFill>
+        <a:round/>
+      </a:ln>
+    </cs:spPr>
+  </cs:leaderLine>
+  <cs:legend>
+    <cs:lnRef idx="0"/>
+    <cs:fillRef idx="0"/>
+    <cs:effectRef idx="0"/>
+    <cs:fontRef idx="minor">
+      <a:schemeClr val="tx1">
+        <a:lumMod val="65000"/>
+        <a:lumOff val="35000"/>
+      </a:schemeClr>
+    </cs:fontRef>
+    <cs:defRPr sz="900" kern="1200"/>
+  </cs:legend>
+  <cs:plotArea mods="allowNoFillOverride allowNoLineOverride">
+    <cs:lnRef idx="0"/>
+    <cs:fillRef idx="0"/>
+    <cs:effectRef idx="0"/>
+    <cs:fontRef idx="minor">
+      <a:schemeClr val="tx1"/>
+    </cs:fontRef>
+  </cs:plotArea>
+  <cs:plotArea3D mods="allowNoFillOverride allowNoLineOverride">
+    <cs:lnRef idx="0"/>
+    <cs:fillRef idx="0"/>
+    <cs:effectRef idx="0"/>
+    <cs:fontRef idx="minor">
+      <a:schemeClr val="tx1"/>
+    </cs:fontRef>
+  </cs:plotArea3D>
+  <cs:seriesAxis>
+    <cs:lnRef idx="0"/>
+    <cs:fillRef idx="0"/>
+    <cs:effectRef idx="0"/>
+    <cs:fontRef idx="minor">
+      <a:schemeClr val="tx1">
+        <a:lumMod val="65000"/>
+        <a:lumOff val="35000"/>
+      </a:schemeClr>
+    </cs:fontRef>
+    <cs:defRPr sz="900" kern="1200"/>
+  </cs:seriesAxis>
+  <cs:seriesLine>
+    <cs:lnRef idx="0"/>
+    <cs:fillRef idx="0"/>
+    <cs:effectRef idx="0"/>
+    <cs:fontRef idx="minor">
+      <a:schemeClr val="tx1"/>
+    </cs:fontRef>
+    <cs:spPr>
+      <a:ln w="9525" cap="flat" cmpd="sng" algn="ctr">
+        <a:solidFill>
+          <a:schemeClr val="tx1">
+            <a:lumMod val="35000"/>
+            <a:lumOff val="65000"/>
+          </a:schemeClr>
+        </a:solidFill>
+        <a:round/>
+      </a:ln>
+    </cs:spPr>
+  </cs:seriesLine>
+  <cs:title>
+    <cs:lnRef idx="0"/>
+    <cs:fillRef idx="0"/>
+    <cs:effectRef idx="0"/>
+    <cs:fontRef idx="minor">
+      <a:schemeClr val="tx1">
+        <a:lumMod val="65000"/>
+        <a:lumOff val="35000"/>
+      </a:schemeClr>
+    </cs:fontRef>
+    <cs:defRPr sz="1400" b="0" kern="1200" spc="0" baseline="0"/>
+  </cs:title>
+  <cs:trendline>
+    <cs:lnRef idx="0">
+      <cs:styleClr val="auto"/>
+    </cs:lnRef>
+    <cs:fillRef idx="0"/>
+    <cs:effectRef idx="0"/>
+    <cs:fontRef idx="minor">
+      <a:schemeClr val="tx1"/>
+    </cs:fontRef>
+    <cs:spPr>
+      <a:ln w="19050" cap="rnd">
+        <a:solidFill>
+          <a:schemeClr val="phClr"/>
+        </a:solidFill>
+        <a:prstDash val="sysDot"/>
+      </a:ln>
+    </cs:spPr>
+  </cs:trendline>
+  <cs:trendlineLabel>
+    <cs:lnRef idx="0"/>
+    <cs:fillRef idx="0"/>
+    <cs:effectRef idx="0"/>
+    <cs:fontRef idx="minor">
+      <a:schemeClr val="tx1">
+        <a:lumMod val="65000"/>
+        <a:lumOff val="35000"/>
+      </a:schemeClr>
+    </cs:fontRef>
+    <cs:defRPr sz="900" kern="1200"/>
+  </cs:trendlineLabel>
+  <cs:upBar>
+    <cs:lnRef idx="0"/>
+    <cs:fillRef idx="0"/>
+    <cs:effectRef idx="0"/>
+    <cs:fontRef idx="minor">
+      <a:schemeClr val="tx1"/>
+    </cs:fontRef>
+    <cs:spPr>
+      <a:solidFill>
+        <a:schemeClr val="lt1"/>
+      </a:solidFill>
+      <a:ln w="9525" cap="flat" cmpd="sng" algn="ctr">
+        <a:solidFill>
+          <a:schemeClr val="tx1">
+            <a:lumMod val="65000"/>
+            <a:lumOff val="35000"/>
+          </a:schemeClr>
+        </a:solidFill>
+        <a:round/>
+      </a:ln>
+    </cs:spPr>
+  </cs:upBar>
+  <cs:valueAxis>
+    <cs:lnRef idx="0"/>
+    <cs:fillRef idx="0"/>
+    <cs:effectRef idx="0"/>
+    <cs:fontRef idx="minor">
+      <a:schemeClr val="tx1">
+        <a:lumMod val="65000"/>
+        <a:lumOff val="35000"/>
+      </a:schemeClr>
+    </cs:fontRef>
+    <cs:defRPr sz="900" kern="1200"/>
+  </cs:valueAxis>
+  <cs:wall>
+    <cs:lnRef idx="0"/>
+    <cs:fillRef idx="0"/>
+    <cs:effectRef idx="0"/>
+    <cs:fontRef idx="minor">
+      <a:schemeClr val="tx1"/>
+    </cs:fontRef>
+    <cs:spPr>
+      <a:noFill/>
+      <a:ln>
+        <a:noFill/>
+      </a:ln>
+    </cs:spPr>
+  </cs:wall>
+</cs:chartStyle>
+</file>
+
+<file path=ppt/notesMasters/notesMaster1.xml><?xml version="1.0" encoding="utf-8"?>
+<p:notesMaster xmlns:a="http://schemas.openxmlformats.org/drawingml/2006/main" xmlns:r="http://schemas.openxmlformats.org/officeDocument/2006/relationships" xmlns:p="http://schemas.openxmlformats.org/presentationml/2006/main">
+  <p:cSld>
+    <p:bg>
+      <p:bgRef idx="1001">
+        <a:schemeClr val="bg1"/>
+      </p:bgRef>
+    </p:bg>
+    <p:spTree>
+      <p:nvGrpSpPr>
+        <p:cNvPr id="1" name=""/>
+        <p:cNvGrpSpPr/>
+        <p:nvPr/>
+      </p:nvGrpSpPr>
+      <p:grpSpPr>
+        <a:xfrm>
+          <a:off x="0" y="0"/>
+          <a:ext cx="0" cy="0"/>
+          <a:chOff x="0" y="0"/>
+          <a:chExt cx="0" cy="0"/>
+        </a:xfrm>
+      </p:grpSpPr>
+      <p:sp>
+        <p:nvSpPr>
+          <p:cNvPr id="2" name="ヘッダー プレースホルダー 1"/>
+          <p:cNvSpPr>
+            <a:spLocks noGrp="1"/>
+          </p:cNvSpPr>
+          <p:nvPr>
+            <p:ph type="hdr" sz="quarter"/>
+          </p:nvPr>
+        </p:nvSpPr>
+        <p:spPr>
+          <a:xfrm>
+            <a:off x="0" y="0"/>
+            <a:ext cx="2971800" cy="458788"/>
+          </a:xfrm>
+          <a:prstGeom prst="rect">
+            <a:avLst/>
+          </a:prstGeom>
+        </p:spPr>
+        <p:txBody>
+          <a:bodyPr vert="horz" lIns="91440" tIns="45720" rIns="91440" bIns="45720" rtlCol="0"/>
+          <a:lstStyle>
+            <a:lvl1pPr algn="l">
+              <a:defRPr sz="1200"/>
+            </a:lvl1pPr>
+          </a:lstStyle>
+          <a:p>
+            <a:endParaRPr kumimoji="1" lang="ja-JP" altLang="en-US"/>
+          </a:p>
+        </p:txBody>
+      </p:sp>
+      <p:sp>
+        <p:nvSpPr>
+          <p:cNvPr id="3" name="日付プレースホルダー 2"/>
+          <p:cNvSpPr>
+            <a:spLocks noGrp="1"/>
+          </p:cNvSpPr>
+          <p:nvPr>
+            <p:ph type="dt" idx="1"/>
+          </p:nvPr>
+        </p:nvSpPr>
+        <p:spPr>
+          <a:xfrm>
+            <a:off x="3884613" y="0"/>
+            <a:ext cx="2971800" cy="458788"/>
+          </a:xfrm>
+          <a:prstGeom prst="rect">
+            <a:avLst/>
+          </a:prstGeom>
+        </p:spPr>
+        <p:txBody>
+          <a:bodyPr vert="horz" lIns="91440" tIns="45720" rIns="91440" bIns="45720" rtlCol="0"/>
+          <a:lstStyle>
+            <a:lvl1pPr algn="r">
+              <a:defRPr sz="1200"/>
+            </a:lvl1pPr>
+          </a:lstStyle>
+          <a:p>
+            <a:fld id="{71B089C8-FDE2-4061-9DCE-7FCF02DE2E7A}" type="datetimeFigureOut">
+              <a:rPr kumimoji="1" lang="ja-JP" altLang="en-US" smtClean="0"/>
+              <a:t>2024/8/3</a:t>
+            </a:fld>
+            <a:endParaRPr kumimoji="1" lang="ja-JP" altLang="en-US"/>
+          </a:p>
+        </p:txBody>
+      </p:sp>
+      <p:sp>
+        <p:nvSpPr>
+          <p:cNvPr id="4" name="スライド イメージ プレースホルダー 3"/>
+          <p:cNvSpPr>
+            <a:spLocks noGrp="1" noRot="1" noChangeAspect="1"/>
+          </p:cNvSpPr>
+          <p:nvPr>
+            <p:ph type="sldImg" idx="2"/>
+          </p:nvPr>
+        </p:nvSpPr>
+        <p:spPr>
+          <a:xfrm>
+            <a:off x="685800" y="1143000"/>
+            <a:ext cx="5486400" cy="3086100"/>
+          </a:xfrm>
+          <a:prstGeom prst="rect">
+            <a:avLst/>
+          </a:prstGeom>
+          <a:noFill/>
+          <a:ln w="12700">
+            <a:solidFill>
+              <a:prstClr val="black"/>
+            </a:solidFill>
+          </a:ln>
+        </p:spPr>
+        <p:txBody>
+          <a:bodyPr vert="horz" lIns="91440" tIns="45720" rIns="91440" bIns="45720" rtlCol="0" anchor="ctr"/>
+          <a:lstStyle/>
+          <a:p>
+            <a:endParaRPr lang="ja-JP" altLang="en-US"/>
+          </a:p>
+        </p:txBody>
+      </p:sp>
+      <p:sp>
+        <p:nvSpPr>
+          <p:cNvPr id="5" name="ノート プレースホルダー 4"/>
+          <p:cNvSpPr>
+            <a:spLocks noGrp="1"/>
+          </p:cNvSpPr>
+          <p:nvPr>
+            <p:ph type="body" sz="quarter" idx="3"/>
+          </p:nvPr>
+        </p:nvSpPr>
+        <p:spPr>
+          <a:xfrm>
+            <a:off x="685800" y="4400550"/>
+            <a:ext cx="5486400" cy="3600450"/>
+          </a:xfrm>
+          <a:prstGeom prst="rect">
+            <a:avLst/>
+          </a:prstGeom>
+        </p:spPr>
+        <p:txBody>
+          <a:bodyPr vert="horz" lIns="91440" tIns="45720" rIns="91440" bIns="45720" rtlCol="0"/>
+          <a:lstStyle/>
+          <a:p>
+            <a:pPr lvl="0"/>
+            <a:r>
+              <a:rPr kumimoji="1" lang="ja-JP" altLang="en-US"/>
+              <a:t>マスター テキストの書式設定</a:t>
+            </a:r>
+          </a:p>
+          <a:p>
+            <a:pPr lvl="1"/>
+            <a:r>
+              <a:rPr kumimoji="1" lang="ja-JP" altLang="en-US"/>
+              <a:t>第 </a:t>
+            </a:r>
+            <a:r>
+              <a:rPr kumimoji="1" lang="en-US" altLang="ja-JP"/>
+              <a:t>2 </a:t>
+            </a:r>
+            <a:r>
+              <a:rPr kumimoji="1" lang="ja-JP" altLang="en-US"/>
+              <a:t>レベル</a:t>
+            </a:r>
+          </a:p>
+          <a:p>
+            <a:pPr lvl="2"/>
+            <a:r>
+              <a:rPr kumimoji="1" lang="ja-JP" altLang="en-US"/>
+              <a:t>第 </a:t>
+            </a:r>
+            <a:r>
+              <a:rPr kumimoji="1" lang="en-US" altLang="ja-JP"/>
+              <a:t>3 </a:t>
+            </a:r>
+            <a:r>
+              <a:rPr kumimoji="1" lang="ja-JP" altLang="en-US"/>
+              <a:t>レベル</a:t>
+            </a:r>
+          </a:p>
+          <a:p>
+            <a:pPr lvl="3"/>
+            <a:r>
+              <a:rPr kumimoji="1" lang="ja-JP" altLang="en-US"/>
+              <a:t>第 </a:t>
+            </a:r>
+            <a:r>
+              <a:rPr kumimoji="1" lang="en-US" altLang="ja-JP"/>
+              <a:t>4 </a:t>
+            </a:r>
+            <a:r>
+              <a:rPr kumimoji="1" lang="ja-JP" altLang="en-US"/>
+              <a:t>レベル</a:t>
+            </a:r>
+          </a:p>
+          <a:p>
+            <a:pPr lvl="4"/>
+            <a:r>
+              <a:rPr kumimoji="1" lang="ja-JP" altLang="en-US"/>
+              <a:t>第 </a:t>
+            </a:r>
+            <a:r>
+              <a:rPr kumimoji="1" lang="en-US" altLang="ja-JP"/>
+              <a:t>5 </a:t>
+            </a:r>
+            <a:r>
+              <a:rPr kumimoji="1" lang="ja-JP" altLang="en-US"/>
+              <a:t>レベル</a:t>
+            </a:r>
+          </a:p>
+        </p:txBody>
+      </p:sp>
+      <p:sp>
+        <p:nvSpPr>
+          <p:cNvPr id="6" name="フッター プレースホルダー 5"/>
+          <p:cNvSpPr>
+            <a:spLocks noGrp="1"/>
+          </p:cNvSpPr>
+          <p:nvPr>
+            <p:ph type="ftr" sz="quarter" idx="4"/>
+          </p:nvPr>
+        </p:nvSpPr>
+        <p:spPr>
+          <a:xfrm>
+            <a:off x="0" y="8685213"/>
+            <a:ext cx="2971800" cy="458787"/>
+          </a:xfrm>
+          <a:prstGeom prst="rect">
+            <a:avLst/>
+          </a:prstGeom>
+        </p:spPr>
+        <p:txBody>
+          <a:bodyPr vert="horz" lIns="91440" tIns="45720" rIns="91440" bIns="45720" rtlCol="0" anchor="b"/>
+          <a:lstStyle>
+            <a:lvl1pPr algn="l">
+              <a:defRPr sz="1200"/>
+            </a:lvl1pPr>
+          </a:lstStyle>
+          <a:p>
+            <a:endParaRPr kumimoji="1" lang="ja-JP" altLang="en-US"/>
+          </a:p>
+        </p:txBody>
+      </p:sp>
+      <p:sp>
+        <p:nvSpPr>
+          <p:cNvPr id="7" name="スライド番号プレースホルダー 6"/>
+          <p:cNvSpPr>
+            <a:spLocks noGrp="1"/>
+          </p:cNvSpPr>
+          <p:nvPr>
+            <p:ph type="sldNum" sz="quarter" idx="5"/>
+          </p:nvPr>
+        </p:nvSpPr>
+        <p:spPr>
+          <a:xfrm>
+            <a:off x="3884613" y="8685213"/>
+            <a:ext cx="2971800" cy="458787"/>
+          </a:xfrm>
+          <a:prstGeom prst="rect">
+            <a:avLst/>
+          </a:prstGeom>
+        </p:spPr>
+        <p:txBody>
+          <a:bodyPr vert="horz" lIns="91440" tIns="45720" rIns="91440" bIns="45720" rtlCol="0" anchor="b"/>
+          <a:lstStyle>
+            <a:lvl1pPr algn="r">
+              <a:defRPr sz="1200"/>
+            </a:lvl1pPr>
+          </a:lstStyle>
+          <a:p>
+            <a:fld id="{7CD860E0-C8EB-4478-A6A5-544033815766}" type="slidenum">
+              <a:rPr kumimoji="1" lang="ja-JP" altLang="en-US" smtClean="0"/>
+              <a:t>‹#›</a:t>
+            </a:fld>
+            <a:endParaRPr kumimoji="1" lang="ja-JP" altLang="en-US"/>
+          </a:p>
+        </p:txBody>
+      </p:sp>
+    </p:spTree>
+    <p:extLst>
+      <p:ext uri="{BB962C8B-B14F-4D97-AF65-F5344CB8AC3E}">
+        <p14:creationId xmlns:p14="http://schemas.microsoft.com/office/powerpoint/2010/main" val="2433465890"/>
+      </p:ext>
+    </p:extLst>
+  </p:cSld>
+  <p:clrMap bg1="lt1" tx1="dk1" bg2="lt2" tx2="dk2" accent1="accent1" accent2="accent2" accent3="accent3" accent4="accent4" accent5="accent5" accent6="accent6" hlink="hlink" folHlink="folHlink"/>
+  <p:notesStyle>
+    <a:lvl1pPr marL="0" algn="l" defTabSz="914400" rtl="0" eaLnBrk="1" latinLnBrk="0" hangingPunct="1">
+      <a:defRPr kumimoji="1" sz="1200" kern="1200">
+        <a:solidFill>
+          <a:schemeClr val="tx1"/>
+        </a:solidFill>
+        <a:latin typeface="+mn-lt"/>
+        <a:ea typeface="+mn-ea"/>
+        <a:cs typeface="+mn-cs"/>
+      </a:defRPr>
+    </a:lvl1pPr>
+    <a:lvl2pPr marL="457200" algn="l" defTabSz="914400" rtl="0" eaLnBrk="1" latinLnBrk="0" hangingPunct="1">
+      <a:defRPr kumimoji="1" sz="1200" kern="1200">
+        <a:solidFill>
+          <a:schemeClr val="tx1"/>
+        </a:solidFill>
+        <a:latin typeface="+mn-lt"/>
+        <a:ea typeface="+mn-ea"/>
+        <a:cs typeface="+mn-cs"/>
+      </a:defRPr>
+    </a:lvl2pPr>
+    <a:lvl3pPr marL="914400" algn="l" defTabSz="914400" rtl="0" eaLnBrk="1" latinLnBrk="0" hangingPunct="1">
+      <a:defRPr kumimoji="1" sz="1200" kern="1200">
+        <a:solidFill>
+          <a:schemeClr val="tx1"/>
+        </a:solidFill>
+        <a:latin typeface="+mn-lt"/>
+        <a:ea typeface="+mn-ea"/>
+        <a:cs typeface="+mn-cs"/>
+      </a:defRPr>
+    </a:lvl3pPr>
+    <a:lvl4pPr marL="1371600" algn="l" defTabSz="914400" rtl="0" eaLnBrk="1" latinLnBrk="0" hangingPunct="1">
+      <a:defRPr kumimoji="1" sz="1200" kern="1200">
+        <a:solidFill>
+          <a:schemeClr val="tx1"/>
+        </a:solidFill>
+        <a:latin typeface="+mn-lt"/>
+        <a:ea typeface="+mn-ea"/>
+        <a:cs typeface="+mn-cs"/>
+      </a:defRPr>
+    </a:lvl4pPr>
+    <a:lvl5pPr marL="1828800" algn="l" defTabSz="914400" rtl="0" eaLnBrk="1" latinLnBrk="0" hangingPunct="1">
+      <a:defRPr kumimoji="1" sz="1200" kern="1200">
+        <a:solidFill>
+          <a:schemeClr val="tx1"/>
+        </a:solidFill>
+        <a:latin typeface="+mn-lt"/>
+        <a:ea typeface="+mn-ea"/>
+        <a:cs typeface="+mn-cs"/>
+      </a:defRPr>
+    </a:lvl5pPr>
+    <a:lvl6pPr marL="2286000" algn="l" defTabSz="914400" rtl="0" eaLnBrk="1" latinLnBrk="0" hangingPunct="1">
+      <a:defRPr kumimoji="1" sz="1200" kern="1200">
+        <a:solidFill>
+          <a:schemeClr val="tx1"/>
+        </a:solidFill>
+        <a:latin typeface="+mn-lt"/>
+        <a:ea typeface="+mn-ea"/>
+        <a:cs typeface="+mn-cs"/>
+      </a:defRPr>
+    </a:lvl6pPr>
+    <a:lvl7pPr marL="2743200" algn="l" defTabSz="914400" rtl="0" eaLnBrk="1" latinLnBrk="0" hangingPunct="1">
+      <a:defRPr kumimoji="1" sz="1200" kern="1200">
+        <a:solidFill>
+          <a:schemeClr val="tx1"/>
+        </a:solidFill>
+        <a:latin typeface="+mn-lt"/>
+        <a:ea typeface="+mn-ea"/>
+        <a:cs typeface="+mn-cs"/>
+      </a:defRPr>
+    </a:lvl7pPr>
+    <a:lvl8pPr marL="3200400" algn="l" defTabSz="914400" rtl="0" eaLnBrk="1" latinLnBrk="0" hangingPunct="1">
+      <a:defRPr kumimoji="1" sz="1200" kern="1200">
+        <a:solidFill>
+          <a:schemeClr val="tx1"/>
+        </a:solidFill>
+        <a:latin typeface="+mn-lt"/>
+        <a:ea typeface="+mn-ea"/>
+        <a:cs typeface="+mn-cs"/>
+      </a:defRPr>
+    </a:lvl8pPr>
+    <a:lvl9pPr marL="3657600" algn="l" defTabSz="914400" rtl="0" eaLnBrk="1" latinLnBrk="0" hangingPunct="1">
+      <a:defRPr kumimoji="1" sz="1200" kern="1200">
+        <a:solidFill>
+          <a:schemeClr val="tx1"/>
+        </a:solidFill>
+        <a:latin typeface="+mn-lt"/>
+        <a:ea typeface="+mn-ea"/>
+        <a:cs typeface="+mn-cs"/>
+      </a:defRPr>
+    </a:lvl9pPr>
+  </p:notesStyle>
+</p:notesMaster>
+</file>
+
+<file path=ppt/notesSlides/notesSlide1.xml><?xml version="1.0" encoding="utf-8"?>
+<p:notes xmlns:a="http://schemas.openxmlformats.org/drawingml/2006/main" xmlns:r="http://schemas.openxmlformats.org/officeDocument/2006/relationships" xmlns:p="http://schemas.openxmlformats.org/presentationml/2006/main">
+  <p:cSld>
+    <p:spTree>
+      <p:nvGrpSpPr>
+        <p:cNvPr id="1" name=""/>
+        <p:cNvGrpSpPr/>
+        <p:nvPr/>
+      </p:nvGrpSpPr>
+      <p:grpSpPr>
+        <a:xfrm>
+          <a:off x="0" y="0"/>
+          <a:ext cx="0" cy="0"/>
+          <a:chOff x="0" y="0"/>
+          <a:chExt cx="0" cy="0"/>
+        </a:xfrm>
+      </p:grpSpPr>
+      <p:sp>
+        <p:nvSpPr>
+          <p:cNvPr id="2" name="スライド イメージ プレースホルダー 1"/>
+          <p:cNvSpPr>
+            <a:spLocks noGrp="1" noRot="1" noChangeAspect="1"/>
+          </p:cNvSpPr>
+          <p:nvPr>
+            <p:ph type="sldImg"/>
+          </p:nvPr>
+        </p:nvSpPr>
+        <p:spPr/>
+      </p:sp>
+      <p:sp>
+        <p:nvSpPr>
+          <p:cNvPr id="3" name="ノート プレースホルダー 2"/>
+          <p:cNvSpPr>
+            <a:spLocks noGrp="1"/>
+          </p:cNvSpPr>
+          <p:nvPr>
+            <p:ph type="body" idx="1"/>
+          </p:nvPr>
+        </p:nvSpPr>
+        <p:spPr/>
+        <p:txBody>
+          <a:bodyPr/>
+          <a:lstStyle/>
+          <a:p>
+            <a:r>
+              <a:rPr kumimoji="1" lang="ja-JP" altLang="en-US" dirty="0"/>
+              <a:t>その年の一月一日の時点で</a:t>
+            </a:r>
+            <a:r>
+              <a:rPr kumimoji="1" lang="en-US" altLang="ja-JP" dirty="0"/>
+              <a:t>18</a:t>
+            </a:r>
+            <a:r>
+              <a:rPr kumimoji="1" lang="ja-JP" altLang="en-US" dirty="0"/>
+              <a:t>歳になっていけないといけないので今年に入るまで</a:t>
+            </a:r>
+            <a:r>
+              <a:rPr kumimoji="1" lang="en-US" altLang="ja-JP" dirty="0"/>
+              <a:t>NISA</a:t>
+            </a:r>
+            <a:r>
+              <a:rPr kumimoji="1" lang="ja-JP" altLang="en-US" dirty="0"/>
+              <a:t>口座を持てなかった</a:t>
+            </a:r>
+            <a:endParaRPr kumimoji="1" lang="en-US" altLang="ja-JP" dirty="0"/>
+          </a:p>
+          <a:p>
+            <a:r>
+              <a:rPr kumimoji="1" lang="ja-JP" altLang="en-US" dirty="0"/>
+              <a:t>せっかく株をやるのなら</a:t>
+            </a:r>
+          </a:p>
+        </p:txBody>
+      </p:sp>
+      <p:sp>
+        <p:nvSpPr>
+          <p:cNvPr id="4" name="スライド番号プレースホルダー 3"/>
+          <p:cNvSpPr>
+            <a:spLocks noGrp="1"/>
+          </p:cNvSpPr>
+          <p:nvPr>
+            <p:ph type="sldNum" sz="quarter" idx="5"/>
+          </p:nvPr>
+        </p:nvSpPr>
+        <p:spPr/>
+        <p:txBody>
+          <a:bodyPr/>
+          <a:lstStyle/>
+          <a:p>
+            <a:fld id="{7CD860E0-C8EB-4478-A6A5-544033815766}" type="slidenum">
+              <a:rPr kumimoji="1" lang="ja-JP" altLang="en-US" smtClean="0"/>
+              <a:t>2</a:t>
+            </a:fld>
+            <a:endParaRPr kumimoji="1" lang="ja-JP" altLang="en-US"/>
+          </a:p>
+        </p:txBody>
+      </p:sp>
+    </p:spTree>
+    <p:extLst>
+      <p:ext uri="{BB962C8B-B14F-4D97-AF65-F5344CB8AC3E}">
+        <p14:creationId xmlns:p14="http://schemas.microsoft.com/office/powerpoint/2010/main" val="77808967"/>
+      </p:ext>
+    </p:extLst>
+  </p:cSld>
+  <p:clrMapOvr>
+    <a:masterClrMapping/>
+  </p:clrMapOvr>
+</p:notes>
+</file>
+
+<file path=ppt/notesSlides/notesSlide2.xml><?xml version="1.0" encoding="utf-8"?>
+<p:notes xmlns:a="http://schemas.openxmlformats.org/drawingml/2006/main" xmlns:r="http://schemas.openxmlformats.org/officeDocument/2006/relationships" xmlns:p="http://schemas.openxmlformats.org/presentationml/2006/main">
+  <p:cSld>
+    <p:spTree>
+      <p:nvGrpSpPr>
+        <p:cNvPr id="1" name=""/>
+        <p:cNvGrpSpPr/>
+        <p:nvPr/>
+      </p:nvGrpSpPr>
+      <p:grpSpPr>
+        <a:xfrm>
+          <a:off x="0" y="0"/>
+          <a:ext cx="0" cy="0"/>
+          <a:chOff x="0" y="0"/>
+          <a:chExt cx="0" cy="0"/>
+        </a:xfrm>
+      </p:grpSpPr>
+      <p:sp>
+        <p:nvSpPr>
+          <p:cNvPr id="2" name="スライド イメージ プレースホルダー 1"/>
+          <p:cNvSpPr>
+            <a:spLocks noGrp="1" noRot="1" noChangeAspect="1"/>
+          </p:cNvSpPr>
+          <p:nvPr>
+            <p:ph type="sldImg"/>
+          </p:nvPr>
+        </p:nvSpPr>
+        <p:spPr/>
+      </p:sp>
+      <p:sp>
+        <p:nvSpPr>
+          <p:cNvPr id="3" name="ノート プレースホルダー 2"/>
+          <p:cNvSpPr>
+            <a:spLocks noGrp="1"/>
+          </p:cNvSpPr>
+          <p:nvPr>
+            <p:ph type="body" idx="1"/>
+          </p:nvPr>
+        </p:nvSpPr>
+        <p:spPr/>
+        <p:txBody>
+          <a:bodyPr/>
+          <a:lstStyle/>
+          <a:p>
+            <a:r>
+              <a:rPr kumimoji="1" lang="ja-JP" altLang="en-US" dirty="0"/>
+              <a:t>情報系を志す人なら必ず知っているほぼほぼ潰れることはないであろう株を買っている状況</a:t>
+            </a:r>
+            <a:endParaRPr kumimoji="1" lang="en-US" altLang="ja-JP" dirty="0"/>
+          </a:p>
+          <a:p>
+            <a:r>
+              <a:rPr kumimoji="1" lang="ja-JP" altLang="en-US" dirty="0"/>
+              <a:t>自分もあまり詳しくないが、造船系など自分の中の可能性から出てこない株を調べる指標になればいいと思った</a:t>
+            </a:r>
+          </a:p>
+        </p:txBody>
+      </p:sp>
+      <p:sp>
+        <p:nvSpPr>
+          <p:cNvPr id="4" name="スライド番号プレースホルダー 3"/>
+          <p:cNvSpPr>
+            <a:spLocks noGrp="1"/>
+          </p:cNvSpPr>
+          <p:nvPr>
+            <p:ph type="sldNum" sz="quarter" idx="5"/>
+          </p:nvPr>
+        </p:nvSpPr>
+        <p:spPr/>
+        <p:txBody>
+          <a:bodyPr/>
+          <a:lstStyle/>
+          <a:p>
+            <a:fld id="{7CD860E0-C8EB-4478-A6A5-544033815766}" type="slidenum">
+              <a:rPr kumimoji="1" lang="ja-JP" altLang="en-US" smtClean="0"/>
+              <a:t>3</a:t>
+            </a:fld>
+            <a:endParaRPr kumimoji="1" lang="ja-JP" altLang="en-US"/>
+          </a:p>
+        </p:txBody>
+      </p:sp>
+    </p:spTree>
+    <p:extLst>
+      <p:ext uri="{BB962C8B-B14F-4D97-AF65-F5344CB8AC3E}">
+        <p14:creationId xmlns:p14="http://schemas.microsoft.com/office/powerpoint/2010/main" val="1457194036"/>
+      </p:ext>
+    </p:extLst>
+  </p:cSld>
+  <p:clrMapOvr>
+    <a:masterClrMapping/>
+  </p:clrMapOvr>
+</p:notes>
+</file>
+
+<file path=ppt/notesSlides/notesSlide3.xml><?xml version="1.0" encoding="utf-8"?>
+<p:notes xmlns:a="http://schemas.openxmlformats.org/drawingml/2006/main" xmlns:r="http://schemas.openxmlformats.org/officeDocument/2006/relationships" xmlns:p="http://schemas.openxmlformats.org/presentationml/2006/main">
+  <p:cSld>
+    <p:spTree>
+      <p:nvGrpSpPr>
+        <p:cNvPr id="1" name=""/>
+        <p:cNvGrpSpPr/>
+        <p:nvPr/>
+      </p:nvGrpSpPr>
+      <p:grpSpPr>
+        <a:xfrm>
+          <a:off x="0" y="0"/>
+          <a:ext cx="0" cy="0"/>
+          <a:chOff x="0" y="0"/>
+          <a:chExt cx="0" cy="0"/>
+        </a:xfrm>
+      </p:grpSpPr>
+      <p:sp>
+        <p:nvSpPr>
+          <p:cNvPr id="2" name="スライド イメージ プレースホルダー 1"/>
+          <p:cNvSpPr>
+            <a:spLocks noGrp="1" noRot="1" noChangeAspect="1"/>
+          </p:cNvSpPr>
+          <p:nvPr>
+            <p:ph type="sldImg"/>
+          </p:nvPr>
+        </p:nvSpPr>
+        <p:spPr/>
+      </p:sp>
+      <p:sp>
+        <p:nvSpPr>
+          <p:cNvPr id="3" name="ノート プレースホルダー 2"/>
+          <p:cNvSpPr>
+            <a:spLocks noGrp="1"/>
+          </p:cNvSpPr>
+          <p:nvPr>
+            <p:ph type="body" idx="1"/>
+          </p:nvPr>
+        </p:nvSpPr>
+        <p:spPr/>
+        <p:txBody>
+          <a:bodyPr/>
+          <a:lstStyle/>
+          <a:p>
+            <a:r>
+              <a:rPr kumimoji="1" lang="ja-JP" altLang="en-US" dirty="0"/>
+              <a:t>自分もすごい詳しいわけではないが純粋な株式投資のみで生活している人たちはこのようなグラフとにらめっこしているだけではない</a:t>
+            </a:r>
+            <a:endParaRPr kumimoji="1" lang="en-US" altLang="ja-JP" dirty="0"/>
+          </a:p>
+        </p:txBody>
+      </p:sp>
+      <p:sp>
+        <p:nvSpPr>
+          <p:cNvPr id="4" name="スライド番号プレースホルダー 3"/>
+          <p:cNvSpPr>
+            <a:spLocks noGrp="1"/>
+          </p:cNvSpPr>
+          <p:nvPr>
+            <p:ph type="sldNum" sz="quarter" idx="5"/>
+          </p:nvPr>
+        </p:nvSpPr>
+        <p:spPr/>
+        <p:txBody>
+          <a:bodyPr/>
+          <a:lstStyle/>
+          <a:p>
+            <a:fld id="{7CD860E0-C8EB-4478-A6A5-544033815766}" type="slidenum">
+              <a:rPr kumimoji="1" lang="ja-JP" altLang="en-US" smtClean="0"/>
+              <a:t>4</a:t>
+            </a:fld>
+            <a:endParaRPr kumimoji="1" lang="ja-JP" altLang="en-US"/>
+          </a:p>
+        </p:txBody>
+      </p:sp>
+    </p:spTree>
+    <p:extLst>
+      <p:ext uri="{BB962C8B-B14F-4D97-AF65-F5344CB8AC3E}">
+        <p14:creationId xmlns:p14="http://schemas.microsoft.com/office/powerpoint/2010/main" val="3182188322"/>
+      </p:ext>
+    </p:extLst>
+  </p:cSld>
+  <p:clrMapOvr>
+    <a:masterClrMapping/>
+  </p:clrMapOvr>
+</p:notes>
+</file>
+
+<file path=ppt/notesSlides/notesSlide4.xml><?xml version="1.0" encoding="utf-8"?>
+<p:notes xmlns:a="http://schemas.openxmlformats.org/drawingml/2006/main" xmlns:r="http://schemas.openxmlformats.org/officeDocument/2006/relationships" xmlns:p="http://schemas.openxmlformats.org/presentationml/2006/main">
+  <p:cSld>
+    <p:spTree>
+      <p:nvGrpSpPr>
+        <p:cNvPr id="1" name=""/>
+        <p:cNvGrpSpPr/>
+        <p:nvPr/>
+      </p:nvGrpSpPr>
+      <p:grpSpPr>
+        <a:xfrm>
+          <a:off x="0" y="0"/>
+          <a:ext cx="0" cy="0"/>
+          <a:chOff x="0" y="0"/>
+          <a:chExt cx="0" cy="0"/>
+        </a:xfrm>
+      </p:grpSpPr>
+      <p:sp>
+        <p:nvSpPr>
+          <p:cNvPr id="2" name="スライド イメージ プレースホルダー 1"/>
+          <p:cNvSpPr>
+            <a:spLocks noGrp="1" noRot="1" noChangeAspect="1"/>
+          </p:cNvSpPr>
+          <p:nvPr>
+            <p:ph type="sldImg"/>
+          </p:nvPr>
+        </p:nvSpPr>
+        <p:spPr/>
+      </p:sp>
+      <p:sp>
+        <p:nvSpPr>
+          <p:cNvPr id="3" name="ノート プレースホルダー 2"/>
+          <p:cNvSpPr>
+            <a:spLocks noGrp="1"/>
+          </p:cNvSpPr>
+          <p:nvPr>
+            <p:ph type="body" idx="1"/>
+          </p:nvPr>
+        </p:nvSpPr>
+        <p:spPr/>
+        <p:txBody>
+          <a:bodyPr/>
+          <a:lstStyle/>
+          <a:p>
+            <a:r>
+              <a:rPr kumimoji="1" lang="ja-JP" altLang="en-US" dirty="0"/>
+              <a:t>一つの例としては恐怖指数というもの</a:t>
+            </a:r>
+            <a:endParaRPr kumimoji="1" lang="en-US" altLang="ja-JP" dirty="0"/>
+          </a:p>
+          <a:p>
+            <a:r>
+              <a:rPr kumimoji="1" lang="en-US" altLang="ja-JP" dirty="0"/>
+              <a:t>Volatility : </a:t>
+            </a:r>
+            <a:r>
+              <a:rPr kumimoji="1" lang="ja-JP" altLang="en-US" sz="1200" b="0" i="0" kern="1200" dirty="0">
+                <a:solidFill>
+                  <a:schemeClr val="tx1"/>
+                </a:solidFill>
+                <a:effectLst/>
+                <a:latin typeface="+mn-lt"/>
+                <a:ea typeface="+mn-ea"/>
+                <a:cs typeface="+mn-cs"/>
+              </a:rPr>
+              <a:t>一般的に価格変動の度合いを示す言葉</a:t>
+            </a:r>
+            <a:endParaRPr kumimoji="1" lang="en-US" altLang="ja-JP" sz="1200" b="0" i="0" kern="1200" dirty="0">
+              <a:solidFill>
+                <a:schemeClr val="tx1"/>
+              </a:solidFill>
+              <a:effectLst/>
+              <a:latin typeface="+mn-lt"/>
+              <a:ea typeface="+mn-ea"/>
+              <a:cs typeface="+mn-cs"/>
+            </a:endParaRPr>
+          </a:p>
+          <a:p>
+            <a:r>
+              <a:rPr kumimoji="1" lang="ja-JP" altLang="en-US" sz="1200" b="0" i="0" kern="1200" dirty="0">
+                <a:solidFill>
+                  <a:schemeClr val="tx1"/>
+                </a:solidFill>
+                <a:effectLst/>
+                <a:latin typeface="+mn-lt"/>
+                <a:ea typeface="+mn-ea"/>
+                <a:cs typeface="+mn-cs"/>
+              </a:rPr>
+              <a:t>投資家が市場の先行きとしてどれくらいのボラティリティを見込んでいるか、つまり市場の不安定度を示す指数です。 </a:t>
+            </a:r>
+            <a:r>
+              <a:rPr kumimoji="1" lang="en-US" altLang="ja-JP" sz="1200" b="0" i="0" kern="1200" dirty="0">
+                <a:solidFill>
+                  <a:schemeClr val="tx1"/>
+                </a:solidFill>
+                <a:effectLst/>
+                <a:latin typeface="+mn-lt"/>
+                <a:ea typeface="+mn-ea"/>
+                <a:cs typeface="+mn-cs"/>
+              </a:rPr>
+              <a:t>10〜20</a:t>
+            </a:r>
+            <a:r>
+              <a:rPr kumimoji="1" lang="ja-JP" altLang="en-US" sz="1200" b="0" i="0" kern="1200" dirty="0">
+                <a:solidFill>
+                  <a:schemeClr val="tx1"/>
+                </a:solidFill>
+                <a:effectLst/>
+                <a:latin typeface="+mn-lt"/>
+                <a:ea typeface="+mn-ea"/>
+                <a:cs typeface="+mn-cs"/>
+              </a:rPr>
+              <a:t>が平常で、</a:t>
+            </a:r>
+            <a:r>
+              <a:rPr kumimoji="1" lang="en-US" altLang="ja-JP" sz="1200" b="0" i="0" kern="1200" dirty="0">
+                <a:solidFill>
+                  <a:schemeClr val="tx1"/>
+                </a:solidFill>
+                <a:effectLst/>
+                <a:latin typeface="+mn-lt"/>
+                <a:ea typeface="+mn-ea"/>
+                <a:cs typeface="+mn-cs"/>
+              </a:rPr>
+              <a:t>20</a:t>
+            </a:r>
+            <a:r>
+              <a:rPr kumimoji="1" lang="ja-JP" altLang="en-US" sz="1200" b="0" i="0" kern="1200" dirty="0">
+                <a:solidFill>
+                  <a:schemeClr val="tx1"/>
+                </a:solidFill>
+                <a:effectLst/>
+                <a:latin typeface="+mn-lt"/>
+                <a:ea typeface="+mn-ea"/>
+                <a:cs typeface="+mn-cs"/>
+              </a:rPr>
+              <a:t>を超えると不安定、</a:t>
+            </a:r>
+            <a:r>
+              <a:rPr kumimoji="1" lang="en-US" altLang="ja-JP" sz="1200" b="0" i="0" kern="1200" dirty="0">
+                <a:solidFill>
+                  <a:schemeClr val="tx1"/>
+                </a:solidFill>
+                <a:effectLst/>
+                <a:latin typeface="+mn-lt"/>
+                <a:ea typeface="+mn-ea"/>
+                <a:cs typeface="+mn-cs"/>
+              </a:rPr>
+              <a:t>30</a:t>
+            </a:r>
+            <a:r>
+              <a:rPr kumimoji="1" lang="ja-JP" altLang="en-US" sz="1200" b="0" i="0" kern="1200" dirty="0">
+                <a:solidFill>
+                  <a:schemeClr val="tx1"/>
+                </a:solidFill>
+                <a:effectLst/>
+                <a:latin typeface="+mn-lt"/>
+                <a:ea typeface="+mn-ea"/>
+                <a:cs typeface="+mn-cs"/>
+              </a:rPr>
+              <a:t>を超えると危険だと判断されます。</a:t>
+            </a:r>
+            <a:endParaRPr kumimoji="1" lang="ja-JP" altLang="en-US" b="1" dirty="0"/>
+          </a:p>
+          <a:p>
+            <a:br>
+              <a:rPr kumimoji="1" lang="en-US" altLang="ja-JP" dirty="0"/>
+            </a:br>
+            <a:r>
+              <a:rPr kumimoji="1" lang="ja-JP" altLang="en-US" dirty="0"/>
+              <a:t>半導体指数は半導体の設計・製造・流通・販売を行う企業でで構成される</a:t>
+            </a:r>
+            <a:r>
+              <a:rPr kumimoji="1" lang="en-US" altLang="ja-JP" dirty="0"/>
+              <a:t>1993</a:t>
+            </a:r>
+            <a:r>
+              <a:rPr kumimoji="1" lang="ja-JP" altLang="en-US" dirty="0"/>
+              <a:t>年</a:t>
+            </a:r>
+            <a:r>
+              <a:rPr kumimoji="1" lang="en-US" altLang="ja-JP" dirty="0"/>
+              <a:t>12</a:t>
+            </a:r>
+            <a:r>
+              <a:rPr kumimoji="1" lang="ja-JP" altLang="en-US" dirty="0"/>
+              <a:t>月</a:t>
+            </a:r>
+            <a:r>
+              <a:rPr kumimoji="1" lang="en-US" altLang="ja-JP" dirty="0"/>
+              <a:t>1</a:t>
+            </a:r>
+            <a:r>
+              <a:rPr kumimoji="1" lang="ja-JP" altLang="en-US" dirty="0"/>
+              <a:t>日を基準</a:t>
+            </a:r>
+            <a:r>
+              <a:rPr kumimoji="1" lang="en-US" altLang="ja-JP" dirty="0"/>
+              <a:t>100</a:t>
+            </a:r>
+            <a:r>
+              <a:rPr kumimoji="1" lang="ja-JP" altLang="en-US" dirty="0"/>
+              <a:t>として算出される指標</a:t>
+            </a:r>
+            <a:endParaRPr kumimoji="1" lang="en-US" altLang="ja-JP" dirty="0"/>
+          </a:p>
+          <a:p>
+            <a:r>
+              <a:rPr kumimoji="1" lang="en-US" altLang="ja-JP" dirty="0"/>
+              <a:t>IT</a:t>
+            </a:r>
+            <a:r>
+              <a:rPr kumimoji="1" lang="ja-JP" altLang="en-US" dirty="0"/>
+              <a:t>産業の先行きを景況感を示す代表的指標として知られている</a:t>
+            </a:r>
+          </a:p>
+        </p:txBody>
+      </p:sp>
+      <p:sp>
+        <p:nvSpPr>
+          <p:cNvPr id="4" name="スライド番号プレースホルダー 3"/>
+          <p:cNvSpPr>
+            <a:spLocks noGrp="1"/>
+          </p:cNvSpPr>
+          <p:nvPr>
+            <p:ph type="sldNum" sz="quarter" idx="5"/>
+          </p:nvPr>
+        </p:nvSpPr>
+        <p:spPr/>
+        <p:txBody>
+          <a:bodyPr/>
+          <a:lstStyle/>
+          <a:p>
+            <a:fld id="{7CD860E0-C8EB-4478-A6A5-544033815766}" type="slidenum">
+              <a:rPr kumimoji="1" lang="ja-JP" altLang="en-US" smtClean="0"/>
+              <a:t>5</a:t>
+            </a:fld>
+            <a:endParaRPr kumimoji="1" lang="ja-JP" altLang="en-US"/>
+          </a:p>
+        </p:txBody>
+      </p:sp>
+    </p:spTree>
+    <p:extLst>
+      <p:ext uri="{BB962C8B-B14F-4D97-AF65-F5344CB8AC3E}">
+        <p14:creationId xmlns:p14="http://schemas.microsoft.com/office/powerpoint/2010/main" val="343285658"/>
+      </p:ext>
+    </p:extLst>
+  </p:cSld>
+  <p:clrMapOvr>
+    <a:masterClrMapping/>
+  </p:clrMapOvr>
+</p:notes>
+</file>
+
+<file path=ppt/notesSlides/notesSlide5.xml><?xml version="1.0" encoding="utf-8"?>
+<p:notes xmlns:a="http://schemas.openxmlformats.org/drawingml/2006/main" xmlns:r="http://schemas.openxmlformats.org/officeDocument/2006/relationships" xmlns:p="http://schemas.openxmlformats.org/presentationml/2006/main">
+  <p:cSld>
+    <p:spTree>
+      <p:nvGrpSpPr>
+        <p:cNvPr id="1" name=""/>
+        <p:cNvGrpSpPr/>
+        <p:nvPr/>
+      </p:nvGrpSpPr>
+      <p:grpSpPr>
+        <a:xfrm>
+          <a:off x="0" y="0"/>
+          <a:ext cx="0" cy="0"/>
+          <a:chOff x="0" y="0"/>
+          <a:chExt cx="0" cy="0"/>
+        </a:xfrm>
+      </p:grpSpPr>
+      <p:sp>
+        <p:nvSpPr>
+          <p:cNvPr id="2" name="スライド イメージ プレースホルダー 1"/>
+          <p:cNvSpPr>
+            <a:spLocks noGrp="1" noRot="1" noChangeAspect="1"/>
+          </p:cNvSpPr>
+          <p:nvPr>
+            <p:ph type="sldImg"/>
+          </p:nvPr>
+        </p:nvSpPr>
+        <p:spPr/>
+      </p:sp>
+      <p:sp>
+        <p:nvSpPr>
+          <p:cNvPr id="3" name="ノート プレースホルダー 2"/>
+          <p:cNvSpPr>
+            <a:spLocks noGrp="1"/>
+          </p:cNvSpPr>
+          <p:nvPr>
+            <p:ph type="body" idx="1"/>
+          </p:nvPr>
+        </p:nvSpPr>
+        <p:spPr/>
+        <p:txBody>
+          <a:bodyPr/>
+          <a:lstStyle/>
+          <a:p>
+            <a:r>
+              <a:rPr kumimoji="1" lang="ja-JP" altLang="en-US" dirty="0"/>
+              <a:t>二つ目がニュース。</a:t>
+            </a:r>
+            <a:r>
+              <a:rPr kumimoji="1" lang="en-US" altLang="ja-JP" dirty="0"/>
+              <a:t>(</a:t>
+            </a:r>
+            <a:r>
+              <a:rPr kumimoji="1" lang="ja-JP" altLang="en-US" dirty="0"/>
+              <a:t>ニュースの見出しを読み上げる</a:t>
+            </a:r>
+            <a:r>
+              <a:rPr kumimoji="1" lang="en-US" altLang="ja-JP" dirty="0"/>
+              <a:t>)</a:t>
+            </a:r>
+            <a:br>
+              <a:rPr kumimoji="1" lang="en-US" altLang="ja-JP" dirty="0"/>
+            </a:br>
+            <a:r>
+              <a:rPr kumimoji="1" lang="ja-JP" altLang="en-US" dirty="0"/>
+              <a:t>今期のインテルの決算は大赤字</a:t>
+            </a:r>
+            <a:endParaRPr kumimoji="1" lang="en-US" altLang="ja-JP" dirty="0"/>
+          </a:p>
+          <a:p>
+            <a:r>
+              <a:rPr kumimoji="1" lang="ja-JP" altLang="en-US" dirty="0"/>
+              <a:t>今回はニュースに着目した</a:t>
+            </a:r>
+          </a:p>
+          <a:p>
+            <a:endParaRPr kumimoji="1" lang="ja-JP" altLang="en-US" dirty="0"/>
+          </a:p>
+        </p:txBody>
+      </p:sp>
+      <p:sp>
+        <p:nvSpPr>
+          <p:cNvPr id="4" name="スライド番号プレースホルダー 3"/>
+          <p:cNvSpPr>
+            <a:spLocks noGrp="1"/>
+          </p:cNvSpPr>
+          <p:nvPr>
+            <p:ph type="sldNum" sz="quarter" idx="5"/>
+          </p:nvPr>
+        </p:nvSpPr>
+        <p:spPr/>
+        <p:txBody>
+          <a:bodyPr/>
+          <a:lstStyle/>
+          <a:p>
+            <a:fld id="{7CD860E0-C8EB-4478-A6A5-544033815766}" type="slidenum">
+              <a:rPr kumimoji="1" lang="ja-JP" altLang="en-US" smtClean="0"/>
+              <a:t>6</a:t>
+            </a:fld>
+            <a:endParaRPr kumimoji="1" lang="ja-JP" altLang="en-US"/>
+          </a:p>
+        </p:txBody>
+      </p:sp>
+    </p:spTree>
+    <p:extLst>
+      <p:ext uri="{BB962C8B-B14F-4D97-AF65-F5344CB8AC3E}">
+        <p14:creationId xmlns:p14="http://schemas.microsoft.com/office/powerpoint/2010/main" val="2851000883"/>
+      </p:ext>
+    </p:extLst>
+  </p:cSld>
+  <p:clrMapOvr>
+    <a:masterClrMapping/>
+  </p:clrMapOvr>
+</p:notes>
+</file>
+
+<file path=ppt/notesSlides/notesSlide6.xml><?xml version="1.0" encoding="utf-8"?>
+<p:notes xmlns:a="http://schemas.openxmlformats.org/drawingml/2006/main" xmlns:r="http://schemas.openxmlformats.org/officeDocument/2006/relationships" xmlns:p="http://schemas.openxmlformats.org/presentationml/2006/main">
+  <p:cSld>
+    <p:spTree>
+      <p:nvGrpSpPr>
+        <p:cNvPr id="1" name=""/>
+        <p:cNvGrpSpPr/>
+        <p:nvPr/>
+      </p:nvGrpSpPr>
+      <p:grpSpPr>
+        <a:xfrm>
+          <a:off x="0" y="0"/>
+          <a:ext cx="0" cy="0"/>
+          <a:chOff x="0" y="0"/>
+          <a:chExt cx="0" cy="0"/>
+        </a:xfrm>
+      </p:grpSpPr>
+      <p:sp>
+        <p:nvSpPr>
+          <p:cNvPr id="2" name="スライド イメージ プレースホルダー 1"/>
+          <p:cNvSpPr>
+            <a:spLocks noGrp="1" noRot="1" noChangeAspect="1"/>
+          </p:cNvSpPr>
+          <p:nvPr>
+            <p:ph type="sldImg"/>
+          </p:nvPr>
+        </p:nvSpPr>
+        <p:spPr/>
+      </p:sp>
+      <p:sp>
+        <p:nvSpPr>
+          <p:cNvPr id="3" name="ノート プレースホルダー 2"/>
+          <p:cNvSpPr>
+            <a:spLocks noGrp="1"/>
+          </p:cNvSpPr>
+          <p:nvPr>
+            <p:ph type="body" idx="1"/>
+          </p:nvPr>
+        </p:nvSpPr>
+        <p:spPr/>
+        <p:txBody>
+          <a:bodyPr/>
+          <a:lstStyle/>
+          <a:p>
+            <a:r>
+              <a:rPr kumimoji="1" lang="ja-JP" altLang="en-US" dirty="0"/>
+              <a:t>簡単にこのニュースは失望何点、楽観何点、懸念何点、興奮何点、安定何点の様に点数をつけてあげてその値を見て予測しようということです</a:t>
+            </a:r>
+            <a:endParaRPr kumimoji="1" lang="en-US" altLang="ja-JP" dirty="0"/>
+          </a:p>
+          <a:p>
+            <a:endParaRPr kumimoji="1" lang="en-US" altLang="ja-JP" dirty="0"/>
+          </a:p>
+          <a:p>
+            <a:r>
+              <a:rPr kumimoji="1" lang="ja-JP" altLang="en-US" dirty="0"/>
+              <a:t>しかし、</a:t>
+            </a:r>
+            <a:endParaRPr kumimoji="1" lang="en-US" altLang="ja-JP" dirty="0"/>
+          </a:p>
+        </p:txBody>
+      </p:sp>
+      <p:sp>
+        <p:nvSpPr>
+          <p:cNvPr id="4" name="スライド番号プレースホルダー 3"/>
+          <p:cNvSpPr>
+            <a:spLocks noGrp="1"/>
+          </p:cNvSpPr>
+          <p:nvPr>
+            <p:ph type="sldNum" sz="quarter" idx="5"/>
+          </p:nvPr>
+        </p:nvSpPr>
+        <p:spPr/>
+        <p:txBody>
+          <a:bodyPr/>
+          <a:lstStyle/>
+          <a:p>
+            <a:fld id="{7CD860E0-C8EB-4478-A6A5-544033815766}" type="slidenum">
+              <a:rPr kumimoji="1" lang="ja-JP" altLang="en-US" smtClean="0"/>
+              <a:t>9</a:t>
+            </a:fld>
+            <a:endParaRPr kumimoji="1" lang="ja-JP" altLang="en-US"/>
+          </a:p>
+        </p:txBody>
+      </p:sp>
+    </p:spTree>
+    <p:extLst>
+      <p:ext uri="{BB962C8B-B14F-4D97-AF65-F5344CB8AC3E}">
+        <p14:creationId xmlns:p14="http://schemas.microsoft.com/office/powerpoint/2010/main" val="1359606378"/>
+      </p:ext>
+    </p:extLst>
+  </p:cSld>
+  <p:clrMapOvr>
+    <a:masterClrMapping/>
+  </p:clrMapOvr>
+</p:notes>
+</file>
+
 <file path=ppt/slideLayouts/slideLayout1.xml><?xml version="1.0" encoding="utf-8"?>
 <p:sldLayout xmlns:a="http://schemas.openxmlformats.org/drawingml/2006/main" xmlns:r="http://schemas.openxmlformats.org/officeDocument/2006/relationships" xmlns:p="http://schemas.openxmlformats.org/presentationml/2006/main" type="title" preserve="1">
   <p:cSld name="タイトル スライド">
@@ -263,7 +2944,7 @@
           <a:p>
             <a:fld id="{91D34335-0E0F-4CEE-B944-97CECBA33132}" type="datetimeFigureOut">
               <a:rPr kumimoji="1" lang="ja-JP" altLang="en-US" smtClean="0"/>
-              <a:t>2024/8/2</a:t>
+              <a:t>2024/8/3</a:t>
             </a:fld>
             <a:endParaRPr kumimoji="1" lang="ja-JP" altLang="en-US"/>
           </a:p>
@@ -493,7 +3174,7 @@
           <a:p>
             <a:fld id="{91D34335-0E0F-4CEE-B944-97CECBA33132}" type="datetimeFigureOut">
               <a:rPr kumimoji="1" lang="ja-JP" altLang="en-US" smtClean="0"/>
-              <a:t>2024/8/2</a:t>
+              <a:t>2024/8/3</a:t>
             </a:fld>
             <a:endParaRPr kumimoji="1" lang="ja-JP" altLang="en-US"/>
           </a:p>
@@ -733,7 +3414,7 @@
           <a:p>
             <a:fld id="{91D34335-0E0F-4CEE-B944-97CECBA33132}" type="datetimeFigureOut">
               <a:rPr kumimoji="1" lang="ja-JP" altLang="en-US" smtClean="0"/>
-              <a:t>2024/8/2</a:t>
+              <a:t>2024/8/3</a:t>
             </a:fld>
             <a:endParaRPr kumimoji="1" lang="ja-JP" altLang="en-US"/>
           </a:p>
@@ -963,7 +3644,7 @@
           <a:p>
             <a:fld id="{91D34335-0E0F-4CEE-B944-97CECBA33132}" type="datetimeFigureOut">
               <a:rPr kumimoji="1" lang="ja-JP" altLang="en-US" smtClean="0"/>
-              <a:t>2024/8/2</a:t>
+              <a:t>2024/8/3</a:t>
             </a:fld>
             <a:endParaRPr kumimoji="1" lang="ja-JP" altLang="en-US"/>
           </a:p>
@@ -1238,7 +3919,7 @@
           <a:p>
             <a:fld id="{91D34335-0E0F-4CEE-B944-97CECBA33132}" type="datetimeFigureOut">
               <a:rPr kumimoji="1" lang="ja-JP" altLang="en-US" smtClean="0"/>
-              <a:t>2024/8/2</a:t>
+              <a:t>2024/8/3</a:t>
             </a:fld>
             <a:endParaRPr kumimoji="1" lang="ja-JP" altLang="en-US"/>
           </a:p>
@@ -1567,7 +4248,7 @@
           <a:p>
             <a:fld id="{91D34335-0E0F-4CEE-B944-97CECBA33132}" type="datetimeFigureOut">
               <a:rPr kumimoji="1" lang="ja-JP" altLang="en-US" smtClean="0"/>
-              <a:t>2024/8/2</a:t>
+              <a:t>2024/8/3</a:t>
             </a:fld>
             <a:endParaRPr kumimoji="1" lang="ja-JP" altLang="en-US"/>
           </a:p>
@@ -2043,7 +4724,7 @@
           <a:p>
             <a:fld id="{91D34335-0E0F-4CEE-B944-97CECBA33132}" type="datetimeFigureOut">
               <a:rPr kumimoji="1" lang="ja-JP" altLang="en-US" smtClean="0"/>
-              <a:t>2024/8/2</a:t>
+              <a:t>2024/8/3</a:t>
             </a:fld>
             <a:endParaRPr kumimoji="1" lang="ja-JP" altLang="en-US"/>
           </a:p>
@@ -2184,7 +4865,7 @@
           <a:p>
             <a:fld id="{91D34335-0E0F-4CEE-B944-97CECBA33132}" type="datetimeFigureOut">
               <a:rPr kumimoji="1" lang="ja-JP" altLang="en-US" smtClean="0"/>
-              <a:t>2024/8/2</a:t>
+              <a:t>2024/8/3</a:t>
             </a:fld>
             <a:endParaRPr kumimoji="1" lang="ja-JP" altLang="en-US"/>
           </a:p>
@@ -2297,7 +4978,7 @@
           <a:p>
             <a:fld id="{91D34335-0E0F-4CEE-B944-97CECBA33132}" type="datetimeFigureOut">
               <a:rPr kumimoji="1" lang="ja-JP" altLang="en-US" smtClean="0"/>
-              <a:t>2024/8/2</a:t>
+              <a:t>2024/8/3</a:t>
             </a:fld>
             <a:endParaRPr kumimoji="1" lang="ja-JP" altLang="en-US"/>
           </a:p>
@@ -2640,7 +5321,7 @@
           <a:p>
             <a:fld id="{91D34335-0E0F-4CEE-B944-97CECBA33132}" type="datetimeFigureOut">
               <a:rPr kumimoji="1" lang="ja-JP" altLang="en-US" smtClean="0"/>
-              <a:t>2024/8/2</a:t>
+              <a:t>2024/8/3</a:t>
             </a:fld>
             <a:endParaRPr kumimoji="1" lang="ja-JP" altLang="en-US"/>
           </a:p>
@@ -2928,7 +5609,7 @@
           <a:p>
             <a:fld id="{91D34335-0E0F-4CEE-B944-97CECBA33132}" type="datetimeFigureOut">
               <a:rPr kumimoji="1" lang="ja-JP" altLang="en-US" smtClean="0"/>
-              <a:t>2024/8/2</a:t>
+              <a:t>2024/8/3</a:t>
             </a:fld>
             <a:endParaRPr kumimoji="1" lang="ja-JP" altLang="en-US"/>
           </a:p>
@@ -3201,7 +5882,7 @@
           <a:p>
             <a:fld id="{91D34335-0E0F-4CEE-B944-97CECBA33132}" type="datetimeFigureOut">
               <a:rPr kumimoji="1" lang="ja-JP" altLang="en-US" smtClean="0"/>
-              <a:t>2024/8/2</a:t>
+              <a:t>2024/8/3</a:t>
             </a:fld>
             <a:endParaRPr kumimoji="1" lang="ja-JP" altLang="en-US"/>
           </a:p>
@@ -3675,7 +6356,7 @@
         </p:nvSpPr>
         <p:spPr>
           <a:xfrm>
-            <a:off x="1013010" y="3671049"/>
+            <a:off x="1013008" y="4377220"/>
             <a:ext cx="10165977" cy="707886"/>
           </a:xfrm>
           <a:prstGeom prst="rect">
@@ -3707,10 +6388,387 @@
           </a:p>
         </p:txBody>
       </p:sp>
+      <p:sp>
+        <p:nvSpPr>
+          <p:cNvPr id="2" name="テキスト ボックス 1">
+            <a:extLst>
+              <a:ext uri="{FF2B5EF4-FFF2-40B4-BE49-F238E27FC236}">
+                <a16:creationId xmlns:a16="http://schemas.microsoft.com/office/drawing/2014/main" id="{01CC3232-9B16-91B2-073B-CDA88D8C83FE}"/>
+              </a:ext>
+            </a:extLst>
+          </p:cNvPr>
+          <p:cNvSpPr txBox="1"/>
+          <p:nvPr/>
+        </p:nvSpPr>
+        <p:spPr>
+          <a:xfrm>
+            <a:off x="1013008" y="3429000"/>
+            <a:ext cx="10165977" cy="769441"/>
+          </a:xfrm>
+          <a:prstGeom prst="rect">
+            <a:avLst/>
+          </a:prstGeom>
+          <a:noFill/>
+        </p:spPr>
+        <p:txBody>
+          <a:bodyPr wrap="square" rtlCol="0">
+            <a:spAutoFit/>
+          </a:bodyPr>
+          <a:lstStyle/>
+          <a:p>
+            <a:pPr algn="ctr"/>
+            <a:r>
+              <a:rPr kumimoji="1" lang="ja-JP" altLang="en-US" sz="4400" b="1" dirty="0">
+                <a:latin typeface="BIZ UDPゴシック" panose="020B0400000000000000" pitchFamily="50" charset="-128"/>
+                <a:ea typeface="BIZ UDPゴシック" panose="020B0400000000000000" pitchFamily="50" charset="-128"/>
+              </a:rPr>
+              <a:t>株価の時系列予測</a:t>
+            </a:r>
+          </a:p>
+        </p:txBody>
+      </p:sp>
     </p:spTree>
     <p:extLst>
       <p:ext uri="{BB962C8B-B14F-4D97-AF65-F5344CB8AC3E}">
         <p14:creationId xmlns:p14="http://schemas.microsoft.com/office/powerpoint/2010/main" val="1458054304"/>
+      </p:ext>
+    </p:extLst>
+  </p:cSld>
+  <p:clrMapOvr>
+    <a:masterClrMapping/>
+  </p:clrMapOvr>
+</p:sld>
+</file>
+
+<file path=ppt/slides/slide10.xml><?xml version="1.0" encoding="utf-8"?>
+<p:sld xmlns:a="http://schemas.openxmlformats.org/drawingml/2006/main" xmlns:r="http://schemas.openxmlformats.org/officeDocument/2006/relationships" xmlns:p="http://schemas.openxmlformats.org/presentationml/2006/main">
+  <p:cSld>
+    <p:spTree>
+      <p:nvGrpSpPr>
+        <p:cNvPr id="1" name=""/>
+        <p:cNvGrpSpPr/>
+        <p:nvPr/>
+      </p:nvGrpSpPr>
+      <p:grpSpPr>
+        <a:xfrm>
+          <a:off x="0" y="0"/>
+          <a:ext cx="0" cy="0"/>
+          <a:chOff x="0" y="0"/>
+          <a:chExt cx="0" cy="0"/>
+        </a:xfrm>
+      </p:grpSpPr>
+      <p:sp>
+        <p:nvSpPr>
+          <p:cNvPr id="2" name="テキスト ボックス 1">
+            <a:extLst>
+              <a:ext uri="{FF2B5EF4-FFF2-40B4-BE49-F238E27FC236}">
+                <a16:creationId xmlns:a16="http://schemas.microsoft.com/office/drawing/2014/main" id="{42266276-566C-8F5D-33F0-6EC35AC7129D}"/>
+              </a:ext>
+            </a:extLst>
+          </p:cNvPr>
+          <p:cNvSpPr txBox="1"/>
+          <p:nvPr/>
+        </p:nvSpPr>
+        <p:spPr>
+          <a:xfrm>
+            <a:off x="298127" y="48985"/>
+            <a:ext cx="2528888" cy="1200329"/>
+          </a:xfrm>
+          <a:prstGeom prst="rect">
+            <a:avLst/>
+          </a:prstGeom>
+          <a:noFill/>
+        </p:spPr>
+        <p:txBody>
+          <a:bodyPr wrap="square" rtlCol="0">
+            <a:spAutoFit/>
+          </a:bodyPr>
+          <a:lstStyle/>
+          <a:p>
+            <a:r>
+              <a:rPr lang="ja-JP" altLang="en-US" sz="7200" b="1" dirty="0">
+                <a:latin typeface="BIZ UDPゴシック" panose="020B0400000000000000" pitchFamily="50" charset="-128"/>
+                <a:ea typeface="BIZ UDPゴシック" panose="020B0400000000000000" pitchFamily="50" charset="-128"/>
+              </a:rPr>
+              <a:t>概要</a:t>
+            </a:r>
+            <a:endParaRPr kumimoji="1" lang="ja-JP" altLang="en-US" sz="7200" b="1" dirty="0">
+              <a:latin typeface="BIZ UDPゴシック" panose="020B0400000000000000" pitchFamily="50" charset="-128"/>
+              <a:ea typeface="BIZ UDPゴシック" panose="020B0400000000000000" pitchFamily="50" charset="-128"/>
+            </a:endParaRPr>
+          </a:p>
+        </p:txBody>
+      </p:sp>
+      <p:sp>
+        <p:nvSpPr>
+          <p:cNvPr id="3" name="テキスト ボックス 2">
+            <a:extLst>
+              <a:ext uri="{FF2B5EF4-FFF2-40B4-BE49-F238E27FC236}">
+                <a16:creationId xmlns:a16="http://schemas.microsoft.com/office/drawing/2014/main" id="{2B6574D0-51C8-1FB6-CFC1-EC8F481278C9}"/>
+              </a:ext>
+            </a:extLst>
+          </p:cNvPr>
+          <p:cNvSpPr txBox="1"/>
+          <p:nvPr/>
+        </p:nvSpPr>
+        <p:spPr>
+          <a:xfrm>
+            <a:off x="768907" y="1335909"/>
+            <a:ext cx="10701834" cy="646331"/>
+          </a:xfrm>
+          <a:prstGeom prst="rect">
+            <a:avLst/>
+          </a:prstGeom>
+          <a:noFill/>
+        </p:spPr>
+        <p:txBody>
+          <a:bodyPr wrap="square" rtlCol="0">
+            <a:spAutoFit/>
+          </a:bodyPr>
+          <a:lstStyle/>
+          <a:p>
+            <a:r>
+              <a:rPr kumimoji="1" lang="ja-JP" altLang="en-US" sz="3600" dirty="0">
+                <a:latin typeface="BIZ UDPゴシック" panose="020B0400000000000000" pitchFamily="50" charset="-128"/>
+                <a:ea typeface="BIZ UDPゴシック" panose="020B0400000000000000" pitchFamily="50" charset="-128"/>
+              </a:rPr>
+              <a:t>問題② ニュースの点数を自動で付けたい</a:t>
+            </a:r>
+          </a:p>
+        </p:txBody>
+      </p:sp>
+    </p:spTree>
+    <p:extLst>
+      <p:ext uri="{BB962C8B-B14F-4D97-AF65-F5344CB8AC3E}">
+        <p14:creationId xmlns:p14="http://schemas.microsoft.com/office/powerpoint/2010/main" val="1006987242"/>
+      </p:ext>
+    </p:extLst>
+  </p:cSld>
+  <p:clrMapOvr>
+    <a:masterClrMapping/>
+  </p:clrMapOvr>
+</p:sld>
+</file>
+
+<file path=ppt/slides/slide11.xml><?xml version="1.0" encoding="utf-8"?>
+<p:sld xmlns:a="http://schemas.openxmlformats.org/drawingml/2006/main" xmlns:r="http://schemas.openxmlformats.org/officeDocument/2006/relationships" xmlns:p="http://schemas.openxmlformats.org/presentationml/2006/main">
+  <p:cSld>
+    <p:spTree>
+      <p:nvGrpSpPr>
+        <p:cNvPr id="1" name=""/>
+        <p:cNvGrpSpPr/>
+        <p:nvPr/>
+      </p:nvGrpSpPr>
+      <p:grpSpPr>
+        <a:xfrm>
+          <a:off x="0" y="0"/>
+          <a:ext cx="0" cy="0"/>
+          <a:chOff x="0" y="0"/>
+          <a:chExt cx="0" cy="0"/>
+        </a:xfrm>
+      </p:grpSpPr>
+      <p:sp>
+        <p:nvSpPr>
+          <p:cNvPr id="4" name="テキスト ボックス 3">
+            <a:extLst>
+              <a:ext uri="{FF2B5EF4-FFF2-40B4-BE49-F238E27FC236}">
+                <a16:creationId xmlns:a16="http://schemas.microsoft.com/office/drawing/2014/main" id="{6B56B9D3-FC29-4B9B-96B7-19FB66BC0676}"/>
+              </a:ext>
+            </a:extLst>
+          </p:cNvPr>
+          <p:cNvSpPr txBox="1"/>
+          <p:nvPr/>
+        </p:nvSpPr>
+        <p:spPr>
+          <a:xfrm>
+            <a:off x="1013011" y="2705725"/>
+            <a:ext cx="10165977" cy="1446550"/>
+          </a:xfrm>
+          <a:prstGeom prst="rect">
+            <a:avLst/>
+          </a:prstGeom>
+          <a:noFill/>
+        </p:spPr>
+        <p:txBody>
+          <a:bodyPr wrap="square" rtlCol="0">
+            <a:spAutoFit/>
+          </a:bodyPr>
+          <a:lstStyle/>
+          <a:p>
+            <a:pPr algn="ctr"/>
+            <a:r>
+              <a:rPr kumimoji="1" lang="ja-JP" altLang="en-US" sz="8800" b="1" dirty="0">
+                <a:latin typeface="BIZ UDPゴシック" panose="020B0400000000000000" pitchFamily="50" charset="-128"/>
+                <a:ea typeface="BIZ UDPゴシック" panose="020B0400000000000000" pitchFamily="50" charset="-128"/>
+              </a:rPr>
+              <a:t>結論 </a:t>
+            </a:r>
+            <a:r>
+              <a:rPr kumimoji="1" lang="en-US" altLang="ja-JP" sz="8800" b="1" dirty="0">
+                <a:latin typeface="BIZ UDPゴシック" panose="020B0400000000000000" pitchFamily="50" charset="-128"/>
+                <a:ea typeface="BIZ UDPゴシック" panose="020B0400000000000000" pitchFamily="50" charset="-128"/>
+              </a:rPr>
+              <a:t>: </a:t>
+            </a:r>
+            <a:r>
+              <a:rPr kumimoji="1" lang="ja-JP" altLang="en-US" sz="8800" b="1" dirty="0">
+                <a:latin typeface="BIZ UDPゴシック" panose="020B0400000000000000" pitchFamily="50" charset="-128"/>
+                <a:ea typeface="BIZ UDPゴシック" panose="020B0400000000000000" pitchFamily="50" charset="-128"/>
+              </a:rPr>
+              <a:t>できなかった</a:t>
+            </a:r>
+          </a:p>
+        </p:txBody>
+      </p:sp>
+    </p:spTree>
+    <p:extLst>
+      <p:ext uri="{BB962C8B-B14F-4D97-AF65-F5344CB8AC3E}">
+        <p14:creationId xmlns:p14="http://schemas.microsoft.com/office/powerpoint/2010/main" val="642360478"/>
+      </p:ext>
+    </p:extLst>
+  </p:cSld>
+  <p:clrMapOvr>
+    <a:masterClrMapping/>
+  </p:clrMapOvr>
+</p:sld>
+</file>
+
+<file path=ppt/slides/slide12.xml><?xml version="1.0" encoding="utf-8"?>
+<p:sld xmlns:a="http://schemas.openxmlformats.org/drawingml/2006/main" xmlns:r="http://schemas.openxmlformats.org/officeDocument/2006/relationships" xmlns:p="http://schemas.openxmlformats.org/presentationml/2006/main">
+  <p:cSld>
+    <p:spTree>
+      <p:nvGrpSpPr>
+        <p:cNvPr id="1" name=""/>
+        <p:cNvGrpSpPr/>
+        <p:nvPr/>
+      </p:nvGrpSpPr>
+      <p:grpSpPr>
+        <a:xfrm>
+          <a:off x="0" y="0"/>
+          <a:ext cx="0" cy="0"/>
+          <a:chOff x="0" y="0"/>
+          <a:chExt cx="0" cy="0"/>
+        </a:xfrm>
+      </p:grpSpPr>
+    </p:spTree>
+    <p:extLst>
+      <p:ext uri="{BB962C8B-B14F-4D97-AF65-F5344CB8AC3E}">
+        <p14:creationId xmlns:p14="http://schemas.microsoft.com/office/powerpoint/2010/main" val="3441272322"/>
+      </p:ext>
+    </p:extLst>
+  </p:cSld>
+  <p:clrMapOvr>
+    <a:masterClrMapping/>
+  </p:clrMapOvr>
+</p:sld>
+</file>
+
+<file path=ppt/slides/slide13.xml><?xml version="1.0" encoding="utf-8"?>
+<p:sld xmlns:a="http://schemas.openxmlformats.org/drawingml/2006/main" xmlns:r="http://schemas.openxmlformats.org/officeDocument/2006/relationships" xmlns:p="http://schemas.openxmlformats.org/presentationml/2006/main">
+  <p:cSld>
+    <p:spTree>
+      <p:nvGrpSpPr>
+        <p:cNvPr id="1" name=""/>
+        <p:cNvGrpSpPr/>
+        <p:nvPr/>
+      </p:nvGrpSpPr>
+      <p:grpSpPr>
+        <a:xfrm>
+          <a:off x="0" y="0"/>
+          <a:ext cx="0" cy="0"/>
+          <a:chOff x="0" y="0"/>
+          <a:chExt cx="0" cy="0"/>
+        </a:xfrm>
+      </p:grpSpPr>
+      <p:sp>
+        <p:nvSpPr>
+          <p:cNvPr id="6" name="矢印: 右 5">
+            <a:extLst>
+              <a:ext uri="{FF2B5EF4-FFF2-40B4-BE49-F238E27FC236}">
+                <a16:creationId xmlns:a16="http://schemas.microsoft.com/office/drawing/2014/main" id="{FD0C6863-084D-E0EC-72F2-CFD6E9A7F84C}"/>
+              </a:ext>
+            </a:extLst>
+          </p:cNvPr>
+          <p:cNvSpPr/>
+          <p:nvPr/>
+        </p:nvSpPr>
+        <p:spPr>
+          <a:xfrm rot="780814">
+            <a:off x="4404025" y="4436650"/>
+            <a:ext cx="2030507" cy="878541"/>
+          </a:xfrm>
+          <a:prstGeom prst="rightArrow">
+            <a:avLst>
+              <a:gd name="adj1" fmla="val 43878"/>
+              <a:gd name="adj2" fmla="val 50000"/>
+            </a:avLst>
+          </a:prstGeom>
+          <a:noFill/>
+          <a:ln w="76200">
+            <a:solidFill>
+              <a:schemeClr val="accent1"/>
+            </a:solidFill>
+          </a:ln>
+        </p:spPr>
+        <p:style>
+          <a:lnRef idx="2">
+            <a:schemeClr val="accent1">
+              <a:shade val="50000"/>
+            </a:schemeClr>
+          </a:lnRef>
+          <a:fillRef idx="1">
+            <a:schemeClr val="accent1"/>
+          </a:fillRef>
+          <a:effectRef idx="0">
+            <a:schemeClr val="accent1"/>
+          </a:effectRef>
+          <a:fontRef idx="minor">
+            <a:schemeClr val="lt1"/>
+          </a:fontRef>
+        </p:style>
+        <p:txBody>
+          <a:bodyPr rtlCol="0" anchor="ctr"/>
+          <a:lstStyle/>
+          <a:p>
+            <a:pPr algn="ctr"/>
+            <a:endParaRPr kumimoji="1" lang="ja-JP" altLang="en-US" dirty="0"/>
+          </a:p>
+        </p:txBody>
+      </p:sp>
+      <p:pic>
+        <p:nvPicPr>
+          <p:cNvPr id="2" name="図 1">
+            <a:extLst>
+              <a:ext uri="{FF2B5EF4-FFF2-40B4-BE49-F238E27FC236}">
+                <a16:creationId xmlns:a16="http://schemas.microsoft.com/office/drawing/2014/main" id="{8B62A16B-F0A0-5E06-5808-C3CD27A78076}"/>
+              </a:ext>
+            </a:extLst>
+          </p:cNvPr>
+          <p:cNvPicPr>
+            <a:picLocks noChangeAspect="1"/>
+          </p:cNvPicPr>
+          <p:nvPr/>
+        </p:nvPicPr>
+        <p:blipFill>
+          <a:blip r:embed="rId2"/>
+          <a:stretch>
+            <a:fillRect/>
+          </a:stretch>
+        </p:blipFill>
+        <p:spPr>
+          <a:xfrm>
+            <a:off x="1857762" y="1261605"/>
+            <a:ext cx="8693758" cy="2482695"/>
+          </a:xfrm>
+          <a:prstGeom prst="rect">
+            <a:avLst/>
+          </a:prstGeom>
+        </p:spPr>
+      </p:pic>
+    </p:spTree>
+    <p:extLst>
+      <p:ext uri="{BB962C8B-B14F-4D97-AF65-F5344CB8AC3E}">
+        <p14:creationId xmlns:p14="http://schemas.microsoft.com/office/powerpoint/2010/main" val="545646707"/>
       </p:ext>
     </p:extLst>
   </p:cSld>
@@ -3739,10 +6797,10 @@
       </p:grpSpPr>
       <p:sp>
         <p:nvSpPr>
-          <p:cNvPr id="4" name="テキスト ボックス 3">
+          <p:cNvPr id="5" name="テキスト ボックス 4">
             <a:extLst>
               <a:ext uri="{FF2B5EF4-FFF2-40B4-BE49-F238E27FC236}">
-                <a16:creationId xmlns:a16="http://schemas.microsoft.com/office/drawing/2014/main" id="{345C0ACB-10D9-416C-A877-70F5014C5FB4}"/>
+                <a16:creationId xmlns:a16="http://schemas.microsoft.com/office/drawing/2014/main" id="{8328FAAC-671D-4848-AFAA-E9386F467836}"/>
               </a:ext>
             </a:extLst>
           </p:cNvPr>
@@ -3751,45 +6809,7 @@
         </p:nvSpPr>
         <p:spPr>
           <a:xfrm>
-            <a:off x="242888" y="188445"/>
-            <a:ext cx="2528888" cy="1200329"/>
-          </a:xfrm>
-          <a:prstGeom prst="rect">
-            <a:avLst/>
-          </a:prstGeom>
-          <a:noFill/>
-        </p:spPr>
-        <p:txBody>
-          <a:bodyPr wrap="square" rtlCol="0">
-            <a:spAutoFit/>
-          </a:bodyPr>
-          <a:lstStyle/>
-          <a:p>
-            <a:r>
-              <a:rPr kumimoji="1" lang="ja-JP" altLang="en-US" sz="7200" b="1" dirty="0">
-                <a:latin typeface="BIZ UDPゴシック" panose="020B0400000000000000" pitchFamily="50" charset="-128"/>
-                <a:ea typeface="BIZ UDPゴシック" panose="020B0400000000000000" pitchFamily="50" charset="-128"/>
-              </a:rPr>
-              <a:t>目的</a:t>
-            </a:r>
-          </a:p>
-        </p:txBody>
-      </p:sp>
-      <p:sp>
-        <p:nvSpPr>
-          <p:cNvPr id="5" name="テキスト ボックス 4">
-            <a:extLst>
-              <a:ext uri="{FF2B5EF4-FFF2-40B4-BE49-F238E27FC236}">
-                <a16:creationId xmlns:a16="http://schemas.microsoft.com/office/drawing/2014/main" id="{8328FAAC-671D-4848-AFAA-E9386F467836}"/>
-              </a:ext>
-            </a:extLst>
-          </p:cNvPr>
-          <p:cNvSpPr txBox="1"/>
-          <p:nvPr/>
-        </p:nvSpPr>
-        <p:spPr>
-          <a:xfrm>
-            <a:off x="692242" y="2052906"/>
+            <a:off x="511173" y="2052906"/>
             <a:ext cx="11499758" cy="3416320"/>
           </a:xfrm>
           <a:prstGeom prst="rect">
@@ -3910,6 +6930,44 @@
               <a:latin typeface="BIZ UDPゴシック" panose="020B0400000000000000" pitchFamily="50" charset="-128"/>
               <a:ea typeface="BIZ UDPゴシック" panose="020B0400000000000000" pitchFamily="50" charset="-128"/>
             </a:endParaRPr>
+          </a:p>
+        </p:txBody>
+      </p:sp>
+      <p:sp>
+        <p:nvSpPr>
+          <p:cNvPr id="2" name="テキスト ボックス 1">
+            <a:extLst>
+              <a:ext uri="{FF2B5EF4-FFF2-40B4-BE49-F238E27FC236}">
+                <a16:creationId xmlns:a16="http://schemas.microsoft.com/office/drawing/2014/main" id="{DD4FD780-05BE-F0E4-3EFC-0E5F4A94CAA7}"/>
+              </a:ext>
+            </a:extLst>
+          </p:cNvPr>
+          <p:cNvSpPr txBox="1"/>
+          <p:nvPr/>
+        </p:nvSpPr>
+        <p:spPr>
+          <a:xfrm>
+            <a:off x="298127" y="48985"/>
+            <a:ext cx="2528888" cy="1200329"/>
+          </a:xfrm>
+          <a:prstGeom prst="rect">
+            <a:avLst/>
+          </a:prstGeom>
+          <a:noFill/>
+        </p:spPr>
+        <p:txBody>
+          <a:bodyPr wrap="square" rtlCol="0">
+            <a:spAutoFit/>
+          </a:bodyPr>
+          <a:lstStyle/>
+          <a:p>
+            <a:r>
+              <a:rPr kumimoji="1" lang="ja-JP" altLang="en-US" sz="7200" b="1" dirty="0">
+                <a:latin typeface="BIZ UDPゴシック" panose="020B0400000000000000" pitchFamily="50" charset="-128"/>
+                <a:ea typeface="BIZ UDPゴシック" panose="020B0400000000000000" pitchFamily="50" charset="-128"/>
+              </a:rPr>
+              <a:t>目的</a:t>
+            </a:r>
           </a:p>
         </p:txBody>
       </p:sp>
@@ -3957,7 +7015,7 @@
         </p:nvSpPr>
         <p:spPr>
           <a:xfrm>
-            <a:off x="242888" y="188445"/>
+            <a:off x="298127" y="48985"/>
             <a:ext cx="2528888" cy="1200329"/>
           </a:xfrm>
           <a:prstGeom prst="rect">
@@ -3977,6 +7035,784 @@
                 <a:ea typeface="BIZ UDPゴシック" panose="020B0400000000000000" pitchFamily="50" charset="-128"/>
               </a:rPr>
               <a:t>目的</a:t>
+            </a:r>
+          </a:p>
+        </p:txBody>
+      </p:sp>
+      <p:sp>
+        <p:nvSpPr>
+          <p:cNvPr id="3" name="テキスト ボックス 2">
+            <a:extLst>
+              <a:ext uri="{FF2B5EF4-FFF2-40B4-BE49-F238E27FC236}">
+                <a16:creationId xmlns:a16="http://schemas.microsoft.com/office/drawing/2014/main" id="{E641EA13-434D-8A34-7124-0E3753FA25E9}"/>
+              </a:ext>
+            </a:extLst>
+          </p:cNvPr>
+          <p:cNvSpPr txBox="1"/>
+          <p:nvPr/>
+        </p:nvSpPr>
+        <p:spPr>
+          <a:xfrm>
+            <a:off x="1035758" y="5858754"/>
+            <a:ext cx="4291344" cy="523220"/>
+          </a:xfrm>
+          <a:prstGeom prst="rect">
+            <a:avLst/>
+          </a:prstGeom>
+          <a:noFill/>
+        </p:spPr>
+        <p:txBody>
+          <a:bodyPr wrap="square" rtlCol="0">
+            <a:spAutoFit/>
+          </a:bodyPr>
+          <a:lstStyle/>
+          <a:p>
+            <a:pPr algn="ctr"/>
+            <a:r>
+              <a:rPr kumimoji="1" lang="ja-JP" altLang="en-US" sz="2800" dirty="0">
+                <a:latin typeface="BIZ UDPゴシック" panose="020B0400000000000000" pitchFamily="50" charset="-128"/>
+                <a:ea typeface="BIZ UDPゴシック" panose="020B0400000000000000" pitchFamily="50" charset="-128"/>
+              </a:rPr>
+              <a:t>現在の金融資産構成比率</a:t>
+            </a:r>
+          </a:p>
+        </p:txBody>
+      </p:sp>
+      <p:grpSp>
+        <p:nvGrpSpPr>
+          <p:cNvPr id="8" name="グループ化 7">
+            <a:extLst>
+              <a:ext uri="{FF2B5EF4-FFF2-40B4-BE49-F238E27FC236}">
+                <a16:creationId xmlns:a16="http://schemas.microsoft.com/office/drawing/2014/main" id="{8812F55E-6C73-2C2E-2E3A-510BD7711EE5}"/>
+              </a:ext>
+            </a:extLst>
+          </p:cNvPr>
+          <p:cNvGrpSpPr/>
+          <p:nvPr/>
+        </p:nvGrpSpPr>
+        <p:grpSpPr>
+          <a:xfrm>
+            <a:off x="83811" y="1273501"/>
+            <a:ext cx="6195238" cy="4310997"/>
+            <a:chOff x="325924" y="1984972"/>
+            <a:chExt cx="5469802" cy="3672699"/>
+          </a:xfrm>
+        </p:grpSpPr>
+        <p:graphicFrame>
+          <p:nvGraphicFramePr>
+            <p:cNvPr id="4" name="グラフ 3">
+              <a:extLst>
+                <a:ext uri="{FF2B5EF4-FFF2-40B4-BE49-F238E27FC236}">
+                  <a16:creationId xmlns:a16="http://schemas.microsoft.com/office/drawing/2014/main" id="{2172DE30-313C-DCDC-19BA-E2EAFE897149}"/>
+                </a:ext>
+              </a:extLst>
+            </p:cNvPr>
+            <p:cNvGraphicFramePr>
+              <a:graphicFrameLocks/>
+            </p:cNvGraphicFramePr>
+            <p:nvPr>
+              <p:extLst>
+                <p:ext uri="{D42A27DB-BD31-4B8C-83A1-F6EECF244321}">
+                  <p14:modId xmlns:p14="http://schemas.microsoft.com/office/powerpoint/2010/main" val="333648918"/>
+                </p:ext>
+              </p:extLst>
+            </p:nvPr>
+          </p:nvGraphicFramePr>
+          <p:xfrm>
+            <a:off x="325924" y="1984972"/>
+            <a:ext cx="5469802" cy="3672699"/>
+          </p:xfrm>
+          <a:graphic>
+            <a:graphicData uri="http://schemas.openxmlformats.org/drawingml/2006/chart">
+              <c:chart xmlns:c="http://schemas.openxmlformats.org/drawingml/2006/chart" xmlns:r="http://schemas.openxmlformats.org/officeDocument/2006/relationships" r:id="rId3"/>
+            </a:graphicData>
+          </a:graphic>
+        </p:graphicFrame>
+        <p:sp>
+          <p:nvSpPr>
+            <p:cNvPr id="5" name="テキスト ボックス 4">
+              <a:extLst>
+                <a:ext uri="{FF2B5EF4-FFF2-40B4-BE49-F238E27FC236}">
+                  <a16:creationId xmlns:a16="http://schemas.microsoft.com/office/drawing/2014/main" id="{B224302E-BC48-D66A-4F27-92C1E2D23288}"/>
+                </a:ext>
+              </a:extLst>
+            </p:cNvPr>
+            <p:cNvSpPr txBox="1"/>
+            <p:nvPr/>
+          </p:nvSpPr>
+          <p:spPr>
+            <a:xfrm>
+              <a:off x="1826937" y="4290029"/>
+              <a:ext cx="1522492" cy="846386"/>
+            </a:xfrm>
+            <a:prstGeom prst="rect">
+              <a:avLst/>
+            </a:prstGeom>
+            <a:noFill/>
+          </p:spPr>
+          <p:txBody>
+            <a:bodyPr wrap="square" rtlCol="0">
+              <a:spAutoFit/>
+            </a:bodyPr>
+            <a:lstStyle/>
+            <a:p>
+              <a:pPr algn="ctr"/>
+              <a:r>
+                <a:rPr kumimoji="1" lang="ja-JP" altLang="en-US" sz="2450" b="1" dirty="0">
+                  <a:ln w="3175">
+                    <a:noFill/>
+                  </a:ln>
+                  <a:solidFill>
+                    <a:schemeClr val="bg1"/>
+                  </a:solidFill>
+                  <a:latin typeface="BIZ UDPゴシック" panose="020B0400000000000000" pitchFamily="50" charset="-128"/>
+                  <a:ea typeface="BIZ UDPゴシック" panose="020B0400000000000000" pitchFamily="50" charset="-128"/>
+                </a:rPr>
+                <a:t>投資信託</a:t>
+              </a:r>
+              <a:endParaRPr kumimoji="1" lang="en-US" altLang="ja-JP" sz="2450" b="1" dirty="0">
+                <a:ln w="3175">
+                  <a:noFill/>
+                </a:ln>
+                <a:solidFill>
+                  <a:schemeClr val="bg1"/>
+                </a:solidFill>
+                <a:latin typeface="BIZ UDPゴシック" panose="020B0400000000000000" pitchFamily="50" charset="-128"/>
+                <a:ea typeface="BIZ UDPゴシック" panose="020B0400000000000000" pitchFamily="50" charset="-128"/>
+              </a:endParaRPr>
+            </a:p>
+            <a:p>
+              <a:pPr algn="ctr"/>
+              <a:r>
+                <a:rPr kumimoji="1" lang="en-US" altLang="ja-JP" sz="2450" b="1" dirty="0">
+                  <a:ln w="3175">
+                    <a:noFill/>
+                  </a:ln>
+                  <a:solidFill>
+                    <a:schemeClr val="bg1"/>
+                  </a:solidFill>
+                  <a:latin typeface="BIZ UDPゴシック" panose="020B0400000000000000" pitchFamily="50" charset="-128"/>
+                  <a:ea typeface="BIZ UDPゴシック" panose="020B0400000000000000" pitchFamily="50" charset="-128"/>
+                </a:rPr>
+                <a:t>25.6%</a:t>
+              </a:r>
+              <a:endParaRPr kumimoji="1" lang="ja-JP" altLang="en-US" sz="2450" b="1" dirty="0">
+                <a:ln w="3175">
+                  <a:noFill/>
+                </a:ln>
+                <a:solidFill>
+                  <a:schemeClr val="bg1"/>
+                </a:solidFill>
+                <a:latin typeface="BIZ UDPゴシック" panose="020B0400000000000000" pitchFamily="50" charset="-128"/>
+                <a:ea typeface="BIZ UDPゴシック" panose="020B0400000000000000" pitchFamily="50" charset="-128"/>
+              </a:endParaRPr>
+            </a:p>
+          </p:txBody>
+        </p:sp>
+        <p:sp>
+          <p:nvSpPr>
+            <p:cNvPr id="6" name="テキスト ボックス 5">
+              <a:extLst>
+                <a:ext uri="{FF2B5EF4-FFF2-40B4-BE49-F238E27FC236}">
+                  <a16:creationId xmlns:a16="http://schemas.microsoft.com/office/drawing/2014/main" id="{2360758D-8F4F-006A-BCD7-54D6B9BFED00}"/>
+                </a:ext>
+              </a:extLst>
+            </p:cNvPr>
+            <p:cNvSpPr txBox="1"/>
+            <p:nvPr/>
+          </p:nvSpPr>
+          <p:spPr>
+            <a:xfrm>
+              <a:off x="1600180" y="2844224"/>
+              <a:ext cx="1522492" cy="846386"/>
+            </a:xfrm>
+            <a:prstGeom prst="rect">
+              <a:avLst/>
+            </a:prstGeom>
+            <a:noFill/>
+          </p:spPr>
+          <p:txBody>
+            <a:bodyPr wrap="square" rtlCol="0">
+              <a:spAutoFit/>
+            </a:bodyPr>
+            <a:lstStyle/>
+            <a:p>
+              <a:pPr algn="ctr"/>
+              <a:r>
+                <a:rPr lang="ja-JP" altLang="en-US" sz="2450" b="1" dirty="0">
+                  <a:ln w="3175">
+                    <a:noFill/>
+                  </a:ln>
+                  <a:solidFill>
+                    <a:schemeClr val="bg1"/>
+                  </a:solidFill>
+                  <a:latin typeface="BIZ UDPゴシック" panose="020B0400000000000000" pitchFamily="50" charset="-128"/>
+                  <a:ea typeface="BIZ UDPゴシック" panose="020B0400000000000000" pitchFamily="50" charset="-128"/>
+                </a:rPr>
+                <a:t>国内株式</a:t>
+              </a:r>
+              <a:endParaRPr lang="en-US" altLang="ja-JP" sz="2450" b="1" dirty="0">
+                <a:ln w="3175">
+                  <a:noFill/>
+                </a:ln>
+                <a:solidFill>
+                  <a:schemeClr val="bg1"/>
+                </a:solidFill>
+                <a:latin typeface="BIZ UDPゴシック" panose="020B0400000000000000" pitchFamily="50" charset="-128"/>
+                <a:ea typeface="BIZ UDPゴシック" panose="020B0400000000000000" pitchFamily="50" charset="-128"/>
+              </a:endParaRPr>
+            </a:p>
+            <a:p>
+              <a:pPr algn="ctr"/>
+              <a:r>
+                <a:rPr lang="en-US" altLang="ja-JP" sz="2450" b="1" dirty="0">
+                  <a:ln w="3175">
+                    <a:noFill/>
+                  </a:ln>
+                  <a:solidFill>
+                    <a:schemeClr val="bg1"/>
+                  </a:solidFill>
+                  <a:latin typeface="BIZ UDPゴシック" panose="020B0400000000000000" pitchFamily="50" charset="-128"/>
+                  <a:ea typeface="BIZ UDPゴシック" panose="020B0400000000000000" pitchFamily="50" charset="-128"/>
+                </a:rPr>
+                <a:t>33.8</a:t>
+              </a:r>
+              <a:r>
+                <a:rPr kumimoji="1" lang="en-US" altLang="ja-JP" sz="2450" b="1" dirty="0">
+                  <a:ln w="3175">
+                    <a:noFill/>
+                  </a:ln>
+                  <a:solidFill>
+                    <a:schemeClr val="bg1"/>
+                  </a:solidFill>
+                  <a:latin typeface="BIZ UDPゴシック" panose="020B0400000000000000" pitchFamily="50" charset="-128"/>
+                  <a:ea typeface="BIZ UDPゴシック" panose="020B0400000000000000" pitchFamily="50" charset="-128"/>
+                </a:rPr>
+                <a:t>%</a:t>
+              </a:r>
+              <a:endParaRPr kumimoji="1" lang="ja-JP" altLang="en-US" sz="2450" b="1" dirty="0">
+                <a:ln w="3175">
+                  <a:noFill/>
+                </a:ln>
+                <a:solidFill>
+                  <a:schemeClr val="bg1"/>
+                </a:solidFill>
+                <a:latin typeface="BIZ UDPゴシック" panose="020B0400000000000000" pitchFamily="50" charset="-128"/>
+                <a:ea typeface="BIZ UDPゴシック" panose="020B0400000000000000" pitchFamily="50" charset="-128"/>
+              </a:endParaRPr>
+            </a:p>
+          </p:txBody>
+        </p:sp>
+        <p:sp>
+          <p:nvSpPr>
+            <p:cNvPr id="7" name="テキスト ボックス 6">
+              <a:extLst>
+                <a:ext uri="{FF2B5EF4-FFF2-40B4-BE49-F238E27FC236}">
+                  <a16:creationId xmlns:a16="http://schemas.microsoft.com/office/drawing/2014/main" id="{0551C6D1-6133-6CD6-C857-C613C8C56C88}"/>
+                </a:ext>
+              </a:extLst>
+            </p:cNvPr>
+            <p:cNvSpPr txBox="1"/>
+            <p:nvPr/>
+          </p:nvSpPr>
+          <p:spPr>
+            <a:xfrm>
+              <a:off x="3149861" y="3398128"/>
+              <a:ext cx="1522492" cy="846386"/>
+            </a:xfrm>
+            <a:prstGeom prst="rect">
+              <a:avLst/>
+            </a:prstGeom>
+            <a:noFill/>
+          </p:spPr>
+          <p:txBody>
+            <a:bodyPr wrap="square" rtlCol="0">
+              <a:spAutoFit/>
+            </a:bodyPr>
+            <a:lstStyle/>
+            <a:p>
+              <a:pPr algn="ctr"/>
+              <a:r>
+                <a:rPr kumimoji="1" lang="ja-JP" altLang="en-US" sz="2450" b="1" dirty="0">
+                  <a:ln w="3175">
+                    <a:noFill/>
+                  </a:ln>
+                  <a:solidFill>
+                    <a:schemeClr val="bg1"/>
+                  </a:solidFill>
+                  <a:latin typeface="BIZ UDPゴシック" panose="020B0400000000000000" pitchFamily="50" charset="-128"/>
+                  <a:ea typeface="BIZ UDPゴシック" panose="020B0400000000000000" pitchFamily="50" charset="-128"/>
+                </a:rPr>
+                <a:t>米国株式</a:t>
+              </a:r>
+              <a:endParaRPr kumimoji="1" lang="en-US" altLang="ja-JP" sz="2450" b="1" dirty="0">
+                <a:ln w="3175">
+                  <a:noFill/>
+                </a:ln>
+                <a:solidFill>
+                  <a:schemeClr val="bg1"/>
+                </a:solidFill>
+                <a:latin typeface="BIZ UDPゴシック" panose="020B0400000000000000" pitchFamily="50" charset="-128"/>
+                <a:ea typeface="BIZ UDPゴシック" panose="020B0400000000000000" pitchFamily="50" charset="-128"/>
+              </a:endParaRPr>
+            </a:p>
+            <a:p>
+              <a:pPr algn="ctr"/>
+              <a:r>
+                <a:rPr kumimoji="1" lang="en-US" altLang="ja-JP" sz="2450" b="1" dirty="0">
+                  <a:ln w="3175">
+                    <a:noFill/>
+                  </a:ln>
+                  <a:solidFill>
+                    <a:schemeClr val="bg1"/>
+                  </a:solidFill>
+                  <a:latin typeface="BIZ UDPゴシック" panose="020B0400000000000000" pitchFamily="50" charset="-128"/>
+                  <a:ea typeface="BIZ UDPゴシック" panose="020B0400000000000000" pitchFamily="50" charset="-128"/>
+                </a:rPr>
+                <a:t>40.5%</a:t>
+              </a:r>
+              <a:endParaRPr kumimoji="1" lang="ja-JP" altLang="en-US" sz="2450" b="1" dirty="0">
+                <a:ln w="3175">
+                  <a:noFill/>
+                </a:ln>
+                <a:solidFill>
+                  <a:schemeClr val="bg1"/>
+                </a:solidFill>
+                <a:latin typeface="BIZ UDPゴシック" panose="020B0400000000000000" pitchFamily="50" charset="-128"/>
+                <a:ea typeface="BIZ UDPゴシック" panose="020B0400000000000000" pitchFamily="50" charset="-128"/>
+              </a:endParaRPr>
+            </a:p>
+          </p:txBody>
+        </p:sp>
+      </p:grpSp>
+      <p:grpSp>
+        <p:nvGrpSpPr>
+          <p:cNvPr id="15" name="グループ化 14">
+            <a:extLst>
+              <a:ext uri="{FF2B5EF4-FFF2-40B4-BE49-F238E27FC236}">
+                <a16:creationId xmlns:a16="http://schemas.microsoft.com/office/drawing/2014/main" id="{D1EC9B02-4871-A07C-99BA-B5315B6827E0}"/>
+              </a:ext>
+            </a:extLst>
+          </p:cNvPr>
+          <p:cNvGrpSpPr/>
+          <p:nvPr/>
+        </p:nvGrpSpPr>
+        <p:grpSpPr>
+          <a:xfrm>
+            <a:off x="5550646" y="1273500"/>
+            <a:ext cx="6266091" cy="4310997"/>
+            <a:chOff x="5418805" y="1641956"/>
+            <a:chExt cx="7437142" cy="4953857"/>
+          </a:xfrm>
+        </p:grpSpPr>
+        <p:graphicFrame>
+          <p:nvGraphicFramePr>
+            <p:cNvPr id="9" name="グラフ 8">
+              <a:extLst>
+                <a:ext uri="{FF2B5EF4-FFF2-40B4-BE49-F238E27FC236}">
+                  <a16:creationId xmlns:a16="http://schemas.microsoft.com/office/drawing/2014/main" id="{86A9F20E-6AF9-4844-940B-1F7723C7DF6D}"/>
+                </a:ext>
+              </a:extLst>
+            </p:cNvPr>
+            <p:cNvGraphicFramePr>
+              <a:graphicFrameLocks/>
+            </p:cNvGraphicFramePr>
+            <p:nvPr>
+              <p:extLst>
+                <p:ext uri="{D42A27DB-BD31-4B8C-83A1-F6EECF244321}">
+                  <p14:modId xmlns:p14="http://schemas.microsoft.com/office/powerpoint/2010/main" val="1941746647"/>
+                </p:ext>
+              </p:extLst>
+            </p:nvPr>
+          </p:nvGraphicFramePr>
+          <p:xfrm>
+            <a:off x="5418805" y="1641956"/>
+            <a:ext cx="7437142" cy="4953857"/>
+          </p:xfrm>
+          <a:graphic>
+            <a:graphicData uri="http://schemas.openxmlformats.org/drawingml/2006/chart">
+              <c:chart xmlns:c="http://schemas.openxmlformats.org/drawingml/2006/chart" xmlns:r="http://schemas.openxmlformats.org/officeDocument/2006/relationships" r:id="rId4"/>
+            </a:graphicData>
+          </a:graphic>
+        </p:graphicFrame>
+        <p:sp>
+          <p:nvSpPr>
+            <p:cNvPr id="10" name="テキスト ボックス 9">
+              <a:extLst>
+                <a:ext uri="{FF2B5EF4-FFF2-40B4-BE49-F238E27FC236}">
+                  <a16:creationId xmlns:a16="http://schemas.microsoft.com/office/drawing/2014/main" id="{008ABDC1-7C91-ED9D-C4B7-E4EDB010A677}"/>
+                </a:ext>
+              </a:extLst>
+            </p:cNvPr>
+            <p:cNvSpPr txBox="1"/>
+            <p:nvPr/>
+          </p:nvSpPr>
+          <p:spPr>
+            <a:xfrm>
+              <a:off x="8533757" y="4536646"/>
+              <a:ext cx="2262578" cy="1379323"/>
+            </a:xfrm>
+            <a:prstGeom prst="rect">
+              <a:avLst/>
+            </a:prstGeom>
+            <a:noFill/>
+          </p:spPr>
+          <p:txBody>
+            <a:bodyPr wrap="square" rtlCol="0">
+              <a:spAutoFit/>
+            </a:bodyPr>
+            <a:lstStyle/>
+            <a:p>
+              <a:pPr algn="ctr"/>
+              <a:r>
+                <a:rPr kumimoji="1" lang="en-US" altLang="ja-JP" sz="3600" b="1" dirty="0">
+                  <a:ln w="3175">
+                    <a:noFill/>
+                  </a:ln>
+                  <a:solidFill>
+                    <a:schemeClr val="bg1"/>
+                  </a:solidFill>
+                  <a:latin typeface="BIZ UDPゴシック" panose="020B0400000000000000" pitchFamily="50" charset="-128"/>
+                  <a:ea typeface="BIZ UDPゴシック" panose="020B0400000000000000" pitchFamily="50" charset="-128"/>
+                </a:rPr>
+                <a:t>NVDA</a:t>
+              </a:r>
+              <a:br>
+                <a:rPr kumimoji="1" lang="en-US" altLang="ja-JP" sz="3600" b="1" dirty="0">
+                  <a:ln w="3175">
+                    <a:noFill/>
+                  </a:ln>
+                  <a:solidFill>
+                    <a:schemeClr val="bg1"/>
+                  </a:solidFill>
+                  <a:latin typeface="BIZ UDPゴシック" panose="020B0400000000000000" pitchFamily="50" charset="-128"/>
+                  <a:ea typeface="BIZ UDPゴシック" panose="020B0400000000000000" pitchFamily="50" charset="-128"/>
+                </a:rPr>
+              </a:br>
+              <a:r>
+                <a:rPr kumimoji="1" lang="en-US" altLang="ja-JP" sz="3600" b="1" dirty="0">
+                  <a:ln w="3175">
+                    <a:noFill/>
+                  </a:ln>
+                  <a:solidFill>
+                    <a:schemeClr val="bg1"/>
+                  </a:solidFill>
+                  <a:latin typeface="BIZ UDPゴシック" panose="020B0400000000000000" pitchFamily="50" charset="-128"/>
+                  <a:ea typeface="BIZ UDPゴシック" panose="020B0400000000000000" pitchFamily="50" charset="-128"/>
+                </a:rPr>
+                <a:t>60%</a:t>
+              </a:r>
+              <a:endParaRPr kumimoji="1" lang="ja-JP" altLang="en-US" sz="3600" b="1" dirty="0">
+                <a:ln w="3175">
+                  <a:noFill/>
+                </a:ln>
+                <a:solidFill>
+                  <a:schemeClr val="bg1"/>
+                </a:solidFill>
+                <a:latin typeface="BIZ UDPゴシック" panose="020B0400000000000000" pitchFamily="50" charset="-128"/>
+                <a:ea typeface="BIZ UDPゴシック" panose="020B0400000000000000" pitchFamily="50" charset="-128"/>
+              </a:endParaRPr>
+            </a:p>
+          </p:txBody>
+        </p:sp>
+        <p:sp>
+          <p:nvSpPr>
+            <p:cNvPr id="11" name="テキスト ボックス 10">
+              <a:extLst>
+                <a:ext uri="{FF2B5EF4-FFF2-40B4-BE49-F238E27FC236}">
+                  <a16:creationId xmlns:a16="http://schemas.microsoft.com/office/drawing/2014/main" id="{ECFF3A1E-03D8-FA39-D2D9-D3B09F42318D}"/>
+                </a:ext>
+              </a:extLst>
+            </p:cNvPr>
+            <p:cNvSpPr txBox="1"/>
+            <p:nvPr/>
+          </p:nvSpPr>
+          <p:spPr>
+            <a:xfrm rot="19588948">
+              <a:off x="6898039" y="4570988"/>
+              <a:ext cx="1641042" cy="459775"/>
+            </a:xfrm>
+            <a:prstGeom prst="rect">
+              <a:avLst/>
+            </a:prstGeom>
+            <a:noFill/>
+          </p:spPr>
+          <p:txBody>
+            <a:bodyPr wrap="square" rtlCol="0">
+              <a:spAutoFit/>
+            </a:bodyPr>
+            <a:lstStyle/>
+            <a:p>
+              <a:pPr algn="ctr"/>
+              <a:r>
+                <a:rPr kumimoji="1" lang="en-US" altLang="ja-JP" sz="2000" b="1" dirty="0">
+                  <a:ln w="3175">
+                    <a:noFill/>
+                  </a:ln>
+                  <a:solidFill>
+                    <a:schemeClr val="bg1"/>
+                  </a:solidFill>
+                  <a:latin typeface="BIZ UDPゴシック" panose="020B0400000000000000" pitchFamily="50" charset="-128"/>
+                  <a:ea typeface="BIZ UDPゴシック" panose="020B0400000000000000" pitchFamily="50" charset="-128"/>
+                </a:rPr>
+                <a:t>TSM 7%</a:t>
+              </a:r>
+              <a:endParaRPr kumimoji="1" lang="ja-JP" altLang="en-US" sz="2000" b="1" dirty="0">
+                <a:ln w="3175">
+                  <a:noFill/>
+                </a:ln>
+                <a:solidFill>
+                  <a:schemeClr val="bg1"/>
+                </a:solidFill>
+                <a:latin typeface="BIZ UDPゴシック" panose="020B0400000000000000" pitchFamily="50" charset="-128"/>
+                <a:ea typeface="BIZ UDPゴシック" panose="020B0400000000000000" pitchFamily="50" charset="-128"/>
+              </a:endParaRPr>
+            </a:p>
+          </p:txBody>
+        </p:sp>
+        <p:sp>
+          <p:nvSpPr>
+            <p:cNvPr id="12" name="テキスト ボックス 11">
+              <a:extLst>
+                <a:ext uri="{FF2B5EF4-FFF2-40B4-BE49-F238E27FC236}">
+                  <a16:creationId xmlns:a16="http://schemas.microsoft.com/office/drawing/2014/main" id="{ED01B846-E357-5D6C-3A71-5486646F9056}"/>
+                </a:ext>
+              </a:extLst>
+            </p:cNvPr>
+            <p:cNvSpPr txBox="1"/>
+            <p:nvPr/>
+          </p:nvSpPr>
+          <p:spPr>
+            <a:xfrm rot="21120000">
+              <a:off x="6638750" y="3976601"/>
+              <a:ext cx="1726953" cy="369332"/>
+            </a:xfrm>
+            <a:prstGeom prst="rect">
+              <a:avLst/>
+            </a:prstGeom>
+            <a:noFill/>
+          </p:spPr>
+          <p:txBody>
+            <a:bodyPr wrap="square" rtlCol="0">
+              <a:spAutoFit/>
+            </a:bodyPr>
+            <a:lstStyle/>
+            <a:p>
+              <a:pPr algn="ctr"/>
+              <a:r>
+                <a:rPr lang="en-US" altLang="ja-JP" b="1" dirty="0">
+                  <a:ln w="3175">
+                    <a:noFill/>
+                  </a:ln>
+                  <a:solidFill>
+                    <a:schemeClr val="bg1"/>
+                  </a:solidFill>
+                  <a:latin typeface="BIZ UDPゴシック" panose="020B0400000000000000" pitchFamily="50" charset="-128"/>
+                  <a:ea typeface="BIZ UDPゴシック" panose="020B0400000000000000" pitchFamily="50" charset="-128"/>
+                </a:rPr>
+                <a:t>AMZN </a:t>
+              </a:r>
+              <a:r>
+                <a:rPr kumimoji="1" lang="en-US" altLang="ja-JP" b="1" dirty="0">
+                  <a:ln w="3175">
+                    <a:noFill/>
+                  </a:ln>
+                  <a:solidFill>
+                    <a:schemeClr val="bg1"/>
+                  </a:solidFill>
+                  <a:latin typeface="BIZ UDPゴシック" panose="020B0400000000000000" pitchFamily="50" charset="-128"/>
+                  <a:ea typeface="BIZ UDPゴシック" panose="020B0400000000000000" pitchFamily="50" charset="-128"/>
+                </a:rPr>
+                <a:t>4%</a:t>
+              </a:r>
+              <a:endParaRPr kumimoji="1" lang="ja-JP" altLang="en-US" b="1" dirty="0">
+                <a:ln w="3175">
+                  <a:noFill/>
+                </a:ln>
+                <a:solidFill>
+                  <a:schemeClr val="bg1"/>
+                </a:solidFill>
+                <a:latin typeface="BIZ UDPゴシック" panose="020B0400000000000000" pitchFamily="50" charset="-128"/>
+                <a:ea typeface="BIZ UDPゴシック" panose="020B0400000000000000" pitchFamily="50" charset="-128"/>
+              </a:endParaRPr>
+            </a:p>
+          </p:txBody>
+        </p:sp>
+        <p:sp>
+          <p:nvSpPr>
+            <p:cNvPr id="13" name="テキスト ボックス 12">
+              <a:extLst>
+                <a:ext uri="{FF2B5EF4-FFF2-40B4-BE49-F238E27FC236}">
+                  <a16:creationId xmlns:a16="http://schemas.microsoft.com/office/drawing/2014/main" id="{5E053ADE-BE9A-B7B4-3DBB-52DA497F9281}"/>
+                </a:ext>
+              </a:extLst>
+            </p:cNvPr>
+            <p:cNvSpPr txBox="1"/>
+            <p:nvPr/>
+          </p:nvSpPr>
+          <p:spPr>
+            <a:xfrm>
+              <a:off x="7182589" y="2507285"/>
+              <a:ext cx="1522492" cy="1077218"/>
+            </a:xfrm>
+            <a:prstGeom prst="rect">
+              <a:avLst/>
+            </a:prstGeom>
+            <a:noFill/>
+          </p:spPr>
+          <p:txBody>
+            <a:bodyPr wrap="square" rtlCol="0">
+              <a:spAutoFit/>
+            </a:bodyPr>
+            <a:lstStyle/>
+            <a:p>
+              <a:pPr algn="ctr"/>
+              <a:r>
+                <a:rPr lang="en-US" altLang="ja-JP" sz="3200" b="1" dirty="0">
+                  <a:ln w="3175">
+                    <a:noFill/>
+                  </a:ln>
+                  <a:solidFill>
+                    <a:schemeClr val="bg1"/>
+                  </a:solidFill>
+                  <a:latin typeface="BIZ UDPゴシック" panose="020B0400000000000000" pitchFamily="50" charset="-128"/>
+                  <a:ea typeface="BIZ UDPゴシック" panose="020B0400000000000000" pitchFamily="50" charset="-128"/>
+                </a:rPr>
+                <a:t>ARM</a:t>
+              </a:r>
+            </a:p>
+            <a:p>
+              <a:pPr algn="ctr"/>
+              <a:r>
+                <a:rPr lang="en-US" altLang="ja-JP" sz="3200" b="1" dirty="0">
+                  <a:ln w="3175">
+                    <a:noFill/>
+                  </a:ln>
+                  <a:solidFill>
+                    <a:schemeClr val="bg1"/>
+                  </a:solidFill>
+                  <a:latin typeface="BIZ UDPゴシック" panose="020B0400000000000000" pitchFamily="50" charset="-128"/>
+                  <a:ea typeface="BIZ UDPゴシック" panose="020B0400000000000000" pitchFamily="50" charset="-128"/>
+                </a:rPr>
+                <a:t>21</a:t>
+              </a:r>
+              <a:r>
+                <a:rPr kumimoji="1" lang="en-US" altLang="ja-JP" sz="3200" b="1" dirty="0">
+                  <a:ln w="3175">
+                    <a:noFill/>
+                  </a:ln>
+                  <a:solidFill>
+                    <a:schemeClr val="bg1"/>
+                  </a:solidFill>
+                  <a:latin typeface="BIZ UDPゴシック" panose="020B0400000000000000" pitchFamily="50" charset="-128"/>
+                  <a:ea typeface="BIZ UDPゴシック" panose="020B0400000000000000" pitchFamily="50" charset="-128"/>
+                </a:rPr>
+                <a:t>%</a:t>
+              </a:r>
+              <a:endParaRPr kumimoji="1" lang="ja-JP" altLang="en-US" sz="3200" b="1" dirty="0">
+                <a:ln w="3175">
+                  <a:noFill/>
+                </a:ln>
+                <a:solidFill>
+                  <a:schemeClr val="bg1"/>
+                </a:solidFill>
+                <a:latin typeface="BIZ UDPゴシック" panose="020B0400000000000000" pitchFamily="50" charset="-128"/>
+                <a:ea typeface="BIZ UDPゴシック" panose="020B0400000000000000" pitchFamily="50" charset="-128"/>
+              </a:endParaRPr>
+            </a:p>
+          </p:txBody>
+        </p:sp>
+        <p:sp>
+          <p:nvSpPr>
+            <p:cNvPr id="14" name="テキスト ボックス 13">
+              <a:extLst>
+                <a:ext uri="{FF2B5EF4-FFF2-40B4-BE49-F238E27FC236}">
+                  <a16:creationId xmlns:a16="http://schemas.microsoft.com/office/drawing/2014/main" id="{9CDEE1CA-FDFC-2D91-31A2-12C85324B0DB}"/>
+                </a:ext>
+              </a:extLst>
+            </p:cNvPr>
+            <p:cNvSpPr txBox="1"/>
+            <p:nvPr/>
+          </p:nvSpPr>
+          <p:spPr>
+            <a:xfrm rot="17400000">
+              <a:off x="8464121" y="2501386"/>
+              <a:ext cx="1957149" cy="474885"/>
+            </a:xfrm>
+            <a:prstGeom prst="rect">
+              <a:avLst/>
+            </a:prstGeom>
+            <a:noFill/>
+          </p:spPr>
+          <p:txBody>
+            <a:bodyPr wrap="square" rtlCol="0">
+              <a:spAutoFit/>
+            </a:bodyPr>
+            <a:lstStyle/>
+            <a:p>
+              <a:pPr algn="ctr"/>
+              <a:r>
+                <a:rPr kumimoji="1" lang="en-US" altLang="ja-JP" sz="2000" b="1" dirty="0">
+                  <a:ln w="3175">
+                    <a:noFill/>
+                  </a:ln>
+                  <a:solidFill>
+                    <a:schemeClr val="bg1"/>
+                  </a:solidFill>
+                  <a:latin typeface="BIZ UDPゴシック" panose="020B0400000000000000" pitchFamily="50" charset="-128"/>
+                  <a:ea typeface="BIZ UDPゴシック" panose="020B0400000000000000" pitchFamily="50" charset="-128"/>
+                </a:rPr>
+                <a:t>GOOG 8%</a:t>
+              </a:r>
+              <a:endParaRPr kumimoji="1" lang="ja-JP" altLang="en-US" sz="2000" b="1" dirty="0">
+                <a:ln w="3175">
+                  <a:noFill/>
+                </a:ln>
+                <a:solidFill>
+                  <a:schemeClr val="bg1"/>
+                </a:solidFill>
+                <a:latin typeface="BIZ UDPゴシック" panose="020B0400000000000000" pitchFamily="50" charset="-128"/>
+                <a:ea typeface="BIZ UDPゴシック" panose="020B0400000000000000" pitchFamily="50" charset="-128"/>
+              </a:endParaRPr>
+            </a:p>
+          </p:txBody>
+        </p:sp>
+      </p:grpSp>
+      <p:sp>
+        <p:nvSpPr>
+          <p:cNvPr id="24" name="テキスト ボックス 23">
+            <a:extLst>
+              <a:ext uri="{FF2B5EF4-FFF2-40B4-BE49-F238E27FC236}">
+                <a16:creationId xmlns:a16="http://schemas.microsoft.com/office/drawing/2014/main" id="{087A17E2-F1B2-5D7B-FA68-BB8A2E8EB4FE}"/>
+              </a:ext>
+            </a:extLst>
+          </p:cNvPr>
+          <p:cNvSpPr txBox="1"/>
+          <p:nvPr/>
+        </p:nvSpPr>
+        <p:spPr>
+          <a:xfrm>
+            <a:off x="6538019" y="5837042"/>
+            <a:ext cx="4291344" cy="523220"/>
+          </a:xfrm>
+          <a:prstGeom prst="rect">
+            <a:avLst/>
+          </a:prstGeom>
+          <a:noFill/>
+        </p:spPr>
+        <p:txBody>
+          <a:bodyPr wrap="square" rtlCol="0">
+            <a:spAutoFit/>
+          </a:bodyPr>
+          <a:lstStyle/>
+          <a:p>
+            <a:pPr algn="ctr"/>
+            <a:r>
+              <a:rPr kumimoji="1" lang="ja-JP" altLang="en-US" sz="2800" dirty="0">
+                <a:latin typeface="BIZ UDPゴシック" panose="020B0400000000000000" pitchFamily="50" charset="-128"/>
+                <a:ea typeface="BIZ UDPゴシック" panose="020B0400000000000000" pitchFamily="50" charset="-128"/>
+              </a:rPr>
+              <a:t>米国株式内訳</a:t>
             </a:r>
           </a:p>
         </p:txBody>
@@ -4013,10 +7849,10 @@
       </p:grpSpPr>
       <p:sp>
         <p:nvSpPr>
-          <p:cNvPr id="4" name="テキスト ボックス 3">
+          <p:cNvPr id="2" name="テキスト ボックス 1">
             <a:extLst>
               <a:ext uri="{FF2B5EF4-FFF2-40B4-BE49-F238E27FC236}">
-                <a16:creationId xmlns:a16="http://schemas.microsoft.com/office/drawing/2014/main" id="{6B56B9D3-FC29-4B9B-96B7-19FB66BC0676}"/>
+                <a16:creationId xmlns:a16="http://schemas.microsoft.com/office/drawing/2014/main" id="{54966BF6-826A-CA25-6F06-BECB0C6D2ADC}"/>
               </a:ext>
             </a:extLst>
           </p:cNvPr>
@@ -4025,8 +7861,8 @@
         </p:nvSpPr>
         <p:spPr>
           <a:xfrm>
-            <a:off x="1013011" y="2705725"/>
-            <a:ext cx="10165977" cy="1446550"/>
+            <a:off x="298127" y="48985"/>
+            <a:ext cx="2528888" cy="1200329"/>
           </a:xfrm>
           <a:prstGeom prst="rect">
             <a:avLst/>
@@ -4039,35 +7875,147 @@
           </a:bodyPr>
           <a:lstStyle/>
           <a:p>
-            <a:pPr algn="ctr"/>
-            <a:r>
-              <a:rPr kumimoji="1" lang="ja-JP" altLang="en-US" sz="8800" b="1" dirty="0">
+            <a:r>
+              <a:rPr lang="ja-JP" altLang="en-US" sz="7200" b="1" dirty="0">
                 <a:latin typeface="BIZ UDPゴシック" panose="020B0400000000000000" pitchFamily="50" charset="-128"/>
                 <a:ea typeface="BIZ UDPゴシック" panose="020B0400000000000000" pitchFamily="50" charset="-128"/>
               </a:rPr>
-              <a:t>結論 </a:t>
-            </a:r>
-            <a:r>
-              <a:rPr kumimoji="1" lang="en-US" altLang="ja-JP" sz="8800" b="1" dirty="0">
+              <a:t>概要</a:t>
+            </a:r>
+            <a:endParaRPr kumimoji="1" lang="ja-JP" altLang="en-US" sz="7200" b="1" dirty="0">
+              <a:latin typeface="BIZ UDPゴシック" panose="020B0400000000000000" pitchFamily="50" charset="-128"/>
+              <a:ea typeface="BIZ UDPゴシック" panose="020B0400000000000000" pitchFamily="50" charset="-128"/>
+            </a:endParaRPr>
+          </a:p>
+        </p:txBody>
+      </p:sp>
+      <p:sp>
+        <p:nvSpPr>
+          <p:cNvPr id="3" name="テキスト ボックス 2">
+            <a:extLst>
+              <a:ext uri="{FF2B5EF4-FFF2-40B4-BE49-F238E27FC236}">
+                <a16:creationId xmlns:a16="http://schemas.microsoft.com/office/drawing/2014/main" id="{D4D9287B-69AC-5AC8-4D6D-B72599E75D67}"/>
+              </a:ext>
+            </a:extLst>
+          </p:cNvPr>
+          <p:cNvSpPr txBox="1"/>
+          <p:nvPr/>
+        </p:nvSpPr>
+        <p:spPr>
+          <a:xfrm>
+            <a:off x="1366096" y="1519591"/>
+            <a:ext cx="9905469" cy="1138773"/>
+          </a:xfrm>
+          <a:prstGeom prst="rect">
+            <a:avLst/>
+          </a:prstGeom>
+          <a:noFill/>
+        </p:spPr>
+        <p:txBody>
+          <a:bodyPr wrap="square" rtlCol="0">
+            <a:spAutoFit/>
+          </a:bodyPr>
+          <a:lstStyle/>
+          <a:p>
+            <a:r>
+              <a:rPr kumimoji="1" lang="ja-JP" altLang="en-US" sz="4000" dirty="0">
                 <a:latin typeface="BIZ UDPゴシック" panose="020B0400000000000000" pitchFamily="50" charset="-128"/>
                 <a:ea typeface="BIZ UDPゴシック" panose="020B0400000000000000" pitchFamily="50" charset="-128"/>
               </a:rPr>
-              <a:t>: </a:t>
-            </a:r>
-            <a:r>
-              <a:rPr kumimoji="1" lang="ja-JP" altLang="en-US" sz="8800" b="1" dirty="0">
+              <a:t>投資家は何を指標に株を買っているのか</a:t>
+            </a:r>
+            <a:r>
+              <a:rPr kumimoji="1" lang="en-US" altLang="ja-JP" sz="4000" dirty="0">
                 <a:latin typeface="BIZ UDPゴシック" panose="020B0400000000000000" pitchFamily="50" charset="-128"/>
                 <a:ea typeface="BIZ UDPゴシック" panose="020B0400000000000000" pitchFamily="50" charset="-128"/>
               </a:rPr>
-              <a:t>できなかった</a:t>
-            </a:r>
-          </a:p>
-        </p:txBody>
-      </p:sp>
+              <a:t>?</a:t>
+            </a:r>
+          </a:p>
+          <a:p>
+            <a:r>
+              <a:rPr kumimoji="1" lang="en-US" altLang="ja-JP" sz="2800" dirty="0">
+                <a:latin typeface="BIZ UDPゴシック" panose="020B0400000000000000" pitchFamily="50" charset="-128"/>
+                <a:ea typeface="BIZ UDPゴシック" panose="020B0400000000000000" pitchFamily="50" charset="-128"/>
+              </a:rPr>
+              <a:t>(</a:t>
+            </a:r>
+            <a:r>
+              <a:rPr kumimoji="1" lang="ja-JP" altLang="en-US" sz="2800" dirty="0">
+                <a:latin typeface="BIZ UDPゴシック" panose="020B0400000000000000" pitchFamily="50" charset="-128"/>
+                <a:ea typeface="BIZ UDPゴシック" panose="020B0400000000000000" pitchFamily="50" charset="-128"/>
+              </a:rPr>
+              <a:t>⇩こんな感じ</a:t>
+            </a:r>
+            <a:r>
+              <a:rPr kumimoji="1" lang="ja-JP" altLang="en-US" sz="2800" dirty="0" err="1">
+                <a:latin typeface="BIZ UDPゴシック" panose="020B0400000000000000" pitchFamily="50" charset="-128"/>
+                <a:ea typeface="BIZ UDPゴシック" panose="020B0400000000000000" pitchFamily="50" charset="-128"/>
+              </a:rPr>
+              <a:t>な</a:t>
+            </a:r>
+            <a:r>
+              <a:rPr kumimoji="1" lang="ja-JP" altLang="en-US" sz="2800" dirty="0">
+                <a:latin typeface="BIZ UDPゴシック" panose="020B0400000000000000" pitchFamily="50" charset="-128"/>
+                <a:ea typeface="BIZ UDPゴシック" panose="020B0400000000000000" pitchFamily="50" charset="-128"/>
+              </a:rPr>
+              <a:t>グラフとにらめっこだけしてるわけではない</a:t>
+            </a:r>
+            <a:r>
+              <a:rPr kumimoji="1" lang="en-US" altLang="ja-JP" sz="2800" dirty="0">
+                <a:latin typeface="BIZ UDPゴシック" panose="020B0400000000000000" pitchFamily="50" charset="-128"/>
+                <a:ea typeface="BIZ UDPゴシック" panose="020B0400000000000000" pitchFamily="50" charset="-128"/>
+              </a:rPr>
+              <a:t>)</a:t>
+            </a:r>
+            <a:endParaRPr kumimoji="1" lang="ja-JP" altLang="en-US" sz="2800" dirty="0">
+              <a:latin typeface="BIZ UDPゴシック" panose="020B0400000000000000" pitchFamily="50" charset="-128"/>
+              <a:ea typeface="BIZ UDPゴシック" panose="020B0400000000000000" pitchFamily="50" charset="-128"/>
+            </a:endParaRPr>
+          </a:p>
+        </p:txBody>
+      </p:sp>
+      <p:pic>
+        <p:nvPicPr>
+          <p:cNvPr id="4" name="図 3">
+            <a:extLst>
+              <a:ext uri="{FF2B5EF4-FFF2-40B4-BE49-F238E27FC236}">
+                <a16:creationId xmlns:a16="http://schemas.microsoft.com/office/drawing/2014/main" id="{19D0CEAA-90FA-6892-2C80-15938DC5041F}"/>
+              </a:ext>
+            </a:extLst>
+          </p:cNvPr>
+          <p:cNvPicPr>
+            <a:picLocks noChangeAspect="1"/>
+          </p:cNvPicPr>
+          <p:nvPr/>
+        </p:nvPicPr>
+        <p:blipFill>
+          <a:blip r:embed="rId3"/>
+          <a:stretch>
+            <a:fillRect/>
+          </a:stretch>
+        </p:blipFill>
+        <p:spPr>
+          <a:xfrm>
+            <a:off x="3425364" y="2928641"/>
+            <a:ext cx="5341271" cy="3633517"/>
+          </a:xfrm>
+          <a:prstGeom prst="rect">
+            <a:avLst/>
+          </a:prstGeom>
+          <a:ln>
+            <a:solidFill>
+              <a:schemeClr val="bg2">
+                <a:lumMod val="75000"/>
+              </a:schemeClr>
+            </a:solidFill>
+          </a:ln>
+        </p:spPr>
+      </p:pic>
     </p:spTree>
     <p:extLst>
       <p:ext uri="{BB962C8B-B14F-4D97-AF65-F5344CB8AC3E}">
-        <p14:creationId xmlns:p14="http://schemas.microsoft.com/office/powerpoint/2010/main" val="642360478"/>
+        <p14:creationId xmlns:p14="http://schemas.microsoft.com/office/powerpoint/2010/main" val="3752831248"/>
       </p:ext>
     </p:extLst>
   </p:cSld>
@@ -4094,16 +8042,1875 @@
           <a:chExt cx="0" cy="0"/>
         </a:xfrm>
       </p:grpSpPr>
+      <p:sp>
+        <p:nvSpPr>
+          <p:cNvPr id="2" name="テキスト ボックス 1">
+            <a:extLst>
+              <a:ext uri="{FF2B5EF4-FFF2-40B4-BE49-F238E27FC236}">
+                <a16:creationId xmlns:a16="http://schemas.microsoft.com/office/drawing/2014/main" id="{59816DF4-50D0-78DE-9786-EE01CB92CA08}"/>
+              </a:ext>
+            </a:extLst>
+          </p:cNvPr>
+          <p:cNvSpPr txBox="1"/>
+          <p:nvPr/>
+        </p:nvSpPr>
+        <p:spPr>
+          <a:xfrm>
+            <a:off x="298127" y="48985"/>
+            <a:ext cx="2528888" cy="1200329"/>
+          </a:xfrm>
+          <a:prstGeom prst="rect">
+            <a:avLst/>
+          </a:prstGeom>
+          <a:noFill/>
+        </p:spPr>
+        <p:txBody>
+          <a:bodyPr wrap="square" rtlCol="0">
+            <a:spAutoFit/>
+          </a:bodyPr>
+          <a:lstStyle/>
+          <a:p>
+            <a:r>
+              <a:rPr lang="ja-JP" altLang="en-US" sz="7200" b="1" dirty="0">
+                <a:latin typeface="BIZ UDPゴシック" panose="020B0400000000000000" pitchFamily="50" charset="-128"/>
+                <a:ea typeface="BIZ UDPゴシック" panose="020B0400000000000000" pitchFamily="50" charset="-128"/>
+              </a:rPr>
+              <a:t>概要</a:t>
+            </a:r>
+            <a:endParaRPr kumimoji="1" lang="ja-JP" altLang="en-US" sz="7200" b="1" dirty="0">
+              <a:latin typeface="BIZ UDPゴシック" panose="020B0400000000000000" pitchFamily="50" charset="-128"/>
+              <a:ea typeface="BIZ UDPゴシック" panose="020B0400000000000000" pitchFamily="50" charset="-128"/>
+            </a:endParaRPr>
+          </a:p>
+        </p:txBody>
+      </p:sp>
+      <p:pic>
+        <p:nvPicPr>
+          <p:cNvPr id="7" name="図 6">
+            <a:extLst>
+              <a:ext uri="{FF2B5EF4-FFF2-40B4-BE49-F238E27FC236}">
+                <a16:creationId xmlns:a16="http://schemas.microsoft.com/office/drawing/2014/main" id="{3A9D6835-4D7B-FD26-9937-F89AC4934844}"/>
+              </a:ext>
+            </a:extLst>
+          </p:cNvPr>
+          <p:cNvPicPr>
+            <a:picLocks noChangeAspect="1"/>
+          </p:cNvPicPr>
+          <p:nvPr/>
+        </p:nvPicPr>
+        <p:blipFill>
+          <a:blip r:embed="rId3"/>
+          <a:stretch>
+            <a:fillRect/>
+          </a:stretch>
+        </p:blipFill>
+        <p:spPr>
+          <a:xfrm>
+            <a:off x="816257" y="2790527"/>
+            <a:ext cx="4572968" cy="2893209"/>
+          </a:xfrm>
+          <a:prstGeom prst="rect">
+            <a:avLst/>
+          </a:prstGeom>
+          <a:ln>
+            <a:solidFill>
+              <a:schemeClr val="bg2">
+                <a:lumMod val="75000"/>
+              </a:schemeClr>
+            </a:solidFill>
+          </a:ln>
+        </p:spPr>
+      </p:pic>
+      <p:sp>
+        <p:nvSpPr>
+          <p:cNvPr id="14" name="テキスト ボックス 13">
+            <a:extLst>
+              <a:ext uri="{FF2B5EF4-FFF2-40B4-BE49-F238E27FC236}">
+                <a16:creationId xmlns:a16="http://schemas.microsoft.com/office/drawing/2014/main" id="{1EDDC91B-17ED-ED3B-7462-29BEA8064521}"/>
+              </a:ext>
+            </a:extLst>
+          </p:cNvPr>
+          <p:cNvSpPr txBox="1"/>
+          <p:nvPr/>
+        </p:nvSpPr>
+        <p:spPr>
+          <a:xfrm>
+            <a:off x="816257" y="2155227"/>
+            <a:ext cx="5190144" cy="523220"/>
+          </a:xfrm>
+          <a:prstGeom prst="rect">
+            <a:avLst/>
+          </a:prstGeom>
+          <a:noFill/>
+        </p:spPr>
+        <p:txBody>
+          <a:bodyPr wrap="square" rtlCol="0">
+            <a:spAutoFit/>
+          </a:bodyPr>
+          <a:lstStyle/>
+          <a:p>
+            <a:r>
+              <a:rPr kumimoji="1" lang="ja-JP" altLang="en-US" sz="2800" dirty="0">
+                <a:latin typeface="BIZ UDPゴシック" panose="020B0400000000000000" pitchFamily="50" charset="-128"/>
+                <a:ea typeface="BIZ UDPゴシック" panose="020B0400000000000000" pitchFamily="50" charset="-128"/>
+              </a:rPr>
+              <a:t>恐怖指数</a:t>
+            </a:r>
+            <a:r>
+              <a:rPr lang="en-US" altLang="ja-JP" sz="2400" dirty="0">
+                <a:latin typeface="BIZ UDPゴシック" panose="020B0400000000000000" pitchFamily="50" charset="-128"/>
+                <a:ea typeface="BIZ UDPゴシック" panose="020B0400000000000000" pitchFamily="50" charset="-128"/>
+              </a:rPr>
+              <a:t>(Volatility Index)</a:t>
+            </a:r>
+            <a:endParaRPr kumimoji="1" lang="ja-JP" altLang="en-US" sz="2800" dirty="0">
+              <a:latin typeface="BIZ UDPゴシック" panose="020B0400000000000000" pitchFamily="50" charset="-128"/>
+              <a:ea typeface="BIZ UDPゴシック" panose="020B0400000000000000" pitchFamily="50" charset="-128"/>
+            </a:endParaRPr>
+          </a:p>
+        </p:txBody>
+      </p:sp>
+      <p:pic>
+        <p:nvPicPr>
+          <p:cNvPr id="4" name="図 3">
+            <a:extLst>
+              <a:ext uri="{FF2B5EF4-FFF2-40B4-BE49-F238E27FC236}">
+                <a16:creationId xmlns:a16="http://schemas.microsoft.com/office/drawing/2014/main" id="{25FFC761-A9F4-37A5-3FEB-B564C9ACE5FC}"/>
+              </a:ext>
+            </a:extLst>
+          </p:cNvPr>
+          <p:cNvPicPr>
+            <a:picLocks noChangeAspect="1"/>
+          </p:cNvPicPr>
+          <p:nvPr/>
+        </p:nvPicPr>
+        <p:blipFill>
+          <a:blip r:embed="rId4"/>
+          <a:stretch>
+            <a:fillRect/>
+          </a:stretch>
+        </p:blipFill>
+        <p:spPr>
+          <a:xfrm>
+            <a:off x="6454372" y="2790526"/>
+            <a:ext cx="4564376" cy="2893209"/>
+          </a:xfrm>
+          <a:prstGeom prst="rect">
+            <a:avLst/>
+          </a:prstGeom>
+          <a:ln>
+            <a:solidFill>
+              <a:schemeClr val="bg2">
+                <a:lumMod val="75000"/>
+              </a:schemeClr>
+            </a:solidFill>
+          </a:ln>
+        </p:spPr>
+      </p:pic>
+      <p:sp>
+        <p:nvSpPr>
+          <p:cNvPr id="5" name="テキスト ボックス 4">
+            <a:extLst>
+              <a:ext uri="{FF2B5EF4-FFF2-40B4-BE49-F238E27FC236}">
+                <a16:creationId xmlns:a16="http://schemas.microsoft.com/office/drawing/2014/main" id="{8B5BC4FA-41DF-33E1-05BB-0506A73F38CE}"/>
+              </a:ext>
+            </a:extLst>
+          </p:cNvPr>
+          <p:cNvSpPr txBox="1"/>
+          <p:nvPr/>
+        </p:nvSpPr>
+        <p:spPr>
+          <a:xfrm>
+            <a:off x="507669" y="1276410"/>
+            <a:ext cx="5190144" cy="646331"/>
+          </a:xfrm>
+          <a:prstGeom prst="rect">
+            <a:avLst/>
+          </a:prstGeom>
+          <a:noFill/>
+        </p:spPr>
+        <p:txBody>
+          <a:bodyPr wrap="square" rtlCol="0">
+            <a:spAutoFit/>
+          </a:bodyPr>
+          <a:lstStyle/>
+          <a:p>
+            <a:r>
+              <a:rPr kumimoji="1" lang="en-US" altLang="ja-JP" sz="3600" dirty="0">
+                <a:latin typeface="BIZ UDPゴシック" panose="020B0400000000000000" pitchFamily="50" charset="-128"/>
+                <a:ea typeface="BIZ UDPゴシック" panose="020B0400000000000000" pitchFamily="50" charset="-128"/>
+              </a:rPr>
+              <a:t>1. </a:t>
+            </a:r>
+            <a:r>
+              <a:rPr kumimoji="1" lang="ja-JP" altLang="en-US" sz="3600" dirty="0">
+                <a:latin typeface="BIZ UDPゴシック" panose="020B0400000000000000" pitchFamily="50" charset="-128"/>
+                <a:ea typeface="BIZ UDPゴシック" panose="020B0400000000000000" pitchFamily="50" charset="-128"/>
+              </a:rPr>
+              <a:t>指数を基準にする</a:t>
+            </a:r>
+          </a:p>
+        </p:txBody>
+      </p:sp>
+      <p:sp>
+        <p:nvSpPr>
+          <p:cNvPr id="6" name="テキスト ボックス 5">
+            <a:extLst>
+              <a:ext uri="{FF2B5EF4-FFF2-40B4-BE49-F238E27FC236}">
+                <a16:creationId xmlns:a16="http://schemas.microsoft.com/office/drawing/2014/main" id="{9F9D6AD7-4944-AA38-55B9-16559FF5D830}"/>
+              </a:ext>
+            </a:extLst>
+          </p:cNvPr>
+          <p:cNvSpPr txBox="1"/>
+          <p:nvPr/>
+        </p:nvSpPr>
+        <p:spPr>
+          <a:xfrm>
+            <a:off x="5839420" y="2128569"/>
+            <a:ext cx="5794281" cy="523220"/>
+          </a:xfrm>
+          <a:prstGeom prst="rect">
+            <a:avLst/>
+          </a:prstGeom>
+          <a:noFill/>
+        </p:spPr>
+        <p:txBody>
+          <a:bodyPr wrap="square" rtlCol="0">
+            <a:spAutoFit/>
+          </a:bodyPr>
+          <a:lstStyle/>
+          <a:p>
+            <a:r>
+              <a:rPr kumimoji="1" lang="ja-JP" altLang="en-US" sz="2800" dirty="0">
+                <a:latin typeface="BIZ UDPゴシック" panose="020B0400000000000000" pitchFamily="50" charset="-128"/>
+                <a:ea typeface="BIZ UDPゴシック" panose="020B0400000000000000" pitchFamily="50" charset="-128"/>
+              </a:rPr>
+              <a:t>フィラデルフィア半導体指数</a:t>
+            </a:r>
+            <a:r>
+              <a:rPr kumimoji="1" lang="en-US" altLang="ja-JP" sz="2800" dirty="0">
+                <a:latin typeface="BIZ UDPゴシック" panose="020B0400000000000000" pitchFamily="50" charset="-128"/>
+                <a:ea typeface="BIZ UDPゴシック" panose="020B0400000000000000" pitchFamily="50" charset="-128"/>
+              </a:rPr>
+              <a:t>(SOX)</a:t>
+            </a:r>
+            <a:endParaRPr kumimoji="1" lang="ja-JP" altLang="en-US" sz="2800" dirty="0">
+              <a:latin typeface="BIZ UDPゴシック" panose="020B0400000000000000" pitchFamily="50" charset="-128"/>
+              <a:ea typeface="BIZ UDPゴシック" panose="020B0400000000000000" pitchFamily="50" charset="-128"/>
+            </a:endParaRPr>
+          </a:p>
+        </p:txBody>
+      </p:sp>
     </p:spTree>
     <p:extLst>
       <p:ext uri="{BB962C8B-B14F-4D97-AF65-F5344CB8AC3E}">
-        <p14:creationId xmlns:p14="http://schemas.microsoft.com/office/powerpoint/2010/main" val="3441272322"/>
+        <p14:creationId xmlns:p14="http://schemas.microsoft.com/office/powerpoint/2010/main" val="3502735594"/>
       </p:ext>
     </p:extLst>
   </p:cSld>
   <p:clrMapOvr>
     <a:masterClrMapping/>
   </p:clrMapOvr>
+</p:sld>
+</file>
+
+<file path=ppt/slides/slide6.xml><?xml version="1.0" encoding="utf-8"?>
+<p:sld xmlns:a="http://schemas.openxmlformats.org/drawingml/2006/main" xmlns:r="http://schemas.openxmlformats.org/officeDocument/2006/relationships" xmlns:p="http://schemas.openxmlformats.org/presentationml/2006/main">
+  <p:cSld>
+    <p:spTree>
+      <p:nvGrpSpPr>
+        <p:cNvPr id="1" name=""/>
+        <p:cNvGrpSpPr/>
+        <p:nvPr/>
+      </p:nvGrpSpPr>
+      <p:grpSpPr>
+        <a:xfrm>
+          <a:off x="0" y="0"/>
+          <a:ext cx="0" cy="0"/>
+          <a:chOff x="0" y="0"/>
+          <a:chExt cx="0" cy="0"/>
+        </a:xfrm>
+      </p:grpSpPr>
+      <p:grpSp>
+        <p:nvGrpSpPr>
+          <p:cNvPr id="5" name="グループ化 4">
+            <a:extLst>
+              <a:ext uri="{FF2B5EF4-FFF2-40B4-BE49-F238E27FC236}">
+                <a16:creationId xmlns:a16="http://schemas.microsoft.com/office/drawing/2014/main" id="{2C38A002-A584-D33E-8BFC-B4A146BA26CC}"/>
+              </a:ext>
+            </a:extLst>
+          </p:cNvPr>
+          <p:cNvGrpSpPr/>
+          <p:nvPr/>
+        </p:nvGrpSpPr>
+        <p:grpSpPr>
+          <a:xfrm>
+            <a:off x="8632332" y="2321004"/>
+            <a:ext cx="3559668" cy="1357851"/>
+            <a:chOff x="8632332" y="2321004"/>
+            <a:chExt cx="3559668" cy="1357851"/>
+          </a:xfrm>
+        </p:grpSpPr>
+        <p:sp>
+          <p:nvSpPr>
+            <p:cNvPr id="10" name="テキスト ボックス 9">
+              <a:extLst>
+                <a:ext uri="{FF2B5EF4-FFF2-40B4-BE49-F238E27FC236}">
+                  <a16:creationId xmlns:a16="http://schemas.microsoft.com/office/drawing/2014/main" id="{339AD40E-995E-E969-2039-4698B1FACBDA}"/>
+                </a:ext>
+              </a:extLst>
+            </p:cNvPr>
+            <p:cNvSpPr txBox="1"/>
+            <p:nvPr/>
+          </p:nvSpPr>
+          <p:spPr>
+            <a:xfrm>
+              <a:off x="8632332" y="2321004"/>
+              <a:ext cx="3055691" cy="1107996"/>
+            </a:xfrm>
+            <a:prstGeom prst="rect">
+              <a:avLst/>
+            </a:prstGeom>
+            <a:noFill/>
+          </p:spPr>
+          <p:txBody>
+            <a:bodyPr wrap="square" rtlCol="0">
+              <a:spAutoFit/>
+            </a:bodyPr>
+            <a:lstStyle/>
+            <a:p>
+              <a:r>
+                <a:rPr lang="ja-JP" altLang="en-US" sz="2400" dirty="0">
+                  <a:latin typeface="BIZ UDPゴシック" panose="020B0400000000000000" pitchFamily="50" charset="-128"/>
+                  <a:ea typeface="BIZ UDPゴシック" panose="020B0400000000000000" pitchFamily="50" charset="-128"/>
+                </a:rPr>
+                <a:t>このニュースがプラスだと考えるなら</a:t>
+              </a:r>
+              <a:r>
+                <a:rPr lang="en-US" altLang="ja-JP" sz="2400" dirty="0">
+                  <a:latin typeface="BIZ UDPゴシック" panose="020B0400000000000000" pitchFamily="50" charset="-128"/>
+                  <a:ea typeface="BIZ UDPゴシック" panose="020B0400000000000000" pitchFamily="50" charset="-128"/>
+                </a:rPr>
+                <a:t>:</a:t>
+              </a:r>
+            </a:p>
+            <a:p>
+              <a:endParaRPr kumimoji="1" lang="ja-JP" altLang="en-US" dirty="0">
+                <a:latin typeface="BIZ UDPゴシック" panose="020B0400000000000000" pitchFamily="50" charset="-128"/>
+                <a:ea typeface="BIZ UDPゴシック" panose="020B0400000000000000" pitchFamily="50" charset="-128"/>
+              </a:endParaRPr>
+            </a:p>
+          </p:txBody>
+        </p:sp>
+        <p:sp>
+          <p:nvSpPr>
+            <p:cNvPr id="11" name="テキスト ボックス 10">
+              <a:extLst>
+                <a:ext uri="{FF2B5EF4-FFF2-40B4-BE49-F238E27FC236}">
+                  <a16:creationId xmlns:a16="http://schemas.microsoft.com/office/drawing/2014/main" id="{4EACC256-DA8A-88A8-0C05-DDC89235CE6D}"/>
+                </a:ext>
+              </a:extLst>
+            </p:cNvPr>
+            <p:cNvSpPr txBox="1"/>
+            <p:nvPr/>
+          </p:nvSpPr>
+          <p:spPr>
+            <a:xfrm>
+              <a:off x="9363636" y="3094080"/>
+              <a:ext cx="2828364" cy="584775"/>
+            </a:xfrm>
+            <a:prstGeom prst="rect">
+              <a:avLst/>
+            </a:prstGeom>
+            <a:noFill/>
+          </p:spPr>
+          <p:txBody>
+            <a:bodyPr wrap="square" rtlCol="0">
+              <a:spAutoFit/>
+            </a:bodyPr>
+            <a:lstStyle/>
+            <a:p>
+              <a:r>
+                <a:rPr kumimoji="1" lang="ja-JP" altLang="en-US" sz="3200" dirty="0">
+                  <a:latin typeface="BIZ UDPゴシック" panose="020B0400000000000000" pitchFamily="50" charset="-128"/>
+                  <a:ea typeface="BIZ UDPゴシック" panose="020B0400000000000000" pitchFamily="50" charset="-128"/>
+                </a:rPr>
+                <a:t>株価は上がる</a:t>
+              </a:r>
+            </a:p>
+          </p:txBody>
+        </p:sp>
+      </p:grpSp>
+      <p:grpSp>
+        <p:nvGrpSpPr>
+          <p:cNvPr id="6" name="グループ化 5">
+            <a:extLst>
+              <a:ext uri="{FF2B5EF4-FFF2-40B4-BE49-F238E27FC236}">
+                <a16:creationId xmlns:a16="http://schemas.microsoft.com/office/drawing/2014/main" id="{1BFE07F2-97A8-131E-D89A-78EE8E9FD3C8}"/>
+              </a:ext>
+            </a:extLst>
+          </p:cNvPr>
+          <p:cNvGrpSpPr/>
+          <p:nvPr/>
+        </p:nvGrpSpPr>
+        <p:grpSpPr>
+          <a:xfrm>
+            <a:off x="8632332" y="3897933"/>
+            <a:ext cx="3559668" cy="1357705"/>
+            <a:chOff x="8632332" y="3897933"/>
+            <a:chExt cx="3559668" cy="1357705"/>
+          </a:xfrm>
+        </p:grpSpPr>
+        <p:sp>
+          <p:nvSpPr>
+            <p:cNvPr id="12" name="テキスト ボックス 11">
+              <a:extLst>
+                <a:ext uri="{FF2B5EF4-FFF2-40B4-BE49-F238E27FC236}">
+                  <a16:creationId xmlns:a16="http://schemas.microsoft.com/office/drawing/2014/main" id="{912B06E0-39A8-0783-ED85-64F7E6C1930B}"/>
+                </a:ext>
+              </a:extLst>
+            </p:cNvPr>
+            <p:cNvSpPr txBox="1"/>
+            <p:nvPr/>
+          </p:nvSpPr>
+          <p:spPr>
+            <a:xfrm>
+              <a:off x="8632332" y="3897933"/>
+              <a:ext cx="3472804" cy="1107996"/>
+            </a:xfrm>
+            <a:prstGeom prst="rect">
+              <a:avLst/>
+            </a:prstGeom>
+            <a:noFill/>
+          </p:spPr>
+          <p:txBody>
+            <a:bodyPr wrap="square" rtlCol="0">
+              <a:spAutoFit/>
+            </a:bodyPr>
+            <a:lstStyle/>
+            <a:p>
+              <a:r>
+                <a:rPr lang="ja-JP" altLang="en-US" sz="2400" dirty="0">
+                  <a:latin typeface="BIZ UDPゴシック" panose="020B0400000000000000" pitchFamily="50" charset="-128"/>
+                  <a:ea typeface="BIZ UDPゴシック" panose="020B0400000000000000" pitchFamily="50" charset="-128"/>
+                </a:rPr>
+                <a:t>このニュースがマイナスだと考えるなら</a:t>
+              </a:r>
+              <a:r>
+                <a:rPr lang="en-US" altLang="ja-JP" sz="2400" dirty="0">
+                  <a:latin typeface="BIZ UDPゴシック" panose="020B0400000000000000" pitchFamily="50" charset="-128"/>
+                  <a:ea typeface="BIZ UDPゴシック" panose="020B0400000000000000" pitchFamily="50" charset="-128"/>
+                </a:rPr>
+                <a:t>:</a:t>
+              </a:r>
+            </a:p>
+            <a:p>
+              <a:endParaRPr kumimoji="1" lang="ja-JP" altLang="en-US" dirty="0">
+                <a:latin typeface="BIZ UDPゴシック" panose="020B0400000000000000" pitchFamily="50" charset="-128"/>
+                <a:ea typeface="BIZ UDPゴシック" panose="020B0400000000000000" pitchFamily="50" charset="-128"/>
+              </a:endParaRPr>
+            </a:p>
+          </p:txBody>
+        </p:sp>
+        <p:sp>
+          <p:nvSpPr>
+            <p:cNvPr id="13" name="テキスト ボックス 12">
+              <a:extLst>
+                <a:ext uri="{FF2B5EF4-FFF2-40B4-BE49-F238E27FC236}">
+                  <a16:creationId xmlns:a16="http://schemas.microsoft.com/office/drawing/2014/main" id="{A6C5A1FC-645B-5983-5259-4F5FEB23EB68}"/>
+                </a:ext>
+              </a:extLst>
+            </p:cNvPr>
+            <p:cNvSpPr txBox="1"/>
+            <p:nvPr/>
+          </p:nvSpPr>
+          <p:spPr>
+            <a:xfrm>
+              <a:off x="9363636" y="4670863"/>
+              <a:ext cx="2828364" cy="584775"/>
+            </a:xfrm>
+            <a:prstGeom prst="rect">
+              <a:avLst/>
+            </a:prstGeom>
+            <a:noFill/>
+          </p:spPr>
+          <p:txBody>
+            <a:bodyPr wrap="square" rtlCol="0">
+              <a:spAutoFit/>
+            </a:bodyPr>
+            <a:lstStyle/>
+            <a:p>
+              <a:r>
+                <a:rPr kumimoji="1" lang="ja-JP" altLang="en-US" sz="3200" dirty="0">
+                  <a:latin typeface="BIZ UDPゴシック" panose="020B0400000000000000" pitchFamily="50" charset="-128"/>
+                  <a:ea typeface="BIZ UDPゴシック" panose="020B0400000000000000" pitchFamily="50" charset="-128"/>
+                </a:rPr>
+                <a:t>株価は下がる</a:t>
+              </a:r>
+            </a:p>
+          </p:txBody>
+        </p:sp>
+      </p:grpSp>
+      <p:pic>
+        <p:nvPicPr>
+          <p:cNvPr id="16" name="図 15">
+            <a:extLst>
+              <a:ext uri="{FF2B5EF4-FFF2-40B4-BE49-F238E27FC236}">
+                <a16:creationId xmlns:a16="http://schemas.microsoft.com/office/drawing/2014/main" id="{5B5EE46D-163A-7BE9-0084-88C10D97F798}"/>
+              </a:ext>
+            </a:extLst>
+          </p:cNvPr>
+          <p:cNvPicPr>
+            <a:picLocks noChangeAspect="1"/>
+          </p:cNvPicPr>
+          <p:nvPr/>
+        </p:nvPicPr>
+        <p:blipFill>
+          <a:blip r:embed="rId3"/>
+          <a:stretch>
+            <a:fillRect/>
+          </a:stretch>
+        </p:blipFill>
+        <p:spPr>
+          <a:xfrm>
+            <a:off x="695089" y="2411334"/>
+            <a:ext cx="4009115" cy="2844304"/>
+          </a:xfrm>
+          <a:prstGeom prst="rect">
+            <a:avLst/>
+          </a:prstGeom>
+        </p:spPr>
+      </p:pic>
+      <p:sp>
+        <p:nvSpPr>
+          <p:cNvPr id="2" name="テキスト ボックス 1">
+            <a:extLst>
+              <a:ext uri="{FF2B5EF4-FFF2-40B4-BE49-F238E27FC236}">
+                <a16:creationId xmlns:a16="http://schemas.microsoft.com/office/drawing/2014/main" id="{31FA0B91-87B4-09C0-44B3-02931F8E66C0}"/>
+              </a:ext>
+            </a:extLst>
+          </p:cNvPr>
+          <p:cNvSpPr txBox="1"/>
+          <p:nvPr/>
+        </p:nvSpPr>
+        <p:spPr>
+          <a:xfrm>
+            <a:off x="298127" y="48985"/>
+            <a:ext cx="2528888" cy="1200329"/>
+          </a:xfrm>
+          <a:prstGeom prst="rect">
+            <a:avLst/>
+          </a:prstGeom>
+          <a:noFill/>
+        </p:spPr>
+        <p:txBody>
+          <a:bodyPr wrap="square" rtlCol="0">
+            <a:spAutoFit/>
+          </a:bodyPr>
+          <a:lstStyle/>
+          <a:p>
+            <a:r>
+              <a:rPr lang="ja-JP" altLang="en-US" sz="7200" b="1" dirty="0">
+                <a:latin typeface="BIZ UDPゴシック" panose="020B0400000000000000" pitchFamily="50" charset="-128"/>
+                <a:ea typeface="BIZ UDPゴシック" panose="020B0400000000000000" pitchFamily="50" charset="-128"/>
+              </a:rPr>
+              <a:t>概要</a:t>
+            </a:r>
+            <a:endParaRPr kumimoji="1" lang="ja-JP" altLang="en-US" sz="7200" b="1" dirty="0">
+              <a:latin typeface="BIZ UDPゴシック" panose="020B0400000000000000" pitchFamily="50" charset="-128"/>
+              <a:ea typeface="BIZ UDPゴシック" panose="020B0400000000000000" pitchFamily="50" charset="-128"/>
+            </a:endParaRPr>
+          </a:p>
+        </p:txBody>
+      </p:sp>
+      <p:sp>
+        <p:nvSpPr>
+          <p:cNvPr id="3" name="テキスト ボックス 2">
+            <a:extLst>
+              <a:ext uri="{FF2B5EF4-FFF2-40B4-BE49-F238E27FC236}">
+                <a16:creationId xmlns:a16="http://schemas.microsoft.com/office/drawing/2014/main" id="{FB08202D-3543-6338-83D4-9AE5781C867C}"/>
+              </a:ext>
+            </a:extLst>
+          </p:cNvPr>
+          <p:cNvSpPr txBox="1"/>
+          <p:nvPr/>
+        </p:nvSpPr>
+        <p:spPr>
+          <a:xfrm>
+            <a:off x="507669" y="1276410"/>
+            <a:ext cx="5190144" cy="646331"/>
+          </a:xfrm>
+          <a:prstGeom prst="rect">
+            <a:avLst/>
+          </a:prstGeom>
+          <a:noFill/>
+        </p:spPr>
+        <p:txBody>
+          <a:bodyPr wrap="square" rtlCol="0">
+            <a:spAutoFit/>
+          </a:bodyPr>
+          <a:lstStyle/>
+          <a:p>
+            <a:r>
+              <a:rPr lang="en-US" altLang="ja-JP" sz="3600" dirty="0">
+                <a:latin typeface="BIZ UDPゴシック" panose="020B0400000000000000" pitchFamily="50" charset="-128"/>
+                <a:ea typeface="BIZ UDPゴシック" panose="020B0400000000000000" pitchFamily="50" charset="-128"/>
+              </a:rPr>
+              <a:t>2</a:t>
+            </a:r>
+            <a:r>
+              <a:rPr kumimoji="1" lang="en-US" altLang="ja-JP" sz="3600" dirty="0">
+                <a:latin typeface="BIZ UDPゴシック" panose="020B0400000000000000" pitchFamily="50" charset="-128"/>
+                <a:ea typeface="BIZ UDPゴシック" panose="020B0400000000000000" pitchFamily="50" charset="-128"/>
+              </a:rPr>
+              <a:t>. </a:t>
+            </a:r>
+            <a:r>
+              <a:rPr lang="ja-JP" altLang="en-US" sz="3600" dirty="0">
+                <a:latin typeface="BIZ UDPゴシック" panose="020B0400000000000000" pitchFamily="50" charset="-128"/>
+                <a:ea typeface="BIZ UDPゴシック" panose="020B0400000000000000" pitchFamily="50" charset="-128"/>
+              </a:rPr>
+              <a:t>ニュース</a:t>
+            </a:r>
+            <a:r>
+              <a:rPr kumimoji="1" lang="ja-JP" altLang="en-US" sz="3600" dirty="0">
+                <a:latin typeface="BIZ UDPゴシック" panose="020B0400000000000000" pitchFamily="50" charset="-128"/>
+                <a:ea typeface="BIZ UDPゴシック" panose="020B0400000000000000" pitchFamily="50" charset="-128"/>
+              </a:rPr>
+              <a:t>を基準にする</a:t>
+            </a:r>
+          </a:p>
+        </p:txBody>
+      </p:sp>
+      <p:pic>
+        <p:nvPicPr>
+          <p:cNvPr id="4" name="図 3">
+            <a:extLst>
+              <a:ext uri="{FF2B5EF4-FFF2-40B4-BE49-F238E27FC236}">
+                <a16:creationId xmlns:a16="http://schemas.microsoft.com/office/drawing/2014/main" id="{428C2848-61D3-9B3C-3660-31FAB7045FAD}"/>
+              </a:ext>
+            </a:extLst>
+          </p:cNvPr>
+          <p:cNvPicPr>
+            <a:picLocks noChangeAspect="1"/>
+          </p:cNvPicPr>
+          <p:nvPr/>
+        </p:nvPicPr>
+        <p:blipFill rotWithShape="1">
+          <a:blip r:embed="rId4">
+            <a:extLst>
+              <a:ext uri="{28A0092B-C50C-407E-A947-70E740481C1C}">
+                <a14:useLocalDpi xmlns:a14="http://schemas.microsoft.com/office/drawing/2010/main" val="0"/>
+              </a:ext>
+            </a:extLst>
+          </a:blip>
+          <a:srcRect t="14552" b="45729"/>
+          <a:stretch/>
+        </p:blipFill>
+        <p:spPr>
+          <a:xfrm>
+            <a:off x="4865619" y="2212635"/>
+            <a:ext cx="3522118" cy="3264234"/>
+          </a:xfrm>
+          <a:prstGeom prst="rect">
+            <a:avLst/>
+          </a:prstGeom>
+        </p:spPr>
+      </p:pic>
+    </p:spTree>
+    <p:extLst>
+      <p:ext uri="{BB962C8B-B14F-4D97-AF65-F5344CB8AC3E}">
+        <p14:creationId xmlns:p14="http://schemas.microsoft.com/office/powerpoint/2010/main" val="1058059870"/>
+      </p:ext>
+    </p:extLst>
+  </p:cSld>
+  <p:clrMapOvr>
+    <a:masterClrMapping/>
+  </p:clrMapOvr>
+  <p:timing>
+    <p:tnLst>
+      <p:par>
+        <p:cTn id="1" dur="indefinite" restart="never" nodeType="tmRoot">
+          <p:childTnLst>
+            <p:seq concurrent="1" nextAc="seek">
+              <p:cTn id="2" dur="indefinite" nodeType="mainSeq">
+                <p:childTnLst>
+                  <p:par>
+                    <p:cTn id="3" fill="hold">
+                      <p:stCondLst>
+                        <p:cond delay="indefinite"/>
+                      </p:stCondLst>
+                      <p:childTnLst>
+                        <p:par>
+                          <p:cTn id="4" fill="hold">
+                            <p:stCondLst>
+                              <p:cond delay="0"/>
+                            </p:stCondLst>
+                            <p:childTnLst>
+                              <p:par>
+                                <p:cTn id="5" presetID="1" presetClass="entr" presetSubtype="0" fill="hold" nodeType="clickEffect">
+                                  <p:stCondLst>
+                                    <p:cond delay="0"/>
+                                  </p:stCondLst>
+                                  <p:childTnLst>
+                                    <p:set>
+                                      <p:cBhvr>
+                                        <p:cTn id="6" dur="1" fill="hold">
+                                          <p:stCondLst>
+                                            <p:cond delay="0"/>
+                                          </p:stCondLst>
+                                        </p:cTn>
+                                        <p:tgtEl>
+                                          <p:spTgt spid="5"/>
+                                        </p:tgtEl>
+                                        <p:attrNameLst>
+                                          <p:attrName>style.visibility</p:attrName>
+                                        </p:attrNameLst>
+                                      </p:cBhvr>
+                                      <p:to>
+                                        <p:strVal val="visible"/>
+                                      </p:to>
+                                    </p:set>
+                                  </p:childTnLst>
+                                </p:cTn>
+                              </p:par>
+                            </p:childTnLst>
+                          </p:cTn>
+                        </p:par>
+                      </p:childTnLst>
+                    </p:cTn>
+                  </p:par>
+                  <p:par>
+                    <p:cTn id="7" fill="hold">
+                      <p:stCondLst>
+                        <p:cond delay="indefinite"/>
+                      </p:stCondLst>
+                      <p:childTnLst>
+                        <p:par>
+                          <p:cTn id="8" fill="hold">
+                            <p:stCondLst>
+                              <p:cond delay="0"/>
+                            </p:stCondLst>
+                            <p:childTnLst>
+                              <p:par>
+                                <p:cTn id="9" presetID="1" presetClass="entr" presetSubtype="0" fill="hold" nodeType="clickEffect">
+                                  <p:stCondLst>
+                                    <p:cond delay="0"/>
+                                  </p:stCondLst>
+                                  <p:childTnLst>
+                                    <p:set>
+                                      <p:cBhvr>
+                                        <p:cTn id="10" dur="1" fill="hold">
+                                          <p:stCondLst>
+                                            <p:cond delay="0"/>
+                                          </p:stCondLst>
+                                        </p:cTn>
+                                        <p:tgtEl>
+                                          <p:spTgt spid="6"/>
+                                        </p:tgtEl>
+                                        <p:attrNameLst>
+                                          <p:attrName>style.visibility</p:attrName>
+                                        </p:attrNameLst>
+                                      </p:cBhvr>
+                                      <p:to>
+                                        <p:strVal val="visible"/>
+                                      </p:to>
+                                    </p:set>
+                                  </p:childTnLst>
+                                </p:cTn>
+                              </p:par>
+                            </p:childTnLst>
+                          </p:cTn>
+                        </p:par>
+                      </p:childTnLst>
+                    </p:cTn>
+                  </p:par>
+                </p:childTnLst>
+              </p:cTn>
+              <p:prevCondLst>
+                <p:cond evt="onPrev" delay="0">
+                  <p:tgtEl>
+                    <p:sldTgt/>
+                  </p:tgtEl>
+                </p:cond>
+              </p:prevCondLst>
+              <p:nextCondLst>
+                <p:cond evt="onNext" delay="0">
+                  <p:tgtEl>
+                    <p:sldTgt/>
+                  </p:tgtEl>
+                </p:cond>
+              </p:nextCondLst>
+            </p:seq>
+          </p:childTnLst>
+        </p:cTn>
+      </p:par>
+    </p:tnLst>
+  </p:timing>
+</p:sld>
+</file>
+
+<file path=ppt/slides/slide7.xml><?xml version="1.0" encoding="utf-8"?>
+<p:sld xmlns:a="http://schemas.openxmlformats.org/drawingml/2006/main" xmlns:r="http://schemas.openxmlformats.org/officeDocument/2006/relationships" xmlns:p="http://schemas.openxmlformats.org/presentationml/2006/main">
+  <p:cSld>
+    <p:spTree>
+      <p:nvGrpSpPr>
+        <p:cNvPr id="1" name=""/>
+        <p:cNvGrpSpPr/>
+        <p:nvPr/>
+      </p:nvGrpSpPr>
+      <p:grpSpPr>
+        <a:xfrm>
+          <a:off x="0" y="0"/>
+          <a:ext cx="0" cy="0"/>
+          <a:chOff x="0" y="0"/>
+          <a:chExt cx="0" cy="0"/>
+        </a:xfrm>
+      </p:grpSpPr>
+      <p:sp>
+        <p:nvSpPr>
+          <p:cNvPr id="2" name="テキスト ボックス 1">
+            <a:extLst>
+              <a:ext uri="{FF2B5EF4-FFF2-40B4-BE49-F238E27FC236}">
+                <a16:creationId xmlns:a16="http://schemas.microsoft.com/office/drawing/2014/main" id="{A34A9DBF-B67B-2ACD-33BF-E73683873EDD}"/>
+              </a:ext>
+            </a:extLst>
+          </p:cNvPr>
+          <p:cNvSpPr txBox="1"/>
+          <p:nvPr/>
+        </p:nvSpPr>
+        <p:spPr>
+          <a:xfrm>
+            <a:off x="298127" y="48985"/>
+            <a:ext cx="2528888" cy="1200329"/>
+          </a:xfrm>
+          <a:prstGeom prst="rect">
+            <a:avLst/>
+          </a:prstGeom>
+          <a:noFill/>
+        </p:spPr>
+        <p:txBody>
+          <a:bodyPr wrap="square" rtlCol="0">
+            <a:spAutoFit/>
+          </a:bodyPr>
+          <a:lstStyle/>
+          <a:p>
+            <a:r>
+              <a:rPr lang="ja-JP" altLang="en-US" sz="7200" b="1" dirty="0">
+                <a:latin typeface="BIZ UDPゴシック" panose="020B0400000000000000" pitchFamily="50" charset="-128"/>
+                <a:ea typeface="BIZ UDPゴシック" panose="020B0400000000000000" pitchFamily="50" charset="-128"/>
+              </a:rPr>
+              <a:t>概要</a:t>
+            </a:r>
+            <a:endParaRPr kumimoji="1" lang="ja-JP" altLang="en-US" sz="7200" b="1" dirty="0">
+              <a:latin typeface="BIZ UDPゴシック" panose="020B0400000000000000" pitchFamily="50" charset="-128"/>
+              <a:ea typeface="BIZ UDPゴシック" panose="020B0400000000000000" pitchFamily="50" charset="-128"/>
+            </a:endParaRPr>
+          </a:p>
+        </p:txBody>
+      </p:sp>
+      <p:pic>
+        <p:nvPicPr>
+          <p:cNvPr id="3" name="図 2">
+            <a:extLst>
+              <a:ext uri="{FF2B5EF4-FFF2-40B4-BE49-F238E27FC236}">
+                <a16:creationId xmlns:a16="http://schemas.microsoft.com/office/drawing/2014/main" id="{653A79EC-6432-636C-3613-1A9A9E04D5CE}"/>
+              </a:ext>
+            </a:extLst>
+          </p:cNvPr>
+          <p:cNvPicPr>
+            <a:picLocks noChangeAspect="1"/>
+          </p:cNvPicPr>
+          <p:nvPr/>
+        </p:nvPicPr>
+        <p:blipFill rotWithShape="1">
+          <a:blip r:embed="rId2">
+            <a:extLst>
+              <a:ext uri="{28A0092B-C50C-407E-A947-70E740481C1C}">
+                <a14:useLocalDpi xmlns:a14="http://schemas.microsoft.com/office/drawing/2010/main" val="0"/>
+              </a:ext>
+            </a:extLst>
+          </a:blip>
+          <a:srcRect l="1" t="2449" r="-142" b="26185"/>
+          <a:stretch/>
+        </p:blipFill>
+        <p:spPr>
+          <a:xfrm>
+            <a:off x="1590997" y="1493464"/>
+            <a:ext cx="2943296" cy="4894294"/>
+          </a:xfrm>
+          <a:prstGeom prst="rect">
+            <a:avLst/>
+          </a:prstGeom>
+        </p:spPr>
+      </p:pic>
+      <p:sp>
+        <p:nvSpPr>
+          <p:cNvPr id="4" name="テキスト ボックス 3">
+            <a:extLst>
+              <a:ext uri="{FF2B5EF4-FFF2-40B4-BE49-F238E27FC236}">
+                <a16:creationId xmlns:a16="http://schemas.microsoft.com/office/drawing/2014/main" id="{6B884C97-0738-B458-7296-D81F69FA27B1}"/>
+              </a:ext>
+            </a:extLst>
+          </p:cNvPr>
+          <p:cNvSpPr txBox="1"/>
+          <p:nvPr/>
+        </p:nvSpPr>
+        <p:spPr>
+          <a:xfrm>
+            <a:off x="4958499" y="3478945"/>
+            <a:ext cx="7362334" cy="461665"/>
+          </a:xfrm>
+          <a:prstGeom prst="rect">
+            <a:avLst/>
+          </a:prstGeom>
+          <a:noFill/>
+        </p:spPr>
+        <p:txBody>
+          <a:bodyPr wrap="square" rtlCol="0">
+            <a:spAutoFit/>
+          </a:bodyPr>
+          <a:lstStyle/>
+          <a:p>
+            <a:r>
+              <a:rPr kumimoji="1" lang="ja-JP" altLang="en-US" sz="2400" dirty="0">
+                <a:latin typeface="BIZ UDPゴシック" panose="020B0400000000000000" pitchFamily="50" charset="-128"/>
+                <a:ea typeface="BIZ UDPゴシック" panose="020B0400000000000000" pitchFamily="50" charset="-128"/>
+              </a:rPr>
+              <a:t>実際に</a:t>
+            </a:r>
+            <a:r>
+              <a:rPr kumimoji="1" lang="ja-JP" altLang="en-US" sz="2400" dirty="0" err="1">
+                <a:latin typeface="BIZ UDPゴシック" panose="020B0400000000000000" pitchFamily="50" charset="-128"/>
+                <a:ea typeface="BIZ UDPゴシック" panose="020B0400000000000000" pitchFamily="50" charset="-128"/>
+              </a:rPr>
+              <a:t>めっちゃ</a:t>
+            </a:r>
+            <a:r>
+              <a:rPr kumimoji="1" lang="ja-JP" altLang="en-US" sz="2400" dirty="0">
+                <a:latin typeface="BIZ UDPゴシック" panose="020B0400000000000000" pitchFamily="50" charset="-128"/>
+                <a:ea typeface="BIZ UDPゴシック" panose="020B0400000000000000" pitchFamily="50" charset="-128"/>
+              </a:rPr>
+              <a:t>上がった</a:t>
+            </a:r>
+            <a:r>
+              <a:rPr kumimoji="1" lang="en-US" altLang="ja-JP" sz="2400" dirty="0">
+                <a:latin typeface="BIZ UDPゴシック" panose="020B0400000000000000" pitchFamily="50" charset="-128"/>
+                <a:ea typeface="BIZ UDPゴシック" panose="020B0400000000000000" pitchFamily="50" charset="-128"/>
+              </a:rPr>
+              <a:t>(</a:t>
+            </a:r>
+            <a:r>
+              <a:rPr kumimoji="1" lang="ja-JP" altLang="en-US" sz="2400" dirty="0">
+                <a:latin typeface="BIZ UDPゴシック" panose="020B0400000000000000" pitchFamily="50" charset="-128"/>
+                <a:ea typeface="BIZ UDPゴシック" panose="020B0400000000000000" pitchFamily="50" charset="-128"/>
+              </a:rPr>
+              <a:t>前日比</a:t>
+            </a:r>
+            <a:r>
+              <a:rPr kumimoji="1" lang="en-US" altLang="ja-JP" sz="2400" dirty="0">
+                <a:latin typeface="BIZ UDPゴシック" panose="020B0400000000000000" pitchFamily="50" charset="-128"/>
+                <a:ea typeface="BIZ UDPゴシック" panose="020B0400000000000000" pitchFamily="50" charset="-128"/>
+              </a:rPr>
+              <a:t>+10%)(</a:t>
+            </a:r>
+            <a:r>
+              <a:rPr kumimoji="1" lang="ja-JP" altLang="en-US" sz="2400" dirty="0">
+                <a:latin typeface="BIZ UDPゴシック" panose="020B0400000000000000" pitchFamily="50" charset="-128"/>
+                <a:ea typeface="BIZ UDPゴシック" panose="020B0400000000000000" pitchFamily="50" charset="-128"/>
+              </a:rPr>
+              <a:t>うれしい</a:t>
+            </a:r>
+            <a:r>
+              <a:rPr kumimoji="1" lang="en-US" altLang="ja-JP" sz="2400" dirty="0">
+                <a:latin typeface="BIZ UDPゴシック" panose="020B0400000000000000" pitchFamily="50" charset="-128"/>
+                <a:ea typeface="BIZ UDPゴシック" panose="020B0400000000000000" pitchFamily="50" charset="-128"/>
+              </a:rPr>
+              <a:t>)</a:t>
+            </a:r>
+            <a:endParaRPr kumimoji="1" lang="ja-JP" altLang="en-US" sz="2400" dirty="0">
+              <a:latin typeface="BIZ UDPゴシック" panose="020B0400000000000000" pitchFamily="50" charset="-128"/>
+              <a:ea typeface="BIZ UDPゴシック" panose="020B0400000000000000" pitchFamily="50" charset="-128"/>
+            </a:endParaRPr>
+          </a:p>
+        </p:txBody>
+      </p:sp>
+    </p:spTree>
+    <p:extLst>
+      <p:ext uri="{BB962C8B-B14F-4D97-AF65-F5344CB8AC3E}">
+        <p14:creationId xmlns:p14="http://schemas.microsoft.com/office/powerpoint/2010/main" val="2610012670"/>
+      </p:ext>
+    </p:extLst>
+  </p:cSld>
+  <p:clrMapOvr>
+    <a:masterClrMapping/>
+  </p:clrMapOvr>
+</p:sld>
+</file>
+
+<file path=ppt/slides/slide8.xml><?xml version="1.0" encoding="utf-8"?>
+<p:sld xmlns:a="http://schemas.openxmlformats.org/drawingml/2006/main" xmlns:r="http://schemas.openxmlformats.org/officeDocument/2006/relationships" xmlns:p="http://schemas.openxmlformats.org/presentationml/2006/main">
+  <p:cSld>
+    <p:spTree>
+      <p:nvGrpSpPr>
+        <p:cNvPr id="1" name=""/>
+        <p:cNvGrpSpPr/>
+        <p:nvPr/>
+      </p:nvGrpSpPr>
+      <p:grpSpPr>
+        <a:xfrm>
+          <a:off x="0" y="0"/>
+          <a:ext cx="0" cy="0"/>
+          <a:chOff x="0" y="0"/>
+          <a:chExt cx="0" cy="0"/>
+        </a:xfrm>
+      </p:grpSpPr>
+      <p:pic>
+        <p:nvPicPr>
+          <p:cNvPr id="17" name="グラフィックス 16">
+            <a:extLst>
+              <a:ext uri="{FF2B5EF4-FFF2-40B4-BE49-F238E27FC236}">
+                <a16:creationId xmlns:a16="http://schemas.microsoft.com/office/drawing/2014/main" id="{1B90D19C-B806-9998-C54F-FDE7E22FDF9B}"/>
+              </a:ext>
+            </a:extLst>
+          </p:cNvPr>
+          <p:cNvPicPr>
+            <a:picLocks noChangeAspect="1"/>
+          </p:cNvPicPr>
+          <p:nvPr/>
+        </p:nvPicPr>
+        <p:blipFill>
+          <a:blip r:embed="rId2">
+            <a:extLst>
+              <a:ext uri="{96DAC541-7B7A-43D3-8B79-37D633B846F1}">
+                <asvg:svgBlip xmlns:asvg="http://schemas.microsoft.com/office/drawing/2016/SVG/main" r:embed="rId3"/>
+              </a:ext>
+            </a:extLst>
+          </a:blip>
+          <a:stretch>
+            <a:fillRect/>
+          </a:stretch>
+        </p:blipFill>
+        <p:spPr>
+          <a:xfrm flipH="1">
+            <a:off x="1374986" y="738913"/>
+            <a:ext cx="4068480" cy="4924030"/>
+          </a:xfrm>
+          <a:prstGeom prst="rect">
+            <a:avLst/>
+          </a:prstGeom>
+        </p:spPr>
+      </p:pic>
+      <p:sp>
+        <p:nvSpPr>
+          <p:cNvPr id="2" name="テキスト ボックス 1">
+            <a:extLst>
+              <a:ext uri="{FF2B5EF4-FFF2-40B4-BE49-F238E27FC236}">
+                <a16:creationId xmlns:a16="http://schemas.microsoft.com/office/drawing/2014/main" id="{ECFDC8EC-BC3D-E588-8F3A-8956FCB59A62}"/>
+              </a:ext>
+            </a:extLst>
+          </p:cNvPr>
+          <p:cNvSpPr txBox="1"/>
+          <p:nvPr/>
+        </p:nvSpPr>
+        <p:spPr>
+          <a:xfrm>
+            <a:off x="298127" y="48985"/>
+            <a:ext cx="2528888" cy="1200329"/>
+          </a:xfrm>
+          <a:prstGeom prst="rect">
+            <a:avLst/>
+          </a:prstGeom>
+          <a:noFill/>
+        </p:spPr>
+        <p:txBody>
+          <a:bodyPr wrap="square" rtlCol="0">
+            <a:spAutoFit/>
+          </a:bodyPr>
+          <a:lstStyle/>
+          <a:p>
+            <a:r>
+              <a:rPr lang="ja-JP" altLang="en-US" sz="7200" b="1" dirty="0">
+                <a:latin typeface="BIZ UDPゴシック" panose="020B0400000000000000" pitchFamily="50" charset="-128"/>
+                <a:ea typeface="BIZ UDPゴシック" panose="020B0400000000000000" pitchFamily="50" charset="-128"/>
+              </a:rPr>
+              <a:t>概要</a:t>
+            </a:r>
+            <a:endParaRPr kumimoji="1" lang="ja-JP" altLang="en-US" sz="7200" b="1" dirty="0">
+              <a:latin typeface="BIZ UDPゴシック" panose="020B0400000000000000" pitchFamily="50" charset="-128"/>
+              <a:ea typeface="BIZ UDPゴシック" panose="020B0400000000000000" pitchFamily="50" charset="-128"/>
+            </a:endParaRPr>
+          </a:p>
+        </p:txBody>
+      </p:sp>
+      <p:sp>
+        <p:nvSpPr>
+          <p:cNvPr id="3" name="テキスト ボックス 2">
+            <a:extLst>
+              <a:ext uri="{FF2B5EF4-FFF2-40B4-BE49-F238E27FC236}">
+                <a16:creationId xmlns:a16="http://schemas.microsoft.com/office/drawing/2014/main" id="{0713FEF2-5FAB-11C9-3FBF-6E812411CA46}"/>
+              </a:ext>
+            </a:extLst>
+          </p:cNvPr>
+          <p:cNvSpPr txBox="1"/>
+          <p:nvPr/>
+        </p:nvSpPr>
+        <p:spPr>
+          <a:xfrm>
+            <a:off x="3325959" y="-894124"/>
+            <a:ext cx="1155829" cy="7805732"/>
+          </a:xfrm>
+          <a:prstGeom prst="rect">
+            <a:avLst/>
+          </a:prstGeom>
+          <a:noFill/>
+        </p:spPr>
+        <p:txBody>
+          <a:bodyPr vert="wordArtVertRtl" wrap="square" rtlCol="0">
+            <a:spAutoFit/>
+          </a:bodyPr>
+          <a:lstStyle/>
+          <a:p>
+            <a:pPr algn="ctr"/>
+            <a:r>
+              <a:rPr lang="ja-JP" altLang="en-US" sz="3200" b="1" dirty="0">
+                <a:latin typeface="BIZ UDPゴシック" panose="020B0400000000000000" pitchFamily="50" charset="-128"/>
+                <a:ea typeface="BIZ UDPゴシック" panose="020B0400000000000000" pitchFamily="50" charset="-128"/>
+              </a:rPr>
+              <a:t>ニュースの内容を</a:t>
+            </a:r>
+            <a:endParaRPr lang="en-US" altLang="ja-JP" sz="3200" b="1" dirty="0">
+              <a:latin typeface="BIZ UDPゴシック" panose="020B0400000000000000" pitchFamily="50" charset="-128"/>
+              <a:ea typeface="BIZ UDPゴシック" panose="020B0400000000000000" pitchFamily="50" charset="-128"/>
+            </a:endParaRPr>
+          </a:p>
+          <a:p>
+            <a:pPr algn="ctr"/>
+            <a:r>
+              <a:rPr lang="ja-JP" altLang="en-US" sz="3200" b="1" dirty="0">
+                <a:latin typeface="BIZ UDPゴシック" panose="020B0400000000000000" pitchFamily="50" charset="-128"/>
+                <a:ea typeface="BIZ UDPゴシック" panose="020B0400000000000000" pitchFamily="50" charset="-128"/>
+              </a:rPr>
+              <a:t>　指標にしたいなぁ</a:t>
+            </a:r>
+            <a:endParaRPr kumimoji="1" lang="ja-JP" altLang="en-US" sz="3200" b="1" dirty="0">
+              <a:latin typeface="BIZ UDPゴシック" panose="020B0400000000000000" pitchFamily="50" charset="-128"/>
+              <a:ea typeface="BIZ UDPゴシック" panose="020B0400000000000000" pitchFamily="50" charset="-128"/>
+            </a:endParaRPr>
+          </a:p>
+        </p:txBody>
+      </p:sp>
+      <p:sp>
+        <p:nvSpPr>
+          <p:cNvPr id="9" name="テキスト ボックス 8">
+            <a:extLst>
+              <a:ext uri="{FF2B5EF4-FFF2-40B4-BE49-F238E27FC236}">
+                <a16:creationId xmlns:a16="http://schemas.microsoft.com/office/drawing/2014/main" id="{5FE1E3DE-6BAF-FA19-391A-9AEAB77AEE6F}"/>
+              </a:ext>
+            </a:extLst>
+          </p:cNvPr>
+          <p:cNvSpPr txBox="1"/>
+          <p:nvPr/>
+        </p:nvSpPr>
+        <p:spPr>
+          <a:xfrm>
+            <a:off x="7503081" y="2266061"/>
+            <a:ext cx="2077174" cy="646331"/>
+          </a:xfrm>
+          <a:prstGeom prst="rect">
+            <a:avLst/>
+          </a:prstGeom>
+          <a:noFill/>
+        </p:spPr>
+        <p:txBody>
+          <a:bodyPr wrap="square" rtlCol="0">
+            <a:spAutoFit/>
+          </a:bodyPr>
+          <a:lstStyle/>
+          <a:p>
+            <a:pPr algn="ctr"/>
+            <a:r>
+              <a:rPr kumimoji="1" lang="ja-JP" altLang="en-US" sz="3600" dirty="0">
+                <a:latin typeface="BIZ UDPゴシック" panose="020B0400000000000000" pitchFamily="50" charset="-128"/>
+                <a:ea typeface="BIZ UDPゴシック" panose="020B0400000000000000" pitchFamily="50" charset="-128"/>
+              </a:rPr>
+              <a:t>しかし</a:t>
+            </a:r>
+          </a:p>
+        </p:txBody>
+      </p:sp>
+      <p:pic>
+        <p:nvPicPr>
+          <p:cNvPr id="15" name="グラフィックス 14">
+            <a:extLst>
+              <a:ext uri="{FF2B5EF4-FFF2-40B4-BE49-F238E27FC236}">
+                <a16:creationId xmlns:a16="http://schemas.microsoft.com/office/drawing/2014/main" id="{923A61CC-1D50-1C49-3D10-ABE4DC3B6FB4}"/>
+              </a:ext>
+            </a:extLst>
+          </p:cNvPr>
+          <p:cNvPicPr>
+            <a:picLocks noChangeAspect="1"/>
+          </p:cNvPicPr>
+          <p:nvPr/>
+        </p:nvPicPr>
+        <p:blipFill>
+          <a:blip r:embed="rId4">
+            <a:extLst>
+              <a:ext uri="{96DAC541-7B7A-43D3-8B79-37D633B846F1}">
+                <asvg:svgBlip xmlns:asvg="http://schemas.microsoft.com/office/drawing/2016/SVG/main" r:embed="rId5"/>
+              </a:ext>
+            </a:extLst>
+          </a:blip>
+          <a:stretch>
+            <a:fillRect/>
+          </a:stretch>
+        </p:blipFill>
+        <p:spPr>
+          <a:xfrm flipH="1">
+            <a:off x="-783739" y="4491786"/>
+            <a:ext cx="2925024" cy="2925024"/>
+          </a:xfrm>
+          <a:prstGeom prst="rect">
+            <a:avLst/>
+          </a:prstGeom>
+        </p:spPr>
+      </p:pic>
+      <p:sp>
+        <p:nvSpPr>
+          <p:cNvPr id="18" name="テキスト ボックス 17">
+            <a:extLst>
+              <a:ext uri="{FF2B5EF4-FFF2-40B4-BE49-F238E27FC236}">
+                <a16:creationId xmlns:a16="http://schemas.microsoft.com/office/drawing/2014/main" id="{C0507AF9-B952-2C06-86C0-FF15E6B89A0F}"/>
+              </a:ext>
+            </a:extLst>
+          </p:cNvPr>
+          <p:cNvSpPr txBox="1"/>
+          <p:nvPr/>
+        </p:nvSpPr>
+        <p:spPr>
+          <a:xfrm>
+            <a:off x="5570215" y="3291457"/>
+            <a:ext cx="6440032" cy="1200329"/>
+          </a:xfrm>
+          <a:prstGeom prst="rect">
+            <a:avLst/>
+          </a:prstGeom>
+          <a:noFill/>
+        </p:spPr>
+        <p:txBody>
+          <a:bodyPr wrap="square" rtlCol="0">
+            <a:spAutoFit/>
+          </a:bodyPr>
+          <a:lstStyle/>
+          <a:p>
+            <a:pPr algn="ctr"/>
+            <a:r>
+              <a:rPr kumimoji="1" lang="ja-JP" altLang="en-US" sz="3600" dirty="0">
+                <a:latin typeface="BIZ UDPゴシック" panose="020B0400000000000000" pitchFamily="50" charset="-128"/>
+                <a:ea typeface="BIZ UDPゴシック" panose="020B0400000000000000" pitchFamily="50" charset="-128"/>
+              </a:rPr>
+              <a:t>機械学習モデルにニュースを</a:t>
+            </a:r>
+            <a:endParaRPr kumimoji="1" lang="en-US" altLang="ja-JP" sz="3600" dirty="0">
+              <a:latin typeface="BIZ UDPゴシック" panose="020B0400000000000000" pitchFamily="50" charset="-128"/>
+              <a:ea typeface="BIZ UDPゴシック" panose="020B0400000000000000" pitchFamily="50" charset="-128"/>
+            </a:endParaRPr>
+          </a:p>
+          <a:p>
+            <a:pPr algn="ctr"/>
+            <a:r>
+              <a:rPr kumimoji="1" lang="ja-JP" altLang="en-US" sz="3600" dirty="0">
+                <a:latin typeface="BIZ UDPゴシック" panose="020B0400000000000000" pitchFamily="50" charset="-128"/>
+                <a:ea typeface="BIZ UDPゴシック" panose="020B0400000000000000" pitchFamily="50" charset="-128"/>
+              </a:rPr>
+              <a:t>そのまま入れることはできない</a:t>
+            </a:r>
+          </a:p>
+        </p:txBody>
+      </p:sp>
+    </p:spTree>
+    <p:extLst>
+      <p:ext uri="{BB962C8B-B14F-4D97-AF65-F5344CB8AC3E}">
+        <p14:creationId xmlns:p14="http://schemas.microsoft.com/office/powerpoint/2010/main" val="1308555061"/>
+      </p:ext>
+    </p:extLst>
+  </p:cSld>
+  <p:clrMapOvr>
+    <a:masterClrMapping/>
+  </p:clrMapOvr>
+  <p:timing>
+    <p:tnLst>
+      <p:par>
+        <p:cTn id="1" dur="indefinite" restart="never" nodeType="tmRoot">
+          <p:childTnLst>
+            <p:seq concurrent="1" nextAc="seek">
+              <p:cTn id="2" dur="indefinite" nodeType="mainSeq">
+                <p:childTnLst>
+                  <p:par>
+                    <p:cTn id="3" fill="hold">
+                      <p:stCondLst>
+                        <p:cond delay="indefinite"/>
+                      </p:stCondLst>
+                      <p:childTnLst>
+                        <p:par>
+                          <p:cTn id="4" fill="hold">
+                            <p:stCondLst>
+                              <p:cond delay="0"/>
+                            </p:stCondLst>
+                            <p:childTnLst>
+                              <p:par>
+                                <p:cTn id="5" presetID="1" presetClass="entr" presetSubtype="0" fill="hold" grpId="0" nodeType="clickEffect">
+                                  <p:stCondLst>
+                                    <p:cond delay="0"/>
+                                  </p:stCondLst>
+                                  <p:childTnLst>
+                                    <p:set>
+                                      <p:cBhvr>
+                                        <p:cTn id="6" dur="1" fill="hold">
+                                          <p:stCondLst>
+                                            <p:cond delay="0"/>
+                                          </p:stCondLst>
+                                        </p:cTn>
+                                        <p:tgtEl>
+                                          <p:spTgt spid="9"/>
+                                        </p:tgtEl>
+                                        <p:attrNameLst>
+                                          <p:attrName>style.visibility</p:attrName>
+                                        </p:attrNameLst>
+                                      </p:cBhvr>
+                                      <p:to>
+                                        <p:strVal val="visible"/>
+                                      </p:to>
+                                    </p:set>
+                                  </p:childTnLst>
+                                </p:cTn>
+                              </p:par>
+                            </p:childTnLst>
+                          </p:cTn>
+                        </p:par>
+                      </p:childTnLst>
+                    </p:cTn>
+                  </p:par>
+                  <p:par>
+                    <p:cTn id="7" fill="hold">
+                      <p:stCondLst>
+                        <p:cond delay="indefinite"/>
+                      </p:stCondLst>
+                      <p:childTnLst>
+                        <p:par>
+                          <p:cTn id="8" fill="hold">
+                            <p:stCondLst>
+                              <p:cond delay="0"/>
+                            </p:stCondLst>
+                            <p:childTnLst>
+                              <p:par>
+                                <p:cTn id="9" presetID="1" presetClass="entr" presetSubtype="0" fill="hold" grpId="0" nodeType="clickEffect">
+                                  <p:stCondLst>
+                                    <p:cond delay="0"/>
+                                  </p:stCondLst>
+                                  <p:childTnLst>
+                                    <p:set>
+                                      <p:cBhvr>
+                                        <p:cTn id="10" dur="1" fill="hold">
+                                          <p:stCondLst>
+                                            <p:cond delay="0"/>
+                                          </p:stCondLst>
+                                        </p:cTn>
+                                        <p:tgtEl>
+                                          <p:spTgt spid="18"/>
+                                        </p:tgtEl>
+                                        <p:attrNameLst>
+                                          <p:attrName>style.visibility</p:attrName>
+                                        </p:attrNameLst>
+                                      </p:cBhvr>
+                                      <p:to>
+                                        <p:strVal val="visible"/>
+                                      </p:to>
+                                    </p:set>
+                                  </p:childTnLst>
+                                </p:cTn>
+                              </p:par>
+                            </p:childTnLst>
+                          </p:cTn>
+                        </p:par>
+                      </p:childTnLst>
+                    </p:cTn>
+                  </p:par>
+                </p:childTnLst>
+              </p:cTn>
+              <p:prevCondLst>
+                <p:cond evt="onPrev" delay="0">
+                  <p:tgtEl>
+                    <p:sldTgt/>
+                  </p:tgtEl>
+                </p:cond>
+              </p:prevCondLst>
+              <p:nextCondLst>
+                <p:cond evt="onNext" delay="0">
+                  <p:tgtEl>
+                    <p:sldTgt/>
+                  </p:tgtEl>
+                </p:cond>
+              </p:nextCondLst>
+            </p:seq>
+          </p:childTnLst>
+        </p:cTn>
+      </p:par>
+    </p:tnLst>
+    <p:bldLst>
+      <p:bldP spid="9" grpId="0"/>
+      <p:bldP spid="18" grpId="0"/>
+    </p:bldLst>
+  </p:timing>
+</p:sld>
+</file>
+
+<file path=ppt/slides/slide9.xml><?xml version="1.0" encoding="utf-8"?>
+<p:sld xmlns:a="http://schemas.openxmlformats.org/drawingml/2006/main" xmlns:r="http://schemas.openxmlformats.org/officeDocument/2006/relationships" xmlns:p="http://schemas.openxmlformats.org/presentationml/2006/main">
+  <p:cSld>
+    <p:spTree>
+      <p:nvGrpSpPr>
+        <p:cNvPr id="1" name=""/>
+        <p:cNvGrpSpPr/>
+        <p:nvPr/>
+      </p:nvGrpSpPr>
+      <p:grpSpPr>
+        <a:xfrm>
+          <a:off x="0" y="0"/>
+          <a:ext cx="0" cy="0"/>
+          <a:chOff x="0" y="0"/>
+          <a:chExt cx="0" cy="0"/>
+        </a:xfrm>
+      </p:grpSpPr>
+      <p:sp>
+        <p:nvSpPr>
+          <p:cNvPr id="2" name="テキスト ボックス 1">
+            <a:extLst>
+              <a:ext uri="{FF2B5EF4-FFF2-40B4-BE49-F238E27FC236}">
+                <a16:creationId xmlns:a16="http://schemas.microsoft.com/office/drawing/2014/main" id="{7677023D-9CF8-4BB6-D6B8-650AC32515BA}"/>
+              </a:ext>
+            </a:extLst>
+          </p:cNvPr>
+          <p:cNvSpPr txBox="1"/>
+          <p:nvPr/>
+        </p:nvSpPr>
+        <p:spPr>
+          <a:xfrm>
+            <a:off x="298127" y="48985"/>
+            <a:ext cx="2528888" cy="1200329"/>
+          </a:xfrm>
+          <a:prstGeom prst="rect">
+            <a:avLst/>
+          </a:prstGeom>
+          <a:noFill/>
+        </p:spPr>
+        <p:txBody>
+          <a:bodyPr wrap="square" rtlCol="0">
+            <a:spAutoFit/>
+          </a:bodyPr>
+          <a:lstStyle/>
+          <a:p>
+            <a:r>
+              <a:rPr lang="ja-JP" altLang="en-US" sz="7200" b="1" dirty="0">
+                <a:latin typeface="BIZ UDPゴシック" panose="020B0400000000000000" pitchFamily="50" charset="-128"/>
+                <a:ea typeface="BIZ UDPゴシック" panose="020B0400000000000000" pitchFamily="50" charset="-128"/>
+              </a:rPr>
+              <a:t>概要</a:t>
+            </a:r>
+            <a:endParaRPr kumimoji="1" lang="ja-JP" altLang="en-US" sz="7200" b="1" dirty="0">
+              <a:latin typeface="BIZ UDPゴシック" panose="020B0400000000000000" pitchFamily="50" charset="-128"/>
+              <a:ea typeface="BIZ UDPゴシック" panose="020B0400000000000000" pitchFamily="50" charset="-128"/>
+            </a:endParaRPr>
+          </a:p>
+        </p:txBody>
+      </p:sp>
+      <p:sp>
+        <p:nvSpPr>
+          <p:cNvPr id="3" name="テキスト ボックス 2">
+            <a:extLst>
+              <a:ext uri="{FF2B5EF4-FFF2-40B4-BE49-F238E27FC236}">
+                <a16:creationId xmlns:a16="http://schemas.microsoft.com/office/drawing/2014/main" id="{6CDC4759-0B5F-3C55-35DB-DC5BB3A06974}"/>
+              </a:ext>
+            </a:extLst>
+          </p:cNvPr>
+          <p:cNvSpPr txBox="1"/>
+          <p:nvPr/>
+        </p:nvSpPr>
+        <p:spPr>
+          <a:xfrm>
+            <a:off x="768907" y="1335909"/>
+            <a:ext cx="10701834" cy="646331"/>
+          </a:xfrm>
+          <a:prstGeom prst="rect">
+            <a:avLst/>
+          </a:prstGeom>
+          <a:noFill/>
+        </p:spPr>
+        <p:txBody>
+          <a:bodyPr wrap="square" rtlCol="0">
+            <a:spAutoFit/>
+          </a:bodyPr>
+          <a:lstStyle/>
+          <a:p>
+            <a:r>
+              <a:rPr kumimoji="1" lang="ja-JP" altLang="en-US" sz="3600" dirty="0">
+                <a:latin typeface="BIZ UDPゴシック" panose="020B0400000000000000" pitchFamily="50" charset="-128"/>
+                <a:ea typeface="BIZ UDPゴシック" panose="020B0400000000000000" pitchFamily="50" charset="-128"/>
+              </a:rPr>
+              <a:t>問題① ニュースの文章をそのまま入れるのは不可能</a:t>
+            </a:r>
+          </a:p>
+        </p:txBody>
+      </p:sp>
+      <p:grpSp>
+        <p:nvGrpSpPr>
+          <p:cNvPr id="9" name="グループ化 8">
+            <a:extLst>
+              <a:ext uri="{FF2B5EF4-FFF2-40B4-BE49-F238E27FC236}">
+                <a16:creationId xmlns:a16="http://schemas.microsoft.com/office/drawing/2014/main" id="{B250FC97-D802-D2D5-96B6-F075F74C7DFB}"/>
+              </a:ext>
+            </a:extLst>
+          </p:cNvPr>
+          <p:cNvGrpSpPr/>
+          <p:nvPr/>
+        </p:nvGrpSpPr>
+        <p:grpSpPr>
+          <a:xfrm>
+            <a:off x="1040511" y="2405206"/>
+            <a:ext cx="10357164" cy="2241482"/>
+            <a:chOff x="768907" y="2484427"/>
+            <a:chExt cx="10357164" cy="2241482"/>
+          </a:xfrm>
+        </p:grpSpPr>
+        <p:sp>
+          <p:nvSpPr>
+            <p:cNvPr id="5" name="テキスト ボックス 4">
+              <a:extLst>
+                <a:ext uri="{FF2B5EF4-FFF2-40B4-BE49-F238E27FC236}">
+                  <a16:creationId xmlns:a16="http://schemas.microsoft.com/office/drawing/2014/main" id="{608AE311-EB3E-8ACA-9BE0-CC9B53B7D8BF}"/>
+                </a:ext>
+              </a:extLst>
+            </p:cNvPr>
+            <p:cNvSpPr txBox="1"/>
+            <p:nvPr/>
+          </p:nvSpPr>
+          <p:spPr>
+            <a:xfrm>
+              <a:off x="1562571" y="3130758"/>
+              <a:ext cx="8589040" cy="1200329"/>
+            </a:xfrm>
+            <a:prstGeom prst="rect">
+              <a:avLst/>
+            </a:prstGeom>
+            <a:noFill/>
+          </p:spPr>
+          <p:txBody>
+            <a:bodyPr wrap="square" rtlCol="0">
+              <a:spAutoFit/>
+            </a:bodyPr>
+            <a:lstStyle/>
+            <a:p>
+              <a:r>
+                <a:rPr kumimoji="1" lang="ja-JP" altLang="en-US" sz="3600" dirty="0">
+                  <a:latin typeface="BIZ UDPゴシック" panose="020B0400000000000000" pitchFamily="50" charset="-128"/>
+                  <a:ea typeface="BIZ UDPゴシック" panose="020B0400000000000000" pitchFamily="50" charset="-128"/>
+                </a:rPr>
+                <a:t>ニュースの文章を</a:t>
+              </a:r>
+              <a:r>
+                <a:rPr kumimoji="1" lang="en-US" altLang="ja-JP" sz="3600" dirty="0">
+                  <a:latin typeface="BIZ UDPゴシック" panose="020B0400000000000000" pitchFamily="50" charset="-128"/>
+                  <a:ea typeface="BIZ UDPゴシック" panose="020B0400000000000000" pitchFamily="50" charset="-128"/>
+                </a:rPr>
+                <a:t>5</a:t>
+              </a:r>
+              <a:r>
+                <a:rPr kumimoji="1" lang="ja-JP" altLang="en-US" sz="3600" dirty="0">
+                  <a:latin typeface="BIZ UDPゴシック" panose="020B0400000000000000" pitchFamily="50" charset="-128"/>
+                  <a:ea typeface="BIZ UDPゴシック" panose="020B0400000000000000" pitchFamily="50" charset="-128"/>
+                </a:rPr>
+                <a:t>個の感情パラメータに振り分けて指標にする</a:t>
+              </a:r>
+              <a:endParaRPr kumimoji="1" lang="en-US" altLang="ja-JP" sz="3600" dirty="0">
+                <a:latin typeface="BIZ UDPゴシック" panose="020B0400000000000000" pitchFamily="50" charset="-128"/>
+                <a:ea typeface="BIZ UDPゴシック" panose="020B0400000000000000" pitchFamily="50" charset="-128"/>
+              </a:endParaRPr>
+            </a:p>
+          </p:txBody>
+        </p:sp>
+        <p:sp>
+          <p:nvSpPr>
+            <p:cNvPr id="6" name="四角形: 角を丸くする 5">
+              <a:extLst>
+                <a:ext uri="{FF2B5EF4-FFF2-40B4-BE49-F238E27FC236}">
+                  <a16:creationId xmlns:a16="http://schemas.microsoft.com/office/drawing/2014/main" id="{8B3E7755-8BD3-5AA3-252A-E439719E5BA0}"/>
+                </a:ext>
+              </a:extLst>
+            </p:cNvPr>
+            <p:cNvSpPr/>
+            <p:nvPr/>
+          </p:nvSpPr>
+          <p:spPr>
+            <a:xfrm>
+              <a:off x="768907" y="2840810"/>
+              <a:ext cx="10357164" cy="1885099"/>
+            </a:xfrm>
+            <a:prstGeom prst="roundRect">
+              <a:avLst/>
+            </a:prstGeom>
+            <a:noFill/>
+            <a:ln w="76200">
+              <a:solidFill>
+                <a:schemeClr val="accent1"/>
+              </a:solidFill>
+            </a:ln>
+          </p:spPr>
+          <p:style>
+            <a:lnRef idx="2">
+              <a:schemeClr val="accent1">
+                <a:shade val="15000"/>
+              </a:schemeClr>
+            </a:lnRef>
+            <a:fillRef idx="1">
+              <a:schemeClr val="accent1"/>
+            </a:fillRef>
+            <a:effectRef idx="0">
+              <a:schemeClr val="accent1"/>
+            </a:effectRef>
+            <a:fontRef idx="minor">
+              <a:schemeClr val="lt1"/>
+            </a:fontRef>
+          </p:style>
+          <p:txBody>
+            <a:bodyPr rtlCol="0" anchor="ctr"/>
+            <a:lstStyle/>
+            <a:p>
+              <a:pPr algn="ctr"/>
+              <a:endParaRPr kumimoji="1" lang="ja-JP" altLang="en-US"/>
+            </a:p>
+          </p:txBody>
+        </p:sp>
+        <p:sp>
+          <p:nvSpPr>
+            <p:cNvPr id="4" name="テキスト ボックス 3">
+              <a:extLst>
+                <a:ext uri="{FF2B5EF4-FFF2-40B4-BE49-F238E27FC236}">
+                  <a16:creationId xmlns:a16="http://schemas.microsoft.com/office/drawing/2014/main" id="{3FBFFB18-1A49-738C-15C7-C3A19E2B2DF1}"/>
+                </a:ext>
+              </a:extLst>
+            </p:cNvPr>
+            <p:cNvSpPr txBox="1"/>
+            <p:nvPr/>
+          </p:nvSpPr>
+          <p:spPr>
+            <a:xfrm>
+              <a:off x="1330223" y="2484427"/>
+              <a:ext cx="2058108" cy="646331"/>
+            </a:xfrm>
+            <a:prstGeom prst="rect">
+              <a:avLst/>
+            </a:prstGeom>
+            <a:solidFill>
+              <a:schemeClr val="bg1"/>
+            </a:solidFill>
+          </p:spPr>
+          <p:txBody>
+            <a:bodyPr wrap="square" rtlCol="0">
+              <a:spAutoFit/>
+            </a:bodyPr>
+            <a:lstStyle/>
+            <a:p>
+              <a:r>
+                <a:rPr kumimoji="1" lang="ja-JP" altLang="en-US" sz="3600" dirty="0">
+                  <a:latin typeface="BIZ UDPゴシック" panose="020B0400000000000000" pitchFamily="50" charset="-128"/>
+                  <a:ea typeface="BIZ UDPゴシック" panose="020B0400000000000000" pitchFamily="50" charset="-128"/>
+                </a:rPr>
+                <a:t>解決方法</a:t>
+              </a:r>
+              <a:endParaRPr kumimoji="1" lang="en-US" altLang="ja-JP" sz="3600" dirty="0">
+                <a:latin typeface="BIZ UDPゴシック" panose="020B0400000000000000" pitchFamily="50" charset="-128"/>
+                <a:ea typeface="BIZ UDPゴシック" panose="020B0400000000000000" pitchFamily="50" charset="-128"/>
+              </a:endParaRPr>
+            </a:p>
+          </p:txBody>
+        </p:sp>
+      </p:grpSp>
+      <p:sp>
+        <p:nvSpPr>
+          <p:cNvPr id="8" name="テキスト ボックス 7">
+            <a:extLst>
+              <a:ext uri="{FF2B5EF4-FFF2-40B4-BE49-F238E27FC236}">
+                <a16:creationId xmlns:a16="http://schemas.microsoft.com/office/drawing/2014/main" id="{9E54FA05-65B0-DB1E-CEB6-373FB752C81F}"/>
+              </a:ext>
+            </a:extLst>
+          </p:cNvPr>
+          <p:cNvSpPr txBox="1"/>
+          <p:nvPr/>
+        </p:nvSpPr>
+        <p:spPr>
+          <a:xfrm>
+            <a:off x="1665201" y="5069655"/>
+            <a:ext cx="8909246" cy="1200329"/>
+          </a:xfrm>
+          <a:prstGeom prst="rect">
+            <a:avLst/>
+          </a:prstGeom>
+          <a:noFill/>
+        </p:spPr>
+        <p:txBody>
+          <a:bodyPr wrap="square" rtlCol="0">
+            <a:spAutoFit/>
+          </a:bodyPr>
+          <a:lstStyle/>
+          <a:p>
+            <a:pPr algn="ctr"/>
+            <a:r>
+              <a:rPr kumimoji="1" lang="ja-JP" altLang="en-US" sz="3600" dirty="0">
+                <a:latin typeface="BIZ UDPゴシック" panose="020B0400000000000000" pitchFamily="50" charset="-128"/>
+                <a:ea typeface="BIZ UDPゴシック" panose="020B0400000000000000" pitchFamily="50" charset="-128"/>
+              </a:rPr>
+              <a:t>全てのニュースに手動で点数を付けるのは現実的ではない</a:t>
+            </a:r>
+            <a:endParaRPr kumimoji="1" lang="en-US" altLang="ja-JP" sz="3600" dirty="0">
+              <a:latin typeface="BIZ UDPゴシック" panose="020B0400000000000000" pitchFamily="50" charset="-128"/>
+              <a:ea typeface="BIZ UDPゴシック" panose="020B0400000000000000" pitchFamily="50" charset="-128"/>
+            </a:endParaRPr>
+          </a:p>
+        </p:txBody>
+      </p:sp>
+    </p:spTree>
+    <p:extLst>
+      <p:ext uri="{BB962C8B-B14F-4D97-AF65-F5344CB8AC3E}">
+        <p14:creationId xmlns:p14="http://schemas.microsoft.com/office/powerpoint/2010/main" val="214710115"/>
+      </p:ext>
+    </p:extLst>
+  </p:cSld>
+  <p:clrMapOvr>
+    <a:masterClrMapping/>
+  </p:clrMapOvr>
+  <p:timing>
+    <p:tnLst>
+      <p:par>
+        <p:cTn id="1" dur="indefinite" restart="never" nodeType="tmRoot">
+          <p:childTnLst>
+            <p:seq concurrent="1" nextAc="seek">
+              <p:cTn id="2" dur="indefinite" nodeType="mainSeq">
+                <p:childTnLst>
+                  <p:par>
+                    <p:cTn id="3" fill="hold">
+                      <p:stCondLst>
+                        <p:cond delay="indefinite"/>
+                      </p:stCondLst>
+                      <p:childTnLst>
+                        <p:par>
+                          <p:cTn id="4" fill="hold">
+                            <p:stCondLst>
+                              <p:cond delay="0"/>
+                            </p:stCondLst>
+                            <p:childTnLst>
+                              <p:par>
+                                <p:cTn id="5" presetID="1" presetClass="entr" presetSubtype="0" fill="hold" nodeType="clickEffect">
+                                  <p:stCondLst>
+                                    <p:cond delay="0"/>
+                                  </p:stCondLst>
+                                  <p:childTnLst>
+                                    <p:set>
+                                      <p:cBhvr>
+                                        <p:cTn id="6" dur="1" fill="hold">
+                                          <p:stCondLst>
+                                            <p:cond delay="0"/>
+                                          </p:stCondLst>
+                                        </p:cTn>
+                                        <p:tgtEl>
+                                          <p:spTgt spid="9"/>
+                                        </p:tgtEl>
+                                        <p:attrNameLst>
+                                          <p:attrName>style.visibility</p:attrName>
+                                        </p:attrNameLst>
+                                      </p:cBhvr>
+                                      <p:to>
+                                        <p:strVal val="visible"/>
+                                      </p:to>
+                                    </p:set>
+                                  </p:childTnLst>
+                                </p:cTn>
+                              </p:par>
+                            </p:childTnLst>
+                          </p:cTn>
+                        </p:par>
+                      </p:childTnLst>
+                    </p:cTn>
+                  </p:par>
+                  <p:par>
+                    <p:cTn id="7" fill="hold">
+                      <p:stCondLst>
+                        <p:cond delay="indefinite"/>
+                      </p:stCondLst>
+                      <p:childTnLst>
+                        <p:par>
+                          <p:cTn id="8" fill="hold">
+                            <p:stCondLst>
+                              <p:cond delay="0"/>
+                            </p:stCondLst>
+                            <p:childTnLst>
+                              <p:par>
+                                <p:cTn id="9" presetID="1" presetClass="entr" presetSubtype="0" fill="hold" grpId="0" nodeType="clickEffect">
+                                  <p:stCondLst>
+                                    <p:cond delay="0"/>
+                                  </p:stCondLst>
+                                  <p:childTnLst>
+                                    <p:set>
+                                      <p:cBhvr>
+                                        <p:cTn id="10" dur="1" fill="hold">
+                                          <p:stCondLst>
+                                            <p:cond delay="0"/>
+                                          </p:stCondLst>
+                                        </p:cTn>
+                                        <p:tgtEl>
+                                          <p:spTgt spid="8"/>
+                                        </p:tgtEl>
+                                        <p:attrNameLst>
+                                          <p:attrName>style.visibility</p:attrName>
+                                        </p:attrNameLst>
+                                      </p:cBhvr>
+                                      <p:to>
+                                        <p:strVal val="visible"/>
+                                      </p:to>
+                                    </p:set>
+                                  </p:childTnLst>
+                                </p:cTn>
+                              </p:par>
+                            </p:childTnLst>
+                          </p:cTn>
+                        </p:par>
+                      </p:childTnLst>
+                    </p:cTn>
+                  </p:par>
+                </p:childTnLst>
+              </p:cTn>
+              <p:prevCondLst>
+                <p:cond evt="onPrev" delay="0">
+                  <p:tgtEl>
+                    <p:sldTgt/>
+                  </p:tgtEl>
+                </p:cond>
+              </p:prevCondLst>
+              <p:nextCondLst>
+                <p:cond evt="onNext" delay="0">
+                  <p:tgtEl>
+                    <p:sldTgt/>
+                  </p:tgtEl>
+                </p:cond>
+              </p:nextCondLst>
+            </p:seq>
+          </p:childTnLst>
+        </p:cTn>
+      </p:par>
+    </p:tnLst>
+    <p:bldLst>
+      <p:bldP spid="8" grpId="0"/>
+    </p:bldLst>
+  </p:timing>
 </p:sld>
 </file>
 
@@ -4400,4 +10207,319 @@
     </a:ext>
   </a:extLst>
 </a:theme>
+</file>
+
+<file path=ppt/theme/theme2.xml><?xml version="1.0" encoding="utf-8"?>
+<a:theme xmlns:a="http://schemas.openxmlformats.org/drawingml/2006/main" name="Office テーマ">
+  <a:themeElements>
+    <a:clrScheme name="Office">
+      <a:dk1>
+        <a:sysClr val="windowText" lastClr="000000"/>
+      </a:dk1>
+      <a:lt1>
+        <a:sysClr val="window" lastClr="FFFFFF"/>
+      </a:lt1>
+      <a:dk2>
+        <a:srgbClr val="0E2841"/>
+      </a:dk2>
+      <a:lt2>
+        <a:srgbClr val="E8E8E8"/>
+      </a:lt2>
+      <a:accent1>
+        <a:srgbClr val="156082"/>
+      </a:accent1>
+      <a:accent2>
+        <a:srgbClr val="E97132"/>
+      </a:accent2>
+      <a:accent3>
+        <a:srgbClr val="196B24"/>
+      </a:accent3>
+      <a:accent4>
+        <a:srgbClr val="0F9ED5"/>
+      </a:accent4>
+      <a:accent5>
+        <a:srgbClr val="A02B93"/>
+      </a:accent5>
+      <a:accent6>
+        <a:srgbClr val="4EA72E"/>
+      </a:accent6>
+      <a:hlink>
+        <a:srgbClr val="467886"/>
+      </a:hlink>
+      <a:folHlink>
+        <a:srgbClr val="96607D"/>
+      </a:folHlink>
+    </a:clrScheme>
+    <a:fontScheme name="Office">
+      <a:majorFont>
+        <a:latin typeface="游ゴシック Light" panose="02110004020202020204"/>
+        <a:ea typeface=""/>
+        <a:cs typeface=""/>
+        <a:font script="Jpan" typeface="游ゴシック Light"/>
+        <a:font script="Hang" typeface="맑은 고딕"/>
+        <a:font script="Hans" typeface="等线 Light"/>
+        <a:font script="Hant" typeface="新細明體"/>
+        <a:font script="Arab" typeface="Times New Roman"/>
+        <a:font script="Hebr" typeface="Times New Roman"/>
+        <a:font script="Thai" typeface="Angsana New"/>
+        <a:font script="Ethi" typeface="Nyala"/>
+        <a:font script="Beng" typeface="Vrinda"/>
+        <a:font script="Gujr" typeface="Shruti"/>
+        <a:font script="Khmr" typeface="MoolBoran"/>
+        <a:font script="Knda" typeface="Tunga"/>
+        <a:font script="Guru" typeface="Raavi"/>
+        <a:font script="Cans" typeface="Euphemia"/>
+        <a:font script="Cher" typeface="Plantagenet Cherokee"/>
+        <a:font script="Yiii" typeface="Microsoft Yi Baiti"/>
+        <a:font script="Tibt" typeface="Microsoft Himalaya"/>
+        <a:font script="Thaa" typeface="MV Boli"/>
+        <a:font script="Deva" typeface="Mangal"/>
+        <a:font script="Telu" typeface="Gautami"/>
+        <a:font script="Taml" typeface="Latha"/>
+        <a:font script="Syrc" typeface="Estrangelo Edessa"/>
+        <a:font script="Orya" typeface="Kalinga"/>
+        <a:font script="Mlym" typeface="Kartika"/>
+        <a:font script="Laoo" typeface="DokChampa"/>
+        <a:font script="Sinh" typeface="Iskoola Pota"/>
+        <a:font script="Mong" typeface="Mongolian Baiti"/>
+        <a:font script="Viet" typeface="Times New Roman"/>
+        <a:font script="Uigh" typeface="Microsoft Uighur"/>
+        <a:font script="Geor" typeface="Sylfaen"/>
+        <a:font script="Armn" typeface="Arial"/>
+        <a:font script="Bugi" typeface="Leelawadee UI"/>
+        <a:font script="Bopo" typeface="Microsoft JhengHei"/>
+        <a:font script="Java" typeface="Javanese Text"/>
+        <a:font script="Lisu" typeface="Segoe UI"/>
+        <a:font script="Mymr" typeface="Myanmar Text"/>
+        <a:font script="Nkoo" typeface="Ebrima"/>
+        <a:font script="Olck" typeface="Nirmala UI"/>
+        <a:font script="Osma" typeface="Ebrima"/>
+        <a:font script="Phag" typeface="Phagspa"/>
+        <a:font script="Syrn" typeface="Estrangelo Edessa"/>
+        <a:font script="Syrj" typeface="Estrangelo Edessa"/>
+        <a:font script="Syre" typeface="Estrangelo Edessa"/>
+        <a:font script="Sora" typeface="Nirmala UI"/>
+        <a:font script="Tale" typeface="Microsoft Tai Le"/>
+        <a:font script="Talu" typeface="Microsoft New Tai Lue"/>
+        <a:font script="Tfng" typeface="Ebrima"/>
+      </a:majorFont>
+      <a:minorFont>
+        <a:latin typeface="游ゴシック" panose="02110004020202020204"/>
+        <a:ea typeface=""/>
+        <a:cs typeface=""/>
+        <a:font script="Jpan" typeface="游ゴシック"/>
+        <a:font script="Hang" typeface="맑은 고딕"/>
+        <a:font script="Hans" typeface="等线"/>
+        <a:font script="Hant" typeface="新細明體"/>
+        <a:font script="Arab" typeface="Arial"/>
+        <a:font script="Hebr" typeface="Arial"/>
+        <a:font script="Thai" typeface="Cordia New"/>
+        <a:font script="Ethi" typeface="Nyala"/>
+        <a:font script="Beng" typeface="Vrinda"/>
+        <a:font script="Gujr" typeface="Shruti"/>
+        <a:font script="Khmr" typeface="DaunPenh"/>
+        <a:font script="Knda" typeface="Tunga"/>
+        <a:font script="Guru" typeface="Raavi"/>
+        <a:font script="Cans" typeface="Euphemia"/>
+        <a:font script="Cher" typeface="Plantagenet Cherokee"/>
+        <a:font script="Yiii" typeface="Microsoft Yi Baiti"/>
+        <a:font script="Tibt" typeface="Microsoft Himalaya"/>
+        <a:font script="Thaa" typeface="MV Boli"/>
+        <a:font script="Deva" typeface="Mangal"/>
+        <a:font script="Telu" typeface="Gautami"/>
+        <a:font script="Taml" typeface="Latha"/>
+        <a:font script="Syrc" typeface="Estrangelo Edessa"/>
+        <a:font script="Orya" typeface="Kalinga"/>
+        <a:font script="Mlym" typeface="Kartika"/>
+        <a:font script="Laoo" typeface="DokChampa"/>
+        <a:font script="Sinh" typeface="Iskoola Pota"/>
+        <a:font script="Mong" typeface="Mongolian Baiti"/>
+        <a:font script="Viet" typeface="Arial"/>
+        <a:font script="Uigh" typeface="Microsoft Uighur"/>
+        <a:font script="Geor" typeface="Sylfaen"/>
+        <a:font script="Armn" typeface="Arial"/>
+        <a:font script="Bugi" typeface="Leelawadee UI"/>
+        <a:font script="Bopo" typeface="Microsoft JhengHei"/>
+        <a:font script="Java" typeface="Javanese Text"/>
+        <a:font script="Lisu" typeface="Segoe UI"/>
+        <a:font script="Mymr" typeface="Myanmar Text"/>
+        <a:font script="Nkoo" typeface="Ebrima"/>
+        <a:font script="Olck" typeface="Nirmala UI"/>
+        <a:font script="Osma" typeface="Ebrima"/>
+        <a:font script="Phag" typeface="Phagspa"/>
+        <a:font script="Syrn" typeface="Estrangelo Edessa"/>
+        <a:font script="Syrj" typeface="Estrangelo Edessa"/>
+        <a:font script="Syre" typeface="Estrangelo Edessa"/>
+        <a:font script="Sora" typeface="Nirmala UI"/>
+        <a:font script="Tale" typeface="Microsoft Tai Le"/>
+        <a:font script="Talu" typeface="Microsoft New Tai Lue"/>
+        <a:font script="Tfng" typeface="Ebrima"/>
+      </a:minorFont>
+    </a:fontScheme>
+    <a:fmtScheme name="Office">
+      <a:fillStyleLst>
+        <a:solidFill>
+          <a:schemeClr val="phClr"/>
+        </a:solidFill>
+        <a:gradFill rotWithShape="1">
+          <a:gsLst>
+            <a:gs pos="0">
+              <a:schemeClr val="phClr">
+                <a:lumMod val="110000"/>
+                <a:satMod val="105000"/>
+                <a:tint val="67000"/>
+              </a:schemeClr>
+            </a:gs>
+            <a:gs pos="50000">
+              <a:schemeClr val="phClr">
+                <a:lumMod val="105000"/>
+                <a:satMod val="103000"/>
+                <a:tint val="73000"/>
+              </a:schemeClr>
+            </a:gs>
+            <a:gs pos="100000">
+              <a:schemeClr val="phClr">
+                <a:lumMod val="105000"/>
+                <a:satMod val="109000"/>
+                <a:tint val="81000"/>
+              </a:schemeClr>
+            </a:gs>
+          </a:gsLst>
+          <a:lin ang="5400000" scaled="0"/>
+        </a:gradFill>
+        <a:gradFill rotWithShape="1">
+          <a:gsLst>
+            <a:gs pos="0">
+              <a:schemeClr val="phClr">
+                <a:satMod val="103000"/>
+                <a:lumMod val="102000"/>
+                <a:tint val="94000"/>
+              </a:schemeClr>
+            </a:gs>
+            <a:gs pos="50000">
+              <a:schemeClr val="phClr">
+                <a:satMod val="110000"/>
+                <a:lumMod val="100000"/>
+                <a:shade val="100000"/>
+              </a:schemeClr>
+            </a:gs>
+            <a:gs pos="100000">
+              <a:schemeClr val="phClr">
+                <a:lumMod val="99000"/>
+                <a:satMod val="120000"/>
+                <a:shade val="78000"/>
+              </a:schemeClr>
+            </a:gs>
+          </a:gsLst>
+          <a:lin ang="5400000" scaled="0"/>
+        </a:gradFill>
+      </a:fillStyleLst>
+      <a:lnStyleLst>
+        <a:ln w="12700" cap="flat" cmpd="sng" algn="ctr">
+          <a:solidFill>
+            <a:schemeClr val="phClr"/>
+          </a:solidFill>
+          <a:prstDash val="solid"/>
+          <a:miter lim="800000"/>
+        </a:ln>
+        <a:ln w="19050" cap="flat" cmpd="sng" algn="ctr">
+          <a:solidFill>
+            <a:schemeClr val="phClr"/>
+          </a:solidFill>
+          <a:prstDash val="solid"/>
+          <a:miter lim="800000"/>
+        </a:ln>
+        <a:ln w="25400" cap="flat" cmpd="sng" algn="ctr">
+          <a:solidFill>
+            <a:schemeClr val="phClr"/>
+          </a:solidFill>
+          <a:prstDash val="solid"/>
+          <a:miter lim="800000"/>
+        </a:ln>
+      </a:lnStyleLst>
+      <a:effectStyleLst>
+        <a:effectStyle>
+          <a:effectLst/>
+        </a:effectStyle>
+        <a:effectStyle>
+          <a:effectLst/>
+        </a:effectStyle>
+        <a:effectStyle>
+          <a:effectLst>
+            <a:outerShdw blurRad="57150" dist="19050" dir="5400000" algn="ctr" rotWithShape="0">
+              <a:srgbClr val="000000">
+                <a:alpha val="63000"/>
+              </a:srgbClr>
+            </a:outerShdw>
+          </a:effectLst>
+        </a:effectStyle>
+      </a:effectStyleLst>
+      <a:bgFillStyleLst>
+        <a:solidFill>
+          <a:schemeClr val="phClr"/>
+        </a:solidFill>
+        <a:solidFill>
+          <a:schemeClr val="phClr">
+            <a:tint val="95000"/>
+            <a:satMod val="170000"/>
+          </a:schemeClr>
+        </a:solidFill>
+        <a:gradFill rotWithShape="1">
+          <a:gsLst>
+            <a:gs pos="0">
+              <a:schemeClr val="phClr">
+                <a:tint val="93000"/>
+                <a:satMod val="150000"/>
+                <a:shade val="98000"/>
+                <a:lumMod val="102000"/>
+              </a:schemeClr>
+            </a:gs>
+            <a:gs pos="50000">
+              <a:schemeClr val="phClr">
+                <a:tint val="98000"/>
+                <a:satMod val="130000"/>
+                <a:shade val="90000"/>
+                <a:lumMod val="103000"/>
+              </a:schemeClr>
+            </a:gs>
+            <a:gs pos="100000">
+              <a:schemeClr val="phClr">
+                <a:shade val="63000"/>
+                <a:satMod val="120000"/>
+              </a:schemeClr>
+            </a:gs>
+          </a:gsLst>
+          <a:lin ang="5400000" scaled="0"/>
+        </a:gradFill>
+      </a:bgFillStyleLst>
+    </a:fmtScheme>
+  </a:themeElements>
+  <a:objectDefaults>
+    <a:lnDef>
+      <a:spPr/>
+      <a:bodyPr/>
+      <a:lstStyle/>
+      <a:style>
+        <a:lnRef idx="2">
+          <a:schemeClr val="accent1"/>
+        </a:lnRef>
+        <a:fillRef idx="0">
+          <a:schemeClr val="accent1"/>
+        </a:fillRef>
+        <a:effectRef idx="1">
+          <a:schemeClr val="accent1"/>
+        </a:effectRef>
+        <a:fontRef idx="minor">
+          <a:schemeClr val="tx1"/>
+        </a:fontRef>
+      </a:style>
+    </a:lnDef>
+  </a:objectDefaults>
+  <a:extraClrSchemeLst/>
+  <a:extLst>
+    <a:ext uri="{05A4C25C-085E-4340-85A3-A5531E510DB2}">
+      <thm15:themeFamily xmlns:thm15="http://schemas.microsoft.com/office/thememl/2012/main" name="Office Theme" id="{2E142A2C-CD16-42D6-873A-C26D2A0506FA}" vid="{1BDDFF52-6CD6-40A5-AB3C-68EB2F1E4D0A}"/>
+    </a:ext>
+  </a:extLst>
+</a:theme>
 </file>
--- a/最終報告.pptx
+++ b/最終報告.pptx
@@ -5,7 +5,7 @@
     <p:sldMasterId id="2147483648" r:id="rId1"/>
   </p:sldMasterIdLst>
   <p:notesMasterIdLst>
-    <p:notesMasterId r:id="rId15"/>
+    <p:notesMasterId r:id="rId23"/>
   </p:notesMasterIdLst>
   <p:sldIdLst>
     <p:sldId id="256" r:id="rId2"/>
@@ -18,9 +18,17 @@
     <p:sldId id="266" r:id="rId9"/>
     <p:sldId id="267" r:id="rId10"/>
     <p:sldId id="268" r:id="rId11"/>
-    <p:sldId id="257" r:id="rId12"/>
-    <p:sldId id="259" r:id="rId13"/>
-    <p:sldId id="263" r:id="rId14"/>
+    <p:sldId id="269" r:id="rId12"/>
+    <p:sldId id="270" r:id="rId13"/>
+    <p:sldId id="271" r:id="rId14"/>
+    <p:sldId id="273" r:id="rId15"/>
+    <p:sldId id="276" r:id="rId16"/>
+    <p:sldId id="275" r:id="rId17"/>
+    <p:sldId id="257" r:id="rId18"/>
+    <p:sldId id="272" r:id="rId19"/>
+    <p:sldId id="259" r:id="rId20"/>
+    <p:sldId id="274" r:id="rId21"/>
+    <p:sldId id="263" r:id="rId22"/>
   </p:sldIdLst>
   <p:sldSz cx="12192000" cy="6858000"/>
   <p:notesSz cx="6858000" cy="9144000"/>
@@ -1738,7 +1746,7 @@
           <a:p>
             <a:fld id="{71B089C8-FDE2-4061-9DCE-7FCF02DE2E7A}" type="datetimeFigureOut">
               <a:rPr kumimoji="1" lang="ja-JP" altLang="en-US" smtClean="0"/>
-              <a:t>2024/8/3</a:t>
+              <a:t>2024/8/4</a:t>
             </a:fld>
             <a:endParaRPr kumimoji="1" lang="ja-JP" altLang="en-US"/>
           </a:p>
@@ -2147,6 +2155,90 @@
 </p:notes>
 </file>
 
+<file path=ppt/notesSlides/notesSlide10.xml><?xml version="1.0" encoding="utf-8"?>
+<p:notes xmlns:a="http://schemas.openxmlformats.org/drawingml/2006/main" xmlns:r="http://schemas.openxmlformats.org/officeDocument/2006/relationships" xmlns:p="http://schemas.openxmlformats.org/presentationml/2006/main">
+  <p:cSld>
+    <p:spTree>
+      <p:nvGrpSpPr>
+        <p:cNvPr id="1" name=""/>
+        <p:cNvGrpSpPr/>
+        <p:nvPr/>
+      </p:nvGrpSpPr>
+      <p:grpSpPr>
+        <a:xfrm>
+          <a:off x="0" y="0"/>
+          <a:ext cx="0" cy="0"/>
+          <a:chOff x="0" y="0"/>
+          <a:chExt cx="0" cy="0"/>
+        </a:xfrm>
+      </p:grpSpPr>
+      <p:sp>
+        <p:nvSpPr>
+          <p:cNvPr id="2" name="スライド イメージ プレースホルダー 1"/>
+          <p:cNvSpPr>
+            <a:spLocks noGrp="1" noRot="1" noChangeAspect="1"/>
+          </p:cNvSpPr>
+          <p:nvPr>
+            <p:ph type="sldImg"/>
+          </p:nvPr>
+        </p:nvSpPr>
+        <p:spPr/>
+      </p:sp>
+      <p:sp>
+        <p:nvSpPr>
+          <p:cNvPr id="3" name="ノート プレースホルダー 2"/>
+          <p:cNvSpPr>
+            <a:spLocks noGrp="1"/>
+          </p:cNvSpPr>
+          <p:nvPr>
+            <p:ph type="body" idx="1"/>
+          </p:nvPr>
+        </p:nvSpPr>
+        <p:spPr/>
+        <p:txBody>
+          <a:bodyPr/>
+          <a:lstStyle/>
+          <a:p>
+            <a:endParaRPr kumimoji="1" lang="ja-JP" altLang="en-US" dirty="0"/>
+          </a:p>
+        </p:txBody>
+      </p:sp>
+      <p:sp>
+        <p:nvSpPr>
+          <p:cNvPr id="4" name="スライド番号プレースホルダー 3"/>
+          <p:cNvSpPr>
+            <a:spLocks noGrp="1"/>
+          </p:cNvSpPr>
+          <p:nvPr>
+            <p:ph type="sldNum" sz="quarter" idx="5"/>
+          </p:nvPr>
+        </p:nvSpPr>
+        <p:spPr/>
+        <p:txBody>
+          <a:bodyPr/>
+          <a:lstStyle/>
+          <a:p>
+            <a:fld id="{7CD860E0-C8EB-4478-A6A5-544033815766}" type="slidenum">
+              <a:rPr kumimoji="1" lang="ja-JP" altLang="en-US" smtClean="0"/>
+              <a:t>16</a:t>
+            </a:fld>
+            <a:endParaRPr kumimoji="1" lang="ja-JP" altLang="en-US"/>
+          </a:p>
+        </p:txBody>
+      </p:sp>
+    </p:spTree>
+    <p:extLst>
+      <p:ext uri="{BB962C8B-B14F-4D97-AF65-F5344CB8AC3E}">
+        <p14:creationId xmlns:p14="http://schemas.microsoft.com/office/powerpoint/2010/main" val="4182858122"/>
+      </p:ext>
+    </p:extLst>
+  </p:cSld>
+  <p:clrMapOvr>
+    <a:masterClrMapping/>
+  </p:clrMapOvr>
+</p:notes>
+</file>
+
 <file path=ppt/notesSlides/notesSlide2.xml><?xml version="1.0" encoding="utf-8"?>
 <p:notes xmlns:a="http://schemas.openxmlformats.org/drawingml/2006/main" xmlns:r="http://schemas.openxmlformats.org/officeDocument/2006/relationships" xmlns:p="http://schemas.openxmlformats.org/presentationml/2006/main">
   <p:cSld>
@@ -2797,6 +2889,1859 @@
 </p:notes>
 </file>
 
+<file path=ppt/notesSlides/notesSlide7.xml><?xml version="1.0" encoding="utf-8"?>
+<p:notes xmlns:a="http://schemas.openxmlformats.org/drawingml/2006/main" xmlns:r="http://schemas.openxmlformats.org/officeDocument/2006/relationships" xmlns:p="http://schemas.openxmlformats.org/presentationml/2006/main">
+  <p:cSld>
+    <p:spTree>
+      <p:nvGrpSpPr>
+        <p:cNvPr id="1" name=""/>
+        <p:cNvGrpSpPr/>
+        <p:nvPr/>
+      </p:nvGrpSpPr>
+      <p:grpSpPr>
+        <a:xfrm>
+          <a:off x="0" y="0"/>
+          <a:ext cx="0" cy="0"/>
+          <a:chOff x="0" y="0"/>
+          <a:chExt cx="0" cy="0"/>
+        </a:xfrm>
+      </p:grpSpPr>
+      <p:sp>
+        <p:nvSpPr>
+          <p:cNvPr id="2" name="スライド イメージ プレースホルダー 1"/>
+          <p:cNvSpPr>
+            <a:spLocks noGrp="1" noRot="1" noChangeAspect="1"/>
+          </p:cNvSpPr>
+          <p:nvPr>
+            <p:ph type="sldImg"/>
+          </p:nvPr>
+        </p:nvSpPr>
+        <p:spPr/>
+      </p:sp>
+      <p:sp>
+        <p:nvSpPr>
+          <p:cNvPr id="3" name="ノート プレースホルダー 2"/>
+          <p:cNvSpPr>
+            <a:spLocks noGrp="1"/>
+          </p:cNvSpPr>
+          <p:nvPr>
+            <p:ph type="body" idx="1"/>
+          </p:nvPr>
+        </p:nvSpPr>
+        <p:spPr/>
+        <p:txBody>
+          <a:bodyPr/>
+          <a:lstStyle/>
+          <a:p>
+            <a:r>
+              <a:rPr kumimoji="1" lang="ja-JP" altLang="en-US" dirty="0"/>
+              <a:t>本来ならここの</a:t>
+            </a:r>
+            <a:r>
+              <a:rPr kumimoji="1" lang="en-US" altLang="ja-JP" dirty="0"/>
+              <a:t>max</a:t>
+            </a:r>
+            <a:r>
+              <a:rPr kumimoji="1" lang="ja-JP" altLang="en-US" dirty="0"/>
+              <a:t>をとってこの文章は楽観的な文章ですとなるのですが、</a:t>
+            </a:r>
+          </a:p>
+        </p:txBody>
+      </p:sp>
+      <p:sp>
+        <p:nvSpPr>
+          <p:cNvPr id="4" name="スライド番号プレースホルダー 3"/>
+          <p:cNvSpPr>
+            <a:spLocks noGrp="1"/>
+          </p:cNvSpPr>
+          <p:nvPr>
+            <p:ph type="sldNum" sz="quarter" idx="5"/>
+          </p:nvPr>
+        </p:nvSpPr>
+        <p:spPr/>
+        <p:txBody>
+          <a:bodyPr/>
+          <a:lstStyle/>
+          <a:p>
+            <a:fld id="{7CD860E0-C8EB-4478-A6A5-544033815766}" type="slidenum">
+              <a:rPr kumimoji="1" lang="ja-JP" altLang="en-US" smtClean="0"/>
+              <a:t>11</a:t>
+            </a:fld>
+            <a:endParaRPr kumimoji="1" lang="ja-JP" altLang="en-US"/>
+          </a:p>
+        </p:txBody>
+      </p:sp>
+    </p:spTree>
+    <p:extLst>
+      <p:ext uri="{BB962C8B-B14F-4D97-AF65-F5344CB8AC3E}">
+        <p14:creationId xmlns:p14="http://schemas.microsoft.com/office/powerpoint/2010/main" val="3296536597"/>
+      </p:ext>
+    </p:extLst>
+  </p:cSld>
+  <p:clrMapOvr>
+    <a:masterClrMapping/>
+  </p:clrMapOvr>
+</p:notes>
+</file>
+
+<file path=ppt/notesSlides/notesSlide8.xml><?xml version="1.0" encoding="utf-8"?>
+<p:notes xmlns:a="http://schemas.openxmlformats.org/drawingml/2006/main" xmlns:r="http://schemas.openxmlformats.org/officeDocument/2006/relationships" xmlns:p="http://schemas.openxmlformats.org/presentationml/2006/main">
+  <p:cSld>
+    <p:spTree>
+      <p:nvGrpSpPr>
+        <p:cNvPr id="1" name=""/>
+        <p:cNvGrpSpPr/>
+        <p:nvPr/>
+      </p:nvGrpSpPr>
+      <p:grpSpPr>
+        <a:xfrm>
+          <a:off x="0" y="0"/>
+          <a:ext cx="0" cy="0"/>
+          <a:chOff x="0" y="0"/>
+          <a:chExt cx="0" cy="0"/>
+        </a:xfrm>
+      </p:grpSpPr>
+      <p:sp>
+        <p:nvSpPr>
+          <p:cNvPr id="2" name="スライド イメージ プレースホルダー 1"/>
+          <p:cNvSpPr>
+            <a:spLocks noGrp="1" noRot="1" noChangeAspect="1"/>
+          </p:cNvSpPr>
+          <p:nvPr>
+            <p:ph type="sldImg"/>
+          </p:nvPr>
+        </p:nvSpPr>
+        <p:spPr/>
+      </p:sp>
+      <p:sp>
+        <p:nvSpPr>
+          <p:cNvPr id="3" name="ノート プレースホルダー 2"/>
+          <p:cNvSpPr>
+            <a:spLocks noGrp="1"/>
+          </p:cNvSpPr>
+          <p:nvPr>
+            <p:ph type="body" idx="1"/>
+          </p:nvPr>
+        </p:nvSpPr>
+        <p:spPr/>
+        <p:txBody>
+          <a:bodyPr/>
+          <a:lstStyle/>
+          <a:p>
+            <a:r>
+              <a:rPr kumimoji="1" lang="en-US" altLang="ja-JP" dirty="0"/>
+              <a:t>S&amp;P500</a:t>
+            </a:r>
+            <a:r>
+              <a:rPr kumimoji="1" lang="ja-JP" altLang="en-US" dirty="0"/>
+              <a:t>はアメリカの上場企業のなかから選出された代表的な</a:t>
+            </a:r>
+            <a:r>
+              <a:rPr kumimoji="1" lang="en-US" altLang="ja-JP" dirty="0"/>
+              <a:t>500</a:t>
+            </a:r>
+            <a:r>
+              <a:rPr kumimoji="1" lang="ja-JP" altLang="en-US" dirty="0"/>
+              <a:t>社</a:t>
+            </a:r>
+            <a:endParaRPr kumimoji="1" lang="en-US" altLang="ja-JP" dirty="0"/>
+          </a:p>
+          <a:p>
+            <a:r>
+              <a:rPr kumimoji="1" lang="ja-JP" altLang="en-US" dirty="0"/>
+              <a:t>基本的に上がり続けることを前提にしているのでより上がる株を見つけることを目標にする</a:t>
+            </a:r>
+          </a:p>
+        </p:txBody>
+      </p:sp>
+      <p:sp>
+        <p:nvSpPr>
+          <p:cNvPr id="4" name="スライド番号プレースホルダー 3"/>
+          <p:cNvSpPr>
+            <a:spLocks noGrp="1"/>
+          </p:cNvSpPr>
+          <p:nvPr>
+            <p:ph type="sldNum" sz="quarter" idx="5"/>
+          </p:nvPr>
+        </p:nvSpPr>
+        <p:spPr/>
+        <p:txBody>
+          <a:bodyPr/>
+          <a:lstStyle/>
+          <a:p>
+            <a:fld id="{7CD860E0-C8EB-4478-A6A5-544033815766}" type="slidenum">
+              <a:rPr kumimoji="1" lang="ja-JP" altLang="en-US" smtClean="0"/>
+              <a:t>13</a:t>
+            </a:fld>
+            <a:endParaRPr kumimoji="1" lang="ja-JP" altLang="en-US"/>
+          </a:p>
+        </p:txBody>
+      </p:sp>
+    </p:spTree>
+    <p:extLst>
+      <p:ext uri="{BB962C8B-B14F-4D97-AF65-F5344CB8AC3E}">
+        <p14:creationId xmlns:p14="http://schemas.microsoft.com/office/powerpoint/2010/main" val="1363873979"/>
+      </p:ext>
+    </p:extLst>
+  </p:cSld>
+  <p:clrMapOvr>
+    <a:masterClrMapping/>
+  </p:clrMapOvr>
+</p:notes>
+</file>
+
+<file path=ppt/notesSlides/notesSlide9.xml><?xml version="1.0" encoding="utf-8"?>
+<p:notes xmlns:a="http://schemas.openxmlformats.org/drawingml/2006/main" xmlns:r="http://schemas.openxmlformats.org/officeDocument/2006/relationships" xmlns:p="http://schemas.openxmlformats.org/presentationml/2006/main">
+  <p:cSld>
+    <p:spTree>
+      <p:nvGrpSpPr>
+        <p:cNvPr id="1" name=""/>
+        <p:cNvGrpSpPr/>
+        <p:nvPr/>
+      </p:nvGrpSpPr>
+      <p:grpSpPr>
+        <a:xfrm>
+          <a:off x="0" y="0"/>
+          <a:ext cx="0" cy="0"/>
+          <a:chOff x="0" y="0"/>
+          <a:chExt cx="0" cy="0"/>
+        </a:xfrm>
+      </p:grpSpPr>
+      <p:sp>
+        <p:nvSpPr>
+          <p:cNvPr id="2" name="スライド イメージ プレースホルダー 1"/>
+          <p:cNvSpPr>
+            <a:spLocks noGrp="1" noRot="1" noChangeAspect="1"/>
+          </p:cNvSpPr>
+          <p:nvPr>
+            <p:ph type="sldImg"/>
+          </p:nvPr>
+        </p:nvSpPr>
+        <p:spPr/>
+      </p:sp>
+      <p:sp>
+        <p:nvSpPr>
+          <p:cNvPr id="3" name="ノート プレースホルダー 2"/>
+          <p:cNvSpPr>
+            <a:spLocks noGrp="1"/>
+          </p:cNvSpPr>
+          <p:nvPr>
+            <p:ph type="body" idx="1"/>
+          </p:nvPr>
+        </p:nvSpPr>
+        <p:spPr/>
+        <p:txBody>
+          <a:bodyPr/>
+          <a:lstStyle/>
+          <a:p>
+            <a:pPr marL="0" marR="0" lvl="0" indent="0" algn="l" defTabSz="914400" rtl="0" eaLnBrk="1" fontAlgn="auto" latinLnBrk="0" hangingPunct="1">
+              <a:lnSpc>
+                <a:spcPct val="100000"/>
+              </a:lnSpc>
+              <a:spcBef>
+                <a:spcPts val="0"/>
+              </a:spcBef>
+              <a:spcAft>
+                <a:spcPts val="0"/>
+              </a:spcAft>
+              <a:buClrTx/>
+              <a:buSzTx/>
+              <a:buFontTx/>
+              <a:buNone/>
+              <a:tabLst/>
+              <a:defRPr/>
+            </a:pPr>
+            <a:r>
+              <a:rPr kumimoji="1" lang="ja-JP" altLang="en-US" sz="1200" dirty="0">
+                <a:latin typeface="BIZ UDPゴシック" panose="020B0400000000000000" pitchFamily="50" charset="-128"/>
+                <a:ea typeface="BIZ UDPゴシック" panose="020B0400000000000000" pitchFamily="50" charset="-128"/>
+              </a:rPr>
+              <a:t>また、簡易アンサンブル学習として全ての株に対して学習</a:t>
+            </a:r>
+            <a:endParaRPr kumimoji="1" lang="en-US" altLang="ja-JP" sz="1200" dirty="0">
+              <a:latin typeface="BIZ UDPゴシック" panose="020B0400000000000000" pitchFamily="50" charset="-128"/>
+              <a:ea typeface="BIZ UDPゴシック" panose="020B0400000000000000" pitchFamily="50" charset="-128"/>
+            </a:endParaRPr>
+          </a:p>
+          <a:p>
+            <a:pPr marL="0" marR="0" lvl="0" indent="0" algn="l" defTabSz="914400" rtl="0" eaLnBrk="1" fontAlgn="auto" latinLnBrk="0" hangingPunct="1">
+              <a:lnSpc>
+                <a:spcPct val="100000"/>
+              </a:lnSpc>
+              <a:spcBef>
+                <a:spcPts val="0"/>
+              </a:spcBef>
+              <a:spcAft>
+                <a:spcPts val="0"/>
+              </a:spcAft>
+              <a:buClrTx/>
+              <a:buSzTx/>
+              <a:buFontTx/>
+              <a:buNone/>
+              <a:tabLst/>
+              <a:defRPr/>
+            </a:pPr>
+            <a:endParaRPr kumimoji="1" lang="en-US" altLang="ja-JP" sz="1200" dirty="0">
+              <a:latin typeface="BIZ UDPゴシック" panose="020B0400000000000000" pitchFamily="50" charset="-128"/>
+              <a:ea typeface="BIZ UDPゴシック" panose="020B0400000000000000" pitchFamily="50" charset="-128"/>
+            </a:endParaRPr>
+          </a:p>
+          <a:p>
+            <a:r>
+              <a:rPr lang="en-GB" altLang="ja-JP" b="0" dirty="0">
+                <a:solidFill>
+                  <a:srgbClr val="ABB2BF"/>
+                </a:solidFill>
+                <a:effectLst/>
+                <a:highlight>
+                  <a:srgbClr val="282C34"/>
+                </a:highlight>
+                <a:latin typeface="Consolas" panose="020B0609020204030204" pitchFamily="49" charset="0"/>
+              </a:rPr>
+              <a:t>    {</a:t>
+            </a:r>
+          </a:p>
+          <a:p>
+            <a:r>
+              <a:rPr lang="en-GB" altLang="ja-JP" b="0" dirty="0">
+                <a:solidFill>
+                  <a:srgbClr val="ABB2BF"/>
+                </a:solidFill>
+                <a:effectLst/>
+                <a:highlight>
+                  <a:srgbClr val="282C34"/>
+                </a:highlight>
+                <a:latin typeface="Consolas" panose="020B0609020204030204" pitchFamily="49" charset="0"/>
+              </a:rPr>
+              <a:t>      </a:t>
+            </a:r>
+            <a:r>
+              <a:rPr lang="en-GB" altLang="ja-JP" b="0" dirty="0">
+                <a:solidFill>
+                  <a:srgbClr val="C56068"/>
+                </a:solidFill>
+                <a:effectLst/>
+                <a:highlight>
+                  <a:srgbClr val="282C34"/>
+                </a:highlight>
+                <a:latin typeface="Consolas" panose="020B0609020204030204" pitchFamily="49" charset="0"/>
+              </a:rPr>
+              <a:t>"symbol"</a:t>
+            </a:r>
+            <a:r>
+              <a:rPr lang="en-GB" altLang="ja-JP" b="0" dirty="0">
+                <a:solidFill>
+                  <a:srgbClr val="ABB2BF"/>
+                </a:solidFill>
+                <a:effectLst/>
+                <a:highlight>
+                  <a:srgbClr val="282C34"/>
+                </a:highlight>
+                <a:latin typeface="Consolas" panose="020B0609020204030204" pitchFamily="49" charset="0"/>
+              </a:rPr>
+              <a:t>: </a:t>
+            </a:r>
+            <a:r>
+              <a:rPr lang="en-GB" altLang="ja-JP" b="0" dirty="0">
+                <a:solidFill>
+                  <a:srgbClr val="D9F5DD"/>
+                </a:solidFill>
+                <a:effectLst/>
+                <a:highlight>
+                  <a:srgbClr val="282C34"/>
+                </a:highlight>
+                <a:latin typeface="Consolas" panose="020B0609020204030204" pitchFamily="49" charset="0"/>
+              </a:rPr>
+              <a:t>"</a:t>
+            </a:r>
+            <a:r>
+              <a:rPr lang="en-GB" altLang="ja-JP" b="0" dirty="0">
+                <a:solidFill>
+                  <a:srgbClr val="C789D6"/>
+                </a:solidFill>
+                <a:effectLst/>
+                <a:highlight>
+                  <a:srgbClr val="282C34"/>
+                </a:highlight>
+                <a:latin typeface="Consolas" panose="020B0609020204030204" pitchFamily="49" charset="0"/>
+              </a:rPr>
+              <a:t>A</a:t>
+            </a:r>
+            <a:r>
+              <a:rPr lang="en-GB" altLang="ja-JP" b="0" dirty="0">
+                <a:solidFill>
+                  <a:srgbClr val="D9F5DD"/>
+                </a:solidFill>
+                <a:effectLst/>
+                <a:highlight>
+                  <a:srgbClr val="282C34"/>
+                </a:highlight>
+                <a:latin typeface="Consolas" panose="020B0609020204030204" pitchFamily="49" charset="0"/>
+              </a:rPr>
+              <a:t>"</a:t>
+            </a:r>
+            <a:r>
+              <a:rPr lang="en-GB" altLang="ja-JP" b="0" dirty="0">
+                <a:solidFill>
+                  <a:srgbClr val="ABB2BF"/>
+                </a:solidFill>
+                <a:effectLst/>
+                <a:highlight>
+                  <a:srgbClr val="282C34"/>
+                </a:highlight>
+                <a:latin typeface="Consolas" panose="020B0609020204030204" pitchFamily="49" charset="0"/>
+              </a:rPr>
+              <a:t>,</a:t>
+            </a:r>
+          </a:p>
+          <a:p>
+            <a:r>
+              <a:rPr lang="en-GB" altLang="ja-JP" b="0" dirty="0">
+                <a:solidFill>
+                  <a:srgbClr val="ABB2BF"/>
+                </a:solidFill>
+                <a:effectLst/>
+                <a:highlight>
+                  <a:srgbClr val="282C34"/>
+                </a:highlight>
+                <a:latin typeface="Consolas" panose="020B0609020204030204" pitchFamily="49" charset="0"/>
+              </a:rPr>
+              <a:t>      </a:t>
+            </a:r>
+            <a:r>
+              <a:rPr lang="en-GB" altLang="ja-JP" b="0" dirty="0">
+                <a:solidFill>
+                  <a:srgbClr val="C56068"/>
+                </a:solidFill>
+                <a:effectLst/>
+                <a:highlight>
+                  <a:srgbClr val="282C34"/>
+                </a:highlight>
+                <a:latin typeface="Consolas" panose="020B0609020204030204" pitchFamily="49" charset="0"/>
+              </a:rPr>
+              <a:t>"</a:t>
+            </a:r>
+            <a:r>
+              <a:rPr lang="en-GB" altLang="ja-JP" b="0" dirty="0" err="1">
+                <a:solidFill>
+                  <a:srgbClr val="C56068"/>
+                </a:solidFill>
+                <a:effectLst/>
+                <a:highlight>
+                  <a:srgbClr val="282C34"/>
+                </a:highlight>
+                <a:latin typeface="Consolas" panose="020B0609020204030204" pitchFamily="49" charset="0"/>
+              </a:rPr>
+              <a:t>company_name</a:t>
+            </a:r>
+            <a:r>
+              <a:rPr lang="en-GB" altLang="ja-JP" b="0" dirty="0">
+                <a:solidFill>
+                  <a:srgbClr val="C56068"/>
+                </a:solidFill>
+                <a:effectLst/>
+                <a:highlight>
+                  <a:srgbClr val="282C34"/>
+                </a:highlight>
+                <a:latin typeface="Consolas" panose="020B0609020204030204" pitchFamily="49" charset="0"/>
+              </a:rPr>
+              <a:t>"</a:t>
+            </a:r>
+            <a:r>
+              <a:rPr lang="en-GB" altLang="ja-JP" b="0" dirty="0">
+                <a:solidFill>
+                  <a:srgbClr val="ABB2BF"/>
+                </a:solidFill>
+                <a:effectLst/>
+                <a:highlight>
+                  <a:srgbClr val="282C34"/>
+                </a:highlight>
+                <a:latin typeface="Consolas" panose="020B0609020204030204" pitchFamily="49" charset="0"/>
+              </a:rPr>
+              <a:t>: </a:t>
+            </a:r>
+            <a:r>
+              <a:rPr lang="en-GB" altLang="ja-JP" b="0" dirty="0">
+                <a:solidFill>
+                  <a:srgbClr val="D9F5DD"/>
+                </a:solidFill>
+                <a:effectLst/>
+                <a:highlight>
+                  <a:srgbClr val="282C34"/>
+                </a:highlight>
+                <a:latin typeface="Consolas" panose="020B0609020204030204" pitchFamily="49" charset="0"/>
+              </a:rPr>
+              <a:t>"</a:t>
+            </a:r>
+            <a:r>
+              <a:rPr lang="ja-JP" altLang="en-US" b="0" dirty="0">
+                <a:solidFill>
+                  <a:srgbClr val="C789D6"/>
+                </a:solidFill>
+                <a:effectLst/>
+                <a:highlight>
+                  <a:srgbClr val="282C34"/>
+                </a:highlight>
+                <a:latin typeface="Consolas" panose="020B0609020204030204" pitchFamily="49" charset="0"/>
+              </a:rPr>
+              <a:t>アジレント・テクノロジー </a:t>
+            </a:r>
+            <a:r>
+              <a:rPr lang="en-GB" altLang="ja-JP" b="0" dirty="0">
+                <a:solidFill>
+                  <a:srgbClr val="C789D6"/>
+                </a:solidFill>
+                <a:effectLst/>
+                <a:highlight>
+                  <a:srgbClr val="282C34"/>
+                </a:highlight>
+                <a:latin typeface="Consolas" panose="020B0609020204030204" pitchFamily="49" charset="0"/>
+              </a:rPr>
+              <a:t>Agilent Technologies, Inc.</a:t>
+            </a:r>
+            <a:r>
+              <a:rPr lang="en-GB" altLang="ja-JP" b="0" dirty="0">
+                <a:solidFill>
+                  <a:srgbClr val="D9F5DD"/>
+                </a:solidFill>
+                <a:effectLst/>
+                <a:highlight>
+                  <a:srgbClr val="282C34"/>
+                </a:highlight>
+                <a:latin typeface="Consolas" panose="020B0609020204030204" pitchFamily="49" charset="0"/>
+              </a:rPr>
+              <a:t>"</a:t>
+            </a:r>
+            <a:r>
+              <a:rPr lang="en-GB" altLang="ja-JP" b="0" dirty="0">
+                <a:solidFill>
+                  <a:srgbClr val="ABB2BF"/>
+                </a:solidFill>
+                <a:effectLst/>
+                <a:highlight>
+                  <a:srgbClr val="282C34"/>
+                </a:highlight>
+                <a:latin typeface="Consolas" panose="020B0609020204030204" pitchFamily="49" charset="0"/>
+              </a:rPr>
+              <a:t>,</a:t>
+            </a:r>
+          </a:p>
+          <a:p>
+            <a:r>
+              <a:rPr lang="en-GB" altLang="ja-JP" b="0" dirty="0">
+                <a:solidFill>
+                  <a:srgbClr val="ABB2BF"/>
+                </a:solidFill>
+                <a:effectLst/>
+                <a:highlight>
+                  <a:srgbClr val="282C34"/>
+                </a:highlight>
+                <a:latin typeface="Consolas" panose="020B0609020204030204" pitchFamily="49" charset="0"/>
+              </a:rPr>
+              <a:t>      </a:t>
+            </a:r>
+            <a:r>
+              <a:rPr lang="en-GB" altLang="ja-JP" b="0" dirty="0">
+                <a:solidFill>
+                  <a:srgbClr val="C56068"/>
+                </a:solidFill>
+                <a:effectLst/>
+                <a:highlight>
+                  <a:srgbClr val="282C34"/>
+                </a:highlight>
+                <a:latin typeface="Consolas" panose="020B0609020204030204" pitchFamily="49" charset="0"/>
+              </a:rPr>
+              <a:t>"description"</a:t>
+            </a:r>
+            <a:r>
+              <a:rPr lang="en-GB" altLang="ja-JP" b="0" dirty="0">
+                <a:solidFill>
+                  <a:srgbClr val="ABB2BF"/>
+                </a:solidFill>
+                <a:effectLst/>
+                <a:highlight>
+                  <a:srgbClr val="282C34"/>
+                </a:highlight>
+                <a:latin typeface="Consolas" panose="020B0609020204030204" pitchFamily="49" charset="0"/>
+              </a:rPr>
+              <a:t>: </a:t>
+            </a:r>
+            <a:r>
+              <a:rPr lang="en-GB" altLang="ja-JP" b="0" dirty="0">
+                <a:solidFill>
+                  <a:srgbClr val="D9F5DD"/>
+                </a:solidFill>
+                <a:effectLst/>
+                <a:highlight>
+                  <a:srgbClr val="282C34"/>
+                </a:highlight>
+                <a:latin typeface="Consolas" panose="020B0609020204030204" pitchFamily="49" charset="0"/>
+              </a:rPr>
+              <a:t>"</a:t>
+            </a:r>
+            <a:r>
+              <a:rPr lang="ja-JP" altLang="en-US" b="0" dirty="0">
+                <a:solidFill>
+                  <a:srgbClr val="C789D6"/>
+                </a:solidFill>
+                <a:effectLst/>
+                <a:highlight>
+                  <a:srgbClr val="282C34"/>
+                </a:highlight>
+                <a:latin typeface="Consolas" panose="020B0609020204030204" pitchFamily="49" charset="0"/>
+              </a:rPr>
+              <a:t>化学分析 電子計測機器</a:t>
+            </a:r>
+            <a:r>
+              <a:rPr lang="en-US" altLang="ja-JP" b="0" dirty="0">
+                <a:solidFill>
+                  <a:srgbClr val="D9F5DD"/>
+                </a:solidFill>
+                <a:effectLst/>
+                <a:highlight>
+                  <a:srgbClr val="282C34"/>
+                </a:highlight>
+                <a:latin typeface="Consolas" panose="020B0609020204030204" pitchFamily="49" charset="0"/>
+              </a:rPr>
+              <a:t>"</a:t>
+            </a:r>
+            <a:endParaRPr lang="ja-JP" altLang="en-US" b="0" dirty="0">
+              <a:solidFill>
+                <a:srgbClr val="ABB2BF"/>
+              </a:solidFill>
+              <a:effectLst/>
+              <a:highlight>
+                <a:srgbClr val="282C34"/>
+              </a:highlight>
+              <a:latin typeface="Consolas" panose="020B0609020204030204" pitchFamily="49" charset="0"/>
+            </a:endParaRPr>
+          </a:p>
+          <a:p>
+            <a:r>
+              <a:rPr lang="ja-JP" altLang="en-US" b="0" dirty="0">
+                <a:solidFill>
+                  <a:srgbClr val="ABB2BF"/>
+                </a:solidFill>
+                <a:effectLst/>
+                <a:highlight>
+                  <a:srgbClr val="282C34"/>
+                </a:highlight>
+                <a:latin typeface="Consolas" panose="020B0609020204030204" pitchFamily="49" charset="0"/>
+              </a:rPr>
+              <a:t>    </a:t>
+            </a:r>
+            <a:r>
+              <a:rPr lang="en-US" altLang="ja-JP" b="0" dirty="0">
+                <a:solidFill>
+                  <a:srgbClr val="ABB2BF"/>
+                </a:solidFill>
+                <a:effectLst/>
+                <a:highlight>
+                  <a:srgbClr val="282C34"/>
+                </a:highlight>
+                <a:latin typeface="Consolas" panose="020B0609020204030204" pitchFamily="49" charset="0"/>
+              </a:rPr>
+              <a:t>},</a:t>
+            </a:r>
+          </a:p>
+          <a:p>
+            <a:r>
+              <a:rPr lang="en-US" altLang="ja-JP" b="0" dirty="0">
+                <a:solidFill>
+                  <a:srgbClr val="ABB2BF"/>
+                </a:solidFill>
+                <a:effectLst/>
+                <a:highlight>
+                  <a:srgbClr val="282C34"/>
+                </a:highlight>
+                <a:latin typeface="Consolas" panose="020B0609020204030204" pitchFamily="49" charset="0"/>
+              </a:rPr>
+              <a:t>    {</a:t>
+            </a:r>
+          </a:p>
+          <a:p>
+            <a:r>
+              <a:rPr lang="en-US" altLang="ja-JP" b="0" dirty="0">
+                <a:solidFill>
+                  <a:srgbClr val="ABB2BF"/>
+                </a:solidFill>
+                <a:effectLst/>
+                <a:highlight>
+                  <a:srgbClr val="282C34"/>
+                </a:highlight>
+                <a:latin typeface="Consolas" panose="020B0609020204030204" pitchFamily="49" charset="0"/>
+              </a:rPr>
+              <a:t>      </a:t>
+            </a:r>
+            <a:r>
+              <a:rPr lang="en-US" altLang="ja-JP" b="0" dirty="0">
+                <a:solidFill>
+                  <a:srgbClr val="C56068"/>
+                </a:solidFill>
+                <a:effectLst/>
+                <a:highlight>
+                  <a:srgbClr val="282C34"/>
+                </a:highlight>
+                <a:latin typeface="Consolas" panose="020B0609020204030204" pitchFamily="49" charset="0"/>
+              </a:rPr>
+              <a:t>"</a:t>
+            </a:r>
+            <a:r>
+              <a:rPr lang="en-GB" altLang="ja-JP" b="0" dirty="0">
+                <a:solidFill>
+                  <a:srgbClr val="C56068"/>
+                </a:solidFill>
+                <a:effectLst/>
+                <a:highlight>
+                  <a:srgbClr val="282C34"/>
+                </a:highlight>
+                <a:latin typeface="Consolas" panose="020B0609020204030204" pitchFamily="49" charset="0"/>
+              </a:rPr>
+              <a:t>symbol"</a:t>
+            </a:r>
+            <a:r>
+              <a:rPr lang="en-GB" altLang="ja-JP" b="0" dirty="0">
+                <a:solidFill>
+                  <a:srgbClr val="ABB2BF"/>
+                </a:solidFill>
+                <a:effectLst/>
+                <a:highlight>
+                  <a:srgbClr val="282C34"/>
+                </a:highlight>
+                <a:latin typeface="Consolas" panose="020B0609020204030204" pitchFamily="49" charset="0"/>
+              </a:rPr>
+              <a:t>: </a:t>
+            </a:r>
+            <a:r>
+              <a:rPr lang="en-GB" altLang="ja-JP" b="0" dirty="0">
+                <a:solidFill>
+                  <a:srgbClr val="D9F5DD"/>
+                </a:solidFill>
+                <a:effectLst/>
+                <a:highlight>
+                  <a:srgbClr val="282C34"/>
+                </a:highlight>
+                <a:latin typeface="Consolas" panose="020B0609020204030204" pitchFamily="49" charset="0"/>
+              </a:rPr>
+              <a:t>"</a:t>
+            </a:r>
+            <a:r>
+              <a:rPr lang="en-GB" altLang="ja-JP" b="0" dirty="0">
+                <a:solidFill>
+                  <a:srgbClr val="C789D6"/>
+                </a:solidFill>
+                <a:effectLst/>
+                <a:highlight>
+                  <a:srgbClr val="282C34"/>
+                </a:highlight>
+                <a:latin typeface="Consolas" panose="020B0609020204030204" pitchFamily="49" charset="0"/>
+              </a:rPr>
+              <a:t>AAL</a:t>
+            </a:r>
+            <a:r>
+              <a:rPr lang="en-GB" altLang="ja-JP" b="0" dirty="0">
+                <a:solidFill>
+                  <a:srgbClr val="D9F5DD"/>
+                </a:solidFill>
+                <a:effectLst/>
+                <a:highlight>
+                  <a:srgbClr val="282C34"/>
+                </a:highlight>
+                <a:latin typeface="Consolas" panose="020B0609020204030204" pitchFamily="49" charset="0"/>
+              </a:rPr>
+              <a:t>"</a:t>
+            </a:r>
+            <a:r>
+              <a:rPr lang="en-GB" altLang="ja-JP" b="0" dirty="0">
+                <a:solidFill>
+                  <a:srgbClr val="ABB2BF"/>
+                </a:solidFill>
+                <a:effectLst/>
+                <a:highlight>
+                  <a:srgbClr val="282C34"/>
+                </a:highlight>
+                <a:latin typeface="Consolas" panose="020B0609020204030204" pitchFamily="49" charset="0"/>
+              </a:rPr>
+              <a:t>,</a:t>
+            </a:r>
+          </a:p>
+          <a:p>
+            <a:r>
+              <a:rPr lang="en-GB" altLang="ja-JP" b="0" dirty="0">
+                <a:solidFill>
+                  <a:srgbClr val="ABB2BF"/>
+                </a:solidFill>
+                <a:effectLst/>
+                <a:highlight>
+                  <a:srgbClr val="282C34"/>
+                </a:highlight>
+                <a:latin typeface="Consolas" panose="020B0609020204030204" pitchFamily="49" charset="0"/>
+              </a:rPr>
+              <a:t>      </a:t>
+            </a:r>
+            <a:r>
+              <a:rPr lang="en-GB" altLang="ja-JP" b="0" dirty="0">
+                <a:solidFill>
+                  <a:srgbClr val="C56068"/>
+                </a:solidFill>
+                <a:effectLst/>
+                <a:highlight>
+                  <a:srgbClr val="282C34"/>
+                </a:highlight>
+                <a:latin typeface="Consolas" panose="020B0609020204030204" pitchFamily="49" charset="0"/>
+              </a:rPr>
+              <a:t>"</a:t>
+            </a:r>
+            <a:r>
+              <a:rPr lang="en-GB" altLang="ja-JP" b="0" dirty="0" err="1">
+                <a:solidFill>
+                  <a:srgbClr val="C56068"/>
+                </a:solidFill>
+                <a:effectLst/>
+                <a:highlight>
+                  <a:srgbClr val="282C34"/>
+                </a:highlight>
+                <a:latin typeface="Consolas" panose="020B0609020204030204" pitchFamily="49" charset="0"/>
+              </a:rPr>
+              <a:t>company_name</a:t>
+            </a:r>
+            <a:r>
+              <a:rPr lang="en-GB" altLang="ja-JP" b="0" dirty="0">
+                <a:solidFill>
+                  <a:srgbClr val="C56068"/>
+                </a:solidFill>
+                <a:effectLst/>
+                <a:highlight>
+                  <a:srgbClr val="282C34"/>
+                </a:highlight>
+                <a:latin typeface="Consolas" panose="020B0609020204030204" pitchFamily="49" charset="0"/>
+              </a:rPr>
+              <a:t>"</a:t>
+            </a:r>
+            <a:r>
+              <a:rPr lang="en-GB" altLang="ja-JP" b="0" dirty="0">
+                <a:solidFill>
+                  <a:srgbClr val="ABB2BF"/>
+                </a:solidFill>
+                <a:effectLst/>
+                <a:highlight>
+                  <a:srgbClr val="282C34"/>
+                </a:highlight>
+                <a:latin typeface="Consolas" panose="020B0609020204030204" pitchFamily="49" charset="0"/>
+              </a:rPr>
+              <a:t>: </a:t>
+            </a:r>
+            <a:r>
+              <a:rPr lang="en-GB" altLang="ja-JP" b="0" dirty="0">
+                <a:solidFill>
+                  <a:srgbClr val="D9F5DD"/>
+                </a:solidFill>
+                <a:effectLst/>
+                <a:highlight>
+                  <a:srgbClr val="282C34"/>
+                </a:highlight>
+                <a:latin typeface="Consolas" panose="020B0609020204030204" pitchFamily="49" charset="0"/>
+              </a:rPr>
+              <a:t>"</a:t>
+            </a:r>
+            <a:r>
+              <a:rPr lang="ja-JP" altLang="en-US" b="0" dirty="0">
+                <a:solidFill>
+                  <a:srgbClr val="C789D6"/>
+                </a:solidFill>
+                <a:effectLst/>
+                <a:highlight>
+                  <a:srgbClr val="282C34"/>
+                </a:highlight>
+                <a:latin typeface="Consolas" panose="020B0609020204030204" pitchFamily="49" charset="0"/>
+              </a:rPr>
+              <a:t>アメリカン・エアラインズ・グループ </a:t>
+            </a:r>
+            <a:r>
+              <a:rPr lang="en-GB" altLang="ja-JP" b="0" dirty="0">
+                <a:solidFill>
+                  <a:srgbClr val="C789D6"/>
+                </a:solidFill>
+                <a:effectLst/>
+                <a:highlight>
+                  <a:srgbClr val="282C34"/>
+                </a:highlight>
+                <a:latin typeface="Consolas" panose="020B0609020204030204" pitchFamily="49" charset="0"/>
+              </a:rPr>
+              <a:t>American Airlines Group Inc.</a:t>
+            </a:r>
+            <a:r>
+              <a:rPr lang="en-GB" altLang="ja-JP" b="0" dirty="0">
+                <a:solidFill>
+                  <a:srgbClr val="D9F5DD"/>
+                </a:solidFill>
+                <a:effectLst/>
+                <a:highlight>
+                  <a:srgbClr val="282C34"/>
+                </a:highlight>
+                <a:latin typeface="Consolas" panose="020B0609020204030204" pitchFamily="49" charset="0"/>
+              </a:rPr>
+              <a:t>"</a:t>
+            </a:r>
+            <a:r>
+              <a:rPr lang="en-GB" altLang="ja-JP" b="0" dirty="0">
+                <a:solidFill>
+                  <a:srgbClr val="ABB2BF"/>
+                </a:solidFill>
+                <a:effectLst/>
+                <a:highlight>
+                  <a:srgbClr val="282C34"/>
+                </a:highlight>
+                <a:latin typeface="Consolas" panose="020B0609020204030204" pitchFamily="49" charset="0"/>
+              </a:rPr>
+              <a:t>,</a:t>
+            </a:r>
+          </a:p>
+          <a:p>
+            <a:r>
+              <a:rPr lang="en-GB" altLang="ja-JP" b="0" dirty="0">
+                <a:solidFill>
+                  <a:srgbClr val="ABB2BF"/>
+                </a:solidFill>
+                <a:effectLst/>
+                <a:highlight>
+                  <a:srgbClr val="282C34"/>
+                </a:highlight>
+                <a:latin typeface="Consolas" panose="020B0609020204030204" pitchFamily="49" charset="0"/>
+              </a:rPr>
+              <a:t>      </a:t>
+            </a:r>
+            <a:r>
+              <a:rPr lang="en-GB" altLang="ja-JP" b="0" dirty="0">
+                <a:solidFill>
+                  <a:srgbClr val="C56068"/>
+                </a:solidFill>
+                <a:effectLst/>
+                <a:highlight>
+                  <a:srgbClr val="282C34"/>
+                </a:highlight>
+                <a:latin typeface="Consolas" panose="020B0609020204030204" pitchFamily="49" charset="0"/>
+              </a:rPr>
+              <a:t>"description"</a:t>
+            </a:r>
+            <a:r>
+              <a:rPr lang="en-GB" altLang="ja-JP" b="0" dirty="0">
+                <a:solidFill>
+                  <a:srgbClr val="ABB2BF"/>
+                </a:solidFill>
+                <a:effectLst/>
+                <a:highlight>
+                  <a:srgbClr val="282C34"/>
+                </a:highlight>
+                <a:latin typeface="Consolas" panose="020B0609020204030204" pitchFamily="49" charset="0"/>
+              </a:rPr>
+              <a:t>: </a:t>
+            </a:r>
+            <a:r>
+              <a:rPr lang="en-GB" altLang="ja-JP" b="0" dirty="0">
+                <a:solidFill>
+                  <a:srgbClr val="D9F5DD"/>
+                </a:solidFill>
+                <a:effectLst/>
+                <a:highlight>
+                  <a:srgbClr val="282C34"/>
+                </a:highlight>
+                <a:latin typeface="Consolas" panose="020B0609020204030204" pitchFamily="49" charset="0"/>
+              </a:rPr>
+              <a:t>"</a:t>
+            </a:r>
+            <a:r>
+              <a:rPr lang="ja-JP" altLang="en-US" b="0" dirty="0">
+                <a:solidFill>
+                  <a:srgbClr val="C789D6"/>
+                </a:solidFill>
+                <a:effectLst/>
+                <a:highlight>
+                  <a:srgbClr val="282C34"/>
+                </a:highlight>
+                <a:latin typeface="Consolas" panose="020B0609020204030204" pitchFamily="49" charset="0"/>
+              </a:rPr>
+              <a:t>航空会社</a:t>
+            </a:r>
+            <a:r>
+              <a:rPr lang="en-US" altLang="ja-JP" b="0" dirty="0">
+                <a:solidFill>
+                  <a:srgbClr val="D9F5DD"/>
+                </a:solidFill>
+                <a:effectLst/>
+                <a:highlight>
+                  <a:srgbClr val="282C34"/>
+                </a:highlight>
+                <a:latin typeface="Consolas" panose="020B0609020204030204" pitchFamily="49" charset="0"/>
+              </a:rPr>
+              <a:t>"</a:t>
+            </a:r>
+            <a:endParaRPr lang="ja-JP" altLang="en-US" b="0" dirty="0">
+              <a:solidFill>
+                <a:srgbClr val="ABB2BF"/>
+              </a:solidFill>
+              <a:effectLst/>
+              <a:highlight>
+                <a:srgbClr val="282C34"/>
+              </a:highlight>
+              <a:latin typeface="Consolas" panose="020B0609020204030204" pitchFamily="49" charset="0"/>
+            </a:endParaRPr>
+          </a:p>
+          <a:p>
+            <a:r>
+              <a:rPr lang="ja-JP" altLang="en-US" b="0" dirty="0">
+                <a:solidFill>
+                  <a:srgbClr val="ABB2BF"/>
+                </a:solidFill>
+                <a:effectLst/>
+                <a:highlight>
+                  <a:srgbClr val="282C34"/>
+                </a:highlight>
+                <a:latin typeface="Consolas" panose="020B0609020204030204" pitchFamily="49" charset="0"/>
+              </a:rPr>
+              <a:t>    </a:t>
+            </a:r>
+            <a:r>
+              <a:rPr lang="en-US" altLang="ja-JP" b="0" dirty="0">
+                <a:solidFill>
+                  <a:srgbClr val="ABB2BF"/>
+                </a:solidFill>
+                <a:effectLst/>
+                <a:highlight>
+                  <a:srgbClr val="282C34"/>
+                </a:highlight>
+                <a:latin typeface="Consolas" panose="020B0609020204030204" pitchFamily="49" charset="0"/>
+              </a:rPr>
+              <a:t>},</a:t>
+            </a:r>
+          </a:p>
+          <a:p>
+            <a:pPr marL="0" marR="0" lvl="0" indent="0" algn="l" defTabSz="914400" rtl="0" eaLnBrk="1" fontAlgn="auto" latinLnBrk="0" hangingPunct="1">
+              <a:lnSpc>
+                <a:spcPct val="100000"/>
+              </a:lnSpc>
+              <a:spcBef>
+                <a:spcPts val="0"/>
+              </a:spcBef>
+              <a:spcAft>
+                <a:spcPts val="0"/>
+              </a:spcAft>
+              <a:buClrTx/>
+              <a:buSzTx/>
+              <a:buFontTx/>
+              <a:buNone/>
+              <a:tabLst/>
+              <a:defRPr/>
+            </a:pPr>
+            <a:endParaRPr kumimoji="1" lang="en-US" altLang="ja-JP" sz="1200" dirty="0">
+              <a:latin typeface="BIZ UDPゴシック" panose="020B0400000000000000" pitchFamily="50" charset="-128"/>
+              <a:ea typeface="BIZ UDPゴシック" panose="020B0400000000000000" pitchFamily="50" charset="-128"/>
+            </a:endParaRPr>
+          </a:p>
+          <a:p>
+            <a:r>
+              <a:rPr lang="en-GB" altLang="ja-JP" b="0" dirty="0">
+                <a:solidFill>
+                  <a:srgbClr val="ABB2BF"/>
+                </a:solidFill>
+                <a:effectLst/>
+                <a:highlight>
+                  <a:srgbClr val="282C34"/>
+                </a:highlight>
+                <a:latin typeface="Consolas" panose="020B0609020204030204" pitchFamily="49" charset="0"/>
+              </a:rPr>
+              <a:t>      </a:t>
+            </a:r>
+            <a:r>
+              <a:rPr lang="en-GB" altLang="ja-JP" b="0" dirty="0">
+                <a:solidFill>
+                  <a:srgbClr val="C56068"/>
+                </a:solidFill>
+                <a:effectLst/>
+                <a:highlight>
+                  <a:srgbClr val="282C34"/>
+                </a:highlight>
+                <a:latin typeface="Consolas" panose="020B0609020204030204" pitchFamily="49" charset="0"/>
+              </a:rPr>
+              <a:t>"symbol"</a:t>
+            </a:r>
+            <a:r>
+              <a:rPr lang="en-GB" altLang="ja-JP" b="0" dirty="0">
+                <a:solidFill>
+                  <a:srgbClr val="ABB2BF"/>
+                </a:solidFill>
+                <a:effectLst/>
+                <a:highlight>
+                  <a:srgbClr val="282C34"/>
+                </a:highlight>
+                <a:latin typeface="Consolas" panose="020B0609020204030204" pitchFamily="49" charset="0"/>
+              </a:rPr>
+              <a:t>: </a:t>
+            </a:r>
+            <a:r>
+              <a:rPr lang="en-GB" altLang="ja-JP" b="0" dirty="0">
+                <a:solidFill>
+                  <a:srgbClr val="D9F5DD"/>
+                </a:solidFill>
+                <a:effectLst/>
+                <a:highlight>
+                  <a:srgbClr val="282C34"/>
+                </a:highlight>
+                <a:latin typeface="Consolas" panose="020B0609020204030204" pitchFamily="49" charset="0"/>
+              </a:rPr>
+              <a:t>"</a:t>
+            </a:r>
+            <a:r>
+              <a:rPr lang="en-GB" altLang="ja-JP" b="0" dirty="0">
+                <a:solidFill>
+                  <a:srgbClr val="C789D6"/>
+                </a:solidFill>
+                <a:effectLst/>
+                <a:highlight>
+                  <a:srgbClr val="282C34"/>
+                </a:highlight>
+                <a:latin typeface="Consolas" panose="020B0609020204030204" pitchFamily="49" charset="0"/>
+              </a:rPr>
+              <a:t>ZBRA</a:t>
+            </a:r>
+            <a:r>
+              <a:rPr lang="en-GB" altLang="ja-JP" b="0" dirty="0">
+                <a:solidFill>
+                  <a:srgbClr val="D9F5DD"/>
+                </a:solidFill>
+                <a:effectLst/>
+                <a:highlight>
+                  <a:srgbClr val="282C34"/>
+                </a:highlight>
+                <a:latin typeface="Consolas" panose="020B0609020204030204" pitchFamily="49" charset="0"/>
+              </a:rPr>
+              <a:t>"</a:t>
+            </a:r>
+            <a:r>
+              <a:rPr lang="en-GB" altLang="ja-JP" b="0" dirty="0">
+                <a:solidFill>
+                  <a:srgbClr val="ABB2BF"/>
+                </a:solidFill>
+                <a:effectLst/>
+                <a:highlight>
+                  <a:srgbClr val="282C34"/>
+                </a:highlight>
+                <a:latin typeface="Consolas" panose="020B0609020204030204" pitchFamily="49" charset="0"/>
+              </a:rPr>
+              <a:t>,</a:t>
+            </a:r>
+          </a:p>
+          <a:p>
+            <a:r>
+              <a:rPr lang="en-GB" altLang="ja-JP" b="0" dirty="0">
+                <a:solidFill>
+                  <a:srgbClr val="ABB2BF"/>
+                </a:solidFill>
+                <a:effectLst/>
+                <a:highlight>
+                  <a:srgbClr val="282C34"/>
+                </a:highlight>
+                <a:latin typeface="Consolas" panose="020B0609020204030204" pitchFamily="49" charset="0"/>
+              </a:rPr>
+              <a:t>      </a:t>
+            </a:r>
+            <a:r>
+              <a:rPr lang="en-GB" altLang="ja-JP" b="0" dirty="0">
+                <a:solidFill>
+                  <a:srgbClr val="C56068"/>
+                </a:solidFill>
+                <a:effectLst/>
+                <a:highlight>
+                  <a:srgbClr val="282C34"/>
+                </a:highlight>
+                <a:latin typeface="Consolas" panose="020B0609020204030204" pitchFamily="49" charset="0"/>
+              </a:rPr>
+              <a:t>"</a:t>
+            </a:r>
+            <a:r>
+              <a:rPr lang="en-GB" altLang="ja-JP" b="0" dirty="0" err="1">
+                <a:solidFill>
+                  <a:srgbClr val="C56068"/>
+                </a:solidFill>
+                <a:effectLst/>
+                <a:highlight>
+                  <a:srgbClr val="282C34"/>
+                </a:highlight>
+                <a:latin typeface="Consolas" panose="020B0609020204030204" pitchFamily="49" charset="0"/>
+              </a:rPr>
+              <a:t>company_name</a:t>
+            </a:r>
+            <a:r>
+              <a:rPr lang="en-GB" altLang="ja-JP" b="0" dirty="0">
+                <a:solidFill>
+                  <a:srgbClr val="C56068"/>
+                </a:solidFill>
+                <a:effectLst/>
+                <a:highlight>
+                  <a:srgbClr val="282C34"/>
+                </a:highlight>
+                <a:latin typeface="Consolas" panose="020B0609020204030204" pitchFamily="49" charset="0"/>
+              </a:rPr>
+              <a:t>"</a:t>
+            </a:r>
+            <a:r>
+              <a:rPr lang="en-GB" altLang="ja-JP" b="0" dirty="0">
+                <a:solidFill>
+                  <a:srgbClr val="ABB2BF"/>
+                </a:solidFill>
+                <a:effectLst/>
+                <a:highlight>
+                  <a:srgbClr val="282C34"/>
+                </a:highlight>
+                <a:latin typeface="Consolas" panose="020B0609020204030204" pitchFamily="49" charset="0"/>
+              </a:rPr>
+              <a:t>: </a:t>
+            </a:r>
+            <a:r>
+              <a:rPr lang="en-GB" altLang="ja-JP" b="0" dirty="0">
+                <a:solidFill>
+                  <a:srgbClr val="D9F5DD"/>
+                </a:solidFill>
+                <a:effectLst/>
+                <a:highlight>
+                  <a:srgbClr val="282C34"/>
+                </a:highlight>
+                <a:latin typeface="Consolas" panose="020B0609020204030204" pitchFamily="49" charset="0"/>
+              </a:rPr>
+              <a:t>"</a:t>
+            </a:r>
+            <a:r>
+              <a:rPr lang="ja-JP" altLang="en-US" b="0" dirty="0">
+                <a:solidFill>
+                  <a:srgbClr val="C789D6"/>
+                </a:solidFill>
+                <a:effectLst/>
+                <a:highlight>
+                  <a:srgbClr val="282C34"/>
+                </a:highlight>
+                <a:latin typeface="Consolas" panose="020B0609020204030204" pitchFamily="49" charset="0"/>
+              </a:rPr>
+              <a:t>ゼブラ・テクノロジーズ </a:t>
+            </a:r>
+            <a:r>
+              <a:rPr lang="en-GB" altLang="ja-JP" b="0" dirty="0">
+                <a:solidFill>
+                  <a:srgbClr val="C789D6"/>
+                </a:solidFill>
+                <a:effectLst/>
+                <a:highlight>
+                  <a:srgbClr val="282C34"/>
+                </a:highlight>
+                <a:latin typeface="Consolas" panose="020B0609020204030204" pitchFamily="49" charset="0"/>
+              </a:rPr>
+              <a:t>Zebra Technologies Corporation</a:t>
+            </a:r>
+            <a:r>
+              <a:rPr lang="en-GB" altLang="ja-JP" b="0" dirty="0">
+                <a:solidFill>
+                  <a:srgbClr val="D9F5DD"/>
+                </a:solidFill>
+                <a:effectLst/>
+                <a:highlight>
+                  <a:srgbClr val="282C34"/>
+                </a:highlight>
+                <a:latin typeface="Consolas" panose="020B0609020204030204" pitchFamily="49" charset="0"/>
+              </a:rPr>
+              <a:t>"</a:t>
+            </a:r>
+            <a:r>
+              <a:rPr lang="en-GB" altLang="ja-JP" b="0" dirty="0">
+                <a:solidFill>
+                  <a:srgbClr val="ABB2BF"/>
+                </a:solidFill>
+                <a:effectLst/>
+                <a:highlight>
+                  <a:srgbClr val="282C34"/>
+                </a:highlight>
+                <a:latin typeface="Consolas" panose="020B0609020204030204" pitchFamily="49" charset="0"/>
+              </a:rPr>
+              <a:t>,</a:t>
+            </a:r>
+          </a:p>
+          <a:p>
+            <a:r>
+              <a:rPr lang="en-GB" altLang="ja-JP" b="0" dirty="0">
+                <a:solidFill>
+                  <a:srgbClr val="ABB2BF"/>
+                </a:solidFill>
+                <a:effectLst/>
+                <a:highlight>
+                  <a:srgbClr val="282C34"/>
+                </a:highlight>
+                <a:latin typeface="Consolas" panose="020B0609020204030204" pitchFamily="49" charset="0"/>
+              </a:rPr>
+              <a:t>      </a:t>
+            </a:r>
+            <a:r>
+              <a:rPr lang="en-GB" altLang="ja-JP" b="0" dirty="0">
+                <a:solidFill>
+                  <a:srgbClr val="C56068"/>
+                </a:solidFill>
+                <a:effectLst/>
+                <a:highlight>
+                  <a:srgbClr val="282C34"/>
+                </a:highlight>
+                <a:latin typeface="Consolas" panose="020B0609020204030204" pitchFamily="49" charset="0"/>
+              </a:rPr>
+              <a:t>"description"</a:t>
+            </a:r>
+            <a:r>
+              <a:rPr lang="en-GB" altLang="ja-JP" b="0" dirty="0">
+                <a:solidFill>
+                  <a:srgbClr val="ABB2BF"/>
+                </a:solidFill>
+                <a:effectLst/>
+                <a:highlight>
+                  <a:srgbClr val="282C34"/>
+                </a:highlight>
+                <a:latin typeface="Consolas" panose="020B0609020204030204" pitchFamily="49" charset="0"/>
+              </a:rPr>
+              <a:t>: </a:t>
+            </a:r>
+            <a:r>
+              <a:rPr lang="en-GB" altLang="ja-JP" b="0" dirty="0">
+                <a:solidFill>
+                  <a:srgbClr val="D9F5DD"/>
+                </a:solidFill>
+                <a:effectLst/>
+                <a:highlight>
+                  <a:srgbClr val="282C34"/>
+                </a:highlight>
+                <a:latin typeface="Consolas" panose="020B0609020204030204" pitchFamily="49" charset="0"/>
+              </a:rPr>
+              <a:t>"</a:t>
+            </a:r>
+            <a:r>
+              <a:rPr lang="ja-JP" altLang="en-US" b="0" dirty="0">
+                <a:solidFill>
+                  <a:srgbClr val="C789D6"/>
+                </a:solidFill>
+                <a:effectLst/>
+                <a:highlight>
+                  <a:srgbClr val="282C34"/>
+                </a:highlight>
+                <a:latin typeface="Consolas" panose="020B0609020204030204" pitchFamily="49" charset="0"/>
+              </a:rPr>
+              <a:t>自動識別 </a:t>
+            </a:r>
+            <a:r>
+              <a:rPr lang="en-GB" altLang="ja-JP" b="0" dirty="0">
+                <a:solidFill>
+                  <a:srgbClr val="C789D6"/>
+                </a:solidFill>
+                <a:effectLst/>
+                <a:highlight>
+                  <a:srgbClr val="282C34"/>
+                </a:highlight>
+                <a:latin typeface="Consolas" panose="020B0609020204030204" pitchFamily="49" charset="0"/>
+              </a:rPr>
+              <a:t>AIDC</a:t>
+            </a:r>
+            <a:r>
+              <a:rPr lang="ja-JP" altLang="en-US" b="0" dirty="0">
+                <a:solidFill>
+                  <a:srgbClr val="C789D6"/>
+                </a:solidFill>
+                <a:effectLst/>
+                <a:highlight>
+                  <a:srgbClr val="282C34"/>
+                </a:highlight>
+                <a:latin typeface="Consolas" panose="020B0609020204030204" pitchFamily="49" charset="0"/>
+              </a:rPr>
+              <a:t>製品</a:t>
+            </a:r>
+            <a:r>
+              <a:rPr lang="en-US" altLang="ja-JP" b="0" dirty="0">
+                <a:solidFill>
+                  <a:srgbClr val="D9F5DD"/>
+                </a:solidFill>
+                <a:effectLst/>
+                <a:highlight>
+                  <a:srgbClr val="282C34"/>
+                </a:highlight>
+                <a:latin typeface="Consolas" panose="020B0609020204030204" pitchFamily="49" charset="0"/>
+              </a:rPr>
+              <a:t>"</a:t>
+            </a:r>
+            <a:endParaRPr lang="ja-JP" altLang="en-US" b="0" dirty="0">
+              <a:solidFill>
+                <a:srgbClr val="ABB2BF"/>
+              </a:solidFill>
+              <a:effectLst/>
+              <a:highlight>
+                <a:srgbClr val="282C34"/>
+              </a:highlight>
+              <a:latin typeface="Consolas" panose="020B0609020204030204" pitchFamily="49" charset="0"/>
+            </a:endParaRPr>
+          </a:p>
+          <a:p>
+            <a:r>
+              <a:rPr lang="ja-JP" altLang="en-US" b="0" dirty="0">
+                <a:solidFill>
+                  <a:srgbClr val="ABB2BF"/>
+                </a:solidFill>
+                <a:effectLst/>
+                <a:highlight>
+                  <a:srgbClr val="282C34"/>
+                </a:highlight>
+                <a:latin typeface="Consolas" panose="020B0609020204030204" pitchFamily="49" charset="0"/>
+              </a:rPr>
+              <a:t>    </a:t>
+            </a:r>
+            <a:r>
+              <a:rPr lang="en-US" altLang="ja-JP" b="0" dirty="0">
+                <a:solidFill>
+                  <a:srgbClr val="ABB2BF"/>
+                </a:solidFill>
+                <a:effectLst/>
+                <a:highlight>
+                  <a:srgbClr val="282C34"/>
+                </a:highlight>
+                <a:latin typeface="Consolas" panose="020B0609020204030204" pitchFamily="49" charset="0"/>
+              </a:rPr>
+              <a:t>},</a:t>
+            </a:r>
+          </a:p>
+          <a:p>
+            <a:r>
+              <a:rPr lang="en-US" altLang="ja-JP" b="0" dirty="0">
+                <a:solidFill>
+                  <a:srgbClr val="ABB2BF"/>
+                </a:solidFill>
+                <a:effectLst/>
+                <a:highlight>
+                  <a:srgbClr val="282C34"/>
+                </a:highlight>
+                <a:latin typeface="Consolas" panose="020B0609020204030204" pitchFamily="49" charset="0"/>
+              </a:rPr>
+              <a:t>    {</a:t>
+            </a:r>
+          </a:p>
+          <a:p>
+            <a:r>
+              <a:rPr lang="en-US" altLang="ja-JP" b="0" dirty="0">
+                <a:solidFill>
+                  <a:srgbClr val="ABB2BF"/>
+                </a:solidFill>
+                <a:effectLst/>
+                <a:highlight>
+                  <a:srgbClr val="282C34"/>
+                </a:highlight>
+                <a:latin typeface="Consolas" panose="020B0609020204030204" pitchFamily="49" charset="0"/>
+              </a:rPr>
+              <a:t>      </a:t>
+            </a:r>
+            <a:r>
+              <a:rPr lang="en-US" altLang="ja-JP" b="0" dirty="0">
+                <a:solidFill>
+                  <a:srgbClr val="C56068"/>
+                </a:solidFill>
+                <a:effectLst/>
+                <a:highlight>
+                  <a:srgbClr val="282C34"/>
+                </a:highlight>
+                <a:latin typeface="Consolas" panose="020B0609020204030204" pitchFamily="49" charset="0"/>
+              </a:rPr>
+              <a:t>"</a:t>
+            </a:r>
+            <a:r>
+              <a:rPr lang="en-GB" altLang="ja-JP" b="0" dirty="0">
+                <a:solidFill>
+                  <a:srgbClr val="C56068"/>
+                </a:solidFill>
+                <a:effectLst/>
+                <a:highlight>
+                  <a:srgbClr val="282C34"/>
+                </a:highlight>
+                <a:latin typeface="Consolas" panose="020B0609020204030204" pitchFamily="49" charset="0"/>
+              </a:rPr>
+              <a:t>symbol"</a:t>
+            </a:r>
+            <a:r>
+              <a:rPr lang="en-GB" altLang="ja-JP" b="0" dirty="0">
+                <a:solidFill>
+                  <a:srgbClr val="ABB2BF"/>
+                </a:solidFill>
+                <a:effectLst/>
+                <a:highlight>
+                  <a:srgbClr val="282C34"/>
+                </a:highlight>
+                <a:latin typeface="Consolas" panose="020B0609020204030204" pitchFamily="49" charset="0"/>
+              </a:rPr>
+              <a:t>: </a:t>
+            </a:r>
+            <a:r>
+              <a:rPr lang="en-GB" altLang="ja-JP" b="0" dirty="0">
+                <a:solidFill>
+                  <a:srgbClr val="D9F5DD"/>
+                </a:solidFill>
+                <a:effectLst/>
+                <a:highlight>
+                  <a:srgbClr val="282C34"/>
+                </a:highlight>
+                <a:latin typeface="Consolas" panose="020B0609020204030204" pitchFamily="49" charset="0"/>
+              </a:rPr>
+              <a:t>"</a:t>
+            </a:r>
+            <a:r>
+              <a:rPr lang="en-GB" altLang="ja-JP" b="0" dirty="0">
+                <a:solidFill>
+                  <a:srgbClr val="C789D6"/>
+                </a:solidFill>
+                <a:effectLst/>
+                <a:highlight>
+                  <a:srgbClr val="282C34"/>
+                </a:highlight>
+                <a:latin typeface="Consolas" panose="020B0609020204030204" pitchFamily="49" charset="0"/>
+              </a:rPr>
+              <a:t>ZTS</a:t>
+            </a:r>
+            <a:r>
+              <a:rPr lang="en-GB" altLang="ja-JP" b="0" dirty="0">
+                <a:solidFill>
+                  <a:srgbClr val="D9F5DD"/>
+                </a:solidFill>
+                <a:effectLst/>
+                <a:highlight>
+                  <a:srgbClr val="282C34"/>
+                </a:highlight>
+                <a:latin typeface="Consolas" panose="020B0609020204030204" pitchFamily="49" charset="0"/>
+              </a:rPr>
+              <a:t>"</a:t>
+            </a:r>
+            <a:r>
+              <a:rPr lang="en-GB" altLang="ja-JP" b="0" dirty="0">
+                <a:solidFill>
+                  <a:srgbClr val="ABB2BF"/>
+                </a:solidFill>
+                <a:effectLst/>
+                <a:highlight>
+                  <a:srgbClr val="282C34"/>
+                </a:highlight>
+                <a:latin typeface="Consolas" panose="020B0609020204030204" pitchFamily="49" charset="0"/>
+              </a:rPr>
+              <a:t>,</a:t>
+            </a:r>
+          </a:p>
+          <a:p>
+            <a:r>
+              <a:rPr lang="en-GB" altLang="ja-JP" b="0" dirty="0">
+                <a:solidFill>
+                  <a:srgbClr val="ABB2BF"/>
+                </a:solidFill>
+                <a:effectLst/>
+                <a:highlight>
+                  <a:srgbClr val="282C34"/>
+                </a:highlight>
+                <a:latin typeface="Consolas" panose="020B0609020204030204" pitchFamily="49" charset="0"/>
+              </a:rPr>
+              <a:t>      </a:t>
+            </a:r>
+            <a:r>
+              <a:rPr lang="en-GB" altLang="ja-JP" b="0" dirty="0">
+                <a:solidFill>
+                  <a:srgbClr val="C56068"/>
+                </a:solidFill>
+                <a:effectLst/>
+                <a:highlight>
+                  <a:srgbClr val="282C34"/>
+                </a:highlight>
+                <a:latin typeface="Consolas" panose="020B0609020204030204" pitchFamily="49" charset="0"/>
+              </a:rPr>
+              <a:t>"</a:t>
+            </a:r>
+            <a:r>
+              <a:rPr lang="en-GB" altLang="ja-JP" b="0" dirty="0" err="1">
+                <a:solidFill>
+                  <a:srgbClr val="C56068"/>
+                </a:solidFill>
+                <a:effectLst/>
+                <a:highlight>
+                  <a:srgbClr val="282C34"/>
+                </a:highlight>
+                <a:latin typeface="Consolas" panose="020B0609020204030204" pitchFamily="49" charset="0"/>
+              </a:rPr>
+              <a:t>company_name</a:t>
+            </a:r>
+            <a:r>
+              <a:rPr lang="en-GB" altLang="ja-JP" b="0" dirty="0">
+                <a:solidFill>
+                  <a:srgbClr val="C56068"/>
+                </a:solidFill>
+                <a:effectLst/>
+                <a:highlight>
+                  <a:srgbClr val="282C34"/>
+                </a:highlight>
+                <a:latin typeface="Consolas" panose="020B0609020204030204" pitchFamily="49" charset="0"/>
+              </a:rPr>
+              <a:t>"</a:t>
+            </a:r>
+            <a:r>
+              <a:rPr lang="en-GB" altLang="ja-JP" b="0" dirty="0">
+                <a:solidFill>
+                  <a:srgbClr val="ABB2BF"/>
+                </a:solidFill>
+                <a:effectLst/>
+                <a:highlight>
+                  <a:srgbClr val="282C34"/>
+                </a:highlight>
+                <a:latin typeface="Consolas" panose="020B0609020204030204" pitchFamily="49" charset="0"/>
+              </a:rPr>
+              <a:t>: </a:t>
+            </a:r>
+            <a:r>
+              <a:rPr lang="en-GB" altLang="ja-JP" b="0" dirty="0">
+                <a:solidFill>
+                  <a:srgbClr val="D9F5DD"/>
+                </a:solidFill>
+                <a:effectLst/>
+                <a:highlight>
+                  <a:srgbClr val="282C34"/>
+                </a:highlight>
+                <a:latin typeface="Consolas" panose="020B0609020204030204" pitchFamily="49" charset="0"/>
+              </a:rPr>
+              <a:t>"</a:t>
+            </a:r>
+            <a:r>
+              <a:rPr lang="ja-JP" altLang="en-US" b="0" dirty="0">
+                <a:solidFill>
+                  <a:srgbClr val="C789D6"/>
+                </a:solidFill>
+                <a:effectLst/>
+                <a:highlight>
+                  <a:srgbClr val="282C34"/>
+                </a:highlight>
+                <a:latin typeface="Consolas" panose="020B0609020204030204" pitchFamily="49" charset="0"/>
+              </a:rPr>
+              <a:t>ゾエティス </a:t>
+            </a:r>
+            <a:r>
+              <a:rPr lang="en-GB" altLang="ja-JP" b="0" dirty="0">
+                <a:solidFill>
+                  <a:srgbClr val="C789D6"/>
+                </a:solidFill>
+                <a:effectLst/>
+                <a:highlight>
+                  <a:srgbClr val="282C34"/>
+                </a:highlight>
+                <a:latin typeface="Consolas" panose="020B0609020204030204" pitchFamily="49" charset="0"/>
+              </a:rPr>
+              <a:t>Zoetis Inc.</a:t>
+            </a:r>
+            <a:r>
+              <a:rPr lang="en-GB" altLang="ja-JP" b="0" dirty="0">
+                <a:solidFill>
+                  <a:srgbClr val="D9F5DD"/>
+                </a:solidFill>
+                <a:effectLst/>
+                <a:highlight>
+                  <a:srgbClr val="282C34"/>
+                </a:highlight>
+                <a:latin typeface="Consolas" panose="020B0609020204030204" pitchFamily="49" charset="0"/>
+              </a:rPr>
+              <a:t>"</a:t>
+            </a:r>
+            <a:r>
+              <a:rPr lang="en-GB" altLang="ja-JP" b="0" dirty="0">
+                <a:solidFill>
+                  <a:srgbClr val="ABB2BF"/>
+                </a:solidFill>
+                <a:effectLst/>
+                <a:highlight>
+                  <a:srgbClr val="282C34"/>
+                </a:highlight>
+                <a:latin typeface="Consolas" panose="020B0609020204030204" pitchFamily="49" charset="0"/>
+              </a:rPr>
+              <a:t>,</a:t>
+            </a:r>
+          </a:p>
+          <a:p>
+            <a:r>
+              <a:rPr lang="en-GB" altLang="ja-JP" b="0" dirty="0">
+                <a:solidFill>
+                  <a:srgbClr val="ABB2BF"/>
+                </a:solidFill>
+                <a:effectLst/>
+                <a:highlight>
+                  <a:srgbClr val="282C34"/>
+                </a:highlight>
+                <a:latin typeface="Consolas" panose="020B0609020204030204" pitchFamily="49" charset="0"/>
+              </a:rPr>
+              <a:t>      </a:t>
+            </a:r>
+            <a:r>
+              <a:rPr lang="en-GB" altLang="ja-JP" b="0" dirty="0">
+                <a:solidFill>
+                  <a:srgbClr val="C56068"/>
+                </a:solidFill>
+                <a:effectLst/>
+                <a:highlight>
+                  <a:srgbClr val="282C34"/>
+                </a:highlight>
+                <a:latin typeface="Consolas" panose="020B0609020204030204" pitchFamily="49" charset="0"/>
+              </a:rPr>
+              <a:t>"description"</a:t>
+            </a:r>
+            <a:r>
+              <a:rPr lang="en-GB" altLang="ja-JP" b="0" dirty="0">
+                <a:solidFill>
+                  <a:srgbClr val="ABB2BF"/>
+                </a:solidFill>
+                <a:effectLst/>
+                <a:highlight>
+                  <a:srgbClr val="282C34"/>
+                </a:highlight>
+                <a:latin typeface="Consolas" panose="020B0609020204030204" pitchFamily="49" charset="0"/>
+              </a:rPr>
+              <a:t>: </a:t>
+            </a:r>
+            <a:r>
+              <a:rPr lang="en-GB" altLang="ja-JP" b="0" dirty="0">
+                <a:solidFill>
+                  <a:srgbClr val="D9F5DD"/>
+                </a:solidFill>
+                <a:effectLst/>
+                <a:highlight>
+                  <a:srgbClr val="282C34"/>
+                </a:highlight>
+                <a:latin typeface="Consolas" panose="020B0609020204030204" pitchFamily="49" charset="0"/>
+              </a:rPr>
+              <a:t>"</a:t>
+            </a:r>
+            <a:r>
+              <a:rPr lang="ja-JP" altLang="en-US" b="0" dirty="0">
+                <a:solidFill>
+                  <a:srgbClr val="C789D6"/>
+                </a:solidFill>
+                <a:effectLst/>
+                <a:highlight>
+                  <a:srgbClr val="282C34"/>
+                </a:highlight>
+                <a:latin typeface="Consolas" panose="020B0609020204030204" pitchFamily="49" charset="0"/>
+              </a:rPr>
+              <a:t>ペット・家畜用 医薬品・ワクチン</a:t>
+            </a:r>
+            <a:r>
+              <a:rPr lang="en-US" altLang="ja-JP" b="0" dirty="0">
+                <a:solidFill>
+                  <a:srgbClr val="D9F5DD"/>
+                </a:solidFill>
+                <a:effectLst/>
+                <a:highlight>
+                  <a:srgbClr val="282C34"/>
+                </a:highlight>
+                <a:latin typeface="Consolas" panose="020B0609020204030204" pitchFamily="49" charset="0"/>
+              </a:rPr>
+              <a:t>"</a:t>
+            </a:r>
+            <a:endParaRPr lang="ja-JP" altLang="en-US" b="0" dirty="0">
+              <a:solidFill>
+                <a:srgbClr val="ABB2BF"/>
+              </a:solidFill>
+              <a:effectLst/>
+              <a:highlight>
+                <a:srgbClr val="282C34"/>
+              </a:highlight>
+              <a:latin typeface="Consolas" panose="020B0609020204030204" pitchFamily="49" charset="0"/>
+            </a:endParaRPr>
+          </a:p>
+          <a:p>
+            <a:r>
+              <a:rPr lang="ja-JP" altLang="en-US" b="0" dirty="0">
+                <a:solidFill>
+                  <a:srgbClr val="ABB2BF"/>
+                </a:solidFill>
+                <a:effectLst/>
+                <a:highlight>
+                  <a:srgbClr val="282C34"/>
+                </a:highlight>
+                <a:latin typeface="Consolas" panose="020B0609020204030204" pitchFamily="49" charset="0"/>
+              </a:rPr>
+              <a:t>    </a:t>
+            </a:r>
+            <a:r>
+              <a:rPr lang="en-US" altLang="ja-JP" b="0" dirty="0">
+                <a:solidFill>
+                  <a:srgbClr val="ABB2BF"/>
+                </a:solidFill>
+                <a:effectLst/>
+                <a:highlight>
+                  <a:srgbClr val="282C34"/>
+                </a:highlight>
+                <a:latin typeface="Consolas" panose="020B0609020204030204" pitchFamily="49" charset="0"/>
+              </a:rPr>
+              <a:t>}</a:t>
+            </a:r>
+          </a:p>
+          <a:p>
+            <a:pPr marL="0" marR="0" lvl="0" indent="0" algn="l" defTabSz="914400" rtl="0" eaLnBrk="1" fontAlgn="auto" latinLnBrk="0" hangingPunct="1">
+              <a:lnSpc>
+                <a:spcPct val="100000"/>
+              </a:lnSpc>
+              <a:spcBef>
+                <a:spcPts val="0"/>
+              </a:spcBef>
+              <a:spcAft>
+                <a:spcPts val="0"/>
+              </a:spcAft>
+              <a:buClrTx/>
+              <a:buSzTx/>
+              <a:buFontTx/>
+              <a:buNone/>
+              <a:tabLst/>
+              <a:defRPr/>
+            </a:pPr>
+            <a:endParaRPr kumimoji="1" lang="ja-JP" altLang="en-US" sz="1200" dirty="0">
+              <a:latin typeface="BIZ UDPゴシック" panose="020B0400000000000000" pitchFamily="50" charset="-128"/>
+              <a:ea typeface="BIZ UDPゴシック" panose="020B0400000000000000" pitchFamily="50" charset="-128"/>
+            </a:endParaRPr>
+          </a:p>
+          <a:p>
+            <a:endParaRPr kumimoji="1" lang="ja-JP" altLang="en-US" dirty="0"/>
+          </a:p>
+        </p:txBody>
+      </p:sp>
+      <p:sp>
+        <p:nvSpPr>
+          <p:cNvPr id="4" name="スライド番号プレースホルダー 3"/>
+          <p:cNvSpPr>
+            <a:spLocks noGrp="1"/>
+          </p:cNvSpPr>
+          <p:nvPr>
+            <p:ph type="sldNum" sz="quarter" idx="5"/>
+          </p:nvPr>
+        </p:nvSpPr>
+        <p:spPr/>
+        <p:txBody>
+          <a:bodyPr/>
+          <a:lstStyle/>
+          <a:p>
+            <a:fld id="{7CD860E0-C8EB-4478-A6A5-544033815766}" type="slidenum">
+              <a:rPr kumimoji="1" lang="ja-JP" altLang="en-US" smtClean="0"/>
+              <a:t>14</a:t>
+            </a:fld>
+            <a:endParaRPr kumimoji="1" lang="ja-JP" altLang="en-US"/>
+          </a:p>
+        </p:txBody>
+      </p:sp>
+    </p:spTree>
+    <p:extLst>
+      <p:ext uri="{BB962C8B-B14F-4D97-AF65-F5344CB8AC3E}">
+        <p14:creationId xmlns:p14="http://schemas.microsoft.com/office/powerpoint/2010/main" val="927491327"/>
+      </p:ext>
+    </p:extLst>
+  </p:cSld>
+  <p:clrMapOvr>
+    <a:masterClrMapping/>
+  </p:clrMapOvr>
+</p:notes>
+</file>
+
 <file path=ppt/slideLayouts/slideLayout1.xml><?xml version="1.0" encoding="utf-8"?>
 <p:sldLayout xmlns:a="http://schemas.openxmlformats.org/drawingml/2006/main" xmlns:r="http://schemas.openxmlformats.org/officeDocument/2006/relationships" xmlns:p="http://schemas.openxmlformats.org/presentationml/2006/main" type="title" preserve="1">
   <p:cSld name="タイトル スライド">
@@ -2944,7 +4889,7 @@
           <a:p>
             <a:fld id="{91D34335-0E0F-4CEE-B944-97CECBA33132}" type="datetimeFigureOut">
               <a:rPr kumimoji="1" lang="ja-JP" altLang="en-US" smtClean="0"/>
-              <a:t>2024/8/3</a:t>
+              <a:t>2024/8/4</a:t>
             </a:fld>
             <a:endParaRPr kumimoji="1" lang="ja-JP" altLang="en-US"/>
           </a:p>
@@ -3174,7 +5119,7 @@
           <a:p>
             <a:fld id="{91D34335-0E0F-4CEE-B944-97CECBA33132}" type="datetimeFigureOut">
               <a:rPr kumimoji="1" lang="ja-JP" altLang="en-US" smtClean="0"/>
-              <a:t>2024/8/3</a:t>
+              <a:t>2024/8/4</a:t>
             </a:fld>
             <a:endParaRPr kumimoji="1" lang="ja-JP" altLang="en-US"/>
           </a:p>
@@ -3414,7 +5359,7 @@
           <a:p>
             <a:fld id="{91D34335-0E0F-4CEE-B944-97CECBA33132}" type="datetimeFigureOut">
               <a:rPr kumimoji="1" lang="ja-JP" altLang="en-US" smtClean="0"/>
-              <a:t>2024/8/3</a:t>
+              <a:t>2024/8/4</a:t>
             </a:fld>
             <a:endParaRPr kumimoji="1" lang="ja-JP" altLang="en-US"/>
           </a:p>
@@ -3644,7 +5589,7 @@
           <a:p>
             <a:fld id="{91D34335-0E0F-4CEE-B944-97CECBA33132}" type="datetimeFigureOut">
               <a:rPr kumimoji="1" lang="ja-JP" altLang="en-US" smtClean="0"/>
-              <a:t>2024/8/3</a:t>
+              <a:t>2024/8/4</a:t>
             </a:fld>
             <a:endParaRPr kumimoji="1" lang="ja-JP" altLang="en-US"/>
           </a:p>
@@ -3919,7 +5864,7 @@
           <a:p>
             <a:fld id="{91D34335-0E0F-4CEE-B944-97CECBA33132}" type="datetimeFigureOut">
               <a:rPr kumimoji="1" lang="ja-JP" altLang="en-US" smtClean="0"/>
-              <a:t>2024/8/3</a:t>
+              <a:t>2024/8/4</a:t>
             </a:fld>
             <a:endParaRPr kumimoji="1" lang="ja-JP" altLang="en-US"/>
           </a:p>
@@ -4248,7 +6193,7 @@
           <a:p>
             <a:fld id="{91D34335-0E0F-4CEE-B944-97CECBA33132}" type="datetimeFigureOut">
               <a:rPr kumimoji="1" lang="ja-JP" altLang="en-US" smtClean="0"/>
-              <a:t>2024/8/3</a:t>
+              <a:t>2024/8/4</a:t>
             </a:fld>
             <a:endParaRPr kumimoji="1" lang="ja-JP" altLang="en-US"/>
           </a:p>
@@ -4724,7 +6669,7 @@
           <a:p>
             <a:fld id="{91D34335-0E0F-4CEE-B944-97CECBA33132}" type="datetimeFigureOut">
               <a:rPr kumimoji="1" lang="ja-JP" altLang="en-US" smtClean="0"/>
-              <a:t>2024/8/3</a:t>
+              <a:t>2024/8/4</a:t>
             </a:fld>
             <a:endParaRPr kumimoji="1" lang="ja-JP" altLang="en-US"/>
           </a:p>
@@ -4865,7 +6810,7 @@
           <a:p>
             <a:fld id="{91D34335-0E0F-4CEE-B944-97CECBA33132}" type="datetimeFigureOut">
               <a:rPr kumimoji="1" lang="ja-JP" altLang="en-US" smtClean="0"/>
-              <a:t>2024/8/3</a:t>
+              <a:t>2024/8/4</a:t>
             </a:fld>
             <a:endParaRPr kumimoji="1" lang="ja-JP" altLang="en-US"/>
           </a:p>
@@ -4978,7 +6923,7 @@
           <a:p>
             <a:fld id="{91D34335-0E0F-4CEE-B944-97CECBA33132}" type="datetimeFigureOut">
               <a:rPr kumimoji="1" lang="ja-JP" altLang="en-US" smtClean="0"/>
-              <a:t>2024/8/3</a:t>
+              <a:t>2024/8/4</a:t>
             </a:fld>
             <a:endParaRPr kumimoji="1" lang="ja-JP" altLang="en-US"/>
           </a:p>
@@ -5321,7 +7266,7 @@
           <a:p>
             <a:fld id="{91D34335-0E0F-4CEE-B944-97CECBA33132}" type="datetimeFigureOut">
               <a:rPr kumimoji="1" lang="ja-JP" altLang="en-US" smtClean="0"/>
-              <a:t>2024/8/3</a:t>
+              <a:t>2024/8/4</a:t>
             </a:fld>
             <a:endParaRPr kumimoji="1" lang="ja-JP" altLang="en-US"/>
           </a:p>
@@ -5609,7 +7554,7 @@
           <a:p>
             <a:fld id="{91D34335-0E0F-4CEE-B944-97CECBA33132}" type="datetimeFigureOut">
               <a:rPr kumimoji="1" lang="ja-JP" altLang="en-US" smtClean="0"/>
-              <a:t>2024/8/3</a:t>
+              <a:t>2024/8/4</a:t>
             </a:fld>
             <a:endParaRPr kumimoji="1" lang="ja-JP" altLang="en-US"/>
           </a:p>
@@ -5882,7 +7827,7 @@
           <a:p>
             <a:fld id="{91D34335-0E0F-4CEE-B944-97CECBA33132}" type="datetimeFigureOut">
               <a:rPr kumimoji="1" lang="ja-JP" altLang="en-US" smtClean="0"/>
-              <a:t>2024/8/3</a:t>
+              <a:t>2024/8/4</a:t>
             </a:fld>
             <a:endParaRPr kumimoji="1" lang="ja-JP" altLang="en-US"/>
           </a:p>
@@ -6537,6 +8482,211 @@
           </a:p>
         </p:txBody>
       </p:sp>
+      <p:grpSp>
+        <p:nvGrpSpPr>
+          <p:cNvPr id="8" name="グループ化 7">
+            <a:extLst>
+              <a:ext uri="{FF2B5EF4-FFF2-40B4-BE49-F238E27FC236}">
+                <a16:creationId xmlns:a16="http://schemas.microsoft.com/office/drawing/2014/main" id="{55D6B08F-EE91-A7B9-7D46-A2845E9D4006}"/>
+              </a:ext>
+            </a:extLst>
+          </p:cNvPr>
+          <p:cNvGrpSpPr/>
+          <p:nvPr/>
+        </p:nvGrpSpPr>
+        <p:grpSpPr>
+          <a:xfrm>
+            <a:off x="1040511" y="2233268"/>
+            <a:ext cx="10357164" cy="2241482"/>
+            <a:chOff x="1040511" y="2405206"/>
+            <a:chExt cx="10357164" cy="2241482"/>
+          </a:xfrm>
+        </p:grpSpPr>
+        <p:sp>
+          <p:nvSpPr>
+            <p:cNvPr id="5" name="テキスト ボックス 4">
+              <a:extLst>
+                <a:ext uri="{FF2B5EF4-FFF2-40B4-BE49-F238E27FC236}">
+                  <a16:creationId xmlns:a16="http://schemas.microsoft.com/office/drawing/2014/main" id="{FBE21E43-68C1-6DFD-9AD2-D28ED65F75DA}"/>
+                </a:ext>
+              </a:extLst>
+            </p:cNvPr>
+            <p:cNvSpPr txBox="1"/>
+            <p:nvPr/>
+          </p:nvSpPr>
+          <p:spPr>
+            <a:xfrm>
+              <a:off x="1924573" y="3429000"/>
+              <a:ext cx="8589040" cy="646331"/>
+            </a:xfrm>
+            <a:prstGeom prst="rect">
+              <a:avLst/>
+            </a:prstGeom>
+            <a:noFill/>
+          </p:spPr>
+          <p:txBody>
+            <a:bodyPr wrap="square" rtlCol="0">
+              <a:spAutoFit/>
+            </a:bodyPr>
+            <a:lstStyle/>
+            <a:p>
+              <a:pPr algn="ctr"/>
+              <a:r>
+                <a:rPr kumimoji="1" lang="ja-JP" altLang="en-US" sz="3600" dirty="0">
+                  <a:latin typeface="BIZ UDPゴシック" panose="020B0400000000000000" pitchFamily="50" charset="-128"/>
+                  <a:ea typeface="BIZ UDPゴシック" panose="020B0400000000000000" pitchFamily="50" charset="-128"/>
+                </a:rPr>
+                <a:t>分類モデルのパラメーターを点数とする</a:t>
+              </a:r>
+              <a:endParaRPr kumimoji="1" lang="en-US" altLang="ja-JP" sz="3600" dirty="0">
+                <a:latin typeface="BIZ UDPゴシック" panose="020B0400000000000000" pitchFamily="50" charset="-128"/>
+                <a:ea typeface="BIZ UDPゴシック" panose="020B0400000000000000" pitchFamily="50" charset="-128"/>
+              </a:endParaRPr>
+            </a:p>
+          </p:txBody>
+        </p:sp>
+        <p:sp>
+          <p:nvSpPr>
+            <p:cNvPr id="6" name="四角形: 角を丸くする 5">
+              <a:extLst>
+                <a:ext uri="{FF2B5EF4-FFF2-40B4-BE49-F238E27FC236}">
+                  <a16:creationId xmlns:a16="http://schemas.microsoft.com/office/drawing/2014/main" id="{1330569A-08FC-8D68-2154-38651F27E883}"/>
+                </a:ext>
+              </a:extLst>
+            </p:cNvPr>
+            <p:cNvSpPr/>
+            <p:nvPr/>
+          </p:nvSpPr>
+          <p:spPr>
+            <a:xfrm>
+              <a:off x="1040511" y="2761589"/>
+              <a:ext cx="10357164" cy="1885099"/>
+            </a:xfrm>
+            <a:prstGeom prst="roundRect">
+              <a:avLst/>
+            </a:prstGeom>
+            <a:noFill/>
+            <a:ln w="76200">
+              <a:solidFill>
+                <a:schemeClr val="accent1"/>
+              </a:solidFill>
+            </a:ln>
+          </p:spPr>
+          <p:style>
+            <a:lnRef idx="2">
+              <a:schemeClr val="accent1">
+                <a:shade val="15000"/>
+              </a:schemeClr>
+            </a:lnRef>
+            <a:fillRef idx="1">
+              <a:schemeClr val="accent1"/>
+            </a:fillRef>
+            <a:effectRef idx="0">
+              <a:schemeClr val="accent1"/>
+            </a:effectRef>
+            <a:fontRef idx="minor">
+              <a:schemeClr val="lt1"/>
+            </a:fontRef>
+          </p:style>
+          <p:txBody>
+            <a:bodyPr rtlCol="0" anchor="ctr"/>
+            <a:lstStyle/>
+            <a:p>
+              <a:pPr algn="ctr"/>
+              <a:endParaRPr kumimoji="1" lang="ja-JP" altLang="en-US"/>
+            </a:p>
+          </p:txBody>
+        </p:sp>
+        <p:sp>
+          <p:nvSpPr>
+            <p:cNvPr id="7" name="テキスト ボックス 6">
+              <a:extLst>
+                <a:ext uri="{FF2B5EF4-FFF2-40B4-BE49-F238E27FC236}">
+                  <a16:creationId xmlns:a16="http://schemas.microsoft.com/office/drawing/2014/main" id="{F5125C90-EE62-3A4F-D128-09D849CE9BBA}"/>
+                </a:ext>
+              </a:extLst>
+            </p:cNvPr>
+            <p:cNvSpPr txBox="1"/>
+            <p:nvPr/>
+          </p:nvSpPr>
+          <p:spPr>
+            <a:xfrm>
+              <a:off x="1601827" y="2405206"/>
+              <a:ext cx="2058108" cy="646331"/>
+            </a:xfrm>
+            <a:prstGeom prst="rect">
+              <a:avLst/>
+            </a:prstGeom>
+            <a:solidFill>
+              <a:schemeClr val="bg1"/>
+            </a:solidFill>
+          </p:spPr>
+          <p:txBody>
+            <a:bodyPr wrap="square" rtlCol="0">
+              <a:spAutoFit/>
+            </a:bodyPr>
+            <a:lstStyle/>
+            <a:p>
+              <a:r>
+                <a:rPr kumimoji="1" lang="ja-JP" altLang="en-US" sz="3600" dirty="0">
+                  <a:latin typeface="BIZ UDPゴシック" panose="020B0400000000000000" pitchFamily="50" charset="-128"/>
+                  <a:ea typeface="BIZ UDPゴシック" panose="020B0400000000000000" pitchFamily="50" charset="-128"/>
+                </a:rPr>
+                <a:t>解決方法</a:t>
+              </a:r>
+              <a:endParaRPr kumimoji="1" lang="en-US" altLang="ja-JP" sz="3600" dirty="0">
+                <a:latin typeface="BIZ UDPゴシック" panose="020B0400000000000000" pitchFamily="50" charset="-128"/>
+                <a:ea typeface="BIZ UDPゴシック" panose="020B0400000000000000" pitchFamily="50" charset="-128"/>
+              </a:endParaRPr>
+            </a:p>
+          </p:txBody>
+        </p:sp>
+      </p:grpSp>
+      <p:sp>
+        <p:nvSpPr>
+          <p:cNvPr id="9" name="テキスト ボックス 8">
+            <a:extLst>
+              <a:ext uri="{FF2B5EF4-FFF2-40B4-BE49-F238E27FC236}">
+                <a16:creationId xmlns:a16="http://schemas.microsoft.com/office/drawing/2014/main" id="{612B8BAC-1C4D-0D90-239D-670A5976F5FC}"/>
+              </a:ext>
+            </a:extLst>
+          </p:cNvPr>
+          <p:cNvSpPr txBox="1"/>
+          <p:nvPr/>
+        </p:nvSpPr>
+        <p:spPr>
+          <a:xfrm>
+            <a:off x="768907" y="4921926"/>
+            <a:ext cx="10701834" cy="1200329"/>
+          </a:xfrm>
+          <a:prstGeom prst="rect">
+            <a:avLst/>
+          </a:prstGeom>
+          <a:noFill/>
+        </p:spPr>
+        <p:txBody>
+          <a:bodyPr wrap="square" rtlCol="0">
+            <a:spAutoFit/>
+          </a:bodyPr>
+          <a:lstStyle/>
+          <a:p>
+            <a:r>
+              <a:rPr kumimoji="1" lang="en-US" altLang="ja-JP" sz="3600" dirty="0">
+                <a:latin typeface="BIZ UDPゴシック" panose="020B0400000000000000" pitchFamily="50" charset="-128"/>
+                <a:ea typeface="BIZ UDPゴシック" panose="020B0400000000000000" pitchFamily="50" charset="-128"/>
+              </a:rPr>
+              <a:t>BERT</a:t>
+            </a:r>
+            <a:r>
+              <a:rPr kumimoji="1" lang="ja-JP" altLang="en-US" sz="3600" dirty="0">
+                <a:latin typeface="BIZ UDPゴシック" panose="020B0400000000000000" pitchFamily="50" charset="-128"/>
+                <a:ea typeface="BIZ UDPゴシック" panose="020B0400000000000000" pitchFamily="50" charset="-128"/>
+              </a:rPr>
+              <a:t>という分類モデルの確立を「その感情らしさ」として採用</a:t>
+            </a:r>
+          </a:p>
+        </p:txBody>
+      </p:sp>
     </p:spTree>
     <p:extLst>
       <p:ext uri="{BB962C8B-B14F-4D97-AF65-F5344CB8AC3E}">
@@ -6569,10 +8719,10 @@
       </p:grpSpPr>
       <p:sp>
         <p:nvSpPr>
-          <p:cNvPr id="4" name="テキスト ボックス 3">
+          <p:cNvPr id="2" name="テキスト ボックス 1">
             <a:extLst>
               <a:ext uri="{FF2B5EF4-FFF2-40B4-BE49-F238E27FC236}">
-                <a16:creationId xmlns:a16="http://schemas.microsoft.com/office/drawing/2014/main" id="{6B56B9D3-FC29-4B9B-96B7-19FB66BC0676}"/>
+                <a16:creationId xmlns:a16="http://schemas.microsoft.com/office/drawing/2014/main" id="{791F35A1-E77C-CF76-F5C6-CB7AFBB83056}"/>
               </a:ext>
             </a:extLst>
           </p:cNvPr>
@@ -6581,8 +8731,8 @@
         </p:nvSpPr>
         <p:spPr>
           <a:xfrm>
-            <a:off x="1013011" y="2705725"/>
-            <a:ext cx="10165977" cy="1446550"/>
+            <a:off x="298127" y="48985"/>
+            <a:ext cx="2528888" cy="1200329"/>
           </a:xfrm>
           <a:prstGeom prst="rect">
             <a:avLst/>
@@ -6595,35 +8745,928 @@
           </a:bodyPr>
           <a:lstStyle/>
           <a:p>
+            <a:r>
+              <a:rPr lang="ja-JP" altLang="en-US" sz="7200" b="1" dirty="0">
+                <a:latin typeface="BIZ UDPゴシック" panose="020B0400000000000000" pitchFamily="50" charset="-128"/>
+                <a:ea typeface="BIZ UDPゴシック" panose="020B0400000000000000" pitchFamily="50" charset="-128"/>
+              </a:rPr>
+              <a:t>概要</a:t>
+            </a:r>
+            <a:endParaRPr kumimoji="1" lang="ja-JP" altLang="en-US" sz="7200" b="1" dirty="0">
+              <a:latin typeface="BIZ UDPゴシック" panose="020B0400000000000000" pitchFamily="50" charset="-128"/>
+              <a:ea typeface="BIZ UDPゴシック" panose="020B0400000000000000" pitchFamily="50" charset="-128"/>
+            </a:endParaRPr>
+          </a:p>
+        </p:txBody>
+      </p:sp>
+      <p:sp>
+        <p:nvSpPr>
+          <p:cNvPr id="3" name="テキスト ボックス 2">
+            <a:extLst>
+              <a:ext uri="{FF2B5EF4-FFF2-40B4-BE49-F238E27FC236}">
+                <a16:creationId xmlns:a16="http://schemas.microsoft.com/office/drawing/2014/main" id="{D3AF3B55-87C2-B148-E860-A5B42C9854D6}"/>
+              </a:ext>
+            </a:extLst>
+          </p:cNvPr>
+          <p:cNvSpPr txBox="1"/>
+          <p:nvPr/>
+        </p:nvSpPr>
+        <p:spPr>
+          <a:xfrm>
+            <a:off x="536222" y="1384480"/>
+            <a:ext cx="11119556" cy="1077218"/>
+          </a:xfrm>
+          <a:prstGeom prst="rect">
+            <a:avLst/>
+          </a:prstGeom>
+          <a:solidFill>
+            <a:schemeClr val="bg2">
+              <a:lumMod val="90000"/>
+            </a:schemeClr>
+          </a:solidFill>
+        </p:spPr>
+        <p:txBody>
+          <a:bodyPr wrap="square" rtlCol="0">
+            <a:spAutoFit/>
+          </a:bodyPr>
+          <a:lstStyle/>
+          <a:p>
+            <a:r>
+              <a:rPr kumimoji="1" lang="en-US" altLang="ja-JP" sz="3200" b="1" dirty="0">
+                <a:latin typeface="BIZ UDPゴシック" panose="020B0400000000000000" pitchFamily="50" charset="-128"/>
+                <a:ea typeface="BIZ UDPゴシック" panose="020B0400000000000000" pitchFamily="50" charset="-128"/>
+              </a:rPr>
+              <a:t>【</a:t>
+            </a:r>
+            <a:r>
+              <a:rPr kumimoji="1" lang="ja-JP" altLang="en-US" sz="3200" b="1" dirty="0">
+                <a:latin typeface="BIZ UDPゴシック" panose="020B0400000000000000" pitchFamily="50" charset="-128"/>
+                <a:ea typeface="BIZ UDPゴシック" panose="020B0400000000000000" pitchFamily="50" charset="-128"/>
+              </a:rPr>
+              <a:t>速報</a:t>
+            </a:r>
+            <a:r>
+              <a:rPr kumimoji="1" lang="en-US" altLang="ja-JP" sz="3200" b="1" dirty="0">
+                <a:latin typeface="BIZ UDPゴシック" panose="020B0400000000000000" pitchFamily="50" charset="-128"/>
+                <a:ea typeface="BIZ UDPゴシック" panose="020B0400000000000000" pitchFamily="50" charset="-128"/>
+              </a:rPr>
+              <a:t>】</a:t>
+            </a:r>
+            <a:r>
+              <a:rPr kumimoji="1" lang="ja-JP" altLang="en-US" sz="3200" b="1" dirty="0">
+                <a:latin typeface="BIZ UDPゴシック" panose="020B0400000000000000" pitchFamily="50" charset="-128"/>
+                <a:ea typeface="BIZ UDPゴシック" panose="020B0400000000000000" pitchFamily="50" charset="-128"/>
+              </a:rPr>
+              <a:t>世界が注目する</a:t>
+            </a:r>
+            <a:r>
+              <a:rPr kumimoji="1" lang="en-US" altLang="ja-JP" sz="3200" b="1" dirty="0">
+                <a:latin typeface="BIZ UDPゴシック" panose="020B0400000000000000" pitchFamily="50" charset="-128"/>
+                <a:ea typeface="BIZ UDPゴシック" panose="020B0400000000000000" pitchFamily="50" charset="-128"/>
+              </a:rPr>
+              <a:t>NVIDIA(</a:t>
+            </a:r>
+            <a:r>
+              <a:rPr kumimoji="1" lang="ja-JP" altLang="en-US" sz="3200" b="1" dirty="0">
+                <a:latin typeface="BIZ UDPゴシック" panose="020B0400000000000000" pitchFamily="50" charset="-128"/>
+                <a:ea typeface="BIZ UDPゴシック" panose="020B0400000000000000" pitchFamily="50" charset="-128"/>
+              </a:rPr>
+              <a:t>エヌビディア</a:t>
+            </a:r>
+            <a:r>
+              <a:rPr kumimoji="1" lang="en-US" altLang="ja-JP" sz="3200" b="1" dirty="0">
+                <a:latin typeface="BIZ UDPゴシック" panose="020B0400000000000000" pitchFamily="50" charset="-128"/>
+                <a:ea typeface="BIZ UDPゴシック" panose="020B0400000000000000" pitchFamily="50" charset="-128"/>
+              </a:rPr>
+              <a:t>)</a:t>
+            </a:r>
+            <a:r>
+              <a:rPr kumimoji="1" lang="ja-JP" altLang="en-US" sz="3200" b="1" dirty="0">
+                <a:latin typeface="BIZ UDPゴシック" panose="020B0400000000000000" pitchFamily="50" charset="-128"/>
+                <a:ea typeface="BIZ UDPゴシック" panose="020B0400000000000000" pitchFamily="50" charset="-128"/>
+              </a:rPr>
+              <a:t>が決算発表「最終的な利益 前年比</a:t>
+            </a:r>
+            <a:r>
+              <a:rPr kumimoji="1" lang="en-US" altLang="ja-JP" sz="3200" b="1" dirty="0">
+                <a:latin typeface="BIZ UDPゴシック" panose="020B0400000000000000" pitchFamily="50" charset="-128"/>
+                <a:ea typeface="BIZ UDPゴシック" panose="020B0400000000000000" pitchFamily="50" charset="-128"/>
+              </a:rPr>
+              <a:t>7.3</a:t>
+            </a:r>
+            <a:r>
+              <a:rPr kumimoji="1" lang="ja-JP" altLang="en-US" sz="3200" b="1" dirty="0">
+                <a:latin typeface="BIZ UDPゴシック" panose="020B0400000000000000" pitchFamily="50" charset="-128"/>
+                <a:ea typeface="BIZ UDPゴシック" panose="020B0400000000000000" pitchFamily="50" charset="-128"/>
+              </a:rPr>
+              <a:t>倍</a:t>
+            </a:r>
+            <a:r>
+              <a:rPr kumimoji="1" lang="en-US" altLang="ja-JP" sz="3200" b="1" dirty="0">
+                <a:latin typeface="BIZ UDPゴシック" panose="020B0400000000000000" pitchFamily="50" charset="-128"/>
+                <a:ea typeface="BIZ UDPゴシック" panose="020B0400000000000000" pitchFamily="50" charset="-128"/>
+              </a:rPr>
+              <a:t>2</a:t>
+            </a:r>
+            <a:r>
+              <a:rPr kumimoji="1" lang="ja-JP" altLang="en-US" sz="3200" b="1" dirty="0">
+                <a:latin typeface="BIZ UDPゴシック" panose="020B0400000000000000" pitchFamily="50" charset="-128"/>
+                <a:ea typeface="BIZ UDPゴシック" panose="020B0400000000000000" pitchFamily="50" charset="-128"/>
+              </a:rPr>
+              <a:t>兆</a:t>
+            </a:r>
+            <a:r>
+              <a:rPr kumimoji="1" lang="en-US" altLang="ja-JP" sz="3200" b="1" dirty="0">
+                <a:latin typeface="BIZ UDPゴシック" panose="020B0400000000000000" pitchFamily="50" charset="-128"/>
+                <a:ea typeface="BIZ UDPゴシック" panose="020B0400000000000000" pitchFamily="50" charset="-128"/>
+              </a:rPr>
+              <a:t>3300</a:t>
+            </a:r>
+            <a:r>
+              <a:rPr kumimoji="1" lang="ja-JP" altLang="en-US" sz="3200" b="1" dirty="0">
+                <a:latin typeface="BIZ UDPゴシック" panose="020B0400000000000000" pitchFamily="50" charset="-128"/>
+                <a:ea typeface="BIZ UDPゴシック" panose="020B0400000000000000" pitchFamily="50" charset="-128"/>
+              </a:rPr>
+              <a:t>億円」勢い止まらず</a:t>
+            </a:r>
+          </a:p>
+        </p:txBody>
+      </p:sp>
+      <p:graphicFrame>
+        <p:nvGraphicFramePr>
+          <p:cNvPr id="4" name="表 3">
+            <a:extLst>
+              <a:ext uri="{FF2B5EF4-FFF2-40B4-BE49-F238E27FC236}">
+                <a16:creationId xmlns:a16="http://schemas.microsoft.com/office/drawing/2014/main" id="{9BF8B309-5D38-69B8-FDBF-C8EE6FA47CA2}"/>
+              </a:ext>
+            </a:extLst>
+          </p:cNvPr>
+          <p:cNvGraphicFramePr>
+            <a:graphicFrameLocks noGrp="1"/>
+          </p:cNvGraphicFramePr>
+          <p:nvPr>
+            <p:extLst>
+              <p:ext uri="{D42A27DB-BD31-4B8C-83A1-F6EECF244321}">
+                <p14:modId xmlns:p14="http://schemas.microsoft.com/office/powerpoint/2010/main" val="1608638702"/>
+              </p:ext>
+            </p:extLst>
+          </p:nvPr>
+        </p:nvGraphicFramePr>
+        <p:xfrm>
+          <a:off x="1840089" y="3708279"/>
+          <a:ext cx="8511820" cy="1053424"/>
+        </p:xfrm>
+        <a:graphic>
+          <a:graphicData uri="http://schemas.openxmlformats.org/drawingml/2006/table">
+            <a:tbl>
+              <a:tblPr>
+                <a:tableStyleId>{5C22544A-7EE6-4342-B048-85BDC9FD1C3A}</a:tableStyleId>
+              </a:tblPr>
+              <a:tblGrid>
+                <a:gridCol w="1702364">
+                  <a:extLst>
+                    <a:ext uri="{9D8B030D-6E8A-4147-A177-3AD203B41FA5}">
+                      <a16:colId xmlns:a16="http://schemas.microsoft.com/office/drawing/2014/main" val="893344366"/>
+                    </a:ext>
+                  </a:extLst>
+                </a:gridCol>
+                <a:gridCol w="1702364">
+                  <a:extLst>
+                    <a:ext uri="{9D8B030D-6E8A-4147-A177-3AD203B41FA5}">
+                      <a16:colId xmlns:a16="http://schemas.microsoft.com/office/drawing/2014/main" val="3337786240"/>
+                    </a:ext>
+                  </a:extLst>
+                </a:gridCol>
+                <a:gridCol w="1702364">
+                  <a:extLst>
+                    <a:ext uri="{9D8B030D-6E8A-4147-A177-3AD203B41FA5}">
+                      <a16:colId xmlns:a16="http://schemas.microsoft.com/office/drawing/2014/main" val="832829902"/>
+                    </a:ext>
+                  </a:extLst>
+                </a:gridCol>
+                <a:gridCol w="1702364">
+                  <a:extLst>
+                    <a:ext uri="{9D8B030D-6E8A-4147-A177-3AD203B41FA5}">
+                      <a16:colId xmlns:a16="http://schemas.microsoft.com/office/drawing/2014/main" val="3318059863"/>
+                    </a:ext>
+                  </a:extLst>
+                </a:gridCol>
+                <a:gridCol w="1702364">
+                  <a:extLst>
+                    <a:ext uri="{9D8B030D-6E8A-4147-A177-3AD203B41FA5}">
+                      <a16:colId xmlns:a16="http://schemas.microsoft.com/office/drawing/2014/main" val="2909980776"/>
+                    </a:ext>
+                  </a:extLst>
+                </a:gridCol>
+              </a:tblGrid>
+              <a:tr h="526712">
+                <a:tc>
+                  <a:txBody>
+                    <a:bodyPr/>
+                    <a:lstStyle/>
+                    <a:p>
+                      <a:pPr algn="ctr"/>
+                      <a:r>
+                        <a:rPr kumimoji="1" lang="ja-JP" altLang="en-US" sz="2400" b="1" dirty="0"/>
+                        <a:t>失望</a:t>
+                      </a:r>
+                    </a:p>
+                  </a:txBody>
+                  <a:tcPr anchor="ctr">
+                    <a:lnL w="12700" cap="flat" cmpd="sng" algn="ctr">
+                      <a:solidFill>
+                        <a:schemeClr val="tx1"/>
+                      </a:solidFill>
+                      <a:prstDash val="solid"/>
+                      <a:round/>
+                      <a:headEnd type="none" w="med" len="med"/>
+                      <a:tailEnd type="none" w="med" len="med"/>
+                    </a:lnL>
+                    <a:lnR w="12700" cap="flat" cmpd="sng" algn="ctr">
+                      <a:solidFill>
+                        <a:schemeClr val="tx1"/>
+                      </a:solidFill>
+                      <a:prstDash val="solid"/>
+                      <a:round/>
+                      <a:headEnd type="none" w="med" len="med"/>
+                      <a:tailEnd type="none" w="med" len="med"/>
+                    </a:lnR>
+                    <a:lnT w="12700" cap="flat" cmpd="sng" algn="ctr">
+                      <a:solidFill>
+                        <a:schemeClr val="tx1"/>
+                      </a:solidFill>
+                      <a:prstDash val="solid"/>
+                      <a:round/>
+                      <a:headEnd type="none" w="med" len="med"/>
+                      <a:tailEnd type="none" w="med" len="med"/>
+                    </a:lnT>
+                    <a:lnB w="12700" cap="flat" cmpd="sng" algn="ctr">
+                      <a:solidFill>
+                        <a:schemeClr val="tx1"/>
+                      </a:solidFill>
+                      <a:prstDash val="solid"/>
+                      <a:round/>
+                      <a:headEnd type="none" w="med" len="med"/>
+                      <a:tailEnd type="none" w="med" len="med"/>
+                    </a:lnB>
+                    <a:noFill/>
+                  </a:tcPr>
+                </a:tc>
+                <a:tc>
+                  <a:txBody>
+                    <a:bodyPr/>
+                    <a:lstStyle/>
+                    <a:p>
+                      <a:pPr algn="ctr"/>
+                      <a:r>
+                        <a:rPr kumimoji="1" lang="ja-JP" altLang="en-US" sz="2400" b="1" dirty="0"/>
+                        <a:t>楽観</a:t>
+                      </a:r>
+                    </a:p>
+                  </a:txBody>
+                  <a:tcPr anchor="ctr">
+                    <a:lnL w="12700" cap="flat" cmpd="sng" algn="ctr">
+                      <a:solidFill>
+                        <a:schemeClr val="tx1"/>
+                      </a:solidFill>
+                      <a:prstDash val="solid"/>
+                      <a:round/>
+                      <a:headEnd type="none" w="med" len="med"/>
+                      <a:tailEnd type="none" w="med" len="med"/>
+                    </a:lnL>
+                    <a:lnR w="12700" cap="flat" cmpd="sng" algn="ctr">
+                      <a:solidFill>
+                        <a:schemeClr val="tx1"/>
+                      </a:solidFill>
+                      <a:prstDash val="solid"/>
+                      <a:round/>
+                      <a:headEnd type="none" w="med" len="med"/>
+                      <a:tailEnd type="none" w="med" len="med"/>
+                    </a:lnR>
+                    <a:lnT w="12700" cap="flat" cmpd="sng" algn="ctr">
+                      <a:solidFill>
+                        <a:schemeClr val="tx1"/>
+                      </a:solidFill>
+                      <a:prstDash val="solid"/>
+                      <a:round/>
+                      <a:headEnd type="none" w="med" len="med"/>
+                      <a:tailEnd type="none" w="med" len="med"/>
+                    </a:lnT>
+                    <a:lnB w="12700" cap="flat" cmpd="sng" algn="ctr">
+                      <a:solidFill>
+                        <a:schemeClr val="tx1"/>
+                      </a:solidFill>
+                      <a:prstDash val="solid"/>
+                      <a:round/>
+                      <a:headEnd type="none" w="med" len="med"/>
+                      <a:tailEnd type="none" w="med" len="med"/>
+                    </a:lnB>
+                    <a:noFill/>
+                  </a:tcPr>
+                </a:tc>
+                <a:tc>
+                  <a:txBody>
+                    <a:bodyPr/>
+                    <a:lstStyle/>
+                    <a:p>
+                      <a:pPr algn="ctr"/>
+                      <a:r>
+                        <a:rPr kumimoji="1" lang="ja-JP" altLang="en-US" sz="2400" b="1" dirty="0"/>
+                        <a:t>懸念</a:t>
+                      </a:r>
+                    </a:p>
+                  </a:txBody>
+                  <a:tcPr anchor="ctr">
+                    <a:lnL w="12700" cap="flat" cmpd="sng" algn="ctr">
+                      <a:solidFill>
+                        <a:schemeClr val="tx1"/>
+                      </a:solidFill>
+                      <a:prstDash val="solid"/>
+                      <a:round/>
+                      <a:headEnd type="none" w="med" len="med"/>
+                      <a:tailEnd type="none" w="med" len="med"/>
+                    </a:lnL>
+                    <a:lnR w="12700" cap="flat" cmpd="sng" algn="ctr">
+                      <a:solidFill>
+                        <a:schemeClr val="tx1"/>
+                      </a:solidFill>
+                      <a:prstDash val="solid"/>
+                      <a:round/>
+                      <a:headEnd type="none" w="med" len="med"/>
+                      <a:tailEnd type="none" w="med" len="med"/>
+                    </a:lnR>
+                    <a:lnT w="12700" cap="flat" cmpd="sng" algn="ctr">
+                      <a:solidFill>
+                        <a:schemeClr val="tx1"/>
+                      </a:solidFill>
+                      <a:prstDash val="solid"/>
+                      <a:round/>
+                      <a:headEnd type="none" w="med" len="med"/>
+                      <a:tailEnd type="none" w="med" len="med"/>
+                    </a:lnT>
+                    <a:lnB w="12700" cap="flat" cmpd="sng" algn="ctr">
+                      <a:solidFill>
+                        <a:schemeClr val="tx1"/>
+                      </a:solidFill>
+                      <a:prstDash val="solid"/>
+                      <a:round/>
+                      <a:headEnd type="none" w="med" len="med"/>
+                      <a:tailEnd type="none" w="med" len="med"/>
+                    </a:lnB>
+                    <a:noFill/>
+                  </a:tcPr>
+                </a:tc>
+                <a:tc>
+                  <a:txBody>
+                    <a:bodyPr/>
+                    <a:lstStyle/>
+                    <a:p>
+                      <a:pPr algn="ctr"/>
+                      <a:r>
+                        <a:rPr kumimoji="1" lang="ja-JP" altLang="en-US" sz="2400" b="1" dirty="0"/>
+                        <a:t>興奮</a:t>
+                      </a:r>
+                    </a:p>
+                  </a:txBody>
+                  <a:tcPr anchor="ctr">
+                    <a:lnL w="12700" cap="flat" cmpd="sng" algn="ctr">
+                      <a:solidFill>
+                        <a:schemeClr val="tx1"/>
+                      </a:solidFill>
+                      <a:prstDash val="solid"/>
+                      <a:round/>
+                      <a:headEnd type="none" w="med" len="med"/>
+                      <a:tailEnd type="none" w="med" len="med"/>
+                    </a:lnL>
+                    <a:lnR w="12700" cap="flat" cmpd="sng" algn="ctr">
+                      <a:solidFill>
+                        <a:schemeClr val="tx1"/>
+                      </a:solidFill>
+                      <a:prstDash val="solid"/>
+                      <a:round/>
+                      <a:headEnd type="none" w="med" len="med"/>
+                      <a:tailEnd type="none" w="med" len="med"/>
+                    </a:lnR>
+                    <a:lnT w="12700" cap="flat" cmpd="sng" algn="ctr">
+                      <a:solidFill>
+                        <a:schemeClr val="tx1"/>
+                      </a:solidFill>
+                      <a:prstDash val="solid"/>
+                      <a:round/>
+                      <a:headEnd type="none" w="med" len="med"/>
+                      <a:tailEnd type="none" w="med" len="med"/>
+                    </a:lnT>
+                    <a:lnB w="12700" cap="flat" cmpd="sng" algn="ctr">
+                      <a:solidFill>
+                        <a:schemeClr val="tx1"/>
+                      </a:solidFill>
+                      <a:prstDash val="solid"/>
+                      <a:round/>
+                      <a:headEnd type="none" w="med" len="med"/>
+                      <a:tailEnd type="none" w="med" len="med"/>
+                    </a:lnB>
+                    <a:noFill/>
+                  </a:tcPr>
+                </a:tc>
+                <a:tc>
+                  <a:txBody>
+                    <a:bodyPr/>
+                    <a:lstStyle/>
+                    <a:p>
+                      <a:pPr algn="ctr"/>
+                      <a:r>
+                        <a:rPr kumimoji="1" lang="ja-JP" altLang="en-US" sz="2400" b="1" dirty="0"/>
+                        <a:t>安定</a:t>
+                      </a:r>
+                    </a:p>
+                  </a:txBody>
+                  <a:tcPr anchor="ctr">
+                    <a:lnL w="12700" cap="flat" cmpd="sng" algn="ctr">
+                      <a:solidFill>
+                        <a:schemeClr val="tx1"/>
+                      </a:solidFill>
+                      <a:prstDash val="solid"/>
+                      <a:round/>
+                      <a:headEnd type="none" w="med" len="med"/>
+                      <a:tailEnd type="none" w="med" len="med"/>
+                    </a:lnL>
+                    <a:lnR w="12700" cap="flat" cmpd="sng" algn="ctr">
+                      <a:solidFill>
+                        <a:schemeClr val="tx1"/>
+                      </a:solidFill>
+                      <a:prstDash val="solid"/>
+                      <a:round/>
+                      <a:headEnd type="none" w="med" len="med"/>
+                      <a:tailEnd type="none" w="med" len="med"/>
+                    </a:lnR>
+                    <a:lnT w="12700" cap="flat" cmpd="sng" algn="ctr">
+                      <a:solidFill>
+                        <a:schemeClr val="tx1"/>
+                      </a:solidFill>
+                      <a:prstDash val="solid"/>
+                      <a:round/>
+                      <a:headEnd type="none" w="med" len="med"/>
+                      <a:tailEnd type="none" w="med" len="med"/>
+                    </a:lnT>
+                    <a:lnB w="12700" cap="flat" cmpd="sng" algn="ctr">
+                      <a:solidFill>
+                        <a:schemeClr val="tx1"/>
+                      </a:solidFill>
+                      <a:prstDash val="solid"/>
+                      <a:round/>
+                      <a:headEnd type="none" w="med" len="med"/>
+                      <a:tailEnd type="none" w="med" len="med"/>
+                    </a:lnB>
+                    <a:noFill/>
+                  </a:tcPr>
+                </a:tc>
+                <a:extLst>
+                  <a:ext uri="{0D108BD9-81ED-4DB2-BD59-A6C34878D82A}">
+                    <a16:rowId xmlns:a16="http://schemas.microsoft.com/office/drawing/2014/main" val="4282857899"/>
+                  </a:ext>
+                </a:extLst>
+              </a:tr>
+              <a:tr h="526712">
+                <a:tc>
+                  <a:txBody>
+                    <a:bodyPr/>
+                    <a:lstStyle/>
+                    <a:p>
+                      <a:pPr algn="l"/>
+                      <a:r>
+                        <a:rPr kumimoji="1" lang="en-US" altLang="ja-JP" sz="2000" b="0" i="0" kern="1200" dirty="0">
+                          <a:solidFill>
+                            <a:schemeClr val="dk1"/>
+                          </a:solidFill>
+                          <a:effectLst/>
+                          <a:latin typeface="+mn-lt"/>
+                          <a:ea typeface="+mn-ea"/>
+                          <a:cs typeface="+mn-cs"/>
+                        </a:rPr>
+                        <a:t>0.05364992</a:t>
+                      </a:r>
+                      <a:endParaRPr kumimoji="1" lang="ja-JP" altLang="en-US" sz="2000" dirty="0"/>
+                    </a:p>
+                  </a:txBody>
+                  <a:tcPr anchor="ctr">
+                    <a:lnL w="12700" cap="flat" cmpd="sng" algn="ctr">
+                      <a:solidFill>
+                        <a:schemeClr val="tx1"/>
+                      </a:solidFill>
+                      <a:prstDash val="solid"/>
+                      <a:round/>
+                      <a:headEnd type="none" w="med" len="med"/>
+                      <a:tailEnd type="none" w="med" len="med"/>
+                    </a:lnL>
+                    <a:lnR w="12700" cap="flat" cmpd="sng" algn="ctr">
+                      <a:solidFill>
+                        <a:schemeClr val="tx1"/>
+                      </a:solidFill>
+                      <a:prstDash val="solid"/>
+                      <a:round/>
+                      <a:headEnd type="none" w="med" len="med"/>
+                      <a:tailEnd type="none" w="med" len="med"/>
+                    </a:lnR>
+                    <a:lnT w="12700" cap="flat" cmpd="sng" algn="ctr">
+                      <a:solidFill>
+                        <a:schemeClr val="tx1"/>
+                      </a:solidFill>
+                      <a:prstDash val="solid"/>
+                      <a:round/>
+                      <a:headEnd type="none" w="med" len="med"/>
+                      <a:tailEnd type="none" w="med" len="med"/>
+                    </a:lnT>
+                    <a:lnB w="12700" cap="flat" cmpd="sng" algn="ctr">
+                      <a:solidFill>
+                        <a:schemeClr val="tx1"/>
+                      </a:solidFill>
+                      <a:prstDash val="solid"/>
+                      <a:round/>
+                      <a:headEnd type="none" w="med" len="med"/>
+                      <a:tailEnd type="none" w="med" len="med"/>
+                    </a:lnB>
+                    <a:noFill/>
+                  </a:tcPr>
+                </a:tc>
+                <a:tc>
+                  <a:txBody>
+                    <a:bodyPr/>
+                    <a:lstStyle/>
+                    <a:p>
+                      <a:pPr algn="l"/>
+                      <a:r>
+                        <a:rPr kumimoji="1" lang="en-US" altLang="ja-JP" sz="2000" b="0" i="0" kern="1200" dirty="0">
+                          <a:solidFill>
+                            <a:schemeClr val="dk1"/>
+                          </a:solidFill>
+                          <a:effectLst/>
+                          <a:latin typeface="+mn-lt"/>
+                          <a:ea typeface="+mn-ea"/>
+                          <a:cs typeface="+mn-cs"/>
+                        </a:rPr>
+                        <a:t>0.39513937</a:t>
+                      </a:r>
+                      <a:endParaRPr kumimoji="1" lang="ja-JP" altLang="en-US" sz="2000" dirty="0"/>
+                    </a:p>
+                  </a:txBody>
+                  <a:tcPr anchor="ctr">
+                    <a:lnL w="12700" cap="flat" cmpd="sng" algn="ctr">
+                      <a:solidFill>
+                        <a:schemeClr val="tx1"/>
+                      </a:solidFill>
+                      <a:prstDash val="solid"/>
+                      <a:round/>
+                      <a:headEnd type="none" w="med" len="med"/>
+                      <a:tailEnd type="none" w="med" len="med"/>
+                    </a:lnL>
+                    <a:lnR w="12700" cap="flat" cmpd="sng" algn="ctr">
+                      <a:solidFill>
+                        <a:schemeClr val="tx1"/>
+                      </a:solidFill>
+                      <a:prstDash val="solid"/>
+                      <a:round/>
+                      <a:headEnd type="none" w="med" len="med"/>
+                      <a:tailEnd type="none" w="med" len="med"/>
+                    </a:lnR>
+                    <a:lnT w="12700" cap="flat" cmpd="sng" algn="ctr">
+                      <a:solidFill>
+                        <a:schemeClr val="tx1"/>
+                      </a:solidFill>
+                      <a:prstDash val="solid"/>
+                      <a:round/>
+                      <a:headEnd type="none" w="med" len="med"/>
+                      <a:tailEnd type="none" w="med" len="med"/>
+                    </a:lnT>
+                    <a:lnB w="12700" cap="flat" cmpd="sng" algn="ctr">
+                      <a:solidFill>
+                        <a:schemeClr val="tx1"/>
+                      </a:solidFill>
+                      <a:prstDash val="solid"/>
+                      <a:round/>
+                      <a:headEnd type="none" w="med" len="med"/>
+                      <a:tailEnd type="none" w="med" len="med"/>
+                    </a:lnB>
+                    <a:noFill/>
+                  </a:tcPr>
+                </a:tc>
+                <a:tc>
+                  <a:txBody>
+                    <a:bodyPr/>
+                    <a:lstStyle/>
+                    <a:p>
+                      <a:pPr algn="l"/>
+                      <a:r>
+                        <a:rPr kumimoji="1" lang="en-US" altLang="ja-JP" sz="2000" b="0" i="0" kern="1200" dirty="0">
+                          <a:solidFill>
+                            <a:schemeClr val="dk1"/>
+                          </a:solidFill>
+                          <a:effectLst/>
+                          <a:latin typeface="+mn-lt"/>
+                          <a:ea typeface="+mn-ea"/>
+                          <a:cs typeface="+mn-cs"/>
+                        </a:rPr>
+                        <a:t>0.1085517</a:t>
+                      </a:r>
+                      <a:endParaRPr kumimoji="1" lang="ja-JP" altLang="en-US" sz="2000" dirty="0"/>
+                    </a:p>
+                  </a:txBody>
+                  <a:tcPr anchor="ctr">
+                    <a:lnL w="12700" cap="flat" cmpd="sng" algn="ctr">
+                      <a:solidFill>
+                        <a:schemeClr val="tx1"/>
+                      </a:solidFill>
+                      <a:prstDash val="solid"/>
+                      <a:round/>
+                      <a:headEnd type="none" w="med" len="med"/>
+                      <a:tailEnd type="none" w="med" len="med"/>
+                    </a:lnL>
+                    <a:lnR w="12700" cap="flat" cmpd="sng" algn="ctr">
+                      <a:solidFill>
+                        <a:schemeClr val="tx1"/>
+                      </a:solidFill>
+                      <a:prstDash val="solid"/>
+                      <a:round/>
+                      <a:headEnd type="none" w="med" len="med"/>
+                      <a:tailEnd type="none" w="med" len="med"/>
+                    </a:lnR>
+                    <a:lnT w="12700" cap="flat" cmpd="sng" algn="ctr">
+                      <a:solidFill>
+                        <a:schemeClr val="tx1"/>
+                      </a:solidFill>
+                      <a:prstDash val="solid"/>
+                      <a:round/>
+                      <a:headEnd type="none" w="med" len="med"/>
+                      <a:tailEnd type="none" w="med" len="med"/>
+                    </a:lnT>
+                    <a:lnB w="12700" cap="flat" cmpd="sng" algn="ctr">
+                      <a:solidFill>
+                        <a:schemeClr val="tx1"/>
+                      </a:solidFill>
+                      <a:prstDash val="solid"/>
+                      <a:round/>
+                      <a:headEnd type="none" w="med" len="med"/>
+                      <a:tailEnd type="none" w="med" len="med"/>
+                    </a:lnB>
+                    <a:noFill/>
+                  </a:tcPr>
+                </a:tc>
+                <a:tc>
+                  <a:txBody>
+                    <a:bodyPr/>
+                    <a:lstStyle/>
+                    <a:p>
+                      <a:pPr algn="l"/>
+                      <a:r>
+                        <a:rPr kumimoji="1" lang="en-US" altLang="ja-JP" sz="2000" b="0" i="0" kern="1200" dirty="0">
+                          <a:solidFill>
+                            <a:schemeClr val="dk1"/>
+                          </a:solidFill>
+                          <a:effectLst/>
+                          <a:latin typeface="+mn-lt"/>
+                          <a:ea typeface="+mn-ea"/>
+                          <a:cs typeface="+mn-cs"/>
+                        </a:rPr>
+                        <a:t>0.23088336</a:t>
+                      </a:r>
+                      <a:endParaRPr kumimoji="1" lang="ja-JP" altLang="en-US" sz="2000" dirty="0"/>
+                    </a:p>
+                  </a:txBody>
+                  <a:tcPr anchor="ctr">
+                    <a:lnL w="12700" cap="flat" cmpd="sng" algn="ctr">
+                      <a:solidFill>
+                        <a:schemeClr val="tx1"/>
+                      </a:solidFill>
+                      <a:prstDash val="solid"/>
+                      <a:round/>
+                      <a:headEnd type="none" w="med" len="med"/>
+                      <a:tailEnd type="none" w="med" len="med"/>
+                    </a:lnL>
+                    <a:lnR w="12700" cap="flat" cmpd="sng" algn="ctr">
+                      <a:solidFill>
+                        <a:schemeClr val="tx1"/>
+                      </a:solidFill>
+                      <a:prstDash val="solid"/>
+                      <a:round/>
+                      <a:headEnd type="none" w="med" len="med"/>
+                      <a:tailEnd type="none" w="med" len="med"/>
+                    </a:lnR>
+                    <a:lnT w="12700" cap="flat" cmpd="sng" algn="ctr">
+                      <a:solidFill>
+                        <a:schemeClr val="tx1"/>
+                      </a:solidFill>
+                      <a:prstDash val="solid"/>
+                      <a:round/>
+                      <a:headEnd type="none" w="med" len="med"/>
+                      <a:tailEnd type="none" w="med" len="med"/>
+                    </a:lnT>
+                    <a:lnB w="12700" cap="flat" cmpd="sng" algn="ctr">
+                      <a:solidFill>
+                        <a:schemeClr val="tx1"/>
+                      </a:solidFill>
+                      <a:prstDash val="solid"/>
+                      <a:round/>
+                      <a:headEnd type="none" w="med" len="med"/>
+                      <a:tailEnd type="none" w="med" len="med"/>
+                    </a:lnB>
+                    <a:noFill/>
+                  </a:tcPr>
+                </a:tc>
+                <a:tc>
+                  <a:txBody>
+                    <a:bodyPr/>
+                    <a:lstStyle/>
+                    <a:p>
+                      <a:pPr algn="l"/>
+                      <a:r>
+                        <a:rPr kumimoji="1" lang="en-US" altLang="ja-JP" sz="2000" b="0" i="0" kern="1200" dirty="0">
+                          <a:solidFill>
+                            <a:schemeClr val="dk1"/>
+                          </a:solidFill>
+                          <a:effectLst/>
+                          <a:latin typeface="+mn-lt"/>
+                          <a:ea typeface="+mn-ea"/>
+                          <a:cs typeface="+mn-cs"/>
+                        </a:rPr>
+                        <a:t>0.21177563</a:t>
+                      </a:r>
+                      <a:endParaRPr kumimoji="1" lang="ja-JP" altLang="en-US" sz="2000" dirty="0"/>
+                    </a:p>
+                  </a:txBody>
+                  <a:tcPr anchor="ctr">
+                    <a:lnL w="12700" cap="flat" cmpd="sng" algn="ctr">
+                      <a:solidFill>
+                        <a:schemeClr val="tx1"/>
+                      </a:solidFill>
+                      <a:prstDash val="solid"/>
+                      <a:round/>
+                      <a:headEnd type="none" w="med" len="med"/>
+                      <a:tailEnd type="none" w="med" len="med"/>
+                    </a:lnL>
+                    <a:lnR w="12700" cap="flat" cmpd="sng" algn="ctr">
+                      <a:solidFill>
+                        <a:schemeClr val="tx1"/>
+                      </a:solidFill>
+                      <a:prstDash val="solid"/>
+                      <a:round/>
+                      <a:headEnd type="none" w="med" len="med"/>
+                      <a:tailEnd type="none" w="med" len="med"/>
+                    </a:lnR>
+                    <a:lnT w="12700" cap="flat" cmpd="sng" algn="ctr">
+                      <a:solidFill>
+                        <a:schemeClr val="tx1"/>
+                      </a:solidFill>
+                      <a:prstDash val="solid"/>
+                      <a:round/>
+                      <a:headEnd type="none" w="med" len="med"/>
+                      <a:tailEnd type="none" w="med" len="med"/>
+                    </a:lnT>
+                    <a:lnB w="12700" cap="flat" cmpd="sng" algn="ctr">
+                      <a:solidFill>
+                        <a:schemeClr val="tx1"/>
+                      </a:solidFill>
+                      <a:prstDash val="solid"/>
+                      <a:round/>
+                      <a:headEnd type="none" w="med" len="med"/>
+                      <a:tailEnd type="none" w="med" len="med"/>
+                    </a:lnB>
+                    <a:noFill/>
+                  </a:tcPr>
+                </a:tc>
+                <a:extLst>
+                  <a:ext uri="{0D108BD9-81ED-4DB2-BD59-A6C34878D82A}">
+                    <a16:rowId xmlns:a16="http://schemas.microsoft.com/office/drawing/2014/main" val="3394647180"/>
+                  </a:ext>
+                </a:extLst>
+              </a:tr>
+            </a:tbl>
+          </a:graphicData>
+        </a:graphic>
+      </p:graphicFrame>
+      <p:sp>
+        <p:nvSpPr>
+          <p:cNvPr id="6" name="テキスト ボックス 5">
+            <a:extLst>
+              <a:ext uri="{FF2B5EF4-FFF2-40B4-BE49-F238E27FC236}">
+                <a16:creationId xmlns:a16="http://schemas.microsoft.com/office/drawing/2014/main" id="{D7CF3C00-7AED-3FB1-666F-E8D0A4380AF2}"/>
+              </a:ext>
+            </a:extLst>
+          </p:cNvPr>
+          <p:cNvSpPr txBox="1"/>
+          <p:nvPr/>
+        </p:nvSpPr>
+        <p:spPr>
+          <a:xfrm>
+            <a:off x="1428044" y="5256207"/>
+            <a:ext cx="9335912" cy="954107"/>
+          </a:xfrm>
+          <a:prstGeom prst="rect">
+            <a:avLst/>
+          </a:prstGeom>
+          <a:noFill/>
+        </p:spPr>
+        <p:txBody>
+          <a:bodyPr wrap="square" rtlCol="0">
+            <a:spAutoFit/>
+          </a:bodyPr>
+          <a:lstStyle/>
+          <a:p>
+            <a:r>
+              <a:rPr kumimoji="1" lang="ja-JP" altLang="en-US" sz="2800" dirty="0">
+                <a:latin typeface="BIZ UDPゴシック" panose="020B0400000000000000" pitchFamily="50" charset="-128"/>
+                <a:ea typeface="BIZ UDPゴシック" panose="020B0400000000000000" pitchFamily="50" charset="-128"/>
+              </a:rPr>
+              <a:t>このような出力になるように</a:t>
+            </a:r>
+            <a:r>
+              <a:rPr kumimoji="1" lang="en-US" altLang="ja-JP" sz="2800" dirty="0">
+                <a:latin typeface="BIZ UDPゴシック" panose="020B0400000000000000" pitchFamily="50" charset="-128"/>
+                <a:ea typeface="BIZ UDPゴシック" panose="020B0400000000000000" pitchFamily="50" charset="-128"/>
+              </a:rPr>
+              <a:t>ChatGPT</a:t>
+            </a:r>
+            <a:r>
+              <a:rPr kumimoji="1" lang="ja-JP" altLang="en-US" sz="2800" dirty="0">
+                <a:latin typeface="BIZ UDPゴシック" panose="020B0400000000000000" pitchFamily="50" charset="-128"/>
+                <a:ea typeface="BIZ UDPゴシック" panose="020B0400000000000000" pitchFamily="50" charset="-128"/>
+              </a:rPr>
+              <a:t>でデータセットを作成し、</a:t>
+            </a:r>
+            <a:r>
+              <a:rPr kumimoji="1" lang="en-US" altLang="ja-JP" sz="2800" dirty="0">
+                <a:latin typeface="BIZ UDPゴシック" panose="020B0400000000000000" pitchFamily="50" charset="-128"/>
+                <a:ea typeface="BIZ UDPゴシック" panose="020B0400000000000000" pitchFamily="50" charset="-128"/>
+              </a:rPr>
+              <a:t>BERT</a:t>
+            </a:r>
+            <a:r>
+              <a:rPr kumimoji="1" lang="ja-JP" altLang="en-US" sz="2800" dirty="0">
+                <a:latin typeface="BIZ UDPゴシック" panose="020B0400000000000000" pitchFamily="50" charset="-128"/>
+                <a:ea typeface="BIZ UDPゴシック" panose="020B0400000000000000" pitchFamily="50" charset="-128"/>
+              </a:rPr>
+              <a:t>をファインチューニングしました。</a:t>
+            </a:r>
+          </a:p>
+        </p:txBody>
+      </p:sp>
+      <p:sp>
+        <p:nvSpPr>
+          <p:cNvPr id="7" name="矢印: 右 6">
+            <a:extLst>
+              <a:ext uri="{FF2B5EF4-FFF2-40B4-BE49-F238E27FC236}">
+                <a16:creationId xmlns:a16="http://schemas.microsoft.com/office/drawing/2014/main" id="{3ED8C8D5-15A8-96FF-80F2-32F6F5987B83}"/>
+              </a:ext>
+            </a:extLst>
+          </p:cNvPr>
+          <p:cNvSpPr/>
+          <p:nvPr/>
+        </p:nvSpPr>
+        <p:spPr>
+          <a:xfrm rot="5400000">
+            <a:off x="5751988" y="2645718"/>
+            <a:ext cx="688023" cy="878541"/>
+          </a:xfrm>
+          <a:prstGeom prst="rightArrow">
+            <a:avLst>
+              <a:gd name="adj1" fmla="val 43878"/>
+              <a:gd name="adj2" fmla="val 50000"/>
+            </a:avLst>
+          </a:prstGeom>
+          <a:noFill/>
+          <a:ln w="76200">
+            <a:solidFill>
+              <a:schemeClr val="accent1"/>
+            </a:solidFill>
+          </a:ln>
+        </p:spPr>
+        <p:style>
+          <a:lnRef idx="2">
+            <a:schemeClr val="accent1">
+              <a:shade val="50000"/>
+            </a:schemeClr>
+          </a:lnRef>
+          <a:fillRef idx="1">
+            <a:schemeClr val="accent1"/>
+          </a:fillRef>
+          <a:effectRef idx="0">
+            <a:schemeClr val="accent1"/>
+          </a:effectRef>
+          <a:fontRef idx="minor">
+            <a:schemeClr val="lt1"/>
+          </a:fontRef>
+        </p:style>
+        <p:txBody>
+          <a:bodyPr rtlCol="0" anchor="ctr"/>
+          <a:lstStyle/>
+          <a:p>
             <a:pPr algn="ctr"/>
-            <a:r>
-              <a:rPr kumimoji="1" lang="ja-JP" altLang="en-US" sz="8800" b="1" dirty="0">
-                <a:latin typeface="BIZ UDPゴシック" panose="020B0400000000000000" pitchFamily="50" charset="-128"/>
-                <a:ea typeface="BIZ UDPゴシック" panose="020B0400000000000000" pitchFamily="50" charset="-128"/>
-              </a:rPr>
-              <a:t>結論 </a:t>
-            </a:r>
-            <a:r>
-              <a:rPr kumimoji="1" lang="en-US" altLang="ja-JP" sz="8800" b="1" dirty="0">
-                <a:latin typeface="BIZ UDPゴシック" panose="020B0400000000000000" pitchFamily="50" charset="-128"/>
-                <a:ea typeface="BIZ UDPゴシック" panose="020B0400000000000000" pitchFamily="50" charset="-128"/>
-              </a:rPr>
-              <a:t>: </a:t>
-            </a:r>
-            <a:r>
-              <a:rPr kumimoji="1" lang="ja-JP" altLang="en-US" sz="8800" b="1" dirty="0">
-                <a:latin typeface="BIZ UDPゴシック" panose="020B0400000000000000" pitchFamily="50" charset="-128"/>
-                <a:ea typeface="BIZ UDPゴシック" panose="020B0400000000000000" pitchFamily="50" charset="-128"/>
-              </a:rPr>
-              <a:t>できなかった</a:t>
-            </a:r>
+            <a:endParaRPr kumimoji="1" lang="ja-JP" altLang="en-US" dirty="0"/>
           </a:p>
         </p:txBody>
       </p:sp>
     </p:spTree>
     <p:extLst>
       <p:ext uri="{BB962C8B-B14F-4D97-AF65-F5344CB8AC3E}">
-        <p14:creationId xmlns:p14="http://schemas.microsoft.com/office/powerpoint/2010/main" val="642360478"/>
+        <p14:creationId xmlns:p14="http://schemas.microsoft.com/office/powerpoint/2010/main" val="1740467990"/>
       </p:ext>
     </p:extLst>
   </p:cSld>
@@ -6650,6 +9693,5491 @@
           <a:chExt cx="0" cy="0"/>
         </a:xfrm>
       </p:grpSpPr>
+      <p:sp>
+        <p:nvSpPr>
+          <p:cNvPr id="2" name="テキスト ボックス 1">
+            <a:extLst>
+              <a:ext uri="{FF2B5EF4-FFF2-40B4-BE49-F238E27FC236}">
+                <a16:creationId xmlns:a16="http://schemas.microsoft.com/office/drawing/2014/main" id="{D83806BF-814E-9D38-A65B-F787AE5EAE13}"/>
+              </a:ext>
+            </a:extLst>
+          </p:cNvPr>
+          <p:cNvSpPr txBox="1"/>
+          <p:nvPr/>
+        </p:nvSpPr>
+        <p:spPr>
+          <a:xfrm>
+            <a:off x="298127" y="48985"/>
+            <a:ext cx="2528888" cy="1200329"/>
+          </a:xfrm>
+          <a:prstGeom prst="rect">
+            <a:avLst/>
+          </a:prstGeom>
+          <a:noFill/>
+        </p:spPr>
+        <p:txBody>
+          <a:bodyPr wrap="square" rtlCol="0">
+            <a:spAutoFit/>
+          </a:bodyPr>
+          <a:lstStyle/>
+          <a:p>
+            <a:r>
+              <a:rPr lang="ja-JP" altLang="en-US" sz="7200" b="1" dirty="0">
+                <a:latin typeface="BIZ UDPゴシック" panose="020B0400000000000000" pitchFamily="50" charset="-128"/>
+                <a:ea typeface="BIZ UDPゴシック" panose="020B0400000000000000" pitchFamily="50" charset="-128"/>
+              </a:rPr>
+              <a:t>概要</a:t>
+            </a:r>
+            <a:endParaRPr kumimoji="1" lang="ja-JP" altLang="en-US" sz="7200" b="1" dirty="0">
+              <a:latin typeface="BIZ UDPゴシック" panose="020B0400000000000000" pitchFamily="50" charset="-128"/>
+              <a:ea typeface="BIZ UDPゴシック" panose="020B0400000000000000" pitchFamily="50" charset="-128"/>
+            </a:endParaRPr>
+          </a:p>
+        </p:txBody>
+      </p:sp>
+      <p:pic>
+        <p:nvPicPr>
+          <p:cNvPr id="1026" name="Picture 2" descr="Nasdaq Logo PNG vector in SVG, PDF, AI, CDR format">
+            <a:extLst>
+              <a:ext uri="{FF2B5EF4-FFF2-40B4-BE49-F238E27FC236}">
+                <a16:creationId xmlns:a16="http://schemas.microsoft.com/office/drawing/2014/main" id="{C03B4E7C-79D7-6E8F-117A-4BF7D72E3CEC}"/>
+              </a:ext>
+            </a:extLst>
+          </p:cNvPr>
+          <p:cNvPicPr>
+            <a:picLocks noChangeAspect="1" noChangeArrowheads="1"/>
+          </p:cNvPicPr>
+          <p:nvPr/>
+        </p:nvPicPr>
+        <p:blipFill rotWithShape="1">
+          <a:blip r:embed="rId2">
+            <a:extLst>
+              <a:ext uri="{28A0092B-C50C-407E-A947-70E740481C1C}">
+                <a14:useLocalDpi xmlns:a14="http://schemas.microsoft.com/office/drawing/2010/main" val="0"/>
+              </a:ext>
+            </a:extLst>
+          </a:blip>
+          <a:srcRect t="29259" b="29533"/>
+          <a:stretch/>
+        </p:blipFill>
+        <p:spPr bwMode="auto">
+          <a:xfrm>
+            <a:off x="620890" y="3355729"/>
+            <a:ext cx="2409326" cy="745199"/>
+          </a:xfrm>
+          <a:prstGeom prst="rect">
+            <a:avLst/>
+          </a:prstGeom>
+          <a:noFill/>
+          <a:ln>
+            <a:solidFill>
+              <a:schemeClr val="bg2">
+                <a:lumMod val="75000"/>
+              </a:schemeClr>
+            </a:solidFill>
+          </a:ln>
+          <a:extLst>
+            <a:ext uri="{909E8E84-426E-40DD-AFC4-6F175D3DCCD1}">
+              <a14:hiddenFill xmlns:a14="http://schemas.microsoft.com/office/drawing/2010/main">
+                <a:solidFill>
+                  <a:srgbClr val="FFFFFF"/>
+                </a:solidFill>
+              </a14:hiddenFill>
+            </a:ext>
+          </a:extLst>
+        </p:spPr>
+      </p:pic>
+      <p:pic>
+        <p:nvPicPr>
+          <p:cNvPr id="1028" name="Picture 4" descr="銘柄に表示される記号の意味｜HYPER SBI 操作ガイド｜SBI証券">
+            <a:extLst>
+              <a:ext uri="{FF2B5EF4-FFF2-40B4-BE49-F238E27FC236}">
+                <a16:creationId xmlns:a16="http://schemas.microsoft.com/office/drawing/2014/main" id="{049D8846-50D4-0ADD-1B51-36EE319BAA7F}"/>
+              </a:ext>
+            </a:extLst>
+          </p:cNvPr>
+          <p:cNvPicPr>
+            <a:picLocks noChangeAspect="1" noChangeArrowheads="1"/>
+          </p:cNvPicPr>
+          <p:nvPr/>
+        </p:nvPicPr>
+        <p:blipFill rotWithShape="1">
+          <a:blip r:embed="rId3">
+            <a:extLst>
+              <a:ext uri="{28A0092B-C50C-407E-A947-70E740481C1C}">
+                <a14:useLocalDpi xmlns:a14="http://schemas.microsoft.com/office/drawing/2010/main" val="0"/>
+              </a:ext>
+            </a:extLst>
+          </a:blip>
+          <a:srcRect t="20910" b="26817"/>
+          <a:stretch/>
+        </p:blipFill>
+        <p:spPr bwMode="auto">
+          <a:xfrm>
+            <a:off x="620890" y="1879442"/>
+            <a:ext cx="2409327" cy="661203"/>
+          </a:xfrm>
+          <a:prstGeom prst="rect">
+            <a:avLst/>
+          </a:prstGeom>
+          <a:noFill/>
+          <a:ln>
+            <a:solidFill>
+              <a:schemeClr val="bg2">
+                <a:lumMod val="75000"/>
+              </a:schemeClr>
+            </a:solidFill>
+          </a:ln>
+          <a:extLst>
+            <a:ext uri="{909E8E84-426E-40DD-AFC4-6F175D3DCCD1}">
+              <a14:hiddenFill xmlns:a14="http://schemas.microsoft.com/office/drawing/2010/main">
+                <a:solidFill>
+                  <a:srgbClr val="FFFFFF"/>
+                </a:solidFill>
+              </a14:hiddenFill>
+            </a:ext>
+          </a:extLst>
+        </p:spPr>
+      </p:pic>
+      <p:pic>
+        <p:nvPicPr>
+          <p:cNvPr id="1032" name="Picture 8" descr="Google Finance - 株式市場価格、リアルタイムの相場、ビジネス ニュース">
+            <a:extLst>
+              <a:ext uri="{FF2B5EF4-FFF2-40B4-BE49-F238E27FC236}">
+                <a16:creationId xmlns:a16="http://schemas.microsoft.com/office/drawing/2014/main" id="{F4F249A7-9AA2-E217-769A-847312915EC8}"/>
+              </a:ext>
+            </a:extLst>
+          </p:cNvPr>
+          <p:cNvPicPr>
+            <a:picLocks noChangeAspect="1" noChangeArrowheads="1"/>
+          </p:cNvPicPr>
+          <p:nvPr/>
+        </p:nvPicPr>
+        <p:blipFill rotWithShape="1">
+          <a:blip r:embed="rId4">
+            <a:extLst>
+              <a:ext uri="{28A0092B-C50C-407E-A947-70E740481C1C}">
+                <a14:useLocalDpi xmlns:a14="http://schemas.microsoft.com/office/drawing/2010/main" val="0"/>
+              </a:ext>
+            </a:extLst>
+          </a:blip>
+          <a:srcRect l="6574" t="21365" r="9907" b="21959"/>
+          <a:stretch/>
+        </p:blipFill>
+        <p:spPr bwMode="auto">
+          <a:xfrm>
+            <a:off x="620890" y="4916012"/>
+            <a:ext cx="2409326" cy="854750"/>
+          </a:xfrm>
+          <a:prstGeom prst="rect">
+            <a:avLst/>
+          </a:prstGeom>
+          <a:noFill/>
+          <a:ln>
+            <a:solidFill>
+              <a:schemeClr val="bg2">
+                <a:lumMod val="75000"/>
+              </a:schemeClr>
+            </a:solidFill>
+          </a:ln>
+          <a:extLst>
+            <a:ext uri="{909E8E84-426E-40DD-AFC4-6F175D3DCCD1}">
+              <a14:hiddenFill xmlns:a14="http://schemas.microsoft.com/office/drawing/2010/main">
+                <a:solidFill>
+                  <a:srgbClr val="FFFFFF"/>
+                </a:solidFill>
+              </a14:hiddenFill>
+            </a:ext>
+          </a:extLst>
+        </p:spPr>
+      </p:pic>
+      <p:grpSp>
+        <p:nvGrpSpPr>
+          <p:cNvPr id="9" name="グラフィックス 3">
+            <a:extLst>
+              <a:ext uri="{FF2B5EF4-FFF2-40B4-BE49-F238E27FC236}">
+                <a16:creationId xmlns:a16="http://schemas.microsoft.com/office/drawing/2014/main" id="{54F8716F-99EC-042B-F219-F22B80CC3159}"/>
+              </a:ext>
+            </a:extLst>
+          </p:cNvPr>
+          <p:cNvGrpSpPr/>
+          <p:nvPr/>
+        </p:nvGrpSpPr>
+        <p:grpSpPr>
+          <a:xfrm>
+            <a:off x="9337511" y="4404451"/>
+            <a:ext cx="1790700" cy="1790700"/>
+            <a:chOff x="9467850" y="4543073"/>
+            <a:chExt cx="1790700" cy="1790700"/>
+          </a:xfrm>
+        </p:grpSpPr>
+        <p:sp>
+          <p:nvSpPr>
+            <p:cNvPr id="10" name="フリーフォーム: 図形 9">
+              <a:extLst>
+                <a:ext uri="{FF2B5EF4-FFF2-40B4-BE49-F238E27FC236}">
+                  <a16:creationId xmlns:a16="http://schemas.microsoft.com/office/drawing/2014/main" id="{B7A9BBB8-9FC4-0216-6BA7-7D94C16B735E}"/>
+                </a:ext>
+              </a:extLst>
+            </p:cNvPr>
+            <p:cNvSpPr/>
+            <p:nvPr/>
+          </p:nvSpPr>
+          <p:spPr>
+            <a:xfrm>
+              <a:off x="9467850" y="4543073"/>
+              <a:ext cx="1790700" cy="1790700"/>
+            </a:xfrm>
+            <a:custGeom>
+              <a:avLst/>
+              <a:gdLst>
+                <a:gd name="connsiteX0" fmla="*/ 0 w 1790700"/>
+                <a:gd name="connsiteY0" fmla="*/ 0 h 1790700"/>
+                <a:gd name="connsiteX1" fmla="*/ 1790700 w 1790700"/>
+                <a:gd name="connsiteY1" fmla="*/ 0 h 1790700"/>
+                <a:gd name="connsiteX2" fmla="*/ 1790700 w 1790700"/>
+                <a:gd name="connsiteY2" fmla="*/ 1790700 h 1790700"/>
+                <a:gd name="connsiteX3" fmla="*/ 0 w 1790700"/>
+                <a:gd name="connsiteY3" fmla="*/ 1790700 h 1790700"/>
+              </a:gdLst>
+              <a:ahLst/>
+              <a:cxnLst>
+                <a:cxn ang="0">
+                  <a:pos x="connsiteX0" y="connsiteY0"/>
+                </a:cxn>
+                <a:cxn ang="0">
+                  <a:pos x="connsiteX1" y="connsiteY1"/>
+                </a:cxn>
+                <a:cxn ang="0">
+                  <a:pos x="connsiteX2" y="connsiteY2"/>
+                </a:cxn>
+                <a:cxn ang="0">
+                  <a:pos x="connsiteX3" y="connsiteY3"/>
+                </a:cxn>
+              </a:cxnLst>
+              <a:rect l="l" t="t" r="r" b="b"/>
+              <a:pathLst>
+                <a:path w="1790700" h="1790700">
+                  <a:moveTo>
+                    <a:pt x="0" y="0"/>
+                  </a:moveTo>
+                  <a:lnTo>
+                    <a:pt x="1790700" y="0"/>
+                  </a:lnTo>
+                  <a:lnTo>
+                    <a:pt x="1790700" y="1790700"/>
+                  </a:lnTo>
+                  <a:lnTo>
+                    <a:pt x="0" y="1790700"/>
+                  </a:lnTo>
+                  <a:close/>
+                </a:path>
+              </a:pathLst>
+            </a:custGeom>
+            <a:noFill/>
+            <a:ln w="9525" cap="flat">
+              <a:noFill/>
+              <a:prstDash val="solid"/>
+              <a:miter/>
+            </a:ln>
+          </p:spPr>
+          <p:txBody>
+            <a:bodyPr rtlCol="0" anchor="ctr"/>
+            <a:lstStyle/>
+            <a:p>
+              <a:endParaRPr lang="ja-JP" altLang="en-US"/>
+            </a:p>
+          </p:txBody>
+        </p:sp>
+        <p:sp>
+          <p:nvSpPr>
+            <p:cNvPr id="11" name="フリーフォーム: 図形 10">
+              <a:extLst>
+                <a:ext uri="{FF2B5EF4-FFF2-40B4-BE49-F238E27FC236}">
+                  <a16:creationId xmlns:a16="http://schemas.microsoft.com/office/drawing/2014/main" id="{5CBFD9E1-5CC7-C1B6-BE9B-C4F02F65DC09}"/>
+                </a:ext>
+              </a:extLst>
+            </p:cNvPr>
+            <p:cNvSpPr/>
+            <p:nvPr/>
+          </p:nvSpPr>
+          <p:spPr>
+            <a:xfrm>
+              <a:off x="9467850" y="4545358"/>
+              <a:ext cx="1790700" cy="1786127"/>
+            </a:xfrm>
+            <a:custGeom>
+              <a:avLst/>
+              <a:gdLst>
+                <a:gd name="connsiteX0" fmla="*/ 1709261 w 1790700"/>
+                <a:gd name="connsiteY0" fmla="*/ 1139666 h 1786127"/>
+                <a:gd name="connsiteX1" fmla="*/ 1709261 w 1790700"/>
+                <a:gd name="connsiteY1" fmla="*/ 995839 h 1786127"/>
+                <a:gd name="connsiteX2" fmla="*/ 1425797 w 1790700"/>
+                <a:gd name="connsiteY2" fmla="*/ 1054037 h 1786127"/>
+                <a:gd name="connsiteX3" fmla="*/ 1142429 w 1790700"/>
+                <a:gd name="connsiteY3" fmla="*/ 995839 h 1786127"/>
+                <a:gd name="connsiteX4" fmla="*/ 1142429 w 1790700"/>
+                <a:gd name="connsiteY4" fmla="*/ 1139666 h 1786127"/>
+                <a:gd name="connsiteX5" fmla="*/ 1425797 w 1790700"/>
+                <a:gd name="connsiteY5" fmla="*/ 1225201 h 1786127"/>
+                <a:gd name="connsiteX6" fmla="*/ 1709261 w 1790700"/>
+                <a:gd name="connsiteY6" fmla="*/ 1139666 h 1786127"/>
+                <a:gd name="connsiteX7" fmla="*/ 1709261 w 1790700"/>
+                <a:gd name="connsiteY7" fmla="*/ 1387793 h 1786127"/>
+                <a:gd name="connsiteX8" fmla="*/ 1709261 w 1790700"/>
+                <a:gd name="connsiteY8" fmla="*/ 1248442 h 1786127"/>
+                <a:gd name="connsiteX9" fmla="*/ 1425797 w 1790700"/>
+                <a:gd name="connsiteY9" fmla="*/ 1306735 h 1786127"/>
+                <a:gd name="connsiteX10" fmla="*/ 1142429 w 1790700"/>
+                <a:gd name="connsiteY10" fmla="*/ 1248442 h 1786127"/>
+                <a:gd name="connsiteX11" fmla="*/ 1142429 w 1790700"/>
+                <a:gd name="connsiteY11" fmla="*/ 1387793 h 1786127"/>
+                <a:gd name="connsiteX12" fmla="*/ 1425797 w 1790700"/>
+                <a:gd name="connsiteY12" fmla="*/ 1473327 h 1786127"/>
+                <a:gd name="connsiteX13" fmla="*/ 1709261 w 1790700"/>
+                <a:gd name="connsiteY13" fmla="*/ 1387793 h 1786127"/>
+                <a:gd name="connsiteX14" fmla="*/ 1709261 w 1790700"/>
+                <a:gd name="connsiteY14" fmla="*/ 1609344 h 1786127"/>
+                <a:gd name="connsiteX15" fmla="*/ 1709261 w 1790700"/>
+                <a:gd name="connsiteY15" fmla="*/ 1496568 h 1786127"/>
+                <a:gd name="connsiteX16" fmla="*/ 1425797 w 1790700"/>
+                <a:gd name="connsiteY16" fmla="*/ 1554766 h 1786127"/>
+                <a:gd name="connsiteX17" fmla="*/ 1142429 w 1790700"/>
+                <a:gd name="connsiteY17" fmla="*/ 1496568 h 1786127"/>
+                <a:gd name="connsiteX18" fmla="*/ 1142429 w 1790700"/>
+                <a:gd name="connsiteY18" fmla="*/ 1609344 h 1786127"/>
+                <a:gd name="connsiteX19" fmla="*/ 1425797 w 1790700"/>
+                <a:gd name="connsiteY19" fmla="*/ 1694878 h 1786127"/>
+                <a:gd name="connsiteX20" fmla="*/ 1709261 w 1790700"/>
+                <a:gd name="connsiteY20" fmla="*/ 1609344 h 1786127"/>
+                <a:gd name="connsiteX21" fmla="*/ 1142429 w 1790700"/>
+                <a:gd name="connsiteY21" fmla="*/ 887063 h 1786127"/>
+                <a:gd name="connsiteX22" fmla="*/ 1425797 w 1790700"/>
+                <a:gd name="connsiteY22" fmla="*/ 972598 h 1786127"/>
+                <a:gd name="connsiteX23" fmla="*/ 1709261 w 1790700"/>
+                <a:gd name="connsiteY23" fmla="*/ 887063 h 1786127"/>
+                <a:gd name="connsiteX24" fmla="*/ 1425797 w 1790700"/>
+                <a:gd name="connsiteY24" fmla="*/ 801529 h 1786127"/>
+                <a:gd name="connsiteX25" fmla="*/ 1142429 w 1790700"/>
+                <a:gd name="connsiteY25" fmla="*/ 887063 h 1786127"/>
+                <a:gd name="connsiteX26" fmla="*/ 1790700 w 1790700"/>
+                <a:gd name="connsiteY26" fmla="*/ 887063 h 1786127"/>
+                <a:gd name="connsiteX27" fmla="*/ 1790700 w 1790700"/>
+                <a:gd name="connsiteY27" fmla="*/ 1609344 h 1786127"/>
+                <a:gd name="connsiteX28" fmla="*/ 1425797 w 1790700"/>
+                <a:gd name="connsiteY28" fmla="*/ 1776317 h 1786127"/>
+                <a:gd name="connsiteX29" fmla="*/ 1060895 w 1790700"/>
+                <a:gd name="connsiteY29" fmla="*/ 1609344 h 1786127"/>
+                <a:gd name="connsiteX30" fmla="*/ 1060895 w 1790700"/>
+                <a:gd name="connsiteY30" fmla="*/ 887063 h 1786127"/>
+                <a:gd name="connsiteX31" fmla="*/ 1425797 w 1790700"/>
+                <a:gd name="connsiteY31" fmla="*/ 719995 h 1786127"/>
+                <a:gd name="connsiteX32" fmla="*/ 1790700 w 1790700"/>
+                <a:gd name="connsiteY32" fmla="*/ 887063 h 1786127"/>
+                <a:gd name="connsiteX33" fmla="*/ 81439 w 1790700"/>
+                <a:gd name="connsiteY33" fmla="*/ 1551908 h 1786127"/>
+                <a:gd name="connsiteX34" fmla="*/ 81439 w 1790700"/>
+                <a:gd name="connsiteY34" fmla="*/ 234220 h 1786127"/>
+                <a:gd name="connsiteX35" fmla="*/ 234220 w 1790700"/>
+                <a:gd name="connsiteY35" fmla="*/ 81439 h 1786127"/>
+                <a:gd name="connsiteX36" fmla="*/ 1552004 w 1790700"/>
+                <a:gd name="connsiteY36" fmla="*/ 81439 h 1786127"/>
+                <a:gd name="connsiteX37" fmla="*/ 1704689 w 1790700"/>
+                <a:gd name="connsiteY37" fmla="*/ 234220 h 1786127"/>
+                <a:gd name="connsiteX38" fmla="*/ 1704689 w 1790700"/>
+                <a:gd name="connsiteY38" fmla="*/ 750951 h 1786127"/>
+                <a:gd name="connsiteX39" fmla="*/ 1786223 w 1790700"/>
+                <a:gd name="connsiteY39" fmla="*/ 750951 h 1786127"/>
+                <a:gd name="connsiteX40" fmla="*/ 1786223 w 1790700"/>
+                <a:gd name="connsiteY40" fmla="*/ 234220 h 1786127"/>
+                <a:gd name="connsiteX41" fmla="*/ 1552004 w 1790700"/>
+                <a:gd name="connsiteY41" fmla="*/ 0 h 1786127"/>
+                <a:gd name="connsiteX42" fmla="*/ 234220 w 1790700"/>
+                <a:gd name="connsiteY42" fmla="*/ 0 h 1786127"/>
+                <a:gd name="connsiteX43" fmla="*/ 0 w 1790700"/>
+                <a:gd name="connsiteY43" fmla="*/ 234220 h 1786127"/>
+                <a:gd name="connsiteX44" fmla="*/ 0 w 1790700"/>
+                <a:gd name="connsiteY44" fmla="*/ 1551908 h 1786127"/>
+                <a:gd name="connsiteX45" fmla="*/ 234220 w 1790700"/>
+                <a:gd name="connsiteY45" fmla="*/ 1786128 h 1786127"/>
+                <a:gd name="connsiteX46" fmla="*/ 1035177 w 1790700"/>
+                <a:gd name="connsiteY46" fmla="*/ 1786128 h 1786127"/>
+                <a:gd name="connsiteX47" fmla="*/ 1035177 w 1790700"/>
+                <a:gd name="connsiteY47" fmla="*/ 1704689 h 1786127"/>
+                <a:gd name="connsiteX48" fmla="*/ 234220 w 1790700"/>
+                <a:gd name="connsiteY48" fmla="*/ 1704689 h 1786127"/>
+                <a:gd name="connsiteX49" fmla="*/ 81439 w 1790700"/>
+                <a:gd name="connsiteY49" fmla="*/ 1551908 h 1786127"/>
+                <a:gd name="connsiteX50" fmla="*/ 1343216 w 1790700"/>
+                <a:gd name="connsiteY50" fmla="*/ 260033 h 1786127"/>
+                <a:gd name="connsiteX51" fmla="*/ 1343216 w 1790700"/>
+                <a:gd name="connsiteY51" fmla="*/ 579977 h 1786127"/>
+                <a:gd name="connsiteX52" fmla="*/ 1516856 w 1790700"/>
+                <a:gd name="connsiteY52" fmla="*/ 579977 h 1786127"/>
+                <a:gd name="connsiteX53" fmla="*/ 1516856 w 1790700"/>
+                <a:gd name="connsiteY53" fmla="*/ 528733 h 1786127"/>
+                <a:gd name="connsiteX54" fmla="*/ 1407890 w 1790700"/>
+                <a:gd name="connsiteY54" fmla="*/ 528733 h 1786127"/>
+                <a:gd name="connsiteX55" fmla="*/ 1407890 w 1790700"/>
+                <a:gd name="connsiteY55" fmla="*/ 260033 h 1786127"/>
+                <a:gd name="connsiteX56" fmla="*/ 1222343 w 1790700"/>
+                <a:gd name="connsiteY56" fmla="*/ 419767 h 1786127"/>
+                <a:gd name="connsiteX57" fmla="*/ 1207103 w 1790700"/>
+                <a:gd name="connsiteY57" fmla="*/ 333470 h 1786127"/>
+                <a:gd name="connsiteX58" fmla="*/ 1160431 w 1790700"/>
+                <a:gd name="connsiteY58" fmla="*/ 305276 h 1786127"/>
+                <a:gd name="connsiteX59" fmla="*/ 1113758 w 1790700"/>
+                <a:gd name="connsiteY59" fmla="*/ 333470 h 1786127"/>
+                <a:gd name="connsiteX60" fmla="*/ 1098614 w 1790700"/>
+                <a:gd name="connsiteY60" fmla="*/ 419767 h 1786127"/>
+                <a:gd name="connsiteX61" fmla="*/ 1114235 w 1790700"/>
+                <a:gd name="connsiteY61" fmla="*/ 505682 h 1786127"/>
+                <a:gd name="connsiteX62" fmla="*/ 1160431 w 1790700"/>
+                <a:gd name="connsiteY62" fmla="*/ 534734 h 1786127"/>
+                <a:gd name="connsiteX63" fmla="*/ 1206532 w 1790700"/>
+                <a:gd name="connsiteY63" fmla="*/ 505682 h 1786127"/>
+                <a:gd name="connsiteX64" fmla="*/ 1222343 w 1790700"/>
+                <a:gd name="connsiteY64" fmla="*/ 419767 h 1786127"/>
+                <a:gd name="connsiteX65" fmla="*/ 1207103 w 1790700"/>
+                <a:gd name="connsiteY65" fmla="*/ 579025 h 1786127"/>
+                <a:gd name="connsiteX66" fmla="*/ 1238917 w 1790700"/>
+                <a:gd name="connsiteY66" fmla="*/ 597027 h 1786127"/>
+                <a:gd name="connsiteX67" fmla="*/ 1281875 w 1790700"/>
+                <a:gd name="connsiteY67" fmla="*/ 606362 h 1786127"/>
+                <a:gd name="connsiteX68" fmla="*/ 1281875 w 1790700"/>
+                <a:gd name="connsiteY68" fmla="*/ 658940 h 1786127"/>
+                <a:gd name="connsiteX69" fmla="*/ 1211675 w 1790700"/>
+                <a:gd name="connsiteY69" fmla="*/ 634460 h 1786127"/>
+                <a:gd name="connsiteX70" fmla="*/ 1153954 w 1790700"/>
+                <a:gd name="connsiteY70" fmla="*/ 586931 h 1786127"/>
+                <a:gd name="connsiteX71" fmla="*/ 1063943 w 1790700"/>
+                <a:gd name="connsiteY71" fmla="*/ 541020 h 1786127"/>
+                <a:gd name="connsiteX72" fmla="*/ 1032034 w 1790700"/>
+                <a:gd name="connsiteY72" fmla="*/ 419767 h 1786127"/>
+                <a:gd name="connsiteX73" fmla="*/ 1065752 w 1790700"/>
+                <a:gd name="connsiteY73" fmla="*/ 296799 h 1786127"/>
+                <a:gd name="connsiteX74" fmla="*/ 1160431 w 1790700"/>
+                <a:gd name="connsiteY74" fmla="*/ 253079 h 1786127"/>
+                <a:gd name="connsiteX75" fmla="*/ 1255109 w 1790700"/>
+                <a:gd name="connsiteY75" fmla="*/ 296799 h 1786127"/>
+                <a:gd name="connsiteX76" fmla="*/ 1288733 w 1790700"/>
+                <a:gd name="connsiteY76" fmla="*/ 419767 h 1786127"/>
+                <a:gd name="connsiteX77" fmla="*/ 1267778 w 1790700"/>
+                <a:gd name="connsiteY77" fmla="*/ 522732 h 1786127"/>
+                <a:gd name="connsiteX78" fmla="*/ 1207103 w 1790700"/>
+                <a:gd name="connsiteY78" fmla="*/ 579025 h 1786127"/>
+                <a:gd name="connsiteX79" fmla="*/ 881539 w 1790700"/>
+                <a:gd name="connsiteY79" fmla="*/ 535115 h 1786127"/>
+                <a:gd name="connsiteX80" fmla="*/ 844868 w 1790700"/>
+                <a:gd name="connsiteY80" fmla="*/ 530828 h 1786127"/>
+                <a:gd name="connsiteX81" fmla="*/ 806291 w 1790700"/>
+                <a:gd name="connsiteY81" fmla="*/ 519970 h 1786127"/>
+                <a:gd name="connsiteX82" fmla="*/ 806291 w 1790700"/>
+                <a:gd name="connsiteY82" fmla="*/ 568452 h 1786127"/>
+                <a:gd name="connsiteX83" fmla="*/ 842772 w 1790700"/>
+                <a:gd name="connsiteY83" fmla="*/ 581882 h 1786127"/>
+                <a:gd name="connsiteX84" fmla="*/ 886206 w 1790700"/>
+                <a:gd name="connsiteY84" fmla="*/ 586931 h 1786127"/>
+                <a:gd name="connsiteX85" fmla="*/ 964406 w 1790700"/>
+                <a:gd name="connsiteY85" fmla="*/ 561308 h 1786127"/>
+                <a:gd name="connsiteX86" fmla="*/ 992791 w 1790700"/>
+                <a:gd name="connsiteY86" fmla="*/ 491776 h 1786127"/>
+                <a:gd name="connsiteX87" fmla="*/ 986123 w 1790700"/>
+                <a:gd name="connsiteY87" fmla="*/ 453295 h 1786127"/>
+                <a:gd name="connsiteX88" fmla="*/ 965359 w 1790700"/>
+                <a:gd name="connsiteY88" fmla="*/ 424339 h 1786127"/>
+                <a:gd name="connsiteX89" fmla="*/ 927259 w 1790700"/>
+                <a:gd name="connsiteY89" fmla="*/ 398526 h 1786127"/>
+                <a:gd name="connsiteX90" fmla="*/ 902303 w 1790700"/>
+                <a:gd name="connsiteY90" fmla="*/ 385191 h 1786127"/>
+                <a:gd name="connsiteX91" fmla="*/ 874871 w 1790700"/>
+                <a:gd name="connsiteY91" fmla="*/ 364903 h 1786127"/>
+                <a:gd name="connsiteX92" fmla="*/ 867728 w 1790700"/>
+                <a:gd name="connsiteY92" fmla="*/ 341281 h 1786127"/>
+                <a:gd name="connsiteX93" fmla="*/ 878777 w 1790700"/>
+                <a:gd name="connsiteY93" fmla="*/ 314515 h 1786127"/>
+                <a:gd name="connsiteX94" fmla="*/ 909257 w 1790700"/>
+                <a:gd name="connsiteY94" fmla="*/ 304800 h 1786127"/>
+                <a:gd name="connsiteX95" fmla="*/ 975265 w 1790700"/>
+                <a:gd name="connsiteY95" fmla="*/ 318707 h 1786127"/>
+                <a:gd name="connsiteX96" fmla="*/ 975265 w 1790700"/>
+                <a:gd name="connsiteY96" fmla="*/ 269748 h 1786127"/>
+                <a:gd name="connsiteX97" fmla="*/ 902780 w 1790700"/>
+                <a:gd name="connsiteY97" fmla="*/ 253079 h 1786127"/>
+                <a:gd name="connsiteX98" fmla="*/ 851345 w 1790700"/>
+                <a:gd name="connsiteY98" fmla="*/ 264414 h 1786127"/>
+                <a:gd name="connsiteX99" fmla="*/ 816007 w 1790700"/>
+                <a:gd name="connsiteY99" fmla="*/ 296799 h 1786127"/>
+                <a:gd name="connsiteX100" fmla="*/ 803053 w 1790700"/>
+                <a:gd name="connsiteY100" fmla="*/ 345948 h 1786127"/>
+                <a:gd name="connsiteX101" fmla="*/ 817817 w 1790700"/>
+                <a:gd name="connsiteY101" fmla="*/ 397574 h 1786127"/>
+                <a:gd name="connsiteX102" fmla="*/ 866775 w 1790700"/>
+                <a:gd name="connsiteY102" fmla="*/ 437293 h 1786127"/>
+                <a:gd name="connsiteX103" fmla="*/ 891731 w 1790700"/>
+                <a:gd name="connsiteY103" fmla="*/ 450723 h 1786127"/>
+                <a:gd name="connsiteX104" fmla="*/ 918686 w 1790700"/>
+                <a:gd name="connsiteY104" fmla="*/ 470821 h 1786127"/>
+                <a:gd name="connsiteX105" fmla="*/ 926878 w 1790700"/>
+                <a:gd name="connsiteY105" fmla="*/ 495014 h 1786127"/>
+                <a:gd name="connsiteX106" fmla="*/ 915257 w 1790700"/>
+                <a:gd name="connsiteY106" fmla="*/ 524828 h 1786127"/>
+                <a:gd name="connsiteX107" fmla="*/ 881539 w 1790700"/>
+                <a:gd name="connsiteY107" fmla="*/ 535115 h 1786127"/>
+                <a:gd name="connsiteX108" fmla="*/ 644271 w 1790700"/>
+                <a:gd name="connsiteY108" fmla="*/ 623792 h 1786127"/>
+                <a:gd name="connsiteX109" fmla="*/ 617887 w 1790700"/>
+                <a:gd name="connsiteY109" fmla="*/ 633032 h 1786127"/>
+                <a:gd name="connsiteX110" fmla="*/ 595694 w 1790700"/>
+                <a:gd name="connsiteY110" fmla="*/ 631317 h 1786127"/>
+                <a:gd name="connsiteX111" fmla="*/ 595694 w 1790700"/>
+                <a:gd name="connsiteY111" fmla="*/ 673703 h 1786127"/>
+                <a:gd name="connsiteX112" fmla="*/ 636365 w 1790700"/>
+                <a:gd name="connsiteY112" fmla="*/ 680657 h 1786127"/>
+                <a:gd name="connsiteX113" fmla="*/ 678847 w 1790700"/>
+                <a:gd name="connsiteY113" fmla="*/ 665417 h 1786127"/>
+                <a:gd name="connsiteX114" fmla="*/ 704755 w 1790700"/>
+                <a:gd name="connsiteY114" fmla="*/ 615982 h 1786127"/>
+                <a:gd name="connsiteX115" fmla="*/ 782765 w 1790700"/>
+                <a:gd name="connsiteY115" fmla="*/ 344138 h 1786127"/>
+                <a:gd name="connsiteX116" fmla="*/ 717613 w 1790700"/>
+                <a:gd name="connsiteY116" fmla="*/ 344138 h 1786127"/>
+                <a:gd name="connsiteX117" fmla="*/ 683038 w 1790700"/>
+                <a:gd name="connsiteY117" fmla="*/ 517684 h 1786127"/>
+                <a:gd name="connsiteX118" fmla="*/ 647510 w 1790700"/>
+                <a:gd name="connsiteY118" fmla="*/ 344138 h 1786127"/>
+                <a:gd name="connsiteX119" fmla="*/ 580454 w 1790700"/>
+                <a:gd name="connsiteY119" fmla="*/ 344138 h 1786127"/>
+                <a:gd name="connsiteX120" fmla="*/ 656749 w 1790700"/>
+                <a:gd name="connsiteY120" fmla="*/ 584645 h 1786127"/>
+                <a:gd name="connsiteX121" fmla="*/ 655796 w 1790700"/>
+                <a:gd name="connsiteY121" fmla="*/ 592836 h 1786127"/>
+                <a:gd name="connsiteX122" fmla="*/ 644271 w 1790700"/>
+                <a:gd name="connsiteY122" fmla="*/ 623792 h 1786127"/>
+                <a:gd name="connsiteX123" fmla="*/ 489585 w 1790700"/>
+                <a:gd name="connsiteY123" fmla="*/ 579977 h 1786127"/>
+                <a:gd name="connsiteX124" fmla="*/ 489585 w 1790700"/>
+                <a:gd name="connsiteY124" fmla="*/ 355664 h 1786127"/>
+                <a:gd name="connsiteX125" fmla="*/ 435578 w 1790700"/>
+                <a:gd name="connsiteY125" fmla="*/ 501015 h 1786127"/>
+                <a:gd name="connsiteX126" fmla="*/ 380619 w 1790700"/>
+                <a:gd name="connsiteY126" fmla="*/ 501015 h 1786127"/>
+                <a:gd name="connsiteX127" fmla="*/ 326993 w 1790700"/>
+                <a:gd name="connsiteY127" fmla="*/ 356997 h 1786127"/>
+                <a:gd name="connsiteX128" fmla="*/ 326993 w 1790700"/>
+                <a:gd name="connsiteY128" fmla="*/ 579977 h 1786127"/>
+                <a:gd name="connsiteX129" fmla="*/ 269272 w 1790700"/>
+                <a:gd name="connsiteY129" fmla="*/ 579977 h 1786127"/>
+                <a:gd name="connsiteX130" fmla="*/ 269272 w 1790700"/>
+                <a:gd name="connsiteY130" fmla="*/ 260033 h 1786127"/>
+                <a:gd name="connsiteX131" fmla="*/ 343281 w 1790700"/>
+                <a:gd name="connsiteY131" fmla="*/ 260033 h 1786127"/>
+                <a:gd name="connsiteX132" fmla="*/ 409289 w 1790700"/>
+                <a:gd name="connsiteY132" fmla="*/ 439198 h 1786127"/>
+                <a:gd name="connsiteX133" fmla="*/ 475298 w 1790700"/>
+                <a:gd name="connsiteY133" fmla="*/ 260033 h 1786127"/>
+                <a:gd name="connsiteX134" fmla="*/ 547307 w 1790700"/>
+                <a:gd name="connsiteY134" fmla="*/ 260033 h 1786127"/>
+                <a:gd name="connsiteX135" fmla="*/ 547307 w 1790700"/>
+                <a:gd name="connsiteY135" fmla="*/ 579977 h 1786127"/>
+              </a:gdLst>
+              <a:ahLst/>
+              <a:cxnLst>
+                <a:cxn ang="0">
+                  <a:pos x="connsiteX0" y="connsiteY0"/>
+                </a:cxn>
+                <a:cxn ang="0">
+                  <a:pos x="connsiteX1" y="connsiteY1"/>
+                </a:cxn>
+                <a:cxn ang="0">
+                  <a:pos x="connsiteX2" y="connsiteY2"/>
+                </a:cxn>
+                <a:cxn ang="0">
+                  <a:pos x="connsiteX3" y="connsiteY3"/>
+                </a:cxn>
+                <a:cxn ang="0">
+                  <a:pos x="connsiteX4" y="connsiteY4"/>
+                </a:cxn>
+                <a:cxn ang="0">
+                  <a:pos x="connsiteX5" y="connsiteY5"/>
+                </a:cxn>
+                <a:cxn ang="0">
+                  <a:pos x="connsiteX6" y="connsiteY6"/>
+                </a:cxn>
+                <a:cxn ang="0">
+                  <a:pos x="connsiteX7" y="connsiteY7"/>
+                </a:cxn>
+                <a:cxn ang="0">
+                  <a:pos x="connsiteX8" y="connsiteY8"/>
+                </a:cxn>
+                <a:cxn ang="0">
+                  <a:pos x="connsiteX9" y="connsiteY9"/>
+                </a:cxn>
+                <a:cxn ang="0">
+                  <a:pos x="connsiteX10" y="connsiteY10"/>
+                </a:cxn>
+                <a:cxn ang="0">
+                  <a:pos x="connsiteX11" y="connsiteY11"/>
+                </a:cxn>
+                <a:cxn ang="0">
+                  <a:pos x="connsiteX12" y="connsiteY12"/>
+                </a:cxn>
+                <a:cxn ang="0">
+                  <a:pos x="connsiteX13" y="connsiteY13"/>
+                </a:cxn>
+                <a:cxn ang="0">
+                  <a:pos x="connsiteX14" y="connsiteY14"/>
+                </a:cxn>
+                <a:cxn ang="0">
+                  <a:pos x="connsiteX15" y="connsiteY15"/>
+                </a:cxn>
+                <a:cxn ang="0">
+                  <a:pos x="connsiteX16" y="connsiteY16"/>
+                </a:cxn>
+                <a:cxn ang="0">
+                  <a:pos x="connsiteX17" y="connsiteY17"/>
+                </a:cxn>
+                <a:cxn ang="0">
+                  <a:pos x="connsiteX18" y="connsiteY18"/>
+                </a:cxn>
+                <a:cxn ang="0">
+                  <a:pos x="connsiteX19" y="connsiteY19"/>
+                </a:cxn>
+                <a:cxn ang="0">
+                  <a:pos x="connsiteX20" y="connsiteY20"/>
+                </a:cxn>
+                <a:cxn ang="0">
+                  <a:pos x="connsiteX21" y="connsiteY21"/>
+                </a:cxn>
+                <a:cxn ang="0">
+                  <a:pos x="connsiteX22" y="connsiteY22"/>
+                </a:cxn>
+                <a:cxn ang="0">
+                  <a:pos x="connsiteX23" y="connsiteY23"/>
+                </a:cxn>
+                <a:cxn ang="0">
+                  <a:pos x="connsiteX24" y="connsiteY24"/>
+                </a:cxn>
+                <a:cxn ang="0">
+                  <a:pos x="connsiteX25" y="connsiteY25"/>
+                </a:cxn>
+                <a:cxn ang="0">
+                  <a:pos x="connsiteX26" y="connsiteY26"/>
+                </a:cxn>
+                <a:cxn ang="0">
+                  <a:pos x="connsiteX27" y="connsiteY27"/>
+                </a:cxn>
+                <a:cxn ang="0">
+                  <a:pos x="connsiteX28" y="connsiteY28"/>
+                </a:cxn>
+                <a:cxn ang="0">
+                  <a:pos x="connsiteX29" y="connsiteY29"/>
+                </a:cxn>
+                <a:cxn ang="0">
+                  <a:pos x="connsiteX30" y="connsiteY30"/>
+                </a:cxn>
+                <a:cxn ang="0">
+                  <a:pos x="connsiteX31" y="connsiteY31"/>
+                </a:cxn>
+                <a:cxn ang="0">
+                  <a:pos x="connsiteX32" y="connsiteY32"/>
+                </a:cxn>
+                <a:cxn ang="0">
+                  <a:pos x="connsiteX33" y="connsiteY33"/>
+                </a:cxn>
+                <a:cxn ang="0">
+                  <a:pos x="connsiteX34" y="connsiteY34"/>
+                </a:cxn>
+                <a:cxn ang="0">
+                  <a:pos x="connsiteX35" y="connsiteY35"/>
+                </a:cxn>
+                <a:cxn ang="0">
+                  <a:pos x="connsiteX36" y="connsiteY36"/>
+                </a:cxn>
+                <a:cxn ang="0">
+                  <a:pos x="connsiteX37" y="connsiteY37"/>
+                </a:cxn>
+                <a:cxn ang="0">
+                  <a:pos x="connsiteX38" y="connsiteY38"/>
+                </a:cxn>
+                <a:cxn ang="0">
+                  <a:pos x="connsiteX39" y="connsiteY39"/>
+                </a:cxn>
+                <a:cxn ang="0">
+                  <a:pos x="connsiteX40" y="connsiteY40"/>
+                </a:cxn>
+                <a:cxn ang="0">
+                  <a:pos x="connsiteX41" y="connsiteY41"/>
+                </a:cxn>
+                <a:cxn ang="0">
+                  <a:pos x="connsiteX42" y="connsiteY42"/>
+                </a:cxn>
+                <a:cxn ang="0">
+                  <a:pos x="connsiteX43" y="connsiteY43"/>
+                </a:cxn>
+                <a:cxn ang="0">
+                  <a:pos x="connsiteX44" y="connsiteY44"/>
+                </a:cxn>
+                <a:cxn ang="0">
+                  <a:pos x="connsiteX45" y="connsiteY45"/>
+                </a:cxn>
+                <a:cxn ang="0">
+                  <a:pos x="connsiteX46" y="connsiteY46"/>
+                </a:cxn>
+                <a:cxn ang="0">
+                  <a:pos x="connsiteX47" y="connsiteY47"/>
+                </a:cxn>
+                <a:cxn ang="0">
+                  <a:pos x="connsiteX48" y="connsiteY48"/>
+                </a:cxn>
+                <a:cxn ang="0">
+                  <a:pos x="connsiteX49" y="connsiteY49"/>
+                </a:cxn>
+                <a:cxn ang="0">
+                  <a:pos x="connsiteX50" y="connsiteY50"/>
+                </a:cxn>
+                <a:cxn ang="0">
+                  <a:pos x="connsiteX51" y="connsiteY51"/>
+                </a:cxn>
+                <a:cxn ang="0">
+                  <a:pos x="connsiteX52" y="connsiteY52"/>
+                </a:cxn>
+                <a:cxn ang="0">
+                  <a:pos x="connsiteX53" y="connsiteY53"/>
+                </a:cxn>
+                <a:cxn ang="0">
+                  <a:pos x="connsiteX54" y="connsiteY54"/>
+                </a:cxn>
+                <a:cxn ang="0">
+                  <a:pos x="connsiteX55" y="connsiteY55"/>
+                </a:cxn>
+                <a:cxn ang="0">
+                  <a:pos x="connsiteX56" y="connsiteY56"/>
+                </a:cxn>
+                <a:cxn ang="0">
+                  <a:pos x="connsiteX57" y="connsiteY57"/>
+                </a:cxn>
+                <a:cxn ang="0">
+                  <a:pos x="connsiteX58" y="connsiteY58"/>
+                </a:cxn>
+                <a:cxn ang="0">
+                  <a:pos x="connsiteX59" y="connsiteY59"/>
+                </a:cxn>
+                <a:cxn ang="0">
+                  <a:pos x="connsiteX60" y="connsiteY60"/>
+                </a:cxn>
+                <a:cxn ang="0">
+                  <a:pos x="connsiteX61" y="connsiteY61"/>
+                </a:cxn>
+                <a:cxn ang="0">
+                  <a:pos x="connsiteX62" y="connsiteY62"/>
+                </a:cxn>
+                <a:cxn ang="0">
+                  <a:pos x="connsiteX63" y="connsiteY63"/>
+                </a:cxn>
+                <a:cxn ang="0">
+                  <a:pos x="connsiteX64" y="connsiteY64"/>
+                </a:cxn>
+                <a:cxn ang="0">
+                  <a:pos x="connsiteX65" y="connsiteY65"/>
+                </a:cxn>
+                <a:cxn ang="0">
+                  <a:pos x="connsiteX66" y="connsiteY66"/>
+                </a:cxn>
+                <a:cxn ang="0">
+                  <a:pos x="connsiteX67" y="connsiteY67"/>
+                </a:cxn>
+                <a:cxn ang="0">
+                  <a:pos x="connsiteX68" y="connsiteY68"/>
+                </a:cxn>
+                <a:cxn ang="0">
+                  <a:pos x="connsiteX69" y="connsiteY69"/>
+                </a:cxn>
+                <a:cxn ang="0">
+                  <a:pos x="connsiteX70" y="connsiteY70"/>
+                </a:cxn>
+                <a:cxn ang="0">
+                  <a:pos x="connsiteX71" y="connsiteY71"/>
+                </a:cxn>
+                <a:cxn ang="0">
+                  <a:pos x="connsiteX72" y="connsiteY72"/>
+                </a:cxn>
+                <a:cxn ang="0">
+                  <a:pos x="connsiteX73" y="connsiteY73"/>
+                </a:cxn>
+                <a:cxn ang="0">
+                  <a:pos x="connsiteX74" y="connsiteY74"/>
+                </a:cxn>
+                <a:cxn ang="0">
+                  <a:pos x="connsiteX75" y="connsiteY75"/>
+                </a:cxn>
+                <a:cxn ang="0">
+                  <a:pos x="connsiteX76" y="connsiteY76"/>
+                </a:cxn>
+                <a:cxn ang="0">
+                  <a:pos x="connsiteX77" y="connsiteY77"/>
+                </a:cxn>
+                <a:cxn ang="0">
+                  <a:pos x="connsiteX78" y="connsiteY78"/>
+                </a:cxn>
+                <a:cxn ang="0">
+                  <a:pos x="connsiteX79" y="connsiteY79"/>
+                </a:cxn>
+                <a:cxn ang="0">
+                  <a:pos x="connsiteX80" y="connsiteY80"/>
+                </a:cxn>
+                <a:cxn ang="0">
+                  <a:pos x="connsiteX81" y="connsiteY81"/>
+                </a:cxn>
+                <a:cxn ang="0">
+                  <a:pos x="connsiteX82" y="connsiteY82"/>
+                </a:cxn>
+                <a:cxn ang="0">
+                  <a:pos x="connsiteX83" y="connsiteY83"/>
+                </a:cxn>
+                <a:cxn ang="0">
+                  <a:pos x="connsiteX84" y="connsiteY84"/>
+                </a:cxn>
+                <a:cxn ang="0">
+                  <a:pos x="connsiteX85" y="connsiteY85"/>
+                </a:cxn>
+                <a:cxn ang="0">
+                  <a:pos x="connsiteX86" y="connsiteY86"/>
+                </a:cxn>
+                <a:cxn ang="0">
+                  <a:pos x="connsiteX87" y="connsiteY87"/>
+                </a:cxn>
+                <a:cxn ang="0">
+                  <a:pos x="connsiteX88" y="connsiteY88"/>
+                </a:cxn>
+                <a:cxn ang="0">
+                  <a:pos x="connsiteX89" y="connsiteY89"/>
+                </a:cxn>
+                <a:cxn ang="0">
+                  <a:pos x="connsiteX90" y="connsiteY90"/>
+                </a:cxn>
+                <a:cxn ang="0">
+                  <a:pos x="connsiteX91" y="connsiteY91"/>
+                </a:cxn>
+                <a:cxn ang="0">
+                  <a:pos x="connsiteX92" y="connsiteY92"/>
+                </a:cxn>
+                <a:cxn ang="0">
+                  <a:pos x="connsiteX93" y="connsiteY93"/>
+                </a:cxn>
+                <a:cxn ang="0">
+                  <a:pos x="connsiteX94" y="connsiteY94"/>
+                </a:cxn>
+                <a:cxn ang="0">
+                  <a:pos x="connsiteX95" y="connsiteY95"/>
+                </a:cxn>
+                <a:cxn ang="0">
+                  <a:pos x="connsiteX96" y="connsiteY96"/>
+                </a:cxn>
+                <a:cxn ang="0">
+                  <a:pos x="connsiteX97" y="connsiteY97"/>
+                </a:cxn>
+                <a:cxn ang="0">
+                  <a:pos x="connsiteX98" y="connsiteY98"/>
+                </a:cxn>
+                <a:cxn ang="0">
+                  <a:pos x="connsiteX99" y="connsiteY99"/>
+                </a:cxn>
+                <a:cxn ang="0">
+                  <a:pos x="connsiteX100" y="connsiteY100"/>
+                </a:cxn>
+                <a:cxn ang="0">
+                  <a:pos x="connsiteX101" y="connsiteY101"/>
+                </a:cxn>
+                <a:cxn ang="0">
+                  <a:pos x="connsiteX102" y="connsiteY102"/>
+                </a:cxn>
+                <a:cxn ang="0">
+                  <a:pos x="connsiteX103" y="connsiteY103"/>
+                </a:cxn>
+                <a:cxn ang="0">
+                  <a:pos x="connsiteX104" y="connsiteY104"/>
+                </a:cxn>
+                <a:cxn ang="0">
+                  <a:pos x="connsiteX105" y="connsiteY105"/>
+                </a:cxn>
+                <a:cxn ang="0">
+                  <a:pos x="connsiteX106" y="connsiteY106"/>
+                </a:cxn>
+                <a:cxn ang="0">
+                  <a:pos x="connsiteX107" y="connsiteY107"/>
+                </a:cxn>
+                <a:cxn ang="0">
+                  <a:pos x="connsiteX108" y="connsiteY108"/>
+                </a:cxn>
+                <a:cxn ang="0">
+                  <a:pos x="connsiteX109" y="connsiteY109"/>
+                </a:cxn>
+                <a:cxn ang="0">
+                  <a:pos x="connsiteX110" y="connsiteY110"/>
+                </a:cxn>
+                <a:cxn ang="0">
+                  <a:pos x="connsiteX111" y="connsiteY111"/>
+                </a:cxn>
+                <a:cxn ang="0">
+                  <a:pos x="connsiteX112" y="connsiteY112"/>
+                </a:cxn>
+                <a:cxn ang="0">
+                  <a:pos x="connsiteX113" y="connsiteY113"/>
+                </a:cxn>
+                <a:cxn ang="0">
+                  <a:pos x="connsiteX114" y="connsiteY114"/>
+                </a:cxn>
+                <a:cxn ang="0">
+                  <a:pos x="connsiteX115" y="connsiteY115"/>
+                </a:cxn>
+                <a:cxn ang="0">
+                  <a:pos x="connsiteX116" y="connsiteY116"/>
+                </a:cxn>
+                <a:cxn ang="0">
+                  <a:pos x="connsiteX117" y="connsiteY117"/>
+                </a:cxn>
+                <a:cxn ang="0">
+                  <a:pos x="connsiteX118" y="connsiteY118"/>
+                </a:cxn>
+                <a:cxn ang="0">
+                  <a:pos x="connsiteX119" y="connsiteY119"/>
+                </a:cxn>
+                <a:cxn ang="0">
+                  <a:pos x="connsiteX120" y="connsiteY120"/>
+                </a:cxn>
+                <a:cxn ang="0">
+                  <a:pos x="connsiteX121" y="connsiteY121"/>
+                </a:cxn>
+                <a:cxn ang="0">
+                  <a:pos x="connsiteX122" y="connsiteY122"/>
+                </a:cxn>
+                <a:cxn ang="0">
+                  <a:pos x="connsiteX123" y="connsiteY123"/>
+                </a:cxn>
+                <a:cxn ang="0">
+                  <a:pos x="connsiteX124" y="connsiteY124"/>
+                </a:cxn>
+                <a:cxn ang="0">
+                  <a:pos x="connsiteX125" y="connsiteY125"/>
+                </a:cxn>
+                <a:cxn ang="0">
+                  <a:pos x="connsiteX126" y="connsiteY126"/>
+                </a:cxn>
+                <a:cxn ang="0">
+                  <a:pos x="connsiteX127" y="connsiteY127"/>
+                </a:cxn>
+                <a:cxn ang="0">
+                  <a:pos x="connsiteX128" y="connsiteY128"/>
+                </a:cxn>
+                <a:cxn ang="0">
+                  <a:pos x="connsiteX129" y="connsiteY129"/>
+                </a:cxn>
+                <a:cxn ang="0">
+                  <a:pos x="connsiteX130" y="connsiteY130"/>
+                </a:cxn>
+                <a:cxn ang="0">
+                  <a:pos x="connsiteX131" y="connsiteY131"/>
+                </a:cxn>
+                <a:cxn ang="0">
+                  <a:pos x="connsiteX132" y="connsiteY132"/>
+                </a:cxn>
+                <a:cxn ang="0">
+                  <a:pos x="connsiteX133" y="connsiteY133"/>
+                </a:cxn>
+                <a:cxn ang="0">
+                  <a:pos x="connsiteX134" y="connsiteY134"/>
+                </a:cxn>
+                <a:cxn ang="0">
+                  <a:pos x="connsiteX135" y="connsiteY135"/>
+                </a:cxn>
+              </a:cxnLst>
+              <a:rect l="l" t="t" r="r" b="b"/>
+              <a:pathLst>
+                <a:path w="1790700" h="1786127">
+                  <a:moveTo>
+                    <a:pt x="1709261" y="1139666"/>
+                  </a:moveTo>
+                  <a:lnTo>
+                    <a:pt x="1709261" y="995839"/>
+                  </a:lnTo>
+                  <a:cubicBezTo>
+                    <a:pt x="1638776" y="1034225"/>
+                    <a:pt x="1532096" y="1054037"/>
+                    <a:pt x="1425797" y="1054037"/>
+                  </a:cubicBezTo>
+                  <a:cubicBezTo>
+                    <a:pt x="1319593" y="1054037"/>
+                    <a:pt x="1212818" y="1034225"/>
+                    <a:pt x="1142429" y="995839"/>
+                  </a:cubicBezTo>
+                  <a:lnTo>
+                    <a:pt x="1142429" y="1139666"/>
+                  </a:lnTo>
+                  <a:cubicBezTo>
+                    <a:pt x="1142429" y="1165193"/>
+                    <a:pt x="1238822" y="1225201"/>
+                    <a:pt x="1425797" y="1225201"/>
+                  </a:cubicBezTo>
+                  <a:cubicBezTo>
+                    <a:pt x="1612868" y="1225201"/>
+                    <a:pt x="1709261" y="1165193"/>
+                    <a:pt x="1709261" y="1139666"/>
+                  </a:cubicBezTo>
+                  <a:close/>
+                  <a:moveTo>
+                    <a:pt x="1709261" y="1387793"/>
+                  </a:moveTo>
+                  <a:lnTo>
+                    <a:pt x="1709261" y="1248442"/>
+                  </a:lnTo>
+                  <a:cubicBezTo>
+                    <a:pt x="1638776" y="1286828"/>
+                    <a:pt x="1532096" y="1306735"/>
+                    <a:pt x="1425797" y="1306735"/>
+                  </a:cubicBezTo>
+                  <a:cubicBezTo>
+                    <a:pt x="1319593" y="1306735"/>
+                    <a:pt x="1212818" y="1286828"/>
+                    <a:pt x="1142429" y="1248442"/>
+                  </a:cubicBezTo>
+                  <a:lnTo>
+                    <a:pt x="1142429" y="1387793"/>
+                  </a:lnTo>
+                  <a:cubicBezTo>
+                    <a:pt x="1142429" y="1413320"/>
+                    <a:pt x="1238822" y="1473327"/>
+                    <a:pt x="1425797" y="1473327"/>
+                  </a:cubicBezTo>
+                  <a:cubicBezTo>
+                    <a:pt x="1612868" y="1473327"/>
+                    <a:pt x="1709261" y="1413320"/>
+                    <a:pt x="1709261" y="1387793"/>
+                  </a:cubicBezTo>
+                  <a:close/>
+                  <a:moveTo>
+                    <a:pt x="1709261" y="1609344"/>
+                  </a:moveTo>
+                  <a:lnTo>
+                    <a:pt x="1709261" y="1496568"/>
+                  </a:lnTo>
+                  <a:cubicBezTo>
+                    <a:pt x="1638776" y="1534954"/>
+                    <a:pt x="1532096" y="1554766"/>
+                    <a:pt x="1425797" y="1554766"/>
+                  </a:cubicBezTo>
+                  <a:cubicBezTo>
+                    <a:pt x="1319593" y="1554766"/>
+                    <a:pt x="1212818" y="1534954"/>
+                    <a:pt x="1142429" y="1496568"/>
+                  </a:cubicBezTo>
+                  <a:lnTo>
+                    <a:pt x="1142429" y="1609344"/>
+                  </a:lnTo>
+                  <a:cubicBezTo>
+                    <a:pt x="1142429" y="1634871"/>
+                    <a:pt x="1238822" y="1694878"/>
+                    <a:pt x="1425797" y="1694878"/>
+                  </a:cubicBezTo>
+                  <a:cubicBezTo>
+                    <a:pt x="1612868" y="1694878"/>
+                    <a:pt x="1709261" y="1634871"/>
+                    <a:pt x="1709261" y="1609344"/>
+                  </a:cubicBezTo>
+                  <a:close/>
+                  <a:moveTo>
+                    <a:pt x="1142429" y="887063"/>
+                  </a:moveTo>
+                  <a:cubicBezTo>
+                    <a:pt x="1142429" y="912686"/>
+                    <a:pt x="1238822" y="972598"/>
+                    <a:pt x="1425797" y="972598"/>
+                  </a:cubicBezTo>
+                  <a:cubicBezTo>
+                    <a:pt x="1612868" y="972598"/>
+                    <a:pt x="1709261" y="912686"/>
+                    <a:pt x="1709261" y="887063"/>
+                  </a:cubicBezTo>
+                  <a:cubicBezTo>
+                    <a:pt x="1709261" y="861536"/>
+                    <a:pt x="1612868" y="801529"/>
+                    <a:pt x="1425797" y="801529"/>
+                  </a:cubicBezTo>
+                  <a:cubicBezTo>
+                    <a:pt x="1238822" y="801529"/>
+                    <a:pt x="1142429" y="861536"/>
+                    <a:pt x="1142429" y="887063"/>
+                  </a:cubicBezTo>
+                  <a:close/>
+                  <a:moveTo>
+                    <a:pt x="1790700" y="887063"/>
+                  </a:moveTo>
+                  <a:lnTo>
+                    <a:pt x="1790700" y="1609344"/>
+                  </a:lnTo>
+                  <a:cubicBezTo>
+                    <a:pt x="1790700" y="1718977"/>
+                    <a:pt x="1607153" y="1776317"/>
+                    <a:pt x="1425797" y="1776317"/>
+                  </a:cubicBezTo>
+                  <a:cubicBezTo>
+                    <a:pt x="1244537" y="1776317"/>
+                    <a:pt x="1060895" y="1718977"/>
+                    <a:pt x="1060895" y="1609344"/>
+                  </a:cubicBezTo>
+                  <a:lnTo>
+                    <a:pt x="1060895" y="887063"/>
+                  </a:lnTo>
+                  <a:cubicBezTo>
+                    <a:pt x="1060895" y="777431"/>
+                    <a:pt x="1244537" y="719995"/>
+                    <a:pt x="1425797" y="719995"/>
+                  </a:cubicBezTo>
+                  <a:cubicBezTo>
+                    <a:pt x="1607153" y="719995"/>
+                    <a:pt x="1790700" y="777431"/>
+                    <a:pt x="1790700" y="887063"/>
+                  </a:cubicBezTo>
+                  <a:close/>
+                  <a:moveTo>
+                    <a:pt x="81439" y="1551908"/>
+                  </a:moveTo>
+                  <a:lnTo>
+                    <a:pt x="81439" y="234220"/>
+                  </a:lnTo>
+                  <a:cubicBezTo>
+                    <a:pt x="81439" y="149924"/>
+                    <a:pt x="150019" y="81439"/>
+                    <a:pt x="234220" y="81439"/>
+                  </a:cubicBezTo>
+                  <a:lnTo>
+                    <a:pt x="1552004" y="81439"/>
+                  </a:lnTo>
+                  <a:cubicBezTo>
+                    <a:pt x="1636205" y="81439"/>
+                    <a:pt x="1704689" y="149924"/>
+                    <a:pt x="1704689" y="234220"/>
+                  </a:cubicBezTo>
+                  <a:lnTo>
+                    <a:pt x="1704689" y="750951"/>
+                  </a:lnTo>
+                  <a:lnTo>
+                    <a:pt x="1786223" y="750951"/>
+                  </a:lnTo>
+                  <a:lnTo>
+                    <a:pt x="1786223" y="234220"/>
+                  </a:lnTo>
+                  <a:cubicBezTo>
+                    <a:pt x="1786223" y="105061"/>
+                    <a:pt x="1681163" y="0"/>
+                    <a:pt x="1552004" y="0"/>
+                  </a:cubicBezTo>
+                  <a:lnTo>
+                    <a:pt x="234220" y="0"/>
+                  </a:lnTo>
+                  <a:cubicBezTo>
+                    <a:pt x="105061" y="0"/>
+                    <a:pt x="0" y="105061"/>
+                    <a:pt x="0" y="234220"/>
+                  </a:cubicBezTo>
+                  <a:lnTo>
+                    <a:pt x="0" y="1551908"/>
+                  </a:lnTo>
+                  <a:cubicBezTo>
+                    <a:pt x="0" y="1681067"/>
+                    <a:pt x="105061" y="1786128"/>
+                    <a:pt x="234220" y="1786128"/>
+                  </a:cubicBezTo>
+                  <a:lnTo>
+                    <a:pt x="1035177" y="1786128"/>
+                  </a:lnTo>
+                  <a:lnTo>
+                    <a:pt x="1035177" y="1704689"/>
+                  </a:lnTo>
+                  <a:lnTo>
+                    <a:pt x="234220" y="1704689"/>
+                  </a:lnTo>
+                  <a:cubicBezTo>
+                    <a:pt x="150019" y="1704689"/>
+                    <a:pt x="81439" y="1636109"/>
+                    <a:pt x="81439" y="1551908"/>
+                  </a:cubicBezTo>
+                  <a:close/>
+                  <a:moveTo>
+                    <a:pt x="1343216" y="260033"/>
+                  </a:moveTo>
+                  <a:lnTo>
+                    <a:pt x="1343216" y="579977"/>
+                  </a:lnTo>
+                  <a:lnTo>
+                    <a:pt x="1516856" y="579977"/>
+                  </a:lnTo>
+                  <a:lnTo>
+                    <a:pt x="1516856" y="528733"/>
+                  </a:lnTo>
+                  <a:lnTo>
+                    <a:pt x="1407890" y="528733"/>
+                  </a:lnTo>
+                  <a:lnTo>
+                    <a:pt x="1407890" y="260033"/>
+                  </a:lnTo>
+                  <a:close/>
+                  <a:moveTo>
+                    <a:pt x="1222343" y="419767"/>
+                  </a:moveTo>
+                  <a:cubicBezTo>
+                    <a:pt x="1222343" y="381000"/>
+                    <a:pt x="1217200" y="352235"/>
+                    <a:pt x="1207103" y="333470"/>
+                  </a:cubicBezTo>
+                  <a:cubicBezTo>
+                    <a:pt x="1196912" y="314706"/>
+                    <a:pt x="1181291" y="305276"/>
+                    <a:pt x="1160431" y="305276"/>
+                  </a:cubicBezTo>
+                  <a:cubicBezTo>
+                    <a:pt x="1139571" y="305276"/>
+                    <a:pt x="1123950" y="314706"/>
+                    <a:pt x="1113758" y="333470"/>
+                  </a:cubicBezTo>
+                  <a:cubicBezTo>
+                    <a:pt x="1103662" y="352235"/>
+                    <a:pt x="1098614" y="381000"/>
+                    <a:pt x="1098614" y="419767"/>
+                  </a:cubicBezTo>
+                  <a:cubicBezTo>
+                    <a:pt x="1098614" y="457676"/>
+                    <a:pt x="1103757" y="486251"/>
+                    <a:pt x="1114235" y="505682"/>
+                  </a:cubicBezTo>
+                  <a:cubicBezTo>
+                    <a:pt x="1124712" y="525018"/>
+                    <a:pt x="1140143" y="534734"/>
+                    <a:pt x="1160431" y="534734"/>
+                  </a:cubicBezTo>
+                  <a:cubicBezTo>
+                    <a:pt x="1180719" y="534734"/>
+                    <a:pt x="1196150" y="525018"/>
+                    <a:pt x="1206532" y="505682"/>
+                  </a:cubicBezTo>
+                  <a:cubicBezTo>
+                    <a:pt x="1217009" y="486251"/>
+                    <a:pt x="1222343" y="457676"/>
+                    <a:pt x="1222343" y="419767"/>
+                  </a:cubicBezTo>
+                  <a:close/>
+                  <a:moveTo>
+                    <a:pt x="1207103" y="579025"/>
+                  </a:moveTo>
+                  <a:cubicBezTo>
+                    <a:pt x="1216628" y="586740"/>
+                    <a:pt x="1227201" y="592741"/>
+                    <a:pt x="1238917" y="597027"/>
+                  </a:cubicBezTo>
+                  <a:cubicBezTo>
+                    <a:pt x="1250633" y="601313"/>
+                    <a:pt x="1264920" y="604457"/>
+                    <a:pt x="1281875" y="606362"/>
+                  </a:cubicBezTo>
+                  <a:lnTo>
+                    <a:pt x="1281875" y="658940"/>
+                  </a:lnTo>
+                  <a:cubicBezTo>
+                    <a:pt x="1257491" y="655225"/>
+                    <a:pt x="1234154" y="647033"/>
+                    <a:pt x="1211675" y="634460"/>
+                  </a:cubicBezTo>
+                  <a:cubicBezTo>
+                    <a:pt x="1189196" y="621792"/>
+                    <a:pt x="1169956" y="605981"/>
+                    <a:pt x="1153954" y="586931"/>
+                  </a:cubicBezTo>
+                  <a:cubicBezTo>
+                    <a:pt x="1115187" y="585407"/>
+                    <a:pt x="1085183" y="570071"/>
+                    <a:pt x="1063943" y="541020"/>
+                  </a:cubicBezTo>
+                  <a:cubicBezTo>
+                    <a:pt x="1042702" y="511874"/>
+                    <a:pt x="1032034" y="471583"/>
+                    <a:pt x="1032034" y="419767"/>
+                  </a:cubicBezTo>
+                  <a:cubicBezTo>
+                    <a:pt x="1032034" y="366808"/>
+                    <a:pt x="1043273" y="325850"/>
+                    <a:pt x="1065752" y="296799"/>
+                  </a:cubicBezTo>
+                  <a:cubicBezTo>
+                    <a:pt x="1088231" y="267653"/>
+                    <a:pt x="1119759" y="253079"/>
+                    <a:pt x="1160431" y="253079"/>
+                  </a:cubicBezTo>
+                  <a:cubicBezTo>
+                    <a:pt x="1201007" y="253079"/>
+                    <a:pt x="1232630" y="267653"/>
+                    <a:pt x="1255109" y="296799"/>
+                  </a:cubicBezTo>
+                  <a:cubicBezTo>
+                    <a:pt x="1277493" y="325850"/>
+                    <a:pt x="1288733" y="366808"/>
+                    <a:pt x="1288733" y="419767"/>
+                  </a:cubicBezTo>
+                  <a:cubicBezTo>
+                    <a:pt x="1288733" y="461010"/>
+                    <a:pt x="1281779" y="495395"/>
+                    <a:pt x="1267778" y="522732"/>
+                  </a:cubicBezTo>
+                  <a:cubicBezTo>
+                    <a:pt x="1253776" y="550164"/>
+                    <a:pt x="1233488" y="568928"/>
+                    <a:pt x="1207103" y="579025"/>
+                  </a:cubicBezTo>
+                  <a:close/>
+                  <a:moveTo>
+                    <a:pt x="881539" y="535115"/>
+                  </a:moveTo>
+                  <a:cubicBezTo>
+                    <a:pt x="871442" y="535115"/>
+                    <a:pt x="859250" y="533781"/>
+                    <a:pt x="844868" y="530828"/>
+                  </a:cubicBezTo>
+                  <a:cubicBezTo>
+                    <a:pt x="830580" y="527876"/>
+                    <a:pt x="817721" y="524351"/>
+                    <a:pt x="806291" y="519970"/>
+                  </a:cubicBezTo>
+                  <a:lnTo>
+                    <a:pt x="806291" y="568452"/>
+                  </a:lnTo>
+                  <a:cubicBezTo>
+                    <a:pt x="816102" y="573977"/>
+                    <a:pt x="828294" y="578453"/>
+                    <a:pt x="842772" y="581882"/>
+                  </a:cubicBezTo>
+                  <a:cubicBezTo>
+                    <a:pt x="857250" y="585216"/>
+                    <a:pt x="871728" y="586931"/>
+                    <a:pt x="886206" y="586931"/>
+                  </a:cubicBezTo>
+                  <a:cubicBezTo>
+                    <a:pt x="919353" y="586931"/>
+                    <a:pt x="945452" y="578453"/>
+                    <a:pt x="964406" y="561308"/>
+                  </a:cubicBezTo>
+                  <a:cubicBezTo>
+                    <a:pt x="983361" y="544163"/>
+                    <a:pt x="992791" y="521018"/>
+                    <a:pt x="992791" y="491776"/>
+                  </a:cubicBezTo>
+                  <a:cubicBezTo>
+                    <a:pt x="992791" y="476726"/>
+                    <a:pt x="990505" y="463868"/>
+                    <a:pt x="986123" y="453295"/>
+                  </a:cubicBezTo>
+                  <a:cubicBezTo>
+                    <a:pt x="981742" y="442627"/>
+                    <a:pt x="974788" y="433007"/>
+                    <a:pt x="965359" y="424339"/>
+                  </a:cubicBezTo>
+                  <a:cubicBezTo>
+                    <a:pt x="955929" y="415862"/>
+                    <a:pt x="943261" y="407194"/>
+                    <a:pt x="927259" y="398526"/>
+                  </a:cubicBezTo>
+                  <a:lnTo>
+                    <a:pt x="902303" y="385191"/>
+                  </a:lnTo>
+                  <a:cubicBezTo>
+                    <a:pt x="888778" y="377857"/>
+                    <a:pt x="879634" y="370999"/>
+                    <a:pt x="874871" y="364903"/>
+                  </a:cubicBezTo>
+                  <a:cubicBezTo>
+                    <a:pt x="870013" y="358712"/>
+                    <a:pt x="867728" y="350806"/>
+                    <a:pt x="867728" y="341281"/>
+                  </a:cubicBezTo>
+                  <a:cubicBezTo>
+                    <a:pt x="867728" y="329946"/>
+                    <a:pt x="871442" y="320993"/>
+                    <a:pt x="878777" y="314515"/>
+                  </a:cubicBezTo>
+                  <a:cubicBezTo>
+                    <a:pt x="886206" y="308039"/>
+                    <a:pt x="896303" y="304800"/>
+                    <a:pt x="909257" y="304800"/>
+                  </a:cubicBezTo>
+                  <a:cubicBezTo>
+                    <a:pt x="928307" y="304800"/>
+                    <a:pt x="950309" y="309467"/>
+                    <a:pt x="975265" y="318707"/>
+                  </a:cubicBezTo>
+                  <a:lnTo>
+                    <a:pt x="975265" y="269748"/>
+                  </a:lnTo>
+                  <a:cubicBezTo>
+                    <a:pt x="951357" y="258604"/>
+                    <a:pt x="927163" y="253079"/>
+                    <a:pt x="902780" y="253079"/>
+                  </a:cubicBezTo>
+                  <a:cubicBezTo>
+                    <a:pt x="883444" y="253079"/>
+                    <a:pt x="866299" y="256889"/>
+                    <a:pt x="851345" y="264414"/>
+                  </a:cubicBezTo>
+                  <a:cubicBezTo>
+                    <a:pt x="836390" y="271939"/>
+                    <a:pt x="824579" y="282797"/>
+                    <a:pt x="816007" y="296799"/>
+                  </a:cubicBezTo>
+                  <a:cubicBezTo>
+                    <a:pt x="807339" y="310706"/>
+                    <a:pt x="803053" y="327184"/>
+                    <a:pt x="803053" y="345948"/>
+                  </a:cubicBezTo>
+                  <a:cubicBezTo>
+                    <a:pt x="803053" y="366236"/>
+                    <a:pt x="808006" y="383477"/>
+                    <a:pt x="817817" y="397574"/>
+                  </a:cubicBezTo>
+                  <a:cubicBezTo>
+                    <a:pt x="827723" y="411766"/>
+                    <a:pt x="844010" y="425006"/>
+                    <a:pt x="866775" y="437293"/>
+                  </a:cubicBezTo>
+                  <a:lnTo>
+                    <a:pt x="891731" y="450723"/>
+                  </a:lnTo>
+                  <a:cubicBezTo>
+                    <a:pt x="904399" y="457486"/>
+                    <a:pt x="913352" y="464249"/>
+                    <a:pt x="918686" y="470821"/>
+                  </a:cubicBezTo>
+                  <a:cubicBezTo>
+                    <a:pt x="924115" y="477393"/>
+                    <a:pt x="926878" y="485489"/>
+                    <a:pt x="926878" y="495014"/>
+                  </a:cubicBezTo>
+                  <a:cubicBezTo>
+                    <a:pt x="926878" y="507968"/>
+                    <a:pt x="922973" y="517874"/>
+                    <a:pt x="915257" y="524828"/>
+                  </a:cubicBezTo>
+                  <a:cubicBezTo>
+                    <a:pt x="907542" y="531781"/>
+                    <a:pt x="896303" y="535115"/>
+                    <a:pt x="881539" y="535115"/>
+                  </a:cubicBezTo>
+                  <a:close/>
+                  <a:moveTo>
+                    <a:pt x="644271" y="623792"/>
+                  </a:moveTo>
+                  <a:cubicBezTo>
+                    <a:pt x="638461" y="629984"/>
+                    <a:pt x="629603" y="633032"/>
+                    <a:pt x="617887" y="633032"/>
+                  </a:cubicBezTo>
+                  <a:cubicBezTo>
+                    <a:pt x="611410" y="633032"/>
+                    <a:pt x="604076" y="632460"/>
+                    <a:pt x="595694" y="631317"/>
+                  </a:cubicBezTo>
+                  <a:lnTo>
+                    <a:pt x="595694" y="673703"/>
+                  </a:lnTo>
+                  <a:cubicBezTo>
+                    <a:pt x="609600" y="678371"/>
+                    <a:pt x="623126" y="680657"/>
+                    <a:pt x="636365" y="680657"/>
+                  </a:cubicBezTo>
+                  <a:cubicBezTo>
+                    <a:pt x="653891" y="680657"/>
+                    <a:pt x="668084" y="675513"/>
+                    <a:pt x="678847" y="665417"/>
+                  </a:cubicBezTo>
+                  <a:cubicBezTo>
+                    <a:pt x="689705" y="655225"/>
+                    <a:pt x="698278" y="638747"/>
+                    <a:pt x="704755" y="615982"/>
+                  </a:cubicBezTo>
+                  <a:lnTo>
+                    <a:pt x="782765" y="344138"/>
+                  </a:lnTo>
+                  <a:lnTo>
+                    <a:pt x="717613" y="344138"/>
+                  </a:lnTo>
+                  <a:lnTo>
+                    <a:pt x="683038" y="517684"/>
+                  </a:lnTo>
+                  <a:lnTo>
+                    <a:pt x="647510" y="344138"/>
+                  </a:lnTo>
+                  <a:lnTo>
+                    <a:pt x="580454" y="344138"/>
+                  </a:lnTo>
+                  <a:lnTo>
+                    <a:pt x="656749" y="584645"/>
+                  </a:lnTo>
+                  <a:lnTo>
+                    <a:pt x="655796" y="592836"/>
+                  </a:lnTo>
+                  <a:cubicBezTo>
+                    <a:pt x="653891" y="607409"/>
+                    <a:pt x="650081" y="617696"/>
+                    <a:pt x="644271" y="623792"/>
+                  </a:cubicBezTo>
+                  <a:close/>
+                  <a:moveTo>
+                    <a:pt x="489585" y="579977"/>
+                  </a:moveTo>
+                  <a:lnTo>
+                    <a:pt x="489585" y="355664"/>
+                  </a:lnTo>
+                  <a:lnTo>
+                    <a:pt x="435578" y="501015"/>
+                  </a:lnTo>
+                  <a:lnTo>
+                    <a:pt x="380619" y="501015"/>
+                  </a:lnTo>
+                  <a:lnTo>
+                    <a:pt x="326993" y="356997"/>
+                  </a:lnTo>
+                  <a:lnTo>
+                    <a:pt x="326993" y="579977"/>
+                  </a:lnTo>
+                  <a:lnTo>
+                    <a:pt x="269272" y="579977"/>
+                  </a:lnTo>
+                  <a:lnTo>
+                    <a:pt x="269272" y="260033"/>
+                  </a:lnTo>
+                  <a:lnTo>
+                    <a:pt x="343281" y="260033"/>
+                  </a:lnTo>
+                  <a:lnTo>
+                    <a:pt x="409289" y="439198"/>
+                  </a:lnTo>
+                  <a:lnTo>
+                    <a:pt x="475298" y="260033"/>
+                  </a:lnTo>
+                  <a:lnTo>
+                    <a:pt x="547307" y="260033"/>
+                  </a:lnTo>
+                  <a:lnTo>
+                    <a:pt x="547307" y="579977"/>
+                  </a:lnTo>
+                  <a:close/>
+                </a:path>
+              </a:pathLst>
+            </a:custGeom>
+            <a:solidFill>
+              <a:srgbClr val="C925D1"/>
+            </a:solidFill>
+            <a:ln w="9525" cap="flat">
+              <a:noFill/>
+              <a:prstDash val="solid"/>
+              <a:miter/>
+            </a:ln>
+          </p:spPr>
+          <p:txBody>
+            <a:bodyPr rtlCol="0" anchor="ctr"/>
+            <a:lstStyle/>
+            <a:p>
+              <a:endParaRPr lang="ja-JP" altLang="en-US" dirty="0"/>
+            </a:p>
+          </p:txBody>
+        </p:sp>
+      </p:grpSp>
+      <p:pic>
+        <p:nvPicPr>
+          <p:cNvPr id="6" name="グラフィックス 5">
+            <a:extLst>
+              <a:ext uri="{FF2B5EF4-FFF2-40B4-BE49-F238E27FC236}">
+                <a16:creationId xmlns:a16="http://schemas.microsoft.com/office/drawing/2014/main" id="{C19495AC-6D40-E8C5-CAD8-08D73C773F9C}"/>
+              </a:ext>
+            </a:extLst>
+          </p:cNvPr>
+          <p:cNvPicPr>
+            <a:picLocks noChangeAspect="1"/>
+          </p:cNvPicPr>
+          <p:nvPr/>
+        </p:nvPicPr>
+        <p:blipFill>
+          <a:blip r:embed="rId5">
+            <a:extLst>
+              <a:ext uri="{96DAC541-7B7A-43D3-8B79-37D633B846F1}">
+                <asvg:svgBlip xmlns:asvg="http://schemas.microsoft.com/office/drawing/2016/SVG/main" r:embed="rId6"/>
+              </a:ext>
+            </a:extLst>
+          </a:blip>
+          <a:stretch>
+            <a:fillRect/>
+          </a:stretch>
+        </p:blipFill>
+        <p:spPr>
+          <a:xfrm>
+            <a:off x="5310187" y="3019073"/>
+            <a:ext cx="1571625" cy="1524000"/>
+          </a:xfrm>
+          <a:prstGeom prst="rect">
+            <a:avLst/>
+          </a:prstGeom>
+        </p:spPr>
+      </p:pic>
+      <p:cxnSp>
+        <p:nvCxnSpPr>
+          <p:cNvPr id="13" name="直線矢印コネクタ 12">
+            <a:extLst>
+              <a:ext uri="{FF2B5EF4-FFF2-40B4-BE49-F238E27FC236}">
+                <a16:creationId xmlns:a16="http://schemas.microsoft.com/office/drawing/2014/main" id="{D4F24C4E-78CF-FB73-69B7-B791F4E563E9}"/>
+              </a:ext>
+            </a:extLst>
+          </p:cNvPr>
+          <p:cNvCxnSpPr>
+            <a:cxnSpLocks/>
+            <a:endCxn id="1028" idx="3"/>
+          </p:cNvCxnSpPr>
+          <p:nvPr/>
+        </p:nvCxnSpPr>
+        <p:spPr>
+          <a:xfrm flipH="1" flipV="1">
+            <a:off x="3030217" y="2210044"/>
+            <a:ext cx="2106227" cy="718310"/>
+          </a:xfrm>
+          <a:prstGeom prst="straightConnector1">
+            <a:avLst/>
+          </a:prstGeom>
+          <a:ln>
+            <a:solidFill>
+              <a:schemeClr val="bg2">
+                <a:lumMod val="25000"/>
+              </a:schemeClr>
+            </a:solidFill>
+            <a:tailEnd type="triangle"/>
+          </a:ln>
+        </p:spPr>
+        <p:style>
+          <a:lnRef idx="1">
+            <a:schemeClr val="accent1"/>
+          </a:lnRef>
+          <a:fillRef idx="0">
+            <a:schemeClr val="accent1"/>
+          </a:fillRef>
+          <a:effectRef idx="0">
+            <a:schemeClr val="accent1"/>
+          </a:effectRef>
+          <a:fontRef idx="minor">
+            <a:schemeClr val="tx1"/>
+          </a:fontRef>
+        </p:style>
+      </p:cxnSp>
+      <p:cxnSp>
+        <p:nvCxnSpPr>
+          <p:cNvPr id="14" name="直線矢印コネクタ 13">
+            <a:extLst>
+              <a:ext uri="{FF2B5EF4-FFF2-40B4-BE49-F238E27FC236}">
+                <a16:creationId xmlns:a16="http://schemas.microsoft.com/office/drawing/2014/main" id="{625143DA-1711-E4D7-E0FC-C5B3CEADC0AE}"/>
+              </a:ext>
+            </a:extLst>
+          </p:cNvPr>
+          <p:cNvCxnSpPr>
+            <a:cxnSpLocks/>
+            <a:endCxn id="1026" idx="3"/>
+          </p:cNvCxnSpPr>
+          <p:nvPr/>
+        </p:nvCxnSpPr>
+        <p:spPr>
+          <a:xfrm flipH="1">
+            <a:off x="3030216" y="3728328"/>
+            <a:ext cx="2106228" cy="1"/>
+          </a:xfrm>
+          <a:prstGeom prst="straightConnector1">
+            <a:avLst/>
+          </a:prstGeom>
+          <a:ln>
+            <a:solidFill>
+              <a:schemeClr val="bg2">
+                <a:lumMod val="25000"/>
+              </a:schemeClr>
+            </a:solidFill>
+            <a:tailEnd type="triangle"/>
+          </a:ln>
+        </p:spPr>
+        <p:style>
+          <a:lnRef idx="1">
+            <a:schemeClr val="accent1"/>
+          </a:lnRef>
+          <a:fillRef idx="0">
+            <a:schemeClr val="accent1"/>
+          </a:fillRef>
+          <a:effectRef idx="0">
+            <a:schemeClr val="accent1"/>
+          </a:effectRef>
+          <a:fontRef idx="minor">
+            <a:schemeClr val="tx1"/>
+          </a:fontRef>
+        </p:style>
+      </p:cxnSp>
+      <p:cxnSp>
+        <p:nvCxnSpPr>
+          <p:cNvPr id="19" name="直線矢印コネクタ 18">
+            <a:extLst>
+              <a:ext uri="{FF2B5EF4-FFF2-40B4-BE49-F238E27FC236}">
+                <a16:creationId xmlns:a16="http://schemas.microsoft.com/office/drawing/2014/main" id="{F4F10E60-2E5B-C569-A87C-961D565953DF}"/>
+              </a:ext>
+            </a:extLst>
+          </p:cNvPr>
+          <p:cNvCxnSpPr>
+            <a:cxnSpLocks/>
+            <a:endCxn id="1032" idx="3"/>
+          </p:cNvCxnSpPr>
+          <p:nvPr/>
+        </p:nvCxnSpPr>
+        <p:spPr>
+          <a:xfrm flipH="1">
+            <a:off x="3030216" y="4551745"/>
+            <a:ext cx="2106228" cy="791642"/>
+          </a:xfrm>
+          <a:prstGeom prst="straightConnector1">
+            <a:avLst/>
+          </a:prstGeom>
+          <a:ln>
+            <a:solidFill>
+              <a:schemeClr val="bg2">
+                <a:lumMod val="25000"/>
+              </a:schemeClr>
+            </a:solidFill>
+            <a:tailEnd type="triangle"/>
+          </a:ln>
+        </p:spPr>
+        <p:style>
+          <a:lnRef idx="1">
+            <a:schemeClr val="accent1"/>
+          </a:lnRef>
+          <a:fillRef idx="0">
+            <a:schemeClr val="accent1"/>
+          </a:fillRef>
+          <a:effectRef idx="0">
+            <a:schemeClr val="accent1"/>
+          </a:effectRef>
+          <a:fontRef idx="minor">
+            <a:schemeClr val="tx1"/>
+          </a:fontRef>
+        </p:style>
+      </p:cxnSp>
+      <p:sp>
+        <p:nvSpPr>
+          <p:cNvPr id="21" name="テキスト ボックス 20">
+            <a:extLst>
+              <a:ext uri="{FF2B5EF4-FFF2-40B4-BE49-F238E27FC236}">
+                <a16:creationId xmlns:a16="http://schemas.microsoft.com/office/drawing/2014/main" id="{BD556C63-EFCF-3750-A187-3EC53F2BE20F}"/>
+              </a:ext>
+            </a:extLst>
+          </p:cNvPr>
+          <p:cNvSpPr txBox="1"/>
+          <p:nvPr/>
+        </p:nvSpPr>
+        <p:spPr>
+          <a:xfrm rot="508353">
+            <a:off x="7029265" y="4547456"/>
+            <a:ext cx="2206125" cy="523220"/>
+          </a:xfrm>
+          <a:prstGeom prst="rect">
+            <a:avLst/>
+          </a:prstGeom>
+          <a:noFill/>
+        </p:spPr>
+        <p:txBody>
+          <a:bodyPr wrap="square" rtlCol="0">
+            <a:spAutoFit/>
+          </a:bodyPr>
+          <a:lstStyle/>
+          <a:p>
+            <a:pPr algn="ctr"/>
+            <a:r>
+              <a:rPr kumimoji="1" lang="en-US" altLang="ja-JP" sz="2800" dirty="0">
+                <a:latin typeface="BIZ UDPゴシック" panose="020B0400000000000000" pitchFamily="50" charset="-128"/>
+                <a:ea typeface="BIZ UDPゴシック" panose="020B0400000000000000" pitchFamily="50" charset="-128"/>
+              </a:rPr>
+              <a:t>post</a:t>
+            </a:r>
+            <a:endParaRPr kumimoji="1" lang="ja-JP" altLang="en-US" sz="2800" dirty="0">
+              <a:latin typeface="BIZ UDPゴシック" panose="020B0400000000000000" pitchFamily="50" charset="-128"/>
+              <a:ea typeface="BIZ UDPゴシック" panose="020B0400000000000000" pitchFamily="50" charset="-128"/>
+            </a:endParaRPr>
+          </a:p>
+        </p:txBody>
+      </p:sp>
+      <p:cxnSp>
+        <p:nvCxnSpPr>
+          <p:cNvPr id="26" name="直線矢印コネクタ 25">
+            <a:extLst>
+              <a:ext uri="{FF2B5EF4-FFF2-40B4-BE49-F238E27FC236}">
+                <a16:creationId xmlns:a16="http://schemas.microsoft.com/office/drawing/2014/main" id="{DE4BE8A8-4E56-5A37-4810-D7658F5E014E}"/>
+              </a:ext>
+            </a:extLst>
+          </p:cNvPr>
+          <p:cNvCxnSpPr>
+            <a:cxnSpLocks/>
+          </p:cNvCxnSpPr>
+          <p:nvPr/>
+        </p:nvCxnSpPr>
+        <p:spPr>
+          <a:xfrm>
+            <a:off x="7180822" y="4520191"/>
+            <a:ext cx="1980961" cy="288876"/>
+          </a:xfrm>
+          <a:prstGeom prst="straightConnector1">
+            <a:avLst/>
+          </a:prstGeom>
+          <a:ln>
+            <a:solidFill>
+              <a:schemeClr val="bg2">
+                <a:lumMod val="25000"/>
+              </a:schemeClr>
+            </a:solidFill>
+            <a:headEnd type="triangle"/>
+            <a:tailEnd type="triangle"/>
+          </a:ln>
+        </p:spPr>
+        <p:style>
+          <a:lnRef idx="1">
+            <a:schemeClr val="accent1"/>
+          </a:lnRef>
+          <a:fillRef idx="0">
+            <a:schemeClr val="accent1"/>
+          </a:fillRef>
+          <a:effectRef idx="0">
+            <a:schemeClr val="accent1"/>
+          </a:effectRef>
+          <a:fontRef idx="minor">
+            <a:schemeClr val="tx1"/>
+          </a:fontRef>
+        </p:style>
+      </p:cxnSp>
+      <p:cxnSp>
+        <p:nvCxnSpPr>
+          <p:cNvPr id="28" name="直線矢印コネクタ 27">
+            <a:extLst>
+              <a:ext uri="{FF2B5EF4-FFF2-40B4-BE49-F238E27FC236}">
+                <a16:creationId xmlns:a16="http://schemas.microsoft.com/office/drawing/2014/main" id="{0400C26A-9319-D243-E796-01F2A9A8D545}"/>
+              </a:ext>
+            </a:extLst>
+          </p:cNvPr>
+          <p:cNvCxnSpPr>
+            <a:cxnSpLocks/>
+          </p:cNvCxnSpPr>
+          <p:nvPr/>
+        </p:nvCxnSpPr>
+        <p:spPr>
+          <a:xfrm>
+            <a:off x="10182578" y="2569199"/>
+            <a:ext cx="0" cy="1720579"/>
+          </a:xfrm>
+          <a:prstGeom prst="straightConnector1">
+            <a:avLst/>
+          </a:prstGeom>
+          <a:ln>
+            <a:solidFill>
+              <a:schemeClr val="bg2">
+                <a:lumMod val="25000"/>
+              </a:schemeClr>
+            </a:solidFill>
+            <a:headEnd type="triangle"/>
+            <a:tailEnd type="triangle"/>
+          </a:ln>
+        </p:spPr>
+        <p:style>
+          <a:lnRef idx="1">
+            <a:schemeClr val="accent1"/>
+          </a:lnRef>
+          <a:fillRef idx="0">
+            <a:schemeClr val="accent1"/>
+          </a:fillRef>
+          <a:effectRef idx="0">
+            <a:schemeClr val="accent1"/>
+          </a:effectRef>
+          <a:fontRef idx="minor">
+            <a:schemeClr val="tx1"/>
+          </a:fontRef>
+        </p:style>
+      </p:cxnSp>
+      <p:pic>
+        <p:nvPicPr>
+          <p:cNvPr id="8" name="図 7" descr="アイコン&#10;&#10;自動的に生成された説明">
+            <a:extLst>
+              <a:ext uri="{FF2B5EF4-FFF2-40B4-BE49-F238E27FC236}">
+                <a16:creationId xmlns:a16="http://schemas.microsoft.com/office/drawing/2014/main" id="{9A767D1A-B91A-B1AB-B044-9EF0599F9E09}"/>
+              </a:ext>
+            </a:extLst>
+          </p:cNvPr>
+          <p:cNvPicPr>
+            <a:picLocks noChangeAspect="1"/>
+          </p:cNvPicPr>
+          <p:nvPr/>
+        </p:nvPicPr>
+        <p:blipFill>
+          <a:blip r:embed="rId7">
+            <a:extLst>
+              <a:ext uri="{28A0092B-C50C-407E-A947-70E740481C1C}">
+                <a14:useLocalDpi xmlns:a14="http://schemas.microsoft.com/office/drawing/2010/main" val="0"/>
+              </a:ext>
+            </a:extLst>
+          </a:blip>
+          <a:stretch>
+            <a:fillRect/>
+          </a:stretch>
+        </p:blipFill>
+        <p:spPr>
+          <a:xfrm>
+            <a:off x="9555255" y="614884"/>
+            <a:ext cx="1572956" cy="1790700"/>
+          </a:xfrm>
+          <a:prstGeom prst="rect">
+            <a:avLst/>
+          </a:prstGeom>
+        </p:spPr>
+      </p:pic>
+      <p:sp>
+        <p:nvSpPr>
+          <p:cNvPr id="35" name="テキスト ボックス 34">
+            <a:extLst>
+              <a:ext uri="{FF2B5EF4-FFF2-40B4-BE49-F238E27FC236}">
+                <a16:creationId xmlns:a16="http://schemas.microsoft.com/office/drawing/2014/main" id="{F4C1B6DB-B3E7-24CE-1B9E-A36884EBF10C}"/>
+              </a:ext>
+            </a:extLst>
+          </p:cNvPr>
+          <p:cNvSpPr txBox="1"/>
+          <p:nvPr/>
+        </p:nvSpPr>
+        <p:spPr>
+          <a:xfrm>
+            <a:off x="2926855" y="3881231"/>
+            <a:ext cx="2206125" cy="523220"/>
+          </a:xfrm>
+          <a:prstGeom prst="rect">
+            <a:avLst/>
+          </a:prstGeom>
+          <a:noFill/>
+        </p:spPr>
+        <p:txBody>
+          <a:bodyPr wrap="square" rtlCol="0">
+            <a:spAutoFit/>
+          </a:bodyPr>
+          <a:lstStyle/>
+          <a:p>
+            <a:pPr algn="ctr"/>
+            <a:r>
+              <a:rPr kumimoji="1" lang="ja-JP" altLang="en-US" sz="2800" dirty="0">
+                <a:latin typeface="BIZ UDPゴシック" panose="020B0400000000000000" pitchFamily="50" charset="-128"/>
+                <a:ea typeface="BIZ UDPゴシック" panose="020B0400000000000000" pitchFamily="50" charset="-128"/>
+              </a:rPr>
+              <a:t>スクレイプ</a:t>
+            </a:r>
+          </a:p>
+        </p:txBody>
+      </p:sp>
+      <p:sp>
+        <p:nvSpPr>
+          <p:cNvPr id="36" name="テキスト ボックス 35">
+            <a:extLst>
+              <a:ext uri="{FF2B5EF4-FFF2-40B4-BE49-F238E27FC236}">
+                <a16:creationId xmlns:a16="http://schemas.microsoft.com/office/drawing/2014/main" id="{EA9BC115-D467-1A1F-E9F4-2A94BDD8F6DD}"/>
+              </a:ext>
+            </a:extLst>
+          </p:cNvPr>
+          <p:cNvSpPr txBox="1"/>
+          <p:nvPr/>
+        </p:nvSpPr>
+        <p:spPr>
+          <a:xfrm rot="488513">
+            <a:off x="7054854" y="4107500"/>
+            <a:ext cx="2206125" cy="523220"/>
+          </a:xfrm>
+          <a:prstGeom prst="rect">
+            <a:avLst/>
+          </a:prstGeom>
+          <a:noFill/>
+        </p:spPr>
+        <p:txBody>
+          <a:bodyPr wrap="square" rtlCol="0">
+            <a:spAutoFit/>
+          </a:bodyPr>
+          <a:lstStyle/>
+          <a:p>
+            <a:pPr algn="ctr"/>
+            <a:r>
+              <a:rPr lang="en-US" altLang="ja-JP" sz="2800" dirty="0">
+                <a:latin typeface="BIZ UDPゴシック" panose="020B0400000000000000" pitchFamily="50" charset="-128"/>
+                <a:ea typeface="BIZ UDPゴシック" panose="020B0400000000000000" pitchFamily="50" charset="-128"/>
+              </a:rPr>
+              <a:t>g</a:t>
+            </a:r>
+            <a:r>
+              <a:rPr kumimoji="1" lang="en-US" altLang="ja-JP" sz="2800" dirty="0">
+                <a:latin typeface="BIZ UDPゴシック" panose="020B0400000000000000" pitchFamily="50" charset="-128"/>
+                <a:ea typeface="BIZ UDPゴシック" panose="020B0400000000000000" pitchFamily="50" charset="-128"/>
+              </a:rPr>
+              <a:t>et</a:t>
+            </a:r>
+          </a:p>
+        </p:txBody>
+      </p:sp>
+      <p:cxnSp>
+        <p:nvCxnSpPr>
+          <p:cNvPr id="37" name="直線矢印コネクタ 36">
+            <a:extLst>
+              <a:ext uri="{FF2B5EF4-FFF2-40B4-BE49-F238E27FC236}">
+                <a16:creationId xmlns:a16="http://schemas.microsoft.com/office/drawing/2014/main" id="{8641F511-86E3-7E62-F4E6-670BBA80869F}"/>
+              </a:ext>
+            </a:extLst>
+          </p:cNvPr>
+          <p:cNvCxnSpPr>
+            <a:cxnSpLocks/>
+          </p:cNvCxnSpPr>
+          <p:nvPr/>
+        </p:nvCxnSpPr>
+        <p:spPr>
+          <a:xfrm flipH="1">
+            <a:off x="7192109" y="1879442"/>
+            <a:ext cx="1886662" cy="1048912"/>
+          </a:xfrm>
+          <a:prstGeom prst="straightConnector1">
+            <a:avLst/>
+          </a:prstGeom>
+          <a:ln>
+            <a:solidFill>
+              <a:schemeClr val="bg2">
+                <a:lumMod val="25000"/>
+              </a:schemeClr>
+            </a:solidFill>
+            <a:headEnd type="triangle"/>
+            <a:tailEnd type="triangle"/>
+          </a:ln>
+        </p:spPr>
+        <p:style>
+          <a:lnRef idx="1">
+            <a:schemeClr val="accent1"/>
+          </a:lnRef>
+          <a:fillRef idx="0">
+            <a:schemeClr val="accent1"/>
+          </a:fillRef>
+          <a:effectRef idx="0">
+            <a:schemeClr val="accent1"/>
+          </a:effectRef>
+          <a:fontRef idx="minor">
+            <a:schemeClr val="tx1"/>
+          </a:fontRef>
+        </p:style>
+      </p:cxnSp>
+      <p:sp>
+        <p:nvSpPr>
+          <p:cNvPr id="39" name="テキスト ボックス 38">
+            <a:extLst>
+              <a:ext uri="{FF2B5EF4-FFF2-40B4-BE49-F238E27FC236}">
+                <a16:creationId xmlns:a16="http://schemas.microsoft.com/office/drawing/2014/main" id="{4672206F-1049-39D3-84B9-F17A8A587574}"/>
+              </a:ext>
+            </a:extLst>
+          </p:cNvPr>
+          <p:cNvSpPr txBox="1"/>
+          <p:nvPr/>
+        </p:nvSpPr>
+        <p:spPr>
+          <a:xfrm rot="5400000">
+            <a:off x="9367857" y="3193457"/>
+            <a:ext cx="2206125" cy="523220"/>
+          </a:xfrm>
+          <a:prstGeom prst="rect">
+            <a:avLst/>
+          </a:prstGeom>
+          <a:noFill/>
+        </p:spPr>
+        <p:txBody>
+          <a:bodyPr wrap="square" rtlCol="0">
+            <a:spAutoFit/>
+          </a:bodyPr>
+          <a:lstStyle/>
+          <a:p>
+            <a:pPr algn="ctr"/>
+            <a:r>
+              <a:rPr lang="en-US" altLang="ja-JP" sz="2800" dirty="0">
+                <a:latin typeface="BIZ UDPゴシック" panose="020B0400000000000000" pitchFamily="50" charset="-128"/>
+                <a:ea typeface="BIZ UDPゴシック" panose="020B0400000000000000" pitchFamily="50" charset="-128"/>
+              </a:rPr>
+              <a:t>g</a:t>
+            </a:r>
+            <a:r>
+              <a:rPr kumimoji="1" lang="en-US" altLang="ja-JP" sz="2800" dirty="0">
+                <a:latin typeface="BIZ UDPゴシック" panose="020B0400000000000000" pitchFamily="50" charset="-128"/>
+                <a:ea typeface="BIZ UDPゴシック" panose="020B0400000000000000" pitchFamily="50" charset="-128"/>
+              </a:rPr>
+              <a:t>et</a:t>
+            </a:r>
+          </a:p>
+        </p:txBody>
+      </p:sp>
+      <p:sp>
+        <p:nvSpPr>
+          <p:cNvPr id="40" name="テキスト ボックス 39">
+            <a:extLst>
+              <a:ext uri="{FF2B5EF4-FFF2-40B4-BE49-F238E27FC236}">
+                <a16:creationId xmlns:a16="http://schemas.microsoft.com/office/drawing/2014/main" id="{EF36D072-8082-D74A-8D47-68067E1D4390}"/>
+              </a:ext>
+            </a:extLst>
+          </p:cNvPr>
+          <p:cNvSpPr txBox="1"/>
+          <p:nvPr/>
+        </p:nvSpPr>
+        <p:spPr>
+          <a:xfrm rot="16200000">
+            <a:off x="8791174" y="3193456"/>
+            <a:ext cx="2206125" cy="523220"/>
+          </a:xfrm>
+          <a:prstGeom prst="rect">
+            <a:avLst/>
+          </a:prstGeom>
+          <a:noFill/>
+        </p:spPr>
+        <p:txBody>
+          <a:bodyPr wrap="square" rtlCol="0">
+            <a:spAutoFit/>
+          </a:bodyPr>
+          <a:lstStyle/>
+          <a:p>
+            <a:pPr algn="ctr"/>
+            <a:r>
+              <a:rPr kumimoji="1" lang="en-US" altLang="ja-JP" sz="2800" dirty="0">
+                <a:latin typeface="BIZ UDPゴシック" panose="020B0400000000000000" pitchFamily="50" charset="-128"/>
+                <a:ea typeface="BIZ UDPゴシック" panose="020B0400000000000000" pitchFamily="50" charset="-128"/>
+              </a:rPr>
+              <a:t>post</a:t>
+            </a:r>
+            <a:endParaRPr kumimoji="1" lang="ja-JP" altLang="en-US" sz="2800" dirty="0">
+              <a:latin typeface="BIZ UDPゴシック" panose="020B0400000000000000" pitchFamily="50" charset="-128"/>
+              <a:ea typeface="BIZ UDPゴシック" panose="020B0400000000000000" pitchFamily="50" charset="-128"/>
+            </a:endParaRPr>
+          </a:p>
+        </p:txBody>
+      </p:sp>
+      <p:sp>
+        <p:nvSpPr>
+          <p:cNvPr id="41" name="テキスト ボックス 40">
+            <a:extLst>
+              <a:ext uri="{FF2B5EF4-FFF2-40B4-BE49-F238E27FC236}">
+                <a16:creationId xmlns:a16="http://schemas.microsoft.com/office/drawing/2014/main" id="{810139F5-8341-6475-CA41-BF2BC65F6CCC}"/>
+              </a:ext>
+            </a:extLst>
+          </p:cNvPr>
+          <p:cNvSpPr txBox="1"/>
+          <p:nvPr/>
+        </p:nvSpPr>
+        <p:spPr>
+          <a:xfrm>
+            <a:off x="8471794" y="6266504"/>
+            <a:ext cx="3522133" cy="523220"/>
+          </a:xfrm>
+          <a:prstGeom prst="rect">
+            <a:avLst/>
+          </a:prstGeom>
+          <a:noFill/>
+        </p:spPr>
+        <p:txBody>
+          <a:bodyPr wrap="square" rtlCol="0">
+            <a:spAutoFit/>
+          </a:bodyPr>
+          <a:lstStyle/>
+          <a:p>
+            <a:pPr algn="ctr"/>
+            <a:r>
+              <a:rPr kumimoji="1" lang="en-US" altLang="ja-JP" sz="2800" dirty="0" err="1">
+                <a:latin typeface="BIZ UDPゴシック" panose="020B0400000000000000" pitchFamily="50" charset="-128"/>
+                <a:ea typeface="BIZ UDPゴシック" panose="020B0400000000000000" pitchFamily="50" charset="-128"/>
+              </a:rPr>
+              <a:t>DataBase</a:t>
+            </a:r>
+            <a:r>
+              <a:rPr lang="ja-JP" altLang="en-US" sz="2800" dirty="0">
+                <a:latin typeface="BIZ UDPゴシック" panose="020B0400000000000000" pitchFamily="50" charset="-128"/>
+                <a:ea typeface="BIZ UDPゴシック" panose="020B0400000000000000" pitchFamily="50" charset="-128"/>
+              </a:rPr>
+              <a:t> </a:t>
+            </a:r>
+            <a:r>
+              <a:rPr lang="en-US" altLang="ja-JP" sz="2800" dirty="0">
+                <a:latin typeface="BIZ UDPゴシック" panose="020B0400000000000000" pitchFamily="50" charset="-128"/>
+                <a:ea typeface="BIZ UDPゴシック" panose="020B0400000000000000" pitchFamily="50" charset="-128"/>
+              </a:rPr>
+              <a:t>Server</a:t>
+            </a:r>
+            <a:endParaRPr kumimoji="1" lang="ja-JP" altLang="en-US" sz="2800" dirty="0">
+              <a:latin typeface="BIZ UDPゴシック" panose="020B0400000000000000" pitchFamily="50" charset="-128"/>
+              <a:ea typeface="BIZ UDPゴシック" panose="020B0400000000000000" pitchFamily="50" charset="-128"/>
+            </a:endParaRPr>
+          </a:p>
+        </p:txBody>
+      </p:sp>
+      <p:sp>
+        <p:nvSpPr>
+          <p:cNvPr id="42" name="テキスト ボックス 41">
+            <a:extLst>
+              <a:ext uri="{FF2B5EF4-FFF2-40B4-BE49-F238E27FC236}">
+                <a16:creationId xmlns:a16="http://schemas.microsoft.com/office/drawing/2014/main" id="{CA6B0C48-B056-6C13-BA15-2102BF2DE68E}"/>
+              </a:ext>
+            </a:extLst>
+          </p:cNvPr>
+          <p:cNvSpPr txBox="1"/>
+          <p:nvPr/>
+        </p:nvSpPr>
+        <p:spPr>
+          <a:xfrm>
+            <a:off x="9106246" y="66902"/>
+            <a:ext cx="2206125" cy="523220"/>
+          </a:xfrm>
+          <a:prstGeom prst="rect">
+            <a:avLst/>
+          </a:prstGeom>
+          <a:noFill/>
+        </p:spPr>
+        <p:txBody>
+          <a:bodyPr wrap="square" rtlCol="0">
+            <a:spAutoFit/>
+          </a:bodyPr>
+          <a:lstStyle/>
+          <a:p>
+            <a:pPr algn="ctr"/>
+            <a:r>
+              <a:rPr kumimoji="1" lang="ja-JP" altLang="en-US" sz="2800" dirty="0">
+                <a:latin typeface="BIZ UDPゴシック" panose="020B0400000000000000" pitchFamily="50" charset="-128"/>
+                <a:ea typeface="BIZ UDPゴシック" panose="020B0400000000000000" pitchFamily="50" charset="-128"/>
+              </a:rPr>
+              <a:t>学習用</a:t>
+            </a:r>
+            <a:r>
+              <a:rPr kumimoji="1" lang="en-US" altLang="ja-JP" sz="2800" dirty="0">
+                <a:latin typeface="BIZ UDPゴシック" panose="020B0400000000000000" pitchFamily="50" charset="-128"/>
+                <a:ea typeface="BIZ UDPゴシック" panose="020B0400000000000000" pitchFamily="50" charset="-128"/>
+              </a:rPr>
+              <a:t>PC</a:t>
+            </a:r>
+            <a:endParaRPr kumimoji="1" lang="ja-JP" altLang="en-US" sz="2800" dirty="0">
+              <a:latin typeface="BIZ UDPゴシック" panose="020B0400000000000000" pitchFamily="50" charset="-128"/>
+              <a:ea typeface="BIZ UDPゴシック" panose="020B0400000000000000" pitchFamily="50" charset="-128"/>
+            </a:endParaRPr>
+          </a:p>
+        </p:txBody>
+      </p:sp>
+      <p:sp>
+        <p:nvSpPr>
+          <p:cNvPr id="44" name="テキスト ボックス 43">
+            <a:extLst>
+              <a:ext uri="{FF2B5EF4-FFF2-40B4-BE49-F238E27FC236}">
+                <a16:creationId xmlns:a16="http://schemas.microsoft.com/office/drawing/2014/main" id="{2FAEA3A6-093F-E249-06C0-00F8E88E7D8E}"/>
+              </a:ext>
+            </a:extLst>
+          </p:cNvPr>
+          <p:cNvSpPr txBox="1"/>
+          <p:nvPr/>
+        </p:nvSpPr>
+        <p:spPr>
+          <a:xfrm rot="19910389">
+            <a:off x="7007237" y="1891254"/>
+            <a:ext cx="2206125" cy="523220"/>
+          </a:xfrm>
+          <a:prstGeom prst="rect">
+            <a:avLst/>
+          </a:prstGeom>
+          <a:noFill/>
+        </p:spPr>
+        <p:txBody>
+          <a:bodyPr wrap="square" rtlCol="0">
+            <a:spAutoFit/>
+          </a:bodyPr>
+          <a:lstStyle/>
+          <a:p>
+            <a:pPr algn="ctr"/>
+            <a:r>
+              <a:rPr lang="ja-JP" altLang="en-US" sz="2800" dirty="0">
+                <a:latin typeface="BIZ UDPゴシック" panose="020B0400000000000000" pitchFamily="50" charset="-128"/>
+                <a:ea typeface="BIZ UDPゴシック" panose="020B0400000000000000" pitchFamily="50" charset="-128"/>
+              </a:rPr>
+              <a:t>操作</a:t>
+            </a:r>
+            <a:endParaRPr kumimoji="1" lang="en-US" altLang="ja-JP" sz="2800" dirty="0">
+              <a:latin typeface="BIZ UDPゴシック" panose="020B0400000000000000" pitchFamily="50" charset="-128"/>
+              <a:ea typeface="BIZ UDPゴシック" panose="020B0400000000000000" pitchFamily="50" charset="-128"/>
+            </a:endParaRPr>
+          </a:p>
+        </p:txBody>
+      </p:sp>
+      <p:sp>
+        <p:nvSpPr>
+          <p:cNvPr id="45" name="テキスト ボックス 44">
+            <a:extLst>
+              <a:ext uri="{FF2B5EF4-FFF2-40B4-BE49-F238E27FC236}">
+                <a16:creationId xmlns:a16="http://schemas.microsoft.com/office/drawing/2014/main" id="{D976998E-0F7F-34B5-6F14-7E7BC6A252F8}"/>
+              </a:ext>
+            </a:extLst>
+          </p:cNvPr>
+          <p:cNvSpPr txBox="1"/>
+          <p:nvPr/>
+        </p:nvSpPr>
+        <p:spPr>
+          <a:xfrm>
+            <a:off x="4217013" y="6266504"/>
+            <a:ext cx="3757972" cy="584775"/>
+          </a:xfrm>
+          <a:prstGeom prst="rect">
+            <a:avLst/>
+          </a:prstGeom>
+          <a:noFill/>
+        </p:spPr>
+        <p:txBody>
+          <a:bodyPr wrap="square" rtlCol="0">
+            <a:spAutoFit/>
+          </a:bodyPr>
+          <a:lstStyle/>
+          <a:p>
+            <a:pPr algn="ctr"/>
+            <a:r>
+              <a:rPr kumimoji="1" lang="ja-JP" altLang="en-US" sz="3200" dirty="0">
+                <a:latin typeface="BIZ UDPゴシック" panose="020B0400000000000000" pitchFamily="50" charset="-128"/>
+                <a:ea typeface="BIZ UDPゴシック" panose="020B0400000000000000" pitchFamily="50" charset="-128"/>
+              </a:rPr>
+              <a:t>システム全体概要図</a:t>
+            </a:r>
+          </a:p>
+        </p:txBody>
+      </p:sp>
+    </p:spTree>
+    <p:extLst>
+      <p:ext uri="{BB962C8B-B14F-4D97-AF65-F5344CB8AC3E}">
+        <p14:creationId xmlns:p14="http://schemas.microsoft.com/office/powerpoint/2010/main" val="167406781"/>
+      </p:ext>
+    </p:extLst>
+  </p:cSld>
+  <p:clrMapOvr>
+    <a:masterClrMapping/>
+  </p:clrMapOvr>
+</p:sld>
+</file>
+
+<file path=ppt/slides/slide13.xml><?xml version="1.0" encoding="utf-8"?>
+<p:sld xmlns:a="http://schemas.openxmlformats.org/drawingml/2006/main" xmlns:r="http://schemas.openxmlformats.org/officeDocument/2006/relationships" xmlns:p="http://schemas.openxmlformats.org/presentationml/2006/main">
+  <p:cSld>
+    <p:spTree>
+      <p:nvGrpSpPr>
+        <p:cNvPr id="1" name=""/>
+        <p:cNvGrpSpPr/>
+        <p:nvPr/>
+      </p:nvGrpSpPr>
+      <p:grpSpPr>
+        <a:xfrm>
+          <a:off x="0" y="0"/>
+          <a:ext cx="0" cy="0"/>
+          <a:chOff x="0" y="0"/>
+          <a:chExt cx="0" cy="0"/>
+        </a:xfrm>
+      </p:grpSpPr>
+      <p:sp>
+        <p:nvSpPr>
+          <p:cNvPr id="2" name="テキスト ボックス 1">
+            <a:extLst>
+              <a:ext uri="{FF2B5EF4-FFF2-40B4-BE49-F238E27FC236}">
+                <a16:creationId xmlns:a16="http://schemas.microsoft.com/office/drawing/2014/main" id="{2AEDBFEB-D1C4-B158-7619-E18C46367399}"/>
+              </a:ext>
+            </a:extLst>
+          </p:cNvPr>
+          <p:cNvSpPr txBox="1"/>
+          <p:nvPr/>
+        </p:nvSpPr>
+        <p:spPr>
+          <a:xfrm>
+            <a:off x="298127" y="48985"/>
+            <a:ext cx="2528888" cy="1200329"/>
+          </a:xfrm>
+          <a:prstGeom prst="rect">
+            <a:avLst/>
+          </a:prstGeom>
+          <a:noFill/>
+        </p:spPr>
+        <p:txBody>
+          <a:bodyPr wrap="square" rtlCol="0">
+            <a:spAutoFit/>
+          </a:bodyPr>
+          <a:lstStyle/>
+          <a:p>
+            <a:r>
+              <a:rPr lang="ja-JP" altLang="en-US" sz="7200" b="1" dirty="0">
+                <a:latin typeface="BIZ UDPゴシック" panose="020B0400000000000000" pitchFamily="50" charset="-128"/>
+                <a:ea typeface="BIZ UDPゴシック" panose="020B0400000000000000" pitchFamily="50" charset="-128"/>
+              </a:rPr>
+              <a:t>概要</a:t>
+            </a:r>
+            <a:endParaRPr kumimoji="1" lang="ja-JP" altLang="en-US" sz="7200" b="1" dirty="0">
+              <a:latin typeface="BIZ UDPゴシック" panose="020B0400000000000000" pitchFamily="50" charset="-128"/>
+              <a:ea typeface="BIZ UDPゴシック" panose="020B0400000000000000" pitchFamily="50" charset="-128"/>
+            </a:endParaRPr>
+          </a:p>
+        </p:txBody>
+      </p:sp>
+      <p:pic>
+        <p:nvPicPr>
+          <p:cNvPr id="4" name="図 3">
+            <a:extLst>
+              <a:ext uri="{FF2B5EF4-FFF2-40B4-BE49-F238E27FC236}">
+                <a16:creationId xmlns:a16="http://schemas.microsoft.com/office/drawing/2014/main" id="{A293223C-EE83-C8B1-3BB3-910322B09965}"/>
+              </a:ext>
+            </a:extLst>
+          </p:cNvPr>
+          <p:cNvPicPr>
+            <a:picLocks noChangeAspect="1"/>
+          </p:cNvPicPr>
+          <p:nvPr/>
+        </p:nvPicPr>
+        <p:blipFill>
+          <a:blip r:embed="rId3"/>
+          <a:stretch>
+            <a:fillRect/>
+          </a:stretch>
+        </p:blipFill>
+        <p:spPr>
+          <a:xfrm>
+            <a:off x="302637" y="1512236"/>
+            <a:ext cx="5048756" cy="4803897"/>
+          </a:xfrm>
+          <a:prstGeom prst="rect">
+            <a:avLst/>
+          </a:prstGeom>
+        </p:spPr>
+      </p:pic>
+      <p:sp>
+        <p:nvSpPr>
+          <p:cNvPr id="5" name="テキスト ボックス 4">
+            <a:extLst>
+              <a:ext uri="{FF2B5EF4-FFF2-40B4-BE49-F238E27FC236}">
+                <a16:creationId xmlns:a16="http://schemas.microsoft.com/office/drawing/2014/main" id="{45B717BA-6853-D31E-D24F-8911F37EF86C}"/>
+              </a:ext>
+            </a:extLst>
+          </p:cNvPr>
+          <p:cNvSpPr txBox="1"/>
+          <p:nvPr/>
+        </p:nvSpPr>
+        <p:spPr>
+          <a:xfrm>
+            <a:off x="5906252" y="1355344"/>
+            <a:ext cx="5983111" cy="5016758"/>
+          </a:xfrm>
+          <a:prstGeom prst="rect">
+            <a:avLst/>
+          </a:prstGeom>
+          <a:noFill/>
+        </p:spPr>
+        <p:txBody>
+          <a:bodyPr wrap="square" rtlCol="0">
+            <a:spAutoFit/>
+          </a:bodyPr>
+          <a:lstStyle/>
+          <a:p>
+            <a:pPr marL="457200" indent="-457200">
+              <a:buFont typeface="Arial" panose="020B0604020202020204" pitchFamily="34" charset="0"/>
+              <a:buChar char="•"/>
+            </a:pPr>
+            <a:r>
+              <a:rPr kumimoji="1" lang="ja-JP" altLang="en-US" sz="3200" dirty="0">
+                <a:latin typeface="BIZ UDPゴシック" panose="020B0400000000000000" pitchFamily="50" charset="-128"/>
+                <a:ea typeface="BIZ UDPゴシック" panose="020B0400000000000000" pitchFamily="50" charset="-128"/>
+              </a:rPr>
+              <a:t>学習する株は</a:t>
+            </a:r>
+            <a:r>
+              <a:rPr kumimoji="1" lang="en-US" altLang="ja-JP" sz="3200" dirty="0">
+                <a:latin typeface="BIZ UDPゴシック" panose="020B0400000000000000" pitchFamily="50" charset="-128"/>
+                <a:ea typeface="BIZ UDPゴシック" panose="020B0400000000000000" pitchFamily="50" charset="-128"/>
+              </a:rPr>
+              <a:t>S&amp;P500</a:t>
+            </a:r>
+            <a:r>
+              <a:rPr kumimoji="1" lang="ja-JP" altLang="en-US" sz="3200" dirty="0">
+                <a:latin typeface="BIZ UDPゴシック" panose="020B0400000000000000" pitchFamily="50" charset="-128"/>
+                <a:ea typeface="BIZ UDPゴシック" panose="020B0400000000000000" pitchFamily="50" charset="-128"/>
+              </a:rPr>
+              <a:t>に限定した</a:t>
+            </a:r>
+            <a:endParaRPr kumimoji="1" lang="en-US" altLang="ja-JP" sz="3200" dirty="0">
+              <a:latin typeface="BIZ UDPゴシック" panose="020B0400000000000000" pitchFamily="50" charset="-128"/>
+              <a:ea typeface="BIZ UDPゴシック" panose="020B0400000000000000" pitchFamily="50" charset="-128"/>
+            </a:endParaRPr>
+          </a:p>
+          <a:p>
+            <a:pPr marL="457200" indent="-457200">
+              <a:buFont typeface="Arial" panose="020B0604020202020204" pitchFamily="34" charset="0"/>
+              <a:buChar char="•"/>
+            </a:pPr>
+            <a:endParaRPr lang="en-US" altLang="ja-JP" sz="3200" dirty="0">
+              <a:latin typeface="BIZ UDPゴシック" panose="020B0400000000000000" pitchFamily="50" charset="-128"/>
+              <a:ea typeface="BIZ UDPゴシック" panose="020B0400000000000000" pitchFamily="50" charset="-128"/>
+            </a:endParaRPr>
+          </a:p>
+          <a:p>
+            <a:pPr marL="457200" indent="-457200">
+              <a:buFont typeface="Arial" panose="020B0604020202020204" pitchFamily="34" charset="0"/>
+              <a:buChar char="•"/>
+            </a:pPr>
+            <a:r>
+              <a:rPr kumimoji="1" lang="en-US" altLang="ja-JP" sz="3200" dirty="0">
+                <a:latin typeface="BIZ UDPゴシック" panose="020B0400000000000000" pitchFamily="50" charset="-128"/>
+                <a:ea typeface="BIZ UDPゴシック" panose="020B0400000000000000" pitchFamily="50" charset="-128"/>
+              </a:rPr>
+              <a:t>S&amp;P500</a:t>
+            </a:r>
+            <a:r>
+              <a:rPr kumimoji="1" lang="ja-JP" altLang="en-US" sz="3200" dirty="0">
+                <a:latin typeface="BIZ UDPゴシック" panose="020B0400000000000000" pitchFamily="50" charset="-128"/>
+                <a:ea typeface="BIZ UDPゴシック" panose="020B0400000000000000" pitchFamily="50" charset="-128"/>
+              </a:rPr>
+              <a:t>の中からより成長する株を選出することを目標にした</a:t>
+            </a:r>
+            <a:endParaRPr kumimoji="1" lang="en-US" altLang="ja-JP" sz="3200" dirty="0">
+              <a:latin typeface="BIZ UDPゴシック" panose="020B0400000000000000" pitchFamily="50" charset="-128"/>
+              <a:ea typeface="BIZ UDPゴシック" panose="020B0400000000000000" pitchFamily="50" charset="-128"/>
+            </a:endParaRPr>
+          </a:p>
+          <a:p>
+            <a:pPr marL="457200" indent="-457200">
+              <a:buFont typeface="Arial" panose="020B0604020202020204" pitchFamily="34" charset="0"/>
+              <a:buChar char="•"/>
+            </a:pPr>
+            <a:endParaRPr lang="en-US" altLang="ja-JP" sz="3200" dirty="0">
+              <a:latin typeface="BIZ UDPゴシック" panose="020B0400000000000000" pitchFamily="50" charset="-128"/>
+              <a:ea typeface="BIZ UDPゴシック" panose="020B0400000000000000" pitchFamily="50" charset="-128"/>
+            </a:endParaRPr>
+          </a:p>
+          <a:p>
+            <a:pPr marL="457200" indent="-457200">
+              <a:buFont typeface="Arial" panose="020B0604020202020204" pitchFamily="34" charset="0"/>
+              <a:buChar char="•"/>
+            </a:pPr>
+            <a:r>
+              <a:rPr kumimoji="1" lang="ja-JP" altLang="en-US" sz="3200" dirty="0">
+                <a:latin typeface="BIZ UDPゴシック" panose="020B0400000000000000" pitchFamily="50" charset="-128"/>
+                <a:ea typeface="BIZ UDPゴシック" panose="020B0400000000000000" pitchFamily="50" charset="-128"/>
+              </a:rPr>
+              <a:t>使用するモデルは</a:t>
+            </a:r>
+            <a:r>
+              <a:rPr kumimoji="1" lang="en-US" altLang="ja-JP" sz="3200" dirty="0">
+                <a:latin typeface="BIZ UDPゴシック" panose="020B0400000000000000" pitchFamily="50" charset="-128"/>
+                <a:ea typeface="BIZ UDPゴシック" panose="020B0400000000000000" pitchFamily="50" charset="-128"/>
+              </a:rPr>
+              <a:t>LSTM(Long Short Term Memory)</a:t>
+            </a:r>
+            <a:r>
+              <a:rPr kumimoji="1" lang="ja-JP" altLang="en-US" sz="3200" dirty="0">
+                <a:latin typeface="BIZ UDPゴシック" panose="020B0400000000000000" pitchFamily="50" charset="-128"/>
+                <a:ea typeface="BIZ UDPゴシック" panose="020B0400000000000000" pitchFamily="50" charset="-128"/>
+              </a:rPr>
+              <a:t>にした</a:t>
+            </a:r>
+          </a:p>
+        </p:txBody>
+      </p:sp>
+    </p:spTree>
+    <p:extLst>
+      <p:ext uri="{BB962C8B-B14F-4D97-AF65-F5344CB8AC3E}">
+        <p14:creationId xmlns:p14="http://schemas.microsoft.com/office/powerpoint/2010/main" val="2971454908"/>
+      </p:ext>
+    </p:extLst>
+  </p:cSld>
+  <p:clrMapOvr>
+    <a:masterClrMapping/>
+  </p:clrMapOvr>
+</p:sld>
+</file>
+
+<file path=ppt/slides/slide14.xml><?xml version="1.0" encoding="utf-8"?>
+<p:sld xmlns:a="http://schemas.openxmlformats.org/drawingml/2006/main" xmlns:r="http://schemas.openxmlformats.org/officeDocument/2006/relationships" xmlns:p="http://schemas.openxmlformats.org/presentationml/2006/main">
+  <p:cSld>
+    <p:spTree>
+      <p:nvGrpSpPr>
+        <p:cNvPr id="1" name=""/>
+        <p:cNvGrpSpPr/>
+        <p:nvPr/>
+      </p:nvGrpSpPr>
+      <p:grpSpPr>
+        <a:xfrm>
+          <a:off x="0" y="0"/>
+          <a:ext cx="0" cy="0"/>
+          <a:chOff x="0" y="0"/>
+          <a:chExt cx="0" cy="0"/>
+        </a:xfrm>
+      </p:grpSpPr>
+      <p:sp>
+        <p:nvSpPr>
+          <p:cNvPr id="2" name="テキスト ボックス 1">
+            <a:extLst>
+              <a:ext uri="{FF2B5EF4-FFF2-40B4-BE49-F238E27FC236}">
+                <a16:creationId xmlns:a16="http://schemas.microsoft.com/office/drawing/2014/main" id="{CD6531B4-3A18-1C3C-991D-5CB8667443BE}"/>
+              </a:ext>
+            </a:extLst>
+          </p:cNvPr>
+          <p:cNvSpPr txBox="1"/>
+          <p:nvPr/>
+        </p:nvSpPr>
+        <p:spPr>
+          <a:xfrm>
+            <a:off x="298127" y="48985"/>
+            <a:ext cx="2528888" cy="1200329"/>
+          </a:xfrm>
+          <a:prstGeom prst="rect">
+            <a:avLst/>
+          </a:prstGeom>
+          <a:noFill/>
+        </p:spPr>
+        <p:txBody>
+          <a:bodyPr wrap="square" rtlCol="0">
+            <a:spAutoFit/>
+          </a:bodyPr>
+          <a:lstStyle/>
+          <a:p>
+            <a:r>
+              <a:rPr kumimoji="1" lang="ja-JP" altLang="en-US" sz="7200" b="1" dirty="0">
+                <a:latin typeface="BIZ UDPゴシック" panose="020B0400000000000000" pitchFamily="50" charset="-128"/>
+                <a:ea typeface="BIZ UDPゴシック" panose="020B0400000000000000" pitchFamily="50" charset="-128"/>
+              </a:rPr>
+              <a:t>概要</a:t>
+            </a:r>
+          </a:p>
+        </p:txBody>
+      </p:sp>
+      <p:sp>
+        <p:nvSpPr>
+          <p:cNvPr id="4" name="テキスト ボックス 3">
+            <a:extLst>
+              <a:ext uri="{FF2B5EF4-FFF2-40B4-BE49-F238E27FC236}">
+                <a16:creationId xmlns:a16="http://schemas.microsoft.com/office/drawing/2014/main" id="{1DCE712C-4C50-595F-5051-45347FD39F22}"/>
+              </a:ext>
+            </a:extLst>
+          </p:cNvPr>
+          <p:cNvSpPr txBox="1"/>
+          <p:nvPr/>
+        </p:nvSpPr>
+        <p:spPr>
+          <a:xfrm>
+            <a:off x="402637" y="1598607"/>
+            <a:ext cx="2319867" cy="523220"/>
+          </a:xfrm>
+          <a:prstGeom prst="rect">
+            <a:avLst/>
+          </a:prstGeom>
+          <a:noFill/>
+        </p:spPr>
+        <p:txBody>
+          <a:bodyPr wrap="square" rtlCol="0">
+            <a:spAutoFit/>
+          </a:bodyPr>
+          <a:lstStyle/>
+          <a:p>
+            <a:pPr algn="ctr"/>
+            <a:r>
+              <a:rPr kumimoji="1" lang="en-US" altLang="ja-JP" sz="2800" dirty="0" err="1">
+                <a:latin typeface="BIZ UDPゴシック" panose="020B0400000000000000" pitchFamily="50" charset="-128"/>
+                <a:ea typeface="BIZ UDPゴシック" panose="020B0400000000000000" pitchFamily="50" charset="-128"/>
+              </a:rPr>
+              <a:t>A_data</a:t>
+            </a:r>
+            <a:endParaRPr kumimoji="1" lang="ja-JP" altLang="en-US" sz="2800" dirty="0">
+              <a:latin typeface="BIZ UDPゴシック" panose="020B0400000000000000" pitchFamily="50" charset="-128"/>
+              <a:ea typeface="BIZ UDPゴシック" panose="020B0400000000000000" pitchFamily="50" charset="-128"/>
+            </a:endParaRPr>
+          </a:p>
+        </p:txBody>
+      </p:sp>
+      <p:sp>
+        <p:nvSpPr>
+          <p:cNvPr id="5" name="テキスト ボックス 4">
+            <a:extLst>
+              <a:ext uri="{FF2B5EF4-FFF2-40B4-BE49-F238E27FC236}">
+                <a16:creationId xmlns:a16="http://schemas.microsoft.com/office/drawing/2014/main" id="{677B76E5-FF97-9651-DFAE-0C99EE210CFC}"/>
+              </a:ext>
+            </a:extLst>
+          </p:cNvPr>
+          <p:cNvSpPr txBox="1"/>
+          <p:nvPr/>
+        </p:nvSpPr>
+        <p:spPr>
+          <a:xfrm>
+            <a:off x="402637" y="2360607"/>
+            <a:ext cx="2319867" cy="523220"/>
+          </a:xfrm>
+          <a:prstGeom prst="rect">
+            <a:avLst/>
+          </a:prstGeom>
+          <a:noFill/>
+        </p:spPr>
+        <p:txBody>
+          <a:bodyPr wrap="square" rtlCol="0">
+            <a:spAutoFit/>
+          </a:bodyPr>
+          <a:lstStyle/>
+          <a:p>
+            <a:pPr algn="ctr"/>
+            <a:r>
+              <a:rPr kumimoji="1" lang="en-US" altLang="ja-JP" sz="2800" dirty="0" err="1">
+                <a:latin typeface="BIZ UDPゴシック" panose="020B0400000000000000" pitchFamily="50" charset="-128"/>
+                <a:ea typeface="BIZ UDPゴシック" panose="020B0400000000000000" pitchFamily="50" charset="-128"/>
+              </a:rPr>
+              <a:t>AAL_data</a:t>
+            </a:r>
+            <a:endParaRPr kumimoji="1" lang="ja-JP" altLang="en-US" sz="2800" dirty="0">
+              <a:latin typeface="BIZ UDPゴシック" panose="020B0400000000000000" pitchFamily="50" charset="-128"/>
+              <a:ea typeface="BIZ UDPゴシック" panose="020B0400000000000000" pitchFamily="50" charset="-128"/>
+            </a:endParaRPr>
+          </a:p>
+        </p:txBody>
+      </p:sp>
+      <p:sp>
+        <p:nvSpPr>
+          <p:cNvPr id="6" name="テキスト ボックス 5">
+            <a:extLst>
+              <a:ext uri="{FF2B5EF4-FFF2-40B4-BE49-F238E27FC236}">
+                <a16:creationId xmlns:a16="http://schemas.microsoft.com/office/drawing/2014/main" id="{39C7F844-16FA-818D-BA56-9E683D0E8AEC}"/>
+              </a:ext>
+            </a:extLst>
+          </p:cNvPr>
+          <p:cNvSpPr txBox="1"/>
+          <p:nvPr/>
+        </p:nvSpPr>
+        <p:spPr>
+          <a:xfrm>
+            <a:off x="507148" y="5425540"/>
+            <a:ext cx="2319867" cy="523220"/>
+          </a:xfrm>
+          <a:prstGeom prst="rect">
+            <a:avLst/>
+          </a:prstGeom>
+          <a:noFill/>
+        </p:spPr>
+        <p:txBody>
+          <a:bodyPr wrap="square" rtlCol="0">
+            <a:spAutoFit/>
+          </a:bodyPr>
+          <a:lstStyle/>
+          <a:p>
+            <a:pPr algn="ctr"/>
+            <a:r>
+              <a:rPr lang="en-US" altLang="ja-JP" sz="2800" dirty="0" err="1">
+                <a:latin typeface="BIZ UDPゴシック" panose="020B0400000000000000" pitchFamily="50" charset="-128"/>
+                <a:ea typeface="BIZ UDPゴシック" panose="020B0400000000000000" pitchFamily="50" charset="-128"/>
+              </a:rPr>
+              <a:t>ZTS_data</a:t>
+            </a:r>
+            <a:endParaRPr kumimoji="1" lang="ja-JP" altLang="en-US" sz="2800" dirty="0">
+              <a:latin typeface="BIZ UDPゴシック" panose="020B0400000000000000" pitchFamily="50" charset="-128"/>
+              <a:ea typeface="BIZ UDPゴシック" panose="020B0400000000000000" pitchFamily="50" charset="-128"/>
+            </a:endParaRPr>
+          </a:p>
+        </p:txBody>
+      </p:sp>
+      <p:sp>
+        <p:nvSpPr>
+          <p:cNvPr id="7" name="テキスト ボックス 6">
+            <a:extLst>
+              <a:ext uri="{FF2B5EF4-FFF2-40B4-BE49-F238E27FC236}">
+                <a16:creationId xmlns:a16="http://schemas.microsoft.com/office/drawing/2014/main" id="{83B28A71-7F30-150C-4F7C-E9F2E590E73B}"/>
+              </a:ext>
+            </a:extLst>
+          </p:cNvPr>
+          <p:cNvSpPr txBox="1"/>
+          <p:nvPr/>
+        </p:nvSpPr>
+        <p:spPr>
+          <a:xfrm>
+            <a:off x="507147" y="4663540"/>
+            <a:ext cx="2319867" cy="523220"/>
+          </a:xfrm>
+          <a:prstGeom prst="rect">
+            <a:avLst/>
+          </a:prstGeom>
+          <a:noFill/>
+        </p:spPr>
+        <p:txBody>
+          <a:bodyPr wrap="square" rtlCol="0">
+            <a:spAutoFit/>
+          </a:bodyPr>
+          <a:lstStyle/>
+          <a:p>
+            <a:pPr algn="ctr"/>
+            <a:r>
+              <a:rPr lang="en-US" altLang="ja-JP" sz="2800" dirty="0" err="1">
+                <a:latin typeface="BIZ UDPゴシック" panose="020B0400000000000000" pitchFamily="50" charset="-128"/>
+                <a:ea typeface="BIZ UDPゴシック" panose="020B0400000000000000" pitchFamily="50" charset="-128"/>
+              </a:rPr>
+              <a:t>ZBRA_data</a:t>
+            </a:r>
+            <a:endParaRPr kumimoji="1" lang="ja-JP" altLang="en-US" sz="2800" dirty="0">
+              <a:latin typeface="BIZ UDPゴシック" panose="020B0400000000000000" pitchFamily="50" charset="-128"/>
+              <a:ea typeface="BIZ UDPゴシック" panose="020B0400000000000000" pitchFamily="50" charset="-128"/>
+            </a:endParaRPr>
+          </a:p>
+        </p:txBody>
+      </p:sp>
+      <p:pic>
+        <p:nvPicPr>
+          <p:cNvPr id="9" name="図 8" descr="\documentclass{jsarticle}&#10;\usepackage{amsmath}&#10;\usepackage[T1]{fontenc}&#10;\usepackage{lmodern}&#10;\pagestyle{empty}&#10;&#10;\begin{document}&#10;&#10;\begin{align*}&#10;  \vdots&#10;\end{align*}&#10;&#10;\end{document}" title="IguanaTex Bitmap Display">
+            <a:extLst>
+              <a:ext uri="{FF2B5EF4-FFF2-40B4-BE49-F238E27FC236}">
+                <a16:creationId xmlns:a16="http://schemas.microsoft.com/office/drawing/2014/main" id="{FE021233-25A5-71BE-330B-85A9CFDC0323}"/>
+              </a:ext>
+            </a:extLst>
+          </p:cNvPr>
+          <p:cNvPicPr>
+            <a:picLocks noChangeAspect="1"/>
+          </p:cNvPicPr>
+          <p:nvPr>
+            <p:custDataLst>
+              <p:tags r:id="rId1"/>
+            </p:custDataLst>
+          </p:nvPr>
+        </p:nvPicPr>
+        <p:blipFill>
+          <a:blip r:embed="rId5">
+            <a:extLst>
+              <a:ext uri="{28A0092B-C50C-407E-A947-70E740481C1C}">
+                <a14:useLocalDpi xmlns:a14="http://schemas.microsoft.com/office/drawing/2010/main" val="0"/>
+              </a:ext>
+            </a:extLst>
+          </a:blip>
+          <a:stretch>
+            <a:fillRect/>
+          </a:stretch>
+        </p:blipFill>
+        <p:spPr>
+          <a:xfrm>
+            <a:off x="1514557" y="3421590"/>
+            <a:ext cx="96025" cy="704186"/>
+          </a:xfrm>
+          <a:prstGeom prst="rect">
+            <a:avLst/>
+          </a:prstGeom>
+        </p:spPr>
+      </p:pic>
+      <p:grpSp>
+        <p:nvGrpSpPr>
+          <p:cNvPr id="17" name="グループ化 16">
+            <a:extLst>
+              <a:ext uri="{FF2B5EF4-FFF2-40B4-BE49-F238E27FC236}">
+                <a16:creationId xmlns:a16="http://schemas.microsoft.com/office/drawing/2014/main" id="{643E333F-2CD8-FD22-34E8-2272ABF42176}"/>
+              </a:ext>
+            </a:extLst>
+          </p:cNvPr>
+          <p:cNvGrpSpPr/>
+          <p:nvPr/>
+        </p:nvGrpSpPr>
+        <p:grpSpPr>
+          <a:xfrm>
+            <a:off x="4119072" y="2075320"/>
+            <a:ext cx="2319867" cy="3396726"/>
+            <a:chOff x="3090438" y="2121827"/>
+            <a:chExt cx="2319867" cy="3396726"/>
+          </a:xfrm>
+        </p:grpSpPr>
+        <p:sp>
+          <p:nvSpPr>
+            <p:cNvPr id="10" name="四角形: 角を丸くする 9">
+              <a:extLst>
+                <a:ext uri="{FF2B5EF4-FFF2-40B4-BE49-F238E27FC236}">
+                  <a16:creationId xmlns:a16="http://schemas.microsoft.com/office/drawing/2014/main" id="{C11FB4A4-EF84-B573-F89D-AE8634D1E310}"/>
+                </a:ext>
+              </a:extLst>
+            </p:cNvPr>
+            <p:cNvSpPr/>
+            <p:nvPr/>
+          </p:nvSpPr>
+          <p:spPr>
+            <a:xfrm>
+              <a:off x="3482728" y="2121827"/>
+              <a:ext cx="1535289" cy="3396726"/>
+            </a:xfrm>
+            <a:prstGeom prst="roundRect">
+              <a:avLst/>
+            </a:prstGeom>
+            <a:ln>
+              <a:noFill/>
+            </a:ln>
+          </p:spPr>
+          <p:style>
+            <a:lnRef idx="2">
+              <a:schemeClr val="accent1">
+                <a:shade val="15000"/>
+              </a:schemeClr>
+            </a:lnRef>
+            <a:fillRef idx="1">
+              <a:schemeClr val="accent1"/>
+            </a:fillRef>
+            <a:effectRef idx="0">
+              <a:schemeClr val="accent1"/>
+            </a:effectRef>
+            <a:fontRef idx="minor">
+              <a:schemeClr val="lt1"/>
+            </a:fontRef>
+          </p:style>
+          <p:txBody>
+            <a:bodyPr rtlCol="0" anchor="ctr"/>
+            <a:lstStyle/>
+            <a:p>
+              <a:pPr algn="ctr"/>
+              <a:endParaRPr kumimoji="1" lang="ja-JP" altLang="en-US" dirty="0"/>
+            </a:p>
+          </p:txBody>
+        </p:sp>
+        <p:sp>
+          <p:nvSpPr>
+            <p:cNvPr id="11" name="テキスト ボックス 10">
+              <a:extLst>
+                <a:ext uri="{FF2B5EF4-FFF2-40B4-BE49-F238E27FC236}">
+                  <a16:creationId xmlns:a16="http://schemas.microsoft.com/office/drawing/2014/main" id="{A39891C7-1D01-41D7-6143-DF0B370F1038}"/>
+                </a:ext>
+              </a:extLst>
+            </p:cNvPr>
+            <p:cNvSpPr txBox="1"/>
+            <p:nvPr/>
+          </p:nvSpPr>
+          <p:spPr>
+            <a:xfrm>
+              <a:off x="3090438" y="3558580"/>
+              <a:ext cx="2319867" cy="523220"/>
+            </a:xfrm>
+            <a:prstGeom prst="rect">
+              <a:avLst/>
+            </a:prstGeom>
+            <a:noFill/>
+          </p:spPr>
+          <p:txBody>
+            <a:bodyPr wrap="square" rtlCol="0">
+              <a:spAutoFit/>
+            </a:bodyPr>
+            <a:lstStyle/>
+            <a:p>
+              <a:pPr algn="ctr"/>
+              <a:r>
+                <a:rPr kumimoji="1" lang="en-US" altLang="ja-JP" sz="2800" b="1" dirty="0">
+                  <a:solidFill>
+                    <a:schemeClr val="bg1"/>
+                  </a:solidFill>
+                  <a:latin typeface="BIZ UDPゴシック" panose="020B0400000000000000" pitchFamily="50" charset="-128"/>
+                  <a:ea typeface="BIZ UDPゴシック" panose="020B0400000000000000" pitchFamily="50" charset="-128"/>
+                </a:rPr>
+                <a:t>LSTM</a:t>
+              </a:r>
+              <a:endParaRPr kumimoji="1" lang="ja-JP" altLang="en-US" sz="2800" b="1" dirty="0">
+                <a:solidFill>
+                  <a:schemeClr val="bg1"/>
+                </a:solidFill>
+                <a:latin typeface="BIZ UDPゴシック" panose="020B0400000000000000" pitchFamily="50" charset="-128"/>
+                <a:ea typeface="BIZ UDPゴシック" panose="020B0400000000000000" pitchFamily="50" charset="-128"/>
+              </a:endParaRPr>
+            </a:p>
+          </p:txBody>
+        </p:sp>
+      </p:grpSp>
+      <p:sp>
+        <p:nvSpPr>
+          <p:cNvPr id="12" name="テキスト ボックス 11">
+            <a:extLst>
+              <a:ext uri="{FF2B5EF4-FFF2-40B4-BE49-F238E27FC236}">
+                <a16:creationId xmlns:a16="http://schemas.microsoft.com/office/drawing/2014/main" id="{AE680F46-F878-0E9A-42B4-C0BA19430F69}"/>
+              </a:ext>
+            </a:extLst>
+          </p:cNvPr>
+          <p:cNvSpPr txBox="1"/>
+          <p:nvPr/>
+        </p:nvSpPr>
+        <p:spPr>
+          <a:xfrm>
+            <a:off x="8729081" y="1598607"/>
+            <a:ext cx="2319867" cy="523220"/>
+          </a:xfrm>
+          <a:prstGeom prst="rect">
+            <a:avLst/>
+          </a:prstGeom>
+          <a:solidFill>
+            <a:schemeClr val="bg1">
+              <a:lumMod val="85000"/>
+            </a:schemeClr>
+          </a:solidFill>
+        </p:spPr>
+        <p:txBody>
+          <a:bodyPr wrap="square" rtlCol="0">
+            <a:spAutoFit/>
+          </a:bodyPr>
+          <a:lstStyle/>
+          <a:p>
+            <a:pPr algn="ctr"/>
+            <a:r>
+              <a:rPr kumimoji="1" lang="en-US" altLang="ja-JP" sz="2800" dirty="0" err="1">
+                <a:latin typeface="BIZ UDPゴシック" panose="020B0400000000000000" pitchFamily="50" charset="-128"/>
+                <a:ea typeface="BIZ UDPゴシック" panose="020B0400000000000000" pitchFamily="50" charset="-128"/>
+              </a:rPr>
+              <a:t>A_model</a:t>
+            </a:r>
+            <a:endParaRPr kumimoji="1" lang="ja-JP" altLang="en-US" sz="2800" dirty="0">
+              <a:latin typeface="BIZ UDPゴシック" panose="020B0400000000000000" pitchFamily="50" charset="-128"/>
+              <a:ea typeface="BIZ UDPゴシック" panose="020B0400000000000000" pitchFamily="50" charset="-128"/>
+            </a:endParaRPr>
+          </a:p>
+        </p:txBody>
+      </p:sp>
+      <p:sp>
+        <p:nvSpPr>
+          <p:cNvPr id="13" name="テキスト ボックス 12">
+            <a:extLst>
+              <a:ext uri="{FF2B5EF4-FFF2-40B4-BE49-F238E27FC236}">
+                <a16:creationId xmlns:a16="http://schemas.microsoft.com/office/drawing/2014/main" id="{9C4158F5-9E1A-8EBC-5C7F-9C3FAD8ADCFD}"/>
+              </a:ext>
+            </a:extLst>
+          </p:cNvPr>
+          <p:cNvSpPr txBox="1"/>
+          <p:nvPr/>
+        </p:nvSpPr>
+        <p:spPr>
+          <a:xfrm>
+            <a:off x="8729081" y="2360607"/>
+            <a:ext cx="2319867" cy="523220"/>
+          </a:xfrm>
+          <a:prstGeom prst="rect">
+            <a:avLst/>
+          </a:prstGeom>
+          <a:solidFill>
+            <a:schemeClr val="bg1">
+              <a:lumMod val="85000"/>
+            </a:schemeClr>
+          </a:solidFill>
+        </p:spPr>
+        <p:txBody>
+          <a:bodyPr wrap="square" rtlCol="0">
+            <a:spAutoFit/>
+          </a:bodyPr>
+          <a:lstStyle/>
+          <a:p>
+            <a:pPr algn="ctr"/>
+            <a:r>
+              <a:rPr kumimoji="1" lang="en-US" altLang="ja-JP" sz="2800" dirty="0" err="1">
+                <a:latin typeface="BIZ UDPゴシック" panose="020B0400000000000000" pitchFamily="50" charset="-128"/>
+                <a:ea typeface="BIZ UDPゴシック" panose="020B0400000000000000" pitchFamily="50" charset="-128"/>
+              </a:rPr>
+              <a:t>AAL_model</a:t>
+            </a:r>
+            <a:endParaRPr kumimoji="1" lang="ja-JP" altLang="en-US" sz="2800" dirty="0">
+              <a:latin typeface="BIZ UDPゴシック" panose="020B0400000000000000" pitchFamily="50" charset="-128"/>
+              <a:ea typeface="BIZ UDPゴシック" panose="020B0400000000000000" pitchFamily="50" charset="-128"/>
+            </a:endParaRPr>
+          </a:p>
+        </p:txBody>
+      </p:sp>
+      <p:sp>
+        <p:nvSpPr>
+          <p:cNvPr id="14" name="テキスト ボックス 13">
+            <a:extLst>
+              <a:ext uri="{FF2B5EF4-FFF2-40B4-BE49-F238E27FC236}">
+                <a16:creationId xmlns:a16="http://schemas.microsoft.com/office/drawing/2014/main" id="{4E6BEEBE-7C41-493C-A777-03438E7B7E53}"/>
+              </a:ext>
+            </a:extLst>
+          </p:cNvPr>
+          <p:cNvSpPr txBox="1"/>
+          <p:nvPr/>
+        </p:nvSpPr>
+        <p:spPr>
+          <a:xfrm>
+            <a:off x="8559774" y="4663540"/>
+            <a:ext cx="2658483" cy="523220"/>
+          </a:xfrm>
+          <a:prstGeom prst="rect">
+            <a:avLst/>
+          </a:prstGeom>
+          <a:solidFill>
+            <a:schemeClr val="bg1">
+              <a:lumMod val="85000"/>
+            </a:schemeClr>
+          </a:solidFill>
+        </p:spPr>
+        <p:txBody>
+          <a:bodyPr wrap="square" rtlCol="0">
+            <a:spAutoFit/>
+          </a:bodyPr>
+          <a:lstStyle/>
+          <a:p>
+            <a:pPr algn="ctr"/>
+            <a:r>
+              <a:rPr lang="en-US" altLang="ja-JP" sz="2800" dirty="0" err="1">
+                <a:latin typeface="BIZ UDPゴシック" panose="020B0400000000000000" pitchFamily="50" charset="-128"/>
+                <a:ea typeface="BIZ UDPゴシック" panose="020B0400000000000000" pitchFamily="50" charset="-128"/>
+              </a:rPr>
+              <a:t>ZBRA</a:t>
+            </a:r>
+            <a:r>
+              <a:rPr kumimoji="1" lang="en-US" altLang="ja-JP" sz="2800" dirty="0" err="1">
+                <a:latin typeface="BIZ UDPゴシック" panose="020B0400000000000000" pitchFamily="50" charset="-128"/>
+                <a:ea typeface="BIZ UDPゴシック" panose="020B0400000000000000" pitchFamily="50" charset="-128"/>
+              </a:rPr>
+              <a:t>_model</a:t>
+            </a:r>
+            <a:endParaRPr kumimoji="1" lang="ja-JP" altLang="en-US" sz="2800" dirty="0">
+              <a:latin typeface="BIZ UDPゴシック" panose="020B0400000000000000" pitchFamily="50" charset="-128"/>
+              <a:ea typeface="BIZ UDPゴシック" panose="020B0400000000000000" pitchFamily="50" charset="-128"/>
+            </a:endParaRPr>
+          </a:p>
+        </p:txBody>
+      </p:sp>
+      <p:sp>
+        <p:nvSpPr>
+          <p:cNvPr id="15" name="テキスト ボックス 14">
+            <a:extLst>
+              <a:ext uri="{FF2B5EF4-FFF2-40B4-BE49-F238E27FC236}">
+                <a16:creationId xmlns:a16="http://schemas.microsoft.com/office/drawing/2014/main" id="{D2591F03-F1E1-3503-8A3B-BC8BA6F754B5}"/>
+              </a:ext>
+            </a:extLst>
+          </p:cNvPr>
+          <p:cNvSpPr txBox="1"/>
+          <p:nvPr/>
+        </p:nvSpPr>
+        <p:spPr>
+          <a:xfrm>
+            <a:off x="8559774" y="5425540"/>
+            <a:ext cx="2658483" cy="523220"/>
+          </a:xfrm>
+          <a:prstGeom prst="rect">
+            <a:avLst/>
+          </a:prstGeom>
+          <a:solidFill>
+            <a:schemeClr val="bg1">
+              <a:lumMod val="85000"/>
+            </a:schemeClr>
+          </a:solidFill>
+          <a:ln>
+            <a:noFill/>
+          </a:ln>
+        </p:spPr>
+        <p:txBody>
+          <a:bodyPr wrap="square" rtlCol="0">
+            <a:spAutoFit/>
+          </a:bodyPr>
+          <a:lstStyle/>
+          <a:p>
+            <a:pPr algn="ctr"/>
+            <a:r>
+              <a:rPr lang="en-US" altLang="ja-JP" sz="2800" dirty="0" err="1">
+                <a:latin typeface="BIZ UDPゴシック" panose="020B0400000000000000" pitchFamily="50" charset="-128"/>
+                <a:ea typeface="BIZ UDPゴシック" panose="020B0400000000000000" pitchFamily="50" charset="-128"/>
+              </a:rPr>
+              <a:t>ZTS</a:t>
+            </a:r>
+            <a:r>
+              <a:rPr kumimoji="1" lang="en-US" altLang="ja-JP" sz="2800" dirty="0" err="1">
+                <a:latin typeface="BIZ UDPゴシック" panose="020B0400000000000000" pitchFamily="50" charset="-128"/>
+                <a:ea typeface="BIZ UDPゴシック" panose="020B0400000000000000" pitchFamily="50" charset="-128"/>
+              </a:rPr>
+              <a:t>_model</a:t>
+            </a:r>
+            <a:endParaRPr kumimoji="1" lang="ja-JP" altLang="en-US" sz="2800" dirty="0">
+              <a:latin typeface="BIZ UDPゴシック" panose="020B0400000000000000" pitchFamily="50" charset="-128"/>
+              <a:ea typeface="BIZ UDPゴシック" panose="020B0400000000000000" pitchFamily="50" charset="-128"/>
+            </a:endParaRPr>
+          </a:p>
+        </p:txBody>
+      </p:sp>
+      <p:pic>
+        <p:nvPicPr>
+          <p:cNvPr id="16" name="図 15" descr="\documentclass{jsarticle}&#10;\usepackage{amsmath}&#10;\usepackage[T1]{fontenc}&#10;\usepackage{lmodern}&#10;\pagestyle{empty}&#10;&#10;\begin{document}&#10;&#10;\begin{align*}&#10;  \vdots&#10;\end{align*}&#10;&#10;\end{document}" title="IguanaTex Bitmap Display">
+            <a:extLst>
+              <a:ext uri="{FF2B5EF4-FFF2-40B4-BE49-F238E27FC236}">
+                <a16:creationId xmlns:a16="http://schemas.microsoft.com/office/drawing/2014/main" id="{D159BAF4-EC6F-C83D-8D93-B0E1D7B69D04}"/>
+              </a:ext>
+            </a:extLst>
+          </p:cNvPr>
+          <p:cNvPicPr>
+            <a:picLocks noChangeAspect="1"/>
+          </p:cNvPicPr>
+          <p:nvPr>
+            <p:custDataLst>
+              <p:tags r:id="rId2"/>
+            </p:custDataLst>
+          </p:nvPr>
+        </p:nvPicPr>
+        <p:blipFill>
+          <a:blip r:embed="rId5">
+            <a:extLst>
+              <a:ext uri="{28A0092B-C50C-407E-A947-70E740481C1C}">
+                <a14:useLocalDpi xmlns:a14="http://schemas.microsoft.com/office/drawing/2010/main" val="0"/>
+              </a:ext>
+            </a:extLst>
+          </a:blip>
+          <a:stretch>
+            <a:fillRect/>
+          </a:stretch>
+        </p:blipFill>
+        <p:spPr>
+          <a:xfrm>
+            <a:off x="9862761" y="3348302"/>
+            <a:ext cx="96025" cy="704186"/>
+          </a:xfrm>
+          <a:prstGeom prst="rect">
+            <a:avLst/>
+          </a:prstGeom>
+        </p:spPr>
+      </p:pic>
+      <p:cxnSp>
+        <p:nvCxnSpPr>
+          <p:cNvPr id="19" name="直線矢印コネクタ 18">
+            <a:extLst>
+              <a:ext uri="{FF2B5EF4-FFF2-40B4-BE49-F238E27FC236}">
+                <a16:creationId xmlns:a16="http://schemas.microsoft.com/office/drawing/2014/main" id="{188714EF-77C7-2114-B45E-6CC4806A59F8}"/>
+              </a:ext>
+            </a:extLst>
+          </p:cNvPr>
+          <p:cNvCxnSpPr>
+            <a:stCxn id="4" idx="3"/>
+          </p:cNvCxnSpPr>
+          <p:nvPr/>
+        </p:nvCxnSpPr>
+        <p:spPr>
+          <a:xfrm>
+            <a:off x="2722504" y="1860217"/>
+            <a:ext cx="1595602" cy="1023610"/>
+          </a:xfrm>
+          <a:prstGeom prst="straightConnector1">
+            <a:avLst/>
+          </a:prstGeom>
+          <a:ln>
+            <a:solidFill>
+              <a:schemeClr val="bg2">
+                <a:lumMod val="50000"/>
+              </a:schemeClr>
+            </a:solidFill>
+            <a:tailEnd type="triangle"/>
+          </a:ln>
+        </p:spPr>
+        <p:style>
+          <a:lnRef idx="1">
+            <a:schemeClr val="accent1"/>
+          </a:lnRef>
+          <a:fillRef idx="0">
+            <a:schemeClr val="accent1"/>
+          </a:fillRef>
+          <a:effectRef idx="0">
+            <a:schemeClr val="accent1"/>
+          </a:effectRef>
+          <a:fontRef idx="minor">
+            <a:schemeClr val="tx1"/>
+          </a:fontRef>
+        </p:style>
+      </p:cxnSp>
+      <p:cxnSp>
+        <p:nvCxnSpPr>
+          <p:cNvPr id="20" name="直線矢印コネクタ 19">
+            <a:extLst>
+              <a:ext uri="{FF2B5EF4-FFF2-40B4-BE49-F238E27FC236}">
+                <a16:creationId xmlns:a16="http://schemas.microsoft.com/office/drawing/2014/main" id="{DE96BFA9-F3F3-5355-0E40-502EDBE6B7BD}"/>
+              </a:ext>
+            </a:extLst>
+          </p:cNvPr>
+          <p:cNvCxnSpPr>
+            <a:cxnSpLocks/>
+            <a:stCxn id="5" idx="3"/>
+          </p:cNvCxnSpPr>
+          <p:nvPr/>
+        </p:nvCxnSpPr>
+        <p:spPr>
+          <a:xfrm>
+            <a:off x="2722504" y="2622217"/>
+            <a:ext cx="1595602" cy="651076"/>
+          </a:xfrm>
+          <a:prstGeom prst="straightConnector1">
+            <a:avLst/>
+          </a:prstGeom>
+          <a:ln>
+            <a:solidFill>
+              <a:schemeClr val="bg2">
+                <a:lumMod val="50000"/>
+              </a:schemeClr>
+            </a:solidFill>
+            <a:tailEnd type="triangle"/>
+          </a:ln>
+        </p:spPr>
+        <p:style>
+          <a:lnRef idx="1">
+            <a:schemeClr val="accent1"/>
+          </a:lnRef>
+          <a:fillRef idx="0">
+            <a:schemeClr val="accent1"/>
+          </a:fillRef>
+          <a:effectRef idx="0">
+            <a:schemeClr val="accent1"/>
+          </a:effectRef>
+          <a:fontRef idx="minor">
+            <a:schemeClr val="tx1"/>
+          </a:fontRef>
+        </p:style>
+      </p:cxnSp>
+      <p:cxnSp>
+        <p:nvCxnSpPr>
+          <p:cNvPr id="23" name="直線矢印コネクタ 22">
+            <a:extLst>
+              <a:ext uri="{FF2B5EF4-FFF2-40B4-BE49-F238E27FC236}">
+                <a16:creationId xmlns:a16="http://schemas.microsoft.com/office/drawing/2014/main" id="{15319763-667A-EBAF-E317-D71BF015D39E}"/>
+              </a:ext>
+            </a:extLst>
+          </p:cNvPr>
+          <p:cNvCxnSpPr>
+            <a:cxnSpLocks/>
+            <a:stCxn id="7" idx="3"/>
+          </p:cNvCxnSpPr>
+          <p:nvPr/>
+        </p:nvCxnSpPr>
+        <p:spPr>
+          <a:xfrm flipV="1">
+            <a:off x="2827014" y="4320580"/>
+            <a:ext cx="1491091" cy="604570"/>
+          </a:xfrm>
+          <a:prstGeom prst="straightConnector1">
+            <a:avLst/>
+          </a:prstGeom>
+          <a:ln>
+            <a:solidFill>
+              <a:schemeClr val="bg2">
+                <a:lumMod val="50000"/>
+              </a:schemeClr>
+            </a:solidFill>
+            <a:tailEnd type="triangle"/>
+          </a:ln>
+        </p:spPr>
+        <p:style>
+          <a:lnRef idx="1">
+            <a:schemeClr val="accent1"/>
+          </a:lnRef>
+          <a:fillRef idx="0">
+            <a:schemeClr val="accent1"/>
+          </a:fillRef>
+          <a:effectRef idx="0">
+            <a:schemeClr val="accent1"/>
+          </a:effectRef>
+          <a:fontRef idx="minor">
+            <a:schemeClr val="tx1"/>
+          </a:fontRef>
+        </p:style>
+      </p:cxnSp>
+      <p:cxnSp>
+        <p:nvCxnSpPr>
+          <p:cNvPr id="27" name="直線矢印コネクタ 26">
+            <a:extLst>
+              <a:ext uri="{FF2B5EF4-FFF2-40B4-BE49-F238E27FC236}">
+                <a16:creationId xmlns:a16="http://schemas.microsoft.com/office/drawing/2014/main" id="{D0E1C771-D7B3-DC62-9F5A-875AC8EDEA5F}"/>
+              </a:ext>
+            </a:extLst>
+          </p:cNvPr>
+          <p:cNvCxnSpPr>
+            <a:cxnSpLocks/>
+            <a:stCxn id="6" idx="3"/>
+          </p:cNvCxnSpPr>
+          <p:nvPr/>
+        </p:nvCxnSpPr>
+        <p:spPr>
+          <a:xfrm flipV="1">
+            <a:off x="2827015" y="4663539"/>
+            <a:ext cx="1491090" cy="1023611"/>
+          </a:xfrm>
+          <a:prstGeom prst="straightConnector1">
+            <a:avLst/>
+          </a:prstGeom>
+          <a:ln>
+            <a:solidFill>
+              <a:schemeClr val="bg2">
+                <a:lumMod val="50000"/>
+              </a:schemeClr>
+            </a:solidFill>
+            <a:tailEnd type="triangle"/>
+          </a:ln>
+        </p:spPr>
+        <p:style>
+          <a:lnRef idx="1">
+            <a:schemeClr val="accent1"/>
+          </a:lnRef>
+          <a:fillRef idx="0">
+            <a:schemeClr val="accent1"/>
+          </a:fillRef>
+          <a:effectRef idx="0">
+            <a:schemeClr val="accent1"/>
+          </a:effectRef>
+          <a:fontRef idx="minor">
+            <a:schemeClr val="tx1"/>
+          </a:fontRef>
+        </p:style>
+      </p:cxnSp>
+      <p:cxnSp>
+        <p:nvCxnSpPr>
+          <p:cNvPr id="30" name="直線矢印コネクタ 29">
+            <a:extLst>
+              <a:ext uri="{FF2B5EF4-FFF2-40B4-BE49-F238E27FC236}">
+                <a16:creationId xmlns:a16="http://schemas.microsoft.com/office/drawing/2014/main" id="{26C60458-71AC-BDA2-773F-795F55023AB0}"/>
+              </a:ext>
+            </a:extLst>
+          </p:cNvPr>
+          <p:cNvCxnSpPr>
+            <a:cxnSpLocks/>
+            <a:stCxn id="11" idx="3"/>
+            <a:endCxn id="12" idx="1"/>
+          </p:cNvCxnSpPr>
+          <p:nvPr/>
+        </p:nvCxnSpPr>
+        <p:spPr>
+          <a:xfrm flipV="1">
+            <a:off x="6438939" y="1860217"/>
+            <a:ext cx="2290142" cy="1913466"/>
+          </a:xfrm>
+          <a:prstGeom prst="straightConnector1">
+            <a:avLst/>
+          </a:prstGeom>
+          <a:ln>
+            <a:solidFill>
+              <a:schemeClr val="bg2">
+                <a:lumMod val="50000"/>
+              </a:schemeClr>
+            </a:solidFill>
+            <a:tailEnd type="triangle"/>
+          </a:ln>
+        </p:spPr>
+        <p:style>
+          <a:lnRef idx="1">
+            <a:schemeClr val="accent1"/>
+          </a:lnRef>
+          <a:fillRef idx="0">
+            <a:schemeClr val="accent1"/>
+          </a:fillRef>
+          <a:effectRef idx="0">
+            <a:schemeClr val="accent1"/>
+          </a:effectRef>
+          <a:fontRef idx="minor">
+            <a:schemeClr val="tx1"/>
+          </a:fontRef>
+        </p:style>
+      </p:cxnSp>
+      <p:cxnSp>
+        <p:nvCxnSpPr>
+          <p:cNvPr id="33" name="直線矢印コネクタ 32">
+            <a:extLst>
+              <a:ext uri="{FF2B5EF4-FFF2-40B4-BE49-F238E27FC236}">
+                <a16:creationId xmlns:a16="http://schemas.microsoft.com/office/drawing/2014/main" id="{DEB2DFCF-6A22-811A-7EAA-EEED0BA23C8B}"/>
+              </a:ext>
+            </a:extLst>
+          </p:cNvPr>
+          <p:cNvCxnSpPr>
+            <a:cxnSpLocks/>
+            <a:stCxn id="11" idx="3"/>
+            <a:endCxn id="13" idx="1"/>
+          </p:cNvCxnSpPr>
+          <p:nvPr/>
+        </p:nvCxnSpPr>
+        <p:spPr>
+          <a:xfrm flipV="1">
+            <a:off x="6438939" y="2622217"/>
+            <a:ext cx="2290142" cy="1151466"/>
+          </a:xfrm>
+          <a:prstGeom prst="straightConnector1">
+            <a:avLst/>
+          </a:prstGeom>
+          <a:ln>
+            <a:solidFill>
+              <a:schemeClr val="bg2">
+                <a:lumMod val="50000"/>
+              </a:schemeClr>
+            </a:solidFill>
+            <a:tailEnd type="triangle"/>
+          </a:ln>
+        </p:spPr>
+        <p:style>
+          <a:lnRef idx="1">
+            <a:schemeClr val="accent1"/>
+          </a:lnRef>
+          <a:fillRef idx="0">
+            <a:schemeClr val="accent1"/>
+          </a:fillRef>
+          <a:effectRef idx="0">
+            <a:schemeClr val="accent1"/>
+          </a:effectRef>
+          <a:fontRef idx="minor">
+            <a:schemeClr val="tx1"/>
+          </a:fontRef>
+        </p:style>
+      </p:cxnSp>
+      <p:cxnSp>
+        <p:nvCxnSpPr>
+          <p:cNvPr id="36" name="直線矢印コネクタ 35">
+            <a:extLst>
+              <a:ext uri="{FF2B5EF4-FFF2-40B4-BE49-F238E27FC236}">
+                <a16:creationId xmlns:a16="http://schemas.microsoft.com/office/drawing/2014/main" id="{52B9AD35-9347-8A91-1610-98022D3C6658}"/>
+              </a:ext>
+            </a:extLst>
+          </p:cNvPr>
+          <p:cNvCxnSpPr>
+            <a:cxnSpLocks/>
+            <a:stCxn id="11" idx="3"/>
+            <a:endCxn id="14" idx="1"/>
+          </p:cNvCxnSpPr>
+          <p:nvPr/>
+        </p:nvCxnSpPr>
+        <p:spPr>
+          <a:xfrm>
+            <a:off x="6438939" y="3773683"/>
+            <a:ext cx="2120835" cy="1151467"/>
+          </a:xfrm>
+          <a:prstGeom prst="straightConnector1">
+            <a:avLst/>
+          </a:prstGeom>
+          <a:ln>
+            <a:solidFill>
+              <a:schemeClr val="bg2">
+                <a:lumMod val="50000"/>
+              </a:schemeClr>
+            </a:solidFill>
+            <a:tailEnd type="triangle"/>
+          </a:ln>
+        </p:spPr>
+        <p:style>
+          <a:lnRef idx="1">
+            <a:schemeClr val="accent1"/>
+          </a:lnRef>
+          <a:fillRef idx="0">
+            <a:schemeClr val="accent1"/>
+          </a:fillRef>
+          <a:effectRef idx="0">
+            <a:schemeClr val="accent1"/>
+          </a:effectRef>
+          <a:fontRef idx="minor">
+            <a:schemeClr val="tx1"/>
+          </a:fontRef>
+        </p:style>
+      </p:cxnSp>
+      <p:cxnSp>
+        <p:nvCxnSpPr>
+          <p:cNvPr id="39" name="直線矢印コネクタ 38">
+            <a:extLst>
+              <a:ext uri="{FF2B5EF4-FFF2-40B4-BE49-F238E27FC236}">
+                <a16:creationId xmlns:a16="http://schemas.microsoft.com/office/drawing/2014/main" id="{E457FE57-F919-E74D-55D6-E2DAF818DE68}"/>
+              </a:ext>
+            </a:extLst>
+          </p:cNvPr>
+          <p:cNvCxnSpPr>
+            <a:cxnSpLocks/>
+            <a:stCxn id="11" idx="3"/>
+            <a:endCxn id="15" idx="1"/>
+          </p:cNvCxnSpPr>
+          <p:nvPr/>
+        </p:nvCxnSpPr>
+        <p:spPr>
+          <a:xfrm>
+            <a:off x="6438939" y="3773683"/>
+            <a:ext cx="2120835" cy="1913467"/>
+          </a:xfrm>
+          <a:prstGeom prst="straightConnector1">
+            <a:avLst/>
+          </a:prstGeom>
+          <a:ln>
+            <a:solidFill>
+              <a:schemeClr val="bg2">
+                <a:lumMod val="50000"/>
+              </a:schemeClr>
+            </a:solidFill>
+            <a:tailEnd type="triangle"/>
+          </a:ln>
+        </p:spPr>
+        <p:style>
+          <a:lnRef idx="1">
+            <a:schemeClr val="accent1"/>
+          </a:lnRef>
+          <a:fillRef idx="0">
+            <a:schemeClr val="accent1"/>
+          </a:fillRef>
+          <a:effectRef idx="0">
+            <a:schemeClr val="accent1"/>
+          </a:effectRef>
+          <a:fontRef idx="minor">
+            <a:schemeClr val="tx1"/>
+          </a:fontRef>
+        </p:style>
+      </p:cxnSp>
+    </p:spTree>
+    <p:extLst>
+      <p:ext uri="{BB962C8B-B14F-4D97-AF65-F5344CB8AC3E}">
+        <p14:creationId xmlns:p14="http://schemas.microsoft.com/office/powerpoint/2010/main" val="1304083310"/>
+      </p:ext>
+    </p:extLst>
+  </p:cSld>
+  <p:clrMapOvr>
+    <a:masterClrMapping/>
+  </p:clrMapOvr>
+</p:sld>
+</file>
+
+<file path=ppt/slides/slide15.xml><?xml version="1.0" encoding="utf-8"?>
+<p:sld xmlns:a="http://schemas.openxmlformats.org/drawingml/2006/main" xmlns:r="http://schemas.openxmlformats.org/officeDocument/2006/relationships" xmlns:p="http://schemas.openxmlformats.org/presentationml/2006/main">
+  <p:cSld>
+    <p:spTree>
+      <p:nvGrpSpPr>
+        <p:cNvPr id="1" name=""/>
+        <p:cNvGrpSpPr/>
+        <p:nvPr/>
+      </p:nvGrpSpPr>
+      <p:grpSpPr>
+        <a:xfrm>
+          <a:off x="0" y="0"/>
+          <a:ext cx="0" cy="0"/>
+          <a:chOff x="0" y="0"/>
+          <a:chExt cx="0" cy="0"/>
+        </a:xfrm>
+      </p:grpSpPr>
+      <p:sp>
+        <p:nvSpPr>
+          <p:cNvPr id="4" name="テキスト ボックス 3">
+            <a:extLst>
+              <a:ext uri="{FF2B5EF4-FFF2-40B4-BE49-F238E27FC236}">
+                <a16:creationId xmlns:a16="http://schemas.microsoft.com/office/drawing/2014/main" id="{BAD233DA-049C-537F-75A4-6D05E29A81A9}"/>
+              </a:ext>
+            </a:extLst>
+          </p:cNvPr>
+          <p:cNvSpPr txBox="1"/>
+          <p:nvPr/>
+        </p:nvSpPr>
+        <p:spPr>
+          <a:xfrm>
+            <a:off x="298127" y="48985"/>
+            <a:ext cx="2528888" cy="1200329"/>
+          </a:xfrm>
+          <a:prstGeom prst="rect">
+            <a:avLst/>
+          </a:prstGeom>
+          <a:noFill/>
+        </p:spPr>
+        <p:txBody>
+          <a:bodyPr wrap="square" rtlCol="0">
+            <a:spAutoFit/>
+          </a:bodyPr>
+          <a:lstStyle/>
+          <a:p>
+            <a:r>
+              <a:rPr kumimoji="1" lang="ja-JP" altLang="en-US" sz="7200" b="1" dirty="0">
+                <a:latin typeface="BIZ UDPゴシック" panose="020B0400000000000000" pitchFamily="50" charset="-128"/>
+                <a:ea typeface="BIZ UDPゴシック" panose="020B0400000000000000" pitchFamily="50" charset="-128"/>
+              </a:rPr>
+              <a:t>概要</a:t>
+            </a:r>
+          </a:p>
+        </p:txBody>
+      </p:sp>
+      <p:sp>
+        <p:nvSpPr>
+          <p:cNvPr id="5" name="テキスト ボックス 4">
+            <a:extLst>
+              <a:ext uri="{FF2B5EF4-FFF2-40B4-BE49-F238E27FC236}">
+                <a16:creationId xmlns:a16="http://schemas.microsoft.com/office/drawing/2014/main" id="{FB4A2B06-BFE0-C3CD-DACE-BB624ABC5B5B}"/>
+              </a:ext>
+            </a:extLst>
+          </p:cNvPr>
+          <p:cNvSpPr txBox="1"/>
+          <p:nvPr/>
+        </p:nvSpPr>
+        <p:spPr>
+          <a:xfrm>
+            <a:off x="402637" y="1598607"/>
+            <a:ext cx="2319867" cy="523220"/>
+          </a:xfrm>
+          <a:prstGeom prst="rect">
+            <a:avLst/>
+          </a:prstGeom>
+          <a:noFill/>
+        </p:spPr>
+        <p:txBody>
+          <a:bodyPr wrap="square" rtlCol="0">
+            <a:spAutoFit/>
+          </a:bodyPr>
+          <a:lstStyle/>
+          <a:p>
+            <a:pPr algn="ctr"/>
+            <a:r>
+              <a:rPr kumimoji="1" lang="en-US" altLang="ja-JP" sz="2800" dirty="0" err="1">
+                <a:latin typeface="BIZ UDPゴシック" panose="020B0400000000000000" pitchFamily="50" charset="-128"/>
+                <a:ea typeface="BIZ UDPゴシック" panose="020B0400000000000000" pitchFamily="50" charset="-128"/>
+              </a:rPr>
+              <a:t>A_data</a:t>
+            </a:r>
+            <a:endParaRPr kumimoji="1" lang="ja-JP" altLang="en-US" sz="2800" dirty="0">
+              <a:latin typeface="BIZ UDPゴシック" panose="020B0400000000000000" pitchFamily="50" charset="-128"/>
+              <a:ea typeface="BIZ UDPゴシック" panose="020B0400000000000000" pitchFamily="50" charset="-128"/>
+            </a:endParaRPr>
+          </a:p>
+        </p:txBody>
+      </p:sp>
+      <p:sp>
+        <p:nvSpPr>
+          <p:cNvPr id="6" name="テキスト ボックス 5">
+            <a:extLst>
+              <a:ext uri="{FF2B5EF4-FFF2-40B4-BE49-F238E27FC236}">
+                <a16:creationId xmlns:a16="http://schemas.microsoft.com/office/drawing/2014/main" id="{00086573-3E8D-0602-05CC-3B94BF70A031}"/>
+              </a:ext>
+            </a:extLst>
+          </p:cNvPr>
+          <p:cNvSpPr txBox="1"/>
+          <p:nvPr/>
+        </p:nvSpPr>
+        <p:spPr>
+          <a:xfrm>
+            <a:off x="402637" y="2360607"/>
+            <a:ext cx="2319867" cy="523220"/>
+          </a:xfrm>
+          <a:prstGeom prst="rect">
+            <a:avLst/>
+          </a:prstGeom>
+          <a:noFill/>
+        </p:spPr>
+        <p:txBody>
+          <a:bodyPr wrap="square" rtlCol="0">
+            <a:spAutoFit/>
+          </a:bodyPr>
+          <a:lstStyle/>
+          <a:p>
+            <a:pPr algn="ctr"/>
+            <a:r>
+              <a:rPr kumimoji="1" lang="en-US" altLang="ja-JP" sz="2800" dirty="0" err="1">
+                <a:latin typeface="BIZ UDPゴシック" panose="020B0400000000000000" pitchFamily="50" charset="-128"/>
+                <a:ea typeface="BIZ UDPゴシック" panose="020B0400000000000000" pitchFamily="50" charset="-128"/>
+              </a:rPr>
+              <a:t>AAL_data</a:t>
+            </a:r>
+            <a:endParaRPr kumimoji="1" lang="ja-JP" altLang="en-US" sz="2800" dirty="0">
+              <a:latin typeface="BIZ UDPゴシック" panose="020B0400000000000000" pitchFamily="50" charset="-128"/>
+              <a:ea typeface="BIZ UDPゴシック" panose="020B0400000000000000" pitchFamily="50" charset="-128"/>
+            </a:endParaRPr>
+          </a:p>
+        </p:txBody>
+      </p:sp>
+      <p:sp>
+        <p:nvSpPr>
+          <p:cNvPr id="7" name="テキスト ボックス 6">
+            <a:extLst>
+              <a:ext uri="{FF2B5EF4-FFF2-40B4-BE49-F238E27FC236}">
+                <a16:creationId xmlns:a16="http://schemas.microsoft.com/office/drawing/2014/main" id="{FE321378-8247-2555-EC53-82130B6A079D}"/>
+              </a:ext>
+            </a:extLst>
+          </p:cNvPr>
+          <p:cNvSpPr txBox="1"/>
+          <p:nvPr/>
+        </p:nvSpPr>
+        <p:spPr>
+          <a:xfrm>
+            <a:off x="507148" y="5425540"/>
+            <a:ext cx="2319867" cy="523220"/>
+          </a:xfrm>
+          <a:prstGeom prst="rect">
+            <a:avLst/>
+          </a:prstGeom>
+          <a:noFill/>
+        </p:spPr>
+        <p:txBody>
+          <a:bodyPr wrap="square" rtlCol="0">
+            <a:spAutoFit/>
+          </a:bodyPr>
+          <a:lstStyle/>
+          <a:p>
+            <a:pPr algn="ctr"/>
+            <a:r>
+              <a:rPr lang="en-US" altLang="ja-JP" sz="2800" dirty="0" err="1">
+                <a:latin typeface="BIZ UDPゴシック" panose="020B0400000000000000" pitchFamily="50" charset="-128"/>
+                <a:ea typeface="BIZ UDPゴシック" panose="020B0400000000000000" pitchFamily="50" charset="-128"/>
+              </a:rPr>
+              <a:t>ZTS_data</a:t>
+            </a:r>
+            <a:endParaRPr kumimoji="1" lang="ja-JP" altLang="en-US" sz="2800" dirty="0">
+              <a:latin typeface="BIZ UDPゴシック" panose="020B0400000000000000" pitchFamily="50" charset="-128"/>
+              <a:ea typeface="BIZ UDPゴシック" panose="020B0400000000000000" pitchFamily="50" charset="-128"/>
+            </a:endParaRPr>
+          </a:p>
+        </p:txBody>
+      </p:sp>
+      <p:sp>
+        <p:nvSpPr>
+          <p:cNvPr id="8" name="テキスト ボックス 7">
+            <a:extLst>
+              <a:ext uri="{FF2B5EF4-FFF2-40B4-BE49-F238E27FC236}">
+                <a16:creationId xmlns:a16="http://schemas.microsoft.com/office/drawing/2014/main" id="{61B7B91D-738B-A4B1-014C-32DC7716F0B3}"/>
+              </a:ext>
+            </a:extLst>
+          </p:cNvPr>
+          <p:cNvSpPr txBox="1"/>
+          <p:nvPr/>
+        </p:nvSpPr>
+        <p:spPr>
+          <a:xfrm>
+            <a:off x="507147" y="4663540"/>
+            <a:ext cx="2319867" cy="523220"/>
+          </a:xfrm>
+          <a:prstGeom prst="rect">
+            <a:avLst/>
+          </a:prstGeom>
+          <a:noFill/>
+        </p:spPr>
+        <p:txBody>
+          <a:bodyPr wrap="square" rtlCol="0">
+            <a:spAutoFit/>
+          </a:bodyPr>
+          <a:lstStyle/>
+          <a:p>
+            <a:pPr algn="ctr"/>
+            <a:r>
+              <a:rPr lang="en-US" altLang="ja-JP" sz="2800" dirty="0" err="1">
+                <a:latin typeface="BIZ UDPゴシック" panose="020B0400000000000000" pitchFamily="50" charset="-128"/>
+                <a:ea typeface="BIZ UDPゴシック" panose="020B0400000000000000" pitchFamily="50" charset="-128"/>
+              </a:rPr>
+              <a:t>ZBRA_data</a:t>
+            </a:r>
+            <a:endParaRPr kumimoji="1" lang="ja-JP" altLang="en-US" sz="2800" dirty="0">
+              <a:latin typeface="BIZ UDPゴシック" panose="020B0400000000000000" pitchFamily="50" charset="-128"/>
+              <a:ea typeface="BIZ UDPゴシック" panose="020B0400000000000000" pitchFamily="50" charset="-128"/>
+            </a:endParaRPr>
+          </a:p>
+        </p:txBody>
+      </p:sp>
+      <p:pic>
+        <p:nvPicPr>
+          <p:cNvPr id="9" name="図 8" descr="\documentclass{jsarticle}&#10;\usepackage{amsmath}&#10;\usepackage[T1]{fontenc}&#10;\usepackage{lmodern}&#10;\pagestyle{empty}&#10;&#10;\begin{document}&#10;&#10;\begin{align*}&#10;  \vdots&#10;\end{align*}&#10;&#10;\end{document}" title="IguanaTex Bitmap Display">
+            <a:extLst>
+              <a:ext uri="{FF2B5EF4-FFF2-40B4-BE49-F238E27FC236}">
+                <a16:creationId xmlns:a16="http://schemas.microsoft.com/office/drawing/2014/main" id="{CFA477B3-9269-34FB-C888-FE9C336D8A5B}"/>
+              </a:ext>
+            </a:extLst>
+          </p:cNvPr>
+          <p:cNvPicPr>
+            <a:picLocks noChangeAspect="1"/>
+          </p:cNvPicPr>
+          <p:nvPr>
+            <p:custDataLst>
+              <p:tags r:id="rId1"/>
+            </p:custDataLst>
+          </p:nvPr>
+        </p:nvPicPr>
+        <p:blipFill>
+          <a:blip r:embed="rId4">
+            <a:extLst>
+              <a:ext uri="{28A0092B-C50C-407E-A947-70E740481C1C}">
+                <a14:useLocalDpi xmlns:a14="http://schemas.microsoft.com/office/drawing/2010/main" val="0"/>
+              </a:ext>
+            </a:extLst>
+          </a:blip>
+          <a:stretch>
+            <a:fillRect/>
+          </a:stretch>
+        </p:blipFill>
+        <p:spPr>
+          <a:xfrm>
+            <a:off x="1514557" y="3421590"/>
+            <a:ext cx="96025" cy="704186"/>
+          </a:xfrm>
+          <a:prstGeom prst="rect">
+            <a:avLst/>
+          </a:prstGeom>
+        </p:spPr>
+      </p:pic>
+      <p:sp>
+        <p:nvSpPr>
+          <p:cNvPr id="16" name="テキスト ボックス 15">
+            <a:extLst>
+              <a:ext uri="{FF2B5EF4-FFF2-40B4-BE49-F238E27FC236}">
+                <a16:creationId xmlns:a16="http://schemas.microsoft.com/office/drawing/2014/main" id="{3D01874B-417E-278E-FEFE-63D100789D38}"/>
+              </a:ext>
+            </a:extLst>
+          </p:cNvPr>
+          <p:cNvSpPr txBox="1"/>
+          <p:nvPr/>
+        </p:nvSpPr>
+        <p:spPr>
+          <a:xfrm>
+            <a:off x="4777970" y="1598607"/>
+            <a:ext cx="2319867" cy="523220"/>
+          </a:xfrm>
+          <a:prstGeom prst="rect">
+            <a:avLst/>
+          </a:prstGeom>
+          <a:solidFill>
+            <a:schemeClr val="bg1">
+              <a:lumMod val="85000"/>
+            </a:schemeClr>
+          </a:solidFill>
+        </p:spPr>
+        <p:txBody>
+          <a:bodyPr wrap="square" rtlCol="0">
+            <a:spAutoFit/>
+          </a:bodyPr>
+          <a:lstStyle/>
+          <a:p>
+            <a:pPr algn="ctr"/>
+            <a:r>
+              <a:rPr kumimoji="1" lang="en-US" altLang="ja-JP" sz="2800" dirty="0" err="1">
+                <a:latin typeface="BIZ UDPゴシック" panose="020B0400000000000000" pitchFamily="50" charset="-128"/>
+                <a:ea typeface="BIZ UDPゴシック" panose="020B0400000000000000" pitchFamily="50" charset="-128"/>
+              </a:rPr>
+              <a:t>A_model</a:t>
+            </a:r>
+            <a:endParaRPr kumimoji="1" lang="ja-JP" altLang="en-US" sz="2800" dirty="0">
+              <a:latin typeface="BIZ UDPゴシック" panose="020B0400000000000000" pitchFamily="50" charset="-128"/>
+              <a:ea typeface="BIZ UDPゴシック" panose="020B0400000000000000" pitchFamily="50" charset="-128"/>
+            </a:endParaRPr>
+          </a:p>
+        </p:txBody>
+      </p:sp>
+      <p:sp>
+        <p:nvSpPr>
+          <p:cNvPr id="17" name="テキスト ボックス 16">
+            <a:extLst>
+              <a:ext uri="{FF2B5EF4-FFF2-40B4-BE49-F238E27FC236}">
+                <a16:creationId xmlns:a16="http://schemas.microsoft.com/office/drawing/2014/main" id="{2B111A8F-9BBC-B06B-A059-DAECD640948D}"/>
+              </a:ext>
+            </a:extLst>
+          </p:cNvPr>
+          <p:cNvSpPr txBox="1"/>
+          <p:nvPr/>
+        </p:nvSpPr>
+        <p:spPr>
+          <a:xfrm>
+            <a:off x="4777970" y="2360607"/>
+            <a:ext cx="2319867" cy="523220"/>
+          </a:xfrm>
+          <a:prstGeom prst="rect">
+            <a:avLst/>
+          </a:prstGeom>
+          <a:solidFill>
+            <a:schemeClr val="bg1">
+              <a:lumMod val="85000"/>
+            </a:schemeClr>
+          </a:solidFill>
+        </p:spPr>
+        <p:txBody>
+          <a:bodyPr wrap="square" rtlCol="0">
+            <a:spAutoFit/>
+          </a:bodyPr>
+          <a:lstStyle/>
+          <a:p>
+            <a:pPr algn="ctr"/>
+            <a:r>
+              <a:rPr kumimoji="1" lang="en-US" altLang="ja-JP" sz="2800" dirty="0" err="1">
+                <a:latin typeface="BIZ UDPゴシック" panose="020B0400000000000000" pitchFamily="50" charset="-128"/>
+                <a:ea typeface="BIZ UDPゴシック" panose="020B0400000000000000" pitchFamily="50" charset="-128"/>
+              </a:rPr>
+              <a:t>AAL_model</a:t>
+            </a:r>
+            <a:endParaRPr kumimoji="1" lang="ja-JP" altLang="en-US" sz="2800" dirty="0">
+              <a:latin typeface="BIZ UDPゴシック" panose="020B0400000000000000" pitchFamily="50" charset="-128"/>
+              <a:ea typeface="BIZ UDPゴシック" panose="020B0400000000000000" pitchFamily="50" charset="-128"/>
+            </a:endParaRPr>
+          </a:p>
+        </p:txBody>
+      </p:sp>
+      <p:sp>
+        <p:nvSpPr>
+          <p:cNvPr id="18" name="テキスト ボックス 17">
+            <a:extLst>
+              <a:ext uri="{FF2B5EF4-FFF2-40B4-BE49-F238E27FC236}">
+                <a16:creationId xmlns:a16="http://schemas.microsoft.com/office/drawing/2014/main" id="{12435374-9831-2B61-02BD-5297A14E52A6}"/>
+              </a:ext>
+            </a:extLst>
+          </p:cNvPr>
+          <p:cNvSpPr txBox="1"/>
+          <p:nvPr/>
+        </p:nvSpPr>
+        <p:spPr>
+          <a:xfrm>
+            <a:off x="4608663" y="4663540"/>
+            <a:ext cx="2658483" cy="523220"/>
+          </a:xfrm>
+          <a:prstGeom prst="rect">
+            <a:avLst/>
+          </a:prstGeom>
+          <a:solidFill>
+            <a:schemeClr val="bg1">
+              <a:lumMod val="85000"/>
+            </a:schemeClr>
+          </a:solidFill>
+        </p:spPr>
+        <p:txBody>
+          <a:bodyPr wrap="square" rtlCol="0">
+            <a:spAutoFit/>
+          </a:bodyPr>
+          <a:lstStyle/>
+          <a:p>
+            <a:pPr algn="ctr"/>
+            <a:r>
+              <a:rPr lang="en-US" altLang="ja-JP" sz="2800" dirty="0" err="1">
+                <a:latin typeface="BIZ UDPゴシック" panose="020B0400000000000000" pitchFamily="50" charset="-128"/>
+                <a:ea typeface="BIZ UDPゴシック" panose="020B0400000000000000" pitchFamily="50" charset="-128"/>
+              </a:rPr>
+              <a:t>ZBRA</a:t>
+            </a:r>
+            <a:r>
+              <a:rPr kumimoji="1" lang="en-US" altLang="ja-JP" sz="2800" dirty="0" err="1">
+                <a:latin typeface="BIZ UDPゴシック" panose="020B0400000000000000" pitchFamily="50" charset="-128"/>
+                <a:ea typeface="BIZ UDPゴシック" panose="020B0400000000000000" pitchFamily="50" charset="-128"/>
+              </a:rPr>
+              <a:t>_model</a:t>
+            </a:r>
+            <a:endParaRPr kumimoji="1" lang="ja-JP" altLang="en-US" sz="2800" dirty="0">
+              <a:latin typeface="BIZ UDPゴシック" panose="020B0400000000000000" pitchFamily="50" charset="-128"/>
+              <a:ea typeface="BIZ UDPゴシック" panose="020B0400000000000000" pitchFamily="50" charset="-128"/>
+            </a:endParaRPr>
+          </a:p>
+        </p:txBody>
+      </p:sp>
+      <p:sp>
+        <p:nvSpPr>
+          <p:cNvPr id="19" name="テキスト ボックス 18">
+            <a:extLst>
+              <a:ext uri="{FF2B5EF4-FFF2-40B4-BE49-F238E27FC236}">
+                <a16:creationId xmlns:a16="http://schemas.microsoft.com/office/drawing/2014/main" id="{02720E41-E50D-2375-75CE-27AFED40C13A}"/>
+              </a:ext>
+            </a:extLst>
+          </p:cNvPr>
+          <p:cNvSpPr txBox="1"/>
+          <p:nvPr/>
+        </p:nvSpPr>
+        <p:spPr>
+          <a:xfrm>
+            <a:off x="4608663" y="5425540"/>
+            <a:ext cx="2658483" cy="523220"/>
+          </a:xfrm>
+          <a:prstGeom prst="rect">
+            <a:avLst/>
+          </a:prstGeom>
+          <a:solidFill>
+            <a:schemeClr val="bg1">
+              <a:lumMod val="85000"/>
+            </a:schemeClr>
+          </a:solidFill>
+          <a:ln>
+            <a:noFill/>
+          </a:ln>
+        </p:spPr>
+        <p:txBody>
+          <a:bodyPr wrap="square" rtlCol="0">
+            <a:spAutoFit/>
+          </a:bodyPr>
+          <a:lstStyle/>
+          <a:p>
+            <a:pPr algn="ctr"/>
+            <a:r>
+              <a:rPr lang="en-US" altLang="ja-JP" sz="2800" dirty="0" err="1">
+                <a:latin typeface="BIZ UDPゴシック" panose="020B0400000000000000" pitchFamily="50" charset="-128"/>
+                <a:ea typeface="BIZ UDPゴシック" panose="020B0400000000000000" pitchFamily="50" charset="-128"/>
+              </a:rPr>
+              <a:t>ZTS</a:t>
+            </a:r>
+            <a:r>
+              <a:rPr kumimoji="1" lang="en-US" altLang="ja-JP" sz="2800" dirty="0" err="1">
+                <a:latin typeface="BIZ UDPゴシック" panose="020B0400000000000000" pitchFamily="50" charset="-128"/>
+                <a:ea typeface="BIZ UDPゴシック" panose="020B0400000000000000" pitchFamily="50" charset="-128"/>
+              </a:rPr>
+              <a:t>_model</a:t>
+            </a:r>
+            <a:endParaRPr kumimoji="1" lang="ja-JP" altLang="en-US" sz="2800" dirty="0">
+              <a:latin typeface="BIZ UDPゴシック" panose="020B0400000000000000" pitchFamily="50" charset="-128"/>
+              <a:ea typeface="BIZ UDPゴシック" panose="020B0400000000000000" pitchFamily="50" charset="-128"/>
+            </a:endParaRPr>
+          </a:p>
+        </p:txBody>
+      </p:sp>
+      <p:pic>
+        <p:nvPicPr>
+          <p:cNvPr id="20" name="図 19" descr="\documentclass{jsarticle}&#10;\usepackage{amsmath}&#10;\usepackage[T1]{fontenc}&#10;\usepackage{lmodern}&#10;\pagestyle{empty}&#10;&#10;\begin{document}&#10;&#10;\begin{align*}&#10;  \vdots&#10;\end{align*}&#10;&#10;\end{document}" title="IguanaTex Bitmap Display">
+            <a:extLst>
+              <a:ext uri="{FF2B5EF4-FFF2-40B4-BE49-F238E27FC236}">
+                <a16:creationId xmlns:a16="http://schemas.microsoft.com/office/drawing/2014/main" id="{B03FA855-A5B7-D4AF-5BDC-9BB4B50B46D0}"/>
+              </a:ext>
+            </a:extLst>
+          </p:cNvPr>
+          <p:cNvPicPr>
+            <a:picLocks noChangeAspect="1"/>
+          </p:cNvPicPr>
+          <p:nvPr>
+            <p:custDataLst>
+              <p:tags r:id="rId2"/>
+            </p:custDataLst>
+          </p:nvPr>
+        </p:nvPicPr>
+        <p:blipFill>
+          <a:blip r:embed="rId4">
+            <a:extLst>
+              <a:ext uri="{28A0092B-C50C-407E-A947-70E740481C1C}">
+                <a14:useLocalDpi xmlns:a14="http://schemas.microsoft.com/office/drawing/2010/main" val="0"/>
+              </a:ext>
+            </a:extLst>
+          </a:blip>
+          <a:stretch>
+            <a:fillRect/>
+          </a:stretch>
+        </p:blipFill>
+        <p:spPr>
+          <a:xfrm>
+            <a:off x="5911650" y="3348302"/>
+            <a:ext cx="96025" cy="704186"/>
+          </a:xfrm>
+          <a:prstGeom prst="rect">
+            <a:avLst/>
+          </a:prstGeom>
+        </p:spPr>
+      </p:pic>
+      <p:cxnSp>
+        <p:nvCxnSpPr>
+          <p:cNvPr id="22" name="直線矢印コネクタ 21">
+            <a:extLst>
+              <a:ext uri="{FF2B5EF4-FFF2-40B4-BE49-F238E27FC236}">
+                <a16:creationId xmlns:a16="http://schemas.microsoft.com/office/drawing/2014/main" id="{F1613ECA-820F-733D-380C-5F5A60E5DC1A}"/>
+              </a:ext>
+            </a:extLst>
+          </p:cNvPr>
+          <p:cNvCxnSpPr>
+            <a:stCxn id="5" idx="3"/>
+            <a:endCxn id="16" idx="1"/>
+          </p:cNvCxnSpPr>
+          <p:nvPr/>
+        </p:nvCxnSpPr>
+        <p:spPr>
+          <a:xfrm>
+            <a:off x="2722504" y="1860217"/>
+            <a:ext cx="2055466" cy="0"/>
+          </a:xfrm>
+          <a:prstGeom prst="straightConnector1">
+            <a:avLst/>
+          </a:prstGeom>
+          <a:ln>
+            <a:solidFill>
+              <a:schemeClr val="bg2">
+                <a:lumMod val="50000"/>
+              </a:schemeClr>
+            </a:solidFill>
+            <a:tailEnd type="triangle"/>
+          </a:ln>
+        </p:spPr>
+        <p:style>
+          <a:lnRef idx="1">
+            <a:schemeClr val="accent1"/>
+          </a:lnRef>
+          <a:fillRef idx="0">
+            <a:schemeClr val="accent1"/>
+          </a:fillRef>
+          <a:effectRef idx="0">
+            <a:schemeClr val="accent1"/>
+          </a:effectRef>
+          <a:fontRef idx="minor">
+            <a:schemeClr val="tx1"/>
+          </a:fontRef>
+        </p:style>
+      </p:cxnSp>
+      <p:cxnSp>
+        <p:nvCxnSpPr>
+          <p:cNvPr id="23" name="直線矢印コネクタ 22">
+            <a:extLst>
+              <a:ext uri="{FF2B5EF4-FFF2-40B4-BE49-F238E27FC236}">
+                <a16:creationId xmlns:a16="http://schemas.microsoft.com/office/drawing/2014/main" id="{F39607EA-3B8F-5332-1605-B2601FE08C75}"/>
+              </a:ext>
+            </a:extLst>
+          </p:cNvPr>
+          <p:cNvCxnSpPr>
+            <a:cxnSpLocks/>
+            <a:stCxn id="5" idx="3"/>
+            <a:endCxn id="17" idx="1"/>
+          </p:cNvCxnSpPr>
+          <p:nvPr/>
+        </p:nvCxnSpPr>
+        <p:spPr>
+          <a:xfrm>
+            <a:off x="2722504" y="1860217"/>
+            <a:ext cx="2055466" cy="762000"/>
+          </a:xfrm>
+          <a:prstGeom prst="straightConnector1">
+            <a:avLst/>
+          </a:prstGeom>
+          <a:ln>
+            <a:solidFill>
+              <a:schemeClr val="bg2">
+                <a:lumMod val="50000"/>
+              </a:schemeClr>
+            </a:solidFill>
+            <a:tailEnd type="triangle"/>
+          </a:ln>
+        </p:spPr>
+        <p:style>
+          <a:lnRef idx="1">
+            <a:schemeClr val="accent1"/>
+          </a:lnRef>
+          <a:fillRef idx="0">
+            <a:schemeClr val="accent1"/>
+          </a:fillRef>
+          <a:effectRef idx="0">
+            <a:schemeClr val="accent1"/>
+          </a:effectRef>
+          <a:fontRef idx="minor">
+            <a:schemeClr val="tx1"/>
+          </a:fontRef>
+        </p:style>
+      </p:cxnSp>
+      <p:cxnSp>
+        <p:nvCxnSpPr>
+          <p:cNvPr id="26" name="直線矢印コネクタ 25">
+            <a:extLst>
+              <a:ext uri="{FF2B5EF4-FFF2-40B4-BE49-F238E27FC236}">
+                <a16:creationId xmlns:a16="http://schemas.microsoft.com/office/drawing/2014/main" id="{EAF34522-6B1C-4E15-FCB7-C6E511858915}"/>
+              </a:ext>
+            </a:extLst>
+          </p:cNvPr>
+          <p:cNvCxnSpPr>
+            <a:cxnSpLocks/>
+            <a:stCxn id="5" idx="3"/>
+            <a:endCxn id="18" idx="1"/>
+          </p:cNvCxnSpPr>
+          <p:nvPr/>
+        </p:nvCxnSpPr>
+        <p:spPr>
+          <a:xfrm>
+            <a:off x="2722504" y="1860217"/>
+            <a:ext cx="1886159" cy="3064933"/>
+          </a:xfrm>
+          <a:prstGeom prst="straightConnector1">
+            <a:avLst/>
+          </a:prstGeom>
+          <a:ln>
+            <a:solidFill>
+              <a:schemeClr val="bg2">
+                <a:lumMod val="50000"/>
+              </a:schemeClr>
+            </a:solidFill>
+            <a:tailEnd type="triangle"/>
+          </a:ln>
+        </p:spPr>
+        <p:style>
+          <a:lnRef idx="1">
+            <a:schemeClr val="accent1"/>
+          </a:lnRef>
+          <a:fillRef idx="0">
+            <a:schemeClr val="accent1"/>
+          </a:fillRef>
+          <a:effectRef idx="0">
+            <a:schemeClr val="accent1"/>
+          </a:effectRef>
+          <a:fontRef idx="minor">
+            <a:schemeClr val="tx1"/>
+          </a:fontRef>
+        </p:style>
+      </p:cxnSp>
+      <p:cxnSp>
+        <p:nvCxnSpPr>
+          <p:cNvPr id="29" name="直線矢印コネクタ 28">
+            <a:extLst>
+              <a:ext uri="{FF2B5EF4-FFF2-40B4-BE49-F238E27FC236}">
+                <a16:creationId xmlns:a16="http://schemas.microsoft.com/office/drawing/2014/main" id="{92491357-8A5B-3372-120A-E736209262BD}"/>
+              </a:ext>
+            </a:extLst>
+          </p:cNvPr>
+          <p:cNvCxnSpPr>
+            <a:cxnSpLocks/>
+            <a:stCxn id="5" idx="3"/>
+            <a:endCxn id="19" idx="1"/>
+          </p:cNvCxnSpPr>
+          <p:nvPr/>
+        </p:nvCxnSpPr>
+        <p:spPr>
+          <a:xfrm>
+            <a:off x="2722504" y="1860217"/>
+            <a:ext cx="1886159" cy="3826933"/>
+          </a:xfrm>
+          <a:prstGeom prst="straightConnector1">
+            <a:avLst/>
+          </a:prstGeom>
+          <a:ln>
+            <a:solidFill>
+              <a:schemeClr val="bg2">
+                <a:lumMod val="50000"/>
+              </a:schemeClr>
+            </a:solidFill>
+            <a:tailEnd type="triangle"/>
+          </a:ln>
+        </p:spPr>
+        <p:style>
+          <a:lnRef idx="1">
+            <a:schemeClr val="accent1"/>
+          </a:lnRef>
+          <a:fillRef idx="0">
+            <a:schemeClr val="accent1"/>
+          </a:fillRef>
+          <a:effectRef idx="0">
+            <a:schemeClr val="accent1"/>
+          </a:effectRef>
+          <a:fontRef idx="minor">
+            <a:schemeClr val="tx1"/>
+          </a:fontRef>
+        </p:style>
+      </p:cxnSp>
+      <p:cxnSp>
+        <p:nvCxnSpPr>
+          <p:cNvPr id="32" name="直線矢印コネクタ 31">
+            <a:extLst>
+              <a:ext uri="{FF2B5EF4-FFF2-40B4-BE49-F238E27FC236}">
+                <a16:creationId xmlns:a16="http://schemas.microsoft.com/office/drawing/2014/main" id="{FBE4BD73-3A16-5483-2014-278E00B420B6}"/>
+              </a:ext>
+            </a:extLst>
+          </p:cNvPr>
+          <p:cNvCxnSpPr>
+            <a:cxnSpLocks/>
+            <a:stCxn id="16" idx="3"/>
+          </p:cNvCxnSpPr>
+          <p:nvPr/>
+        </p:nvCxnSpPr>
+        <p:spPr>
+          <a:xfrm>
+            <a:off x="7097837" y="1860217"/>
+            <a:ext cx="2055466" cy="0"/>
+          </a:xfrm>
+          <a:prstGeom prst="straightConnector1">
+            <a:avLst/>
+          </a:prstGeom>
+          <a:ln>
+            <a:solidFill>
+              <a:schemeClr val="bg2">
+                <a:lumMod val="50000"/>
+              </a:schemeClr>
+            </a:solidFill>
+            <a:tailEnd type="triangle"/>
+          </a:ln>
+        </p:spPr>
+        <p:style>
+          <a:lnRef idx="1">
+            <a:schemeClr val="accent1"/>
+          </a:lnRef>
+          <a:fillRef idx="0">
+            <a:schemeClr val="accent1"/>
+          </a:fillRef>
+          <a:effectRef idx="0">
+            <a:schemeClr val="accent1"/>
+          </a:effectRef>
+          <a:fontRef idx="minor">
+            <a:schemeClr val="tx1"/>
+          </a:fontRef>
+        </p:style>
+      </p:cxnSp>
+      <p:cxnSp>
+        <p:nvCxnSpPr>
+          <p:cNvPr id="34" name="直線矢印コネクタ 33">
+            <a:extLst>
+              <a:ext uri="{FF2B5EF4-FFF2-40B4-BE49-F238E27FC236}">
+                <a16:creationId xmlns:a16="http://schemas.microsoft.com/office/drawing/2014/main" id="{6BC9B407-1C7C-C2E4-DF09-01403910BF57}"/>
+              </a:ext>
+            </a:extLst>
+          </p:cNvPr>
+          <p:cNvCxnSpPr>
+            <a:cxnSpLocks/>
+          </p:cNvCxnSpPr>
+          <p:nvPr/>
+        </p:nvCxnSpPr>
+        <p:spPr>
+          <a:xfrm>
+            <a:off x="7097837" y="2622217"/>
+            <a:ext cx="2055466" cy="0"/>
+          </a:xfrm>
+          <a:prstGeom prst="straightConnector1">
+            <a:avLst/>
+          </a:prstGeom>
+          <a:ln>
+            <a:solidFill>
+              <a:schemeClr val="bg2">
+                <a:lumMod val="50000"/>
+              </a:schemeClr>
+            </a:solidFill>
+            <a:tailEnd type="triangle"/>
+          </a:ln>
+        </p:spPr>
+        <p:style>
+          <a:lnRef idx="1">
+            <a:schemeClr val="accent1"/>
+          </a:lnRef>
+          <a:fillRef idx="0">
+            <a:schemeClr val="accent1"/>
+          </a:fillRef>
+          <a:effectRef idx="0">
+            <a:schemeClr val="accent1"/>
+          </a:effectRef>
+          <a:fontRef idx="minor">
+            <a:schemeClr val="tx1"/>
+          </a:fontRef>
+        </p:style>
+      </p:cxnSp>
+      <p:cxnSp>
+        <p:nvCxnSpPr>
+          <p:cNvPr id="35" name="直線矢印コネクタ 34">
+            <a:extLst>
+              <a:ext uri="{FF2B5EF4-FFF2-40B4-BE49-F238E27FC236}">
+                <a16:creationId xmlns:a16="http://schemas.microsoft.com/office/drawing/2014/main" id="{DB200BE9-C6A2-D44A-B4A3-F64657C96AE4}"/>
+              </a:ext>
+            </a:extLst>
+          </p:cNvPr>
+          <p:cNvCxnSpPr>
+            <a:cxnSpLocks/>
+          </p:cNvCxnSpPr>
+          <p:nvPr/>
+        </p:nvCxnSpPr>
+        <p:spPr>
+          <a:xfrm>
+            <a:off x="7267146" y="4925150"/>
+            <a:ext cx="1886157" cy="0"/>
+          </a:xfrm>
+          <a:prstGeom prst="straightConnector1">
+            <a:avLst/>
+          </a:prstGeom>
+          <a:ln>
+            <a:solidFill>
+              <a:schemeClr val="bg2">
+                <a:lumMod val="50000"/>
+              </a:schemeClr>
+            </a:solidFill>
+            <a:tailEnd type="triangle"/>
+          </a:ln>
+        </p:spPr>
+        <p:style>
+          <a:lnRef idx="1">
+            <a:schemeClr val="accent1"/>
+          </a:lnRef>
+          <a:fillRef idx="0">
+            <a:schemeClr val="accent1"/>
+          </a:fillRef>
+          <a:effectRef idx="0">
+            <a:schemeClr val="accent1"/>
+          </a:effectRef>
+          <a:fontRef idx="minor">
+            <a:schemeClr val="tx1"/>
+          </a:fontRef>
+        </p:style>
+      </p:cxnSp>
+      <p:cxnSp>
+        <p:nvCxnSpPr>
+          <p:cNvPr id="36" name="直線矢印コネクタ 35">
+            <a:extLst>
+              <a:ext uri="{FF2B5EF4-FFF2-40B4-BE49-F238E27FC236}">
+                <a16:creationId xmlns:a16="http://schemas.microsoft.com/office/drawing/2014/main" id="{164CFCB7-0191-2F71-9BDB-B1A00A29C85A}"/>
+              </a:ext>
+            </a:extLst>
+          </p:cNvPr>
+          <p:cNvCxnSpPr>
+            <a:cxnSpLocks/>
+          </p:cNvCxnSpPr>
+          <p:nvPr/>
+        </p:nvCxnSpPr>
+        <p:spPr>
+          <a:xfrm>
+            <a:off x="7267146" y="5687150"/>
+            <a:ext cx="1886157" cy="0"/>
+          </a:xfrm>
+          <a:prstGeom prst="straightConnector1">
+            <a:avLst/>
+          </a:prstGeom>
+          <a:ln>
+            <a:solidFill>
+              <a:schemeClr val="bg2">
+                <a:lumMod val="50000"/>
+              </a:schemeClr>
+            </a:solidFill>
+            <a:tailEnd type="triangle"/>
+          </a:ln>
+        </p:spPr>
+        <p:style>
+          <a:lnRef idx="1">
+            <a:schemeClr val="accent1"/>
+          </a:lnRef>
+          <a:fillRef idx="0">
+            <a:schemeClr val="accent1"/>
+          </a:fillRef>
+          <a:effectRef idx="0">
+            <a:schemeClr val="accent1"/>
+          </a:effectRef>
+          <a:fontRef idx="minor">
+            <a:schemeClr val="tx1"/>
+          </a:fontRef>
+        </p:style>
+      </p:cxnSp>
+      <p:sp>
+        <p:nvSpPr>
+          <p:cNvPr id="37" name="テキスト ボックス 36">
+            <a:extLst>
+              <a:ext uri="{FF2B5EF4-FFF2-40B4-BE49-F238E27FC236}">
+                <a16:creationId xmlns:a16="http://schemas.microsoft.com/office/drawing/2014/main" id="{45A88E52-C242-6164-D418-DE23E59C0913}"/>
+              </a:ext>
+            </a:extLst>
+          </p:cNvPr>
+          <p:cNvSpPr txBox="1"/>
+          <p:nvPr/>
+        </p:nvSpPr>
+        <p:spPr>
+          <a:xfrm>
+            <a:off x="9414282" y="3348302"/>
+            <a:ext cx="2319867" cy="954107"/>
+          </a:xfrm>
+          <a:prstGeom prst="rect">
+            <a:avLst/>
+          </a:prstGeom>
+          <a:noFill/>
+        </p:spPr>
+        <p:txBody>
+          <a:bodyPr wrap="square" rtlCol="0">
+            <a:spAutoFit/>
+          </a:bodyPr>
+          <a:lstStyle/>
+          <a:p>
+            <a:pPr algn="ctr"/>
+            <a:r>
+              <a:rPr kumimoji="1" lang="ja-JP" altLang="en-US" sz="2800" dirty="0">
+                <a:latin typeface="BIZ UDPゴシック" panose="020B0400000000000000" pitchFamily="50" charset="-128"/>
+                <a:ea typeface="BIZ UDPゴシック" panose="020B0400000000000000" pitchFamily="50" charset="-128"/>
+              </a:rPr>
+              <a:t>予測データの平均をとる</a:t>
+            </a:r>
+          </a:p>
+        </p:txBody>
+      </p:sp>
+      <p:sp>
+        <p:nvSpPr>
+          <p:cNvPr id="39" name="四角形: 角を丸くする 38">
+            <a:extLst>
+              <a:ext uri="{FF2B5EF4-FFF2-40B4-BE49-F238E27FC236}">
+                <a16:creationId xmlns:a16="http://schemas.microsoft.com/office/drawing/2014/main" id="{81E4DDB3-EF89-E6D1-08EA-9D19F7317983}"/>
+              </a:ext>
+            </a:extLst>
+          </p:cNvPr>
+          <p:cNvSpPr/>
+          <p:nvPr/>
+        </p:nvSpPr>
+        <p:spPr>
+          <a:xfrm>
+            <a:off x="9311844" y="1212998"/>
+            <a:ext cx="2395964" cy="5270442"/>
+          </a:xfrm>
+          <a:prstGeom prst="roundRect">
+            <a:avLst/>
+          </a:prstGeom>
+          <a:noFill/>
+          <a:ln w="28575">
+            <a:solidFill>
+              <a:schemeClr val="bg2">
+                <a:lumMod val="50000"/>
+              </a:schemeClr>
+            </a:solidFill>
+          </a:ln>
+        </p:spPr>
+        <p:style>
+          <a:lnRef idx="2">
+            <a:schemeClr val="accent1">
+              <a:shade val="15000"/>
+            </a:schemeClr>
+          </a:lnRef>
+          <a:fillRef idx="1">
+            <a:schemeClr val="accent1"/>
+          </a:fillRef>
+          <a:effectRef idx="0">
+            <a:schemeClr val="accent1"/>
+          </a:effectRef>
+          <a:fontRef idx="minor">
+            <a:schemeClr val="lt1"/>
+          </a:fontRef>
+        </p:style>
+        <p:txBody>
+          <a:bodyPr rtlCol="0" anchor="ctr"/>
+          <a:lstStyle/>
+          <a:p>
+            <a:pPr algn="ctr"/>
+            <a:endParaRPr kumimoji="1" lang="ja-JP" altLang="en-US"/>
+          </a:p>
+        </p:txBody>
+      </p:sp>
+    </p:spTree>
+    <p:extLst>
+      <p:ext uri="{BB962C8B-B14F-4D97-AF65-F5344CB8AC3E}">
+        <p14:creationId xmlns:p14="http://schemas.microsoft.com/office/powerpoint/2010/main" val="2262311157"/>
+      </p:ext>
+    </p:extLst>
+  </p:cSld>
+  <p:clrMapOvr>
+    <a:masterClrMapping/>
+  </p:clrMapOvr>
+</p:sld>
+</file>
+
+<file path=ppt/slides/slide16.xml><?xml version="1.0" encoding="utf-8"?>
+<p:sld xmlns:a="http://schemas.openxmlformats.org/drawingml/2006/main" xmlns:r="http://schemas.openxmlformats.org/officeDocument/2006/relationships" xmlns:p="http://schemas.openxmlformats.org/presentationml/2006/main">
+  <p:cSld>
+    <p:spTree>
+      <p:nvGrpSpPr>
+        <p:cNvPr id="1" name=""/>
+        <p:cNvGrpSpPr/>
+        <p:nvPr/>
+      </p:nvGrpSpPr>
+      <p:grpSpPr>
+        <a:xfrm>
+          <a:off x="0" y="0"/>
+          <a:ext cx="0" cy="0"/>
+          <a:chOff x="0" y="0"/>
+          <a:chExt cx="0" cy="0"/>
+        </a:xfrm>
+      </p:grpSpPr>
+      <p:sp>
+        <p:nvSpPr>
+          <p:cNvPr id="2" name="テキスト ボックス 1">
+            <a:extLst>
+              <a:ext uri="{FF2B5EF4-FFF2-40B4-BE49-F238E27FC236}">
+                <a16:creationId xmlns:a16="http://schemas.microsoft.com/office/drawing/2014/main" id="{B2A704BD-AE99-3786-4115-FD0A53B76121}"/>
+              </a:ext>
+            </a:extLst>
+          </p:cNvPr>
+          <p:cNvSpPr txBox="1"/>
+          <p:nvPr/>
+        </p:nvSpPr>
+        <p:spPr>
+          <a:xfrm>
+            <a:off x="298127" y="48985"/>
+            <a:ext cx="6113962" cy="1200329"/>
+          </a:xfrm>
+          <a:prstGeom prst="rect">
+            <a:avLst/>
+          </a:prstGeom>
+          <a:noFill/>
+        </p:spPr>
+        <p:txBody>
+          <a:bodyPr wrap="square" rtlCol="0">
+            <a:spAutoFit/>
+          </a:bodyPr>
+          <a:lstStyle/>
+          <a:p>
+            <a:r>
+              <a:rPr lang="ja-JP" altLang="en-US" sz="7200" b="1" dirty="0">
+                <a:latin typeface="BIZ UDPゴシック" panose="020B0400000000000000" pitchFamily="50" charset="-128"/>
+                <a:ea typeface="BIZ UDPゴシック" panose="020B0400000000000000" pitchFamily="50" charset="-128"/>
+              </a:rPr>
+              <a:t>スケジュール</a:t>
+            </a:r>
+            <a:endParaRPr kumimoji="1" lang="ja-JP" altLang="en-US" sz="7200" b="1" dirty="0">
+              <a:latin typeface="BIZ UDPゴシック" panose="020B0400000000000000" pitchFamily="50" charset="-128"/>
+              <a:ea typeface="BIZ UDPゴシック" panose="020B0400000000000000" pitchFamily="50" charset="-128"/>
+            </a:endParaRPr>
+          </a:p>
+        </p:txBody>
+      </p:sp>
+      <p:sp>
+        <p:nvSpPr>
+          <p:cNvPr id="3" name="テキスト ボックス 2">
+            <a:extLst>
+              <a:ext uri="{FF2B5EF4-FFF2-40B4-BE49-F238E27FC236}">
+                <a16:creationId xmlns:a16="http://schemas.microsoft.com/office/drawing/2014/main" id="{0CF17158-A6BE-9E95-D15C-7F97DCE4DCAF}"/>
+              </a:ext>
+            </a:extLst>
+          </p:cNvPr>
+          <p:cNvSpPr txBox="1"/>
+          <p:nvPr/>
+        </p:nvSpPr>
+        <p:spPr>
+          <a:xfrm>
+            <a:off x="717456" y="1690062"/>
+            <a:ext cx="8245921" cy="3477875"/>
+          </a:xfrm>
+          <a:prstGeom prst="rect">
+            <a:avLst/>
+          </a:prstGeom>
+          <a:noFill/>
+        </p:spPr>
+        <p:txBody>
+          <a:bodyPr wrap="square" rtlCol="0">
+            <a:spAutoFit/>
+          </a:bodyPr>
+          <a:lstStyle/>
+          <a:p>
+            <a:r>
+              <a:rPr lang="en-US" altLang="ja-JP" sz="4400" dirty="0">
+                <a:latin typeface="BIZ UDPゴシック" panose="020B0400000000000000" pitchFamily="50" charset="-128"/>
+                <a:ea typeface="BIZ UDPゴシック" panose="020B0400000000000000" pitchFamily="50" charset="-128"/>
+              </a:rPr>
+              <a:t>4</a:t>
+            </a:r>
+            <a:r>
+              <a:rPr lang="ja-JP" altLang="en-US" sz="4400" dirty="0">
+                <a:latin typeface="BIZ UDPゴシック" panose="020B0400000000000000" pitchFamily="50" charset="-128"/>
+                <a:ea typeface="BIZ UDPゴシック" panose="020B0400000000000000" pitchFamily="50" charset="-128"/>
+              </a:rPr>
+              <a:t>月 </a:t>
+            </a:r>
+            <a:r>
+              <a:rPr lang="en-US" altLang="ja-JP" sz="4400" dirty="0">
+                <a:latin typeface="BIZ UDPゴシック" panose="020B0400000000000000" pitchFamily="50" charset="-128"/>
+                <a:ea typeface="BIZ UDPゴシック" panose="020B0400000000000000" pitchFamily="50" charset="-128"/>
+              </a:rPr>
+              <a:t>: </a:t>
+            </a:r>
+            <a:r>
+              <a:rPr lang="ja-JP" altLang="en-US" sz="4400" dirty="0">
+                <a:latin typeface="BIZ UDPゴシック" panose="020B0400000000000000" pitchFamily="50" charset="-128"/>
+                <a:ea typeface="BIZ UDPゴシック" panose="020B0400000000000000" pitchFamily="50" charset="-128"/>
+              </a:rPr>
+              <a:t>構想・技術選定</a:t>
+            </a:r>
+            <a:endParaRPr lang="en-US" altLang="ja-JP" sz="4400" dirty="0">
+              <a:latin typeface="BIZ UDPゴシック" panose="020B0400000000000000" pitchFamily="50" charset="-128"/>
+              <a:ea typeface="BIZ UDPゴシック" panose="020B0400000000000000" pitchFamily="50" charset="-128"/>
+            </a:endParaRPr>
+          </a:p>
+          <a:p>
+            <a:r>
+              <a:rPr kumimoji="1" lang="en-US" altLang="ja-JP" sz="4400" dirty="0">
+                <a:latin typeface="BIZ UDPゴシック" panose="020B0400000000000000" pitchFamily="50" charset="-128"/>
+                <a:ea typeface="BIZ UDPゴシック" panose="020B0400000000000000" pitchFamily="50" charset="-128"/>
+              </a:rPr>
+              <a:t>5</a:t>
+            </a:r>
+            <a:r>
+              <a:rPr kumimoji="1" lang="ja-JP" altLang="en-US" sz="4400" dirty="0">
+                <a:latin typeface="BIZ UDPゴシック" panose="020B0400000000000000" pitchFamily="50" charset="-128"/>
+                <a:ea typeface="BIZ UDPゴシック" panose="020B0400000000000000" pitchFamily="50" charset="-128"/>
+              </a:rPr>
+              <a:t>月 </a:t>
+            </a:r>
+            <a:r>
+              <a:rPr kumimoji="1" lang="en-US" altLang="ja-JP" sz="4400" dirty="0">
+                <a:latin typeface="BIZ UDPゴシック" panose="020B0400000000000000" pitchFamily="50" charset="-128"/>
+                <a:ea typeface="BIZ UDPゴシック" panose="020B0400000000000000" pitchFamily="50" charset="-128"/>
+              </a:rPr>
+              <a:t>: BERT</a:t>
+            </a:r>
+            <a:r>
+              <a:rPr kumimoji="1" lang="ja-JP" altLang="en-US" sz="4400" dirty="0">
+                <a:latin typeface="BIZ UDPゴシック" panose="020B0400000000000000" pitchFamily="50" charset="-128"/>
+                <a:ea typeface="BIZ UDPゴシック" panose="020B0400000000000000" pitchFamily="50" charset="-128"/>
+              </a:rPr>
+              <a:t>学習</a:t>
+            </a:r>
+            <a:endParaRPr kumimoji="1" lang="en-US" altLang="ja-JP" sz="4400" dirty="0">
+              <a:latin typeface="BIZ UDPゴシック" panose="020B0400000000000000" pitchFamily="50" charset="-128"/>
+              <a:ea typeface="BIZ UDPゴシック" panose="020B0400000000000000" pitchFamily="50" charset="-128"/>
+            </a:endParaRPr>
+          </a:p>
+          <a:p>
+            <a:r>
+              <a:rPr lang="en-US" altLang="ja-JP" sz="4400" dirty="0">
+                <a:latin typeface="BIZ UDPゴシック" panose="020B0400000000000000" pitchFamily="50" charset="-128"/>
+                <a:ea typeface="BIZ UDPゴシック" panose="020B0400000000000000" pitchFamily="50" charset="-128"/>
+              </a:rPr>
+              <a:t>6</a:t>
+            </a:r>
+            <a:r>
+              <a:rPr lang="ja-JP" altLang="en-US" sz="4400" dirty="0">
+                <a:latin typeface="BIZ UDPゴシック" panose="020B0400000000000000" pitchFamily="50" charset="-128"/>
+                <a:ea typeface="BIZ UDPゴシック" panose="020B0400000000000000" pitchFamily="50" charset="-128"/>
+              </a:rPr>
+              <a:t>月 </a:t>
+            </a:r>
+            <a:r>
+              <a:rPr lang="en-US" altLang="ja-JP" sz="4400" dirty="0">
+                <a:latin typeface="BIZ UDPゴシック" panose="020B0400000000000000" pitchFamily="50" charset="-128"/>
+                <a:ea typeface="BIZ UDPゴシック" panose="020B0400000000000000" pitchFamily="50" charset="-128"/>
+              </a:rPr>
+              <a:t>: </a:t>
+            </a:r>
+            <a:r>
+              <a:rPr lang="ja-JP" altLang="en-US" sz="4400" dirty="0">
+                <a:latin typeface="BIZ UDPゴシック" panose="020B0400000000000000" pitchFamily="50" charset="-128"/>
+                <a:ea typeface="BIZ UDPゴシック" panose="020B0400000000000000" pitchFamily="50" charset="-128"/>
+              </a:rPr>
+              <a:t>データセット作成</a:t>
+            </a:r>
+            <a:br>
+              <a:rPr lang="en-US" altLang="ja-JP" sz="4400" dirty="0">
+                <a:latin typeface="BIZ UDPゴシック" panose="020B0400000000000000" pitchFamily="50" charset="-128"/>
+                <a:ea typeface="BIZ UDPゴシック" panose="020B0400000000000000" pitchFamily="50" charset="-128"/>
+              </a:rPr>
+            </a:br>
+            <a:r>
+              <a:rPr lang="en-US" altLang="ja-JP" sz="4400" dirty="0">
+                <a:latin typeface="BIZ UDPゴシック" panose="020B0400000000000000" pitchFamily="50" charset="-128"/>
+                <a:ea typeface="BIZ UDPゴシック" panose="020B0400000000000000" pitchFamily="50" charset="-128"/>
+              </a:rPr>
+              <a:t>7</a:t>
+            </a:r>
+            <a:r>
+              <a:rPr lang="ja-JP" altLang="en-US" sz="4400" dirty="0">
+                <a:latin typeface="BIZ UDPゴシック" panose="020B0400000000000000" pitchFamily="50" charset="-128"/>
+                <a:ea typeface="BIZ UDPゴシック" panose="020B0400000000000000" pitchFamily="50" charset="-128"/>
+              </a:rPr>
+              <a:t>月 </a:t>
+            </a:r>
+            <a:r>
+              <a:rPr lang="en-US" altLang="ja-JP" sz="4400" dirty="0">
+                <a:latin typeface="BIZ UDPゴシック" panose="020B0400000000000000" pitchFamily="50" charset="-128"/>
+                <a:ea typeface="BIZ UDPゴシック" panose="020B0400000000000000" pitchFamily="50" charset="-128"/>
+              </a:rPr>
+              <a:t>: </a:t>
+            </a:r>
+            <a:r>
+              <a:rPr lang="ja-JP" altLang="en-US" sz="4400" dirty="0">
+                <a:latin typeface="BIZ UDPゴシック" panose="020B0400000000000000" pitchFamily="50" charset="-128"/>
+                <a:ea typeface="BIZ UDPゴシック" panose="020B0400000000000000" pitchFamily="50" charset="-128"/>
+              </a:rPr>
+              <a:t>時系列モデルの選定</a:t>
+            </a:r>
+            <a:endParaRPr lang="en-US" altLang="ja-JP" sz="4400" dirty="0">
+              <a:latin typeface="BIZ UDPゴシック" panose="020B0400000000000000" pitchFamily="50" charset="-128"/>
+              <a:ea typeface="BIZ UDPゴシック" panose="020B0400000000000000" pitchFamily="50" charset="-128"/>
+            </a:endParaRPr>
+          </a:p>
+          <a:p>
+            <a:r>
+              <a:rPr kumimoji="1" lang="en-US" altLang="ja-JP" sz="4400" dirty="0">
+                <a:latin typeface="BIZ UDPゴシック" panose="020B0400000000000000" pitchFamily="50" charset="-128"/>
+                <a:ea typeface="BIZ UDPゴシック" panose="020B0400000000000000" pitchFamily="50" charset="-128"/>
+              </a:rPr>
+              <a:t>8</a:t>
+            </a:r>
+            <a:r>
+              <a:rPr kumimoji="1" lang="ja-JP" altLang="en-US" sz="4400" dirty="0">
+                <a:latin typeface="BIZ UDPゴシック" panose="020B0400000000000000" pitchFamily="50" charset="-128"/>
+                <a:ea typeface="BIZ UDPゴシック" panose="020B0400000000000000" pitchFamily="50" charset="-128"/>
+              </a:rPr>
+              <a:t>月 </a:t>
+            </a:r>
+            <a:r>
+              <a:rPr kumimoji="1" lang="en-US" altLang="ja-JP" sz="4400" dirty="0">
+                <a:latin typeface="BIZ UDPゴシック" panose="020B0400000000000000" pitchFamily="50" charset="-128"/>
+                <a:ea typeface="BIZ UDPゴシック" panose="020B0400000000000000" pitchFamily="50" charset="-128"/>
+              </a:rPr>
+              <a:t>: </a:t>
+            </a:r>
+            <a:r>
+              <a:rPr kumimoji="1" lang="ja-JP" altLang="en-US" sz="4400" dirty="0">
+                <a:latin typeface="BIZ UDPゴシック" panose="020B0400000000000000" pitchFamily="50" charset="-128"/>
+                <a:ea typeface="BIZ UDPゴシック" panose="020B0400000000000000" pitchFamily="50" charset="-128"/>
+              </a:rPr>
+              <a:t>学習・発表資料作成</a:t>
+            </a:r>
+          </a:p>
+        </p:txBody>
+      </p:sp>
+      <p:sp>
+        <p:nvSpPr>
+          <p:cNvPr id="4" name="テキスト ボックス 3">
+            <a:extLst>
+              <a:ext uri="{FF2B5EF4-FFF2-40B4-BE49-F238E27FC236}">
+                <a16:creationId xmlns:a16="http://schemas.microsoft.com/office/drawing/2014/main" id="{6FC0D656-FC07-DF21-A715-036EACE74006}"/>
+              </a:ext>
+            </a:extLst>
+          </p:cNvPr>
+          <p:cNvSpPr txBox="1"/>
+          <p:nvPr/>
+        </p:nvSpPr>
+        <p:spPr>
+          <a:xfrm>
+            <a:off x="8091618" y="1690062"/>
+            <a:ext cx="3784294" cy="4154984"/>
+          </a:xfrm>
+          <a:prstGeom prst="rect">
+            <a:avLst/>
+          </a:prstGeom>
+          <a:noFill/>
+        </p:spPr>
+        <p:txBody>
+          <a:bodyPr wrap="square" rtlCol="0">
+            <a:spAutoFit/>
+          </a:bodyPr>
+          <a:lstStyle/>
+          <a:p>
+            <a:r>
+              <a:rPr lang="ja-JP" altLang="en-US" sz="4400" dirty="0">
+                <a:latin typeface="BIZ UDPゴシック" panose="020B0400000000000000" pitchFamily="50" charset="-128"/>
+                <a:ea typeface="BIZ UDPゴシック" panose="020B0400000000000000" pitchFamily="50" charset="-128"/>
+              </a:rPr>
+              <a:t>担当 </a:t>
+            </a:r>
+            <a:r>
+              <a:rPr lang="en-US" altLang="ja-JP" sz="4400" dirty="0">
+                <a:latin typeface="BIZ UDPゴシック" panose="020B0400000000000000" pitchFamily="50" charset="-128"/>
+                <a:ea typeface="BIZ UDPゴシック" panose="020B0400000000000000" pitchFamily="50" charset="-128"/>
+              </a:rPr>
+              <a:t>: </a:t>
+            </a:r>
+            <a:r>
+              <a:rPr lang="ja-JP" altLang="en-US" sz="4400" dirty="0">
+                <a:latin typeface="BIZ UDPゴシック" panose="020B0400000000000000" pitchFamily="50" charset="-128"/>
+                <a:ea typeface="BIZ UDPゴシック" panose="020B0400000000000000" pitchFamily="50" charset="-128"/>
+              </a:rPr>
+              <a:t>下沢</a:t>
+            </a:r>
+            <a:endParaRPr lang="en-US" altLang="ja-JP" sz="4400" dirty="0">
+              <a:latin typeface="BIZ UDPゴシック" panose="020B0400000000000000" pitchFamily="50" charset="-128"/>
+              <a:ea typeface="BIZ UDPゴシック" panose="020B0400000000000000" pitchFamily="50" charset="-128"/>
+            </a:endParaRPr>
+          </a:p>
+          <a:p>
+            <a:r>
+              <a:rPr lang="ja-JP" altLang="en-US" sz="4400" dirty="0">
+                <a:latin typeface="BIZ UDPゴシック" panose="020B0400000000000000" pitchFamily="50" charset="-128"/>
+                <a:ea typeface="BIZ UDPゴシック" panose="020B0400000000000000" pitchFamily="50" charset="-128"/>
+              </a:rPr>
+              <a:t>担当 </a:t>
+            </a:r>
+            <a:r>
+              <a:rPr lang="en-US" altLang="ja-JP" sz="4400" dirty="0">
+                <a:latin typeface="BIZ UDPゴシック" panose="020B0400000000000000" pitchFamily="50" charset="-128"/>
+                <a:ea typeface="BIZ UDPゴシック" panose="020B0400000000000000" pitchFamily="50" charset="-128"/>
+              </a:rPr>
+              <a:t>: </a:t>
+            </a:r>
+            <a:r>
+              <a:rPr lang="ja-JP" altLang="en-US" sz="4400" dirty="0">
+                <a:latin typeface="BIZ UDPゴシック" panose="020B0400000000000000" pitchFamily="50" charset="-128"/>
+                <a:ea typeface="BIZ UDPゴシック" panose="020B0400000000000000" pitchFamily="50" charset="-128"/>
+              </a:rPr>
+              <a:t>下沢</a:t>
+            </a:r>
+            <a:endParaRPr kumimoji="1" lang="ja-JP" altLang="en-US" sz="4400" dirty="0">
+              <a:latin typeface="BIZ UDPゴシック" panose="020B0400000000000000" pitchFamily="50" charset="-128"/>
+              <a:ea typeface="BIZ UDPゴシック" panose="020B0400000000000000" pitchFamily="50" charset="-128"/>
+            </a:endParaRPr>
+          </a:p>
+          <a:p>
+            <a:r>
+              <a:rPr lang="ja-JP" altLang="en-US" sz="4400" dirty="0">
+                <a:latin typeface="BIZ UDPゴシック" panose="020B0400000000000000" pitchFamily="50" charset="-128"/>
+                <a:ea typeface="BIZ UDPゴシック" panose="020B0400000000000000" pitchFamily="50" charset="-128"/>
+              </a:rPr>
+              <a:t>担当 </a:t>
+            </a:r>
+            <a:r>
+              <a:rPr lang="en-US" altLang="ja-JP" sz="4400" dirty="0">
+                <a:latin typeface="BIZ UDPゴシック" panose="020B0400000000000000" pitchFamily="50" charset="-128"/>
+                <a:ea typeface="BIZ UDPゴシック" panose="020B0400000000000000" pitchFamily="50" charset="-128"/>
+              </a:rPr>
+              <a:t>: </a:t>
+            </a:r>
+            <a:r>
+              <a:rPr lang="ja-JP" altLang="en-US" sz="4400" dirty="0">
+                <a:latin typeface="BIZ UDPゴシック" panose="020B0400000000000000" pitchFamily="50" charset="-128"/>
+                <a:ea typeface="BIZ UDPゴシック" panose="020B0400000000000000" pitchFamily="50" charset="-128"/>
+              </a:rPr>
+              <a:t>下沢</a:t>
+            </a:r>
+            <a:endParaRPr kumimoji="1" lang="ja-JP" altLang="en-US" sz="4400" dirty="0">
+              <a:latin typeface="BIZ UDPゴシック" panose="020B0400000000000000" pitchFamily="50" charset="-128"/>
+              <a:ea typeface="BIZ UDPゴシック" panose="020B0400000000000000" pitchFamily="50" charset="-128"/>
+            </a:endParaRPr>
+          </a:p>
+          <a:p>
+            <a:r>
+              <a:rPr lang="ja-JP" altLang="en-US" sz="4400" dirty="0">
+                <a:latin typeface="BIZ UDPゴシック" panose="020B0400000000000000" pitchFamily="50" charset="-128"/>
+                <a:ea typeface="BIZ UDPゴシック" panose="020B0400000000000000" pitchFamily="50" charset="-128"/>
+              </a:rPr>
+              <a:t>担当 </a:t>
+            </a:r>
+            <a:r>
+              <a:rPr lang="en-US" altLang="ja-JP" sz="4400" dirty="0">
+                <a:latin typeface="BIZ UDPゴシック" panose="020B0400000000000000" pitchFamily="50" charset="-128"/>
+                <a:ea typeface="BIZ UDPゴシック" panose="020B0400000000000000" pitchFamily="50" charset="-128"/>
+              </a:rPr>
+              <a:t>: </a:t>
+            </a:r>
+            <a:r>
+              <a:rPr lang="ja-JP" altLang="en-US" sz="4400" dirty="0">
+                <a:latin typeface="BIZ UDPゴシック" panose="020B0400000000000000" pitchFamily="50" charset="-128"/>
+                <a:ea typeface="BIZ UDPゴシック" panose="020B0400000000000000" pitchFamily="50" charset="-128"/>
+              </a:rPr>
+              <a:t>下沢</a:t>
+            </a:r>
+            <a:endParaRPr kumimoji="1" lang="ja-JP" altLang="en-US" sz="4400" dirty="0">
+              <a:latin typeface="BIZ UDPゴシック" panose="020B0400000000000000" pitchFamily="50" charset="-128"/>
+              <a:ea typeface="BIZ UDPゴシック" panose="020B0400000000000000" pitchFamily="50" charset="-128"/>
+            </a:endParaRPr>
+          </a:p>
+          <a:p>
+            <a:r>
+              <a:rPr lang="ja-JP" altLang="en-US" sz="4400" dirty="0">
+                <a:latin typeface="BIZ UDPゴシック" panose="020B0400000000000000" pitchFamily="50" charset="-128"/>
+                <a:ea typeface="BIZ UDPゴシック" panose="020B0400000000000000" pitchFamily="50" charset="-128"/>
+              </a:rPr>
+              <a:t>担当 </a:t>
+            </a:r>
+            <a:r>
+              <a:rPr lang="en-US" altLang="ja-JP" sz="4400" dirty="0">
+                <a:latin typeface="BIZ UDPゴシック" panose="020B0400000000000000" pitchFamily="50" charset="-128"/>
+                <a:ea typeface="BIZ UDPゴシック" panose="020B0400000000000000" pitchFamily="50" charset="-128"/>
+              </a:rPr>
+              <a:t>: </a:t>
+            </a:r>
+            <a:r>
+              <a:rPr lang="ja-JP" altLang="en-US" sz="4400" dirty="0">
+                <a:latin typeface="BIZ UDPゴシック" panose="020B0400000000000000" pitchFamily="50" charset="-128"/>
+                <a:ea typeface="BIZ UDPゴシック" panose="020B0400000000000000" pitchFamily="50" charset="-128"/>
+              </a:rPr>
+              <a:t>下沢</a:t>
+            </a:r>
+            <a:endParaRPr kumimoji="1" lang="ja-JP" altLang="en-US" sz="4400" dirty="0">
+              <a:latin typeface="BIZ UDPゴシック" panose="020B0400000000000000" pitchFamily="50" charset="-128"/>
+              <a:ea typeface="BIZ UDPゴシック" panose="020B0400000000000000" pitchFamily="50" charset="-128"/>
+            </a:endParaRPr>
+          </a:p>
+          <a:p>
+            <a:endParaRPr kumimoji="1" lang="ja-JP" altLang="en-US" sz="4400" dirty="0">
+              <a:latin typeface="BIZ UDPゴシック" panose="020B0400000000000000" pitchFamily="50" charset="-128"/>
+              <a:ea typeface="BIZ UDPゴシック" panose="020B0400000000000000" pitchFamily="50" charset="-128"/>
+            </a:endParaRPr>
+          </a:p>
+        </p:txBody>
+      </p:sp>
+      <p:sp>
+        <p:nvSpPr>
+          <p:cNvPr id="5" name="テキスト ボックス 4">
+            <a:extLst>
+              <a:ext uri="{FF2B5EF4-FFF2-40B4-BE49-F238E27FC236}">
+                <a16:creationId xmlns:a16="http://schemas.microsoft.com/office/drawing/2014/main" id="{22EF4CED-637D-A8DB-3E39-3706544B94A5}"/>
+              </a:ext>
+            </a:extLst>
+          </p:cNvPr>
+          <p:cNvSpPr txBox="1"/>
+          <p:nvPr/>
+        </p:nvSpPr>
+        <p:spPr>
+          <a:xfrm>
+            <a:off x="717456" y="5608685"/>
+            <a:ext cx="8855522" cy="646331"/>
+          </a:xfrm>
+          <a:prstGeom prst="rect">
+            <a:avLst/>
+          </a:prstGeom>
+          <a:noFill/>
+        </p:spPr>
+        <p:txBody>
+          <a:bodyPr wrap="square" rtlCol="0">
+            <a:spAutoFit/>
+          </a:bodyPr>
+          <a:lstStyle/>
+          <a:p>
+            <a:r>
+              <a:rPr kumimoji="1" lang="en-US" altLang="ja-JP" sz="3600" dirty="0">
+                <a:latin typeface="BIZ UDPゴシック" panose="020B0400000000000000" pitchFamily="50" charset="-128"/>
+                <a:ea typeface="BIZ UDPゴシック" panose="020B0400000000000000" pitchFamily="50" charset="-128"/>
+              </a:rPr>
+              <a:t>※</a:t>
+            </a:r>
+            <a:r>
+              <a:rPr kumimoji="1" lang="ja-JP" altLang="en-US" sz="3600" dirty="0">
+                <a:latin typeface="BIZ UDPゴシック" panose="020B0400000000000000" pitchFamily="50" charset="-128"/>
+                <a:ea typeface="BIZ UDPゴシック" panose="020B0400000000000000" pitchFamily="50" charset="-128"/>
+              </a:rPr>
+              <a:t>常にスクレイプと</a:t>
+            </a:r>
+            <a:r>
+              <a:rPr kumimoji="1" lang="en-US" altLang="ja-JP" sz="3600" dirty="0">
+                <a:latin typeface="BIZ UDPゴシック" panose="020B0400000000000000" pitchFamily="50" charset="-128"/>
+                <a:ea typeface="BIZ UDPゴシック" panose="020B0400000000000000" pitchFamily="50" charset="-128"/>
+              </a:rPr>
+              <a:t>DB</a:t>
+            </a:r>
+            <a:r>
+              <a:rPr kumimoji="1" lang="ja-JP" altLang="en-US" sz="3600" dirty="0">
+                <a:latin typeface="BIZ UDPゴシック" panose="020B0400000000000000" pitchFamily="50" charset="-128"/>
+                <a:ea typeface="BIZ UDPゴシック" panose="020B0400000000000000" pitchFamily="50" charset="-128"/>
+              </a:rPr>
+              <a:t>と受験勉強との挌闘</a:t>
+            </a:r>
+          </a:p>
+        </p:txBody>
+      </p:sp>
+    </p:spTree>
+    <p:extLst>
+      <p:ext uri="{BB962C8B-B14F-4D97-AF65-F5344CB8AC3E}">
+        <p14:creationId xmlns:p14="http://schemas.microsoft.com/office/powerpoint/2010/main" val="2186427836"/>
+      </p:ext>
+    </p:extLst>
+  </p:cSld>
+  <p:clrMapOvr>
+    <a:masterClrMapping/>
+  </p:clrMapOvr>
+</p:sld>
+</file>
+
+<file path=ppt/slides/slide17.xml><?xml version="1.0" encoding="utf-8"?>
+<p:sld xmlns:a="http://schemas.openxmlformats.org/drawingml/2006/main" xmlns:r="http://schemas.openxmlformats.org/officeDocument/2006/relationships" xmlns:p="http://schemas.openxmlformats.org/presentationml/2006/main">
+  <p:cSld>
+    <p:spTree>
+      <p:nvGrpSpPr>
+        <p:cNvPr id="1" name=""/>
+        <p:cNvGrpSpPr/>
+        <p:nvPr/>
+      </p:nvGrpSpPr>
+      <p:grpSpPr>
+        <a:xfrm>
+          <a:off x="0" y="0"/>
+          <a:ext cx="0" cy="0"/>
+          <a:chOff x="0" y="0"/>
+          <a:chExt cx="0" cy="0"/>
+        </a:xfrm>
+      </p:grpSpPr>
+      <p:sp>
+        <p:nvSpPr>
+          <p:cNvPr id="4" name="テキスト ボックス 3">
+            <a:extLst>
+              <a:ext uri="{FF2B5EF4-FFF2-40B4-BE49-F238E27FC236}">
+                <a16:creationId xmlns:a16="http://schemas.microsoft.com/office/drawing/2014/main" id="{6B56B9D3-FC29-4B9B-96B7-19FB66BC0676}"/>
+              </a:ext>
+            </a:extLst>
+          </p:cNvPr>
+          <p:cNvSpPr txBox="1"/>
+          <p:nvPr/>
+        </p:nvSpPr>
+        <p:spPr>
+          <a:xfrm>
+            <a:off x="1013011" y="2705725"/>
+            <a:ext cx="10165977" cy="1446550"/>
+          </a:xfrm>
+          <a:prstGeom prst="rect">
+            <a:avLst/>
+          </a:prstGeom>
+          <a:noFill/>
+        </p:spPr>
+        <p:txBody>
+          <a:bodyPr wrap="square" rtlCol="0">
+            <a:spAutoFit/>
+          </a:bodyPr>
+          <a:lstStyle/>
+          <a:p>
+            <a:pPr algn="ctr"/>
+            <a:r>
+              <a:rPr kumimoji="1" lang="ja-JP" altLang="en-US" sz="8800" b="1" dirty="0">
+                <a:latin typeface="BIZ UDPゴシック" panose="020B0400000000000000" pitchFamily="50" charset="-128"/>
+                <a:ea typeface="BIZ UDPゴシック" panose="020B0400000000000000" pitchFamily="50" charset="-128"/>
+              </a:rPr>
+              <a:t>結論 </a:t>
+            </a:r>
+            <a:r>
+              <a:rPr kumimoji="1" lang="en-US" altLang="ja-JP" sz="8800" b="1" dirty="0">
+                <a:latin typeface="BIZ UDPゴシック" panose="020B0400000000000000" pitchFamily="50" charset="-128"/>
+                <a:ea typeface="BIZ UDPゴシック" panose="020B0400000000000000" pitchFamily="50" charset="-128"/>
+              </a:rPr>
+              <a:t>: </a:t>
+            </a:r>
+            <a:r>
+              <a:rPr kumimoji="1" lang="ja-JP" altLang="en-US" sz="8800" b="1" dirty="0">
+                <a:latin typeface="BIZ UDPゴシック" panose="020B0400000000000000" pitchFamily="50" charset="-128"/>
+                <a:ea typeface="BIZ UDPゴシック" panose="020B0400000000000000" pitchFamily="50" charset="-128"/>
+              </a:rPr>
+              <a:t>できなかった</a:t>
+            </a:r>
+          </a:p>
+        </p:txBody>
+      </p:sp>
+    </p:spTree>
+    <p:extLst>
+      <p:ext uri="{BB962C8B-B14F-4D97-AF65-F5344CB8AC3E}">
+        <p14:creationId xmlns:p14="http://schemas.microsoft.com/office/powerpoint/2010/main" val="642360478"/>
+      </p:ext>
+    </p:extLst>
+  </p:cSld>
+  <p:clrMapOvr>
+    <a:masterClrMapping/>
+  </p:clrMapOvr>
+</p:sld>
+</file>
+
+<file path=ppt/slides/slide18.xml><?xml version="1.0" encoding="utf-8"?>
+<p:sld xmlns:a="http://schemas.openxmlformats.org/drawingml/2006/main" xmlns:r="http://schemas.openxmlformats.org/officeDocument/2006/relationships" xmlns:p="http://schemas.openxmlformats.org/presentationml/2006/main">
+  <p:cSld>
+    <p:spTree>
+      <p:nvGrpSpPr>
+        <p:cNvPr id="1" name=""/>
+        <p:cNvGrpSpPr/>
+        <p:nvPr/>
+      </p:nvGrpSpPr>
+      <p:grpSpPr>
+        <a:xfrm>
+          <a:off x="0" y="0"/>
+          <a:ext cx="0" cy="0"/>
+          <a:chOff x="0" y="0"/>
+          <a:chExt cx="0" cy="0"/>
+        </a:xfrm>
+      </p:grpSpPr>
+      <p:sp>
+        <p:nvSpPr>
+          <p:cNvPr id="2" name="テキスト ボックス 1">
+            <a:extLst>
+              <a:ext uri="{FF2B5EF4-FFF2-40B4-BE49-F238E27FC236}">
+                <a16:creationId xmlns:a16="http://schemas.microsoft.com/office/drawing/2014/main" id="{7291A1A2-535D-B6C0-D2AE-F3CB525FDEF3}"/>
+              </a:ext>
+            </a:extLst>
+          </p:cNvPr>
+          <p:cNvSpPr txBox="1"/>
+          <p:nvPr/>
+        </p:nvSpPr>
+        <p:spPr>
+          <a:xfrm>
+            <a:off x="298127" y="48985"/>
+            <a:ext cx="2528888" cy="1200329"/>
+          </a:xfrm>
+          <a:prstGeom prst="rect">
+            <a:avLst/>
+          </a:prstGeom>
+          <a:noFill/>
+        </p:spPr>
+        <p:txBody>
+          <a:bodyPr wrap="square" rtlCol="0">
+            <a:spAutoFit/>
+          </a:bodyPr>
+          <a:lstStyle/>
+          <a:p>
+            <a:r>
+              <a:rPr kumimoji="1" lang="ja-JP" altLang="en-US" sz="7200" b="1" dirty="0">
+                <a:latin typeface="BIZ UDPゴシック" panose="020B0400000000000000" pitchFamily="50" charset="-128"/>
+                <a:ea typeface="BIZ UDPゴシック" panose="020B0400000000000000" pitchFamily="50" charset="-128"/>
+              </a:rPr>
+              <a:t>結果</a:t>
+            </a:r>
+          </a:p>
+        </p:txBody>
+      </p:sp>
+      <p:sp>
+        <p:nvSpPr>
+          <p:cNvPr id="3" name="テキスト ボックス 2">
+            <a:extLst>
+              <a:ext uri="{FF2B5EF4-FFF2-40B4-BE49-F238E27FC236}">
+                <a16:creationId xmlns:a16="http://schemas.microsoft.com/office/drawing/2014/main" id="{CB53F4CA-EDB8-44F8-5E3A-23AA5F8564F4}"/>
+              </a:ext>
+            </a:extLst>
+          </p:cNvPr>
+          <p:cNvSpPr txBox="1"/>
+          <p:nvPr/>
+        </p:nvSpPr>
+        <p:spPr>
+          <a:xfrm>
+            <a:off x="3878346" y="3429000"/>
+            <a:ext cx="3757972" cy="584775"/>
+          </a:xfrm>
+          <a:prstGeom prst="rect">
+            <a:avLst/>
+          </a:prstGeom>
+          <a:noFill/>
+        </p:spPr>
+        <p:txBody>
+          <a:bodyPr wrap="square" rtlCol="0">
+            <a:spAutoFit/>
+          </a:bodyPr>
+          <a:lstStyle/>
+          <a:p>
+            <a:pPr algn="ctr"/>
+            <a:r>
+              <a:rPr kumimoji="1" lang="en-US" altLang="ja-JP" sz="3200" dirty="0">
+                <a:latin typeface="BIZ UDPゴシック" panose="020B0400000000000000" pitchFamily="50" charset="-128"/>
+                <a:ea typeface="BIZ UDPゴシック" panose="020B0400000000000000" pitchFamily="50" charset="-128"/>
+              </a:rPr>
+              <a:t>Top3</a:t>
+            </a:r>
+            <a:r>
+              <a:rPr kumimoji="1" lang="ja-JP" altLang="en-US" sz="3200" dirty="0">
+                <a:latin typeface="BIZ UDPゴシック" panose="020B0400000000000000" pitchFamily="50" charset="-128"/>
+                <a:ea typeface="BIZ UDPゴシック" panose="020B0400000000000000" pitchFamily="50" charset="-128"/>
+              </a:rPr>
+              <a:t>のぐらふ</a:t>
+            </a:r>
+          </a:p>
+        </p:txBody>
+      </p:sp>
+    </p:spTree>
+    <p:extLst>
+      <p:ext uri="{BB962C8B-B14F-4D97-AF65-F5344CB8AC3E}">
+        <p14:creationId xmlns:p14="http://schemas.microsoft.com/office/powerpoint/2010/main" val="2830496279"/>
+      </p:ext>
+    </p:extLst>
+  </p:cSld>
+  <p:clrMapOvr>
+    <a:masterClrMapping/>
+  </p:clrMapOvr>
+</p:sld>
+</file>
+
+<file path=ppt/slides/slide19.xml><?xml version="1.0" encoding="utf-8"?>
+<p:sld xmlns:a="http://schemas.openxmlformats.org/drawingml/2006/main" xmlns:r="http://schemas.openxmlformats.org/officeDocument/2006/relationships" xmlns:p="http://schemas.openxmlformats.org/presentationml/2006/main">
+  <p:cSld>
+    <p:spTree>
+      <p:nvGrpSpPr>
+        <p:cNvPr id="1" name=""/>
+        <p:cNvGrpSpPr/>
+        <p:nvPr/>
+      </p:nvGrpSpPr>
+      <p:grpSpPr>
+        <a:xfrm>
+          <a:off x="0" y="0"/>
+          <a:ext cx="0" cy="0"/>
+          <a:chOff x="0" y="0"/>
+          <a:chExt cx="0" cy="0"/>
+        </a:xfrm>
+      </p:grpSpPr>
+      <p:sp>
+        <p:nvSpPr>
+          <p:cNvPr id="2" name="テキスト ボックス 1">
+            <a:extLst>
+              <a:ext uri="{FF2B5EF4-FFF2-40B4-BE49-F238E27FC236}">
+                <a16:creationId xmlns:a16="http://schemas.microsoft.com/office/drawing/2014/main" id="{CD6531B4-3A18-1C3C-991D-5CB8667443BE}"/>
+              </a:ext>
+            </a:extLst>
+          </p:cNvPr>
+          <p:cNvSpPr txBox="1"/>
+          <p:nvPr/>
+        </p:nvSpPr>
+        <p:spPr>
+          <a:xfrm>
+            <a:off x="298127" y="48985"/>
+            <a:ext cx="2528888" cy="1200329"/>
+          </a:xfrm>
+          <a:prstGeom prst="rect">
+            <a:avLst/>
+          </a:prstGeom>
+          <a:noFill/>
+        </p:spPr>
+        <p:txBody>
+          <a:bodyPr wrap="square" rtlCol="0">
+            <a:spAutoFit/>
+          </a:bodyPr>
+          <a:lstStyle/>
+          <a:p>
+            <a:r>
+              <a:rPr lang="ja-JP" altLang="en-US" sz="7200" b="1" dirty="0">
+                <a:latin typeface="BIZ UDPゴシック" panose="020B0400000000000000" pitchFamily="50" charset="-128"/>
+                <a:ea typeface="BIZ UDPゴシック" panose="020B0400000000000000" pitchFamily="50" charset="-128"/>
+              </a:rPr>
+              <a:t>考察</a:t>
+            </a:r>
+            <a:endParaRPr kumimoji="1" lang="ja-JP" altLang="en-US" sz="7200" b="1" dirty="0">
+              <a:latin typeface="BIZ UDPゴシック" panose="020B0400000000000000" pitchFamily="50" charset="-128"/>
+              <a:ea typeface="BIZ UDPゴシック" panose="020B0400000000000000" pitchFamily="50" charset="-128"/>
+            </a:endParaRPr>
+          </a:p>
+        </p:txBody>
+      </p:sp>
+      <p:sp>
+        <p:nvSpPr>
+          <p:cNvPr id="3" name="テキスト ボックス 2">
+            <a:extLst>
+              <a:ext uri="{FF2B5EF4-FFF2-40B4-BE49-F238E27FC236}">
+                <a16:creationId xmlns:a16="http://schemas.microsoft.com/office/drawing/2014/main" id="{74D4EEFF-5CD6-151C-C156-C505382A8642}"/>
+              </a:ext>
+            </a:extLst>
+          </p:cNvPr>
+          <p:cNvSpPr txBox="1"/>
+          <p:nvPr/>
+        </p:nvSpPr>
+        <p:spPr>
+          <a:xfrm>
+            <a:off x="862341" y="1536174"/>
+            <a:ext cx="10467317" cy="4401205"/>
+          </a:xfrm>
+          <a:prstGeom prst="rect">
+            <a:avLst/>
+          </a:prstGeom>
+          <a:noFill/>
+        </p:spPr>
+        <p:txBody>
+          <a:bodyPr wrap="square" rtlCol="0">
+            <a:spAutoFit/>
+          </a:bodyPr>
+          <a:lstStyle/>
+          <a:p>
+            <a:pPr marL="457200" indent="-457200">
+              <a:buFont typeface="Arial" panose="020B0604020202020204" pitchFamily="34" charset="0"/>
+              <a:buChar char="•"/>
+            </a:pPr>
+            <a:r>
+              <a:rPr kumimoji="1" lang="ja-JP" altLang="en-US" sz="4000" dirty="0">
+                <a:latin typeface="BIZ UDPゴシック" panose="020B0400000000000000" pitchFamily="50" charset="-128"/>
+                <a:ea typeface="BIZ UDPゴシック" panose="020B0400000000000000" pitchFamily="50" charset="-128"/>
+              </a:rPr>
+              <a:t>ニュースのばらつきがある</a:t>
+            </a:r>
+            <a:endParaRPr kumimoji="1" lang="en-US" altLang="ja-JP" sz="4000" dirty="0">
+              <a:latin typeface="BIZ UDPゴシック" panose="020B0400000000000000" pitchFamily="50" charset="-128"/>
+              <a:ea typeface="BIZ UDPゴシック" panose="020B0400000000000000" pitchFamily="50" charset="-128"/>
+            </a:endParaRPr>
+          </a:p>
+          <a:p>
+            <a:pPr marL="457200" indent="-457200">
+              <a:buFont typeface="Arial" panose="020B0604020202020204" pitchFamily="34" charset="0"/>
+              <a:buChar char="•"/>
+            </a:pPr>
+            <a:r>
+              <a:rPr kumimoji="1" lang="ja-JP" altLang="en-US" sz="4000" dirty="0">
+                <a:latin typeface="BIZ UDPゴシック" panose="020B0400000000000000" pitchFamily="50" charset="-128"/>
+                <a:ea typeface="BIZ UDPゴシック" panose="020B0400000000000000" pitchFamily="50" charset="-128"/>
+              </a:rPr>
+              <a:t>この一か月はありえないくらい株式市場の状況が悪い</a:t>
+            </a:r>
+            <a:endParaRPr kumimoji="1" lang="en-US" altLang="ja-JP" sz="4000" dirty="0">
+              <a:latin typeface="BIZ UDPゴシック" panose="020B0400000000000000" pitchFamily="50" charset="-128"/>
+              <a:ea typeface="BIZ UDPゴシック" panose="020B0400000000000000" pitchFamily="50" charset="-128"/>
+            </a:endParaRPr>
+          </a:p>
+          <a:p>
+            <a:pPr marL="457200" indent="-457200">
+              <a:buFont typeface="Arial" panose="020B0604020202020204" pitchFamily="34" charset="0"/>
+              <a:buChar char="•"/>
+            </a:pPr>
+            <a:r>
+              <a:rPr lang="en-US" altLang="ja-JP" sz="4000" dirty="0">
+                <a:latin typeface="BIZ UDPゴシック" panose="020B0400000000000000" pitchFamily="50" charset="-128"/>
+                <a:ea typeface="BIZ UDPゴシック" panose="020B0400000000000000" pitchFamily="50" charset="-128"/>
+              </a:rPr>
+              <a:t>6-7</a:t>
+            </a:r>
+            <a:r>
+              <a:rPr lang="ja-JP" altLang="en-US" sz="4000" dirty="0">
+                <a:latin typeface="BIZ UDPゴシック" panose="020B0400000000000000" pitchFamily="50" charset="-128"/>
+                <a:ea typeface="BIZ UDPゴシック" panose="020B0400000000000000" pitchFamily="50" charset="-128"/>
+              </a:rPr>
+              <a:t>月にサイトのアプデがあってニュースのデータががっつり減った</a:t>
+            </a:r>
+            <a:endParaRPr lang="en-US" altLang="ja-JP" sz="4000" dirty="0">
+              <a:latin typeface="BIZ UDPゴシック" panose="020B0400000000000000" pitchFamily="50" charset="-128"/>
+              <a:ea typeface="BIZ UDPゴシック" panose="020B0400000000000000" pitchFamily="50" charset="-128"/>
+            </a:endParaRPr>
+          </a:p>
+          <a:p>
+            <a:pPr marL="457200" indent="-457200">
+              <a:buFont typeface="Arial" panose="020B0604020202020204" pitchFamily="34" charset="0"/>
+              <a:buChar char="•"/>
+            </a:pPr>
+            <a:r>
+              <a:rPr kumimoji="1" lang="ja-JP" altLang="en-US" sz="4000" dirty="0">
+                <a:latin typeface="BIZ UDPゴシック" panose="020B0400000000000000" pitchFamily="50" charset="-128"/>
+                <a:ea typeface="BIZ UDPゴシック" panose="020B0400000000000000" pitchFamily="50" charset="-128"/>
+              </a:rPr>
+              <a:t>ただの思い付きだが、</a:t>
+            </a:r>
+            <a:r>
+              <a:rPr kumimoji="1" lang="en-US" altLang="ja-JP" sz="4000" dirty="0">
+                <a:latin typeface="BIZ UDPゴシック" panose="020B0400000000000000" pitchFamily="50" charset="-128"/>
+                <a:ea typeface="BIZ UDPゴシック" panose="020B0400000000000000" pitchFamily="50" charset="-128"/>
+              </a:rPr>
+              <a:t>Twitter</a:t>
+            </a:r>
+            <a:r>
+              <a:rPr kumimoji="1" lang="ja-JP" altLang="en-US" sz="4000" dirty="0">
+                <a:latin typeface="BIZ UDPゴシック" panose="020B0400000000000000" pitchFamily="50" charset="-128"/>
+                <a:ea typeface="BIZ UDPゴシック" panose="020B0400000000000000" pitchFamily="50" charset="-128"/>
+              </a:rPr>
+              <a:t>のトレンド等も</a:t>
+            </a:r>
+          </a:p>
+        </p:txBody>
+      </p:sp>
     </p:spTree>
     <p:extLst>
       <p:ext uri="{BB962C8B-B14F-4D97-AF65-F5344CB8AC3E}">
@@ -6663,7 +15191,243 @@
 </p:sld>
 </file>
 
-<file path=ppt/slides/slide13.xml><?xml version="1.0" encoding="utf-8"?>
+<file path=ppt/slides/slide2.xml><?xml version="1.0" encoding="utf-8"?>
+<p:sld xmlns:a="http://schemas.openxmlformats.org/drawingml/2006/main" xmlns:r="http://schemas.openxmlformats.org/officeDocument/2006/relationships" xmlns:p="http://schemas.openxmlformats.org/presentationml/2006/main">
+  <p:cSld>
+    <p:spTree>
+      <p:nvGrpSpPr>
+        <p:cNvPr id="1" name=""/>
+        <p:cNvGrpSpPr/>
+        <p:nvPr/>
+      </p:nvGrpSpPr>
+      <p:grpSpPr>
+        <a:xfrm>
+          <a:off x="0" y="0"/>
+          <a:ext cx="0" cy="0"/>
+          <a:chOff x="0" y="0"/>
+          <a:chExt cx="0" cy="0"/>
+        </a:xfrm>
+      </p:grpSpPr>
+      <p:sp>
+        <p:nvSpPr>
+          <p:cNvPr id="5" name="テキスト ボックス 4">
+            <a:extLst>
+              <a:ext uri="{FF2B5EF4-FFF2-40B4-BE49-F238E27FC236}">
+                <a16:creationId xmlns:a16="http://schemas.microsoft.com/office/drawing/2014/main" id="{8328FAAC-671D-4848-AFAA-E9386F467836}"/>
+              </a:ext>
+            </a:extLst>
+          </p:cNvPr>
+          <p:cNvSpPr txBox="1"/>
+          <p:nvPr/>
+        </p:nvSpPr>
+        <p:spPr>
+          <a:xfrm>
+            <a:off x="511173" y="2052906"/>
+            <a:ext cx="11499758" cy="3416320"/>
+          </a:xfrm>
+          <a:prstGeom prst="rect">
+            <a:avLst/>
+          </a:prstGeom>
+          <a:noFill/>
+        </p:spPr>
+        <p:txBody>
+          <a:bodyPr wrap="square" rtlCol="0">
+            <a:spAutoFit/>
+          </a:bodyPr>
+          <a:lstStyle/>
+          <a:p>
+            <a:pPr marL="571500" indent="-571500">
+              <a:buFont typeface="Arial" panose="020B0604020202020204" pitchFamily="34" charset="0"/>
+              <a:buChar char="•"/>
+            </a:pPr>
+            <a:r>
+              <a:rPr kumimoji="1" lang="ja-JP" altLang="en-US" sz="3800" dirty="0">
+                <a:latin typeface="BIZ UDPゴシック" panose="020B0400000000000000" pitchFamily="50" charset="-128"/>
+                <a:ea typeface="BIZ UDPゴシック" panose="020B0400000000000000" pitchFamily="50" charset="-128"/>
+              </a:rPr>
+              <a:t>せっかく</a:t>
+            </a:r>
+            <a:r>
+              <a:rPr kumimoji="1" lang="en-US" altLang="ja-JP" sz="3800" dirty="0">
+                <a:latin typeface="BIZ UDPゴシック" panose="020B0400000000000000" pitchFamily="50" charset="-128"/>
+                <a:ea typeface="BIZ UDPゴシック" panose="020B0400000000000000" pitchFamily="50" charset="-128"/>
+              </a:rPr>
+              <a:t>NISA</a:t>
+            </a:r>
+            <a:r>
+              <a:rPr lang="ja-JP" altLang="en-US" sz="3800" dirty="0">
+                <a:latin typeface="BIZ UDPゴシック" panose="020B0400000000000000" pitchFamily="50" charset="-128"/>
+                <a:ea typeface="BIZ UDPゴシック" panose="020B0400000000000000" pitchFamily="50" charset="-128"/>
+              </a:rPr>
+              <a:t>口座を持てる年齢になったのだから</a:t>
+            </a:r>
+            <a:r>
+              <a:rPr kumimoji="1" lang="ja-JP" altLang="en-US" sz="3800" dirty="0">
+                <a:latin typeface="BIZ UDPゴシック" panose="020B0400000000000000" pitchFamily="50" charset="-128"/>
+                <a:ea typeface="BIZ UDPゴシック" panose="020B0400000000000000" pitchFamily="50" charset="-128"/>
+              </a:rPr>
+              <a:t>株価の時系列予測をしたい</a:t>
+            </a:r>
+            <a:r>
+              <a:rPr kumimoji="1" lang="en-US" altLang="ja-JP" sz="2800" dirty="0">
+                <a:solidFill>
+                  <a:schemeClr val="bg2">
+                    <a:lumMod val="50000"/>
+                  </a:schemeClr>
+                </a:solidFill>
+                <a:latin typeface="BIZ UDPゴシック" panose="020B0400000000000000" pitchFamily="50" charset="-128"/>
+                <a:ea typeface="BIZ UDPゴシック" panose="020B0400000000000000" pitchFamily="50" charset="-128"/>
+              </a:rPr>
+              <a:t>(</a:t>
+            </a:r>
+            <a:r>
+              <a:rPr kumimoji="1" lang="ja-JP" altLang="en-US" sz="2800" dirty="0">
+                <a:solidFill>
+                  <a:schemeClr val="bg2">
+                    <a:lumMod val="50000"/>
+                  </a:schemeClr>
+                </a:solidFill>
+                <a:latin typeface="BIZ UDPゴシック" panose="020B0400000000000000" pitchFamily="50" charset="-128"/>
+                <a:ea typeface="BIZ UDPゴシック" panose="020B0400000000000000" pitchFamily="50" charset="-128"/>
+              </a:rPr>
+              <a:t>儲けたい</a:t>
+            </a:r>
+            <a:r>
+              <a:rPr kumimoji="1" lang="en-US" altLang="ja-JP" sz="2800" dirty="0">
+                <a:solidFill>
+                  <a:schemeClr val="bg2">
+                    <a:lumMod val="50000"/>
+                  </a:schemeClr>
+                </a:solidFill>
+                <a:latin typeface="BIZ UDPゴシック" panose="020B0400000000000000" pitchFamily="50" charset="-128"/>
+                <a:ea typeface="BIZ UDPゴシック" panose="020B0400000000000000" pitchFamily="50" charset="-128"/>
+              </a:rPr>
+              <a:t>)</a:t>
+            </a:r>
+          </a:p>
+          <a:p>
+            <a:pPr marL="457200" indent="-457200">
+              <a:buFont typeface="Arial" panose="020B0604020202020204" pitchFamily="34" charset="0"/>
+              <a:buChar char="•"/>
+            </a:pPr>
+            <a:endParaRPr lang="en-US" altLang="ja-JP" sz="2800" dirty="0">
+              <a:solidFill>
+                <a:schemeClr val="bg2">
+                  <a:lumMod val="50000"/>
+                </a:schemeClr>
+              </a:solidFill>
+              <a:latin typeface="BIZ UDPゴシック" panose="020B0400000000000000" pitchFamily="50" charset="-128"/>
+              <a:ea typeface="BIZ UDPゴシック" panose="020B0400000000000000" pitchFamily="50" charset="-128"/>
+            </a:endParaRPr>
+          </a:p>
+          <a:p>
+            <a:pPr marL="571500" indent="-571500">
+              <a:buFont typeface="Arial" panose="020B0604020202020204" pitchFamily="34" charset="0"/>
+              <a:buChar char="•"/>
+            </a:pPr>
+            <a:r>
+              <a:rPr lang="ja-JP" altLang="en-US" sz="3800" dirty="0">
+                <a:latin typeface="BIZ UDPゴシック" panose="020B0400000000000000" pitchFamily="50" charset="-128"/>
+                <a:ea typeface="BIZ UDPゴシック" panose="020B0400000000000000" pitchFamily="50" charset="-128"/>
+              </a:rPr>
+              <a:t>全く知らない分野の会社の株式を買う時の指標としたい</a:t>
+            </a:r>
+          </a:p>
+          <a:p>
+            <a:endParaRPr kumimoji="1" lang="ja-JP" altLang="en-US" sz="3600" dirty="0">
+              <a:solidFill>
+                <a:schemeClr val="bg2">
+                  <a:lumMod val="50000"/>
+                </a:schemeClr>
+              </a:solidFill>
+              <a:latin typeface="BIZ UDPゴシック" panose="020B0400000000000000" pitchFamily="50" charset="-128"/>
+              <a:ea typeface="BIZ UDPゴシック" panose="020B0400000000000000" pitchFamily="50" charset="-128"/>
+            </a:endParaRPr>
+          </a:p>
+        </p:txBody>
+      </p:sp>
+      <p:sp>
+        <p:nvSpPr>
+          <p:cNvPr id="2" name="テキスト ボックス 1">
+            <a:extLst>
+              <a:ext uri="{FF2B5EF4-FFF2-40B4-BE49-F238E27FC236}">
+                <a16:creationId xmlns:a16="http://schemas.microsoft.com/office/drawing/2014/main" id="{DD4FD780-05BE-F0E4-3EFC-0E5F4A94CAA7}"/>
+              </a:ext>
+            </a:extLst>
+          </p:cNvPr>
+          <p:cNvSpPr txBox="1"/>
+          <p:nvPr/>
+        </p:nvSpPr>
+        <p:spPr>
+          <a:xfrm>
+            <a:off x="298127" y="48985"/>
+            <a:ext cx="2528888" cy="1200329"/>
+          </a:xfrm>
+          <a:prstGeom prst="rect">
+            <a:avLst/>
+          </a:prstGeom>
+          <a:noFill/>
+        </p:spPr>
+        <p:txBody>
+          <a:bodyPr wrap="square" rtlCol="0">
+            <a:spAutoFit/>
+          </a:bodyPr>
+          <a:lstStyle/>
+          <a:p>
+            <a:r>
+              <a:rPr kumimoji="1" lang="ja-JP" altLang="en-US" sz="7200" b="1" dirty="0">
+                <a:latin typeface="BIZ UDPゴシック" panose="020B0400000000000000" pitchFamily="50" charset="-128"/>
+                <a:ea typeface="BIZ UDPゴシック" panose="020B0400000000000000" pitchFamily="50" charset="-128"/>
+              </a:rPr>
+              <a:t>目的</a:t>
+            </a:r>
+          </a:p>
+        </p:txBody>
+      </p:sp>
+    </p:spTree>
+    <p:extLst>
+      <p:ext uri="{BB962C8B-B14F-4D97-AF65-F5344CB8AC3E}">
+        <p14:creationId xmlns:p14="http://schemas.microsoft.com/office/powerpoint/2010/main" val="3128121415"/>
+      </p:ext>
+    </p:extLst>
+  </p:cSld>
+  <p:clrMapOvr>
+    <a:masterClrMapping/>
+  </p:clrMapOvr>
+</p:sld>
+</file>
+
+<file path=ppt/slides/slide20.xml><?xml version="1.0" encoding="utf-8"?>
+<p:sld xmlns:a="http://schemas.openxmlformats.org/drawingml/2006/main" xmlns:r="http://schemas.openxmlformats.org/officeDocument/2006/relationships" xmlns:p="http://schemas.openxmlformats.org/presentationml/2006/main">
+  <p:cSld>
+    <p:spTree>
+      <p:nvGrpSpPr>
+        <p:cNvPr id="1" name=""/>
+        <p:cNvGrpSpPr/>
+        <p:nvPr/>
+      </p:nvGrpSpPr>
+      <p:grpSpPr>
+        <a:xfrm>
+          <a:off x="0" y="0"/>
+          <a:ext cx="0" cy="0"/>
+          <a:chOff x="0" y="0"/>
+          <a:chExt cx="0" cy="0"/>
+        </a:xfrm>
+      </p:grpSpPr>
+    </p:spTree>
+    <p:extLst>
+      <p:ext uri="{BB962C8B-B14F-4D97-AF65-F5344CB8AC3E}">
+        <p14:creationId xmlns:p14="http://schemas.microsoft.com/office/powerpoint/2010/main" val="754985361"/>
+      </p:ext>
+    </p:extLst>
+  </p:cSld>
+  <p:clrMapOvr>
+    <a:masterClrMapping/>
+  </p:clrMapOvr>
+</p:sld>
+</file>
+
+<file path=ppt/slides/slide21.xml><?xml version="1.0" encoding="utf-8"?>
 <p:sld xmlns:a="http://schemas.openxmlformats.org/drawingml/2006/main" xmlns:r="http://schemas.openxmlformats.org/officeDocument/2006/relationships" xmlns:p="http://schemas.openxmlformats.org/presentationml/2006/main">
   <p:cSld>
     <p:spTree>
@@ -6757,8 +15521,38 @@
         </p:blipFill>
         <p:spPr>
           <a:xfrm>
-            <a:off x="1857762" y="1261605"/>
-            <a:ext cx="8693758" cy="2482695"/>
+            <a:off x="5018650" y="1473981"/>
+            <a:ext cx="6845972" cy="1955019"/>
+          </a:xfrm>
+          <a:prstGeom prst="rect">
+            <a:avLst/>
+          </a:prstGeom>
+        </p:spPr>
+      </p:pic>
+      <p:pic>
+        <p:nvPicPr>
+          <p:cNvPr id="4" name="図 3">
+            <a:extLst>
+              <a:ext uri="{FF2B5EF4-FFF2-40B4-BE49-F238E27FC236}">
+                <a16:creationId xmlns:a16="http://schemas.microsoft.com/office/drawing/2014/main" id="{3F1622E8-592A-648F-5D86-533C56802587}"/>
+              </a:ext>
+            </a:extLst>
+          </p:cNvPr>
+          <p:cNvPicPr>
+            <a:picLocks noChangeAspect="1"/>
+          </p:cNvPicPr>
+          <p:nvPr/>
+        </p:nvPicPr>
+        <p:blipFill>
+          <a:blip r:embed="rId3"/>
+          <a:stretch>
+            <a:fillRect/>
+          </a:stretch>
+        </p:blipFill>
+        <p:spPr>
+          <a:xfrm>
+            <a:off x="168049" y="688622"/>
+            <a:ext cx="3768731" cy="5130800"/>
           </a:xfrm>
           <a:prstGeom prst="rect">
             <a:avLst/>
@@ -6769,212 +15563,6 @@
     <p:extLst>
       <p:ext uri="{BB962C8B-B14F-4D97-AF65-F5344CB8AC3E}">
         <p14:creationId xmlns:p14="http://schemas.microsoft.com/office/powerpoint/2010/main" val="545646707"/>
-      </p:ext>
-    </p:extLst>
-  </p:cSld>
-  <p:clrMapOvr>
-    <a:masterClrMapping/>
-  </p:clrMapOvr>
-</p:sld>
-</file>
-
-<file path=ppt/slides/slide2.xml><?xml version="1.0" encoding="utf-8"?>
-<p:sld xmlns:a="http://schemas.openxmlformats.org/drawingml/2006/main" xmlns:r="http://schemas.openxmlformats.org/officeDocument/2006/relationships" xmlns:p="http://schemas.openxmlformats.org/presentationml/2006/main">
-  <p:cSld>
-    <p:spTree>
-      <p:nvGrpSpPr>
-        <p:cNvPr id="1" name=""/>
-        <p:cNvGrpSpPr/>
-        <p:nvPr/>
-      </p:nvGrpSpPr>
-      <p:grpSpPr>
-        <a:xfrm>
-          <a:off x="0" y="0"/>
-          <a:ext cx="0" cy="0"/>
-          <a:chOff x="0" y="0"/>
-          <a:chExt cx="0" cy="0"/>
-        </a:xfrm>
-      </p:grpSpPr>
-      <p:sp>
-        <p:nvSpPr>
-          <p:cNvPr id="5" name="テキスト ボックス 4">
-            <a:extLst>
-              <a:ext uri="{FF2B5EF4-FFF2-40B4-BE49-F238E27FC236}">
-                <a16:creationId xmlns:a16="http://schemas.microsoft.com/office/drawing/2014/main" id="{8328FAAC-671D-4848-AFAA-E9386F467836}"/>
-              </a:ext>
-            </a:extLst>
-          </p:cNvPr>
-          <p:cNvSpPr txBox="1"/>
-          <p:nvPr/>
-        </p:nvSpPr>
-        <p:spPr>
-          <a:xfrm>
-            <a:off x="511173" y="2052906"/>
-            <a:ext cx="11499758" cy="3416320"/>
-          </a:xfrm>
-          <a:prstGeom prst="rect">
-            <a:avLst/>
-          </a:prstGeom>
-          <a:noFill/>
-        </p:spPr>
-        <p:txBody>
-          <a:bodyPr wrap="square" rtlCol="0">
-            <a:spAutoFit/>
-          </a:bodyPr>
-          <a:lstStyle/>
-          <a:p>
-            <a:pPr marL="571500" indent="-571500">
-              <a:buFont typeface="Arial" panose="020B0604020202020204" pitchFamily="34" charset="0"/>
-              <a:buChar char="•"/>
-            </a:pPr>
-            <a:r>
-              <a:rPr kumimoji="1" lang="ja-JP" altLang="en-US" sz="3800" dirty="0">
-                <a:latin typeface="BIZ UDPゴシック" panose="020B0400000000000000" pitchFamily="50" charset="-128"/>
-                <a:ea typeface="BIZ UDPゴシック" panose="020B0400000000000000" pitchFamily="50" charset="-128"/>
-              </a:rPr>
-              <a:t>せっかく</a:t>
-            </a:r>
-            <a:r>
-              <a:rPr kumimoji="1" lang="en-US" altLang="ja-JP" sz="3800" dirty="0">
-                <a:latin typeface="BIZ UDPゴシック" panose="020B0400000000000000" pitchFamily="50" charset="-128"/>
-                <a:ea typeface="BIZ UDPゴシック" panose="020B0400000000000000" pitchFamily="50" charset="-128"/>
-              </a:rPr>
-              <a:t>NISA</a:t>
-            </a:r>
-            <a:r>
-              <a:rPr lang="ja-JP" altLang="en-US" sz="3800" dirty="0">
-                <a:latin typeface="BIZ UDPゴシック" panose="020B0400000000000000" pitchFamily="50" charset="-128"/>
-                <a:ea typeface="BIZ UDPゴシック" panose="020B0400000000000000" pitchFamily="50" charset="-128"/>
-              </a:rPr>
-              <a:t>口座を持てる年齢になったのだから</a:t>
-            </a:r>
-            <a:r>
-              <a:rPr kumimoji="1" lang="ja-JP" altLang="en-US" sz="3800" dirty="0">
-                <a:latin typeface="BIZ UDPゴシック" panose="020B0400000000000000" pitchFamily="50" charset="-128"/>
-                <a:ea typeface="BIZ UDPゴシック" panose="020B0400000000000000" pitchFamily="50" charset="-128"/>
-              </a:rPr>
-              <a:t>株価の時系列予測をしたい</a:t>
-            </a:r>
-            <a:r>
-              <a:rPr kumimoji="1" lang="en-US" altLang="ja-JP" sz="2800" dirty="0">
-                <a:solidFill>
-                  <a:schemeClr val="bg2">
-                    <a:lumMod val="50000"/>
-                  </a:schemeClr>
-                </a:solidFill>
-                <a:latin typeface="BIZ UDPゴシック" panose="020B0400000000000000" pitchFamily="50" charset="-128"/>
-                <a:ea typeface="BIZ UDPゴシック" panose="020B0400000000000000" pitchFamily="50" charset="-128"/>
-              </a:rPr>
-              <a:t>(</a:t>
-            </a:r>
-            <a:r>
-              <a:rPr kumimoji="1" lang="ja-JP" altLang="en-US" sz="2800" dirty="0">
-                <a:solidFill>
-                  <a:schemeClr val="bg2">
-                    <a:lumMod val="50000"/>
-                  </a:schemeClr>
-                </a:solidFill>
-                <a:latin typeface="BIZ UDPゴシック" panose="020B0400000000000000" pitchFamily="50" charset="-128"/>
-                <a:ea typeface="BIZ UDPゴシック" panose="020B0400000000000000" pitchFamily="50" charset="-128"/>
-              </a:rPr>
-              <a:t>儲けたい</a:t>
-            </a:r>
-            <a:r>
-              <a:rPr kumimoji="1" lang="en-US" altLang="ja-JP" sz="2800" dirty="0">
-                <a:solidFill>
-                  <a:schemeClr val="bg2">
-                    <a:lumMod val="50000"/>
-                  </a:schemeClr>
-                </a:solidFill>
-                <a:latin typeface="BIZ UDPゴシック" panose="020B0400000000000000" pitchFamily="50" charset="-128"/>
-                <a:ea typeface="BIZ UDPゴシック" panose="020B0400000000000000" pitchFamily="50" charset="-128"/>
-              </a:rPr>
-              <a:t>)</a:t>
-            </a:r>
-          </a:p>
-          <a:p>
-            <a:pPr marL="457200" indent="-457200">
-              <a:buFont typeface="Arial" panose="020B0604020202020204" pitchFamily="34" charset="0"/>
-              <a:buChar char="•"/>
-            </a:pPr>
-            <a:endParaRPr lang="en-US" altLang="ja-JP" sz="2800" dirty="0">
-              <a:solidFill>
-                <a:schemeClr val="bg2">
-                  <a:lumMod val="50000"/>
-                </a:schemeClr>
-              </a:solidFill>
-              <a:latin typeface="BIZ UDPゴシック" panose="020B0400000000000000" pitchFamily="50" charset="-128"/>
-              <a:ea typeface="BIZ UDPゴシック" panose="020B0400000000000000" pitchFamily="50" charset="-128"/>
-            </a:endParaRPr>
-          </a:p>
-          <a:p>
-            <a:pPr marL="571500" indent="-571500">
-              <a:buFont typeface="Arial" panose="020B0604020202020204" pitchFamily="34" charset="0"/>
-              <a:buChar char="•"/>
-            </a:pPr>
-            <a:r>
-              <a:rPr lang="ja-JP" altLang="en-US" sz="3800" dirty="0">
-                <a:latin typeface="BIZ UDPゴシック" panose="020B0400000000000000" pitchFamily="50" charset="-128"/>
-                <a:ea typeface="BIZ UDPゴシック" panose="020B0400000000000000" pitchFamily="50" charset="-128"/>
-              </a:rPr>
-              <a:t>全く知らない分野の会社の株式を買う時の指標としたい</a:t>
-            </a:r>
-          </a:p>
-          <a:p>
-            <a:endParaRPr kumimoji="1" lang="ja-JP" altLang="en-US" sz="3600" dirty="0">
-              <a:solidFill>
-                <a:schemeClr val="bg2">
-                  <a:lumMod val="50000"/>
-                </a:schemeClr>
-              </a:solidFill>
-              <a:latin typeface="BIZ UDPゴシック" panose="020B0400000000000000" pitchFamily="50" charset="-128"/>
-              <a:ea typeface="BIZ UDPゴシック" panose="020B0400000000000000" pitchFamily="50" charset="-128"/>
-            </a:endParaRPr>
-          </a:p>
-        </p:txBody>
-      </p:sp>
-      <p:sp>
-        <p:nvSpPr>
-          <p:cNvPr id="2" name="テキスト ボックス 1">
-            <a:extLst>
-              <a:ext uri="{FF2B5EF4-FFF2-40B4-BE49-F238E27FC236}">
-                <a16:creationId xmlns:a16="http://schemas.microsoft.com/office/drawing/2014/main" id="{DD4FD780-05BE-F0E4-3EFC-0E5F4A94CAA7}"/>
-              </a:ext>
-            </a:extLst>
-          </p:cNvPr>
-          <p:cNvSpPr txBox="1"/>
-          <p:nvPr/>
-        </p:nvSpPr>
-        <p:spPr>
-          <a:xfrm>
-            <a:off x="298127" y="48985"/>
-            <a:ext cx="2528888" cy="1200329"/>
-          </a:xfrm>
-          <a:prstGeom prst="rect">
-            <a:avLst/>
-          </a:prstGeom>
-          <a:noFill/>
-        </p:spPr>
-        <p:txBody>
-          <a:bodyPr wrap="square" rtlCol="0">
-            <a:spAutoFit/>
-          </a:bodyPr>
-          <a:lstStyle/>
-          <a:p>
-            <a:r>
-              <a:rPr kumimoji="1" lang="ja-JP" altLang="en-US" sz="7200" b="1" dirty="0">
-                <a:latin typeface="BIZ UDPゴシック" panose="020B0400000000000000" pitchFamily="50" charset="-128"/>
-                <a:ea typeface="BIZ UDPゴシック" panose="020B0400000000000000" pitchFamily="50" charset="-128"/>
-              </a:rPr>
-              <a:t>目的</a:t>
-            </a:r>
-          </a:p>
-        </p:txBody>
-      </p:sp>
-    </p:spTree>
-    <p:extLst>
-      <p:ext uri="{BB962C8B-B14F-4D97-AF65-F5344CB8AC3E}">
-        <p14:creationId xmlns:p14="http://schemas.microsoft.com/office/powerpoint/2010/main" val="3128121415"/>
       </p:ext>
     </p:extLst>
   </p:cSld>
@@ -9912,6 +18500,86 @@
     </p:bldLst>
   </p:timing>
 </p:sld>
+</file>
+
+<file path=ppt/tags/tag1.xml><?xml version="1.0" encoding="utf-8"?>
+<p:tagLst xmlns:a="http://schemas.openxmlformats.org/drawingml/2006/main" xmlns:r="http://schemas.openxmlformats.org/officeDocument/2006/relationships" xmlns:p="http://schemas.openxmlformats.org/presentationml/2006/main">
+  <p:tag name="OUTPUTDPI" val="1200"/>
+  <p:tag name="ORIGINALHEIGHT" val="115.5161"/>
+  <p:tag name="ORIGINALWIDTH" val="15.7522"/>
+  <p:tag name="OUTPUTTYPE" val="PNG"/>
+  <p:tag name="IGUANATEXVERSION" val="160"/>
+  <p:tag name="LATEXADDIN" val="\documentclass{jsarticle}&#10;\usepackage{amsmath}&#10;\usepackage[T1]{fontenc}&#10;\usepackage{lmodern}&#10;\pagestyle{empty}&#10;&#10;\begin{document}&#10;&#10;\begin{align*}&#10;  \vdots&#10;\end{align*}&#10;&#10;\end{document}"/>
+  <p:tag name="IGUANATEXSIZE" val="60"/>
+  <p:tag name="IGUANATEXCURSOR" val="153"/>
+  <p:tag name="TRANSPARENCY" val="True"/>
+  <p:tag name="LATEXENGINEID" val="4"/>
+  <p:tag name="TEMPFOLDER" val="c:\temptex\"/>
+  <p:tag name="LATEXFORMHEIGHT" val="320"/>
+  <p:tag name="LATEXFORMWIDTH" val="385"/>
+  <p:tag name="LATEXFORMWRAP" val="True"/>
+  <p:tag name="BITMAPVECTOR" val="0"/>
+</p:tagLst>
+</file>
+
+<file path=ppt/tags/tag2.xml><?xml version="1.0" encoding="utf-8"?>
+<p:tagLst xmlns:a="http://schemas.openxmlformats.org/drawingml/2006/main" xmlns:r="http://schemas.openxmlformats.org/officeDocument/2006/relationships" xmlns:p="http://schemas.openxmlformats.org/presentationml/2006/main">
+  <p:tag name="OUTPUTDPI" val="1200"/>
+  <p:tag name="ORIGINALHEIGHT" val="115.5161"/>
+  <p:tag name="ORIGINALWIDTH" val="15.7522"/>
+  <p:tag name="OUTPUTTYPE" val="PNG"/>
+  <p:tag name="IGUANATEXVERSION" val="160"/>
+  <p:tag name="LATEXADDIN" val="\documentclass{jsarticle}&#10;\usepackage{amsmath}&#10;\usepackage[T1]{fontenc}&#10;\usepackage{lmodern}&#10;\pagestyle{empty}&#10;&#10;\begin{document}&#10;&#10;\begin{align*}&#10;  \vdots&#10;\end{align*}&#10;&#10;\end{document}"/>
+  <p:tag name="IGUANATEXSIZE" val="60"/>
+  <p:tag name="IGUANATEXCURSOR" val="153"/>
+  <p:tag name="TRANSPARENCY" val="True"/>
+  <p:tag name="LATEXENGINEID" val="4"/>
+  <p:tag name="TEMPFOLDER" val="c:\temptex\"/>
+  <p:tag name="LATEXFORMHEIGHT" val="320"/>
+  <p:tag name="LATEXFORMWIDTH" val="385"/>
+  <p:tag name="LATEXFORMWRAP" val="True"/>
+  <p:tag name="BITMAPVECTOR" val="0"/>
+</p:tagLst>
+</file>
+
+<file path=ppt/tags/tag3.xml><?xml version="1.0" encoding="utf-8"?>
+<p:tagLst xmlns:a="http://schemas.openxmlformats.org/drawingml/2006/main" xmlns:r="http://schemas.openxmlformats.org/officeDocument/2006/relationships" xmlns:p="http://schemas.openxmlformats.org/presentationml/2006/main">
+  <p:tag name="OUTPUTDPI" val="1200"/>
+  <p:tag name="ORIGINALHEIGHT" val="115.5161"/>
+  <p:tag name="ORIGINALWIDTH" val="15.7522"/>
+  <p:tag name="OUTPUTTYPE" val="PNG"/>
+  <p:tag name="IGUANATEXVERSION" val="160"/>
+  <p:tag name="LATEXADDIN" val="\documentclass{jsarticle}&#10;\usepackage{amsmath}&#10;\usepackage[T1]{fontenc}&#10;\usepackage{lmodern}&#10;\pagestyle{empty}&#10;&#10;\begin{document}&#10;&#10;\begin{align*}&#10;  \vdots&#10;\end{align*}&#10;&#10;\end{document}"/>
+  <p:tag name="IGUANATEXSIZE" val="60"/>
+  <p:tag name="IGUANATEXCURSOR" val="153"/>
+  <p:tag name="TRANSPARENCY" val="True"/>
+  <p:tag name="LATEXENGINEID" val="4"/>
+  <p:tag name="TEMPFOLDER" val="c:\temptex\"/>
+  <p:tag name="LATEXFORMHEIGHT" val="320"/>
+  <p:tag name="LATEXFORMWIDTH" val="385"/>
+  <p:tag name="LATEXFORMWRAP" val="True"/>
+  <p:tag name="BITMAPVECTOR" val="0"/>
+</p:tagLst>
+</file>
+
+<file path=ppt/tags/tag4.xml><?xml version="1.0" encoding="utf-8"?>
+<p:tagLst xmlns:a="http://schemas.openxmlformats.org/drawingml/2006/main" xmlns:r="http://schemas.openxmlformats.org/officeDocument/2006/relationships" xmlns:p="http://schemas.openxmlformats.org/presentationml/2006/main">
+  <p:tag name="OUTPUTDPI" val="1200"/>
+  <p:tag name="ORIGINALHEIGHT" val="115.5161"/>
+  <p:tag name="ORIGINALWIDTH" val="15.7522"/>
+  <p:tag name="OUTPUTTYPE" val="PNG"/>
+  <p:tag name="IGUANATEXVERSION" val="160"/>
+  <p:tag name="LATEXADDIN" val="\documentclass{jsarticle}&#10;\usepackage{amsmath}&#10;\usepackage[T1]{fontenc}&#10;\usepackage{lmodern}&#10;\pagestyle{empty}&#10;&#10;\begin{document}&#10;&#10;\begin{align*}&#10;  \vdots&#10;\end{align*}&#10;&#10;\end{document}"/>
+  <p:tag name="IGUANATEXSIZE" val="60"/>
+  <p:tag name="IGUANATEXCURSOR" val="153"/>
+  <p:tag name="TRANSPARENCY" val="True"/>
+  <p:tag name="LATEXENGINEID" val="4"/>
+  <p:tag name="TEMPFOLDER" val="c:\temptex\"/>
+  <p:tag name="LATEXFORMHEIGHT" val="320"/>
+  <p:tag name="LATEXFORMWIDTH" val="385"/>
+  <p:tag name="LATEXFORMWRAP" val="True"/>
+  <p:tag name="BITMAPVECTOR" val="0"/>
+</p:tagLst>
 </file>
 
 <file path=ppt/theme/theme1.xml><?xml version="1.0" encoding="utf-8"?>

--- a/最終報告.pptx
+++ b/最終報告.pptx
@@ -5,7 +5,7 @@
     <p:sldMasterId id="2147483648" r:id="rId1"/>
   </p:sldMasterIdLst>
   <p:notesMasterIdLst>
-    <p:notesMasterId r:id="rId23"/>
+    <p:notesMasterId r:id="rId25"/>
   </p:notesMasterIdLst>
   <p:sldIdLst>
     <p:sldId id="256" r:id="rId2"/>
@@ -25,10 +25,12 @@
     <p:sldId id="276" r:id="rId16"/>
     <p:sldId id="275" r:id="rId17"/>
     <p:sldId id="257" r:id="rId18"/>
-    <p:sldId id="272" r:id="rId19"/>
-    <p:sldId id="259" r:id="rId20"/>
-    <p:sldId id="274" r:id="rId21"/>
-    <p:sldId id="263" r:id="rId22"/>
+    <p:sldId id="277" r:id="rId19"/>
+    <p:sldId id="281" r:id="rId20"/>
+    <p:sldId id="278" r:id="rId21"/>
+    <p:sldId id="279" r:id="rId22"/>
+    <p:sldId id="280" r:id="rId23"/>
+    <p:sldId id="263" r:id="rId24"/>
   </p:sldIdLst>
   <p:sldSz cx="12192000" cy="6858000"/>
   <p:notesSz cx="6858000" cy="9144000"/>
@@ -1746,7 +1748,7 @@
           <a:p>
             <a:fld id="{71B089C8-FDE2-4061-9DCE-7FCF02DE2E7A}" type="datetimeFigureOut">
               <a:rPr kumimoji="1" lang="ja-JP" altLang="en-US" smtClean="0"/>
-              <a:t>2024/8/4</a:t>
+              <a:t>2024/11/30</a:t>
             </a:fld>
             <a:endParaRPr kumimoji="1" lang="ja-JP" altLang="en-US"/>
           </a:p>
@@ -2199,6 +2201,1574 @@
           <a:bodyPr/>
           <a:lstStyle/>
           <a:p>
+            <a:pPr marL="0" marR="0" lvl="0" indent="0" algn="l" defTabSz="914400" rtl="0" eaLnBrk="1" fontAlgn="auto" latinLnBrk="0" hangingPunct="1">
+              <a:lnSpc>
+                <a:spcPct val="100000"/>
+              </a:lnSpc>
+              <a:spcBef>
+                <a:spcPts val="0"/>
+              </a:spcBef>
+              <a:spcAft>
+                <a:spcPts val="0"/>
+              </a:spcAft>
+              <a:buClrTx/>
+              <a:buSzTx/>
+              <a:buFontTx/>
+              <a:buNone/>
+              <a:tabLst/>
+              <a:defRPr/>
+            </a:pPr>
+            <a:r>
+              <a:rPr kumimoji="1" lang="ja-JP" altLang="en-US" sz="1200" dirty="0">
+                <a:latin typeface="BIZ UDPゴシック" panose="020B0400000000000000" pitchFamily="50" charset="-128"/>
+                <a:ea typeface="BIZ UDPゴシック" panose="020B0400000000000000" pitchFamily="50" charset="-128"/>
+              </a:rPr>
+              <a:t>また、簡易アンサンブル学習として全ての株に対して学習</a:t>
+            </a:r>
+            <a:endParaRPr kumimoji="1" lang="en-US" altLang="ja-JP" sz="1200" dirty="0">
+              <a:latin typeface="BIZ UDPゴシック" panose="020B0400000000000000" pitchFamily="50" charset="-128"/>
+              <a:ea typeface="BIZ UDPゴシック" panose="020B0400000000000000" pitchFamily="50" charset="-128"/>
+            </a:endParaRPr>
+          </a:p>
+          <a:p>
+            <a:pPr marL="0" marR="0" lvl="0" indent="0" algn="l" defTabSz="914400" rtl="0" eaLnBrk="1" fontAlgn="auto" latinLnBrk="0" hangingPunct="1">
+              <a:lnSpc>
+                <a:spcPct val="100000"/>
+              </a:lnSpc>
+              <a:spcBef>
+                <a:spcPts val="0"/>
+              </a:spcBef>
+              <a:spcAft>
+                <a:spcPts val="0"/>
+              </a:spcAft>
+              <a:buClrTx/>
+              <a:buSzTx/>
+              <a:buFontTx/>
+              <a:buNone/>
+              <a:tabLst/>
+              <a:defRPr/>
+            </a:pPr>
+            <a:endParaRPr kumimoji="1" lang="en-US" altLang="ja-JP" sz="1200" dirty="0">
+              <a:latin typeface="BIZ UDPゴシック" panose="020B0400000000000000" pitchFamily="50" charset="-128"/>
+              <a:ea typeface="BIZ UDPゴシック" panose="020B0400000000000000" pitchFamily="50" charset="-128"/>
+            </a:endParaRPr>
+          </a:p>
+          <a:p>
+            <a:r>
+              <a:rPr lang="en-GB" altLang="ja-JP" b="0" dirty="0">
+                <a:solidFill>
+                  <a:srgbClr val="ABB2BF"/>
+                </a:solidFill>
+                <a:effectLst/>
+                <a:highlight>
+                  <a:srgbClr val="282C34"/>
+                </a:highlight>
+                <a:latin typeface="Consolas" panose="020B0609020204030204" pitchFamily="49" charset="0"/>
+              </a:rPr>
+              <a:t>    {</a:t>
+            </a:r>
+          </a:p>
+          <a:p>
+            <a:r>
+              <a:rPr lang="en-GB" altLang="ja-JP" b="0" dirty="0">
+                <a:solidFill>
+                  <a:srgbClr val="ABB2BF"/>
+                </a:solidFill>
+                <a:effectLst/>
+                <a:highlight>
+                  <a:srgbClr val="282C34"/>
+                </a:highlight>
+                <a:latin typeface="Consolas" panose="020B0609020204030204" pitchFamily="49" charset="0"/>
+              </a:rPr>
+              <a:t>      </a:t>
+            </a:r>
+            <a:r>
+              <a:rPr lang="en-GB" altLang="ja-JP" b="0" dirty="0">
+                <a:solidFill>
+                  <a:srgbClr val="C56068"/>
+                </a:solidFill>
+                <a:effectLst/>
+                <a:highlight>
+                  <a:srgbClr val="282C34"/>
+                </a:highlight>
+                <a:latin typeface="Consolas" panose="020B0609020204030204" pitchFamily="49" charset="0"/>
+              </a:rPr>
+              <a:t>"symbol"</a:t>
+            </a:r>
+            <a:r>
+              <a:rPr lang="en-GB" altLang="ja-JP" b="0" dirty="0">
+                <a:solidFill>
+                  <a:srgbClr val="ABB2BF"/>
+                </a:solidFill>
+                <a:effectLst/>
+                <a:highlight>
+                  <a:srgbClr val="282C34"/>
+                </a:highlight>
+                <a:latin typeface="Consolas" panose="020B0609020204030204" pitchFamily="49" charset="0"/>
+              </a:rPr>
+              <a:t>: </a:t>
+            </a:r>
+            <a:r>
+              <a:rPr lang="en-GB" altLang="ja-JP" b="0" dirty="0">
+                <a:solidFill>
+                  <a:srgbClr val="D9F5DD"/>
+                </a:solidFill>
+                <a:effectLst/>
+                <a:highlight>
+                  <a:srgbClr val="282C34"/>
+                </a:highlight>
+                <a:latin typeface="Consolas" panose="020B0609020204030204" pitchFamily="49" charset="0"/>
+              </a:rPr>
+              <a:t>"</a:t>
+            </a:r>
+            <a:r>
+              <a:rPr lang="en-GB" altLang="ja-JP" b="0" dirty="0">
+                <a:solidFill>
+                  <a:srgbClr val="C789D6"/>
+                </a:solidFill>
+                <a:effectLst/>
+                <a:highlight>
+                  <a:srgbClr val="282C34"/>
+                </a:highlight>
+                <a:latin typeface="Consolas" panose="020B0609020204030204" pitchFamily="49" charset="0"/>
+              </a:rPr>
+              <a:t>A</a:t>
+            </a:r>
+            <a:r>
+              <a:rPr lang="en-GB" altLang="ja-JP" b="0" dirty="0">
+                <a:solidFill>
+                  <a:srgbClr val="D9F5DD"/>
+                </a:solidFill>
+                <a:effectLst/>
+                <a:highlight>
+                  <a:srgbClr val="282C34"/>
+                </a:highlight>
+                <a:latin typeface="Consolas" panose="020B0609020204030204" pitchFamily="49" charset="0"/>
+              </a:rPr>
+              <a:t>"</a:t>
+            </a:r>
+            <a:r>
+              <a:rPr lang="en-GB" altLang="ja-JP" b="0" dirty="0">
+                <a:solidFill>
+                  <a:srgbClr val="ABB2BF"/>
+                </a:solidFill>
+                <a:effectLst/>
+                <a:highlight>
+                  <a:srgbClr val="282C34"/>
+                </a:highlight>
+                <a:latin typeface="Consolas" panose="020B0609020204030204" pitchFamily="49" charset="0"/>
+              </a:rPr>
+              <a:t>,</a:t>
+            </a:r>
+          </a:p>
+          <a:p>
+            <a:r>
+              <a:rPr lang="en-GB" altLang="ja-JP" b="0" dirty="0">
+                <a:solidFill>
+                  <a:srgbClr val="ABB2BF"/>
+                </a:solidFill>
+                <a:effectLst/>
+                <a:highlight>
+                  <a:srgbClr val="282C34"/>
+                </a:highlight>
+                <a:latin typeface="Consolas" panose="020B0609020204030204" pitchFamily="49" charset="0"/>
+              </a:rPr>
+              <a:t>      </a:t>
+            </a:r>
+            <a:r>
+              <a:rPr lang="en-GB" altLang="ja-JP" b="0" dirty="0">
+                <a:solidFill>
+                  <a:srgbClr val="C56068"/>
+                </a:solidFill>
+                <a:effectLst/>
+                <a:highlight>
+                  <a:srgbClr val="282C34"/>
+                </a:highlight>
+                <a:latin typeface="Consolas" panose="020B0609020204030204" pitchFamily="49" charset="0"/>
+              </a:rPr>
+              <a:t>"</a:t>
+            </a:r>
+            <a:r>
+              <a:rPr lang="en-GB" altLang="ja-JP" b="0" dirty="0" err="1">
+                <a:solidFill>
+                  <a:srgbClr val="C56068"/>
+                </a:solidFill>
+                <a:effectLst/>
+                <a:highlight>
+                  <a:srgbClr val="282C34"/>
+                </a:highlight>
+                <a:latin typeface="Consolas" panose="020B0609020204030204" pitchFamily="49" charset="0"/>
+              </a:rPr>
+              <a:t>company_name</a:t>
+            </a:r>
+            <a:r>
+              <a:rPr lang="en-GB" altLang="ja-JP" b="0" dirty="0">
+                <a:solidFill>
+                  <a:srgbClr val="C56068"/>
+                </a:solidFill>
+                <a:effectLst/>
+                <a:highlight>
+                  <a:srgbClr val="282C34"/>
+                </a:highlight>
+                <a:latin typeface="Consolas" panose="020B0609020204030204" pitchFamily="49" charset="0"/>
+              </a:rPr>
+              <a:t>"</a:t>
+            </a:r>
+            <a:r>
+              <a:rPr lang="en-GB" altLang="ja-JP" b="0" dirty="0">
+                <a:solidFill>
+                  <a:srgbClr val="ABB2BF"/>
+                </a:solidFill>
+                <a:effectLst/>
+                <a:highlight>
+                  <a:srgbClr val="282C34"/>
+                </a:highlight>
+                <a:latin typeface="Consolas" panose="020B0609020204030204" pitchFamily="49" charset="0"/>
+              </a:rPr>
+              <a:t>: </a:t>
+            </a:r>
+            <a:r>
+              <a:rPr lang="en-GB" altLang="ja-JP" b="0" dirty="0">
+                <a:solidFill>
+                  <a:srgbClr val="D9F5DD"/>
+                </a:solidFill>
+                <a:effectLst/>
+                <a:highlight>
+                  <a:srgbClr val="282C34"/>
+                </a:highlight>
+                <a:latin typeface="Consolas" panose="020B0609020204030204" pitchFamily="49" charset="0"/>
+              </a:rPr>
+              <a:t>"</a:t>
+            </a:r>
+            <a:r>
+              <a:rPr lang="ja-JP" altLang="en-US" b="0" dirty="0">
+                <a:solidFill>
+                  <a:srgbClr val="C789D6"/>
+                </a:solidFill>
+                <a:effectLst/>
+                <a:highlight>
+                  <a:srgbClr val="282C34"/>
+                </a:highlight>
+                <a:latin typeface="Consolas" panose="020B0609020204030204" pitchFamily="49" charset="0"/>
+              </a:rPr>
+              <a:t>アジレント・テクノロジー </a:t>
+            </a:r>
+            <a:r>
+              <a:rPr lang="en-GB" altLang="ja-JP" b="0" dirty="0">
+                <a:solidFill>
+                  <a:srgbClr val="C789D6"/>
+                </a:solidFill>
+                <a:effectLst/>
+                <a:highlight>
+                  <a:srgbClr val="282C34"/>
+                </a:highlight>
+                <a:latin typeface="Consolas" panose="020B0609020204030204" pitchFamily="49" charset="0"/>
+              </a:rPr>
+              <a:t>Agilent Technologies, Inc.</a:t>
+            </a:r>
+            <a:r>
+              <a:rPr lang="en-GB" altLang="ja-JP" b="0" dirty="0">
+                <a:solidFill>
+                  <a:srgbClr val="D9F5DD"/>
+                </a:solidFill>
+                <a:effectLst/>
+                <a:highlight>
+                  <a:srgbClr val="282C34"/>
+                </a:highlight>
+                <a:latin typeface="Consolas" panose="020B0609020204030204" pitchFamily="49" charset="0"/>
+              </a:rPr>
+              <a:t>"</a:t>
+            </a:r>
+            <a:r>
+              <a:rPr lang="en-GB" altLang="ja-JP" b="0" dirty="0">
+                <a:solidFill>
+                  <a:srgbClr val="ABB2BF"/>
+                </a:solidFill>
+                <a:effectLst/>
+                <a:highlight>
+                  <a:srgbClr val="282C34"/>
+                </a:highlight>
+                <a:latin typeface="Consolas" panose="020B0609020204030204" pitchFamily="49" charset="0"/>
+              </a:rPr>
+              <a:t>,</a:t>
+            </a:r>
+          </a:p>
+          <a:p>
+            <a:r>
+              <a:rPr lang="en-GB" altLang="ja-JP" b="0" dirty="0">
+                <a:solidFill>
+                  <a:srgbClr val="ABB2BF"/>
+                </a:solidFill>
+                <a:effectLst/>
+                <a:highlight>
+                  <a:srgbClr val="282C34"/>
+                </a:highlight>
+                <a:latin typeface="Consolas" panose="020B0609020204030204" pitchFamily="49" charset="0"/>
+              </a:rPr>
+              <a:t>      </a:t>
+            </a:r>
+            <a:r>
+              <a:rPr lang="en-GB" altLang="ja-JP" b="0" dirty="0">
+                <a:solidFill>
+                  <a:srgbClr val="C56068"/>
+                </a:solidFill>
+                <a:effectLst/>
+                <a:highlight>
+                  <a:srgbClr val="282C34"/>
+                </a:highlight>
+                <a:latin typeface="Consolas" panose="020B0609020204030204" pitchFamily="49" charset="0"/>
+              </a:rPr>
+              <a:t>"description"</a:t>
+            </a:r>
+            <a:r>
+              <a:rPr lang="en-GB" altLang="ja-JP" b="0" dirty="0">
+                <a:solidFill>
+                  <a:srgbClr val="ABB2BF"/>
+                </a:solidFill>
+                <a:effectLst/>
+                <a:highlight>
+                  <a:srgbClr val="282C34"/>
+                </a:highlight>
+                <a:latin typeface="Consolas" panose="020B0609020204030204" pitchFamily="49" charset="0"/>
+              </a:rPr>
+              <a:t>: </a:t>
+            </a:r>
+            <a:r>
+              <a:rPr lang="en-GB" altLang="ja-JP" b="0" dirty="0">
+                <a:solidFill>
+                  <a:srgbClr val="D9F5DD"/>
+                </a:solidFill>
+                <a:effectLst/>
+                <a:highlight>
+                  <a:srgbClr val="282C34"/>
+                </a:highlight>
+                <a:latin typeface="Consolas" panose="020B0609020204030204" pitchFamily="49" charset="0"/>
+              </a:rPr>
+              <a:t>"</a:t>
+            </a:r>
+            <a:r>
+              <a:rPr lang="ja-JP" altLang="en-US" b="0" dirty="0">
+                <a:solidFill>
+                  <a:srgbClr val="C789D6"/>
+                </a:solidFill>
+                <a:effectLst/>
+                <a:highlight>
+                  <a:srgbClr val="282C34"/>
+                </a:highlight>
+                <a:latin typeface="Consolas" panose="020B0609020204030204" pitchFamily="49" charset="0"/>
+              </a:rPr>
+              <a:t>化学分析 電子計測機器</a:t>
+            </a:r>
+            <a:r>
+              <a:rPr lang="en-US" altLang="ja-JP" b="0" dirty="0">
+                <a:solidFill>
+                  <a:srgbClr val="D9F5DD"/>
+                </a:solidFill>
+                <a:effectLst/>
+                <a:highlight>
+                  <a:srgbClr val="282C34"/>
+                </a:highlight>
+                <a:latin typeface="Consolas" panose="020B0609020204030204" pitchFamily="49" charset="0"/>
+              </a:rPr>
+              <a:t>"</a:t>
+            </a:r>
+            <a:endParaRPr lang="ja-JP" altLang="en-US" b="0" dirty="0">
+              <a:solidFill>
+                <a:srgbClr val="ABB2BF"/>
+              </a:solidFill>
+              <a:effectLst/>
+              <a:highlight>
+                <a:srgbClr val="282C34"/>
+              </a:highlight>
+              <a:latin typeface="Consolas" panose="020B0609020204030204" pitchFamily="49" charset="0"/>
+            </a:endParaRPr>
+          </a:p>
+          <a:p>
+            <a:r>
+              <a:rPr lang="ja-JP" altLang="en-US" b="0" dirty="0">
+                <a:solidFill>
+                  <a:srgbClr val="ABB2BF"/>
+                </a:solidFill>
+                <a:effectLst/>
+                <a:highlight>
+                  <a:srgbClr val="282C34"/>
+                </a:highlight>
+                <a:latin typeface="Consolas" panose="020B0609020204030204" pitchFamily="49" charset="0"/>
+              </a:rPr>
+              <a:t>    </a:t>
+            </a:r>
+            <a:r>
+              <a:rPr lang="en-US" altLang="ja-JP" b="0" dirty="0">
+                <a:solidFill>
+                  <a:srgbClr val="ABB2BF"/>
+                </a:solidFill>
+                <a:effectLst/>
+                <a:highlight>
+                  <a:srgbClr val="282C34"/>
+                </a:highlight>
+                <a:latin typeface="Consolas" panose="020B0609020204030204" pitchFamily="49" charset="0"/>
+              </a:rPr>
+              <a:t>},</a:t>
+            </a:r>
+          </a:p>
+          <a:p>
+            <a:r>
+              <a:rPr lang="en-US" altLang="ja-JP" b="0" dirty="0">
+                <a:solidFill>
+                  <a:srgbClr val="ABB2BF"/>
+                </a:solidFill>
+                <a:effectLst/>
+                <a:highlight>
+                  <a:srgbClr val="282C34"/>
+                </a:highlight>
+                <a:latin typeface="Consolas" panose="020B0609020204030204" pitchFamily="49" charset="0"/>
+              </a:rPr>
+              <a:t>    {</a:t>
+            </a:r>
+          </a:p>
+          <a:p>
+            <a:r>
+              <a:rPr lang="en-US" altLang="ja-JP" b="0" dirty="0">
+                <a:solidFill>
+                  <a:srgbClr val="ABB2BF"/>
+                </a:solidFill>
+                <a:effectLst/>
+                <a:highlight>
+                  <a:srgbClr val="282C34"/>
+                </a:highlight>
+                <a:latin typeface="Consolas" panose="020B0609020204030204" pitchFamily="49" charset="0"/>
+              </a:rPr>
+              <a:t>      </a:t>
+            </a:r>
+            <a:r>
+              <a:rPr lang="en-US" altLang="ja-JP" b="0" dirty="0">
+                <a:solidFill>
+                  <a:srgbClr val="C56068"/>
+                </a:solidFill>
+                <a:effectLst/>
+                <a:highlight>
+                  <a:srgbClr val="282C34"/>
+                </a:highlight>
+                <a:latin typeface="Consolas" panose="020B0609020204030204" pitchFamily="49" charset="0"/>
+              </a:rPr>
+              <a:t>"</a:t>
+            </a:r>
+            <a:r>
+              <a:rPr lang="en-GB" altLang="ja-JP" b="0" dirty="0">
+                <a:solidFill>
+                  <a:srgbClr val="C56068"/>
+                </a:solidFill>
+                <a:effectLst/>
+                <a:highlight>
+                  <a:srgbClr val="282C34"/>
+                </a:highlight>
+                <a:latin typeface="Consolas" panose="020B0609020204030204" pitchFamily="49" charset="0"/>
+              </a:rPr>
+              <a:t>symbol"</a:t>
+            </a:r>
+            <a:r>
+              <a:rPr lang="en-GB" altLang="ja-JP" b="0" dirty="0">
+                <a:solidFill>
+                  <a:srgbClr val="ABB2BF"/>
+                </a:solidFill>
+                <a:effectLst/>
+                <a:highlight>
+                  <a:srgbClr val="282C34"/>
+                </a:highlight>
+                <a:latin typeface="Consolas" panose="020B0609020204030204" pitchFamily="49" charset="0"/>
+              </a:rPr>
+              <a:t>: </a:t>
+            </a:r>
+            <a:r>
+              <a:rPr lang="en-GB" altLang="ja-JP" b="0" dirty="0">
+                <a:solidFill>
+                  <a:srgbClr val="D9F5DD"/>
+                </a:solidFill>
+                <a:effectLst/>
+                <a:highlight>
+                  <a:srgbClr val="282C34"/>
+                </a:highlight>
+                <a:latin typeface="Consolas" panose="020B0609020204030204" pitchFamily="49" charset="0"/>
+              </a:rPr>
+              <a:t>"</a:t>
+            </a:r>
+            <a:r>
+              <a:rPr lang="en-GB" altLang="ja-JP" b="0" dirty="0">
+                <a:solidFill>
+                  <a:srgbClr val="C789D6"/>
+                </a:solidFill>
+                <a:effectLst/>
+                <a:highlight>
+                  <a:srgbClr val="282C34"/>
+                </a:highlight>
+                <a:latin typeface="Consolas" panose="020B0609020204030204" pitchFamily="49" charset="0"/>
+              </a:rPr>
+              <a:t>AAL</a:t>
+            </a:r>
+            <a:r>
+              <a:rPr lang="en-GB" altLang="ja-JP" b="0" dirty="0">
+                <a:solidFill>
+                  <a:srgbClr val="D9F5DD"/>
+                </a:solidFill>
+                <a:effectLst/>
+                <a:highlight>
+                  <a:srgbClr val="282C34"/>
+                </a:highlight>
+                <a:latin typeface="Consolas" panose="020B0609020204030204" pitchFamily="49" charset="0"/>
+              </a:rPr>
+              <a:t>"</a:t>
+            </a:r>
+            <a:r>
+              <a:rPr lang="en-GB" altLang="ja-JP" b="0" dirty="0">
+                <a:solidFill>
+                  <a:srgbClr val="ABB2BF"/>
+                </a:solidFill>
+                <a:effectLst/>
+                <a:highlight>
+                  <a:srgbClr val="282C34"/>
+                </a:highlight>
+                <a:latin typeface="Consolas" panose="020B0609020204030204" pitchFamily="49" charset="0"/>
+              </a:rPr>
+              <a:t>,</a:t>
+            </a:r>
+          </a:p>
+          <a:p>
+            <a:r>
+              <a:rPr lang="en-GB" altLang="ja-JP" b="0" dirty="0">
+                <a:solidFill>
+                  <a:srgbClr val="ABB2BF"/>
+                </a:solidFill>
+                <a:effectLst/>
+                <a:highlight>
+                  <a:srgbClr val="282C34"/>
+                </a:highlight>
+                <a:latin typeface="Consolas" panose="020B0609020204030204" pitchFamily="49" charset="0"/>
+              </a:rPr>
+              <a:t>      </a:t>
+            </a:r>
+            <a:r>
+              <a:rPr lang="en-GB" altLang="ja-JP" b="0" dirty="0">
+                <a:solidFill>
+                  <a:srgbClr val="C56068"/>
+                </a:solidFill>
+                <a:effectLst/>
+                <a:highlight>
+                  <a:srgbClr val="282C34"/>
+                </a:highlight>
+                <a:latin typeface="Consolas" panose="020B0609020204030204" pitchFamily="49" charset="0"/>
+              </a:rPr>
+              <a:t>"</a:t>
+            </a:r>
+            <a:r>
+              <a:rPr lang="en-GB" altLang="ja-JP" b="0" dirty="0" err="1">
+                <a:solidFill>
+                  <a:srgbClr val="C56068"/>
+                </a:solidFill>
+                <a:effectLst/>
+                <a:highlight>
+                  <a:srgbClr val="282C34"/>
+                </a:highlight>
+                <a:latin typeface="Consolas" panose="020B0609020204030204" pitchFamily="49" charset="0"/>
+              </a:rPr>
+              <a:t>company_name</a:t>
+            </a:r>
+            <a:r>
+              <a:rPr lang="en-GB" altLang="ja-JP" b="0" dirty="0">
+                <a:solidFill>
+                  <a:srgbClr val="C56068"/>
+                </a:solidFill>
+                <a:effectLst/>
+                <a:highlight>
+                  <a:srgbClr val="282C34"/>
+                </a:highlight>
+                <a:latin typeface="Consolas" panose="020B0609020204030204" pitchFamily="49" charset="0"/>
+              </a:rPr>
+              <a:t>"</a:t>
+            </a:r>
+            <a:r>
+              <a:rPr lang="en-GB" altLang="ja-JP" b="0" dirty="0">
+                <a:solidFill>
+                  <a:srgbClr val="ABB2BF"/>
+                </a:solidFill>
+                <a:effectLst/>
+                <a:highlight>
+                  <a:srgbClr val="282C34"/>
+                </a:highlight>
+                <a:latin typeface="Consolas" panose="020B0609020204030204" pitchFamily="49" charset="0"/>
+              </a:rPr>
+              <a:t>: </a:t>
+            </a:r>
+            <a:r>
+              <a:rPr lang="en-GB" altLang="ja-JP" b="0" dirty="0">
+                <a:solidFill>
+                  <a:srgbClr val="D9F5DD"/>
+                </a:solidFill>
+                <a:effectLst/>
+                <a:highlight>
+                  <a:srgbClr val="282C34"/>
+                </a:highlight>
+                <a:latin typeface="Consolas" panose="020B0609020204030204" pitchFamily="49" charset="0"/>
+              </a:rPr>
+              <a:t>"</a:t>
+            </a:r>
+            <a:r>
+              <a:rPr lang="ja-JP" altLang="en-US" b="0" dirty="0">
+                <a:solidFill>
+                  <a:srgbClr val="C789D6"/>
+                </a:solidFill>
+                <a:effectLst/>
+                <a:highlight>
+                  <a:srgbClr val="282C34"/>
+                </a:highlight>
+                <a:latin typeface="Consolas" panose="020B0609020204030204" pitchFamily="49" charset="0"/>
+              </a:rPr>
+              <a:t>アメリカン・エアラインズ・グループ </a:t>
+            </a:r>
+            <a:r>
+              <a:rPr lang="en-GB" altLang="ja-JP" b="0" dirty="0">
+                <a:solidFill>
+                  <a:srgbClr val="C789D6"/>
+                </a:solidFill>
+                <a:effectLst/>
+                <a:highlight>
+                  <a:srgbClr val="282C34"/>
+                </a:highlight>
+                <a:latin typeface="Consolas" panose="020B0609020204030204" pitchFamily="49" charset="0"/>
+              </a:rPr>
+              <a:t>American Airlines Group Inc.</a:t>
+            </a:r>
+            <a:r>
+              <a:rPr lang="en-GB" altLang="ja-JP" b="0" dirty="0">
+                <a:solidFill>
+                  <a:srgbClr val="D9F5DD"/>
+                </a:solidFill>
+                <a:effectLst/>
+                <a:highlight>
+                  <a:srgbClr val="282C34"/>
+                </a:highlight>
+                <a:latin typeface="Consolas" panose="020B0609020204030204" pitchFamily="49" charset="0"/>
+              </a:rPr>
+              <a:t>"</a:t>
+            </a:r>
+            <a:r>
+              <a:rPr lang="en-GB" altLang="ja-JP" b="0" dirty="0">
+                <a:solidFill>
+                  <a:srgbClr val="ABB2BF"/>
+                </a:solidFill>
+                <a:effectLst/>
+                <a:highlight>
+                  <a:srgbClr val="282C34"/>
+                </a:highlight>
+                <a:latin typeface="Consolas" panose="020B0609020204030204" pitchFamily="49" charset="0"/>
+              </a:rPr>
+              <a:t>,</a:t>
+            </a:r>
+          </a:p>
+          <a:p>
+            <a:r>
+              <a:rPr lang="en-GB" altLang="ja-JP" b="0" dirty="0">
+                <a:solidFill>
+                  <a:srgbClr val="ABB2BF"/>
+                </a:solidFill>
+                <a:effectLst/>
+                <a:highlight>
+                  <a:srgbClr val="282C34"/>
+                </a:highlight>
+                <a:latin typeface="Consolas" panose="020B0609020204030204" pitchFamily="49" charset="0"/>
+              </a:rPr>
+              <a:t>      </a:t>
+            </a:r>
+            <a:r>
+              <a:rPr lang="en-GB" altLang="ja-JP" b="0" dirty="0">
+                <a:solidFill>
+                  <a:srgbClr val="C56068"/>
+                </a:solidFill>
+                <a:effectLst/>
+                <a:highlight>
+                  <a:srgbClr val="282C34"/>
+                </a:highlight>
+                <a:latin typeface="Consolas" panose="020B0609020204030204" pitchFamily="49" charset="0"/>
+              </a:rPr>
+              <a:t>"description"</a:t>
+            </a:r>
+            <a:r>
+              <a:rPr lang="en-GB" altLang="ja-JP" b="0" dirty="0">
+                <a:solidFill>
+                  <a:srgbClr val="ABB2BF"/>
+                </a:solidFill>
+                <a:effectLst/>
+                <a:highlight>
+                  <a:srgbClr val="282C34"/>
+                </a:highlight>
+                <a:latin typeface="Consolas" panose="020B0609020204030204" pitchFamily="49" charset="0"/>
+              </a:rPr>
+              <a:t>: </a:t>
+            </a:r>
+            <a:r>
+              <a:rPr lang="en-GB" altLang="ja-JP" b="0" dirty="0">
+                <a:solidFill>
+                  <a:srgbClr val="D9F5DD"/>
+                </a:solidFill>
+                <a:effectLst/>
+                <a:highlight>
+                  <a:srgbClr val="282C34"/>
+                </a:highlight>
+                <a:latin typeface="Consolas" panose="020B0609020204030204" pitchFamily="49" charset="0"/>
+              </a:rPr>
+              <a:t>"</a:t>
+            </a:r>
+            <a:r>
+              <a:rPr lang="ja-JP" altLang="en-US" b="0" dirty="0">
+                <a:solidFill>
+                  <a:srgbClr val="C789D6"/>
+                </a:solidFill>
+                <a:effectLst/>
+                <a:highlight>
+                  <a:srgbClr val="282C34"/>
+                </a:highlight>
+                <a:latin typeface="Consolas" panose="020B0609020204030204" pitchFamily="49" charset="0"/>
+              </a:rPr>
+              <a:t>航空会社</a:t>
+            </a:r>
+            <a:r>
+              <a:rPr lang="en-US" altLang="ja-JP" b="0" dirty="0">
+                <a:solidFill>
+                  <a:srgbClr val="D9F5DD"/>
+                </a:solidFill>
+                <a:effectLst/>
+                <a:highlight>
+                  <a:srgbClr val="282C34"/>
+                </a:highlight>
+                <a:latin typeface="Consolas" panose="020B0609020204030204" pitchFamily="49" charset="0"/>
+              </a:rPr>
+              <a:t>"</a:t>
+            </a:r>
+            <a:endParaRPr lang="ja-JP" altLang="en-US" b="0" dirty="0">
+              <a:solidFill>
+                <a:srgbClr val="ABB2BF"/>
+              </a:solidFill>
+              <a:effectLst/>
+              <a:highlight>
+                <a:srgbClr val="282C34"/>
+              </a:highlight>
+              <a:latin typeface="Consolas" panose="020B0609020204030204" pitchFamily="49" charset="0"/>
+            </a:endParaRPr>
+          </a:p>
+          <a:p>
+            <a:r>
+              <a:rPr lang="ja-JP" altLang="en-US" b="0" dirty="0">
+                <a:solidFill>
+                  <a:srgbClr val="ABB2BF"/>
+                </a:solidFill>
+                <a:effectLst/>
+                <a:highlight>
+                  <a:srgbClr val="282C34"/>
+                </a:highlight>
+                <a:latin typeface="Consolas" panose="020B0609020204030204" pitchFamily="49" charset="0"/>
+              </a:rPr>
+              <a:t>    </a:t>
+            </a:r>
+            <a:r>
+              <a:rPr lang="en-US" altLang="ja-JP" b="0" dirty="0">
+                <a:solidFill>
+                  <a:srgbClr val="ABB2BF"/>
+                </a:solidFill>
+                <a:effectLst/>
+                <a:highlight>
+                  <a:srgbClr val="282C34"/>
+                </a:highlight>
+                <a:latin typeface="Consolas" panose="020B0609020204030204" pitchFamily="49" charset="0"/>
+              </a:rPr>
+              <a:t>},</a:t>
+            </a:r>
+          </a:p>
+          <a:p>
+            <a:pPr marL="0" marR="0" lvl="0" indent="0" algn="l" defTabSz="914400" rtl="0" eaLnBrk="1" fontAlgn="auto" latinLnBrk="0" hangingPunct="1">
+              <a:lnSpc>
+                <a:spcPct val="100000"/>
+              </a:lnSpc>
+              <a:spcBef>
+                <a:spcPts val="0"/>
+              </a:spcBef>
+              <a:spcAft>
+                <a:spcPts val="0"/>
+              </a:spcAft>
+              <a:buClrTx/>
+              <a:buSzTx/>
+              <a:buFontTx/>
+              <a:buNone/>
+              <a:tabLst/>
+              <a:defRPr/>
+            </a:pPr>
+            <a:endParaRPr kumimoji="1" lang="en-US" altLang="ja-JP" sz="1200" dirty="0">
+              <a:latin typeface="BIZ UDPゴシック" panose="020B0400000000000000" pitchFamily="50" charset="-128"/>
+              <a:ea typeface="BIZ UDPゴシック" panose="020B0400000000000000" pitchFamily="50" charset="-128"/>
+            </a:endParaRPr>
+          </a:p>
+          <a:p>
+            <a:r>
+              <a:rPr lang="en-GB" altLang="ja-JP" b="0" dirty="0">
+                <a:solidFill>
+                  <a:srgbClr val="ABB2BF"/>
+                </a:solidFill>
+                <a:effectLst/>
+                <a:highlight>
+                  <a:srgbClr val="282C34"/>
+                </a:highlight>
+                <a:latin typeface="Consolas" panose="020B0609020204030204" pitchFamily="49" charset="0"/>
+              </a:rPr>
+              <a:t>      </a:t>
+            </a:r>
+            <a:r>
+              <a:rPr lang="en-GB" altLang="ja-JP" b="0" dirty="0">
+                <a:solidFill>
+                  <a:srgbClr val="C56068"/>
+                </a:solidFill>
+                <a:effectLst/>
+                <a:highlight>
+                  <a:srgbClr val="282C34"/>
+                </a:highlight>
+                <a:latin typeface="Consolas" panose="020B0609020204030204" pitchFamily="49" charset="0"/>
+              </a:rPr>
+              <a:t>"symbol"</a:t>
+            </a:r>
+            <a:r>
+              <a:rPr lang="en-GB" altLang="ja-JP" b="0" dirty="0">
+                <a:solidFill>
+                  <a:srgbClr val="ABB2BF"/>
+                </a:solidFill>
+                <a:effectLst/>
+                <a:highlight>
+                  <a:srgbClr val="282C34"/>
+                </a:highlight>
+                <a:latin typeface="Consolas" panose="020B0609020204030204" pitchFamily="49" charset="0"/>
+              </a:rPr>
+              <a:t>: </a:t>
+            </a:r>
+            <a:r>
+              <a:rPr lang="en-GB" altLang="ja-JP" b="0" dirty="0">
+                <a:solidFill>
+                  <a:srgbClr val="D9F5DD"/>
+                </a:solidFill>
+                <a:effectLst/>
+                <a:highlight>
+                  <a:srgbClr val="282C34"/>
+                </a:highlight>
+                <a:latin typeface="Consolas" panose="020B0609020204030204" pitchFamily="49" charset="0"/>
+              </a:rPr>
+              <a:t>"</a:t>
+            </a:r>
+            <a:r>
+              <a:rPr lang="en-GB" altLang="ja-JP" b="0" dirty="0">
+                <a:solidFill>
+                  <a:srgbClr val="C789D6"/>
+                </a:solidFill>
+                <a:effectLst/>
+                <a:highlight>
+                  <a:srgbClr val="282C34"/>
+                </a:highlight>
+                <a:latin typeface="Consolas" panose="020B0609020204030204" pitchFamily="49" charset="0"/>
+              </a:rPr>
+              <a:t>ZBRA</a:t>
+            </a:r>
+            <a:r>
+              <a:rPr lang="en-GB" altLang="ja-JP" b="0" dirty="0">
+                <a:solidFill>
+                  <a:srgbClr val="D9F5DD"/>
+                </a:solidFill>
+                <a:effectLst/>
+                <a:highlight>
+                  <a:srgbClr val="282C34"/>
+                </a:highlight>
+                <a:latin typeface="Consolas" panose="020B0609020204030204" pitchFamily="49" charset="0"/>
+              </a:rPr>
+              <a:t>"</a:t>
+            </a:r>
+            <a:r>
+              <a:rPr lang="en-GB" altLang="ja-JP" b="0" dirty="0">
+                <a:solidFill>
+                  <a:srgbClr val="ABB2BF"/>
+                </a:solidFill>
+                <a:effectLst/>
+                <a:highlight>
+                  <a:srgbClr val="282C34"/>
+                </a:highlight>
+                <a:latin typeface="Consolas" panose="020B0609020204030204" pitchFamily="49" charset="0"/>
+              </a:rPr>
+              <a:t>,</a:t>
+            </a:r>
+          </a:p>
+          <a:p>
+            <a:r>
+              <a:rPr lang="en-GB" altLang="ja-JP" b="0" dirty="0">
+                <a:solidFill>
+                  <a:srgbClr val="ABB2BF"/>
+                </a:solidFill>
+                <a:effectLst/>
+                <a:highlight>
+                  <a:srgbClr val="282C34"/>
+                </a:highlight>
+                <a:latin typeface="Consolas" panose="020B0609020204030204" pitchFamily="49" charset="0"/>
+              </a:rPr>
+              <a:t>      </a:t>
+            </a:r>
+            <a:r>
+              <a:rPr lang="en-GB" altLang="ja-JP" b="0" dirty="0">
+                <a:solidFill>
+                  <a:srgbClr val="C56068"/>
+                </a:solidFill>
+                <a:effectLst/>
+                <a:highlight>
+                  <a:srgbClr val="282C34"/>
+                </a:highlight>
+                <a:latin typeface="Consolas" panose="020B0609020204030204" pitchFamily="49" charset="0"/>
+              </a:rPr>
+              <a:t>"</a:t>
+            </a:r>
+            <a:r>
+              <a:rPr lang="en-GB" altLang="ja-JP" b="0" dirty="0" err="1">
+                <a:solidFill>
+                  <a:srgbClr val="C56068"/>
+                </a:solidFill>
+                <a:effectLst/>
+                <a:highlight>
+                  <a:srgbClr val="282C34"/>
+                </a:highlight>
+                <a:latin typeface="Consolas" panose="020B0609020204030204" pitchFamily="49" charset="0"/>
+              </a:rPr>
+              <a:t>company_name</a:t>
+            </a:r>
+            <a:r>
+              <a:rPr lang="en-GB" altLang="ja-JP" b="0" dirty="0">
+                <a:solidFill>
+                  <a:srgbClr val="C56068"/>
+                </a:solidFill>
+                <a:effectLst/>
+                <a:highlight>
+                  <a:srgbClr val="282C34"/>
+                </a:highlight>
+                <a:latin typeface="Consolas" panose="020B0609020204030204" pitchFamily="49" charset="0"/>
+              </a:rPr>
+              <a:t>"</a:t>
+            </a:r>
+            <a:r>
+              <a:rPr lang="en-GB" altLang="ja-JP" b="0" dirty="0">
+                <a:solidFill>
+                  <a:srgbClr val="ABB2BF"/>
+                </a:solidFill>
+                <a:effectLst/>
+                <a:highlight>
+                  <a:srgbClr val="282C34"/>
+                </a:highlight>
+                <a:latin typeface="Consolas" panose="020B0609020204030204" pitchFamily="49" charset="0"/>
+              </a:rPr>
+              <a:t>: </a:t>
+            </a:r>
+            <a:r>
+              <a:rPr lang="en-GB" altLang="ja-JP" b="0" dirty="0">
+                <a:solidFill>
+                  <a:srgbClr val="D9F5DD"/>
+                </a:solidFill>
+                <a:effectLst/>
+                <a:highlight>
+                  <a:srgbClr val="282C34"/>
+                </a:highlight>
+                <a:latin typeface="Consolas" panose="020B0609020204030204" pitchFamily="49" charset="0"/>
+              </a:rPr>
+              <a:t>"</a:t>
+            </a:r>
+            <a:r>
+              <a:rPr lang="ja-JP" altLang="en-US" b="0" dirty="0">
+                <a:solidFill>
+                  <a:srgbClr val="C789D6"/>
+                </a:solidFill>
+                <a:effectLst/>
+                <a:highlight>
+                  <a:srgbClr val="282C34"/>
+                </a:highlight>
+                <a:latin typeface="Consolas" panose="020B0609020204030204" pitchFamily="49" charset="0"/>
+              </a:rPr>
+              <a:t>ゼブラ・テクノロジーズ </a:t>
+            </a:r>
+            <a:r>
+              <a:rPr lang="en-GB" altLang="ja-JP" b="0" dirty="0">
+                <a:solidFill>
+                  <a:srgbClr val="C789D6"/>
+                </a:solidFill>
+                <a:effectLst/>
+                <a:highlight>
+                  <a:srgbClr val="282C34"/>
+                </a:highlight>
+                <a:latin typeface="Consolas" panose="020B0609020204030204" pitchFamily="49" charset="0"/>
+              </a:rPr>
+              <a:t>Zebra Technologies Corporation</a:t>
+            </a:r>
+            <a:r>
+              <a:rPr lang="en-GB" altLang="ja-JP" b="0" dirty="0">
+                <a:solidFill>
+                  <a:srgbClr val="D9F5DD"/>
+                </a:solidFill>
+                <a:effectLst/>
+                <a:highlight>
+                  <a:srgbClr val="282C34"/>
+                </a:highlight>
+                <a:latin typeface="Consolas" panose="020B0609020204030204" pitchFamily="49" charset="0"/>
+              </a:rPr>
+              <a:t>"</a:t>
+            </a:r>
+            <a:r>
+              <a:rPr lang="en-GB" altLang="ja-JP" b="0" dirty="0">
+                <a:solidFill>
+                  <a:srgbClr val="ABB2BF"/>
+                </a:solidFill>
+                <a:effectLst/>
+                <a:highlight>
+                  <a:srgbClr val="282C34"/>
+                </a:highlight>
+                <a:latin typeface="Consolas" panose="020B0609020204030204" pitchFamily="49" charset="0"/>
+              </a:rPr>
+              <a:t>,</a:t>
+            </a:r>
+          </a:p>
+          <a:p>
+            <a:r>
+              <a:rPr lang="en-GB" altLang="ja-JP" b="0" dirty="0">
+                <a:solidFill>
+                  <a:srgbClr val="ABB2BF"/>
+                </a:solidFill>
+                <a:effectLst/>
+                <a:highlight>
+                  <a:srgbClr val="282C34"/>
+                </a:highlight>
+                <a:latin typeface="Consolas" panose="020B0609020204030204" pitchFamily="49" charset="0"/>
+              </a:rPr>
+              <a:t>      </a:t>
+            </a:r>
+            <a:r>
+              <a:rPr lang="en-GB" altLang="ja-JP" b="0" dirty="0">
+                <a:solidFill>
+                  <a:srgbClr val="C56068"/>
+                </a:solidFill>
+                <a:effectLst/>
+                <a:highlight>
+                  <a:srgbClr val="282C34"/>
+                </a:highlight>
+                <a:latin typeface="Consolas" panose="020B0609020204030204" pitchFamily="49" charset="0"/>
+              </a:rPr>
+              <a:t>"description"</a:t>
+            </a:r>
+            <a:r>
+              <a:rPr lang="en-GB" altLang="ja-JP" b="0" dirty="0">
+                <a:solidFill>
+                  <a:srgbClr val="ABB2BF"/>
+                </a:solidFill>
+                <a:effectLst/>
+                <a:highlight>
+                  <a:srgbClr val="282C34"/>
+                </a:highlight>
+                <a:latin typeface="Consolas" panose="020B0609020204030204" pitchFamily="49" charset="0"/>
+              </a:rPr>
+              <a:t>: </a:t>
+            </a:r>
+            <a:r>
+              <a:rPr lang="en-GB" altLang="ja-JP" b="0" dirty="0">
+                <a:solidFill>
+                  <a:srgbClr val="D9F5DD"/>
+                </a:solidFill>
+                <a:effectLst/>
+                <a:highlight>
+                  <a:srgbClr val="282C34"/>
+                </a:highlight>
+                <a:latin typeface="Consolas" panose="020B0609020204030204" pitchFamily="49" charset="0"/>
+              </a:rPr>
+              <a:t>"</a:t>
+            </a:r>
+            <a:r>
+              <a:rPr lang="ja-JP" altLang="en-US" b="0" dirty="0">
+                <a:solidFill>
+                  <a:srgbClr val="C789D6"/>
+                </a:solidFill>
+                <a:effectLst/>
+                <a:highlight>
+                  <a:srgbClr val="282C34"/>
+                </a:highlight>
+                <a:latin typeface="Consolas" panose="020B0609020204030204" pitchFamily="49" charset="0"/>
+              </a:rPr>
+              <a:t>自動識別 </a:t>
+            </a:r>
+            <a:r>
+              <a:rPr lang="en-GB" altLang="ja-JP" b="0" dirty="0">
+                <a:solidFill>
+                  <a:srgbClr val="C789D6"/>
+                </a:solidFill>
+                <a:effectLst/>
+                <a:highlight>
+                  <a:srgbClr val="282C34"/>
+                </a:highlight>
+                <a:latin typeface="Consolas" panose="020B0609020204030204" pitchFamily="49" charset="0"/>
+              </a:rPr>
+              <a:t>AIDC</a:t>
+            </a:r>
+            <a:r>
+              <a:rPr lang="ja-JP" altLang="en-US" b="0" dirty="0">
+                <a:solidFill>
+                  <a:srgbClr val="C789D6"/>
+                </a:solidFill>
+                <a:effectLst/>
+                <a:highlight>
+                  <a:srgbClr val="282C34"/>
+                </a:highlight>
+                <a:latin typeface="Consolas" panose="020B0609020204030204" pitchFamily="49" charset="0"/>
+              </a:rPr>
+              <a:t>製品</a:t>
+            </a:r>
+            <a:r>
+              <a:rPr lang="en-US" altLang="ja-JP" b="0" dirty="0">
+                <a:solidFill>
+                  <a:srgbClr val="D9F5DD"/>
+                </a:solidFill>
+                <a:effectLst/>
+                <a:highlight>
+                  <a:srgbClr val="282C34"/>
+                </a:highlight>
+                <a:latin typeface="Consolas" panose="020B0609020204030204" pitchFamily="49" charset="0"/>
+              </a:rPr>
+              <a:t>"</a:t>
+            </a:r>
+            <a:endParaRPr lang="ja-JP" altLang="en-US" b="0" dirty="0">
+              <a:solidFill>
+                <a:srgbClr val="ABB2BF"/>
+              </a:solidFill>
+              <a:effectLst/>
+              <a:highlight>
+                <a:srgbClr val="282C34"/>
+              </a:highlight>
+              <a:latin typeface="Consolas" panose="020B0609020204030204" pitchFamily="49" charset="0"/>
+            </a:endParaRPr>
+          </a:p>
+          <a:p>
+            <a:r>
+              <a:rPr lang="ja-JP" altLang="en-US" b="0" dirty="0">
+                <a:solidFill>
+                  <a:srgbClr val="ABB2BF"/>
+                </a:solidFill>
+                <a:effectLst/>
+                <a:highlight>
+                  <a:srgbClr val="282C34"/>
+                </a:highlight>
+                <a:latin typeface="Consolas" panose="020B0609020204030204" pitchFamily="49" charset="0"/>
+              </a:rPr>
+              <a:t>    </a:t>
+            </a:r>
+            <a:r>
+              <a:rPr lang="en-US" altLang="ja-JP" b="0" dirty="0">
+                <a:solidFill>
+                  <a:srgbClr val="ABB2BF"/>
+                </a:solidFill>
+                <a:effectLst/>
+                <a:highlight>
+                  <a:srgbClr val="282C34"/>
+                </a:highlight>
+                <a:latin typeface="Consolas" panose="020B0609020204030204" pitchFamily="49" charset="0"/>
+              </a:rPr>
+              <a:t>},</a:t>
+            </a:r>
+          </a:p>
+          <a:p>
+            <a:r>
+              <a:rPr lang="en-US" altLang="ja-JP" b="0" dirty="0">
+                <a:solidFill>
+                  <a:srgbClr val="ABB2BF"/>
+                </a:solidFill>
+                <a:effectLst/>
+                <a:highlight>
+                  <a:srgbClr val="282C34"/>
+                </a:highlight>
+                <a:latin typeface="Consolas" panose="020B0609020204030204" pitchFamily="49" charset="0"/>
+              </a:rPr>
+              <a:t>    {</a:t>
+            </a:r>
+          </a:p>
+          <a:p>
+            <a:r>
+              <a:rPr lang="en-US" altLang="ja-JP" b="0" dirty="0">
+                <a:solidFill>
+                  <a:srgbClr val="ABB2BF"/>
+                </a:solidFill>
+                <a:effectLst/>
+                <a:highlight>
+                  <a:srgbClr val="282C34"/>
+                </a:highlight>
+                <a:latin typeface="Consolas" panose="020B0609020204030204" pitchFamily="49" charset="0"/>
+              </a:rPr>
+              <a:t>      </a:t>
+            </a:r>
+            <a:r>
+              <a:rPr lang="en-US" altLang="ja-JP" b="0" dirty="0">
+                <a:solidFill>
+                  <a:srgbClr val="C56068"/>
+                </a:solidFill>
+                <a:effectLst/>
+                <a:highlight>
+                  <a:srgbClr val="282C34"/>
+                </a:highlight>
+                <a:latin typeface="Consolas" panose="020B0609020204030204" pitchFamily="49" charset="0"/>
+              </a:rPr>
+              <a:t>"</a:t>
+            </a:r>
+            <a:r>
+              <a:rPr lang="en-GB" altLang="ja-JP" b="0" dirty="0">
+                <a:solidFill>
+                  <a:srgbClr val="C56068"/>
+                </a:solidFill>
+                <a:effectLst/>
+                <a:highlight>
+                  <a:srgbClr val="282C34"/>
+                </a:highlight>
+                <a:latin typeface="Consolas" panose="020B0609020204030204" pitchFamily="49" charset="0"/>
+              </a:rPr>
+              <a:t>symbol"</a:t>
+            </a:r>
+            <a:r>
+              <a:rPr lang="en-GB" altLang="ja-JP" b="0" dirty="0">
+                <a:solidFill>
+                  <a:srgbClr val="ABB2BF"/>
+                </a:solidFill>
+                <a:effectLst/>
+                <a:highlight>
+                  <a:srgbClr val="282C34"/>
+                </a:highlight>
+                <a:latin typeface="Consolas" panose="020B0609020204030204" pitchFamily="49" charset="0"/>
+              </a:rPr>
+              <a:t>: </a:t>
+            </a:r>
+            <a:r>
+              <a:rPr lang="en-GB" altLang="ja-JP" b="0" dirty="0">
+                <a:solidFill>
+                  <a:srgbClr val="D9F5DD"/>
+                </a:solidFill>
+                <a:effectLst/>
+                <a:highlight>
+                  <a:srgbClr val="282C34"/>
+                </a:highlight>
+                <a:latin typeface="Consolas" panose="020B0609020204030204" pitchFamily="49" charset="0"/>
+              </a:rPr>
+              <a:t>"</a:t>
+            </a:r>
+            <a:r>
+              <a:rPr lang="en-GB" altLang="ja-JP" b="0" dirty="0">
+                <a:solidFill>
+                  <a:srgbClr val="C789D6"/>
+                </a:solidFill>
+                <a:effectLst/>
+                <a:highlight>
+                  <a:srgbClr val="282C34"/>
+                </a:highlight>
+                <a:latin typeface="Consolas" panose="020B0609020204030204" pitchFamily="49" charset="0"/>
+              </a:rPr>
+              <a:t>ZTS</a:t>
+            </a:r>
+            <a:r>
+              <a:rPr lang="en-GB" altLang="ja-JP" b="0" dirty="0">
+                <a:solidFill>
+                  <a:srgbClr val="D9F5DD"/>
+                </a:solidFill>
+                <a:effectLst/>
+                <a:highlight>
+                  <a:srgbClr val="282C34"/>
+                </a:highlight>
+                <a:latin typeface="Consolas" panose="020B0609020204030204" pitchFamily="49" charset="0"/>
+              </a:rPr>
+              <a:t>"</a:t>
+            </a:r>
+            <a:r>
+              <a:rPr lang="en-GB" altLang="ja-JP" b="0" dirty="0">
+                <a:solidFill>
+                  <a:srgbClr val="ABB2BF"/>
+                </a:solidFill>
+                <a:effectLst/>
+                <a:highlight>
+                  <a:srgbClr val="282C34"/>
+                </a:highlight>
+                <a:latin typeface="Consolas" panose="020B0609020204030204" pitchFamily="49" charset="0"/>
+              </a:rPr>
+              <a:t>,</a:t>
+            </a:r>
+          </a:p>
+          <a:p>
+            <a:r>
+              <a:rPr lang="en-GB" altLang="ja-JP" b="0" dirty="0">
+                <a:solidFill>
+                  <a:srgbClr val="ABB2BF"/>
+                </a:solidFill>
+                <a:effectLst/>
+                <a:highlight>
+                  <a:srgbClr val="282C34"/>
+                </a:highlight>
+                <a:latin typeface="Consolas" panose="020B0609020204030204" pitchFamily="49" charset="0"/>
+              </a:rPr>
+              <a:t>      </a:t>
+            </a:r>
+            <a:r>
+              <a:rPr lang="en-GB" altLang="ja-JP" b="0" dirty="0">
+                <a:solidFill>
+                  <a:srgbClr val="C56068"/>
+                </a:solidFill>
+                <a:effectLst/>
+                <a:highlight>
+                  <a:srgbClr val="282C34"/>
+                </a:highlight>
+                <a:latin typeface="Consolas" panose="020B0609020204030204" pitchFamily="49" charset="0"/>
+              </a:rPr>
+              <a:t>"</a:t>
+            </a:r>
+            <a:r>
+              <a:rPr lang="en-GB" altLang="ja-JP" b="0" dirty="0" err="1">
+                <a:solidFill>
+                  <a:srgbClr val="C56068"/>
+                </a:solidFill>
+                <a:effectLst/>
+                <a:highlight>
+                  <a:srgbClr val="282C34"/>
+                </a:highlight>
+                <a:latin typeface="Consolas" panose="020B0609020204030204" pitchFamily="49" charset="0"/>
+              </a:rPr>
+              <a:t>company_name</a:t>
+            </a:r>
+            <a:r>
+              <a:rPr lang="en-GB" altLang="ja-JP" b="0" dirty="0">
+                <a:solidFill>
+                  <a:srgbClr val="C56068"/>
+                </a:solidFill>
+                <a:effectLst/>
+                <a:highlight>
+                  <a:srgbClr val="282C34"/>
+                </a:highlight>
+                <a:latin typeface="Consolas" panose="020B0609020204030204" pitchFamily="49" charset="0"/>
+              </a:rPr>
+              <a:t>"</a:t>
+            </a:r>
+            <a:r>
+              <a:rPr lang="en-GB" altLang="ja-JP" b="0" dirty="0">
+                <a:solidFill>
+                  <a:srgbClr val="ABB2BF"/>
+                </a:solidFill>
+                <a:effectLst/>
+                <a:highlight>
+                  <a:srgbClr val="282C34"/>
+                </a:highlight>
+                <a:latin typeface="Consolas" panose="020B0609020204030204" pitchFamily="49" charset="0"/>
+              </a:rPr>
+              <a:t>: </a:t>
+            </a:r>
+            <a:r>
+              <a:rPr lang="en-GB" altLang="ja-JP" b="0" dirty="0">
+                <a:solidFill>
+                  <a:srgbClr val="D9F5DD"/>
+                </a:solidFill>
+                <a:effectLst/>
+                <a:highlight>
+                  <a:srgbClr val="282C34"/>
+                </a:highlight>
+                <a:latin typeface="Consolas" panose="020B0609020204030204" pitchFamily="49" charset="0"/>
+              </a:rPr>
+              <a:t>"</a:t>
+            </a:r>
+            <a:r>
+              <a:rPr lang="ja-JP" altLang="en-US" b="0" dirty="0">
+                <a:solidFill>
+                  <a:srgbClr val="C789D6"/>
+                </a:solidFill>
+                <a:effectLst/>
+                <a:highlight>
+                  <a:srgbClr val="282C34"/>
+                </a:highlight>
+                <a:latin typeface="Consolas" panose="020B0609020204030204" pitchFamily="49" charset="0"/>
+              </a:rPr>
+              <a:t>ゾエティス </a:t>
+            </a:r>
+            <a:r>
+              <a:rPr lang="en-GB" altLang="ja-JP" b="0" dirty="0">
+                <a:solidFill>
+                  <a:srgbClr val="C789D6"/>
+                </a:solidFill>
+                <a:effectLst/>
+                <a:highlight>
+                  <a:srgbClr val="282C34"/>
+                </a:highlight>
+                <a:latin typeface="Consolas" panose="020B0609020204030204" pitchFamily="49" charset="0"/>
+              </a:rPr>
+              <a:t>Zoetis Inc.</a:t>
+            </a:r>
+            <a:r>
+              <a:rPr lang="en-GB" altLang="ja-JP" b="0" dirty="0">
+                <a:solidFill>
+                  <a:srgbClr val="D9F5DD"/>
+                </a:solidFill>
+                <a:effectLst/>
+                <a:highlight>
+                  <a:srgbClr val="282C34"/>
+                </a:highlight>
+                <a:latin typeface="Consolas" panose="020B0609020204030204" pitchFamily="49" charset="0"/>
+              </a:rPr>
+              <a:t>"</a:t>
+            </a:r>
+            <a:r>
+              <a:rPr lang="en-GB" altLang="ja-JP" b="0" dirty="0">
+                <a:solidFill>
+                  <a:srgbClr val="ABB2BF"/>
+                </a:solidFill>
+                <a:effectLst/>
+                <a:highlight>
+                  <a:srgbClr val="282C34"/>
+                </a:highlight>
+                <a:latin typeface="Consolas" panose="020B0609020204030204" pitchFamily="49" charset="0"/>
+              </a:rPr>
+              <a:t>,</a:t>
+            </a:r>
+          </a:p>
+          <a:p>
+            <a:r>
+              <a:rPr lang="en-GB" altLang="ja-JP" b="0" dirty="0">
+                <a:solidFill>
+                  <a:srgbClr val="ABB2BF"/>
+                </a:solidFill>
+                <a:effectLst/>
+                <a:highlight>
+                  <a:srgbClr val="282C34"/>
+                </a:highlight>
+                <a:latin typeface="Consolas" panose="020B0609020204030204" pitchFamily="49" charset="0"/>
+              </a:rPr>
+              <a:t>      </a:t>
+            </a:r>
+            <a:r>
+              <a:rPr lang="en-GB" altLang="ja-JP" b="0" dirty="0">
+                <a:solidFill>
+                  <a:srgbClr val="C56068"/>
+                </a:solidFill>
+                <a:effectLst/>
+                <a:highlight>
+                  <a:srgbClr val="282C34"/>
+                </a:highlight>
+                <a:latin typeface="Consolas" panose="020B0609020204030204" pitchFamily="49" charset="0"/>
+              </a:rPr>
+              <a:t>"description"</a:t>
+            </a:r>
+            <a:r>
+              <a:rPr lang="en-GB" altLang="ja-JP" b="0" dirty="0">
+                <a:solidFill>
+                  <a:srgbClr val="ABB2BF"/>
+                </a:solidFill>
+                <a:effectLst/>
+                <a:highlight>
+                  <a:srgbClr val="282C34"/>
+                </a:highlight>
+                <a:latin typeface="Consolas" panose="020B0609020204030204" pitchFamily="49" charset="0"/>
+              </a:rPr>
+              <a:t>: </a:t>
+            </a:r>
+            <a:r>
+              <a:rPr lang="en-GB" altLang="ja-JP" b="0" dirty="0">
+                <a:solidFill>
+                  <a:srgbClr val="D9F5DD"/>
+                </a:solidFill>
+                <a:effectLst/>
+                <a:highlight>
+                  <a:srgbClr val="282C34"/>
+                </a:highlight>
+                <a:latin typeface="Consolas" panose="020B0609020204030204" pitchFamily="49" charset="0"/>
+              </a:rPr>
+              <a:t>"</a:t>
+            </a:r>
+            <a:r>
+              <a:rPr lang="ja-JP" altLang="en-US" b="0" dirty="0">
+                <a:solidFill>
+                  <a:srgbClr val="C789D6"/>
+                </a:solidFill>
+                <a:effectLst/>
+                <a:highlight>
+                  <a:srgbClr val="282C34"/>
+                </a:highlight>
+                <a:latin typeface="Consolas" panose="020B0609020204030204" pitchFamily="49" charset="0"/>
+              </a:rPr>
+              <a:t>ペット・家畜用 医薬品・ワクチン</a:t>
+            </a:r>
+            <a:r>
+              <a:rPr lang="en-US" altLang="ja-JP" b="0" dirty="0">
+                <a:solidFill>
+                  <a:srgbClr val="D9F5DD"/>
+                </a:solidFill>
+                <a:effectLst/>
+                <a:highlight>
+                  <a:srgbClr val="282C34"/>
+                </a:highlight>
+                <a:latin typeface="Consolas" panose="020B0609020204030204" pitchFamily="49" charset="0"/>
+              </a:rPr>
+              <a:t>"</a:t>
+            </a:r>
+            <a:endParaRPr lang="ja-JP" altLang="en-US" b="0" dirty="0">
+              <a:solidFill>
+                <a:srgbClr val="ABB2BF"/>
+              </a:solidFill>
+              <a:effectLst/>
+              <a:highlight>
+                <a:srgbClr val="282C34"/>
+              </a:highlight>
+              <a:latin typeface="Consolas" panose="020B0609020204030204" pitchFamily="49" charset="0"/>
+            </a:endParaRPr>
+          </a:p>
+          <a:p>
+            <a:r>
+              <a:rPr lang="ja-JP" altLang="en-US" b="0" dirty="0">
+                <a:solidFill>
+                  <a:srgbClr val="ABB2BF"/>
+                </a:solidFill>
+                <a:effectLst/>
+                <a:highlight>
+                  <a:srgbClr val="282C34"/>
+                </a:highlight>
+                <a:latin typeface="Consolas" panose="020B0609020204030204" pitchFamily="49" charset="0"/>
+              </a:rPr>
+              <a:t>    </a:t>
+            </a:r>
+            <a:r>
+              <a:rPr lang="en-US" altLang="ja-JP" b="0" dirty="0">
+                <a:solidFill>
+                  <a:srgbClr val="ABB2BF"/>
+                </a:solidFill>
+                <a:effectLst/>
+                <a:highlight>
+                  <a:srgbClr val="282C34"/>
+                </a:highlight>
+                <a:latin typeface="Consolas" panose="020B0609020204030204" pitchFamily="49" charset="0"/>
+              </a:rPr>
+              <a:t>}</a:t>
+            </a:r>
+          </a:p>
+          <a:p>
+            <a:pPr marL="0" marR="0" lvl="0" indent="0" algn="l" defTabSz="914400" rtl="0" eaLnBrk="1" fontAlgn="auto" latinLnBrk="0" hangingPunct="1">
+              <a:lnSpc>
+                <a:spcPct val="100000"/>
+              </a:lnSpc>
+              <a:spcBef>
+                <a:spcPts val="0"/>
+              </a:spcBef>
+              <a:spcAft>
+                <a:spcPts val="0"/>
+              </a:spcAft>
+              <a:buClrTx/>
+              <a:buSzTx/>
+              <a:buFontTx/>
+              <a:buNone/>
+              <a:tabLst/>
+              <a:defRPr/>
+            </a:pPr>
+            <a:endParaRPr kumimoji="1" lang="ja-JP" altLang="en-US" sz="1200" dirty="0">
+              <a:latin typeface="BIZ UDPゴシック" panose="020B0400000000000000" pitchFamily="50" charset="-128"/>
+              <a:ea typeface="BIZ UDPゴシック" panose="020B0400000000000000" pitchFamily="50" charset="-128"/>
+            </a:endParaRPr>
+          </a:p>
+          <a:p>
             <a:endParaRPr kumimoji="1" lang="ja-JP" altLang="en-US" dirty="0"/>
           </a:p>
         </p:txBody>
@@ -2220,6 +3790,90 @@
           <a:p>
             <a:fld id="{7CD860E0-C8EB-4478-A6A5-544033815766}" type="slidenum">
               <a:rPr kumimoji="1" lang="ja-JP" altLang="en-US" smtClean="0"/>
+              <a:t>14</a:t>
+            </a:fld>
+            <a:endParaRPr kumimoji="1" lang="ja-JP" altLang="en-US"/>
+          </a:p>
+        </p:txBody>
+      </p:sp>
+    </p:spTree>
+    <p:extLst>
+      <p:ext uri="{BB962C8B-B14F-4D97-AF65-F5344CB8AC3E}">
+        <p14:creationId xmlns:p14="http://schemas.microsoft.com/office/powerpoint/2010/main" val="927491327"/>
+      </p:ext>
+    </p:extLst>
+  </p:cSld>
+  <p:clrMapOvr>
+    <a:masterClrMapping/>
+  </p:clrMapOvr>
+</p:notes>
+</file>
+
+<file path=ppt/notesSlides/notesSlide11.xml><?xml version="1.0" encoding="utf-8"?>
+<p:notes xmlns:a="http://schemas.openxmlformats.org/drawingml/2006/main" xmlns:r="http://schemas.openxmlformats.org/officeDocument/2006/relationships" xmlns:p="http://schemas.openxmlformats.org/presentationml/2006/main">
+  <p:cSld>
+    <p:spTree>
+      <p:nvGrpSpPr>
+        <p:cNvPr id="1" name=""/>
+        <p:cNvGrpSpPr/>
+        <p:nvPr/>
+      </p:nvGrpSpPr>
+      <p:grpSpPr>
+        <a:xfrm>
+          <a:off x="0" y="0"/>
+          <a:ext cx="0" cy="0"/>
+          <a:chOff x="0" y="0"/>
+          <a:chExt cx="0" cy="0"/>
+        </a:xfrm>
+      </p:grpSpPr>
+      <p:sp>
+        <p:nvSpPr>
+          <p:cNvPr id="2" name="スライド イメージ プレースホルダー 1"/>
+          <p:cNvSpPr>
+            <a:spLocks noGrp="1" noRot="1" noChangeAspect="1"/>
+          </p:cNvSpPr>
+          <p:nvPr>
+            <p:ph type="sldImg"/>
+          </p:nvPr>
+        </p:nvSpPr>
+        <p:spPr/>
+      </p:sp>
+      <p:sp>
+        <p:nvSpPr>
+          <p:cNvPr id="3" name="ノート プレースホルダー 2"/>
+          <p:cNvSpPr>
+            <a:spLocks noGrp="1"/>
+          </p:cNvSpPr>
+          <p:nvPr>
+            <p:ph type="body" idx="1"/>
+          </p:nvPr>
+        </p:nvSpPr>
+        <p:spPr/>
+        <p:txBody>
+          <a:bodyPr/>
+          <a:lstStyle/>
+          <a:p>
+            <a:endParaRPr kumimoji="1" lang="ja-JP" altLang="en-US" dirty="0"/>
+          </a:p>
+        </p:txBody>
+      </p:sp>
+      <p:sp>
+        <p:nvSpPr>
+          <p:cNvPr id="4" name="スライド番号プレースホルダー 3"/>
+          <p:cNvSpPr>
+            <a:spLocks noGrp="1"/>
+          </p:cNvSpPr>
+          <p:nvPr>
+            <p:ph type="sldNum" sz="quarter" idx="5"/>
+          </p:nvPr>
+        </p:nvSpPr>
+        <p:spPr/>
+        <p:txBody>
+          <a:bodyPr/>
+          <a:lstStyle/>
+          <a:p>
+            <a:fld id="{7CD860E0-C8EB-4478-A6A5-544033815766}" type="slidenum">
+              <a:rPr kumimoji="1" lang="ja-JP" altLang="en-US" smtClean="0"/>
               <a:t>16</a:t>
             </a:fld>
             <a:endParaRPr kumimoji="1" lang="ja-JP" altLang="en-US"/>
@@ -2230,6 +3884,375 @@
     <p:extLst>
       <p:ext uri="{BB962C8B-B14F-4D97-AF65-F5344CB8AC3E}">
         <p14:creationId xmlns:p14="http://schemas.microsoft.com/office/powerpoint/2010/main" val="4182858122"/>
+      </p:ext>
+    </p:extLst>
+  </p:cSld>
+  <p:clrMapOvr>
+    <a:masterClrMapping/>
+  </p:clrMapOvr>
+</p:notes>
+</file>
+
+<file path=ppt/notesSlides/notesSlide12.xml><?xml version="1.0" encoding="utf-8"?>
+<p:notes xmlns:a="http://schemas.openxmlformats.org/drawingml/2006/main" xmlns:r="http://schemas.openxmlformats.org/officeDocument/2006/relationships" xmlns:p="http://schemas.openxmlformats.org/presentationml/2006/main">
+  <p:cSld>
+    <p:spTree>
+      <p:nvGrpSpPr>
+        <p:cNvPr id="1" name=""/>
+        <p:cNvGrpSpPr/>
+        <p:nvPr/>
+      </p:nvGrpSpPr>
+      <p:grpSpPr>
+        <a:xfrm>
+          <a:off x="0" y="0"/>
+          <a:ext cx="0" cy="0"/>
+          <a:chOff x="0" y="0"/>
+          <a:chExt cx="0" cy="0"/>
+        </a:xfrm>
+      </p:grpSpPr>
+      <p:sp>
+        <p:nvSpPr>
+          <p:cNvPr id="2" name="スライド イメージ プレースホルダー 1"/>
+          <p:cNvSpPr>
+            <a:spLocks noGrp="1" noRot="1" noChangeAspect="1"/>
+          </p:cNvSpPr>
+          <p:nvPr>
+            <p:ph type="sldImg"/>
+          </p:nvPr>
+        </p:nvSpPr>
+        <p:spPr/>
+      </p:sp>
+      <p:sp>
+        <p:nvSpPr>
+          <p:cNvPr id="3" name="ノート プレースホルダー 2"/>
+          <p:cNvSpPr>
+            <a:spLocks noGrp="1"/>
+          </p:cNvSpPr>
+          <p:nvPr>
+            <p:ph type="body" idx="1"/>
+          </p:nvPr>
+        </p:nvSpPr>
+        <p:spPr/>
+        <p:txBody>
+          <a:bodyPr/>
+          <a:lstStyle/>
+          <a:p>
+            <a:r>
+              <a:rPr kumimoji="1" lang="ja-JP" altLang="en-US" dirty="0"/>
+              <a:t>左が家の</a:t>
+            </a:r>
+            <a:r>
+              <a:rPr kumimoji="1" lang="en-US" altLang="ja-JP" dirty="0"/>
+              <a:t>PC</a:t>
+            </a:r>
+            <a:r>
+              <a:rPr kumimoji="1" lang="ja-JP" altLang="en-US" dirty="0"/>
+              <a:t>と学校の</a:t>
+            </a:r>
+            <a:r>
+              <a:rPr kumimoji="1" lang="en-US" altLang="ja-JP" dirty="0"/>
+              <a:t>HPC</a:t>
+            </a:r>
+            <a:r>
+              <a:rPr kumimoji="1" lang="ja-JP" altLang="en-US" dirty="0"/>
+              <a:t>を使って学習して株価が上がる比率が高いであろう株</a:t>
+            </a:r>
+            <a:r>
+              <a:rPr kumimoji="1" lang="en-US" altLang="ja-JP" dirty="0"/>
+              <a:t>top3</a:t>
+            </a:r>
+            <a:r>
+              <a:rPr kumimoji="1" lang="ja-JP" altLang="en-US" dirty="0"/>
+              <a:t>をグラフに示したものと実際の株価です</a:t>
+            </a:r>
+            <a:br>
+              <a:rPr kumimoji="1" lang="en-US" altLang="ja-JP" dirty="0"/>
+            </a:br>
+            <a:r>
+              <a:rPr kumimoji="1" lang="en-US" altLang="ja-JP" dirty="0" err="1"/>
+              <a:t>wrb</a:t>
+            </a:r>
+            <a:r>
+              <a:rPr kumimoji="1" lang="en-US" altLang="ja-JP" dirty="0"/>
+              <a:t> :</a:t>
+            </a:r>
+            <a:r>
+              <a:rPr kumimoji="1" lang="zh-TW" altLang="en-US" sz="1200" b="0" i="0" kern="1200" dirty="0">
+                <a:solidFill>
+                  <a:schemeClr val="tx1"/>
+                </a:solidFill>
+                <a:effectLst/>
+                <a:latin typeface="+mn-lt"/>
+                <a:ea typeface="+mn-ea"/>
+                <a:cs typeface="+mn-cs"/>
+              </a:rPr>
+              <a:t>商業用損害保険持株会社</a:t>
+            </a:r>
+            <a:endParaRPr kumimoji="1" lang="en-US" altLang="zh-TW" sz="1200" b="0" i="0" kern="1200" dirty="0">
+              <a:solidFill>
+                <a:schemeClr val="tx1"/>
+              </a:solidFill>
+              <a:effectLst/>
+              <a:latin typeface="+mn-lt"/>
+              <a:ea typeface="+mn-ea"/>
+              <a:cs typeface="+mn-cs"/>
+            </a:endParaRPr>
+          </a:p>
+          <a:p>
+            <a:r>
+              <a:rPr kumimoji="1" lang="en-US" altLang="ja-JP" dirty="0" err="1"/>
+              <a:t>Nwsa</a:t>
+            </a:r>
+            <a:r>
+              <a:rPr kumimoji="1" lang="en-US" altLang="ja-JP" dirty="0"/>
+              <a:t> :</a:t>
+            </a:r>
+            <a:r>
+              <a:rPr kumimoji="1" lang="ja-JP" altLang="en-US" sz="1200" b="0" i="0" kern="1200" dirty="0">
+                <a:solidFill>
+                  <a:schemeClr val="tx1"/>
+                </a:solidFill>
+                <a:effectLst/>
+                <a:latin typeface="+mn-lt"/>
+                <a:ea typeface="+mn-ea"/>
+                <a:cs typeface="+mn-cs"/>
+              </a:rPr>
+              <a:t>アメリカ・ニューヨークに拠点を置く出版・メディア企業</a:t>
+            </a:r>
+            <a:endParaRPr kumimoji="1" lang="en-US" altLang="ja-JP" sz="1200" b="0" i="0" kern="1200" dirty="0">
+              <a:solidFill>
+                <a:schemeClr val="tx1"/>
+              </a:solidFill>
+              <a:effectLst/>
+              <a:latin typeface="+mn-lt"/>
+              <a:ea typeface="+mn-ea"/>
+              <a:cs typeface="+mn-cs"/>
+            </a:endParaRPr>
+          </a:p>
+          <a:p>
+            <a:r>
+              <a:rPr kumimoji="1" lang="en-US" altLang="ja-JP" sz="1200" b="0" i="0" kern="1200" dirty="0" err="1">
+                <a:solidFill>
+                  <a:schemeClr val="tx1"/>
+                </a:solidFill>
+                <a:effectLst/>
+                <a:latin typeface="+mn-lt"/>
+                <a:ea typeface="+mn-ea"/>
+                <a:cs typeface="+mn-cs"/>
+              </a:rPr>
+              <a:t>Dva</a:t>
+            </a:r>
+            <a:r>
+              <a:rPr kumimoji="1" lang="en-US" altLang="ja-JP" sz="1200" b="0" i="0" kern="1200" dirty="0">
+                <a:solidFill>
+                  <a:schemeClr val="tx1"/>
+                </a:solidFill>
+                <a:effectLst/>
+                <a:latin typeface="+mn-lt"/>
+                <a:ea typeface="+mn-ea"/>
+                <a:cs typeface="+mn-cs"/>
+              </a:rPr>
+              <a:t> :</a:t>
+            </a:r>
+            <a:r>
+              <a:rPr kumimoji="1" lang="ja-JP" altLang="en-US" sz="1200" b="0" i="0" kern="1200" dirty="0">
+                <a:solidFill>
+                  <a:schemeClr val="tx1"/>
+                </a:solidFill>
+                <a:effectLst/>
+                <a:latin typeface="+mn-lt"/>
+                <a:ea typeface="+mn-ea"/>
+                <a:cs typeface="+mn-cs"/>
+              </a:rPr>
+              <a:t>末期腎疾患や慢性腎不全の患者向けに透析サービスを提供。</a:t>
+            </a:r>
+            <a:endParaRPr kumimoji="1" lang="en-US" altLang="ja-JP" sz="1200" b="0" i="0" kern="1200" dirty="0">
+              <a:solidFill>
+                <a:schemeClr val="tx1"/>
+              </a:solidFill>
+              <a:effectLst/>
+              <a:latin typeface="+mn-lt"/>
+              <a:ea typeface="+mn-ea"/>
+              <a:cs typeface="+mn-cs"/>
+            </a:endParaRPr>
+          </a:p>
+          <a:p>
+            <a:r>
+              <a:rPr kumimoji="1" lang="en-US" altLang="ja-JP" sz="1200" b="0" i="0" kern="1200" dirty="0" err="1">
+                <a:solidFill>
+                  <a:schemeClr val="tx1"/>
+                </a:solidFill>
+                <a:effectLst/>
+                <a:latin typeface="+mn-lt"/>
+                <a:ea typeface="+mn-ea"/>
+                <a:cs typeface="+mn-cs"/>
+              </a:rPr>
+              <a:t>Aph</a:t>
+            </a:r>
+            <a:r>
+              <a:rPr kumimoji="1" lang="en-US" altLang="ja-JP" sz="1200" b="0" i="0" kern="1200" dirty="0">
+                <a:solidFill>
+                  <a:schemeClr val="tx1"/>
+                </a:solidFill>
+                <a:effectLst/>
+                <a:latin typeface="+mn-lt"/>
+                <a:ea typeface="+mn-ea"/>
+                <a:cs typeface="+mn-cs"/>
+              </a:rPr>
+              <a:t> :</a:t>
+            </a:r>
+            <a:r>
+              <a:rPr kumimoji="1" lang="ja-JP" altLang="en-US" sz="1200" b="0" i="0" kern="1200" dirty="0">
+                <a:solidFill>
+                  <a:schemeClr val="tx1"/>
+                </a:solidFill>
+                <a:effectLst/>
+                <a:latin typeface="+mn-lt"/>
+                <a:ea typeface="+mn-ea"/>
+                <a:cs typeface="+mn-cs"/>
+              </a:rPr>
+              <a:t>電気配線や光ファイバー、同軸ケーブルなど向けのコネクタ（接続部品）をはじめ、アンテナやセンサー、ケーブルを含む周辺品の設計・製造・販売を手がける。</a:t>
+            </a:r>
+            <a:endParaRPr kumimoji="1" lang="en-US" altLang="ja-JP" sz="1200" b="0" i="0" kern="1200" dirty="0">
+              <a:solidFill>
+                <a:schemeClr val="tx1"/>
+              </a:solidFill>
+              <a:effectLst/>
+              <a:latin typeface="+mn-lt"/>
+              <a:ea typeface="+mn-ea"/>
+              <a:cs typeface="+mn-cs"/>
+            </a:endParaRPr>
+          </a:p>
+          <a:p>
+            <a:r>
+              <a:rPr kumimoji="1" lang="en-US" altLang="ja-JP" dirty="0"/>
+              <a:t>Hum :</a:t>
+            </a:r>
+            <a:r>
+              <a:rPr kumimoji="1" lang="zh-CN" altLang="en-US" sz="1200" b="0" i="0" kern="1200" dirty="0">
+                <a:solidFill>
+                  <a:schemeClr val="tx1"/>
+                </a:solidFill>
+                <a:effectLst/>
+                <a:latin typeface="+mn-lt"/>
+                <a:ea typeface="+mn-ea"/>
+                <a:cs typeface="+mn-cs"/>
+              </a:rPr>
+              <a:t>営利健康保険会社</a:t>
+            </a:r>
+            <a:endParaRPr kumimoji="1" lang="en-US" altLang="zh-CN" sz="1200" b="0" i="0" kern="1200" dirty="0">
+              <a:solidFill>
+                <a:schemeClr val="tx1"/>
+              </a:solidFill>
+              <a:effectLst/>
+              <a:latin typeface="+mn-lt"/>
+              <a:ea typeface="+mn-ea"/>
+              <a:cs typeface="+mn-cs"/>
+            </a:endParaRPr>
+          </a:p>
+          <a:p>
+            <a:r>
+              <a:rPr kumimoji="1" lang="en-US" altLang="ja-JP" sz="1200" b="0" i="0" kern="1200" dirty="0" err="1">
+                <a:solidFill>
+                  <a:schemeClr val="tx1"/>
+                </a:solidFill>
+                <a:effectLst/>
+                <a:latin typeface="+mn-lt"/>
+                <a:ea typeface="+mn-ea"/>
+                <a:cs typeface="+mn-cs"/>
+              </a:rPr>
+              <a:t>Gl</a:t>
+            </a:r>
+            <a:r>
+              <a:rPr kumimoji="1" lang="en-US" altLang="ja-JP" sz="1200" b="0" i="0" kern="1200" dirty="0">
+                <a:solidFill>
+                  <a:schemeClr val="tx1"/>
+                </a:solidFill>
+                <a:effectLst/>
+                <a:latin typeface="+mn-lt"/>
+                <a:ea typeface="+mn-ea"/>
+                <a:cs typeface="+mn-cs"/>
+              </a:rPr>
+              <a:t> :</a:t>
+            </a:r>
+            <a:r>
+              <a:rPr kumimoji="1" lang="ja-JP" altLang="en-US" sz="1200" b="0" i="0" kern="1200" dirty="0">
+                <a:solidFill>
+                  <a:schemeClr val="tx1"/>
+                </a:solidFill>
+                <a:effectLst/>
+                <a:latin typeface="+mn-lt"/>
+                <a:ea typeface="+mn-ea"/>
+                <a:cs typeface="+mn-cs"/>
+              </a:rPr>
+              <a:t>金融サービス持株会社</a:t>
+            </a:r>
+            <a:endParaRPr kumimoji="1" lang="en-US" altLang="ja-JP" sz="1200" b="0" i="0" kern="1200" dirty="0">
+              <a:solidFill>
+                <a:schemeClr val="tx1"/>
+              </a:solidFill>
+              <a:effectLst/>
+              <a:latin typeface="+mn-lt"/>
+              <a:ea typeface="+mn-ea"/>
+              <a:cs typeface="+mn-cs"/>
+            </a:endParaRPr>
+          </a:p>
+          <a:p>
+            <a:r>
+              <a:rPr kumimoji="1" lang="en-US" altLang="ja-JP" sz="1200" b="0" i="0" kern="1200" dirty="0" err="1">
+                <a:solidFill>
+                  <a:schemeClr val="tx1"/>
+                </a:solidFill>
+                <a:effectLst/>
+                <a:latin typeface="+mn-lt"/>
+                <a:ea typeface="+mn-ea"/>
+                <a:cs typeface="+mn-cs"/>
+              </a:rPr>
+              <a:t>Dva</a:t>
+            </a:r>
+            <a:r>
+              <a:rPr kumimoji="1" lang="en-US" altLang="ja-JP" sz="1200" b="0" i="0" kern="1200" dirty="0">
+                <a:solidFill>
+                  <a:schemeClr val="tx1"/>
+                </a:solidFill>
+                <a:effectLst/>
+                <a:latin typeface="+mn-lt"/>
+                <a:ea typeface="+mn-ea"/>
+                <a:cs typeface="+mn-cs"/>
+              </a:rPr>
+              <a:t> : </a:t>
+            </a:r>
+            <a:endParaRPr kumimoji="1" lang="ja-JP" altLang="en-US" dirty="0"/>
+          </a:p>
+        </p:txBody>
+      </p:sp>
+      <p:sp>
+        <p:nvSpPr>
+          <p:cNvPr id="4" name="スライド番号プレースホルダー 3"/>
+          <p:cNvSpPr>
+            <a:spLocks noGrp="1"/>
+          </p:cNvSpPr>
+          <p:nvPr>
+            <p:ph type="sldNum" sz="quarter" idx="5"/>
+          </p:nvPr>
+        </p:nvSpPr>
+        <p:spPr/>
+        <p:txBody>
+          <a:bodyPr/>
+          <a:lstStyle/>
+          <a:p>
+            <a:fld id="{7CD860E0-C8EB-4478-A6A5-544033815766}" type="slidenum">
+              <a:rPr kumimoji="1" lang="ja-JP" altLang="en-US" smtClean="0"/>
+              <a:t>18</a:t>
+            </a:fld>
+            <a:endParaRPr kumimoji="1" lang="ja-JP" altLang="en-US"/>
+          </a:p>
+        </p:txBody>
+      </p:sp>
+    </p:spTree>
+    <p:extLst>
+      <p:ext uri="{BB962C8B-B14F-4D97-AF65-F5344CB8AC3E}">
+        <p14:creationId xmlns:p14="http://schemas.microsoft.com/office/powerpoint/2010/main" val="2290067928"/>
       </p:ext>
     </p:extLst>
   </p:cSld>
@@ -2934,16 +4957,12 @@
           <a:lstStyle/>
           <a:p>
             <a:r>
+              <a:rPr kumimoji="1" lang="en-US" altLang="ja-JP" dirty="0" err="1"/>
+              <a:t>Softmax</a:t>
+            </a:r>
+            <a:r>
               <a:rPr kumimoji="1" lang="ja-JP" altLang="en-US" dirty="0"/>
-              <a:t>本来ならここの</a:t>
-            </a:r>
-            <a:r>
-              <a:rPr kumimoji="1" lang="en-US" altLang="ja-JP" dirty="0"/>
-              <a:t>max</a:t>
-            </a:r>
-            <a:r>
-              <a:rPr kumimoji="1" lang="ja-JP" altLang="en-US" dirty="0"/>
-              <a:t>をとってこの文章は楽観的な文章ですとなるのですが、</a:t>
+              <a:t>関数が返す値は厳密には確率とは言えない</a:t>
             </a:r>
           </a:p>
         </p:txBody>
@@ -2965,7 +4984,7 @@
           <a:p>
             <a:fld id="{7CD860E0-C8EB-4478-A6A5-544033815766}" type="slidenum">
               <a:rPr kumimoji="1" lang="ja-JP" altLang="en-US" smtClean="0"/>
-              <a:t>11</a:t>
+              <a:t>10</a:t>
             </a:fld>
             <a:endParaRPr kumimoji="1" lang="ja-JP" altLang="en-US"/>
           </a:p>
@@ -2974,7 +4993,7 @@
     </p:spTree>
     <p:extLst>
       <p:ext uri="{BB962C8B-B14F-4D97-AF65-F5344CB8AC3E}">
-        <p14:creationId xmlns:p14="http://schemas.microsoft.com/office/powerpoint/2010/main" val="3296536597"/>
+        <p14:creationId xmlns:p14="http://schemas.microsoft.com/office/powerpoint/2010/main" val="1763648357"/>
       </p:ext>
     </p:extLst>
   </p:cSld>
@@ -3029,27 +5048,16 @@
           <a:lstStyle/>
           <a:p>
             <a:r>
+              <a:rPr kumimoji="1" lang="ja-JP" altLang="en-US" dirty="0"/>
+              <a:t>本来ならここの</a:t>
+            </a:r>
+            <a:r>
               <a:rPr kumimoji="1" lang="en-US" altLang="ja-JP" dirty="0"/>
-              <a:t>S&amp;P500</a:t>
+              <a:t>max</a:t>
             </a:r>
             <a:r>
               <a:rPr kumimoji="1" lang="ja-JP" altLang="en-US" dirty="0"/>
-              <a:t>はアメリカの上場企業のなかから選出された代表的な</a:t>
-            </a:r>
-            <a:r>
-              <a:rPr kumimoji="1" lang="en-US" altLang="ja-JP" dirty="0"/>
-              <a:t>500</a:t>
-            </a:r>
-            <a:r>
-              <a:rPr kumimoji="1" lang="ja-JP" altLang="en-US" dirty="0"/>
-              <a:t>社</a:t>
-            </a:r>
-            <a:endParaRPr kumimoji="1" lang="en-US" altLang="ja-JP" dirty="0"/>
-          </a:p>
-          <a:p>
-            <a:r>
-              <a:rPr kumimoji="1" lang="ja-JP" altLang="en-US" dirty="0"/>
-              <a:t>基本的に上がり続けることを前提にしているのでより上がる株を見つけることを目標にする</a:t>
+              <a:t>をとってこの文章は楽観的な文章ですとなるのですが、</a:t>
             </a:r>
           </a:p>
         </p:txBody>
@@ -3071,7 +5079,7 @@
           <a:p>
             <a:fld id="{7CD860E0-C8EB-4478-A6A5-544033815766}" type="slidenum">
               <a:rPr kumimoji="1" lang="ja-JP" altLang="en-US" smtClean="0"/>
-              <a:t>13</a:t>
+              <a:t>11</a:t>
             </a:fld>
             <a:endParaRPr kumimoji="1" lang="ja-JP" altLang="en-US"/>
           </a:p>
@@ -3080,7 +5088,7 @@
     </p:spTree>
     <p:extLst>
       <p:ext uri="{BB962C8B-B14F-4D97-AF65-F5344CB8AC3E}">
-        <p14:creationId xmlns:p14="http://schemas.microsoft.com/office/powerpoint/2010/main" val="1363873979"/>
+        <p14:creationId xmlns:p14="http://schemas.microsoft.com/office/powerpoint/2010/main" val="3296536597"/>
       </p:ext>
     </p:extLst>
   </p:cSld>
@@ -3134,1575 +5142,29 @@
           <a:bodyPr/>
           <a:lstStyle/>
           <a:p>
-            <a:pPr marL="0" marR="0" lvl="0" indent="0" algn="l" defTabSz="914400" rtl="0" eaLnBrk="1" fontAlgn="auto" latinLnBrk="0" hangingPunct="1">
-              <a:lnSpc>
-                <a:spcPct val="100000"/>
-              </a:lnSpc>
-              <a:spcBef>
-                <a:spcPts val="0"/>
-              </a:spcBef>
-              <a:spcAft>
-                <a:spcPts val="0"/>
-              </a:spcAft>
-              <a:buClrTx/>
-              <a:buSzTx/>
-              <a:buFontTx/>
-              <a:buNone/>
-              <a:tabLst/>
-              <a:defRPr/>
-            </a:pPr>
-            <a:r>
-              <a:rPr kumimoji="1" lang="ja-JP" altLang="en-US" sz="1200" dirty="0">
-                <a:latin typeface="BIZ UDPゴシック" panose="020B0400000000000000" pitchFamily="50" charset="-128"/>
-                <a:ea typeface="BIZ UDPゴシック" panose="020B0400000000000000" pitchFamily="50" charset="-128"/>
-              </a:rPr>
-              <a:t>また、簡易アンサンブル学習として全ての株に対して学習</a:t>
-            </a:r>
-            <a:endParaRPr kumimoji="1" lang="en-US" altLang="ja-JP" sz="1200" dirty="0">
-              <a:latin typeface="BIZ UDPゴシック" panose="020B0400000000000000" pitchFamily="50" charset="-128"/>
-              <a:ea typeface="BIZ UDPゴシック" panose="020B0400000000000000" pitchFamily="50" charset="-128"/>
-            </a:endParaRPr>
-          </a:p>
-          <a:p>
-            <a:pPr marL="0" marR="0" lvl="0" indent="0" algn="l" defTabSz="914400" rtl="0" eaLnBrk="1" fontAlgn="auto" latinLnBrk="0" hangingPunct="1">
-              <a:lnSpc>
-                <a:spcPct val="100000"/>
-              </a:lnSpc>
-              <a:spcBef>
-                <a:spcPts val="0"/>
-              </a:spcBef>
-              <a:spcAft>
-                <a:spcPts val="0"/>
-              </a:spcAft>
-              <a:buClrTx/>
-              <a:buSzTx/>
-              <a:buFontTx/>
-              <a:buNone/>
-              <a:tabLst/>
-              <a:defRPr/>
-            </a:pPr>
-            <a:endParaRPr kumimoji="1" lang="en-US" altLang="ja-JP" sz="1200" dirty="0">
-              <a:latin typeface="BIZ UDPゴシック" panose="020B0400000000000000" pitchFamily="50" charset="-128"/>
-              <a:ea typeface="BIZ UDPゴシック" panose="020B0400000000000000" pitchFamily="50" charset="-128"/>
-            </a:endParaRPr>
-          </a:p>
-          <a:p>
-            <a:r>
-              <a:rPr lang="en-GB" altLang="ja-JP" b="0" dirty="0">
-                <a:solidFill>
-                  <a:srgbClr val="ABB2BF"/>
-                </a:solidFill>
-                <a:effectLst/>
-                <a:highlight>
-                  <a:srgbClr val="282C34"/>
-                </a:highlight>
-                <a:latin typeface="Consolas" panose="020B0609020204030204" pitchFamily="49" charset="0"/>
-              </a:rPr>
-              <a:t>    {</a:t>
-            </a:r>
-          </a:p>
-          <a:p>
-            <a:r>
-              <a:rPr lang="en-GB" altLang="ja-JP" b="0" dirty="0">
-                <a:solidFill>
-                  <a:srgbClr val="ABB2BF"/>
-                </a:solidFill>
-                <a:effectLst/>
-                <a:highlight>
-                  <a:srgbClr val="282C34"/>
-                </a:highlight>
-                <a:latin typeface="Consolas" panose="020B0609020204030204" pitchFamily="49" charset="0"/>
-              </a:rPr>
-              <a:t>      </a:t>
-            </a:r>
-            <a:r>
-              <a:rPr lang="en-GB" altLang="ja-JP" b="0" dirty="0">
-                <a:solidFill>
-                  <a:srgbClr val="C56068"/>
-                </a:solidFill>
-                <a:effectLst/>
-                <a:highlight>
-                  <a:srgbClr val="282C34"/>
-                </a:highlight>
-                <a:latin typeface="Consolas" panose="020B0609020204030204" pitchFamily="49" charset="0"/>
-              </a:rPr>
-              <a:t>"symbol"</a:t>
-            </a:r>
-            <a:r>
-              <a:rPr lang="en-GB" altLang="ja-JP" b="0" dirty="0">
-                <a:solidFill>
-                  <a:srgbClr val="ABB2BF"/>
-                </a:solidFill>
-                <a:effectLst/>
-                <a:highlight>
-                  <a:srgbClr val="282C34"/>
-                </a:highlight>
-                <a:latin typeface="Consolas" panose="020B0609020204030204" pitchFamily="49" charset="0"/>
-              </a:rPr>
-              <a:t>: </a:t>
-            </a:r>
-            <a:r>
-              <a:rPr lang="en-GB" altLang="ja-JP" b="0" dirty="0">
-                <a:solidFill>
-                  <a:srgbClr val="D9F5DD"/>
-                </a:solidFill>
-                <a:effectLst/>
-                <a:highlight>
-                  <a:srgbClr val="282C34"/>
-                </a:highlight>
-                <a:latin typeface="Consolas" panose="020B0609020204030204" pitchFamily="49" charset="0"/>
-              </a:rPr>
-              <a:t>"</a:t>
-            </a:r>
-            <a:r>
-              <a:rPr lang="en-GB" altLang="ja-JP" b="0" dirty="0">
-                <a:solidFill>
-                  <a:srgbClr val="C789D6"/>
-                </a:solidFill>
-                <a:effectLst/>
-                <a:highlight>
-                  <a:srgbClr val="282C34"/>
-                </a:highlight>
-                <a:latin typeface="Consolas" panose="020B0609020204030204" pitchFamily="49" charset="0"/>
-              </a:rPr>
-              <a:t>A</a:t>
-            </a:r>
-            <a:r>
-              <a:rPr lang="en-GB" altLang="ja-JP" b="0" dirty="0">
-                <a:solidFill>
-                  <a:srgbClr val="D9F5DD"/>
-                </a:solidFill>
-                <a:effectLst/>
-                <a:highlight>
-                  <a:srgbClr val="282C34"/>
-                </a:highlight>
-                <a:latin typeface="Consolas" panose="020B0609020204030204" pitchFamily="49" charset="0"/>
-              </a:rPr>
-              <a:t>"</a:t>
-            </a:r>
-            <a:r>
-              <a:rPr lang="en-GB" altLang="ja-JP" b="0" dirty="0">
-                <a:solidFill>
-                  <a:srgbClr val="ABB2BF"/>
-                </a:solidFill>
-                <a:effectLst/>
-                <a:highlight>
-                  <a:srgbClr val="282C34"/>
-                </a:highlight>
-                <a:latin typeface="Consolas" panose="020B0609020204030204" pitchFamily="49" charset="0"/>
-              </a:rPr>
-              <a:t>,</a:t>
-            </a:r>
-          </a:p>
-          <a:p>
-            <a:r>
-              <a:rPr lang="en-GB" altLang="ja-JP" b="0" dirty="0">
-                <a:solidFill>
-                  <a:srgbClr val="ABB2BF"/>
-                </a:solidFill>
-                <a:effectLst/>
-                <a:highlight>
-                  <a:srgbClr val="282C34"/>
-                </a:highlight>
-                <a:latin typeface="Consolas" panose="020B0609020204030204" pitchFamily="49" charset="0"/>
-              </a:rPr>
-              <a:t>      </a:t>
-            </a:r>
-            <a:r>
-              <a:rPr lang="en-GB" altLang="ja-JP" b="0" dirty="0">
-                <a:solidFill>
-                  <a:srgbClr val="C56068"/>
-                </a:solidFill>
-                <a:effectLst/>
-                <a:highlight>
-                  <a:srgbClr val="282C34"/>
-                </a:highlight>
-                <a:latin typeface="Consolas" panose="020B0609020204030204" pitchFamily="49" charset="0"/>
-              </a:rPr>
-              <a:t>"</a:t>
-            </a:r>
-            <a:r>
-              <a:rPr lang="en-GB" altLang="ja-JP" b="0" dirty="0" err="1">
-                <a:solidFill>
-                  <a:srgbClr val="C56068"/>
-                </a:solidFill>
-                <a:effectLst/>
-                <a:highlight>
-                  <a:srgbClr val="282C34"/>
-                </a:highlight>
-                <a:latin typeface="Consolas" panose="020B0609020204030204" pitchFamily="49" charset="0"/>
-              </a:rPr>
-              <a:t>company_name</a:t>
-            </a:r>
-            <a:r>
-              <a:rPr lang="en-GB" altLang="ja-JP" b="0" dirty="0">
-                <a:solidFill>
-                  <a:srgbClr val="C56068"/>
-                </a:solidFill>
-                <a:effectLst/>
-                <a:highlight>
-                  <a:srgbClr val="282C34"/>
-                </a:highlight>
-                <a:latin typeface="Consolas" panose="020B0609020204030204" pitchFamily="49" charset="0"/>
-              </a:rPr>
-              <a:t>"</a:t>
-            </a:r>
-            <a:r>
-              <a:rPr lang="en-GB" altLang="ja-JP" b="0" dirty="0">
-                <a:solidFill>
-                  <a:srgbClr val="ABB2BF"/>
-                </a:solidFill>
-                <a:effectLst/>
-                <a:highlight>
-                  <a:srgbClr val="282C34"/>
-                </a:highlight>
-                <a:latin typeface="Consolas" panose="020B0609020204030204" pitchFamily="49" charset="0"/>
-              </a:rPr>
-              <a:t>: </a:t>
-            </a:r>
-            <a:r>
-              <a:rPr lang="en-GB" altLang="ja-JP" b="0" dirty="0">
-                <a:solidFill>
-                  <a:srgbClr val="D9F5DD"/>
-                </a:solidFill>
-                <a:effectLst/>
-                <a:highlight>
-                  <a:srgbClr val="282C34"/>
-                </a:highlight>
-                <a:latin typeface="Consolas" panose="020B0609020204030204" pitchFamily="49" charset="0"/>
-              </a:rPr>
-              <a:t>"</a:t>
-            </a:r>
-            <a:r>
-              <a:rPr lang="ja-JP" altLang="en-US" b="0" dirty="0">
-                <a:solidFill>
-                  <a:srgbClr val="C789D6"/>
-                </a:solidFill>
-                <a:effectLst/>
-                <a:highlight>
-                  <a:srgbClr val="282C34"/>
-                </a:highlight>
-                <a:latin typeface="Consolas" panose="020B0609020204030204" pitchFamily="49" charset="0"/>
-              </a:rPr>
-              <a:t>アジレント・テクノロジー </a:t>
-            </a:r>
-            <a:r>
-              <a:rPr lang="en-GB" altLang="ja-JP" b="0" dirty="0">
-                <a:solidFill>
-                  <a:srgbClr val="C789D6"/>
-                </a:solidFill>
-                <a:effectLst/>
-                <a:highlight>
-                  <a:srgbClr val="282C34"/>
-                </a:highlight>
-                <a:latin typeface="Consolas" panose="020B0609020204030204" pitchFamily="49" charset="0"/>
-              </a:rPr>
-              <a:t>Agilent Technologies, Inc.</a:t>
-            </a:r>
-            <a:r>
-              <a:rPr lang="en-GB" altLang="ja-JP" b="0" dirty="0">
-                <a:solidFill>
-                  <a:srgbClr val="D9F5DD"/>
-                </a:solidFill>
-                <a:effectLst/>
-                <a:highlight>
-                  <a:srgbClr val="282C34"/>
-                </a:highlight>
-                <a:latin typeface="Consolas" panose="020B0609020204030204" pitchFamily="49" charset="0"/>
-              </a:rPr>
-              <a:t>"</a:t>
-            </a:r>
-            <a:r>
-              <a:rPr lang="en-GB" altLang="ja-JP" b="0" dirty="0">
-                <a:solidFill>
-                  <a:srgbClr val="ABB2BF"/>
-                </a:solidFill>
-                <a:effectLst/>
-                <a:highlight>
-                  <a:srgbClr val="282C34"/>
-                </a:highlight>
-                <a:latin typeface="Consolas" panose="020B0609020204030204" pitchFamily="49" charset="0"/>
-              </a:rPr>
-              <a:t>,</a:t>
-            </a:r>
-          </a:p>
-          <a:p>
-            <a:r>
-              <a:rPr lang="en-GB" altLang="ja-JP" b="0" dirty="0">
-                <a:solidFill>
-                  <a:srgbClr val="ABB2BF"/>
-                </a:solidFill>
-                <a:effectLst/>
-                <a:highlight>
-                  <a:srgbClr val="282C34"/>
-                </a:highlight>
-                <a:latin typeface="Consolas" panose="020B0609020204030204" pitchFamily="49" charset="0"/>
-              </a:rPr>
-              <a:t>      </a:t>
-            </a:r>
-            <a:r>
-              <a:rPr lang="en-GB" altLang="ja-JP" b="0" dirty="0">
-                <a:solidFill>
-                  <a:srgbClr val="C56068"/>
-                </a:solidFill>
-                <a:effectLst/>
-                <a:highlight>
-                  <a:srgbClr val="282C34"/>
-                </a:highlight>
-                <a:latin typeface="Consolas" panose="020B0609020204030204" pitchFamily="49" charset="0"/>
-              </a:rPr>
-              <a:t>"description"</a:t>
-            </a:r>
-            <a:r>
-              <a:rPr lang="en-GB" altLang="ja-JP" b="0" dirty="0">
-                <a:solidFill>
-                  <a:srgbClr val="ABB2BF"/>
-                </a:solidFill>
-                <a:effectLst/>
-                <a:highlight>
-                  <a:srgbClr val="282C34"/>
-                </a:highlight>
-                <a:latin typeface="Consolas" panose="020B0609020204030204" pitchFamily="49" charset="0"/>
-              </a:rPr>
-              <a:t>: </a:t>
-            </a:r>
-            <a:r>
-              <a:rPr lang="en-GB" altLang="ja-JP" b="0" dirty="0">
-                <a:solidFill>
-                  <a:srgbClr val="D9F5DD"/>
-                </a:solidFill>
-                <a:effectLst/>
-                <a:highlight>
-                  <a:srgbClr val="282C34"/>
-                </a:highlight>
-                <a:latin typeface="Consolas" panose="020B0609020204030204" pitchFamily="49" charset="0"/>
-              </a:rPr>
-              <a:t>"</a:t>
-            </a:r>
-            <a:r>
-              <a:rPr lang="ja-JP" altLang="en-US" b="0" dirty="0">
-                <a:solidFill>
-                  <a:srgbClr val="C789D6"/>
-                </a:solidFill>
-                <a:effectLst/>
-                <a:highlight>
-                  <a:srgbClr val="282C34"/>
-                </a:highlight>
-                <a:latin typeface="Consolas" panose="020B0609020204030204" pitchFamily="49" charset="0"/>
-              </a:rPr>
-              <a:t>化学分析 電子計測機器</a:t>
-            </a:r>
-            <a:r>
-              <a:rPr lang="en-US" altLang="ja-JP" b="0" dirty="0">
-                <a:solidFill>
-                  <a:srgbClr val="D9F5DD"/>
-                </a:solidFill>
-                <a:effectLst/>
-                <a:highlight>
-                  <a:srgbClr val="282C34"/>
-                </a:highlight>
-                <a:latin typeface="Consolas" panose="020B0609020204030204" pitchFamily="49" charset="0"/>
-              </a:rPr>
-              <a:t>"</a:t>
-            </a:r>
-            <a:endParaRPr lang="ja-JP" altLang="en-US" b="0" dirty="0">
-              <a:solidFill>
-                <a:srgbClr val="ABB2BF"/>
-              </a:solidFill>
-              <a:effectLst/>
-              <a:highlight>
-                <a:srgbClr val="282C34"/>
-              </a:highlight>
-              <a:latin typeface="Consolas" panose="020B0609020204030204" pitchFamily="49" charset="0"/>
-            </a:endParaRPr>
-          </a:p>
-          <a:p>
-            <a:r>
-              <a:rPr lang="ja-JP" altLang="en-US" b="0" dirty="0">
-                <a:solidFill>
-                  <a:srgbClr val="ABB2BF"/>
-                </a:solidFill>
-                <a:effectLst/>
-                <a:highlight>
-                  <a:srgbClr val="282C34"/>
-                </a:highlight>
-                <a:latin typeface="Consolas" panose="020B0609020204030204" pitchFamily="49" charset="0"/>
-              </a:rPr>
-              <a:t>    </a:t>
-            </a:r>
-            <a:r>
-              <a:rPr lang="en-US" altLang="ja-JP" b="0" dirty="0">
-                <a:solidFill>
-                  <a:srgbClr val="ABB2BF"/>
-                </a:solidFill>
-                <a:effectLst/>
-                <a:highlight>
-                  <a:srgbClr val="282C34"/>
-                </a:highlight>
-                <a:latin typeface="Consolas" panose="020B0609020204030204" pitchFamily="49" charset="0"/>
-              </a:rPr>
-              <a:t>},</a:t>
-            </a:r>
-          </a:p>
-          <a:p>
-            <a:r>
-              <a:rPr lang="en-US" altLang="ja-JP" b="0" dirty="0">
-                <a:solidFill>
-                  <a:srgbClr val="ABB2BF"/>
-                </a:solidFill>
-                <a:effectLst/>
-                <a:highlight>
-                  <a:srgbClr val="282C34"/>
-                </a:highlight>
-                <a:latin typeface="Consolas" panose="020B0609020204030204" pitchFamily="49" charset="0"/>
-              </a:rPr>
-              <a:t>    {</a:t>
-            </a:r>
-          </a:p>
-          <a:p>
-            <a:r>
-              <a:rPr lang="en-US" altLang="ja-JP" b="0" dirty="0">
-                <a:solidFill>
-                  <a:srgbClr val="ABB2BF"/>
-                </a:solidFill>
-                <a:effectLst/>
-                <a:highlight>
-                  <a:srgbClr val="282C34"/>
-                </a:highlight>
-                <a:latin typeface="Consolas" panose="020B0609020204030204" pitchFamily="49" charset="0"/>
-              </a:rPr>
-              <a:t>      </a:t>
-            </a:r>
-            <a:r>
-              <a:rPr lang="en-US" altLang="ja-JP" b="0" dirty="0">
-                <a:solidFill>
-                  <a:srgbClr val="C56068"/>
-                </a:solidFill>
-                <a:effectLst/>
-                <a:highlight>
-                  <a:srgbClr val="282C34"/>
-                </a:highlight>
-                <a:latin typeface="Consolas" panose="020B0609020204030204" pitchFamily="49" charset="0"/>
-              </a:rPr>
-              <a:t>"</a:t>
-            </a:r>
-            <a:r>
-              <a:rPr lang="en-GB" altLang="ja-JP" b="0" dirty="0">
-                <a:solidFill>
-                  <a:srgbClr val="C56068"/>
-                </a:solidFill>
-                <a:effectLst/>
-                <a:highlight>
-                  <a:srgbClr val="282C34"/>
-                </a:highlight>
-                <a:latin typeface="Consolas" panose="020B0609020204030204" pitchFamily="49" charset="0"/>
-              </a:rPr>
-              <a:t>symbol"</a:t>
-            </a:r>
-            <a:r>
-              <a:rPr lang="en-GB" altLang="ja-JP" b="0" dirty="0">
-                <a:solidFill>
-                  <a:srgbClr val="ABB2BF"/>
-                </a:solidFill>
-                <a:effectLst/>
-                <a:highlight>
-                  <a:srgbClr val="282C34"/>
-                </a:highlight>
-                <a:latin typeface="Consolas" panose="020B0609020204030204" pitchFamily="49" charset="0"/>
-              </a:rPr>
-              <a:t>: </a:t>
-            </a:r>
-            <a:r>
-              <a:rPr lang="en-GB" altLang="ja-JP" b="0" dirty="0">
-                <a:solidFill>
-                  <a:srgbClr val="D9F5DD"/>
-                </a:solidFill>
-                <a:effectLst/>
-                <a:highlight>
-                  <a:srgbClr val="282C34"/>
-                </a:highlight>
-                <a:latin typeface="Consolas" panose="020B0609020204030204" pitchFamily="49" charset="0"/>
-              </a:rPr>
-              <a:t>"</a:t>
-            </a:r>
-            <a:r>
-              <a:rPr lang="en-GB" altLang="ja-JP" b="0" dirty="0">
-                <a:solidFill>
-                  <a:srgbClr val="C789D6"/>
-                </a:solidFill>
-                <a:effectLst/>
-                <a:highlight>
-                  <a:srgbClr val="282C34"/>
-                </a:highlight>
-                <a:latin typeface="Consolas" panose="020B0609020204030204" pitchFamily="49" charset="0"/>
-              </a:rPr>
-              <a:t>AAL</a:t>
-            </a:r>
-            <a:r>
-              <a:rPr lang="en-GB" altLang="ja-JP" b="0" dirty="0">
-                <a:solidFill>
-                  <a:srgbClr val="D9F5DD"/>
-                </a:solidFill>
-                <a:effectLst/>
-                <a:highlight>
-                  <a:srgbClr val="282C34"/>
-                </a:highlight>
-                <a:latin typeface="Consolas" panose="020B0609020204030204" pitchFamily="49" charset="0"/>
-              </a:rPr>
-              <a:t>"</a:t>
-            </a:r>
-            <a:r>
-              <a:rPr lang="en-GB" altLang="ja-JP" b="0" dirty="0">
-                <a:solidFill>
-                  <a:srgbClr val="ABB2BF"/>
-                </a:solidFill>
-                <a:effectLst/>
-                <a:highlight>
-                  <a:srgbClr val="282C34"/>
-                </a:highlight>
-                <a:latin typeface="Consolas" panose="020B0609020204030204" pitchFamily="49" charset="0"/>
-              </a:rPr>
-              <a:t>,</a:t>
-            </a:r>
-          </a:p>
-          <a:p>
-            <a:r>
-              <a:rPr lang="en-GB" altLang="ja-JP" b="0" dirty="0">
-                <a:solidFill>
-                  <a:srgbClr val="ABB2BF"/>
-                </a:solidFill>
-                <a:effectLst/>
-                <a:highlight>
-                  <a:srgbClr val="282C34"/>
-                </a:highlight>
-                <a:latin typeface="Consolas" panose="020B0609020204030204" pitchFamily="49" charset="0"/>
-              </a:rPr>
-              <a:t>      </a:t>
-            </a:r>
-            <a:r>
-              <a:rPr lang="en-GB" altLang="ja-JP" b="0" dirty="0">
-                <a:solidFill>
-                  <a:srgbClr val="C56068"/>
-                </a:solidFill>
-                <a:effectLst/>
-                <a:highlight>
-                  <a:srgbClr val="282C34"/>
-                </a:highlight>
-                <a:latin typeface="Consolas" panose="020B0609020204030204" pitchFamily="49" charset="0"/>
-              </a:rPr>
-              <a:t>"</a:t>
-            </a:r>
-            <a:r>
-              <a:rPr lang="en-GB" altLang="ja-JP" b="0" dirty="0" err="1">
-                <a:solidFill>
-                  <a:srgbClr val="C56068"/>
-                </a:solidFill>
-                <a:effectLst/>
-                <a:highlight>
-                  <a:srgbClr val="282C34"/>
-                </a:highlight>
-                <a:latin typeface="Consolas" panose="020B0609020204030204" pitchFamily="49" charset="0"/>
-              </a:rPr>
-              <a:t>company_name</a:t>
-            </a:r>
-            <a:r>
-              <a:rPr lang="en-GB" altLang="ja-JP" b="0" dirty="0">
-                <a:solidFill>
-                  <a:srgbClr val="C56068"/>
-                </a:solidFill>
-                <a:effectLst/>
-                <a:highlight>
-                  <a:srgbClr val="282C34"/>
-                </a:highlight>
-                <a:latin typeface="Consolas" panose="020B0609020204030204" pitchFamily="49" charset="0"/>
-              </a:rPr>
-              <a:t>"</a:t>
-            </a:r>
-            <a:r>
-              <a:rPr lang="en-GB" altLang="ja-JP" b="0" dirty="0">
-                <a:solidFill>
-                  <a:srgbClr val="ABB2BF"/>
-                </a:solidFill>
-                <a:effectLst/>
-                <a:highlight>
-                  <a:srgbClr val="282C34"/>
-                </a:highlight>
-                <a:latin typeface="Consolas" panose="020B0609020204030204" pitchFamily="49" charset="0"/>
-              </a:rPr>
-              <a:t>: </a:t>
-            </a:r>
-            <a:r>
-              <a:rPr lang="en-GB" altLang="ja-JP" b="0" dirty="0">
-                <a:solidFill>
-                  <a:srgbClr val="D9F5DD"/>
-                </a:solidFill>
-                <a:effectLst/>
-                <a:highlight>
-                  <a:srgbClr val="282C34"/>
-                </a:highlight>
-                <a:latin typeface="Consolas" panose="020B0609020204030204" pitchFamily="49" charset="0"/>
-              </a:rPr>
-              <a:t>"</a:t>
-            </a:r>
-            <a:r>
-              <a:rPr lang="ja-JP" altLang="en-US" b="0" dirty="0">
-                <a:solidFill>
-                  <a:srgbClr val="C789D6"/>
-                </a:solidFill>
-                <a:effectLst/>
-                <a:highlight>
-                  <a:srgbClr val="282C34"/>
-                </a:highlight>
-                <a:latin typeface="Consolas" panose="020B0609020204030204" pitchFamily="49" charset="0"/>
-              </a:rPr>
-              <a:t>アメリカン・エアラインズ・グループ </a:t>
-            </a:r>
-            <a:r>
-              <a:rPr lang="en-GB" altLang="ja-JP" b="0" dirty="0">
-                <a:solidFill>
-                  <a:srgbClr val="C789D6"/>
-                </a:solidFill>
-                <a:effectLst/>
-                <a:highlight>
-                  <a:srgbClr val="282C34"/>
-                </a:highlight>
-                <a:latin typeface="Consolas" panose="020B0609020204030204" pitchFamily="49" charset="0"/>
-              </a:rPr>
-              <a:t>American Airlines Group Inc.</a:t>
-            </a:r>
-            <a:r>
-              <a:rPr lang="en-GB" altLang="ja-JP" b="0" dirty="0">
-                <a:solidFill>
-                  <a:srgbClr val="D9F5DD"/>
-                </a:solidFill>
-                <a:effectLst/>
-                <a:highlight>
-                  <a:srgbClr val="282C34"/>
-                </a:highlight>
-                <a:latin typeface="Consolas" panose="020B0609020204030204" pitchFamily="49" charset="0"/>
-              </a:rPr>
-              <a:t>"</a:t>
-            </a:r>
-            <a:r>
-              <a:rPr lang="en-GB" altLang="ja-JP" b="0" dirty="0">
-                <a:solidFill>
-                  <a:srgbClr val="ABB2BF"/>
-                </a:solidFill>
-                <a:effectLst/>
-                <a:highlight>
-                  <a:srgbClr val="282C34"/>
-                </a:highlight>
-                <a:latin typeface="Consolas" panose="020B0609020204030204" pitchFamily="49" charset="0"/>
-              </a:rPr>
-              <a:t>,</a:t>
-            </a:r>
-          </a:p>
-          <a:p>
-            <a:r>
-              <a:rPr lang="en-GB" altLang="ja-JP" b="0" dirty="0">
-                <a:solidFill>
-                  <a:srgbClr val="ABB2BF"/>
-                </a:solidFill>
-                <a:effectLst/>
-                <a:highlight>
-                  <a:srgbClr val="282C34"/>
-                </a:highlight>
-                <a:latin typeface="Consolas" panose="020B0609020204030204" pitchFamily="49" charset="0"/>
-              </a:rPr>
-              <a:t>      </a:t>
-            </a:r>
-            <a:r>
-              <a:rPr lang="en-GB" altLang="ja-JP" b="0" dirty="0">
-                <a:solidFill>
-                  <a:srgbClr val="C56068"/>
-                </a:solidFill>
-                <a:effectLst/>
-                <a:highlight>
-                  <a:srgbClr val="282C34"/>
-                </a:highlight>
-                <a:latin typeface="Consolas" panose="020B0609020204030204" pitchFamily="49" charset="0"/>
-              </a:rPr>
-              <a:t>"description"</a:t>
-            </a:r>
-            <a:r>
-              <a:rPr lang="en-GB" altLang="ja-JP" b="0" dirty="0">
-                <a:solidFill>
-                  <a:srgbClr val="ABB2BF"/>
-                </a:solidFill>
-                <a:effectLst/>
-                <a:highlight>
-                  <a:srgbClr val="282C34"/>
-                </a:highlight>
-                <a:latin typeface="Consolas" panose="020B0609020204030204" pitchFamily="49" charset="0"/>
-              </a:rPr>
-              <a:t>: </a:t>
-            </a:r>
-            <a:r>
-              <a:rPr lang="en-GB" altLang="ja-JP" b="0" dirty="0">
-                <a:solidFill>
-                  <a:srgbClr val="D9F5DD"/>
-                </a:solidFill>
-                <a:effectLst/>
-                <a:highlight>
-                  <a:srgbClr val="282C34"/>
-                </a:highlight>
-                <a:latin typeface="Consolas" panose="020B0609020204030204" pitchFamily="49" charset="0"/>
-              </a:rPr>
-              <a:t>"</a:t>
-            </a:r>
-            <a:r>
-              <a:rPr lang="ja-JP" altLang="en-US" b="0" dirty="0">
-                <a:solidFill>
-                  <a:srgbClr val="C789D6"/>
-                </a:solidFill>
-                <a:effectLst/>
-                <a:highlight>
-                  <a:srgbClr val="282C34"/>
-                </a:highlight>
-                <a:latin typeface="Consolas" panose="020B0609020204030204" pitchFamily="49" charset="0"/>
-              </a:rPr>
-              <a:t>航空会社</a:t>
-            </a:r>
-            <a:r>
-              <a:rPr lang="en-US" altLang="ja-JP" b="0" dirty="0">
-                <a:solidFill>
-                  <a:srgbClr val="D9F5DD"/>
-                </a:solidFill>
-                <a:effectLst/>
-                <a:highlight>
-                  <a:srgbClr val="282C34"/>
-                </a:highlight>
-                <a:latin typeface="Consolas" panose="020B0609020204030204" pitchFamily="49" charset="0"/>
-              </a:rPr>
-              <a:t>"</a:t>
-            </a:r>
-            <a:endParaRPr lang="ja-JP" altLang="en-US" b="0" dirty="0">
-              <a:solidFill>
-                <a:srgbClr val="ABB2BF"/>
-              </a:solidFill>
-              <a:effectLst/>
-              <a:highlight>
-                <a:srgbClr val="282C34"/>
-              </a:highlight>
-              <a:latin typeface="Consolas" panose="020B0609020204030204" pitchFamily="49" charset="0"/>
-            </a:endParaRPr>
-          </a:p>
-          <a:p>
-            <a:r>
-              <a:rPr lang="ja-JP" altLang="en-US" b="0" dirty="0">
-                <a:solidFill>
-                  <a:srgbClr val="ABB2BF"/>
-                </a:solidFill>
-                <a:effectLst/>
-                <a:highlight>
-                  <a:srgbClr val="282C34"/>
-                </a:highlight>
-                <a:latin typeface="Consolas" panose="020B0609020204030204" pitchFamily="49" charset="0"/>
-              </a:rPr>
-              <a:t>    </a:t>
-            </a:r>
-            <a:r>
-              <a:rPr lang="en-US" altLang="ja-JP" b="0" dirty="0">
-                <a:solidFill>
-                  <a:srgbClr val="ABB2BF"/>
-                </a:solidFill>
-                <a:effectLst/>
-                <a:highlight>
-                  <a:srgbClr val="282C34"/>
-                </a:highlight>
-                <a:latin typeface="Consolas" panose="020B0609020204030204" pitchFamily="49" charset="0"/>
-              </a:rPr>
-              <a:t>},</a:t>
-            </a:r>
-          </a:p>
-          <a:p>
-            <a:pPr marL="0" marR="0" lvl="0" indent="0" algn="l" defTabSz="914400" rtl="0" eaLnBrk="1" fontAlgn="auto" latinLnBrk="0" hangingPunct="1">
-              <a:lnSpc>
-                <a:spcPct val="100000"/>
-              </a:lnSpc>
-              <a:spcBef>
-                <a:spcPts val="0"/>
-              </a:spcBef>
-              <a:spcAft>
-                <a:spcPts val="0"/>
-              </a:spcAft>
-              <a:buClrTx/>
-              <a:buSzTx/>
-              <a:buFontTx/>
-              <a:buNone/>
-              <a:tabLst/>
-              <a:defRPr/>
-            </a:pPr>
-            <a:endParaRPr kumimoji="1" lang="en-US" altLang="ja-JP" sz="1200" dirty="0">
-              <a:latin typeface="BIZ UDPゴシック" panose="020B0400000000000000" pitchFamily="50" charset="-128"/>
-              <a:ea typeface="BIZ UDPゴシック" panose="020B0400000000000000" pitchFamily="50" charset="-128"/>
-            </a:endParaRPr>
-          </a:p>
-          <a:p>
-            <a:r>
-              <a:rPr lang="en-GB" altLang="ja-JP" b="0" dirty="0">
-                <a:solidFill>
-                  <a:srgbClr val="ABB2BF"/>
-                </a:solidFill>
-                <a:effectLst/>
-                <a:highlight>
-                  <a:srgbClr val="282C34"/>
-                </a:highlight>
-                <a:latin typeface="Consolas" panose="020B0609020204030204" pitchFamily="49" charset="0"/>
-              </a:rPr>
-              <a:t>      </a:t>
-            </a:r>
-            <a:r>
-              <a:rPr lang="en-GB" altLang="ja-JP" b="0" dirty="0">
-                <a:solidFill>
-                  <a:srgbClr val="C56068"/>
-                </a:solidFill>
-                <a:effectLst/>
-                <a:highlight>
-                  <a:srgbClr val="282C34"/>
-                </a:highlight>
-                <a:latin typeface="Consolas" panose="020B0609020204030204" pitchFamily="49" charset="0"/>
-              </a:rPr>
-              <a:t>"symbol"</a:t>
-            </a:r>
-            <a:r>
-              <a:rPr lang="en-GB" altLang="ja-JP" b="0" dirty="0">
-                <a:solidFill>
-                  <a:srgbClr val="ABB2BF"/>
-                </a:solidFill>
-                <a:effectLst/>
-                <a:highlight>
-                  <a:srgbClr val="282C34"/>
-                </a:highlight>
-                <a:latin typeface="Consolas" panose="020B0609020204030204" pitchFamily="49" charset="0"/>
-              </a:rPr>
-              <a:t>: </a:t>
-            </a:r>
-            <a:r>
-              <a:rPr lang="en-GB" altLang="ja-JP" b="0" dirty="0">
-                <a:solidFill>
-                  <a:srgbClr val="D9F5DD"/>
-                </a:solidFill>
-                <a:effectLst/>
-                <a:highlight>
-                  <a:srgbClr val="282C34"/>
-                </a:highlight>
-                <a:latin typeface="Consolas" panose="020B0609020204030204" pitchFamily="49" charset="0"/>
-              </a:rPr>
-              <a:t>"</a:t>
-            </a:r>
-            <a:r>
-              <a:rPr lang="en-GB" altLang="ja-JP" b="0" dirty="0">
-                <a:solidFill>
-                  <a:srgbClr val="C789D6"/>
-                </a:solidFill>
-                <a:effectLst/>
-                <a:highlight>
-                  <a:srgbClr val="282C34"/>
-                </a:highlight>
-                <a:latin typeface="Consolas" panose="020B0609020204030204" pitchFamily="49" charset="0"/>
-              </a:rPr>
-              <a:t>ZBRA</a:t>
-            </a:r>
-            <a:r>
-              <a:rPr lang="en-GB" altLang="ja-JP" b="0" dirty="0">
-                <a:solidFill>
-                  <a:srgbClr val="D9F5DD"/>
-                </a:solidFill>
-                <a:effectLst/>
-                <a:highlight>
-                  <a:srgbClr val="282C34"/>
-                </a:highlight>
-                <a:latin typeface="Consolas" panose="020B0609020204030204" pitchFamily="49" charset="0"/>
-              </a:rPr>
-              <a:t>"</a:t>
-            </a:r>
-            <a:r>
-              <a:rPr lang="en-GB" altLang="ja-JP" b="0" dirty="0">
-                <a:solidFill>
-                  <a:srgbClr val="ABB2BF"/>
-                </a:solidFill>
-                <a:effectLst/>
-                <a:highlight>
-                  <a:srgbClr val="282C34"/>
-                </a:highlight>
-                <a:latin typeface="Consolas" panose="020B0609020204030204" pitchFamily="49" charset="0"/>
-              </a:rPr>
-              <a:t>,</a:t>
-            </a:r>
-          </a:p>
-          <a:p>
-            <a:r>
-              <a:rPr lang="en-GB" altLang="ja-JP" b="0" dirty="0">
-                <a:solidFill>
-                  <a:srgbClr val="ABB2BF"/>
-                </a:solidFill>
-                <a:effectLst/>
-                <a:highlight>
-                  <a:srgbClr val="282C34"/>
-                </a:highlight>
-                <a:latin typeface="Consolas" panose="020B0609020204030204" pitchFamily="49" charset="0"/>
-              </a:rPr>
-              <a:t>      </a:t>
-            </a:r>
-            <a:r>
-              <a:rPr lang="en-GB" altLang="ja-JP" b="0" dirty="0">
-                <a:solidFill>
-                  <a:srgbClr val="C56068"/>
-                </a:solidFill>
-                <a:effectLst/>
-                <a:highlight>
-                  <a:srgbClr val="282C34"/>
-                </a:highlight>
-                <a:latin typeface="Consolas" panose="020B0609020204030204" pitchFamily="49" charset="0"/>
-              </a:rPr>
-              <a:t>"</a:t>
-            </a:r>
-            <a:r>
-              <a:rPr lang="en-GB" altLang="ja-JP" b="0" dirty="0" err="1">
-                <a:solidFill>
-                  <a:srgbClr val="C56068"/>
-                </a:solidFill>
-                <a:effectLst/>
-                <a:highlight>
-                  <a:srgbClr val="282C34"/>
-                </a:highlight>
-                <a:latin typeface="Consolas" panose="020B0609020204030204" pitchFamily="49" charset="0"/>
-              </a:rPr>
-              <a:t>company_name</a:t>
-            </a:r>
-            <a:r>
-              <a:rPr lang="en-GB" altLang="ja-JP" b="0" dirty="0">
-                <a:solidFill>
-                  <a:srgbClr val="C56068"/>
-                </a:solidFill>
-                <a:effectLst/>
-                <a:highlight>
-                  <a:srgbClr val="282C34"/>
-                </a:highlight>
-                <a:latin typeface="Consolas" panose="020B0609020204030204" pitchFamily="49" charset="0"/>
-              </a:rPr>
-              <a:t>"</a:t>
-            </a:r>
-            <a:r>
-              <a:rPr lang="en-GB" altLang="ja-JP" b="0" dirty="0">
-                <a:solidFill>
-                  <a:srgbClr val="ABB2BF"/>
-                </a:solidFill>
-                <a:effectLst/>
-                <a:highlight>
-                  <a:srgbClr val="282C34"/>
-                </a:highlight>
-                <a:latin typeface="Consolas" panose="020B0609020204030204" pitchFamily="49" charset="0"/>
-              </a:rPr>
-              <a:t>: </a:t>
-            </a:r>
-            <a:r>
-              <a:rPr lang="en-GB" altLang="ja-JP" b="0" dirty="0">
-                <a:solidFill>
-                  <a:srgbClr val="D9F5DD"/>
-                </a:solidFill>
-                <a:effectLst/>
-                <a:highlight>
-                  <a:srgbClr val="282C34"/>
-                </a:highlight>
-                <a:latin typeface="Consolas" panose="020B0609020204030204" pitchFamily="49" charset="0"/>
-              </a:rPr>
-              <a:t>"</a:t>
-            </a:r>
-            <a:r>
-              <a:rPr lang="ja-JP" altLang="en-US" b="0" dirty="0">
-                <a:solidFill>
-                  <a:srgbClr val="C789D6"/>
-                </a:solidFill>
-                <a:effectLst/>
-                <a:highlight>
-                  <a:srgbClr val="282C34"/>
-                </a:highlight>
-                <a:latin typeface="Consolas" panose="020B0609020204030204" pitchFamily="49" charset="0"/>
-              </a:rPr>
-              <a:t>ゼブラ・テクノロジーズ </a:t>
-            </a:r>
-            <a:r>
-              <a:rPr lang="en-GB" altLang="ja-JP" b="0" dirty="0">
-                <a:solidFill>
-                  <a:srgbClr val="C789D6"/>
-                </a:solidFill>
-                <a:effectLst/>
-                <a:highlight>
-                  <a:srgbClr val="282C34"/>
-                </a:highlight>
-                <a:latin typeface="Consolas" panose="020B0609020204030204" pitchFamily="49" charset="0"/>
-              </a:rPr>
-              <a:t>Zebra Technologies Corporation</a:t>
-            </a:r>
-            <a:r>
-              <a:rPr lang="en-GB" altLang="ja-JP" b="0" dirty="0">
-                <a:solidFill>
-                  <a:srgbClr val="D9F5DD"/>
-                </a:solidFill>
-                <a:effectLst/>
-                <a:highlight>
-                  <a:srgbClr val="282C34"/>
-                </a:highlight>
-                <a:latin typeface="Consolas" panose="020B0609020204030204" pitchFamily="49" charset="0"/>
-              </a:rPr>
-              <a:t>"</a:t>
-            </a:r>
-            <a:r>
-              <a:rPr lang="en-GB" altLang="ja-JP" b="0" dirty="0">
-                <a:solidFill>
-                  <a:srgbClr val="ABB2BF"/>
-                </a:solidFill>
-                <a:effectLst/>
-                <a:highlight>
-                  <a:srgbClr val="282C34"/>
-                </a:highlight>
-                <a:latin typeface="Consolas" panose="020B0609020204030204" pitchFamily="49" charset="0"/>
-              </a:rPr>
-              <a:t>,</a:t>
-            </a:r>
-          </a:p>
-          <a:p>
-            <a:r>
-              <a:rPr lang="en-GB" altLang="ja-JP" b="0" dirty="0">
-                <a:solidFill>
-                  <a:srgbClr val="ABB2BF"/>
-                </a:solidFill>
-                <a:effectLst/>
-                <a:highlight>
-                  <a:srgbClr val="282C34"/>
-                </a:highlight>
-                <a:latin typeface="Consolas" panose="020B0609020204030204" pitchFamily="49" charset="0"/>
-              </a:rPr>
-              <a:t>      </a:t>
-            </a:r>
-            <a:r>
-              <a:rPr lang="en-GB" altLang="ja-JP" b="0" dirty="0">
-                <a:solidFill>
-                  <a:srgbClr val="C56068"/>
-                </a:solidFill>
-                <a:effectLst/>
-                <a:highlight>
-                  <a:srgbClr val="282C34"/>
-                </a:highlight>
-                <a:latin typeface="Consolas" panose="020B0609020204030204" pitchFamily="49" charset="0"/>
-              </a:rPr>
-              <a:t>"description"</a:t>
-            </a:r>
-            <a:r>
-              <a:rPr lang="en-GB" altLang="ja-JP" b="0" dirty="0">
-                <a:solidFill>
-                  <a:srgbClr val="ABB2BF"/>
-                </a:solidFill>
-                <a:effectLst/>
-                <a:highlight>
-                  <a:srgbClr val="282C34"/>
-                </a:highlight>
-                <a:latin typeface="Consolas" panose="020B0609020204030204" pitchFamily="49" charset="0"/>
-              </a:rPr>
-              <a:t>: </a:t>
-            </a:r>
-            <a:r>
-              <a:rPr lang="en-GB" altLang="ja-JP" b="0" dirty="0">
-                <a:solidFill>
-                  <a:srgbClr val="D9F5DD"/>
-                </a:solidFill>
-                <a:effectLst/>
-                <a:highlight>
-                  <a:srgbClr val="282C34"/>
-                </a:highlight>
-                <a:latin typeface="Consolas" panose="020B0609020204030204" pitchFamily="49" charset="0"/>
-              </a:rPr>
-              <a:t>"</a:t>
-            </a:r>
-            <a:r>
-              <a:rPr lang="ja-JP" altLang="en-US" b="0" dirty="0">
-                <a:solidFill>
-                  <a:srgbClr val="C789D6"/>
-                </a:solidFill>
-                <a:effectLst/>
-                <a:highlight>
-                  <a:srgbClr val="282C34"/>
-                </a:highlight>
-                <a:latin typeface="Consolas" panose="020B0609020204030204" pitchFamily="49" charset="0"/>
-              </a:rPr>
-              <a:t>自動識別 </a:t>
-            </a:r>
-            <a:r>
-              <a:rPr lang="en-GB" altLang="ja-JP" b="0" dirty="0">
-                <a:solidFill>
-                  <a:srgbClr val="C789D6"/>
-                </a:solidFill>
-                <a:effectLst/>
-                <a:highlight>
-                  <a:srgbClr val="282C34"/>
-                </a:highlight>
-                <a:latin typeface="Consolas" panose="020B0609020204030204" pitchFamily="49" charset="0"/>
-              </a:rPr>
-              <a:t>AIDC</a:t>
-            </a:r>
-            <a:r>
-              <a:rPr lang="ja-JP" altLang="en-US" b="0" dirty="0">
-                <a:solidFill>
-                  <a:srgbClr val="C789D6"/>
-                </a:solidFill>
-                <a:effectLst/>
-                <a:highlight>
-                  <a:srgbClr val="282C34"/>
-                </a:highlight>
-                <a:latin typeface="Consolas" panose="020B0609020204030204" pitchFamily="49" charset="0"/>
-              </a:rPr>
-              <a:t>製品</a:t>
-            </a:r>
-            <a:r>
-              <a:rPr lang="en-US" altLang="ja-JP" b="0" dirty="0">
-                <a:solidFill>
-                  <a:srgbClr val="D9F5DD"/>
-                </a:solidFill>
-                <a:effectLst/>
-                <a:highlight>
-                  <a:srgbClr val="282C34"/>
-                </a:highlight>
-                <a:latin typeface="Consolas" panose="020B0609020204030204" pitchFamily="49" charset="0"/>
-              </a:rPr>
-              <a:t>"</a:t>
-            </a:r>
-            <a:endParaRPr lang="ja-JP" altLang="en-US" b="0" dirty="0">
-              <a:solidFill>
-                <a:srgbClr val="ABB2BF"/>
-              </a:solidFill>
-              <a:effectLst/>
-              <a:highlight>
-                <a:srgbClr val="282C34"/>
-              </a:highlight>
-              <a:latin typeface="Consolas" panose="020B0609020204030204" pitchFamily="49" charset="0"/>
-            </a:endParaRPr>
-          </a:p>
-          <a:p>
-            <a:r>
-              <a:rPr lang="ja-JP" altLang="en-US" b="0" dirty="0">
-                <a:solidFill>
-                  <a:srgbClr val="ABB2BF"/>
-                </a:solidFill>
-                <a:effectLst/>
-                <a:highlight>
-                  <a:srgbClr val="282C34"/>
-                </a:highlight>
-                <a:latin typeface="Consolas" panose="020B0609020204030204" pitchFamily="49" charset="0"/>
-              </a:rPr>
-              <a:t>    </a:t>
-            </a:r>
-            <a:r>
-              <a:rPr lang="en-US" altLang="ja-JP" b="0" dirty="0">
-                <a:solidFill>
-                  <a:srgbClr val="ABB2BF"/>
-                </a:solidFill>
-                <a:effectLst/>
-                <a:highlight>
-                  <a:srgbClr val="282C34"/>
-                </a:highlight>
-                <a:latin typeface="Consolas" panose="020B0609020204030204" pitchFamily="49" charset="0"/>
-              </a:rPr>
-              <a:t>},</a:t>
-            </a:r>
-          </a:p>
-          <a:p>
-            <a:r>
-              <a:rPr lang="en-US" altLang="ja-JP" b="0" dirty="0">
-                <a:solidFill>
-                  <a:srgbClr val="ABB2BF"/>
-                </a:solidFill>
-                <a:effectLst/>
-                <a:highlight>
-                  <a:srgbClr val="282C34"/>
-                </a:highlight>
-                <a:latin typeface="Consolas" panose="020B0609020204030204" pitchFamily="49" charset="0"/>
-              </a:rPr>
-              <a:t>    {</a:t>
-            </a:r>
-          </a:p>
-          <a:p>
-            <a:r>
-              <a:rPr lang="en-US" altLang="ja-JP" b="0" dirty="0">
-                <a:solidFill>
-                  <a:srgbClr val="ABB2BF"/>
-                </a:solidFill>
-                <a:effectLst/>
-                <a:highlight>
-                  <a:srgbClr val="282C34"/>
-                </a:highlight>
-                <a:latin typeface="Consolas" panose="020B0609020204030204" pitchFamily="49" charset="0"/>
-              </a:rPr>
-              <a:t>      </a:t>
-            </a:r>
-            <a:r>
-              <a:rPr lang="en-US" altLang="ja-JP" b="0" dirty="0">
-                <a:solidFill>
-                  <a:srgbClr val="C56068"/>
-                </a:solidFill>
-                <a:effectLst/>
-                <a:highlight>
-                  <a:srgbClr val="282C34"/>
-                </a:highlight>
-                <a:latin typeface="Consolas" panose="020B0609020204030204" pitchFamily="49" charset="0"/>
-              </a:rPr>
-              <a:t>"</a:t>
-            </a:r>
-            <a:r>
-              <a:rPr lang="en-GB" altLang="ja-JP" b="0" dirty="0">
-                <a:solidFill>
-                  <a:srgbClr val="C56068"/>
-                </a:solidFill>
-                <a:effectLst/>
-                <a:highlight>
-                  <a:srgbClr val="282C34"/>
-                </a:highlight>
-                <a:latin typeface="Consolas" panose="020B0609020204030204" pitchFamily="49" charset="0"/>
-              </a:rPr>
-              <a:t>symbol"</a:t>
-            </a:r>
-            <a:r>
-              <a:rPr lang="en-GB" altLang="ja-JP" b="0" dirty="0">
-                <a:solidFill>
-                  <a:srgbClr val="ABB2BF"/>
-                </a:solidFill>
-                <a:effectLst/>
-                <a:highlight>
-                  <a:srgbClr val="282C34"/>
-                </a:highlight>
-                <a:latin typeface="Consolas" panose="020B0609020204030204" pitchFamily="49" charset="0"/>
-              </a:rPr>
-              <a:t>: </a:t>
-            </a:r>
-            <a:r>
-              <a:rPr lang="en-GB" altLang="ja-JP" b="0" dirty="0">
-                <a:solidFill>
-                  <a:srgbClr val="D9F5DD"/>
-                </a:solidFill>
-                <a:effectLst/>
-                <a:highlight>
-                  <a:srgbClr val="282C34"/>
-                </a:highlight>
-                <a:latin typeface="Consolas" panose="020B0609020204030204" pitchFamily="49" charset="0"/>
-              </a:rPr>
-              <a:t>"</a:t>
-            </a:r>
-            <a:r>
-              <a:rPr lang="en-GB" altLang="ja-JP" b="0" dirty="0">
-                <a:solidFill>
-                  <a:srgbClr val="C789D6"/>
-                </a:solidFill>
-                <a:effectLst/>
-                <a:highlight>
-                  <a:srgbClr val="282C34"/>
-                </a:highlight>
-                <a:latin typeface="Consolas" panose="020B0609020204030204" pitchFamily="49" charset="0"/>
-              </a:rPr>
-              <a:t>ZTS</a:t>
-            </a:r>
-            <a:r>
-              <a:rPr lang="en-GB" altLang="ja-JP" b="0" dirty="0">
-                <a:solidFill>
-                  <a:srgbClr val="D9F5DD"/>
-                </a:solidFill>
-                <a:effectLst/>
-                <a:highlight>
-                  <a:srgbClr val="282C34"/>
-                </a:highlight>
-                <a:latin typeface="Consolas" panose="020B0609020204030204" pitchFamily="49" charset="0"/>
-              </a:rPr>
-              <a:t>"</a:t>
-            </a:r>
-            <a:r>
-              <a:rPr lang="en-GB" altLang="ja-JP" b="0" dirty="0">
-                <a:solidFill>
-                  <a:srgbClr val="ABB2BF"/>
-                </a:solidFill>
-                <a:effectLst/>
-                <a:highlight>
-                  <a:srgbClr val="282C34"/>
-                </a:highlight>
-                <a:latin typeface="Consolas" panose="020B0609020204030204" pitchFamily="49" charset="0"/>
-              </a:rPr>
-              <a:t>,</a:t>
-            </a:r>
-          </a:p>
-          <a:p>
-            <a:r>
-              <a:rPr lang="en-GB" altLang="ja-JP" b="0" dirty="0">
-                <a:solidFill>
-                  <a:srgbClr val="ABB2BF"/>
-                </a:solidFill>
-                <a:effectLst/>
-                <a:highlight>
-                  <a:srgbClr val="282C34"/>
-                </a:highlight>
-                <a:latin typeface="Consolas" panose="020B0609020204030204" pitchFamily="49" charset="0"/>
-              </a:rPr>
-              <a:t>      </a:t>
-            </a:r>
-            <a:r>
-              <a:rPr lang="en-GB" altLang="ja-JP" b="0" dirty="0">
-                <a:solidFill>
-                  <a:srgbClr val="C56068"/>
-                </a:solidFill>
-                <a:effectLst/>
-                <a:highlight>
-                  <a:srgbClr val="282C34"/>
-                </a:highlight>
-                <a:latin typeface="Consolas" panose="020B0609020204030204" pitchFamily="49" charset="0"/>
-              </a:rPr>
-              <a:t>"</a:t>
-            </a:r>
-            <a:r>
-              <a:rPr lang="en-GB" altLang="ja-JP" b="0" dirty="0" err="1">
-                <a:solidFill>
-                  <a:srgbClr val="C56068"/>
-                </a:solidFill>
-                <a:effectLst/>
-                <a:highlight>
-                  <a:srgbClr val="282C34"/>
-                </a:highlight>
-                <a:latin typeface="Consolas" panose="020B0609020204030204" pitchFamily="49" charset="0"/>
-              </a:rPr>
-              <a:t>company_name</a:t>
-            </a:r>
-            <a:r>
-              <a:rPr lang="en-GB" altLang="ja-JP" b="0" dirty="0">
-                <a:solidFill>
-                  <a:srgbClr val="C56068"/>
-                </a:solidFill>
-                <a:effectLst/>
-                <a:highlight>
-                  <a:srgbClr val="282C34"/>
-                </a:highlight>
-                <a:latin typeface="Consolas" panose="020B0609020204030204" pitchFamily="49" charset="0"/>
-              </a:rPr>
-              <a:t>"</a:t>
-            </a:r>
-            <a:r>
-              <a:rPr lang="en-GB" altLang="ja-JP" b="0" dirty="0">
-                <a:solidFill>
-                  <a:srgbClr val="ABB2BF"/>
-                </a:solidFill>
-                <a:effectLst/>
-                <a:highlight>
-                  <a:srgbClr val="282C34"/>
-                </a:highlight>
-                <a:latin typeface="Consolas" panose="020B0609020204030204" pitchFamily="49" charset="0"/>
-              </a:rPr>
-              <a:t>: </a:t>
-            </a:r>
-            <a:r>
-              <a:rPr lang="en-GB" altLang="ja-JP" b="0" dirty="0">
-                <a:solidFill>
-                  <a:srgbClr val="D9F5DD"/>
-                </a:solidFill>
-                <a:effectLst/>
-                <a:highlight>
-                  <a:srgbClr val="282C34"/>
-                </a:highlight>
-                <a:latin typeface="Consolas" panose="020B0609020204030204" pitchFamily="49" charset="0"/>
-              </a:rPr>
-              <a:t>"</a:t>
-            </a:r>
-            <a:r>
-              <a:rPr lang="ja-JP" altLang="en-US" b="0" dirty="0">
-                <a:solidFill>
-                  <a:srgbClr val="C789D6"/>
-                </a:solidFill>
-                <a:effectLst/>
-                <a:highlight>
-                  <a:srgbClr val="282C34"/>
-                </a:highlight>
-                <a:latin typeface="Consolas" panose="020B0609020204030204" pitchFamily="49" charset="0"/>
-              </a:rPr>
-              <a:t>ゾエティス </a:t>
-            </a:r>
-            <a:r>
-              <a:rPr lang="en-GB" altLang="ja-JP" b="0" dirty="0">
-                <a:solidFill>
-                  <a:srgbClr val="C789D6"/>
-                </a:solidFill>
-                <a:effectLst/>
-                <a:highlight>
-                  <a:srgbClr val="282C34"/>
-                </a:highlight>
-                <a:latin typeface="Consolas" panose="020B0609020204030204" pitchFamily="49" charset="0"/>
-              </a:rPr>
-              <a:t>Zoetis Inc.</a:t>
-            </a:r>
-            <a:r>
-              <a:rPr lang="en-GB" altLang="ja-JP" b="0" dirty="0">
-                <a:solidFill>
-                  <a:srgbClr val="D9F5DD"/>
-                </a:solidFill>
-                <a:effectLst/>
-                <a:highlight>
-                  <a:srgbClr val="282C34"/>
-                </a:highlight>
-                <a:latin typeface="Consolas" panose="020B0609020204030204" pitchFamily="49" charset="0"/>
-              </a:rPr>
-              <a:t>"</a:t>
-            </a:r>
-            <a:r>
-              <a:rPr lang="en-GB" altLang="ja-JP" b="0" dirty="0">
-                <a:solidFill>
-                  <a:srgbClr val="ABB2BF"/>
-                </a:solidFill>
-                <a:effectLst/>
-                <a:highlight>
-                  <a:srgbClr val="282C34"/>
-                </a:highlight>
-                <a:latin typeface="Consolas" panose="020B0609020204030204" pitchFamily="49" charset="0"/>
-              </a:rPr>
-              <a:t>,</a:t>
-            </a:r>
-          </a:p>
-          <a:p>
-            <a:r>
-              <a:rPr lang="en-GB" altLang="ja-JP" b="0" dirty="0">
-                <a:solidFill>
-                  <a:srgbClr val="ABB2BF"/>
-                </a:solidFill>
-                <a:effectLst/>
-                <a:highlight>
-                  <a:srgbClr val="282C34"/>
-                </a:highlight>
-                <a:latin typeface="Consolas" panose="020B0609020204030204" pitchFamily="49" charset="0"/>
-              </a:rPr>
-              <a:t>      </a:t>
-            </a:r>
-            <a:r>
-              <a:rPr lang="en-GB" altLang="ja-JP" b="0" dirty="0">
-                <a:solidFill>
-                  <a:srgbClr val="C56068"/>
-                </a:solidFill>
-                <a:effectLst/>
-                <a:highlight>
-                  <a:srgbClr val="282C34"/>
-                </a:highlight>
-                <a:latin typeface="Consolas" panose="020B0609020204030204" pitchFamily="49" charset="0"/>
-              </a:rPr>
-              <a:t>"description"</a:t>
-            </a:r>
-            <a:r>
-              <a:rPr lang="en-GB" altLang="ja-JP" b="0" dirty="0">
-                <a:solidFill>
-                  <a:srgbClr val="ABB2BF"/>
-                </a:solidFill>
-                <a:effectLst/>
-                <a:highlight>
-                  <a:srgbClr val="282C34"/>
-                </a:highlight>
-                <a:latin typeface="Consolas" panose="020B0609020204030204" pitchFamily="49" charset="0"/>
-              </a:rPr>
-              <a:t>: </a:t>
-            </a:r>
-            <a:r>
-              <a:rPr lang="en-GB" altLang="ja-JP" b="0" dirty="0">
-                <a:solidFill>
-                  <a:srgbClr val="D9F5DD"/>
-                </a:solidFill>
-                <a:effectLst/>
-                <a:highlight>
-                  <a:srgbClr val="282C34"/>
-                </a:highlight>
-                <a:latin typeface="Consolas" panose="020B0609020204030204" pitchFamily="49" charset="0"/>
-              </a:rPr>
-              <a:t>"</a:t>
-            </a:r>
-            <a:r>
-              <a:rPr lang="ja-JP" altLang="en-US" b="0" dirty="0">
-                <a:solidFill>
-                  <a:srgbClr val="C789D6"/>
-                </a:solidFill>
-                <a:effectLst/>
-                <a:highlight>
-                  <a:srgbClr val="282C34"/>
-                </a:highlight>
-                <a:latin typeface="Consolas" panose="020B0609020204030204" pitchFamily="49" charset="0"/>
-              </a:rPr>
-              <a:t>ペット・家畜用 医薬品・ワクチン</a:t>
-            </a:r>
-            <a:r>
-              <a:rPr lang="en-US" altLang="ja-JP" b="0" dirty="0">
-                <a:solidFill>
-                  <a:srgbClr val="D9F5DD"/>
-                </a:solidFill>
-                <a:effectLst/>
-                <a:highlight>
-                  <a:srgbClr val="282C34"/>
-                </a:highlight>
-                <a:latin typeface="Consolas" panose="020B0609020204030204" pitchFamily="49" charset="0"/>
-              </a:rPr>
-              <a:t>"</a:t>
-            </a:r>
-            <a:endParaRPr lang="ja-JP" altLang="en-US" b="0" dirty="0">
-              <a:solidFill>
-                <a:srgbClr val="ABB2BF"/>
-              </a:solidFill>
-              <a:effectLst/>
-              <a:highlight>
-                <a:srgbClr val="282C34"/>
-              </a:highlight>
-              <a:latin typeface="Consolas" panose="020B0609020204030204" pitchFamily="49" charset="0"/>
-            </a:endParaRPr>
-          </a:p>
-          <a:p>
-            <a:r>
-              <a:rPr lang="ja-JP" altLang="en-US" b="0" dirty="0">
-                <a:solidFill>
-                  <a:srgbClr val="ABB2BF"/>
-                </a:solidFill>
-                <a:effectLst/>
-                <a:highlight>
-                  <a:srgbClr val="282C34"/>
-                </a:highlight>
-                <a:latin typeface="Consolas" panose="020B0609020204030204" pitchFamily="49" charset="0"/>
-              </a:rPr>
-              <a:t>    </a:t>
-            </a:r>
-            <a:r>
-              <a:rPr lang="en-US" altLang="ja-JP" b="0" dirty="0">
-                <a:solidFill>
-                  <a:srgbClr val="ABB2BF"/>
-                </a:solidFill>
-                <a:effectLst/>
-                <a:highlight>
-                  <a:srgbClr val="282C34"/>
-                </a:highlight>
-                <a:latin typeface="Consolas" panose="020B0609020204030204" pitchFamily="49" charset="0"/>
-              </a:rPr>
-              <a:t>}</a:t>
-            </a:r>
-          </a:p>
-          <a:p>
-            <a:pPr marL="0" marR="0" lvl="0" indent="0" algn="l" defTabSz="914400" rtl="0" eaLnBrk="1" fontAlgn="auto" latinLnBrk="0" hangingPunct="1">
-              <a:lnSpc>
-                <a:spcPct val="100000"/>
-              </a:lnSpc>
-              <a:spcBef>
-                <a:spcPts val="0"/>
-              </a:spcBef>
-              <a:spcAft>
-                <a:spcPts val="0"/>
-              </a:spcAft>
-              <a:buClrTx/>
-              <a:buSzTx/>
-              <a:buFontTx/>
-              <a:buNone/>
-              <a:tabLst/>
-              <a:defRPr/>
-            </a:pPr>
-            <a:endParaRPr kumimoji="1" lang="ja-JP" altLang="en-US" sz="1200" dirty="0">
-              <a:latin typeface="BIZ UDPゴシック" panose="020B0400000000000000" pitchFamily="50" charset="-128"/>
-              <a:ea typeface="BIZ UDPゴシック" panose="020B0400000000000000" pitchFamily="50" charset="-128"/>
-            </a:endParaRPr>
-          </a:p>
-          <a:p>
-            <a:endParaRPr kumimoji="1" lang="ja-JP" altLang="en-US" dirty="0"/>
+            <a:r>
+              <a:rPr kumimoji="1" lang="en-US" altLang="ja-JP" dirty="0"/>
+              <a:t>S&amp;P500</a:t>
+            </a:r>
+            <a:r>
+              <a:rPr kumimoji="1" lang="ja-JP" altLang="en-US" dirty="0"/>
+              <a:t>はアメリカの上場企業のなかから選出された代表的な</a:t>
+            </a:r>
+            <a:r>
+              <a:rPr kumimoji="1" lang="en-US" altLang="ja-JP" dirty="0"/>
+              <a:t>500</a:t>
+            </a:r>
+            <a:r>
+              <a:rPr kumimoji="1" lang="ja-JP" altLang="en-US" dirty="0"/>
+              <a:t>社</a:t>
+            </a:r>
+            <a:endParaRPr kumimoji="1" lang="en-US" altLang="ja-JP" dirty="0"/>
+          </a:p>
+          <a:p>
+            <a:r>
+              <a:rPr kumimoji="1" lang="ja-JP" altLang="en-US" dirty="0"/>
+              <a:t>基本的に上がり続けることを前提にしているのでより上がる株を見つけることを目標にする</a:t>
+            </a:r>
           </a:p>
         </p:txBody>
       </p:sp>
@@ -4723,7 +5185,7 @@
           <a:p>
             <a:fld id="{7CD860E0-C8EB-4478-A6A5-544033815766}" type="slidenum">
               <a:rPr kumimoji="1" lang="ja-JP" altLang="en-US" smtClean="0"/>
-              <a:t>14</a:t>
+              <a:t>13</a:t>
             </a:fld>
             <a:endParaRPr kumimoji="1" lang="ja-JP" altLang="en-US"/>
           </a:p>
@@ -4732,7 +5194,7 @@
     </p:spTree>
     <p:extLst>
       <p:ext uri="{BB962C8B-B14F-4D97-AF65-F5344CB8AC3E}">
-        <p14:creationId xmlns:p14="http://schemas.microsoft.com/office/powerpoint/2010/main" val="927491327"/>
+        <p14:creationId xmlns:p14="http://schemas.microsoft.com/office/powerpoint/2010/main" val="1363873979"/>
       </p:ext>
     </p:extLst>
   </p:cSld>
@@ -4889,7 +5351,7 @@
           <a:p>
             <a:fld id="{91D34335-0E0F-4CEE-B944-97CECBA33132}" type="datetimeFigureOut">
               <a:rPr kumimoji="1" lang="ja-JP" altLang="en-US" smtClean="0"/>
-              <a:t>2024/8/4</a:t>
+              <a:t>2024/11/30</a:t>
             </a:fld>
             <a:endParaRPr kumimoji="1" lang="ja-JP" altLang="en-US"/>
           </a:p>
@@ -5119,7 +5581,7 @@
           <a:p>
             <a:fld id="{91D34335-0E0F-4CEE-B944-97CECBA33132}" type="datetimeFigureOut">
               <a:rPr kumimoji="1" lang="ja-JP" altLang="en-US" smtClean="0"/>
-              <a:t>2024/8/4</a:t>
+              <a:t>2024/11/30</a:t>
             </a:fld>
             <a:endParaRPr kumimoji="1" lang="ja-JP" altLang="en-US"/>
           </a:p>
@@ -5359,7 +5821,7 @@
           <a:p>
             <a:fld id="{91D34335-0E0F-4CEE-B944-97CECBA33132}" type="datetimeFigureOut">
               <a:rPr kumimoji="1" lang="ja-JP" altLang="en-US" smtClean="0"/>
-              <a:t>2024/8/4</a:t>
+              <a:t>2024/11/30</a:t>
             </a:fld>
             <a:endParaRPr kumimoji="1" lang="ja-JP" altLang="en-US"/>
           </a:p>
@@ -5589,7 +6051,7 @@
           <a:p>
             <a:fld id="{91D34335-0E0F-4CEE-B944-97CECBA33132}" type="datetimeFigureOut">
               <a:rPr kumimoji="1" lang="ja-JP" altLang="en-US" smtClean="0"/>
-              <a:t>2024/8/4</a:t>
+              <a:t>2024/11/30</a:t>
             </a:fld>
             <a:endParaRPr kumimoji="1" lang="ja-JP" altLang="en-US"/>
           </a:p>
@@ -5864,7 +6326,7 @@
           <a:p>
             <a:fld id="{91D34335-0E0F-4CEE-B944-97CECBA33132}" type="datetimeFigureOut">
               <a:rPr kumimoji="1" lang="ja-JP" altLang="en-US" smtClean="0"/>
-              <a:t>2024/8/4</a:t>
+              <a:t>2024/11/30</a:t>
             </a:fld>
             <a:endParaRPr kumimoji="1" lang="ja-JP" altLang="en-US"/>
           </a:p>
@@ -6193,7 +6655,7 @@
           <a:p>
             <a:fld id="{91D34335-0E0F-4CEE-B944-97CECBA33132}" type="datetimeFigureOut">
               <a:rPr kumimoji="1" lang="ja-JP" altLang="en-US" smtClean="0"/>
-              <a:t>2024/8/4</a:t>
+              <a:t>2024/11/30</a:t>
             </a:fld>
             <a:endParaRPr kumimoji="1" lang="ja-JP" altLang="en-US"/>
           </a:p>
@@ -6669,7 +7131,7 @@
           <a:p>
             <a:fld id="{91D34335-0E0F-4CEE-B944-97CECBA33132}" type="datetimeFigureOut">
               <a:rPr kumimoji="1" lang="ja-JP" altLang="en-US" smtClean="0"/>
-              <a:t>2024/8/4</a:t>
+              <a:t>2024/11/30</a:t>
             </a:fld>
             <a:endParaRPr kumimoji="1" lang="ja-JP" altLang="en-US"/>
           </a:p>
@@ -6810,7 +7272,7 @@
           <a:p>
             <a:fld id="{91D34335-0E0F-4CEE-B944-97CECBA33132}" type="datetimeFigureOut">
               <a:rPr kumimoji="1" lang="ja-JP" altLang="en-US" smtClean="0"/>
-              <a:t>2024/8/4</a:t>
+              <a:t>2024/11/30</a:t>
             </a:fld>
             <a:endParaRPr kumimoji="1" lang="ja-JP" altLang="en-US"/>
           </a:p>
@@ -6923,7 +7385,7 @@
           <a:p>
             <a:fld id="{91D34335-0E0F-4CEE-B944-97CECBA33132}" type="datetimeFigureOut">
               <a:rPr kumimoji="1" lang="ja-JP" altLang="en-US" smtClean="0"/>
-              <a:t>2024/8/4</a:t>
+              <a:t>2024/11/30</a:t>
             </a:fld>
             <a:endParaRPr kumimoji="1" lang="ja-JP" altLang="en-US"/>
           </a:p>
@@ -7266,7 +7728,7 @@
           <a:p>
             <a:fld id="{91D34335-0E0F-4CEE-B944-97CECBA33132}" type="datetimeFigureOut">
               <a:rPr kumimoji="1" lang="ja-JP" altLang="en-US" smtClean="0"/>
-              <a:t>2024/8/4</a:t>
+              <a:t>2024/11/30</a:t>
             </a:fld>
             <a:endParaRPr kumimoji="1" lang="ja-JP" altLang="en-US"/>
           </a:p>
@@ -7554,7 +8016,7 @@
           <a:p>
             <a:fld id="{91D34335-0E0F-4CEE-B944-97CECBA33132}" type="datetimeFigureOut">
               <a:rPr kumimoji="1" lang="ja-JP" altLang="en-US" smtClean="0"/>
-              <a:t>2024/8/4</a:t>
+              <a:t>2024/11/30</a:t>
             </a:fld>
             <a:endParaRPr kumimoji="1" lang="ja-JP" altLang="en-US"/>
           </a:p>
@@ -7827,7 +8289,7 @@
           <a:p>
             <a:fld id="{91D34335-0E0F-4CEE-B944-97CECBA33132}" type="datetimeFigureOut">
               <a:rPr kumimoji="1" lang="ja-JP" altLang="en-US" smtClean="0"/>
-              <a:t>2024/8/4</a:t>
+              <a:t>2024/11/30</a:t>
             </a:fld>
             <a:endParaRPr kumimoji="1" lang="ja-JP" altLang="en-US"/>
           </a:p>
@@ -8258,8 +8720,8 @@
         </p:nvSpPr>
         <p:spPr>
           <a:xfrm>
-            <a:off x="457197" y="2228671"/>
-            <a:ext cx="11277601" cy="1200329"/>
+            <a:off x="-82779" y="1073258"/>
+            <a:ext cx="12357545" cy="1938992"/>
           </a:xfrm>
           <a:prstGeom prst="rect">
             <a:avLst/>
@@ -8274,13 +8736,27 @@
           <a:p>
             <a:pPr algn="ctr"/>
             <a:r>
-              <a:rPr lang="ja-JP" altLang="en-US" sz="7200" b="1" dirty="0">
-                <a:latin typeface="BIZ UDPゴシック" panose="020B0400000000000000" pitchFamily="50" charset="-128"/>
-                <a:ea typeface="BIZ UDPゴシック" panose="020B0400000000000000" pitchFamily="50" charset="-128"/>
-              </a:rPr>
-              <a:t>多変量解析時系列予測</a:t>
-            </a:r>
-            <a:endParaRPr kumimoji="1" lang="ja-JP" altLang="en-US" sz="7200" b="1" dirty="0">
+              <a:rPr lang="ja-JP" altLang="en-US" sz="5900" b="1" dirty="0">
+                <a:latin typeface="BIZ UDPゴシック" panose="020B0400000000000000" pitchFamily="50" charset="-128"/>
+                <a:ea typeface="BIZ UDPゴシック" panose="020B0400000000000000" pitchFamily="50" charset="-128"/>
+              </a:rPr>
+              <a:t>感情分析と時系列モデルを統合した</a:t>
+            </a:r>
+            <a:endParaRPr lang="en-US" altLang="ja-JP" sz="5900" b="1" dirty="0">
+              <a:latin typeface="BIZ UDPゴシック" panose="020B0400000000000000" pitchFamily="50" charset="-128"/>
+              <a:ea typeface="BIZ UDPゴシック" panose="020B0400000000000000" pitchFamily="50" charset="-128"/>
+            </a:endParaRPr>
+          </a:p>
+          <a:p>
+            <a:pPr algn="ctr"/>
+            <a:r>
+              <a:rPr lang="ja-JP" altLang="en-US" sz="5900" b="1" dirty="0">
+                <a:latin typeface="BIZ UDPゴシック" panose="020B0400000000000000" pitchFamily="50" charset="-128"/>
+                <a:ea typeface="BIZ UDPゴシック" panose="020B0400000000000000" pitchFamily="50" charset="-128"/>
+              </a:rPr>
+              <a:t>データ駆動型予測システム</a:t>
+            </a:r>
+            <a:endParaRPr kumimoji="1" lang="ja-JP" altLang="en-US" sz="5900" b="1" dirty="0">
               <a:latin typeface="BIZ UDPゴシック" panose="020B0400000000000000" pitchFamily="50" charset="-128"/>
               <a:ea typeface="BIZ UDPゴシック" panose="020B0400000000000000" pitchFamily="50" charset="-128"/>
             </a:endParaRPr>
@@ -8301,8 +8777,8 @@
         </p:nvSpPr>
         <p:spPr>
           <a:xfrm>
-            <a:off x="1013008" y="4377220"/>
-            <a:ext cx="10165977" cy="707886"/>
+            <a:off x="1013003" y="4040889"/>
+            <a:ext cx="10165977" cy="1323439"/>
           </a:xfrm>
           <a:prstGeom prst="rect">
             <a:avLst/>
@@ -8317,12 +8793,19 @@
           <a:p>
             <a:pPr algn="ctr"/>
             <a:r>
-              <a:rPr kumimoji="1" lang="en-US" altLang="ja-JP" sz="4000" dirty="0">
-                <a:latin typeface="BIZ UDPゴシック" panose="020B0400000000000000" pitchFamily="50" charset="-128"/>
-                <a:ea typeface="BIZ UDPゴシック" panose="020B0400000000000000" pitchFamily="50" charset="-128"/>
-              </a:rPr>
-              <a:t>T5-16 </a:t>
-            </a:r>
+              <a:rPr kumimoji="1" lang="ja-JP" altLang="en-US" sz="4000" dirty="0">
+                <a:latin typeface="BIZ UDPゴシック" panose="020B0400000000000000" pitchFamily="50" charset="-128"/>
+                <a:ea typeface="BIZ UDPゴシック" panose="020B0400000000000000" pitchFamily="50" charset="-128"/>
+              </a:rPr>
+              <a:t>東京都立産業技術高等専門学校</a:t>
+            </a:r>
+            <a:endParaRPr kumimoji="1" lang="en-US" altLang="ja-JP" sz="4000" dirty="0">
+              <a:latin typeface="BIZ UDPゴシック" panose="020B0400000000000000" pitchFamily="50" charset="-128"/>
+              <a:ea typeface="BIZ UDPゴシック" panose="020B0400000000000000" pitchFamily="50" charset="-128"/>
+            </a:endParaRPr>
+          </a:p>
+          <a:p>
+            <a:pPr algn="ctr"/>
             <a:r>
               <a:rPr kumimoji="1" lang="ja-JP" altLang="en-US" sz="4000" dirty="0">
                 <a:latin typeface="BIZ UDPゴシック" panose="020B0400000000000000" pitchFamily="50" charset="-128"/>
@@ -8347,7 +8830,7 @@
         </p:nvSpPr>
         <p:spPr>
           <a:xfrm>
-            <a:off x="1013008" y="3429000"/>
+            <a:off x="1013004" y="3076310"/>
             <a:ext cx="10165977" cy="769441"/>
           </a:xfrm>
           <a:prstGeom prst="rect">
@@ -13387,7 +13870,7 @@
         </p:nvSpPr>
         <p:spPr>
           <a:xfrm>
-            <a:off x="402637" y="1598607"/>
+            <a:off x="507148" y="3302135"/>
             <a:ext cx="2319867" cy="523220"/>
           </a:xfrm>
           <a:prstGeom prst="rect">
@@ -13416,175 +13899,6 @@
           </a:p>
         </p:txBody>
       </p:sp>
-      <p:sp>
-        <p:nvSpPr>
-          <p:cNvPr id="6" name="テキスト ボックス 5">
-            <a:extLst>
-              <a:ext uri="{FF2B5EF4-FFF2-40B4-BE49-F238E27FC236}">
-                <a16:creationId xmlns:a16="http://schemas.microsoft.com/office/drawing/2014/main" id="{00086573-3E8D-0602-05CC-3B94BF70A031}"/>
-              </a:ext>
-            </a:extLst>
-          </p:cNvPr>
-          <p:cNvSpPr txBox="1"/>
-          <p:nvPr/>
-        </p:nvSpPr>
-        <p:spPr>
-          <a:xfrm>
-            <a:off x="402637" y="2360607"/>
-            <a:ext cx="2319867" cy="523220"/>
-          </a:xfrm>
-          <a:prstGeom prst="rect">
-            <a:avLst/>
-          </a:prstGeom>
-          <a:noFill/>
-        </p:spPr>
-        <p:txBody>
-          <a:bodyPr wrap="square" rtlCol="0">
-            <a:spAutoFit/>
-          </a:bodyPr>
-          <a:lstStyle/>
-          <a:p>
-            <a:pPr algn="ctr"/>
-            <a:r>
-              <a:rPr kumimoji="1" lang="en-US" altLang="ja-JP" sz="2800" dirty="0" err="1">
-                <a:latin typeface="BIZ UDPゴシック" panose="020B0400000000000000" pitchFamily="50" charset="-128"/>
-                <a:ea typeface="BIZ UDPゴシック" panose="020B0400000000000000" pitchFamily="50" charset="-128"/>
-              </a:rPr>
-              <a:t>AAL_data</a:t>
-            </a:r>
-            <a:endParaRPr kumimoji="1" lang="ja-JP" altLang="en-US" sz="2800" dirty="0">
-              <a:latin typeface="BIZ UDPゴシック" panose="020B0400000000000000" pitchFamily="50" charset="-128"/>
-              <a:ea typeface="BIZ UDPゴシック" panose="020B0400000000000000" pitchFamily="50" charset="-128"/>
-            </a:endParaRPr>
-          </a:p>
-        </p:txBody>
-      </p:sp>
-      <p:sp>
-        <p:nvSpPr>
-          <p:cNvPr id="7" name="テキスト ボックス 6">
-            <a:extLst>
-              <a:ext uri="{FF2B5EF4-FFF2-40B4-BE49-F238E27FC236}">
-                <a16:creationId xmlns:a16="http://schemas.microsoft.com/office/drawing/2014/main" id="{FE321378-8247-2555-EC53-82130B6A079D}"/>
-              </a:ext>
-            </a:extLst>
-          </p:cNvPr>
-          <p:cNvSpPr txBox="1"/>
-          <p:nvPr/>
-        </p:nvSpPr>
-        <p:spPr>
-          <a:xfrm>
-            <a:off x="507148" y="5425540"/>
-            <a:ext cx="2319867" cy="523220"/>
-          </a:xfrm>
-          <a:prstGeom prst="rect">
-            <a:avLst/>
-          </a:prstGeom>
-          <a:noFill/>
-        </p:spPr>
-        <p:txBody>
-          <a:bodyPr wrap="square" rtlCol="0">
-            <a:spAutoFit/>
-          </a:bodyPr>
-          <a:lstStyle/>
-          <a:p>
-            <a:pPr algn="ctr"/>
-            <a:r>
-              <a:rPr lang="en-US" altLang="ja-JP" sz="2800" dirty="0" err="1">
-                <a:latin typeface="BIZ UDPゴシック" panose="020B0400000000000000" pitchFamily="50" charset="-128"/>
-                <a:ea typeface="BIZ UDPゴシック" panose="020B0400000000000000" pitchFamily="50" charset="-128"/>
-              </a:rPr>
-              <a:t>ZTS_data</a:t>
-            </a:r>
-            <a:endParaRPr kumimoji="1" lang="ja-JP" altLang="en-US" sz="2800" dirty="0">
-              <a:latin typeface="BIZ UDPゴシック" panose="020B0400000000000000" pitchFamily="50" charset="-128"/>
-              <a:ea typeface="BIZ UDPゴシック" panose="020B0400000000000000" pitchFamily="50" charset="-128"/>
-            </a:endParaRPr>
-          </a:p>
-        </p:txBody>
-      </p:sp>
-      <p:sp>
-        <p:nvSpPr>
-          <p:cNvPr id="8" name="テキスト ボックス 7">
-            <a:extLst>
-              <a:ext uri="{FF2B5EF4-FFF2-40B4-BE49-F238E27FC236}">
-                <a16:creationId xmlns:a16="http://schemas.microsoft.com/office/drawing/2014/main" id="{61B7B91D-738B-A4B1-014C-32DC7716F0B3}"/>
-              </a:ext>
-            </a:extLst>
-          </p:cNvPr>
-          <p:cNvSpPr txBox="1"/>
-          <p:nvPr/>
-        </p:nvSpPr>
-        <p:spPr>
-          <a:xfrm>
-            <a:off x="507147" y="4663540"/>
-            <a:ext cx="2319867" cy="523220"/>
-          </a:xfrm>
-          <a:prstGeom prst="rect">
-            <a:avLst/>
-          </a:prstGeom>
-          <a:noFill/>
-        </p:spPr>
-        <p:txBody>
-          <a:bodyPr wrap="square" rtlCol="0">
-            <a:spAutoFit/>
-          </a:bodyPr>
-          <a:lstStyle/>
-          <a:p>
-            <a:pPr algn="ctr"/>
-            <a:r>
-              <a:rPr lang="en-US" altLang="ja-JP" sz="2800" dirty="0" err="1">
-                <a:latin typeface="BIZ UDPゴシック" panose="020B0400000000000000" pitchFamily="50" charset="-128"/>
-                <a:ea typeface="BIZ UDPゴシック" panose="020B0400000000000000" pitchFamily="50" charset="-128"/>
-              </a:rPr>
-              <a:t>ZBRA_data</a:t>
-            </a:r>
-            <a:endParaRPr kumimoji="1" lang="ja-JP" altLang="en-US" sz="2800" dirty="0">
-              <a:latin typeface="BIZ UDPゴシック" panose="020B0400000000000000" pitchFamily="50" charset="-128"/>
-              <a:ea typeface="BIZ UDPゴシック" panose="020B0400000000000000" pitchFamily="50" charset="-128"/>
-            </a:endParaRPr>
-          </a:p>
-        </p:txBody>
-      </p:sp>
-      <p:pic>
-        <p:nvPicPr>
-          <p:cNvPr id="9" name="図 8" descr="\documentclass{jsarticle}&#10;\usepackage{amsmath}&#10;\usepackage[T1]{fontenc}&#10;\usepackage{lmodern}&#10;\pagestyle{empty}&#10;&#10;\begin{document}&#10;&#10;\begin{align*}&#10;  \vdots&#10;\end{align*}&#10;&#10;\end{document}" title="IguanaTex Bitmap Display">
-            <a:extLst>
-              <a:ext uri="{FF2B5EF4-FFF2-40B4-BE49-F238E27FC236}">
-                <a16:creationId xmlns:a16="http://schemas.microsoft.com/office/drawing/2014/main" id="{CFA477B3-9269-34FB-C888-FE9C336D8A5B}"/>
-              </a:ext>
-            </a:extLst>
-          </p:cNvPr>
-          <p:cNvPicPr>
-            <a:picLocks noChangeAspect="1"/>
-          </p:cNvPicPr>
-          <p:nvPr>
-            <p:custDataLst>
-              <p:tags r:id="rId1"/>
-            </p:custDataLst>
-          </p:nvPr>
-        </p:nvPicPr>
-        <p:blipFill>
-          <a:blip r:embed="rId4">
-            <a:extLst>
-              <a:ext uri="{28A0092B-C50C-407E-A947-70E740481C1C}">
-                <a14:useLocalDpi xmlns:a14="http://schemas.microsoft.com/office/drawing/2010/main" val="0"/>
-              </a:ext>
-            </a:extLst>
-          </a:blip>
-          <a:stretch>
-            <a:fillRect/>
-          </a:stretch>
-        </p:blipFill>
-        <p:spPr>
-          <a:xfrm>
-            <a:off x="1514557" y="3421590"/>
-            <a:ext cx="96025" cy="704186"/>
-          </a:xfrm>
-          <a:prstGeom prst="rect">
-            <a:avLst/>
-          </a:prstGeom>
-        </p:spPr>
-      </p:pic>
       <p:sp>
         <p:nvSpPr>
           <p:cNvPr id="16" name="テキスト ボックス 15">
@@ -13804,12 +14118,12 @@
           </p:cNvPicPr>
           <p:nvPr>
             <p:custDataLst>
-              <p:tags r:id="rId2"/>
+              <p:tags r:id="rId1"/>
             </p:custDataLst>
           </p:nvPr>
         </p:nvPicPr>
         <p:blipFill>
-          <a:blip r:embed="rId4">
+          <a:blip r:embed="rId3">
             <a:extLst>
               <a:ext uri="{28A0092B-C50C-407E-A947-70E740481C1C}">
                 <a14:useLocalDpi xmlns:a14="http://schemas.microsoft.com/office/drawing/2010/main" val="0"/>
@@ -13846,9 +14160,9 @@
           <p:nvPr/>
         </p:nvCxnSpPr>
         <p:spPr>
-          <a:xfrm>
-            <a:off x="2722504" y="1860217"/>
-            <a:ext cx="2055466" cy="0"/>
+          <a:xfrm flipV="1">
+            <a:off x="2827015" y="1860217"/>
+            <a:ext cx="1950955" cy="1703528"/>
           </a:xfrm>
           <a:prstGeom prst="straightConnector1">
             <a:avLst/>
@@ -13894,9 +14208,9 @@
           <p:nvPr/>
         </p:nvCxnSpPr>
         <p:spPr>
-          <a:xfrm>
-            <a:off x="2722504" y="1860217"/>
-            <a:ext cx="2055466" cy="762000"/>
+          <a:xfrm flipV="1">
+            <a:off x="2827015" y="2622217"/>
+            <a:ext cx="1950955" cy="941528"/>
           </a:xfrm>
           <a:prstGeom prst="straightConnector1">
             <a:avLst/>
@@ -13943,8 +14257,8 @@
         </p:nvCxnSpPr>
         <p:spPr>
           <a:xfrm>
-            <a:off x="2722504" y="1860217"/>
-            <a:ext cx="1886159" cy="3064933"/>
+            <a:off x="2827015" y="3563745"/>
+            <a:ext cx="1781648" cy="1361405"/>
           </a:xfrm>
           <a:prstGeom prst="straightConnector1">
             <a:avLst/>
@@ -13991,8 +14305,8 @@
         </p:nvCxnSpPr>
         <p:spPr>
           <a:xfrm>
-            <a:off x="2722504" y="1860217"/>
-            <a:ext cx="1886159" cy="3826933"/>
+            <a:off x="2827015" y="3563745"/>
+            <a:ext cx="1781648" cy="2123405"/>
           </a:xfrm>
           <a:prstGeom prst="straightConnector1">
             <a:avLst/>
@@ -14946,12 +15260,277 @@
           </a:p>
         </p:txBody>
       </p:sp>
+      <p:pic>
+        <p:nvPicPr>
+          <p:cNvPr id="5" name="図 4">
+            <a:extLst>
+              <a:ext uri="{FF2B5EF4-FFF2-40B4-BE49-F238E27FC236}">
+                <a16:creationId xmlns:a16="http://schemas.microsoft.com/office/drawing/2014/main" id="{2183BB85-7A49-4C3A-8E62-6BD215B244B3}"/>
+              </a:ext>
+            </a:extLst>
+          </p:cNvPr>
+          <p:cNvPicPr>
+            <a:picLocks noChangeAspect="1"/>
+          </p:cNvPicPr>
+          <p:nvPr/>
+        </p:nvPicPr>
+        <p:blipFill>
+          <a:blip r:embed="rId3">
+            <a:extLst>
+              <a:ext uri="{28A0092B-C50C-407E-A947-70E740481C1C}">
+                <a14:useLocalDpi xmlns:a14="http://schemas.microsoft.com/office/drawing/2010/main" val="0"/>
+              </a:ext>
+            </a:extLst>
+          </a:blip>
+          <a:stretch>
+            <a:fillRect/>
+          </a:stretch>
+        </p:blipFill>
+        <p:spPr>
+          <a:xfrm>
+            <a:off x="298127" y="1886336"/>
+            <a:ext cx="4632671" cy="3085328"/>
+          </a:xfrm>
+          <a:prstGeom prst="rect">
+            <a:avLst/>
+          </a:prstGeom>
+          <a:ln>
+            <a:solidFill>
+              <a:schemeClr val="bg2">
+                <a:lumMod val="75000"/>
+              </a:schemeClr>
+            </a:solidFill>
+          </a:ln>
+        </p:spPr>
+      </p:pic>
+      <p:pic>
+        <p:nvPicPr>
+          <p:cNvPr id="8" name="図 7">
+            <a:extLst>
+              <a:ext uri="{FF2B5EF4-FFF2-40B4-BE49-F238E27FC236}">
+                <a16:creationId xmlns:a16="http://schemas.microsoft.com/office/drawing/2014/main" id="{CCD6FE68-DCEC-445A-92F3-97D014EAEB69}"/>
+              </a:ext>
+            </a:extLst>
+          </p:cNvPr>
+          <p:cNvPicPr>
+            <a:picLocks noChangeAspect="1"/>
+          </p:cNvPicPr>
+          <p:nvPr/>
+        </p:nvPicPr>
+        <p:blipFill>
+          <a:blip r:embed="rId4"/>
+          <a:stretch>
+            <a:fillRect/>
+          </a:stretch>
+        </p:blipFill>
+        <p:spPr>
+          <a:xfrm>
+            <a:off x="5252551" y="1886336"/>
+            <a:ext cx="2165205" cy="1435926"/>
+          </a:xfrm>
+          <a:prstGeom prst="rect">
+            <a:avLst/>
+          </a:prstGeom>
+          <a:ln>
+            <a:solidFill>
+              <a:schemeClr val="bg2">
+                <a:lumMod val="75000"/>
+              </a:schemeClr>
+            </a:solidFill>
+          </a:ln>
+        </p:spPr>
+      </p:pic>
+      <p:pic>
+        <p:nvPicPr>
+          <p:cNvPr id="9" name="図 8">
+            <a:extLst>
+              <a:ext uri="{FF2B5EF4-FFF2-40B4-BE49-F238E27FC236}">
+                <a16:creationId xmlns:a16="http://schemas.microsoft.com/office/drawing/2014/main" id="{DDEDD262-FDDA-4D13-BF03-1C1E9838AC62}"/>
+              </a:ext>
+            </a:extLst>
+          </p:cNvPr>
+          <p:cNvPicPr>
+            <a:picLocks noChangeAspect="1"/>
+          </p:cNvPicPr>
+          <p:nvPr/>
+        </p:nvPicPr>
+        <p:blipFill>
+          <a:blip r:embed="rId5"/>
+          <a:stretch>
+            <a:fillRect/>
+          </a:stretch>
+        </p:blipFill>
+        <p:spPr>
+          <a:xfrm>
+            <a:off x="7588396" y="1886336"/>
+            <a:ext cx="2064446" cy="1435926"/>
+          </a:xfrm>
+          <a:prstGeom prst="rect">
+            <a:avLst/>
+          </a:prstGeom>
+          <a:ln>
+            <a:solidFill>
+              <a:schemeClr val="bg2">
+                <a:lumMod val="75000"/>
+              </a:schemeClr>
+            </a:solidFill>
+          </a:ln>
+        </p:spPr>
+      </p:pic>
+      <p:pic>
+        <p:nvPicPr>
+          <p:cNvPr id="10" name="図 9">
+            <a:extLst>
+              <a:ext uri="{FF2B5EF4-FFF2-40B4-BE49-F238E27FC236}">
+                <a16:creationId xmlns:a16="http://schemas.microsoft.com/office/drawing/2014/main" id="{3EC321C0-8B3F-4145-96CC-959C7BD3B9A9}"/>
+              </a:ext>
+            </a:extLst>
+          </p:cNvPr>
+          <p:cNvPicPr>
+            <a:picLocks noChangeAspect="1"/>
+          </p:cNvPicPr>
+          <p:nvPr/>
+        </p:nvPicPr>
+        <p:blipFill>
+          <a:blip r:embed="rId6"/>
+          <a:stretch>
+            <a:fillRect/>
+          </a:stretch>
+        </p:blipFill>
+        <p:spPr>
+          <a:xfrm>
+            <a:off x="9823482" y="1886336"/>
+            <a:ext cx="2165205" cy="1463729"/>
+          </a:xfrm>
+          <a:prstGeom prst="rect">
+            <a:avLst/>
+          </a:prstGeom>
+          <a:ln>
+            <a:solidFill>
+              <a:schemeClr val="bg2">
+                <a:lumMod val="75000"/>
+              </a:schemeClr>
+            </a:solidFill>
+          </a:ln>
+        </p:spPr>
+      </p:pic>
+      <p:pic>
+        <p:nvPicPr>
+          <p:cNvPr id="11" name="図 10">
+            <a:extLst>
+              <a:ext uri="{FF2B5EF4-FFF2-40B4-BE49-F238E27FC236}">
+                <a16:creationId xmlns:a16="http://schemas.microsoft.com/office/drawing/2014/main" id="{D2887D6E-AFDA-4115-8B3E-4B9A03D8FF13}"/>
+              </a:ext>
+            </a:extLst>
+          </p:cNvPr>
+          <p:cNvPicPr>
+            <a:picLocks noChangeAspect="1"/>
+          </p:cNvPicPr>
+          <p:nvPr/>
+        </p:nvPicPr>
+        <p:blipFill>
+          <a:blip r:embed="rId7"/>
+          <a:stretch>
+            <a:fillRect/>
+          </a:stretch>
+        </p:blipFill>
+        <p:spPr>
+          <a:xfrm>
+            <a:off x="5252551" y="3535738"/>
+            <a:ext cx="2119584" cy="1435926"/>
+          </a:xfrm>
+          <a:prstGeom prst="rect">
+            <a:avLst/>
+          </a:prstGeom>
+          <a:ln>
+            <a:solidFill>
+              <a:schemeClr val="bg2">
+                <a:lumMod val="75000"/>
+              </a:schemeClr>
+            </a:solidFill>
+          </a:ln>
+        </p:spPr>
+      </p:pic>
+      <p:pic>
+        <p:nvPicPr>
+          <p:cNvPr id="12" name="図 11">
+            <a:extLst>
+              <a:ext uri="{FF2B5EF4-FFF2-40B4-BE49-F238E27FC236}">
+                <a16:creationId xmlns:a16="http://schemas.microsoft.com/office/drawing/2014/main" id="{A785E63C-8A48-4C58-822A-9577DC65557A}"/>
+              </a:ext>
+            </a:extLst>
+          </p:cNvPr>
+          <p:cNvPicPr>
+            <a:picLocks noChangeAspect="1"/>
+          </p:cNvPicPr>
+          <p:nvPr/>
+        </p:nvPicPr>
+        <p:blipFill>
+          <a:blip r:embed="rId8"/>
+          <a:stretch>
+            <a:fillRect/>
+          </a:stretch>
+        </p:blipFill>
+        <p:spPr>
+          <a:xfrm>
+            <a:off x="7588396" y="3507937"/>
+            <a:ext cx="2064446" cy="1464640"/>
+          </a:xfrm>
+          <a:prstGeom prst="rect">
+            <a:avLst/>
+          </a:prstGeom>
+          <a:ln>
+            <a:solidFill>
+              <a:schemeClr val="bg2">
+                <a:lumMod val="75000"/>
+              </a:schemeClr>
+            </a:solidFill>
+          </a:ln>
+        </p:spPr>
+      </p:pic>
+      <p:pic>
+        <p:nvPicPr>
+          <p:cNvPr id="13" name="図 12">
+            <a:extLst>
+              <a:ext uri="{FF2B5EF4-FFF2-40B4-BE49-F238E27FC236}">
+                <a16:creationId xmlns:a16="http://schemas.microsoft.com/office/drawing/2014/main" id="{9CDFC703-0735-4B0A-9320-F7032AA96662}"/>
+              </a:ext>
+            </a:extLst>
+          </p:cNvPr>
+          <p:cNvPicPr>
+            <a:picLocks noChangeAspect="1"/>
+          </p:cNvPicPr>
+          <p:nvPr/>
+        </p:nvPicPr>
+        <p:blipFill>
+          <a:blip r:embed="rId9"/>
+          <a:stretch>
+            <a:fillRect/>
+          </a:stretch>
+        </p:blipFill>
+        <p:spPr>
+          <a:xfrm>
+            <a:off x="9823482" y="3507936"/>
+            <a:ext cx="2165205" cy="1483566"/>
+          </a:xfrm>
+          <a:prstGeom prst="rect">
+            <a:avLst/>
+          </a:prstGeom>
+          <a:ln>
+            <a:solidFill>
+              <a:schemeClr val="bg2">
+                <a:lumMod val="75000"/>
+              </a:schemeClr>
+            </a:solidFill>
+          </a:ln>
+        </p:spPr>
+      </p:pic>
       <p:sp>
         <p:nvSpPr>
-          <p:cNvPr id="3" name="テキスト ボックス 2">
+          <p:cNvPr id="14" name="テキスト ボックス 13">
             <a:extLst>
               <a:ext uri="{FF2B5EF4-FFF2-40B4-BE49-F238E27FC236}">
-                <a16:creationId xmlns:a16="http://schemas.microsoft.com/office/drawing/2014/main" id="{CB53F4CA-EDB8-44F8-5E3A-23AA5F8564F4}"/>
+                <a16:creationId xmlns:a16="http://schemas.microsoft.com/office/drawing/2014/main" id="{9329E0B2-8473-4C6B-A9A2-A955F00B7B03}"/>
               </a:ext>
             </a:extLst>
           </p:cNvPr>
@@ -14960,8 +15539,8 @@
         </p:nvSpPr>
         <p:spPr>
           <a:xfrm>
-            <a:off x="3878346" y="3429000"/>
-            <a:ext cx="3757972" cy="584775"/>
+            <a:off x="671562" y="5285520"/>
+            <a:ext cx="3885800" cy="646331"/>
           </a:xfrm>
           <a:prstGeom prst="rect">
             <a:avLst/>
@@ -14976,26 +15555,108 @@
           <a:p>
             <a:pPr algn="ctr"/>
             <a:r>
-              <a:rPr kumimoji="1" lang="en-US" altLang="ja-JP" sz="3200" dirty="0">
-                <a:latin typeface="BIZ UDPゴシック" panose="020B0400000000000000" pitchFamily="50" charset="-128"/>
-                <a:ea typeface="BIZ UDPゴシック" panose="020B0400000000000000" pitchFamily="50" charset="-128"/>
-              </a:rPr>
-              <a:t>Top3</a:t>
-            </a:r>
-            <a:r>
-              <a:rPr kumimoji="1" lang="ja-JP" altLang="en-US" sz="3200" dirty="0">
-                <a:latin typeface="BIZ UDPゴシック" panose="020B0400000000000000" pitchFamily="50" charset="-128"/>
-                <a:ea typeface="BIZ UDPゴシック" panose="020B0400000000000000" pitchFamily="50" charset="-128"/>
-              </a:rPr>
-              <a:t>のぐらふ</a:t>
-            </a:r>
+              <a:rPr kumimoji="1" lang="ja-JP" altLang="en-US" sz="3600" dirty="0">
+                <a:latin typeface="BIZ UDPゴシック" panose="020B0400000000000000" pitchFamily="50" charset="-128"/>
+                <a:ea typeface="BIZ UDPゴシック" panose="020B0400000000000000" pitchFamily="50" charset="-128"/>
+              </a:rPr>
+              <a:t>予測結果</a:t>
+            </a:r>
+            <a:r>
+              <a:rPr kumimoji="1" lang="en-US" altLang="ja-JP" sz="3600" dirty="0">
+                <a:latin typeface="BIZ UDPゴシック" panose="020B0400000000000000" pitchFamily="50" charset="-128"/>
+                <a:ea typeface="BIZ UDPゴシック" panose="020B0400000000000000" pitchFamily="50" charset="-128"/>
+              </a:rPr>
+              <a:t>(20</a:t>
+            </a:r>
+            <a:r>
+              <a:rPr kumimoji="1" lang="ja-JP" altLang="en-US" sz="3600" dirty="0">
+                <a:latin typeface="BIZ UDPゴシック" panose="020B0400000000000000" pitchFamily="50" charset="-128"/>
+                <a:ea typeface="BIZ UDPゴシック" panose="020B0400000000000000" pitchFamily="50" charset="-128"/>
+              </a:rPr>
+              <a:t>日</a:t>
+            </a:r>
+            <a:r>
+              <a:rPr kumimoji="1" lang="en-US" altLang="ja-JP" sz="3600" dirty="0">
+                <a:latin typeface="BIZ UDPゴシック" panose="020B0400000000000000" pitchFamily="50" charset="-128"/>
+                <a:ea typeface="BIZ UDPゴシック" panose="020B0400000000000000" pitchFamily="50" charset="-128"/>
+              </a:rPr>
+              <a:t>)</a:t>
+            </a:r>
+            <a:endParaRPr kumimoji="1" lang="ja-JP" altLang="en-US" sz="3600" dirty="0">
+              <a:latin typeface="BIZ UDPゴシック" panose="020B0400000000000000" pitchFamily="50" charset="-128"/>
+              <a:ea typeface="BIZ UDPゴシック" panose="020B0400000000000000" pitchFamily="50" charset="-128"/>
+            </a:endParaRPr>
+          </a:p>
+        </p:txBody>
+      </p:sp>
+      <p:sp>
+        <p:nvSpPr>
+          <p:cNvPr id="15" name="テキスト ボックス 14">
+            <a:extLst>
+              <a:ext uri="{FF2B5EF4-FFF2-40B4-BE49-F238E27FC236}">
+                <a16:creationId xmlns:a16="http://schemas.microsoft.com/office/drawing/2014/main" id="{F4647E47-834F-4ABB-A121-2C1B9551752A}"/>
+              </a:ext>
+            </a:extLst>
+          </p:cNvPr>
+          <p:cNvSpPr txBox="1"/>
+          <p:nvPr/>
+        </p:nvSpPr>
+        <p:spPr>
+          <a:xfrm>
+            <a:off x="6403504" y="5285520"/>
+            <a:ext cx="4434229" cy="646331"/>
+          </a:xfrm>
+          <a:prstGeom prst="rect">
+            <a:avLst/>
+          </a:prstGeom>
+          <a:noFill/>
+        </p:spPr>
+        <p:txBody>
+          <a:bodyPr wrap="square" rtlCol="0">
+            <a:spAutoFit/>
+          </a:bodyPr>
+          <a:lstStyle/>
+          <a:p>
+            <a:pPr algn="ctr"/>
+            <a:r>
+              <a:rPr kumimoji="1" lang="ja-JP" altLang="en-US" sz="3600" dirty="0">
+                <a:latin typeface="BIZ UDPゴシック" panose="020B0400000000000000" pitchFamily="50" charset="-128"/>
+                <a:ea typeface="BIZ UDPゴシック" panose="020B0400000000000000" pitchFamily="50" charset="-128"/>
+              </a:rPr>
+              <a:t>実際の株価</a:t>
+            </a:r>
+            <a:r>
+              <a:rPr kumimoji="1" lang="en-US" altLang="ja-JP" sz="3600" dirty="0">
+                <a:latin typeface="BIZ UDPゴシック" panose="020B0400000000000000" pitchFamily="50" charset="-128"/>
+                <a:ea typeface="BIZ UDPゴシック" panose="020B0400000000000000" pitchFamily="50" charset="-128"/>
+              </a:rPr>
+              <a:t>(1</a:t>
+            </a:r>
+            <a:r>
+              <a:rPr kumimoji="1" lang="ja-JP" altLang="en-US" sz="3600" dirty="0">
+                <a:latin typeface="BIZ UDPゴシック" panose="020B0400000000000000" pitchFamily="50" charset="-128"/>
+                <a:ea typeface="BIZ UDPゴシック" panose="020B0400000000000000" pitchFamily="50" charset="-128"/>
+              </a:rPr>
+              <a:t>か月</a:t>
+            </a:r>
+            <a:r>
+              <a:rPr kumimoji="1" lang="en-US" altLang="ja-JP" sz="3600" dirty="0">
+                <a:latin typeface="BIZ UDPゴシック" panose="020B0400000000000000" pitchFamily="50" charset="-128"/>
+                <a:ea typeface="BIZ UDPゴシック" panose="020B0400000000000000" pitchFamily="50" charset="-128"/>
+              </a:rPr>
+              <a:t>)</a:t>
+            </a:r>
+            <a:endParaRPr kumimoji="1" lang="ja-JP" altLang="en-US" sz="3600" dirty="0">
+              <a:latin typeface="BIZ UDPゴシック" panose="020B0400000000000000" pitchFamily="50" charset="-128"/>
+              <a:ea typeface="BIZ UDPゴシック" panose="020B0400000000000000" pitchFamily="50" charset="-128"/>
+            </a:endParaRPr>
           </a:p>
         </p:txBody>
       </p:sp>
     </p:spTree>
     <p:extLst>
       <p:ext uri="{BB962C8B-B14F-4D97-AF65-F5344CB8AC3E}">
-        <p14:creationId xmlns:p14="http://schemas.microsoft.com/office/powerpoint/2010/main" val="2830496279"/>
+        <p14:creationId xmlns:p14="http://schemas.microsoft.com/office/powerpoint/2010/main" val="3105356972"/>
       </p:ext>
     </p:extLst>
   </p:cSld>
@@ -15022,166 +15683,46 @@
           <a:chExt cx="0" cy="0"/>
         </a:xfrm>
       </p:grpSpPr>
-      <p:sp>
-        <p:nvSpPr>
-          <p:cNvPr id="2" name="テキスト ボックス 1">
+      <p:pic>
+        <p:nvPicPr>
+          <p:cNvPr id="7" name="図 6" descr="ダイアグラム, 設計図, 概略図&#10;&#10;自動的に生成された説明">
             <a:extLst>
               <a:ext uri="{FF2B5EF4-FFF2-40B4-BE49-F238E27FC236}">
-                <a16:creationId xmlns:a16="http://schemas.microsoft.com/office/drawing/2014/main" id="{CD6531B4-3A18-1C3C-991D-5CB8667443BE}"/>
+                <a16:creationId xmlns:a16="http://schemas.microsoft.com/office/drawing/2014/main" id="{2741BFD1-225F-26C2-9FE3-97DFC63AB174}"/>
               </a:ext>
             </a:extLst>
           </p:cNvPr>
-          <p:cNvSpPr txBox="1"/>
+          <p:cNvPicPr>
+            <a:picLocks noChangeAspect="1"/>
+          </p:cNvPicPr>
           <p:nvPr/>
-        </p:nvSpPr>
+        </p:nvPicPr>
+        <p:blipFill>
+          <a:blip r:embed="rId2">
+            <a:extLst>
+              <a:ext uri="{28A0092B-C50C-407E-A947-70E740481C1C}">
+                <a14:useLocalDpi xmlns:a14="http://schemas.microsoft.com/office/drawing/2010/main" val="0"/>
+              </a:ext>
+            </a:extLst>
+          </a:blip>
+          <a:stretch>
+            <a:fillRect/>
+          </a:stretch>
+        </p:blipFill>
         <p:spPr>
-          <a:xfrm>
-            <a:off x="298127" y="48985"/>
-            <a:ext cx="2528888" cy="1200329"/>
+          <a:xfrm rot="5400000">
+            <a:off x="1785276" y="-2778023"/>
+            <a:ext cx="8621450" cy="12192002"/>
           </a:xfrm>
           <a:prstGeom prst="rect">
             <a:avLst/>
           </a:prstGeom>
-          <a:noFill/>
         </p:spPr>
-        <p:txBody>
-          <a:bodyPr wrap="square" rtlCol="0">
-            <a:spAutoFit/>
-          </a:bodyPr>
-          <a:lstStyle/>
-          <a:p>
-            <a:r>
-              <a:rPr lang="ja-JP" altLang="en-US" sz="7200" b="1" dirty="0">
-                <a:latin typeface="BIZ UDPゴシック" panose="020B0400000000000000" pitchFamily="50" charset="-128"/>
-                <a:ea typeface="BIZ UDPゴシック" panose="020B0400000000000000" pitchFamily="50" charset="-128"/>
-              </a:rPr>
-              <a:t>考察</a:t>
-            </a:r>
-            <a:endParaRPr kumimoji="1" lang="ja-JP" altLang="en-US" sz="7200" b="1" dirty="0">
-              <a:latin typeface="BIZ UDPゴシック" panose="020B0400000000000000" pitchFamily="50" charset="-128"/>
-              <a:ea typeface="BIZ UDPゴシック" panose="020B0400000000000000" pitchFamily="50" charset="-128"/>
-            </a:endParaRPr>
-          </a:p>
-        </p:txBody>
-      </p:sp>
-      <p:sp>
-        <p:nvSpPr>
-          <p:cNvPr id="3" name="テキスト ボックス 2">
-            <a:extLst>
-              <a:ext uri="{FF2B5EF4-FFF2-40B4-BE49-F238E27FC236}">
-                <a16:creationId xmlns:a16="http://schemas.microsoft.com/office/drawing/2014/main" id="{74D4EEFF-5CD6-151C-C156-C505382A8642}"/>
-              </a:ext>
-            </a:extLst>
-          </p:cNvPr>
-          <p:cNvSpPr txBox="1"/>
-          <p:nvPr/>
-        </p:nvSpPr>
-        <p:spPr>
-          <a:xfrm>
-            <a:off x="862341" y="1536174"/>
-            <a:ext cx="10467317" cy="4401205"/>
-          </a:xfrm>
-          <a:prstGeom prst="rect">
-            <a:avLst/>
-          </a:prstGeom>
-          <a:noFill/>
-        </p:spPr>
-        <p:txBody>
-          <a:bodyPr wrap="square" rtlCol="0">
-            <a:spAutoFit/>
-          </a:bodyPr>
-          <a:lstStyle/>
-          <a:p>
-            <a:pPr marL="457200" indent="-457200">
-              <a:buFont typeface="Arial" panose="020B0604020202020204" pitchFamily="34" charset="0"/>
-              <a:buChar char="•"/>
-            </a:pPr>
-            <a:r>
-              <a:rPr kumimoji="1" lang="ja-JP" altLang="en-US" sz="4000" dirty="0">
-                <a:latin typeface="BIZ UDPゴシック" panose="020B0400000000000000" pitchFamily="50" charset="-128"/>
-                <a:ea typeface="BIZ UDPゴシック" panose="020B0400000000000000" pitchFamily="50" charset="-128"/>
-              </a:rPr>
-              <a:t>ニュースのばらつきがある</a:t>
-            </a:r>
-            <a:endParaRPr kumimoji="1" lang="en-US" altLang="ja-JP" sz="4000" dirty="0">
-              <a:latin typeface="BIZ UDPゴシック" panose="020B0400000000000000" pitchFamily="50" charset="-128"/>
-              <a:ea typeface="BIZ UDPゴシック" panose="020B0400000000000000" pitchFamily="50" charset="-128"/>
-            </a:endParaRPr>
-          </a:p>
-          <a:p>
-            <a:pPr marL="457200" indent="-457200">
-              <a:buFont typeface="Arial" panose="020B0604020202020204" pitchFamily="34" charset="0"/>
-              <a:buChar char="•"/>
-            </a:pPr>
-            <a:r>
-              <a:rPr kumimoji="1" lang="ja-JP" altLang="en-US" sz="4000" dirty="0">
-                <a:latin typeface="BIZ UDPゴシック" panose="020B0400000000000000" pitchFamily="50" charset="-128"/>
-                <a:ea typeface="BIZ UDPゴシック" panose="020B0400000000000000" pitchFamily="50" charset="-128"/>
-              </a:rPr>
-              <a:t>この一か月はありえないくらい株式市場の状況が悪い</a:t>
-            </a:r>
-            <a:endParaRPr kumimoji="1" lang="en-US" altLang="ja-JP" sz="4000" dirty="0">
-              <a:latin typeface="BIZ UDPゴシック" panose="020B0400000000000000" pitchFamily="50" charset="-128"/>
-              <a:ea typeface="BIZ UDPゴシック" panose="020B0400000000000000" pitchFamily="50" charset="-128"/>
-            </a:endParaRPr>
-          </a:p>
-          <a:p>
-            <a:pPr marL="457200" indent="-457200">
-              <a:buFont typeface="Arial" panose="020B0604020202020204" pitchFamily="34" charset="0"/>
-              <a:buChar char="•"/>
-            </a:pPr>
-            <a:r>
-              <a:rPr lang="en-US" altLang="ja-JP" sz="4000" dirty="0">
-                <a:latin typeface="BIZ UDPゴシック" panose="020B0400000000000000" pitchFamily="50" charset="-128"/>
-                <a:ea typeface="BIZ UDPゴシック" panose="020B0400000000000000" pitchFamily="50" charset="-128"/>
-              </a:rPr>
-              <a:t>6-7</a:t>
-            </a:r>
-            <a:r>
-              <a:rPr lang="ja-JP" altLang="en-US" sz="4000" dirty="0">
-                <a:latin typeface="BIZ UDPゴシック" panose="020B0400000000000000" pitchFamily="50" charset="-128"/>
-                <a:ea typeface="BIZ UDPゴシック" panose="020B0400000000000000" pitchFamily="50" charset="-128"/>
-              </a:rPr>
-              <a:t>月にサイトのアプデがあってニュースのデータががっつり減った</a:t>
-            </a:r>
-            <a:endParaRPr lang="en-US" altLang="ja-JP" sz="4000" dirty="0">
-              <a:latin typeface="BIZ UDPゴシック" panose="020B0400000000000000" pitchFamily="50" charset="-128"/>
-              <a:ea typeface="BIZ UDPゴシック" panose="020B0400000000000000" pitchFamily="50" charset="-128"/>
-            </a:endParaRPr>
-          </a:p>
-          <a:p>
-            <a:pPr marL="457200" indent="-457200">
-              <a:buFont typeface="Arial" panose="020B0604020202020204" pitchFamily="34" charset="0"/>
-              <a:buChar char="•"/>
-            </a:pPr>
-            <a:r>
-              <a:rPr kumimoji="1" lang="ja-JP" altLang="en-US" sz="4000" dirty="0">
-                <a:latin typeface="BIZ UDPゴシック" panose="020B0400000000000000" pitchFamily="50" charset="-128"/>
-                <a:ea typeface="BIZ UDPゴシック" panose="020B0400000000000000" pitchFamily="50" charset="-128"/>
-              </a:rPr>
-              <a:t>ただの思い付きだが、</a:t>
-            </a:r>
-            <a:r>
-              <a:rPr kumimoji="1" lang="en-US" altLang="ja-JP" sz="4000" dirty="0">
-                <a:latin typeface="BIZ UDPゴシック" panose="020B0400000000000000" pitchFamily="50" charset="-128"/>
-                <a:ea typeface="BIZ UDPゴシック" panose="020B0400000000000000" pitchFamily="50" charset="-128"/>
-              </a:rPr>
-              <a:t>Twitter</a:t>
-            </a:r>
-            <a:r>
-              <a:rPr kumimoji="1" lang="ja-JP" altLang="en-US" sz="4000" dirty="0">
-                <a:latin typeface="BIZ UDPゴシック" panose="020B0400000000000000" pitchFamily="50" charset="-128"/>
-                <a:ea typeface="BIZ UDPゴシック" panose="020B0400000000000000" pitchFamily="50" charset="-128"/>
-              </a:rPr>
-              <a:t>のトレンド等も</a:t>
-            </a:r>
-          </a:p>
-        </p:txBody>
-      </p:sp>
+      </p:pic>
     </p:spTree>
     <p:extLst>
       <p:ext uri="{BB962C8B-B14F-4D97-AF65-F5344CB8AC3E}">
-        <p14:creationId xmlns:p14="http://schemas.microsoft.com/office/powerpoint/2010/main" val="3441272322"/>
+        <p14:creationId xmlns:p14="http://schemas.microsoft.com/office/powerpoint/2010/main" val="685024286"/>
       </p:ext>
     </p:extLst>
   </p:cSld>
@@ -15414,10 +15955,191 @@
           <a:chExt cx="0" cy="0"/>
         </a:xfrm>
       </p:grpSpPr>
+      <p:sp>
+        <p:nvSpPr>
+          <p:cNvPr id="2" name="テキスト ボックス 1">
+            <a:extLst>
+              <a:ext uri="{FF2B5EF4-FFF2-40B4-BE49-F238E27FC236}">
+                <a16:creationId xmlns:a16="http://schemas.microsoft.com/office/drawing/2014/main" id="{CD6531B4-3A18-1C3C-991D-5CB8667443BE}"/>
+              </a:ext>
+            </a:extLst>
+          </p:cNvPr>
+          <p:cNvSpPr txBox="1"/>
+          <p:nvPr/>
+        </p:nvSpPr>
+        <p:spPr>
+          <a:xfrm>
+            <a:off x="298127" y="48985"/>
+            <a:ext cx="2528888" cy="1200329"/>
+          </a:xfrm>
+          <a:prstGeom prst="rect">
+            <a:avLst/>
+          </a:prstGeom>
+          <a:noFill/>
+        </p:spPr>
+        <p:txBody>
+          <a:bodyPr wrap="square" rtlCol="0">
+            <a:spAutoFit/>
+          </a:bodyPr>
+          <a:lstStyle/>
+          <a:p>
+            <a:r>
+              <a:rPr lang="ja-JP" altLang="en-US" sz="7200" b="1" dirty="0">
+                <a:latin typeface="BIZ UDPゴシック" panose="020B0400000000000000" pitchFamily="50" charset="-128"/>
+                <a:ea typeface="BIZ UDPゴシック" panose="020B0400000000000000" pitchFamily="50" charset="-128"/>
+              </a:rPr>
+              <a:t>考察</a:t>
+            </a:r>
+            <a:endParaRPr kumimoji="1" lang="ja-JP" altLang="en-US" sz="7200" b="1" dirty="0">
+              <a:latin typeface="BIZ UDPゴシック" panose="020B0400000000000000" pitchFamily="50" charset="-128"/>
+              <a:ea typeface="BIZ UDPゴシック" panose="020B0400000000000000" pitchFamily="50" charset="-128"/>
+            </a:endParaRPr>
+          </a:p>
+        </p:txBody>
+      </p:sp>
+      <p:sp>
+        <p:nvSpPr>
+          <p:cNvPr id="3" name="テキスト ボックス 2">
+            <a:extLst>
+              <a:ext uri="{FF2B5EF4-FFF2-40B4-BE49-F238E27FC236}">
+                <a16:creationId xmlns:a16="http://schemas.microsoft.com/office/drawing/2014/main" id="{74D4EEFF-5CD6-151C-C156-C505382A8642}"/>
+              </a:ext>
+            </a:extLst>
+          </p:cNvPr>
+          <p:cNvSpPr txBox="1"/>
+          <p:nvPr/>
+        </p:nvSpPr>
+        <p:spPr>
+          <a:xfrm>
+            <a:off x="103770" y="1453703"/>
+            <a:ext cx="11984460" cy="4524315"/>
+          </a:xfrm>
+          <a:prstGeom prst="rect">
+            <a:avLst/>
+          </a:prstGeom>
+          <a:noFill/>
+        </p:spPr>
+        <p:txBody>
+          <a:bodyPr wrap="square" rtlCol="0">
+            <a:spAutoFit/>
+          </a:bodyPr>
+          <a:lstStyle/>
+          <a:p>
+            <a:pPr marL="457200" indent="-457200">
+              <a:buFont typeface="Arial" panose="020B0604020202020204" pitchFamily="34" charset="0"/>
+              <a:buChar char="•"/>
+            </a:pPr>
+            <a:r>
+              <a:rPr lang="ja-JP" altLang="en-US" sz="3800" dirty="0">
+                <a:latin typeface="BIZ UDPゴシック" panose="020B0400000000000000" pitchFamily="50" charset="-128"/>
+                <a:ea typeface="BIZ UDPゴシック" panose="020B0400000000000000" pitchFamily="50" charset="-128"/>
+              </a:rPr>
+              <a:t>会社ごとに</a:t>
+            </a:r>
+            <a:r>
+              <a:rPr kumimoji="1" lang="ja-JP" altLang="en-US" sz="3800" dirty="0">
+                <a:latin typeface="BIZ UDPゴシック" panose="020B0400000000000000" pitchFamily="50" charset="-128"/>
+                <a:ea typeface="BIZ UDPゴシック" panose="020B0400000000000000" pitchFamily="50" charset="-128"/>
+              </a:rPr>
+              <a:t>ニュース量のばらつきがある</a:t>
+            </a:r>
+            <a:endParaRPr kumimoji="1" lang="en-US" altLang="ja-JP" sz="3800" dirty="0">
+              <a:latin typeface="BIZ UDPゴシック" panose="020B0400000000000000" pitchFamily="50" charset="-128"/>
+              <a:ea typeface="BIZ UDPゴシック" panose="020B0400000000000000" pitchFamily="50" charset="-128"/>
+            </a:endParaRPr>
+          </a:p>
+          <a:p>
+            <a:endParaRPr kumimoji="1" lang="en-US" altLang="ja-JP" sz="2000" dirty="0">
+              <a:latin typeface="BIZ UDPゴシック" panose="020B0400000000000000" pitchFamily="50" charset="-128"/>
+              <a:ea typeface="BIZ UDPゴシック" panose="020B0400000000000000" pitchFamily="50" charset="-128"/>
+            </a:endParaRPr>
+          </a:p>
+          <a:p>
+            <a:pPr marL="457200" indent="-457200">
+              <a:buFont typeface="Arial" panose="020B0604020202020204" pitchFamily="34" charset="0"/>
+              <a:buChar char="•"/>
+            </a:pPr>
+            <a:r>
+              <a:rPr kumimoji="1" lang="ja-JP" altLang="en-US" sz="3800" dirty="0">
+                <a:latin typeface="BIZ UDPゴシック" panose="020B0400000000000000" pitchFamily="50" charset="-128"/>
+                <a:ea typeface="BIZ UDPゴシック" panose="020B0400000000000000" pitchFamily="50" charset="-128"/>
+              </a:rPr>
+              <a:t>この一か月はありえないくらい株式市場の状況が悪い</a:t>
+            </a:r>
+            <a:endParaRPr kumimoji="1" lang="en-US" altLang="ja-JP" sz="3800" dirty="0">
+              <a:latin typeface="BIZ UDPゴシック" panose="020B0400000000000000" pitchFamily="50" charset="-128"/>
+              <a:ea typeface="BIZ UDPゴシック" panose="020B0400000000000000" pitchFamily="50" charset="-128"/>
+            </a:endParaRPr>
+          </a:p>
+          <a:p>
+            <a:endParaRPr kumimoji="1" lang="en-US" altLang="ja-JP" sz="2000" dirty="0">
+              <a:latin typeface="BIZ UDPゴシック" panose="020B0400000000000000" pitchFamily="50" charset="-128"/>
+              <a:ea typeface="BIZ UDPゴシック" panose="020B0400000000000000" pitchFamily="50" charset="-128"/>
+            </a:endParaRPr>
+          </a:p>
+          <a:p>
+            <a:pPr marL="457200" indent="-457200">
+              <a:buFont typeface="Arial" panose="020B0604020202020204" pitchFamily="34" charset="0"/>
+              <a:buChar char="•"/>
+            </a:pPr>
+            <a:r>
+              <a:rPr lang="en-US" altLang="ja-JP" sz="3800" dirty="0">
+                <a:latin typeface="BIZ UDPゴシック" panose="020B0400000000000000" pitchFamily="50" charset="-128"/>
+                <a:ea typeface="BIZ UDPゴシック" panose="020B0400000000000000" pitchFamily="50" charset="-128"/>
+              </a:rPr>
+              <a:t>6-7</a:t>
+            </a:r>
+            <a:r>
+              <a:rPr lang="ja-JP" altLang="en-US" sz="3800" dirty="0">
+                <a:latin typeface="BIZ UDPゴシック" panose="020B0400000000000000" pitchFamily="50" charset="-128"/>
+                <a:ea typeface="BIZ UDPゴシック" panose="020B0400000000000000" pitchFamily="50" charset="-128"/>
+              </a:rPr>
+              <a:t>月にサイトのアプデがあってニュースのデータがかなり減った</a:t>
+            </a:r>
+            <a:endParaRPr lang="en-US" altLang="ja-JP" sz="3800" dirty="0">
+              <a:latin typeface="BIZ UDPゴシック" panose="020B0400000000000000" pitchFamily="50" charset="-128"/>
+              <a:ea typeface="BIZ UDPゴシック" panose="020B0400000000000000" pitchFamily="50" charset="-128"/>
+            </a:endParaRPr>
+          </a:p>
+          <a:p>
+            <a:endParaRPr lang="en-US" altLang="ja-JP" sz="2000" dirty="0">
+              <a:latin typeface="BIZ UDPゴシック" panose="020B0400000000000000" pitchFamily="50" charset="-128"/>
+              <a:ea typeface="BIZ UDPゴシック" panose="020B0400000000000000" pitchFamily="50" charset="-128"/>
+            </a:endParaRPr>
+          </a:p>
+          <a:p>
+            <a:pPr marL="457200" indent="-457200">
+              <a:buFont typeface="Arial" panose="020B0604020202020204" pitchFamily="34" charset="0"/>
+              <a:buChar char="•"/>
+            </a:pPr>
+            <a:r>
+              <a:rPr kumimoji="1" lang="ja-JP" altLang="en-US" sz="3800" dirty="0">
+                <a:latin typeface="BIZ UDPゴシック" panose="020B0400000000000000" pitchFamily="50" charset="-128"/>
+                <a:ea typeface="BIZ UDPゴシック" panose="020B0400000000000000" pitchFamily="50" charset="-128"/>
+              </a:rPr>
+              <a:t>ただの思い付きだが、</a:t>
+            </a:r>
+            <a:r>
+              <a:rPr kumimoji="1" lang="en-US" altLang="ja-JP" sz="3800" dirty="0">
+                <a:latin typeface="BIZ UDPゴシック" panose="020B0400000000000000" pitchFamily="50" charset="-128"/>
+                <a:ea typeface="BIZ UDPゴシック" panose="020B0400000000000000" pitchFamily="50" charset="-128"/>
+              </a:rPr>
+              <a:t>Twitter</a:t>
+            </a:r>
+            <a:r>
+              <a:rPr kumimoji="1" lang="ja-JP" altLang="en-US" sz="3800" dirty="0">
+                <a:latin typeface="BIZ UDPゴシック" panose="020B0400000000000000" pitchFamily="50" charset="-128"/>
+                <a:ea typeface="BIZ UDPゴシック" panose="020B0400000000000000" pitchFamily="50" charset="-128"/>
+              </a:rPr>
+              <a:t>のトレンド等も学習すると面白いかもと思った</a:t>
+            </a:r>
+          </a:p>
+        </p:txBody>
+      </p:sp>
     </p:spTree>
     <p:extLst>
       <p:ext uri="{BB962C8B-B14F-4D97-AF65-F5344CB8AC3E}">
-        <p14:creationId xmlns:p14="http://schemas.microsoft.com/office/powerpoint/2010/main" val="754985361"/>
+        <p14:creationId xmlns:p14="http://schemas.microsoft.com/office/powerpoint/2010/main" val="844907855"/>
       </p:ext>
     </p:extLst>
   </p:cSld>
@@ -15428,6 +16150,372 @@
 </file>
 
 <file path=ppt/slides/slide21.xml><?xml version="1.0" encoding="utf-8"?>
+<p:sld xmlns:a="http://schemas.openxmlformats.org/drawingml/2006/main" xmlns:r="http://schemas.openxmlformats.org/officeDocument/2006/relationships" xmlns:p="http://schemas.openxmlformats.org/presentationml/2006/main">
+  <p:cSld>
+    <p:spTree>
+      <p:nvGrpSpPr>
+        <p:cNvPr id="1" name=""/>
+        <p:cNvGrpSpPr/>
+        <p:nvPr/>
+      </p:nvGrpSpPr>
+      <p:grpSpPr>
+        <a:xfrm>
+          <a:off x="0" y="0"/>
+          <a:ext cx="0" cy="0"/>
+          <a:chOff x="0" y="0"/>
+          <a:chExt cx="0" cy="0"/>
+        </a:xfrm>
+      </p:grpSpPr>
+      <p:sp>
+        <p:nvSpPr>
+          <p:cNvPr id="2" name="テキスト ボックス 1">
+            <a:extLst>
+              <a:ext uri="{FF2B5EF4-FFF2-40B4-BE49-F238E27FC236}">
+                <a16:creationId xmlns:a16="http://schemas.microsoft.com/office/drawing/2014/main" id="{907B6D98-7411-4207-928D-F280120069EE}"/>
+              </a:ext>
+            </a:extLst>
+          </p:cNvPr>
+          <p:cNvSpPr txBox="1"/>
+          <p:nvPr/>
+        </p:nvSpPr>
+        <p:spPr>
+          <a:xfrm>
+            <a:off x="298126" y="48985"/>
+            <a:ext cx="3041421" cy="1107996"/>
+          </a:xfrm>
+          <a:prstGeom prst="rect">
+            <a:avLst/>
+          </a:prstGeom>
+          <a:noFill/>
+        </p:spPr>
+        <p:txBody>
+          <a:bodyPr wrap="square" rtlCol="0">
+            <a:spAutoFit/>
+          </a:bodyPr>
+          <a:lstStyle/>
+          <a:p>
+            <a:r>
+              <a:rPr kumimoji="1" lang="ja-JP" altLang="en-US" sz="6600" b="1" dirty="0">
+                <a:latin typeface="BIZ UDPゴシック" panose="020B0400000000000000" pitchFamily="50" charset="-128"/>
+                <a:ea typeface="BIZ UDPゴシック" panose="020B0400000000000000" pitchFamily="50" charset="-128"/>
+              </a:rPr>
+              <a:t>まとめ</a:t>
+            </a:r>
+          </a:p>
+        </p:txBody>
+      </p:sp>
+      <p:sp>
+        <p:nvSpPr>
+          <p:cNvPr id="3" name="テキスト ボックス 2">
+            <a:extLst>
+              <a:ext uri="{FF2B5EF4-FFF2-40B4-BE49-F238E27FC236}">
+                <a16:creationId xmlns:a16="http://schemas.microsoft.com/office/drawing/2014/main" id="{39D3EC1E-C4A1-4AF1-BDD9-62B1B818B87B}"/>
+              </a:ext>
+            </a:extLst>
+          </p:cNvPr>
+          <p:cNvSpPr txBox="1"/>
+          <p:nvPr/>
+        </p:nvSpPr>
+        <p:spPr>
+          <a:xfrm>
+            <a:off x="22490" y="1252154"/>
+            <a:ext cx="12169510" cy="5262979"/>
+          </a:xfrm>
+          <a:prstGeom prst="rect">
+            <a:avLst/>
+          </a:prstGeom>
+          <a:noFill/>
+        </p:spPr>
+        <p:txBody>
+          <a:bodyPr wrap="square" rtlCol="0">
+            <a:spAutoFit/>
+          </a:bodyPr>
+          <a:lstStyle/>
+          <a:p>
+            <a:pPr marL="457200" indent="-457200">
+              <a:buFont typeface="Arial" panose="020B0604020202020204" pitchFamily="34" charset="0"/>
+              <a:buChar char="•"/>
+            </a:pPr>
+            <a:r>
+              <a:rPr kumimoji="1" lang="ja-JP" altLang="en-US" sz="3600" dirty="0">
+                <a:latin typeface="BIZ UDPゴシック" panose="020B0400000000000000" pitchFamily="50" charset="-128"/>
+                <a:ea typeface="BIZ UDPゴシック" panose="020B0400000000000000" pitchFamily="50" charset="-128"/>
+              </a:rPr>
+              <a:t>ニュースからほぼ自動で感情パラメータに変換して</a:t>
+            </a:r>
+            <a:r>
+              <a:rPr kumimoji="1" lang="en-US" altLang="ja-JP" sz="3600" dirty="0">
+                <a:latin typeface="BIZ UDPゴシック" panose="020B0400000000000000" pitchFamily="50" charset="-128"/>
+                <a:ea typeface="BIZ UDPゴシック" panose="020B0400000000000000" pitchFamily="50" charset="-128"/>
+              </a:rPr>
+              <a:t>DB</a:t>
+            </a:r>
+            <a:r>
+              <a:rPr kumimoji="1" lang="ja-JP" altLang="en-US" sz="3600" dirty="0" err="1">
+                <a:latin typeface="BIZ UDPゴシック" panose="020B0400000000000000" pitchFamily="50" charset="-128"/>
+                <a:ea typeface="BIZ UDPゴシック" panose="020B0400000000000000" pitchFamily="50" charset="-128"/>
+              </a:rPr>
+              <a:t>に保</a:t>
+            </a:r>
+            <a:r>
+              <a:rPr kumimoji="1" lang="ja-JP" altLang="en-US" sz="3600" dirty="0">
+                <a:latin typeface="BIZ UDPゴシック" panose="020B0400000000000000" pitchFamily="50" charset="-128"/>
+                <a:ea typeface="BIZ UDPゴシック" panose="020B0400000000000000" pitchFamily="50" charset="-128"/>
+              </a:rPr>
+              <a:t>存しておくシステムはできた</a:t>
+            </a:r>
+            <a:endParaRPr kumimoji="1" lang="en-US" altLang="ja-JP" sz="3600" dirty="0">
+              <a:latin typeface="BIZ UDPゴシック" panose="020B0400000000000000" pitchFamily="50" charset="-128"/>
+              <a:ea typeface="BIZ UDPゴシック" panose="020B0400000000000000" pitchFamily="50" charset="-128"/>
+            </a:endParaRPr>
+          </a:p>
+          <a:p>
+            <a:endParaRPr kumimoji="1" lang="en-US" altLang="ja-JP" sz="1600" dirty="0">
+              <a:latin typeface="BIZ UDPゴシック" panose="020B0400000000000000" pitchFamily="50" charset="-128"/>
+              <a:ea typeface="BIZ UDPゴシック" panose="020B0400000000000000" pitchFamily="50" charset="-128"/>
+            </a:endParaRPr>
+          </a:p>
+          <a:p>
+            <a:pPr marL="457200" indent="-457200">
+              <a:buFont typeface="Arial" panose="020B0604020202020204" pitchFamily="34" charset="0"/>
+              <a:buChar char="•"/>
+            </a:pPr>
+            <a:r>
+              <a:rPr lang="ja-JP" altLang="en-US" sz="3600" dirty="0">
+                <a:latin typeface="BIZ UDPゴシック" panose="020B0400000000000000" pitchFamily="50" charset="-128"/>
+                <a:ea typeface="BIZ UDPゴシック" panose="020B0400000000000000" pitchFamily="50" charset="-128"/>
+              </a:rPr>
+              <a:t>より長い期間のニュースのデータを貯めて学習するとどうなるか試したい</a:t>
+            </a:r>
+            <a:endParaRPr kumimoji="1" lang="en-US" altLang="ja-JP" sz="3600" dirty="0">
+              <a:latin typeface="BIZ UDPゴシック" panose="020B0400000000000000" pitchFamily="50" charset="-128"/>
+              <a:ea typeface="BIZ UDPゴシック" panose="020B0400000000000000" pitchFamily="50" charset="-128"/>
+            </a:endParaRPr>
+          </a:p>
+          <a:p>
+            <a:endParaRPr kumimoji="1" lang="en-US" altLang="ja-JP" sz="1600" dirty="0">
+              <a:latin typeface="BIZ UDPゴシック" panose="020B0400000000000000" pitchFamily="50" charset="-128"/>
+              <a:ea typeface="BIZ UDPゴシック" panose="020B0400000000000000" pitchFamily="50" charset="-128"/>
+            </a:endParaRPr>
+          </a:p>
+          <a:p>
+            <a:pPr marL="457200" indent="-457200">
+              <a:buFont typeface="Arial" panose="020B0604020202020204" pitchFamily="34" charset="0"/>
+              <a:buChar char="•"/>
+            </a:pPr>
+            <a:r>
+              <a:rPr lang="ja-JP" altLang="en-US" sz="3600" dirty="0">
+                <a:latin typeface="BIZ UDPゴシック" panose="020B0400000000000000" pitchFamily="50" charset="-128"/>
+                <a:ea typeface="BIZ UDPゴシック" panose="020B0400000000000000" pitchFamily="50" charset="-128"/>
+              </a:rPr>
+              <a:t>会社の決裁書などもパラメータに入れられるようにしたい</a:t>
+            </a:r>
+            <a:endParaRPr lang="en-US" altLang="ja-JP" sz="3600" dirty="0">
+              <a:latin typeface="BIZ UDPゴシック" panose="020B0400000000000000" pitchFamily="50" charset="-128"/>
+              <a:ea typeface="BIZ UDPゴシック" panose="020B0400000000000000" pitchFamily="50" charset="-128"/>
+            </a:endParaRPr>
+          </a:p>
+          <a:p>
+            <a:endParaRPr lang="en-US" altLang="ja-JP" sz="1600" dirty="0">
+              <a:latin typeface="BIZ UDPゴシック" panose="020B0400000000000000" pitchFamily="50" charset="-128"/>
+              <a:ea typeface="BIZ UDPゴシック" panose="020B0400000000000000" pitchFamily="50" charset="-128"/>
+            </a:endParaRPr>
+          </a:p>
+          <a:p>
+            <a:pPr marL="457200" indent="-457200">
+              <a:buFont typeface="Arial" panose="020B0604020202020204" pitchFamily="34" charset="0"/>
+              <a:buChar char="•"/>
+            </a:pPr>
+            <a:r>
+              <a:rPr kumimoji="1" lang="ja-JP" altLang="en-US" sz="3600" dirty="0">
+                <a:latin typeface="BIZ UDPゴシック" panose="020B0400000000000000" pitchFamily="50" charset="-128"/>
+                <a:ea typeface="BIZ UDPゴシック" panose="020B0400000000000000" pitchFamily="50" charset="-128"/>
+              </a:rPr>
+              <a:t>モデルが示してくれた会社は</a:t>
+            </a:r>
+            <a:r>
+              <a:rPr lang="ja-JP" altLang="en-US" sz="3600" dirty="0">
+                <a:latin typeface="BIZ UDPゴシック" panose="020B0400000000000000" pitchFamily="50" charset="-128"/>
+                <a:ea typeface="BIZ UDPゴシック" panose="020B0400000000000000" pitchFamily="50" charset="-128"/>
+              </a:rPr>
+              <a:t>全く知らない会社だったので当初の目的だった全く知らない分野の指標にすることはクリアできたと思う</a:t>
+            </a:r>
+            <a:endParaRPr kumimoji="1" lang="ja-JP" altLang="en-US" sz="3600" dirty="0">
+              <a:latin typeface="BIZ UDPゴシック" panose="020B0400000000000000" pitchFamily="50" charset="-128"/>
+              <a:ea typeface="BIZ UDPゴシック" panose="020B0400000000000000" pitchFamily="50" charset="-128"/>
+            </a:endParaRPr>
+          </a:p>
+        </p:txBody>
+      </p:sp>
+    </p:spTree>
+    <p:extLst>
+      <p:ext uri="{BB962C8B-B14F-4D97-AF65-F5344CB8AC3E}">
+        <p14:creationId xmlns:p14="http://schemas.microsoft.com/office/powerpoint/2010/main" val="3621478961"/>
+      </p:ext>
+    </p:extLst>
+  </p:cSld>
+  <p:clrMapOvr>
+    <a:masterClrMapping/>
+  </p:clrMapOvr>
+</p:sld>
+</file>
+
+<file path=ppt/slides/slide22.xml><?xml version="1.0" encoding="utf-8"?>
+<p:sld xmlns:a="http://schemas.openxmlformats.org/drawingml/2006/main" xmlns:r="http://schemas.openxmlformats.org/officeDocument/2006/relationships" xmlns:p="http://schemas.openxmlformats.org/presentationml/2006/main">
+  <p:cSld>
+    <p:spTree>
+      <p:nvGrpSpPr>
+        <p:cNvPr id="1" name=""/>
+        <p:cNvGrpSpPr/>
+        <p:nvPr/>
+      </p:nvGrpSpPr>
+      <p:grpSpPr>
+        <a:xfrm>
+          <a:off x="0" y="0"/>
+          <a:ext cx="0" cy="0"/>
+          <a:chOff x="0" y="0"/>
+          <a:chExt cx="0" cy="0"/>
+        </a:xfrm>
+      </p:grpSpPr>
+      <p:sp>
+        <p:nvSpPr>
+          <p:cNvPr id="4" name="テキスト ボックス 3">
+            <a:extLst>
+              <a:ext uri="{FF2B5EF4-FFF2-40B4-BE49-F238E27FC236}">
+                <a16:creationId xmlns:a16="http://schemas.microsoft.com/office/drawing/2014/main" id="{69BFB8CC-4628-6A53-78DB-42414068CD17}"/>
+              </a:ext>
+            </a:extLst>
+          </p:cNvPr>
+          <p:cNvSpPr txBox="1"/>
+          <p:nvPr/>
+        </p:nvSpPr>
+        <p:spPr>
+          <a:xfrm>
+            <a:off x="298126" y="48985"/>
+            <a:ext cx="3041421" cy="1107996"/>
+          </a:xfrm>
+          <a:prstGeom prst="rect">
+            <a:avLst/>
+          </a:prstGeom>
+          <a:noFill/>
+        </p:spPr>
+        <p:txBody>
+          <a:bodyPr wrap="square" rtlCol="0">
+            <a:spAutoFit/>
+          </a:bodyPr>
+          <a:lstStyle/>
+          <a:p>
+            <a:r>
+              <a:rPr kumimoji="1" lang="ja-JP" altLang="en-US" sz="6600" b="1" dirty="0">
+                <a:latin typeface="BIZ UDPゴシック" panose="020B0400000000000000" pitchFamily="50" charset="-128"/>
+                <a:ea typeface="BIZ UDPゴシック" panose="020B0400000000000000" pitchFamily="50" charset="-128"/>
+              </a:rPr>
+              <a:t>今後</a:t>
+            </a:r>
+          </a:p>
+        </p:txBody>
+      </p:sp>
+      <p:sp>
+        <p:nvSpPr>
+          <p:cNvPr id="5" name="テキスト ボックス 4">
+            <a:extLst>
+              <a:ext uri="{FF2B5EF4-FFF2-40B4-BE49-F238E27FC236}">
+                <a16:creationId xmlns:a16="http://schemas.microsoft.com/office/drawing/2014/main" id="{0C95E5A5-EB19-0568-7758-88B4DA8CAAC5}"/>
+              </a:ext>
+            </a:extLst>
+          </p:cNvPr>
+          <p:cNvSpPr txBox="1"/>
+          <p:nvPr/>
+        </p:nvSpPr>
+        <p:spPr>
+          <a:xfrm>
+            <a:off x="745901" y="1790034"/>
+            <a:ext cx="10700198" cy="3016210"/>
+          </a:xfrm>
+          <a:prstGeom prst="rect">
+            <a:avLst/>
+          </a:prstGeom>
+          <a:noFill/>
+        </p:spPr>
+        <p:txBody>
+          <a:bodyPr wrap="square" rtlCol="0">
+            <a:spAutoFit/>
+          </a:bodyPr>
+          <a:lstStyle/>
+          <a:p>
+            <a:r>
+              <a:rPr kumimoji="1" lang="ja-JP" altLang="en-US" sz="3800" dirty="0">
+                <a:latin typeface="BIZ UDPゴシック" panose="020B0400000000000000" pitchFamily="50" charset="-128"/>
+                <a:ea typeface="BIZ UDPゴシック" panose="020B0400000000000000" pitchFamily="50" charset="-128"/>
+              </a:rPr>
+              <a:t>今回は身近かつ自分がやりたかった株の予測</a:t>
+            </a:r>
+            <a:r>
+              <a:rPr lang="ja-JP" altLang="en-US" sz="3800" dirty="0">
+                <a:latin typeface="BIZ UDPゴシック" panose="020B0400000000000000" pitchFamily="50" charset="-128"/>
+                <a:ea typeface="BIZ UDPゴシック" panose="020B0400000000000000" pitchFamily="50" charset="-128"/>
+              </a:rPr>
+              <a:t>を行ったが、今回用いた手法と同様のことを行えばテキストも含んだデータと時系列データさえあれば、例えば自社が打ち出した広告の効果や需要の予測などにも応用できると考える。</a:t>
+            </a:r>
+            <a:endParaRPr kumimoji="1" lang="ja-JP" altLang="en-US" sz="3800" dirty="0">
+              <a:latin typeface="BIZ UDPゴシック" panose="020B0400000000000000" pitchFamily="50" charset="-128"/>
+              <a:ea typeface="BIZ UDPゴシック" panose="020B0400000000000000" pitchFamily="50" charset="-128"/>
+            </a:endParaRPr>
+          </a:p>
+        </p:txBody>
+      </p:sp>
+      <p:sp>
+        <p:nvSpPr>
+          <p:cNvPr id="6" name="テキスト ボックス 5">
+            <a:extLst>
+              <a:ext uri="{FF2B5EF4-FFF2-40B4-BE49-F238E27FC236}">
+                <a16:creationId xmlns:a16="http://schemas.microsoft.com/office/drawing/2014/main" id="{192D4B06-22B3-17D6-3321-6C82BF574BFA}"/>
+              </a:ext>
+            </a:extLst>
+          </p:cNvPr>
+          <p:cNvSpPr txBox="1"/>
+          <p:nvPr/>
+        </p:nvSpPr>
+        <p:spPr>
+          <a:xfrm>
+            <a:off x="893046" y="5305745"/>
+            <a:ext cx="4183451" cy="677108"/>
+          </a:xfrm>
+          <a:prstGeom prst="rect">
+            <a:avLst/>
+          </a:prstGeom>
+          <a:noFill/>
+        </p:spPr>
+        <p:txBody>
+          <a:bodyPr wrap="square" rtlCol="0">
+            <a:spAutoFit/>
+          </a:bodyPr>
+          <a:lstStyle/>
+          <a:p>
+            <a:r>
+              <a:rPr kumimoji="1" lang="ja-JP" altLang="en-US" sz="3800" dirty="0">
+                <a:latin typeface="BIZ UDPゴシック" panose="020B0400000000000000" pitchFamily="50" charset="-128"/>
+                <a:ea typeface="BIZ UDPゴシック" panose="020B0400000000000000" pitchFamily="50" charset="-128"/>
+              </a:rPr>
+              <a:t>後でまとめる</a:t>
+            </a:r>
+          </a:p>
+        </p:txBody>
+      </p:sp>
+    </p:spTree>
+    <p:extLst>
+      <p:ext uri="{BB962C8B-B14F-4D97-AF65-F5344CB8AC3E}">
+        <p14:creationId xmlns:p14="http://schemas.microsoft.com/office/powerpoint/2010/main" val="4100003343"/>
+      </p:ext>
+    </p:extLst>
+  </p:cSld>
+  <p:clrMapOvr>
+    <a:masterClrMapping/>
+  </p:clrMapOvr>
+</p:sld>
+</file>
+
+<file path=ppt/slides/slide23.xml><?xml version="1.0" encoding="utf-8"?>
 <p:sld xmlns:a="http://schemas.openxmlformats.org/drawingml/2006/main" xmlns:r="http://schemas.openxmlformats.org/officeDocument/2006/relationships" xmlns:p="http://schemas.openxmlformats.org/presentationml/2006/main">
   <p:cSld>
     <p:spTree>
@@ -18543,26 +19631,6 @@
 </file>
 
 <file path=ppt/tags/tag3.xml><?xml version="1.0" encoding="utf-8"?>
-<p:tagLst xmlns:a="http://schemas.openxmlformats.org/drawingml/2006/main" xmlns:r="http://schemas.openxmlformats.org/officeDocument/2006/relationships" xmlns:p="http://schemas.openxmlformats.org/presentationml/2006/main">
-  <p:tag name="OUTPUTDPI" val="1200"/>
-  <p:tag name="ORIGINALHEIGHT" val="115.5161"/>
-  <p:tag name="ORIGINALWIDTH" val="15.7522"/>
-  <p:tag name="OUTPUTTYPE" val="PNG"/>
-  <p:tag name="IGUANATEXVERSION" val="160"/>
-  <p:tag name="LATEXADDIN" val="\documentclass{jsarticle}&#10;\usepackage{amsmath}&#10;\usepackage[T1]{fontenc}&#10;\usepackage{lmodern}&#10;\pagestyle{empty}&#10;&#10;\begin{document}&#10;&#10;\begin{align*}&#10;  \vdots&#10;\end{align*}&#10;&#10;\end{document}"/>
-  <p:tag name="IGUANATEXSIZE" val="60"/>
-  <p:tag name="IGUANATEXCURSOR" val="153"/>
-  <p:tag name="TRANSPARENCY" val="True"/>
-  <p:tag name="LATEXENGINEID" val="4"/>
-  <p:tag name="TEMPFOLDER" val="c:\temptex\"/>
-  <p:tag name="LATEXFORMHEIGHT" val="320"/>
-  <p:tag name="LATEXFORMWIDTH" val="385"/>
-  <p:tag name="LATEXFORMWRAP" val="True"/>
-  <p:tag name="BITMAPVECTOR" val="0"/>
-</p:tagLst>
-</file>
-
-<file path=ppt/tags/tag4.xml><?xml version="1.0" encoding="utf-8"?>
 <p:tagLst xmlns:a="http://schemas.openxmlformats.org/drawingml/2006/main" xmlns:r="http://schemas.openxmlformats.org/officeDocument/2006/relationships" xmlns:p="http://schemas.openxmlformats.org/presentationml/2006/main">
   <p:tag name="OUTPUTDPI" val="1200"/>
   <p:tag name="ORIGINALHEIGHT" val="115.5161"/>

--- a/最終報告.pptx
+++ b/最終報告.pptx
@@ -140,7 +140,7 @@
 <file path=ppt/charts/chart1.xml><?xml version="1.0" encoding="utf-8"?>
 <c:chartSpace xmlns:c="http://schemas.openxmlformats.org/drawingml/2006/chart" xmlns:a="http://schemas.openxmlformats.org/drawingml/2006/main" xmlns:r="http://schemas.openxmlformats.org/officeDocument/2006/relationships" xmlns:c16r2="http://schemas.microsoft.com/office/drawing/2015/06/chart">
   <c:date1904 val="0"/>
-  <c:lang val="ja-JP"/>
+  <c:lang val="en-US"/>
   <c:roundedCorners val="0"/>
   <mc:AlternateContent xmlns:mc="http://schemas.openxmlformats.org/markup-compatibility/2006">
     <mc:Choice xmlns:c14="http://schemas.microsoft.com/office/drawing/2007/8/2/chart" Requires="c14">
@@ -305,7 +305,7 @@
       <a:pPr>
         <a:defRPr/>
       </a:pPr>
-      <a:endParaRPr lang="ja-JP"/>
+      <a:endParaRPr lang="en-US"/>
     </a:p>
   </c:txPr>
   <c:externalData r:id="rId3">
@@ -317,7 +317,7 @@
 <file path=ppt/charts/chart2.xml><?xml version="1.0" encoding="utf-8"?>
 <c:chartSpace xmlns:c="http://schemas.openxmlformats.org/drawingml/2006/chart" xmlns:a="http://schemas.openxmlformats.org/drawingml/2006/main" xmlns:r="http://schemas.openxmlformats.org/officeDocument/2006/relationships" xmlns:c16r2="http://schemas.microsoft.com/office/drawing/2015/06/chart">
   <c:date1904 val="0"/>
-  <c:lang val="ja-JP"/>
+  <c:lang val="en-US"/>
   <c:roundedCorners val="0"/>
   <mc:AlternateContent xmlns:mc="http://schemas.openxmlformats.org/markup-compatibility/2006">
     <mc:Choice xmlns:c14="http://schemas.microsoft.com/office/drawing/2007/8/2/chart" Requires="c14">
@@ -539,7 +539,7 @@
       <a:pPr>
         <a:defRPr/>
       </a:pPr>
-      <a:endParaRPr lang="ja-JP"/>
+      <a:endParaRPr lang="en-US"/>
     </a:p>
   </c:txPr>
   <c:externalData r:id="rId3">
@@ -1748,7 +1748,7 @@
           <a:p>
             <a:fld id="{71B089C8-FDE2-4061-9DCE-7FCF02DE2E7A}" type="datetimeFigureOut">
               <a:rPr kumimoji="1" lang="ja-JP" altLang="en-US" smtClean="0"/>
-              <a:t>2024/11/30</a:t>
+              <a:t>2024/12/10</a:t>
             </a:fld>
             <a:endParaRPr kumimoji="1" lang="ja-JP" altLang="en-US"/>
           </a:p>
@@ -5351,7 +5351,7 @@
           <a:p>
             <a:fld id="{91D34335-0E0F-4CEE-B944-97CECBA33132}" type="datetimeFigureOut">
               <a:rPr kumimoji="1" lang="ja-JP" altLang="en-US" smtClean="0"/>
-              <a:t>2024/11/30</a:t>
+              <a:t>2024/12/10</a:t>
             </a:fld>
             <a:endParaRPr kumimoji="1" lang="ja-JP" altLang="en-US"/>
           </a:p>
@@ -5581,7 +5581,7 @@
           <a:p>
             <a:fld id="{91D34335-0E0F-4CEE-B944-97CECBA33132}" type="datetimeFigureOut">
               <a:rPr kumimoji="1" lang="ja-JP" altLang="en-US" smtClean="0"/>
-              <a:t>2024/11/30</a:t>
+              <a:t>2024/12/10</a:t>
             </a:fld>
             <a:endParaRPr kumimoji="1" lang="ja-JP" altLang="en-US"/>
           </a:p>
@@ -5821,7 +5821,7 @@
           <a:p>
             <a:fld id="{91D34335-0E0F-4CEE-B944-97CECBA33132}" type="datetimeFigureOut">
               <a:rPr kumimoji="1" lang="ja-JP" altLang="en-US" smtClean="0"/>
-              <a:t>2024/11/30</a:t>
+              <a:t>2024/12/10</a:t>
             </a:fld>
             <a:endParaRPr kumimoji="1" lang="ja-JP" altLang="en-US"/>
           </a:p>
@@ -6051,7 +6051,7 @@
           <a:p>
             <a:fld id="{91D34335-0E0F-4CEE-B944-97CECBA33132}" type="datetimeFigureOut">
               <a:rPr kumimoji="1" lang="ja-JP" altLang="en-US" smtClean="0"/>
-              <a:t>2024/11/30</a:t>
+              <a:t>2024/12/10</a:t>
             </a:fld>
             <a:endParaRPr kumimoji="1" lang="ja-JP" altLang="en-US"/>
           </a:p>
@@ -6326,7 +6326,7 @@
           <a:p>
             <a:fld id="{91D34335-0E0F-4CEE-B944-97CECBA33132}" type="datetimeFigureOut">
               <a:rPr kumimoji="1" lang="ja-JP" altLang="en-US" smtClean="0"/>
-              <a:t>2024/11/30</a:t>
+              <a:t>2024/12/10</a:t>
             </a:fld>
             <a:endParaRPr kumimoji="1" lang="ja-JP" altLang="en-US"/>
           </a:p>
@@ -6655,7 +6655,7 @@
           <a:p>
             <a:fld id="{91D34335-0E0F-4CEE-B944-97CECBA33132}" type="datetimeFigureOut">
               <a:rPr kumimoji="1" lang="ja-JP" altLang="en-US" smtClean="0"/>
-              <a:t>2024/11/30</a:t>
+              <a:t>2024/12/10</a:t>
             </a:fld>
             <a:endParaRPr kumimoji="1" lang="ja-JP" altLang="en-US"/>
           </a:p>
@@ -7131,7 +7131,7 @@
           <a:p>
             <a:fld id="{91D34335-0E0F-4CEE-B944-97CECBA33132}" type="datetimeFigureOut">
               <a:rPr kumimoji="1" lang="ja-JP" altLang="en-US" smtClean="0"/>
-              <a:t>2024/11/30</a:t>
+              <a:t>2024/12/10</a:t>
             </a:fld>
             <a:endParaRPr kumimoji="1" lang="ja-JP" altLang="en-US"/>
           </a:p>
@@ -7272,7 +7272,7 @@
           <a:p>
             <a:fld id="{91D34335-0E0F-4CEE-B944-97CECBA33132}" type="datetimeFigureOut">
               <a:rPr kumimoji="1" lang="ja-JP" altLang="en-US" smtClean="0"/>
-              <a:t>2024/11/30</a:t>
+              <a:t>2024/12/10</a:t>
             </a:fld>
             <a:endParaRPr kumimoji="1" lang="ja-JP" altLang="en-US"/>
           </a:p>
@@ -7385,7 +7385,7 @@
           <a:p>
             <a:fld id="{91D34335-0E0F-4CEE-B944-97CECBA33132}" type="datetimeFigureOut">
               <a:rPr kumimoji="1" lang="ja-JP" altLang="en-US" smtClean="0"/>
-              <a:t>2024/11/30</a:t>
+              <a:t>2024/12/10</a:t>
             </a:fld>
             <a:endParaRPr kumimoji="1" lang="ja-JP" altLang="en-US"/>
           </a:p>
@@ -7728,7 +7728,7 @@
           <a:p>
             <a:fld id="{91D34335-0E0F-4CEE-B944-97CECBA33132}" type="datetimeFigureOut">
               <a:rPr kumimoji="1" lang="ja-JP" altLang="en-US" smtClean="0"/>
-              <a:t>2024/11/30</a:t>
+              <a:t>2024/12/10</a:t>
             </a:fld>
             <a:endParaRPr kumimoji="1" lang="ja-JP" altLang="en-US"/>
           </a:p>
@@ -8016,7 +8016,7 @@
           <a:p>
             <a:fld id="{91D34335-0E0F-4CEE-B944-97CECBA33132}" type="datetimeFigureOut">
               <a:rPr kumimoji="1" lang="ja-JP" altLang="en-US" smtClean="0"/>
-              <a:t>2024/11/30</a:t>
+              <a:t>2024/12/10</a:t>
             </a:fld>
             <a:endParaRPr kumimoji="1" lang="ja-JP" altLang="en-US"/>
           </a:p>
@@ -8289,7 +8289,7 @@
           <a:p>
             <a:fld id="{91D34335-0E0F-4CEE-B944-97CECBA33132}" type="datetimeFigureOut">
               <a:rPr kumimoji="1" lang="ja-JP" altLang="en-US" smtClean="0"/>
-              <a:t>2024/11/30</a:t>
+              <a:t>2024/12/10</a:t>
             </a:fld>
             <a:endParaRPr kumimoji="1" lang="ja-JP" altLang="en-US"/>
           </a:p>

--- a/最終報告.pptx
+++ b/最終報告.pptx
@@ -5,7 +5,7 @@
     <p:sldMasterId id="2147483648" r:id="rId1"/>
   </p:sldMasterIdLst>
   <p:notesMasterIdLst>
-    <p:notesMasterId r:id="rId25"/>
+    <p:notesMasterId r:id="rId27"/>
   </p:notesMasterIdLst>
   <p:sldIdLst>
     <p:sldId id="256" r:id="rId2"/>
@@ -30,7 +30,9 @@
     <p:sldId id="278" r:id="rId21"/>
     <p:sldId id="279" r:id="rId22"/>
     <p:sldId id="280" r:id="rId23"/>
-    <p:sldId id="263" r:id="rId24"/>
+    <p:sldId id="282" r:id="rId24"/>
+    <p:sldId id="283" r:id="rId25"/>
+    <p:sldId id="263" r:id="rId26"/>
   </p:sldIdLst>
   <p:sldSz cx="12192000" cy="6858000"/>
   <p:notesSz cx="6858000" cy="9144000"/>
@@ -140,7 +142,7 @@
 <file path=ppt/charts/chart1.xml><?xml version="1.0" encoding="utf-8"?>
 <c:chartSpace xmlns:c="http://schemas.openxmlformats.org/drawingml/2006/chart" xmlns:a="http://schemas.openxmlformats.org/drawingml/2006/main" xmlns:r="http://schemas.openxmlformats.org/officeDocument/2006/relationships" xmlns:c16r2="http://schemas.microsoft.com/office/drawing/2015/06/chart">
   <c:date1904 val="0"/>
-  <c:lang val="en-US"/>
+  <c:lang val="ja-JP"/>
   <c:roundedCorners val="0"/>
   <mc:AlternateContent xmlns:mc="http://schemas.openxmlformats.org/markup-compatibility/2006">
     <mc:Choice xmlns:c14="http://schemas.microsoft.com/office/drawing/2007/8/2/chart" Requires="c14">
@@ -305,7 +307,7 @@
       <a:pPr>
         <a:defRPr/>
       </a:pPr>
-      <a:endParaRPr lang="en-US"/>
+      <a:endParaRPr lang="ja-JP"/>
     </a:p>
   </c:txPr>
   <c:externalData r:id="rId3">
@@ -317,7 +319,7 @@
 <file path=ppt/charts/chart2.xml><?xml version="1.0" encoding="utf-8"?>
 <c:chartSpace xmlns:c="http://schemas.openxmlformats.org/drawingml/2006/chart" xmlns:a="http://schemas.openxmlformats.org/drawingml/2006/main" xmlns:r="http://schemas.openxmlformats.org/officeDocument/2006/relationships" xmlns:c16r2="http://schemas.microsoft.com/office/drawing/2015/06/chart">
   <c:date1904 val="0"/>
-  <c:lang val="en-US"/>
+  <c:lang val="ja-JP"/>
   <c:roundedCorners val="0"/>
   <mc:AlternateContent xmlns:mc="http://schemas.openxmlformats.org/markup-compatibility/2006">
     <mc:Choice xmlns:c14="http://schemas.microsoft.com/office/drawing/2007/8/2/chart" Requires="c14">
@@ -539,7 +541,7 @@
       <a:pPr>
         <a:defRPr/>
       </a:pPr>
-      <a:endParaRPr lang="en-US"/>
+      <a:endParaRPr lang="ja-JP"/>
     </a:p>
   </c:txPr>
   <c:externalData r:id="rId3">
@@ -1748,7 +1750,7 @@
           <a:p>
             <a:fld id="{71B089C8-FDE2-4061-9DCE-7FCF02DE2E7A}" type="datetimeFigureOut">
               <a:rPr kumimoji="1" lang="ja-JP" altLang="en-US" smtClean="0"/>
-              <a:t>2024/12/10</a:t>
+              <a:t>2024/12/12</a:t>
             </a:fld>
             <a:endParaRPr kumimoji="1" lang="ja-JP" altLang="en-US"/>
           </a:p>
@@ -5351,7 +5353,7 @@
           <a:p>
             <a:fld id="{91D34335-0E0F-4CEE-B944-97CECBA33132}" type="datetimeFigureOut">
               <a:rPr kumimoji="1" lang="ja-JP" altLang="en-US" smtClean="0"/>
-              <a:t>2024/12/10</a:t>
+              <a:t>2024/12/12</a:t>
             </a:fld>
             <a:endParaRPr kumimoji="1" lang="ja-JP" altLang="en-US"/>
           </a:p>
@@ -5581,7 +5583,7 @@
           <a:p>
             <a:fld id="{91D34335-0E0F-4CEE-B944-97CECBA33132}" type="datetimeFigureOut">
               <a:rPr kumimoji="1" lang="ja-JP" altLang="en-US" smtClean="0"/>
-              <a:t>2024/12/10</a:t>
+              <a:t>2024/12/12</a:t>
             </a:fld>
             <a:endParaRPr kumimoji="1" lang="ja-JP" altLang="en-US"/>
           </a:p>
@@ -5821,7 +5823,7 @@
           <a:p>
             <a:fld id="{91D34335-0E0F-4CEE-B944-97CECBA33132}" type="datetimeFigureOut">
               <a:rPr kumimoji="1" lang="ja-JP" altLang="en-US" smtClean="0"/>
-              <a:t>2024/12/10</a:t>
+              <a:t>2024/12/12</a:t>
             </a:fld>
             <a:endParaRPr kumimoji="1" lang="ja-JP" altLang="en-US"/>
           </a:p>
@@ -6051,7 +6053,7 @@
           <a:p>
             <a:fld id="{91D34335-0E0F-4CEE-B944-97CECBA33132}" type="datetimeFigureOut">
               <a:rPr kumimoji="1" lang="ja-JP" altLang="en-US" smtClean="0"/>
-              <a:t>2024/12/10</a:t>
+              <a:t>2024/12/12</a:t>
             </a:fld>
             <a:endParaRPr kumimoji="1" lang="ja-JP" altLang="en-US"/>
           </a:p>
@@ -6326,7 +6328,7 @@
           <a:p>
             <a:fld id="{91D34335-0E0F-4CEE-B944-97CECBA33132}" type="datetimeFigureOut">
               <a:rPr kumimoji="1" lang="ja-JP" altLang="en-US" smtClean="0"/>
-              <a:t>2024/12/10</a:t>
+              <a:t>2024/12/12</a:t>
             </a:fld>
             <a:endParaRPr kumimoji="1" lang="ja-JP" altLang="en-US"/>
           </a:p>
@@ -6655,7 +6657,7 @@
           <a:p>
             <a:fld id="{91D34335-0E0F-4CEE-B944-97CECBA33132}" type="datetimeFigureOut">
               <a:rPr kumimoji="1" lang="ja-JP" altLang="en-US" smtClean="0"/>
-              <a:t>2024/12/10</a:t>
+              <a:t>2024/12/12</a:t>
             </a:fld>
             <a:endParaRPr kumimoji="1" lang="ja-JP" altLang="en-US"/>
           </a:p>
@@ -7131,7 +7133,7 @@
           <a:p>
             <a:fld id="{91D34335-0E0F-4CEE-B944-97CECBA33132}" type="datetimeFigureOut">
               <a:rPr kumimoji="1" lang="ja-JP" altLang="en-US" smtClean="0"/>
-              <a:t>2024/12/10</a:t>
+              <a:t>2024/12/12</a:t>
             </a:fld>
             <a:endParaRPr kumimoji="1" lang="ja-JP" altLang="en-US"/>
           </a:p>
@@ -7272,7 +7274,7 @@
           <a:p>
             <a:fld id="{91D34335-0E0F-4CEE-B944-97CECBA33132}" type="datetimeFigureOut">
               <a:rPr kumimoji="1" lang="ja-JP" altLang="en-US" smtClean="0"/>
-              <a:t>2024/12/10</a:t>
+              <a:t>2024/12/12</a:t>
             </a:fld>
             <a:endParaRPr kumimoji="1" lang="ja-JP" altLang="en-US"/>
           </a:p>
@@ -7385,7 +7387,7 @@
           <a:p>
             <a:fld id="{91D34335-0E0F-4CEE-B944-97CECBA33132}" type="datetimeFigureOut">
               <a:rPr kumimoji="1" lang="ja-JP" altLang="en-US" smtClean="0"/>
-              <a:t>2024/12/10</a:t>
+              <a:t>2024/12/12</a:t>
             </a:fld>
             <a:endParaRPr kumimoji="1" lang="ja-JP" altLang="en-US"/>
           </a:p>
@@ -7728,7 +7730,7 @@
           <a:p>
             <a:fld id="{91D34335-0E0F-4CEE-B944-97CECBA33132}" type="datetimeFigureOut">
               <a:rPr kumimoji="1" lang="ja-JP" altLang="en-US" smtClean="0"/>
-              <a:t>2024/12/10</a:t>
+              <a:t>2024/12/12</a:t>
             </a:fld>
             <a:endParaRPr kumimoji="1" lang="ja-JP" altLang="en-US"/>
           </a:p>
@@ -8016,7 +8018,7 @@
           <a:p>
             <a:fld id="{91D34335-0E0F-4CEE-B944-97CECBA33132}" type="datetimeFigureOut">
               <a:rPr kumimoji="1" lang="ja-JP" altLang="en-US" smtClean="0"/>
-              <a:t>2024/12/10</a:t>
+              <a:t>2024/12/12</a:t>
             </a:fld>
             <a:endParaRPr kumimoji="1" lang="ja-JP" altLang="en-US"/>
           </a:p>
@@ -8289,7 +8291,7 @@
           <a:p>
             <a:fld id="{91D34335-0E0F-4CEE-B944-97CECBA33132}" type="datetimeFigureOut">
               <a:rPr kumimoji="1" lang="ja-JP" altLang="en-US" smtClean="0"/>
-              <a:t>2024/12/10</a:t>
+              <a:t>2024/12/12</a:t>
             </a:fld>
             <a:endParaRPr kumimoji="1" lang="ja-JP" altLang="en-US"/>
           </a:p>
@@ -16516,6 +16518,4125 @@
 </file>
 
 <file path=ppt/slides/slide23.xml><?xml version="1.0" encoding="utf-8"?>
+<p:sld xmlns:a="http://schemas.openxmlformats.org/drawingml/2006/main" xmlns:r="http://schemas.openxmlformats.org/officeDocument/2006/relationships" xmlns:p="http://schemas.openxmlformats.org/presentationml/2006/main">
+  <p:cSld>
+    <p:spTree>
+      <p:nvGrpSpPr>
+        <p:cNvPr id="1" name=""/>
+        <p:cNvGrpSpPr/>
+        <p:nvPr/>
+      </p:nvGrpSpPr>
+      <p:grpSpPr>
+        <a:xfrm>
+          <a:off x="0" y="0"/>
+          <a:ext cx="0" cy="0"/>
+          <a:chOff x="0" y="0"/>
+          <a:chExt cx="0" cy="0"/>
+        </a:xfrm>
+      </p:grpSpPr>
+      <p:sp>
+        <p:nvSpPr>
+          <p:cNvPr id="4" name="テキスト ボックス 3">
+            <a:extLst>
+              <a:ext uri="{FF2B5EF4-FFF2-40B4-BE49-F238E27FC236}">
+                <a16:creationId xmlns:a16="http://schemas.microsoft.com/office/drawing/2014/main" id="{7D488964-915C-6E6C-F0D1-BD92504F8AD7}"/>
+              </a:ext>
+            </a:extLst>
+          </p:cNvPr>
+          <p:cNvSpPr txBox="1"/>
+          <p:nvPr/>
+        </p:nvSpPr>
+        <p:spPr>
+          <a:xfrm>
+            <a:off x="1295464" y="750292"/>
+            <a:ext cx="9601066" cy="954107"/>
+          </a:xfrm>
+          <a:prstGeom prst="rect">
+            <a:avLst/>
+          </a:prstGeom>
+          <a:solidFill>
+            <a:schemeClr val="bg2">
+              <a:lumMod val="90000"/>
+            </a:schemeClr>
+          </a:solidFill>
+        </p:spPr>
+        <p:txBody>
+          <a:bodyPr wrap="square" rtlCol="0">
+            <a:spAutoFit/>
+          </a:bodyPr>
+          <a:lstStyle/>
+          <a:p>
+            <a:r>
+              <a:rPr kumimoji="1" lang="en-US" altLang="ja-JP" sz="2800" b="1" dirty="0">
+                <a:latin typeface="BIZ UDPゴシック" panose="020B0400000000000000" pitchFamily="50" charset="-128"/>
+                <a:ea typeface="BIZ UDPゴシック" panose="020B0400000000000000" pitchFamily="50" charset="-128"/>
+              </a:rPr>
+              <a:t>【</a:t>
+            </a:r>
+            <a:r>
+              <a:rPr kumimoji="1" lang="ja-JP" altLang="en-US" sz="2800" b="1" dirty="0">
+                <a:latin typeface="BIZ UDPゴシック" panose="020B0400000000000000" pitchFamily="50" charset="-128"/>
+                <a:ea typeface="BIZ UDPゴシック" panose="020B0400000000000000" pitchFamily="50" charset="-128"/>
+              </a:rPr>
+              <a:t>速報</a:t>
+            </a:r>
+            <a:r>
+              <a:rPr kumimoji="1" lang="en-US" altLang="ja-JP" sz="2800" b="1" dirty="0">
+                <a:latin typeface="BIZ UDPゴシック" panose="020B0400000000000000" pitchFamily="50" charset="-128"/>
+                <a:ea typeface="BIZ UDPゴシック" panose="020B0400000000000000" pitchFamily="50" charset="-128"/>
+              </a:rPr>
+              <a:t>】</a:t>
+            </a:r>
+            <a:r>
+              <a:rPr kumimoji="1" lang="ja-JP" altLang="en-US" sz="2800" b="1" dirty="0">
+                <a:latin typeface="BIZ UDPゴシック" panose="020B0400000000000000" pitchFamily="50" charset="-128"/>
+                <a:ea typeface="BIZ UDPゴシック" panose="020B0400000000000000" pitchFamily="50" charset="-128"/>
+              </a:rPr>
+              <a:t>世界が注目する</a:t>
+            </a:r>
+            <a:r>
+              <a:rPr kumimoji="1" lang="en-US" altLang="ja-JP" sz="2800" b="1" dirty="0">
+                <a:latin typeface="BIZ UDPゴシック" panose="020B0400000000000000" pitchFamily="50" charset="-128"/>
+                <a:ea typeface="BIZ UDPゴシック" panose="020B0400000000000000" pitchFamily="50" charset="-128"/>
+              </a:rPr>
+              <a:t>MVIDIA</a:t>
+            </a:r>
+            <a:r>
+              <a:rPr kumimoji="1" lang="ja-JP" altLang="en-US" sz="2800" b="1" dirty="0">
+                <a:latin typeface="BIZ UDPゴシック" panose="020B0400000000000000" pitchFamily="50" charset="-128"/>
+                <a:ea typeface="BIZ UDPゴシック" panose="020B0400000000000000" pitchFamily="50" charset="-128"/>
+              </a:rPr>
+              <a:t>が決算発表</a:t>
+            </a:r>
+            <a:endParaRPr kumimoji="1" lang="en-US" altLang="ja-JP" sz="2800" b="1" dirty="0">
+              <a:latin typeface="BIZ UDPゴシック" panose="020B0400000000000000" pitchFamily="50" charset="-128"/>
+              <a:ea typeface="BIZ UDPゴシック" panose="020B0400000000000000" pitchFamily="50" charset="-128"/>
+            </a:endParaRPr>
+          </a:p>
+          <a:p>
+            <a:r>
+              <a:rPr kumimoji="1" lang="ja-JP" altLang="en-US" sz="2800" b="1" dirty="0">
+                <a:latin typeface="BIZ UDPゴシック" panose="020B0400000000000000" pitchFamily="50" charset="-128"/>
+                <a:ea typeface="BIZ UDPゴシック" panose="020B0400000000000000" pitchFamily="50" charset="-128"/>
+              </a:rPr>
+              <a:t>「最終的な利益 前年比</a:t>
+            </a:r>
+            <a:r>
+              <a:rPr kumimoji="1" lang="en-US" altLang="ja-JP" sz="2800" b="1" dirty="0">
+                <a:latin typeface="BIZ UDPゴシック" panose="020B0400000000000000" pitchFamily="50" charset="-128"/>
+                <a:ea typeface="BIZ UDPゴシック" panose="020B0400000000000000" pitchFamily="50" charset="-128"/>
+              </a:rPr>
+              <a:t>7.3</a:t>
+            </a:r>
+            <a:r>
+              <a:rPr kumimoji="1" lang="ja-JP" altLang="en-US" sz="2800" b="1" dirty="0">
+                <a:latin typeface="BIZ UDPゴシック" panose="020B0400000000000000" pitchFamily="50" charset="-128"/>
+                <a:ea typeface="BIZ UDPゴシック" panose="020B0400000000000000" pitchFamily="50" charset="-128"/>
+              </a:rPr>
+              <a:t>倍</a:t>
+            </a:r>
+            <a:r>
+              <a:rPr kumimoji="1" lang="en-US" altLang="ja-JP" sz="2800" b="1" dirty="0">
+                <a:latin typeface="BIZ UDPゴシック" panose="020B0400000000000000" pitchFamily="50" charset="-128"/>
+                <a:ea typeface="BIZ UDPゴシック" panose="020B0400000000000000" pitchFamily="50" charset="-128"/>
+              </a:rPr>
+              <a:t>2</a:t>
+            </a:r>
+            <a:r>
+              <a:rPr kumimoji="1" lang="ja-JP" altLang="en-US" sz="2800" b="1" dirty="0">
+                <a:latin typeface="BIZ UDPゴシック" panose="020B0400000000000000" pitchFamily="50" charset="-128"/>
+                <a:ea typeface="BIZ UDPゴシック" panose="020B0400000000000000" pitchFamily="50" charset="-128"/>
+              </a:rPr>
+              <a:t>兆</a:t>
+            </a:r>
+            <a:r>
+              <a:rPr kumimoji="1" lang="en-US" altLang="ja-JP" sz="2800" b="1" dirty="0">
+                <a:latin typeface="BIZ UDPゴシック" panose="020B0400000000000000" pitchFamily="50" charset="-128"/>
+                <a:ea typeface="BIZ UDPゴシック" panose="020B0400000000000000" pitchFamily="50" charset="-128"/>
+              </a:rPr>
+              <a:t>3300</a:t>
+            </a:r>
+            <a:r>
+              <a:rPr kumimoji="1" lang="ja-JP" altLang="en-US" sz="2800" b="1" dirty="0">
+                <a:latin typeface="BIZ UDPゴシック" panose="020B0400000000000000" pitchFamily="50" charset="-128"/>
+                <a:ea typeface="BIZ UDPゴシック" panose="020B0400000000000000" pitchFamily="50" charset="-128"/>
+              </a:rPr>
+              <a:t>億円」勢い止まらず</a:t>
+            </a:r>
+          </a:p>
+        </p:txBody>
+      </p:sp>
+      <p:graphicFrame>
+        <p:nvGraphicFramePr>
+          <p:cNvPr id="5" name="表 4">
+            <a:extLst>
+              <a:ext uri="{FF2B5EF4-FFF2-40B4-BE49-F238E27FC236}">
+                <a16:creationId xmlns:a16="http://schemas.microsoft.com/office/drawing/2014/main" id="{F24F8378-CC85-A514-95DA-3CBDBFA1AA1E}"/>
+              </a:ext>
+            </a:extLst>
+          </p:cNvPr>
+          <p:cNvGraphicFramePr>
+            <a:graphicFrameLocks noGrp="1"/>
+          </p:cNvGraphicFramePr>
+          <p:nvPr>
+            <p:extLst>
+              <p:ext uri="{D42A27DB-BD31-4B8C-83A1-F6EECF244321}">
+                <p14:modId xmlns:p14="http://schemas.microsoft.com/office/powerpoint/2010/main" val="3705282459"/>
+              </p:ext>
+            </p:extLst>
+          </p:nvPr>
+        </p:nvGraphicFramePr>
+        <p:xfrm>
+          <a:off x="1509717" y="2413305"/>
+          <a:ext cx="9256820" cy="1053424"/>
+        </p:xfrm>
+        <a:graphic>
+          <a:graphicData uri="http://schemas.openxmlformats.org/drawingml/2006/table">
+            <a:tbl>
+              <a:tblPr>
+                <a:tableStyleId>{5C22544A-7EE6-4342-B048-85BDC9FD1C3A}</a:tableStyleId>
+              </a:tblPr>
+              <a:tblGrid>
+                <a:gridCol w="1851364">
+                  <a:extLst>
+                    <a:ext uri="{9D8B030D-6E8A-4147-A177-3AD203B41FA5}">
+                      <a16:colId xmlns:a16="http://schemas.microsoft.com/office/drawing/2014/main" val="893344366"/>
+                    </a:ext>
+                  </a:extLst>
+                </a:gridCol>
+                <a:gridCol w="1851364">
+                  <a:extLst>
+                    <a:ext uri="{9D8B030D-6E8A-4147-A177-3AD203B41FA5}">
+                      <a16:colId xmlns:a16="http://schemas.microsoft.com/office/drawing/2014/main" val="3337786240"/>
+                    </a:ext>
+                  </a:extLst>
+                </a:gridCol>
+                <a:gridCol w="1851364">
+                  <a:extLst>
+                    <a:ext uri="{9D8B030D-6E8A-4147-A177-3AD203B41FA5}">
+                      <a16:colId xmlns:a16="http://schemas.microsoft.com/office/drawing/2014/main" val="832829902"/>
+                    </a:ext>
+                  </a:extLst>
+                </a:gridCol>
+                <a:gridCol w="1851364">
+                  <a:extLst>
+                    <a:ext uri="{9D8B030D-6E8A-4147-A177-3AD203B41FA5}">
+                      <a16:colId xmlns:a16="http://schemas.microsoft.com/office/drawing/2014/main" val="3318059863"/>
+                    </a:ext>
+                  </a:extLst>
+                </a:gridCol>
+                <a:gridCol w="1851364">
+                  <a:extLst>
+                    <a:ext uri="{9D8B030D-6E8A-4147-A177-3AD203B41FA5}">
+                      <a16:colId xmlns:a16="http://schemas.microsoft.com/office/drawing/2014/main" val="2909980776"/>
+                    </a:ext>
+                  </a:extLst>
+                </a:gridCol>
+              </a:tblGrid>
+              <a:tr h="526712">
+                <a:tc>
+                  <a:txBody>
+                    <a:bodyPr/>
+                    <a:lstStyle/>
+                    <a:p>
+                      <a:pPr algn="ctr"/>
+                      <a:r>
+                        <a:rPr kumimoji="1" lang="ja-JP" altLang="en-US" sz="2400" b="1" dirty="0"/>
+                        <a:t>失望</a:t>
+                      </a:r>
+                    </a:p>
+                  </a:txBody>
+                  <a:tcPr anchor="ctr">
+                    <a:lnL w="12700" cap="flat" cmpd="sng" algn="ctr">
+                      <a:solidFill>
+                        <a:schemeClr val="tx1"/>
+                      </a:solidFill>
+                      <a:prstDash val="solid"/>
+                      <a:round/>
+                      <a:headEnd type="none" w="med" len="med"/>
+                      <a:tailEnd type="none" w="med" len="med"/>
+                    </a:lnL>
+                    <a:lnR w="12700" cap="flat" cmpd="sng" algn="ctr">
+                      <a:solidFill>
+                        <a:schemeClr val="tx1"/>
+                      </a:solidFill>
+                      <a:prstDash val="solid"/>
+                      <a:round/>
+                      <a:headEnd type="none" w="med" len="med"/>
+                      <a:tailEnd type="none" w="med" len="med"/>
+                    </a:lnR>
+                    <a:lnT w="12700" cap="flat" cmpd="sng" algn="ctr">
+                      <a:solidFill>
+                        <a:schemeClr val="tx1"/>
+                      </a:solidFill>
+                      <a:prstDash val="solid"/>
+                      <a:round/>
+                      <a:headEnd type="none" w="med" len="med"/>
+                      <a:tailEnd type="none" w="med" len="med"/>
+                    </a:lnT>
+                    <a:lnB w="12700" cap="flat" cmpd="sng" algn="ctr">
+                      <a:solidFill>
+                        <a:schemeClr val="tx1"/>
+                      </a:solidFill>
+                      <a:prstDash val="solid"/>
+                      <a:round/>
+                      <a:headEnd type="none" w="med" len="med"/>
+                      <a:tailEnd type="none" w="med" len="med"/>
+                    </a:lnB>
+                    <a:noFill/>
+                  </a:tcPr>
+                </a:tc>
+                <a:tc>
+                  <a:txBody>
+                    <a:bodyPr/>
+                    <a:lstStyle/>
+                    <a:p>
+                      <a:pPr algn="ctr"/>
+                      <a:r>
+                        <a:rPr kumimoji="1" lang="ja-JP" altLang="en-US" sz="2400" b="1" dirty="0"/>
+                        <a:t>楽観</a:t>
+                      </a:r>
+                    </a:p>
+                  </a:txBody>
+                  <a:tcPr anchor="ctr">
+                    <a:lnL w="12700" cap="flat" cmpd="sng" algn="ctr">
+                      <a:solidFill>
+                        <a:schemeClr val="tx1"/>
+                      </a:solidFill>
+                      <a:prstDash val="solid"/>
+                      <a:round/>
+                      <a:headEnd type="none" w="med" len="med"/>
+                      <a:tailEnd type="none" w="med" len="med"/>
+                    </a:lnL>
+                    <a:lnR w="12700" cap="flat" cmpd="sng" algn="ctr">
+                      <a:solidFill>
+                        <a:schemeClr val="tx1"/>
+                      </a:solidFill>
+                      <a:prstDash val="solid"/>
+                      <a:round/>
+                      <a:headEnd type="none" w="med" len="med"/>
+                      <a:tailEnd type="none" w="med" len="med"/>
+                    </a:lnR>
+                    <a:lnT w="12700" cap="flat" cmpd="sng" algn="ctr">
+                      <a:solidFill>
+                        <a:schemeClr val="tx1"/>
+                      </a:solidFill>
+                      <a:prstDash val="solid"/>
+                      <a:round/>
+                      <a:headEnd type="none" w="med" len="med"/>
+                      <a:tailEnd type="none" w="med" len="med"/>
+                    </a:lnT>
+                    <a:lnB w="12700" cap="flat" cmpd="sng" algn="ctr">
+                      <a:solidFill>
+                        <a:schemeClr val="tx1"/>
+                      </a:solidFill>
+                      <a:prstDash val="solid"/>
+                      <a:round/>
+                      <a:headEnd type="none" w="med" len="med"/>
+                      <a:tailEnd type="none" w="med" len="med"/>
+                    </a:lnB>
+                    <a:noFill/>
+                  </a:tcPr>
+                </a:tc>
+                <a:tc>
+                  <a:txBody>
+                    <a:bodyPr/>
+                    <a:lstStyle/>
+                    <a:p>
+                      <a:pPr algn="ctr"/>
+                      <a:r>
+                        <a:rPr kumimoji="1" lang="ja-JP" altLang="en-US" sz="2400" b="1" dirty="0"/>
+                        <a:t>懸念</a:t>
+                      </a:r>
+                    </a:p>
+                  </a:txBody>
+                  <a:tcPr anchor="ctr">
+                    <a:lnL w="12700" cap="flat" cmpd="sng" algn="ctr">
+                      <a:solidFill>
+                        <a:schemeClr val="tx1"/>
+                      </a:solidFill>
+                      <a:prstDash val="solid"/>
+                      <a:round/>
+                      <a:headEnd type="none" w="med" len="med"/>
+                      <a:tailEnd type="none" w="med" len="med"/>
+                    </a:lnL>
+                    <a:lnR w="12700" cap="flat" cmpd="sng" algn="ctr">
+                      <a:solidFill>
+                        <a:schemeClr val="tx1"/>
+                      </a:solidFill>
+                      <a:prstDash val="solid"/>
+                      <a:round/>
+                      <a:headEnd type="none" w="med" len="med"/>
+                      <a:tailEnd type="none" w="med" len="med"/>
+                    </a:lnR>
+                    <a:lnT w="12700" cap="flat" cmpd="sng" algn="ctr">
+                      <a:solidFill>
+                        <a:schemeClr val="tx1"/>
+                      </a:solidFill>
+                      <a:prstDash val="solid"/>
+                      <a:round/>
+                      <a:headEnd type="none" w="med" len="med"/>
+                      <a:tailEnd type="none" w="med" len="med"/>
+                    </a:lnT>
+                    <a:lnB w="12700" cap="flat" cmpd="sng" algn="ctr">
+                      <a:solidFill>
+                        <a:schemeClr val="tx1"/>
+                      </a:solidFill>
+                      <a:prstDash val="solid"/>
+                      <a:round/>
+                      <a:headEnd type="none" w="med" len="med"/>
+                      <a:tailEnd type="none" w="med" len="med"/>
+                    </a:lnB>
+                    <a:noFill/>
+                  </a:tcPr>
+                </a:tc>
+                <a:tc>
+                  <a:txBody>
+                    <a:bodyPr/>
+                    <a:lstStyle/>
+                    <a:p>
+                      <a:pPr algn="ctr"/>
+                      <a:r>
+                        <a:rPr kumimoji="1" lang="ja-JP" altLang="en-US" sz="2400" b="1" dirty="0"/>
+                        <a:t>興奮</a:t>
+                      </a:r>
+                    </a:p>
+                  </a:txBody>
+                  <a:tcPr anchor="ctr">
+                    <a:lnL w="12700" cap="flat" cmpd="sng" algn="ctr">
+                      <a:solidFill>
+                        <a:schemeClr val="tx1"/>
+                      </a:solidFill>
+                      <a:prstDash val="solid"/>
+                      <a:round/>
+                      <a:headEnd type="none" w="med" len="med"/>
+                      <a:tailEnd type="none" w="med" len="med"/>
+                    </a:lnL>
+                    <a:lnR w="12700" cap="flat" cmpd="sng" algn="ctr">
+                      <a:solidFill>
+                        <a:schemeClr val="tx1"/>
+                      </a:solidFill>
+                      <a:prstDash val="solid"/>
+                      <a:round/>
+                      <a:headEnd type="none" w="med" len="med"/>
+                      <a:tailEnd type="none" w="med" len="med"/>
+                    </a:lnR>
+                    <a:lnT w="12700" cap="flat" cmpd="sng" algn="ctr">
+                      <a:solidFill>
+                        <a:schemeClr val="tx1"/>
+                      </a:solidFill>
+                      <a:prstDash val="solid"/>
+                      <a:round/>
+                      <a:headEnd type="none" w="med" len="med"/>
+                      <a:tailEnd type="none" w="med" len="med"/>
+                    </a:lnT>
+                    <a:lnB w="12700" cap="flat" cmpd="sng" algn="ctr">
+                      <a:solidFill>
+                        <a:schemeClr val="tx1"/>
+                      </a:solidFill>
+                      <a:prstDash val="solid"/>
+                      <a:round/>
+                      <a:headEnd type="none" w="med" len="med"/>
+                      <a:tailEnd type="none" w="med" len="med"/>
+                    </a:lnB>
+                    <a:noFill/>
+                  </a:tcPr>
+                </a:tc>
+                <a:tc>
+                  <a:txBody>
+                    <a:bodyPr/>
+                    <a:lstStyle/>
+                    <a:p>
+                      <a:pPr algn="ctr"/>
+                      <a:r>
+                        <a:rPr kumimoji="1" lang="ja-JP" altLang="en-US" sz="2400" b="1" dirty="0"/>
+                        <a:t>安定</a:t>
+                      </a:r>
+                    </a:p>
+                  </a:txBody>
+                  <a:tcPr anchor="ctr">
+                    <a:lnL w="12700" cap="flat" cmpd="sng" algn="ctr">
+                      <a:solidFill>
+                        <a:schemeClr val="tx1"/>
+                      </a:solidFill>
+                      <a:prstDash val="solid"/>
+                      <a:round/>
+                      <a:headEnd type="none" w="med" len="med"/>
+                      <a:tailEnd type="none" w="med" len="med"/>
+                    </a:lnL>
+                    <a:lnR w="12700" cap="flat" cmpd="sng" algn="ctr">
+                      <a:solidFill>
+                        <a:schemeClr val="tx1"/>
+                      </a:solidFill>
+                      <a:prstDash val="solid"/>
+                      <a:round/>
+                      <a:headEnd type="none" w="med" len="med"/>
+                      <a:tailEnd type="none" w="med" len="med"/>
+                    </a:lnR>
+                    <a:lnT w="12700" cap="flat" cmpd="sng" algn="ctr">
+                      <a:solidFill>
+                        <a:schemeClr val="tx1"/>
+                      </a:solidFill>
+                      <a:prstDash val="solid"/>
+                      <a:round/>
+                      <a:headEnd type="none" w="med" len="med"/>
+                      <a:tailEnd type="none" w="med" len="med"/>
+                    </a:lnT>
+                    <a:lnB w="12700" cap="flat" cmpd="sng" algn="ctr">
+                      <a:solidFill>
+                        <a:schemeClr val="tx1"/>
+                      </a:solidFill>
+                      <a:prstDash val="solid"/>
+                      <a:round/>
+                      <a:headEnd type="none" w="med" len="med"/>
+                      <a:tailEnd type="none" w="med" len="med"/>
+                    </a:lnB>
+                    <a:noFill/>
+                  </a:tcPr>
+                </a:tc>
+                <a:extLst>
+                  <a:ext uri="{0D108BD9-81ED-4DB2-BD59-A6C34878D82A}">
+                    <a16:rowId xmlns:a16="http://schemas.microsoft.com/office/drawing/2014/main" val="4282857899"/>
+                  </a:ext>
+                </a:extLst>
+              </a:tr>
+              <a:tr h="526712">
+                <a:tc>
+                  <a:txBody>
+                    <a:bodyPr/>
+                    <a:lstStyle/>
+                    <a:p>
+                      <a:pPr algn="ctr"/>
+                      <a:r>
+                        <a:rPr kumimoji="1" lang="en-US" altLang="ja-JP" sz="1800" b="0" i="0" kern="1200" dirty="0">
+                          <a:solidFill>
+                            <a:schemeClr val="dk1"/>
+                          </a:solidFill>
+                          <a:effectLst/>
+                          <a:latin typeface="BIZ UDPゴシック" panose="020B0400000000000000" pitchFamily="50" charset="-128"/>
+                          <a:ea typeface="BIZ UDPゴシック" panose="020B0400000000000000" pitchFamily="50" charset="-128"/>
+                          <a:cs typeface="+mn-cs"/>
+                        </a:rPr>
+                        <a:t>0.05364992</a:t>
+                      </a:r>
+                      <a:endParaRPr kumimoji="1" lang="ja-JP" altLang="en-US" sz="2000" dirty="0">
+                        <a:latin typeface="BIZ UDPゴシック" panose="020B0400000000000000" pitchFamily="50" charset="-128"/>
+                        <a:ea typeface="BIZ UDPゴシック" panose="020B0400000000000000" pitchFamily="50" charset="-128"/>
+                      </a:endParaRPr>
+                    </a:p>
+                  </a:txBody>
+                  <a:tcPr anchor="ctr">
+                    <a:lnL w="12700" cap="flat" cmpd="sng" algn="ctr">
+                      <a:solidFill>
+                        <a:schemeClr val="tx1"/>
+                      </a:solidFill>
+                      <a:prstDash val="solid"/>
+                      <a:round/>
+                      <a:headEnd type="none" w="med" len="med"/>
+                      <a:tailEnd type="none" w="med" len="med"/>
+                    </a:lnL>
+                    <a:lnR w="12700" cap="flat" cmpd="sng" algn="ctr">
+                      <a:solidFill>
+                        <a:schemeClr val="tx1"/>
+                      </a:solidFill>
+                      <a:prstDash val="solid"/>
+                      <a:round/>
+                      <a:headEnd type="none" w="med" len="med"/>
+                      <a:tailEnd type="none" w="med" len="med"/>
+                    </a:lnR>
+                    <a:lnT w="12700" cap="flat" cmpd="sng" algn="ctr">
+                      <a:solidFill>
+                        <a:schemeClr val="tx1"/>
+                      </a:solidFill>
+                      <a:prstDash val="solid"/>
+                      <a:round/>
+                      <a:headEnd type="none" w="med" len="med"/>
+                      <a:tailEnd type="none" w="med" len="med"/>
+                    </a:lnT>
+                    <a:lnB w="12700" cap="flat" cmpd="sng" algn="ctr">
+                      <a:solidFill>
+                        <a:schemeClr val="tx1"/>
+                      </a:solidFill>
+                      <a:prstDash val="solid"/>
+                      <a:round/>
+                      <a:headEnd type="none" w="med" len="med"/>
+                      <a:tailEnd type="none" w="med" len="med"/>
+                    </a:lnB>
+                    <a:noFill/>
+                  </a:tcPr>
+                </a:tc>
+                <a:tc>
+                  <a:txBody>
+                    <a:bodyPr/>
+                    <a:lstStyle/>
+                    <a:p>
+                      <a:pPr algn="ctr"/>
+                      <a:r>
+                        <a:rPr kumimoji="1" lang="en-US" altLang="ja-JP" sz="1800" b="0" i="0" kern="1200" dirty="0">
+                          <a:solidFill>
+                            <a:schemeClr val="dk1"/>
+                          </a:solidFill>
+                          <a:effectLst/>
+                          <a:latin typeface="BIZ UDPゴシック" panose="020B0400000000000000" pitchFamily="50" charset="-128"/>
+                          <a:ea typeface="BIZ UDPゴシック" panose="020B0400000000000000" pitchFamily="50" charset="-128"/>
+                          <a:cs typeface="+mn-cs"/>
+                        </a:rPr>
+                        <a:t>0.39513937</a:t>
+                      </a:r>
+                      <a:endParaRPr kumimoji="1" lang="ja-JP" altLang="en-US" sz="2000" dirty="0">
+                        <a:latin typeface="BIZ UDPゴシック" panose="020B0400000000000000" pitchFamily="50" charset="-128"/>
+                        <a:ea typeface="BIZ UDPゴシック" panose="020B0400000000000000" pitchFamily="50" charset="-128"/>
+                      </a:endParaRPr>
+                    </a:p>
+                  </a:txBody>
+                  <a:tcPr anchor="ctr">
+                    <a:lnL w="12700" cap="flat" cmpd="sng" algn="ctr">
+                      <a:solidFill>
+                        <a:schemeClr val="tx1"/>
+                      </a:solidFill>
+                      <a:prstDash val="solid"/>
+                      <a:round/>
+                      <a:headEnd type="none" w="med" len="med"/>
+                      <a:tailEnd type="none" w="med" len="med"/>
+                    </a:lnL>
+                    <a:lnR w="12700" cap="flat" cmpd="sng" algn="ctr">
+                      <a:solidFill>
+                        <a:schemeClr val="tx1"/>
+                      </a:solidFill>
+                      <a:prstDash val="solid"/>
+                      <a:round/>
+                      <a:headEnd type="none" w="med" len="med"/>
+                      <a:tailEnd type="none" w="med" len="med"/>
+                    </a:lnR>
+                    <a:lnT w="12700" cap="flat" cmpd="sng" algn="ctr">
+                      <a:solidFill>
+                        <a:schemeClr val="tx1"/>
+                      </a:solidFill>
+                      <a:prstDash val="solid"/>
+                      <a:round/>
+                      <a:headEnd type="none" w="med" len="med"/>
+                      <a:tailEnd type="none" w="med" len="med"/>
+                    </a:lnT>
+                    <a:lnB w="12700" cap="flat" cmpd="sng" algn="ctr">
+                      <a:solidFill>
+                        <a:schemeClr val="tx1"/>
+                      </a:solidFill>
+                      <a:prstDash val="solid"/>
+                      <a:round/>
+                      <a:headEnd type="none" w="med" len="med"/>
+                      <a:tailEnd type="none" w="med" len="med"/>
+                    </a:lnB>
+                    <a:noFill/>
+                  </a:tcPr>
+                </a:tc>
+                <a:tc>
+                  <a:txBody>
+                    <a:bodyPr/>
+                    <a:lstStyle/>
+                    <a:p>
+                      <a:pPr algn="ctr"/>
+                      <a:r>
+                        <a:rPr kumimoji="1" lang="en-US" altLang="ja-JP" sz="1800" b="0" i="0" kern="1200" dirty="0">
+                          <a:solidFill>
+                            <a:schemeClr val="dk1"/>
+                          </a:solidFill>
+                          <a:effectLst/>
+                          <a:latin typeface="BIZ UDPゴシック" panose="020B0400000000000000" pitchFamily="50" charset="-128"/>
+                          <a:ea typeface="BIZ UDPゴシック" panose="020B0400000000000000" pitchFamily="50" charset="-128"/>
+                          <a:cs typeface="+mn-cs"/>
+                        </a:rPr>
+                        <a:t>0.1085517</a:t>
+                      </a:r>
+                      <a:endParaRPr kumimoji="1" lang="ja-JP" altLang="en-US" sz="2000" dirty="0">
+                        <a:latin typeface="BIZ UDPゴシック" panose="020B0400000000000000" pitchFamily="50" charset="-128"/>
+                        <a:ea typeface="BIZ UDPゴシック" panose="020B0400000000000000" pitchFamily="50" charset="-128"/>
+                      </a:endParaRPr>
+                    </a:p>
+                  </a:txBody>
+                  <a:tcPr anchor="ctr">
+                    <a:lnL w="12700" cap="flat" cmpd="sng" algn="ctr">
+                      <a:solidFill>
+                        <a:schemeClr val="tx1"/>
+                      </a:solidFill>
+                      <a:prstDash val="solid"/>
+                      <a:round/>
+                      <a:headEnd type="none" w="med" len="med"/>
+                      <a:tailEnd type="none" w="med" len="med"/>
+                    </a:lnL>
+                    <a:lnR w="12700" cap="flat" cmpd="sng" algn="ctr">
+                      <a:solidFill>
+                        <a:schemeClr val="tx1"/>
+                      </a:solidFill>
+                      <a:prstDash val="solid"/>
+                      <a:round/>
+                      <a:headEnd type="none" w="med" len="med"/>
+                      <a:tailEnd type="none" w="med" len="med"/>
+                    </a:lnR>
+                    <a:lnT w="12700" cap="flat" cmpd="sng" algn="ctr">
+                      <a:solidFill>
+                        <a:schemeClr val="tx1"/>
+                      </a:solidFill>
+                      <a:prstDash val="solid"/>
+                      <a:round/>
+                      <a:headEnd type="none" w="med" len="med"/>
+                      <a:tailEnd type="none" w="med" len="med"/>
+                    </a:lnT>
+                    <a:lnB w="12700" cap="flat" cmpd="sng" algn="ctr">
+                      <a:solidFill>
+                        <a:schemeClr val="tx1"/>
+                      </a:solidFill>
+                      <a:prstDash val="solid"/>
+                      <a:round/>
+                      <a:headEnd type="none" w="med" len="med"/>
+                      <a:tailEnd type="none" w="med" len="med"/>
+                    </a:lnB>
+                    <a:noFill/>
+                  </a:tcPr>
+                </a:tc>
+                <a:tc>
+                  <a:txBody>
+                    <a:bodyPr/>
+                    <a:lstStyle/>
+                    <a:p>
+                      <a:pPr algn="ctr"/>
+                      <a:r>
+                        <a:rPr kumimoji="1" lang="en-US" altLang="ja-JP" sz="1800" b="0" i="0" kern="1200" dirty="0">
+                          <a:solidFill>
+                            <a:schemeClr val="dk1"/>
+                          </a:solidFill>
+                          <a:effectLst/>
+                          <a:latin typeface="BIZ UDPゴシック" panose="020B0400000000000000" pitchFamily="50" charset="-128"/>
+                          <a:ea typeface="BIZ UDPゴシック" panose="020B0400000000000000" pitchFamily="50" charset="-128"/>
+                          <a:cs typeface="+mn-cs"/>
+                        </a:rPr>
+                        <a:t>0.23088336</a:t>
+                      </a:r>
+                      <a:endParaRPr kumimoji="1" lang="ja-JP" altLang="en-US" sz="2000" dirty="0">
+                        <a:latin typeface="BIZ UDPゴシック" panose="020B0400000000000000" pitchFamily="50" charset="-128"/>
+                        <a:ea typeface="BIZ UDPゴシック" panose="020B0400000000000000" pitchFamily="50" charset="-128"/>
+                      </a:endParaRPr>
+                    </a:p>
+                  </a:txBody>
+                  <a:tcPr anchor="ctr">
+                    <a:lnL w="12700" cap="flat" cmpd="sng" algn="ctr">
+                      <a:solidFill>
+                        <a:schemeClr val="tx1"/>
+                      </a:solidFill>
+                      <a:prstDash val="solid"/>
+                      <a:round/>
+                      <a:headEnd type="none" w="med" len="med"/>
+                      <a:tailEnd type="none" w="med" len="med"/>
+                    </a:lnL>
+                    <a:lnR w="12700" cap="flat" cmpd="sng" algn="ctr">
+                      <a:solidFill>
+                        <a:schemeClr val="tx1"/>
+                      </a:solidFill>
+                      <a:prstDash val="solid"/>
+                      <a:round/>
+                      <a:headEnd type="none" w="med" len="med"/>
+                      <a:tailEnd type="none" w="med" len="med"/>
+                    </a:lnR>
+                    <a:lnT w="12700" cap="flat" cmpd="sng" algn="ctr">
+                      <a:solidFill>
+                        <a:schemeClr val="tx1"/>
+                      </a:solidFill>
+                      <a:prstDash val="solid"/>
+                      <a:round/>
+                      <a:headEnd type="none" w="med" len="med"/>
+                      <a:tailEnd type="none" w="med" len="med"/>
+                    </a:lnT>
+                    <a:lnB w="12700" cap="flat" cmpd="sng" algn="ctr">
+                      <a:solidFill>
+                        <a:schemeClr val="tx1"/>
+                      </a:solidFill>
+                      <a:prstDash val="solid"/>
+                      <a:round/>
+                      <a:headEnd type="none" w="med" len="med"/>
+                      <a:tailEnd type="none" w="med" len="med"/>
+                    </a:lnB>
+                    <a:noFill/>
+                  </a:tcPr>
+                </a:tc>
+                <a:tc>
+                  <a:txBody>
+                    <a:bodyPr/>
+                    <a:lstStyle/>
+                    <a:p>
+                      <a:pPr algn="ctr"/>
+                      <a:r>
+                        <a:rPr kumimoji="1" lang="en-US" altLang="ja-JP" sz="1800" b="0" i="0" kern="1200" dirty="0">
+                          <a:solidFill>
+                            <a:schemeClr val="dk1"/>
+                          </a:solidFill>
+                          <a:effectLst/>
+                          <a:latin typeface="BIZ UDPゴシック" panose="020B0400000000000000" pitchFamily="50" charset="-128"/>
+                          <a:ea typeface="BIZ UDPゴシック" panose="020B0400000000000000" pitchFamily="50" charset="-128"/>
+                          <a:cs typeface="+mn-cs"/>
+                        </a:rPr>
+                        <a:t>0.21177563</a:t>
+                      </a:r>
+                      <a:endParaRPr kumimoji="1" lang="ja-JP" altLang="en-US" sz="2000" dirty="0">
+                        <a:latin typeface="BIZ UDPゴシック" panose="020B0400000000000000" pitchFamily="50" charset="-128"/>
+                        <a:ea typeface="BIZ UDPゴシック" panose="020B0400000000000000" pitchFamily="50" charset="-128"/>
+                      </a:endParaRPr>
+                    </a:p>
+                  </a:txBody>
+                  <a:tcPr anchor="ctr">
+                    <a:lnL w="12700" cap="flat" cmpd="sng" algn="ctr">
+                      <a:solidFill>
+                        <a:schemeClr val="tx1"/>
+                      </a:solidFill>
+                      <a:prstDash val="solid"/>
+                      <a:round/>
+                      <a:headEnd type="none" w="med" len="med"/>
+                      <a:tailEnd type="none" w="med" len="med"/>
+                    </a:lnL>
+                    <a:lnR w="12700" cap="flat" cmpd="sng" algn="ctr">
+                      <a:solidFill>
+                        <a:schemeClr val="tx1"/>
+                      </a:solidFill>
+                      <a:prstDash val="solid"/>
+                      <a:round/>
+                      <a:headEnd type="none" w="med" len="med"/>
+                      <a:tailEnd type="none" w="med" len="med"/>
+                    </a:lnR>
+                    <a:lnT w="12700" cap="flat" cmpd="sng" algn="ctr">
+                      <a:solidFill>
+                        <a:schemeClr val="tx1"/>
+                      </a:solidFill>
+                      <a:prstDash val="solid"/>
+                      <a:round/>
+                      <a:headEnd type="none" w="med" len="med"/>
+                      <a:tailEnd type="none" w="med" len="med"/>
+                    </a:lnT>
+                    <a:lnB w="12700" cap="flat" cmpd="sng" algn="ctr">
+                      <a:solidFill>
+                        <a:schemeClr val="tx1"/>
+                      </a:solidFill>
+                      <a:prstDash val="solid"/>
+                      <a:round/>
+                      <a:headEnd type="none" w="med" len="med"/>
+                      <a:tailEnd type="none" w="med" len="med"/>
+                    </a:lnB>
+                    <a:noFill/>
+                  </a:tcPr>
+                </a:tc>
+                <a:extLst>
+                  <a:ext uri="{0D108BD9-81ED-4DB2-BD59-A6C34878D82A}">
+                    <a16:rowId xmlns:a16="http://schemas.microsoft.com/office/drawing/2014/main" val="3394647180"/>
+                  </a:ext>
+                </a:extLst>
+              </a:tr>
+            </a:tbl>
+          </a:graphicData>
+        </a:graphic>
+      </p:graphicFrame>
+      <p:sp>
+        <p:nvSpPr>
+          <p:cNvPr id="6" name="矢印: 右 5">
+            <a:extLst>
+              <a:ext uri="{FF2B5EF4-FFF2-40B4-BE49-F238E27FC236}">
+                <a16:creationId xmlns:a16="http://schemas.microsoft.com/office/drawing/2014/main" id="{FE552BB2-68B2-A754-9873-6C9CCA112BAF}"/>
+              </a:ext>
+            </a:extLst>
+          </p:cNvPr>
+          <p:cNvSpPr/>
+          <p:nvPr/>
+        </p:nvSpPr>
+        <p:spPr>
+          <a:xfrm rot="5400000">
+            <a:off x="5889753" y="1619841"/>
+            <a:ext cx="496748" cy="865988"/>
+          </a:xfrm>
+          <a:prstGeom prst="rightArrow">
+            <a:avLst>
+              <a:gd name="adj1" fmla="val 43878"/>
+              <a:gd name="adj2" fmla="val 50000"/>
+            </a:avLst>
+          </a:prstGeom>
+          <a:noFill/>
+          <a:ln w="76200">
+            <a:solidFill>
+              <a:schemeClr val="accent1"/>
+            </a:solidFill>
+          </a:ln>
+        </p:spPr>
+        <p:style>
+          <a:lnRef idx="2">
+            <a:schemeClr val="accent1">
+              <a:shade val="50000"/>
+            </a:schemeClr>
+          </a:lnRef>
+          <a:fillRef idx="1">
+            <a:schemeClr val="accent1"/>
+          </a:fillRef>
+          <a:effectRef idx="0">
+            <a:schemeClr val="accent1"/>
+          </a:effectRef>
+          <a:fontRef idx="minor">
+            <a:schemeClr val="lt1"/>
+          </a:fontRef>
+        </p:style>
+        <p:txBody>
+          <a:bodyPr rtlCol="0" anchor="ctr"/>
+          <a:lstStyle/>
+          <a:p>
+            <a:pPr algn="ctr"/>
+            <a:endParaRPr kumimoji="1" lang="ja-JP" altLang="en-US" dirty="0"/>
+          </a:p>
+        </p:txBody>
+      </p:sp>
+      <p:sp>
+        <p:nvSpPr>
+          <p:cNvPr id="7" name="テキスト ボックス 6">
+            <a:extLst>
+              <a:ext uri="{FF2B5EF4-FFF2-40B4-BE49-F238E27FC236}">
+                <a16:creationId xmlns:a16="http://schemas.microsoft.com/office/drawing/2014/main" id="{A641FF4C-5FAB-F878-4A92-E6D6A5042C27}"/>
+              </a:ext>
+            </a:extLst>
+          </p:cNvPr>
+          <p:cNvSpPr txBox="1"/>
+          <p:nvPr/>
+        </p:nvSpPr>
+        <p:spPr>
+          <a:xfrm>
+            <a:off x="0" y="-51841"/>
+            <a:ext cx="3775934" cy="769441"/>
+          </a:xfrm>
+          <a:prstGeom prst="rect">
+            <a:avLst/>
+          </a:prstGeom>
+          <a:noFill/>
+        </p:spPr>
+        <p:txBody>
+          <a:bodyPr wrap="square" rtlCol="0">
+            <a:spAutoFit/>
+          </a:bodyPr>
+          <a:lstStyle/>
+          <a:p>
+            <a:r>
+              <a:rPr kumimoji="1" lang="ja-JP" altLang="en-US" sz="4400" b="1" dirty="0">
+                <a:latin typeface="BIZ UDPゴシック" panose="020B0400000000000000" pitchFamily="50" charset="-128"/>
+                <a:ea typeface="BIZ UDPゴシック" panose="020B0400000000000000" pitchFamily="50" charset="-128"/>
+              </a:rPr>
+              <a:t>プラスの文章</a:t>
+            </a:r>
+          </a:p>
+        </p:txBody>
+      </p:sp>
+      <p:sp>
+        <p:nvSpPr>
+          <p:cNvPr id="8" name="テキスト ボックス 7">
+            <a:extLst>
+              <a:ext uri="{FF2B5EF4-FFF2-40B4-BE49-F238E27FC236}">
+                <a16:creationId xmlns:a16="http://schemas.microsoft.com/office/drawing/2014/main" id="{1874DD5A-7179-D0A8-DB3A-87CEC1C94AC9}"/>
+              </a:ext>
+            </a:extLst>
+          </p:cNvPr>
+          <p:cNvSpPr txBox="1"/>
+          <p:nvPr/>
+        </p:nvSpPr>
+        <p:spPr>
+          <a:xfrm>
+            <a:off x="0" y="3496233"/>
+            <a:ext cx="4313816" cy="769441"/>
+          </a:xfrm>
+          <a:prstGeom prst="rect">
+            <a:avLst/>
+          </a:prstGeom>
+          <a:noFill/>
+        </p:spPr>
+        <p:txBody>
+          <a:bodyPr wrap="square" rtlCol="0">
+            <a:spAutoFit/>
+          </a:bodyPr>
+          <a:lstStyle/>
+          <a:p>
+            <a:r>
+              <a:rPr kumimoji="1" lang="ja-JP" altLang="en-US" sz="4400" b="1" dirty="0">
+                <a:latin typeface="BIZ UDPゴシック" panose="020B0400000000000000" pitchFamily="50" charset="-128"/>
+                <a:ea typeface="BIZ UDPゴシック" panose="020B0400000000000000" pitchFamily="50" charset="-128"/>
+              </a:rPr>
+              <a:t>マイナスの文章</a:t>
+            </a:r>
+          </a:p>
+        </p:txBody>
+      </p:sp>
+      <p:sp>
+        <p:nvSpPr>
+          <p:cNvPr id="9" name="テキスト ボックス 8">
+            <a:extLst>
+              <a:ext uri="{FF2B5EF4-FFF2-40B4-BE49-F238E27FC236}">
+                <a16:creationId xmlns:a16="http://schemas.microsoft.com/office/drawing/2014/main" id="{24C0FD34-6511-C116-2464-E48058975BEE}"/>
+              </a:ext>
+            </a:extLst>
+          </p:cNvPr>
+          <p:cNvSpPr txBox="1"/>
+          <p:nvPr/>
+        </p:nvSpPr>
+        <p:spPr>
+          <a:xfrm>
+            <a:off x="1467587" y="4253639"/>
+            <a:ext cx="9256820" cy="584775"/>
+          </a:xfrm>
+          <a:prstGeom prst="rect">
+            <a:avLst/>
+          </a:prstGeom>
+          <a:solidFill>
+            <a:schemeClr val="bg2">
+              <a:lumMod val="90000"/>
+            </a:schemeClr>
+          </a:solidFill>
+        </p:spPr>
+        <p:txBody>
+          <a:bodyPr wrap="square" rtlCol="0">
+            <a:spAutoFit/>
+          </a:bodyPr>
+          <a:lstStyle/>
+          <a:p>
+            <a:r>
+              <a:rPr kumimoji="1" lang="en-US" altLang="ja-JP" sz="3200" b="1" dirty="0">
+                <a:latin typeface="BIZ UDPゴシック" panose="020B0400000000000000" pitchFamily="50" charset="-128"/>
+                <a:ea typeface="BIZ UDPゴシック" panose="020B0400000000000000" pitchFamily="50" charset="-128"/>
+              </a:rPr>
+              <a:t>UU</a:t>
+            </a:r>
+            <a:r>
+              <a:rPr kumimoji="1" lang="ja-JP" altLang="en-US" sz="3200" b="1" dirty="0">
+                <a:latin typeface="BIZ UDPゴシック" panose="020B0400000000000000" pitchFamily="50" charset="-128"/>
+                <a:ea typeface="BIZ UDPゴシック" panose="020B0400000000000000" pitchFamily="50" charset="-128"/>
+              </a:rPr>
+              <a:t>スチール買収計画が窮地に　鉄鉄、訴訟も視野</a:t>
+            </a:r>
+          </a:p>
+        </p:txBody>
+      </p:sp>
+      <p:graphicFrame>
+        <p:nvGraphicFramePr>
+          <p:cNvPr id="10" name="表 9">
+            <a:extLst>
+              <a:ext uri="{FF2B5EF4-FFF2-40B4-BE49-F238E27FC236}">
+                <a16:creationId xmlns:a16="http://schemas.microsoft.com/office/drawing/2014/main" id="{7FAE8880-770F-F47F-4C2E-1388C9E8736D}"/>
+              </a:ext>
+            </a:extLst>
+          </p:cNvPr>
+          <p:cNvGraphicFramePr>
+            <a:graphicFrameLocks noGrp="1"/>
+          </p:cNvGraphicFramePr>
+          <p:nvPr>
+            <p:extLst>
+              <p:ext uri="{D42A27DB-BD31-4B8C-83A1-F6EECF244321}">
+                <p14:modId xmlns:p14="http://schemas.microsoft.com/office/powerpoint/2010/main" val="2325499596"/>
+              </p:ext>
+            </p:extLst>
+          </p:nvPr>
+        </p:nvGraphicFramePr>
+        <p:xfrm>
+          <a:off x="1567774" y="5637359"/>
+          <a:ext cx="9056445" cy="1053424"/>
+        </p:xfrm>
+        <a:graphic>
+          <a:graphicData uri="http://schemas.openxmlformats.org/drawingml/2006/table">
+            <a:tbl>
+              <a:tblPr>
+                <a:tableStyleId>{5C22544A-7EE6-4342-B048-85BDC9FD1C3A}</a:tableStyleId>
+              </a:tblPr>
+              <a:tblGrid>
+                <a:gridCol w="1811289">
+                  <a:extLst>
+                    <a:ext uri="{9D8B030D-6E8A-4147-A177-3AD203B41FA5}">
+                      <a16:colId xmlns:a16="http://schemas.microsoft.com/office/drawing/2014/main" val="893344366"/>
+                    </a:ext>
+                  </a:extLst>
+                </a:gridCol>
+                <a:gridCol w="1811289">
+                  <a:extLst>
+                    <a:ext uri="{9D8B030D-6E8A-4147-A177-3AD203B41FA5}">
+                      <a16:colId xmlns:a16="http://schemas.microsoft.com/office/drawing/2014/main" val="3337786240"/>
+                    </a:ext>
+                  </a:extLst>
+                </a:gridCol>
+                <a:gridCol w="1811289">
+                  <a:extLst>
+                    <a:ext uri="{9D8B030D-6E8A-4147-A177-3AD203B41FA5}">
+                      <a16:colId xmlns:a16="http://schemas.microsoft.com/office/drawing/2014/main" val="832829902"/>
+                    </a:ext>
+                  </a:extLst>
+                </a:gridCol>
+                <a:gridCol w="1811289">
+                  <a:extLst>
+                    <a:ext uri="{9D8B030D-6E8A-4147-A177-3AD203B41FA5}">
+                      <a16:colId xmlns:a16="http://schemas.microsoft.com/office/drawing/2014/main" val="3318059863"/>
+                    </a:ext>
+                  </a:extLst>
+                </a:gridCol>
+                <a:gridCol w="1811289">
+                  <a:extLst>
+                    <a:ext uri="{9D8B030D-6E8A-4147-A177-3AD203B41FA5}">
+                      <a16:colId xmlns:a16="http://schemas.microsoft.com/office/drawing/2014/main" val="2909980776"/>
+                    </a:ext>
+                  </a:extLst>
+                </a:gridCol>
+              </a:tblGrid>
+              <a:tr h="526712">
+                <a:tc>
+                  <a:txBody>
+                    <a:bodyPr/>
+                    <a:lstStyle/>
+                    <a:p>
+                      <a:pPr algn="ctr"/>
+                      <a:r>
+                        <a:rPr kumimoji="1" lang="ja-JP" altLang="en-US" sz="2400" b="1" dirty="0"/>
+                        <a:t>失望</a:t>
+                      </a:r>
+                    </a:p>
+                  </a:txBody>
+                  <a:tcPr anchor="ctr">
+                    <a:lnL w="12700" cap="flat" cmpd="sng" algn="ctr">
+                      <a:solidFill>
+                        <a:schemeClr val="tx1"/>
+                      </a:solidFill>
+                      <a:prstDash val="solid"/>
+                      <a:round/>
+                      <a:headEnd type="none" w="med" len="med"/>
+                      <a:tailEnd type="none" w="med" len="med"/>
+                    </a:lnL>
+                    <a:lnR w="12700" cap="flat" cmpd="sng" algn="ctr">
+                      <a:solidFill>
+                        <a:schemeClr val="tx1"/>
+                      </a:solidFill>
+                      <a:prstDash val="solid"/>
+                      <a:round/>
+                      <a:headEnd type="none" w="med" len="med"/>
+                      <a:tailEnd type="none" w="med" len="med"/>
+                    </a:lnR>
+                    <a:lnT w="12700" cap="flat" cmpd="sng" algn="ctr">
+                      <a:solidFill>
+                        <a:schemeClr val="tx1"/>
+                      </a:solidFill>
+                      <a:prstDash val="solid"/>
+                      <a:round/>
+                      <a:headEnd type="none" w="med" len="med"/>
+                      <a:tailEnd type="none" w="med" len="med"/>
+                    </a:lnT>
+                    <a:lnB w="12700" cap="flat" cmpd="sng" algn="ctr">
+                      <a:solidFill>
+                        <a:schemeClr val="tx1"/>
+                      </a:solidFill>
+                      <a:prstDash val="solid"/>
+                      <a:round/>
+                      <a:headEnd type="none" w="med" len="med"/>
+                      <a:tailEnd type="none" w="med" len="med"/>
+                    </a:lnB>
+                    <a:noFill/>
+                  </a:tcPr>
+                </a:tc>
+                <a:tc>
+                  <a:txBody>
+                    <a:bodyPr/>
+                    <a:lstStyle/>
+                    <a:p>
+                      <a:pPr algn="ctr"/>
+                      <a:r>
+                        <a:rPr kumimoji="1" lang="ja-JP" altLang="en-US" sz="2400" b="1" dirty="0"/>
+                        <a:t>楽観</a:t>
+                      </a:r>
+                    </a:p>
+                  </a:txBody>
+                  <a:tcPr anchor="ctr">
+                    <a:lnL w="12700" cap="flat" cmpd="sng" algn="ctr">
+                      <a:solidFill>
+                        <a:schemeClr val="tx1"/>
+                      </a:solidFill>
+                      <a:prstDash val="solid"/>
+                      <a:round/>
+                      <a:headEnd type="none" w="med" len="med"/>
+                      <a:tailEnd type="none" w="med" len="med"/>
+                    </a:lnL>
+                    <a:lnR w="12700" cap="flat" cmpd="sng" algn="ctr">
+                      <a:solidFill>
+                        <a:schemeClr val="tx1"/>
+                      </a:solidFill>
+                      <a:prstDash val="solid"/>
+                      <a:round/>
+                      <a:headEnd type="none" w="med" len="med"/>
+                      <a:tailEnd type="none" w="med" len="med"/>
+                    </a:lnR>
+                    <a:lnT w="12700" cap="flat" cmpd="sng" algn="ctr">
+                      <a:solidFill>
+                        <a:schemeClr val="tx1"/>
+                      </a:solidFill>
+                      <a:prstDash val="solid"/>
+                      <a:round/>
+                      <a:headEnd type="none" w="med" len="med"/>
+                      <a:tailEnd type="none" w="med" len="med"/>
+                    </a:lnT>
+                    <a:lnB w="12700" cap="flat" cmpd="sng" algn="ctr">
+                      <a:solidFill>
+                        <a:schemeClr val="tx1"/>
+                      </a:solidFill>
+                      <a:prstDash val="solid"/>
+                      <a:round/>
+                      <a:headEnd type="none" w="med" len="med"/>
+                      <a:tailEnd type="none" w="med" len="med"/>
+                    </a:lnB>
+                    <a:noFill/>
+                  </a:tcPr>
+                </a:tc>
+                <a:tc>
+                  <a:txBody>
+                    <a:bodyPr/>
+                    <a:lstStyle/>
+                    <a:p>
+                      <a:pPr algn="ctr"/>
+                      <a:r>
+                        <a:rPr kumimoji="1" lang="ja-JP" altLang="en-US" sz="2400" b="1" dirty="0"/>
+                        <a:t>懸念</a:t>
+                      </a:r>
+                    </a:p>
+                  </a:txBody>
+                  <a:tcPr anchor="ctr">
+                    <a:lnL w="12700" cap="flat" cmpd="sng" algn="ctr">
+                      <a:solidFill>
+                        <a:schemeClr val="tx1"/>
+                      </a:solidFill>
+                      <a:prstDash val="solid"/>
+                      <a:round/>
+                      <a:headEnd type="none" w="med" len="med"/>
+                      <a:tailEnd type="none" w="med" len="med"/>
+                    </a:lnL>
+                    <a:lnR w="12700" cap="flat" cmpd="sng" algn="ctr">
+                      <a:solidFill>
+                        <a:schemeClr val="tx1"/>
+                      </a:solidFill>
+                      <a:prstDash val="solid"/>
+                      <a:round/>
+                      <a:headEnd type="none" w="med" len="med"/>
+                      <a:tailEnd type="none" w="med" len="med"/>
+                    </a:lnR>
+                    <a:lnT w="12700" cap="flat" cmpd="sng" algn="ctr">
+                      <a:solidFill>
+                        <a:schemeClr val="tx1"/>
+                      </a:solidFill>
+                      <a:prstDash val="solid"/>
+                      <a:round/>
+                      <a:headEnd type="none" w="med" len="med"/>
+                      <a:tailEnd type="none" w="med" len="med"/>
+                    </a:lnT>
+                    <a:lnB w="12700" cap="flat" cmpd="sng" algn="ctr">
+                      <a:solidFill>
+                        <a:schemeClr val="tx1"/>
+                      </a:solidFill>
+                      <a:prstDash val="solid"/>
+                      <a:round/>
+                      <a:headEnd type="none" w="med" len="med"/>
+                      <a:tailEnd type="none" w="med" len="med"/>
+                    </a:lnB>
+                    <a:noFill/>
+                  </a:tcPr>
+                </a:tc>
+                <a:tc>
+                  <a:txBody>
+                    <a:bodyPr/>
+                    <a:lstStyle/>
+                    <a:p>
+                      <a:pPr algn="ctr"/>
+                      <a:r>
+                        <a:rPr kumimoji="1" lang="ja-JP" altLang="en-US" sz="2400" b="1" dirty="0"/>
+                        <a:t>興奮</a:t>
+                      </a:r>
+                    </a:p>
+                  </a:txBody>
+                  <a:tcPr anchor="ctr">
+                    <a:lnL w="12700" cap="flat" cmpd="sng" algn="ctr">
+                      <a:solidFill>
+                        <a:schemeClr val="tx1"/>
+                      </a:solidFill>
+                      <a:prstDash val="solid"/>
+                      <a:round/>
+                      <a:headEnd type="none" w="med" len="med"/>
+                      <a:tailEnd type="none" w="med" len="med"/>
+                    </a:lnL>
+                    <a:lnR w="12700" cap="flat" cmpd="sng" algn="ctr">
+                      <a:solidFill>
+                        <a:schemeClr val="tx1"/>
+                      </a:solidFill>
+                      <a:prstDash val="solid"/>
+                      <a:round/>
+                      <a:headEnd type="none" w="med" len="med"/>
+                      <a:tailEnd type="none" w="med" len="med"/>
+                    </a:lnR>
+                    <a:lnT w="12700" cap="flat" cmpd="sng" algn="ctr">
+                      <a:solidFill>
+                        <a:schemeClr val="tx1"/>
+                      </a:solidFill>
+                      <a:prstDash val="solid"/>
+                      <a:round/>
+                      <a:headEnd type="none" w="med" len="med"/>
+                      <a:tailEnd type="none" w="med" len="med"/>
+                    </a:lnT>
+                    <a:lnB w="12700" cap="flat" cmpd="sng" algn="ctr">
+                      <a:solidFill>
+                        <a:schemeClr val="tx1"/>
+                      </a:solidFill>
+                      <a:prstDash val="solid"/>
+                      <a:round/>
+                      <a:headEnd type="none" w="med" len="med"/>
+                      <a:tailEnd type="none" w="med" len="med"/>
+                    </a:lnB>
+                    <a:noFill/>
+                  </a:tcPr>
+                </a:tc>
+                <a:tc>
+                  <a:txBody>
+                    <a:bodyPr/>
+                    <a:lstStyle/>
+                    <a:p>
+                      <a:pPr algn="ctr"/>
+                      <a:r>
+                        <a:rPr kumimoji="1" lang="ja-JP" altLang="en-US" sz="2400" b="1" dirty="0"/>
+                        <a:t>安定</a:t>
+                      </a:r>
+                    </a:p>
+                  </a:txBody>
+                  <a:tcPr anchor="ctr">
+                    <a:lnL w="12700" cap="flat" cmpd="sng" algn="ctr">
+                      <a:solidFill>
+                        <a:schemeClr val="tx1"/>
+                      </a:solidFill>
+                      <a:prstDash val="solid"/>
+                      <a:round/>
+                      <a:headEnd type="none" w="med" len="med"/>
+                      <a:tailEnd type="none" w="med" len="med"/>
+                    </a:lnL>
+                    <a:lnR w="12700" cap="flat" cmpd="sng" algn="ctr">
+                      <a:solidFill>
+                        <a:schemeClr val="tx1"/>
+                      </a:solidFill>
+                      <a:prstDash val="solid"/>
+                      <a:round/>
+                      <a:headEnd type="none" w="med" len="med"/>
+                      <a:tailEnd type="none" w="med" len="med"/>
+                    </a:lnR>
+                    <a:lnT w="12700" cap="flat" cmpd="sng" algn="ctr">
+                      <a:solidFill>
+                        <a:schemeClr val="tx1"/>
+                      </a:solidFill>
+                      <a:prstDash val="solid"/>
+                      <a:round/>
+                      <a:headEnd type="none" w="med" len="med"/>
+                      <a:tailEnd type="none" w="med" len="med"/>
+                    </a:lnT>
+                    <a:lnB w="12700" cap="flat" cmpd="sng" algn="ctr">
+                      <a:solidFill>
+                        <a:schemeClr val="tx1"/>
+                      </a:solidFill>
+                      <a:prstDash val="solid"/>
+                      <a:round/>
+                      <a:headEnd type="none" w="med" len="med"/>
+                      <a:tailEnd type="none" w="med" len="med"/>
+                    </a:lnB>
+                    <a:noFill/>
+                  </a:tcPr>
+                </a:tc>
+                <a:extLst>
+                  <a:ext uri="{0D108BD9-81ED-4DB2-BD59-A6C34878D82A}">
+                    <a16:rowId xmlns:a16="http://schemas.microsoft.com/office/drawing/2014/main" val="4282857899"/>
+                  </a:ext>
+                </a:extLst>
+              </a:tr>
+              <a:tr h="526712">
+                <a:tc>
+                  <a:txBody>
+                    <a:bodyPr/>
+                    <a:lstStyle/>
+                    <a:p>
+                      <a:pPr algn="ctr"/>
+                      <a:r>
+                        <a:rPr kumimoji="1" lang="en-US" altLang="ja-JP" sz="1800" b="0" i="0" kern="1200" dirty="0">
+                          <a:solidFill>
+                            <a:schemeClr val="dk1"/>
+                          </a:solidFill>
+                          <a:effectLst/>
+                          <a:latin typeface="BIZ UDPゴシック" panose="020B0400000000000000" pitchFamily="50" charset="-128"/>
+                          <a:ea typeface="BIZ UDPゴシック" panose="020B0400000000000000" pitchFamily="50" charset="-128"/>
+                          <a:cs typeface="+mn-cs"/>
+                        </a:rPr>
+                        <a:t>0.2538261</a:t>
+                      </a:r>
+                      <a:endParaRPr kumimoji="1" lang="ja-JP" altLang="en-US" sz="1800" dirty="0">
+                        <a:latin typeface="BIZ UDPゴシック" panose="020B0400000000000000" pitchFamily="50" charset="-128"/>
+                        <a:ea typeface="BIZ UDPゴシック" panose="020B0400000000000000" pitchFamily="50" charset="-128"/>
+                      </a:endParaRPr>
+                    </a:p>
+                  </a:txBody>
+                  <a:tcPr anchor="ctr">
+                    <a:lnL w="12700" cap="flat" cmpd="sng" algn="ctr">
+                      <a:solidFill>
+                        <a:schemeClr val="tx1"/>
+                      </a:solidFill>
+                      <a:prstDash val="solid"/>
+                      <a:round/>
+                      <a:headEnd type="none" w="med" len="med"/>
+                      <a:tailEnd type="none" w="med" len="med"/>
+                    </a:lnL>
+                    <a:lnR w="12700" cap="flat" cmpd="sng" algn="ctr">
+                      <a:solidFill>
+                        <a:schemeClr val="tx1"/>
+                      </a:solidFill>
+                      <a:prstDash val="solid"/>
+                      <a:round/>
+                      <a:headEnd type="none" w="med" len="med"/>
+                      <a:tailEnd type="none" w="med" len="med"/>
+                    </a:lnR>
+                    <a:lnT w="12700" cap="flat" cmpd="sng" algn="ctr">
+                      <a:solidFill>
+                        <a:schemeClr val="tx1"/>
+                      </a:solidFill>
+                      <a:prstDash val="solid"/>
+                      <a:round/>
+                      <a:headEnd type="none" w="med" len="med"/>
+                      <a:tailEnd type="none" w="med" len="med"/>
+                    </a:lnT>
+                    <a:lnB w="12700" cap="flat" cmpd="sng" algn="ctr">
+                      <a:solidFill>
+                        <a:schemeClr val="tx1"/>
+                      </a:solidFill>
+                      <a:prstDash val="solid"/>
+                      <a:round/>
+                      <a:headEnd type="none" w="med" len="med"/>
+                      <a:tailEnd type="none" w="med" len="med"/>
+                    </a:lnB>
+                    <a:noFill/>
+                  </a:tcPr>
+                </a:tc>
+                <a:tc>
+                  <a:txBody>
+                    <a:bodyPr/>
+                    <a:lstStyle/>
+                    <a:p>
+                      <a:pPr algn="ctr"/>
+                      <a:r>
+                        <a:rPr kumimoji="1" lang="en-US" altLang="ja-JP" sz="1800" b="0" i="0" kern="1200" dirty="0">
+                          <a:solidFill>
+                            <a:schemeClr val="dk1"/>
+                          </a:solidFill>
+                          <a:effectLst/>
+                          <a:latin typeface="BIZ UDPゴシック" panose="020B0400000000000000" pitchFamily="50" charset="-128"/>
+                          <a:ea typeface="BIZ UDPゴシック" panose="020B0400000000000000" pitchFamily="50" charset="-128"/>
+                          <a:cs typeface="+mn-cs"/>
+                        </a:rPr>
+                        <a:t>0.10958773</a:t>
+                      </a:r>
+                      <a:endParaRPr kumimoji="1" lang="ja-JP" altLang="en-US" sz="2000" dirty="0">
+                        <a:latin typeface="BIZ UDPゴシック" panose="020B0400000000000000" pitchFamily="50" charset="-128"/>
+                        <a:ea typeface="BIZ UDPゴシック" panose="020B0400000000000000" pitchFamily="50" charset="-128"/>
+                      </a:endParaRPr>
+                    </a:p>
+                  </a:txBody>
+                  <a:tcPr anchor="ctr">
+                    <a:lnL w="12700" cap="flat" cmpd="sng" algn="ctr">
+                      <a:solidFill>
+                        <a:schemeClr val="tx1"/>
+                      </a:solidFill>
+                      <a:prstDash val="solid"/>
+                      <a:round/>
+                      <a:headEnd type="none" w="med" len="med"/>
+                      <a:tailEnd type="none" w="med" len="med"/>
+                    </a:lnL>
+                    <a:lnR w="12700" cap="flat" cmpd="sng" algn="ctr">
+                      <a:solidFill>
+                        <a:schemeClr val="tx1"/>
+                      </a:solidFill>
+                      <a:prstDash val="solid"/>
+                      <a:round/>
+                      <a:headEnd type="none" w="med" len="med"/>
+                      <a:tailEnd type="none" w="med" len="med"/>
+                    </a:lnR>
+                    <a:lnT w="12700" cap="flat" cmpd="sng" algn="ctr">
+                      <a:solidFill>
+                        <a:schemeClr val="tx1"/>
+                      </a:solidFill>
+                      <a:prstDash val="solid"/>
+                      <a:round/>
+                      <a:headEnd type="none" w="med" len="med"/>
+                      <a:tailEnd type="none" w="med" len="med"/>
+                    </a:lnT>
+                    <a:lnB w="12700" cap="flat" cmpd="sng" algn="ctr">
+                      <a:solidFill>
+                        <a:schemeClr val="tx1"/>
+                      </a:solidFill>
+                      <a:prstDash val="solid"/>
+                      <a:round/>
+                      <a:headEnd type="none" w="med" len="med"/>
+                      <a:tailEnd type="none" w="med" len="med"/>
+                    </a:lnB>
+                    <a:noFill/>
+                  </a:tcPr>
+                </a:tc>
+                <a:tc>
+                  <a:txBody>
+                    <a:bodyPr/>
+                    <a:lstStyle/>
+                    <a:p>
+                      <a:pPr algn="ctr"/>
+                      <a:r>
+                        <a:rPr kumimoji="1" lang="en-US" altLang="ja-JP" sz="1800" b="0" i="0" kern="1200" dirty="0">
+                          <a:solidFill>
+                            <a:schemeClr val="dk1"/>
+                          </a:solidFill>
+                          <a:effectLst/>
+                          <a:latin typeface="BIZ UDPゴシック" panose="020B0400000000000000" pitchFamily="50" charset="-128"/>
+                          <a:ea typeface="BIZ UDPゴシック" panose="020B0400000000000000" pitchFamily="50" charset="-128"/>
+                          <a:cs typeface="+mn-cs"/>
+                        </a:rPr>
+                        <a:t>0.35123876</a:t>
+                      </a:r>
+                      <a:endParaRPr kumimoji="1" lang="ja-JP" altLang="en-US" sz="2000" dirty="0">
+                        <a:latin typeface="BIZ UDPゴシック" panose="020B0400000000000000" pitchFamily="50" charset="-128"/>
+                        <a:ea typeface="BIZ UDPゴシック" panose="020B0400000000000000" pitchFamily="50" charset="-128"/>
+                      </a:endParaRPr>
+                    </a:p>
+                  </a:txBody>
+                  <a:tcPr anchor="ctr">
+                    <a:lnL w="12700" cap="flat" cmpd="sng" algn="ctr">
+                      <a:solidFill>
+                        <a:schemeClr val="tx1"/>
+                      </a:solidFill>
+                      <a:prstDash val="solid"/>
+                      <a:round/>
+                      <a:headEnd type="none" w="med" len="med"/>
+                      <a:tailEnd type="none" w="med" len="med"/>
+                    </a:lnL>
+                    <a:lnR w="12700" cap="flat" cmpd="sng" algn="ctr">
+                      <a:solidFill>
+                        <a:schemeClr val="tx1"/>
+                      </a:solidFill>
+                      <a:prstDash val="solid"/>
+                      <a:round/>
+                      <a:headEnd type="none" w="med" len="med"/>
+                      <a:tailEnd type="none" w="med" len="med"/>
+                    </a:lnR>
+                    <a:lnT w="12700" cap="flat" cmpd="sng" algn="ctr">
+                      <a:solidFill>
+                        <a:schemeClr val="tx1"/>
+                      </a:solidFill>
+                      <a:prstDash val="solid"/>
+                      <a:round/>
+                      <a:headEnd type="none" w="med" len="med"/>
+                      <a:tailEnd type="none" w="med" len="med"/>
+                    </a:lnT>
+                    <a:lnB w="12700" cap="flat" cmpd="sng" algn="ctr">
+                      <a:solidFill>
+                        <a:schemeClr val="tx1"/>
+                      </a:solidFill>
+                      <a:prstDash val="solid"/>
+                      <a:round/>
+                      <a:headEnd type="none" w="med" len="med"/>
+                      <a:tailEnd type="none" w="med" len="med"/>
+                    </a:lnB>
+                    <a:noFill/>
+                  </a:tcPr>
+                </a:tc>
+                <a:tc>
+                  <a:txBody>
+                    <a:bodyPr/>
+                    <a:lstStyle/>
+                    <a:p>
+                      <a:pPr algn="ctr"/>
+                      <a:r>
+                        <a:rPr kumimoji="1" lang="en-US" altLang="ja-JP" sz="1800" b="0" i="0" kern="1200" dirty="0">
+                          <a:solidFill>
+                            <a:schemeClr val="dk1"/>
+                          </a:solidFill>
+                          <a:effectLst/>
+                          <a:latin typeface="BIZ UDPゴシック" panose="020B0400000000000000" pitchFamily="50" charset="-128"/>
+                          <a:ea typeface="BIZ UDPゴシック" panose="020B0400000000000000" pitchFamily="50" charset="-128"/>
+                          <a:cs typeface="+mn-cs"/>
+                        </a:rPr>
+                        <a:t>0.1352083</a:t>
+                      </a:r>
+                      <a:endParaRPr kumimoji="1" lang="ja-JP" altLang="en-US" sz="2000" dirty="0">
+                        <a:latin typeface="BIZ UDPゴシック" panose="020B0400000000000000" pitchFamily="50" charset="-128"/>
+                        <a:ea typeface="BIZ UDPゴシック" panose="020B0400000000000000" pitchFamily="50" charset="-128"/>
+                      </a:endParaRPr>
+                    </a:p>
+                  </a:txBody>
+                  <a:tcPr anchor="ctr">
+                    <a:lnL w="12700" cap="flat" cmpd="sng" algn="ctr">
+                      <a:solidFill>
+                        <a:schemeClr val="tx1"/>
+                      </a:solidFill>
+                      <a:prstDash val="solid"/>
+                      <a:round/>
+                      <a:headEnd type="none" w="med" len="med"/>
+                      <a:tailEnd type="none" w="med" len="med"/>
+                    </a:lnL>
+                    <a:lnR w="12700" cap="flat" cmpd="sng" algn="ctr">
+                      <a:solidFill>
+                        <a:schemeClr val="tx1"/>
+                      </a:solidFill>
+                      <a:prstDash val="solid"/>
+                      <a:round/>
+                      <a:headEnd type="none" w="med" len="med"/>
+                      <a:tailEnd type="none" w="med" len="med"/>
+                    </a:lnR>
+                    <a:lnT w="12700" cap="flat" cmpd="sng" algn="ctr">
+                      <a:solidFill>
+                        <a:schemeClr val="tx1"/>
+                      </a:solidFill>
+                      <a:prstDash val="solid"/>
+                      <a:round/>
+                      <a:headEnd type="none" w="med" len="med"/>
+                      <a:tailEnd type="none" w="med" len="med"/>
+                    </a:lnT>
+                    <a:lnB w="12700" cap="flat" cmpd="sng" algn="ctr">
+                      <a:solidFill>
+                        <a:schemeClr val="tx1"/>
+                      </a:solidFill>
+                      <a:prstDash val="solid"/>
+                      <a:round/>
+                      <a:headEnd type="none" w="med" len="med"/>
+                      <a:tailEnd type="none" w="med" len="med"/>
+                    </a:lnB>
+                    <a:noFill/>
+                  </a:tcPr>
+                </a:tc>
+                <a:tc>
+                  <a:txBody>
+                    <a:bodyPr/>
+                    <a:lstStyle/>
+                    <a:p>
+                      <a:pPr algn="ctr"/>
+                      <a:r>
+                        <a:rPr kumimoji="1" lang="en-US" altLang="ja-JP" sz="1800" b="0" i="0" kern="1200" dirty="0">
+                          <a:solidFill>
+                            <a:schemeClr val="dk1"/>
+                          </a:solidFill>
+                          <a:effectLst/>
+                          <a:latin typeface="BIZ UDPゴシック" panose="020B0400000000000000" pitchFamily="50" charset="-128"/>
+                          <a:ea typeface="BIZ UDPゴシック" panose="020B0400000000000000" pitchFamily="50" charset="-128"/>
+                          <a:cs typeface="+mn-cs"/>
+                        </a:rPr>
+                        <a:t>0.15013908</a:t>
+                      </a:r>
+                      <a:endParaRPr kumimoji="1" lang="ja-JP" altLang="en-US" sz="2000" dirty="0">
+                        <a:latin typeface="BIZ UDPゴシック" panose="020B0400000000000000" pitchFamily="50" charset="-128"/>
+                        <a:ea typeface="BIZ UDPゴシック" panose="020B0400000000000000" pitchFamily="50" charset="-128"/>
+                      </a:endParaRPr>
+                    </a:p>
+                  </a:txBody>
+                  <a:tcPr anchor="ctr">
+                    <a:lnL w="12700" cap="flat" cmpd="sng" algn="ctr">
+                      <a:solidFill>
+                        <a:schemeClr val="tx1"/>
+                      </a:solidFill>
+                      <a:prstDash val="solid"/>
+                      <a:round/>
+                      <a:headEnd type="none" w="med" len="med"/>
+                      <a:tailEnd type="none" w="med" len="med"/>
+                    </a:lnL>
+                    <a:lnR w="12700" cap="flat" cmpd="sng" algn="ctr">
+                      <a:solidFill>
+                        <a:schemeClr val="tx1"/>
+                      </a:solidFill>
+                      <a:prstDash val="solid"/>
+                      <a:round/>
+                      <a:headEnd type="none" w="med" len="med"/>
+                      <a:tailEnd type="none" w="med" len="med"/>
+                    </a:lnR>
+                    <a:lnT w="12700" cap="flat" cmpd="sng" algn="ctr">
+                      <a:solidFill>
+                        <a:schemeClr val="tx1"/>
+                      </a:solidFill>
+                      <a:prstDash val="solid"/>
+                      <a:round/>
+                      <a:headEnd type="none" w="med" len="med"/>
+                      <a:tailEnd type="none" w="med" len="med"/>
+                    </a:lnT>
+                    <a:lnB w="12700" cap="flat" cmpd="sng" algn="ctr">
+                      <a:solidFill>
+                        <a:schemeClr val="tx1"/>
+                      </a:solidFill>
+                      <a:prstDash val="solid"/>
+                      <a:round/>
+                      <a:headEnd type="none" w="med" len="med"/>
+                      <a:tailEnd type="none" w="med" len="med"/>
+                    </a:lnB>
+                    <a:noFill/>
+                  </a:tcPr>
+                </a:tc>
+                <a:extLst>
+                  <a:ext uri="{0D108BD9-81ED-4DB2-BD59-A6C34878D82A}">
+                    <a16:rowId xmlns:a16="http://schemas.microsoft.com/office/drawing/2014/main" val="3394647180"/>
+                  </a:ext>
+                </a:extLst>
+              </a:tr>
+            </a:tbl>
+          </a:graphicData>
+        </a:graphic>
+      </p:graphicFrame>
+      <p:sp>
+        <p:nvSpPr>
+          <p:cNvPr id="11" name="矢印: 右 10">
+            <a:extLst>
+              <a:ext uri="{FF2B5EF4-FFF2-40B4-BE49-F238E27FC236}">
+                <a16:creationId xmlns:a16="http://schemas.microsoft.com/office/drawing/2014/main" id="{F640684A-1672-4F73-2942-BD161CD5D21D}"/>
+              </a:ext>
+            </a:extLst>
+          </p:cNvPr>
+          <p:cNvSpPr/>
+          <p:nvPr/>
+        </p:nvSpPr>
+        <p:spPr>
+          <a:xfrm rot="5400000">
+            <a:off x="5847623" y="4753856"/>
+            <a:ext cx="496748" cy="865988"/>
+          </a:xfrm>
+          <a:prstGeom prst="rightArrow">
+            <a:avLst>
+              <a:gd name="adj1" fmla="val 43878"/>
+              <a:gd name="adj2" fmla="val 50000"/>
+            </a:avLst>
+          </a:prstGeom>
+          <a:noFill/>
+          <a:ln w="76200">
+            <a:solidFill>
+              <a:schemeClr val="accent1"/>
+            </a:solidFill>
+          </a:ln>
+        </p:spPr>
+        <p:style>
+          <a:lnRef idx="2">
+            <a:schemeClr val="accent1">
+              <a:shade val="50000"/>
+            </a:schemeClr>
+          </a:lnRef>
+          <a:fillRef idx="1">
+            <a:schemeClr val="accent1"/>
+          </a:fillRef>
+          <a:effectRef idx="0">
+            <a:schemeClr val="accent1"/>
+          </a:effectRef>
+          <a:fontRef idx="minor">
+            <a:schemeClr val="lt1"/>
+          </a:fontRef>
+        </p:style>
+        <p:txBody>
+          <a:bodyPr rtlCol="0" anchor="ctr"/>
+          <a:lstStyle/>
+          <a:p>
+            <a:pPr algn="ctr"/>
+            <a:endParaRPr kumimoji="1" lang="ja-JP" altLang="en-US" dirty="0"/>
+          </a:p>
+        </p:txBody>
+      </p:sp>
+    </p:spTree>
+    <p:extLst>
+      <p:ext uri="{BB962C8B-B14F-4D97-AF65-F5344CB8AC3E}">
+        <p14:creationId xmlns:p14="http://schemas.microsoft.com/office/powerpoint/2010/main" val="1587972036"/>
+      </p:ext>
+    </p:extLst>
+  </p:cSld>
+  <p:clrMapOvr>
+    <a:masterClrMapping/>
+  </p:clrMapOvr>
+</p:sld>
+</file>
+
+<file path=ppt/slides/slide24.xml><?xml version="1.0" encoding="utf-8"?>
+<p:sld xmlns:a="http://schemas.openxmlformats.org/drawingml/2006/main" xmlns:r="http://schemas.openxmlformats.org/officeDocument/2006/relationships" xmlns:p="http://schemas.openxmlformats.org/presentationml/2006/main">
+  <p:cSld>
+    <p:spTree>
+      <p:nvGrpSpPr>
+        <p:cNvPr id="1" name="">
+          <a:extLst>
+            <a:ext uri="{FF2B5EF4-FFF2-40B4-BE49-F238E27FC236}">
+              <a16:creationId xmlns:a16="http://schemas.microsoft.com/office/drawing/2014/main" id="{11B4D659-4738-33FA-8932-DB7D2A0186BC}"/>
+            </a:ext>
+          </a:extLst>
+        </p:cNvPr>
+        <p:cNvGrpSpPr/>
+        <p:nvPr/>
+      </p:nvGrpSpPr>
+      <p:grpSpPr>
+        <a:xfrm>
+          <a:off x="0" y="0"/>
+          <a:ext cx="0" cy="0"/>
+          <a:chOff x="0" y="0"/>
+          <a:chExt cx="0" cy="0"/>
+        </a:xfrm>
+      </p:grpSpPr>
+      <p:sp>
+        <p:nvSpPr>
+          <p:cNvPr id="2" name="テキスト ボックス 1">
+            <a:extLst>
+              <a:ext uri="{FF2B5EF4-FFF2-40B4-BE49-F238E27FC236}">
+                <a16:creationId xmlns:a16="http://schemas.microsoft.com/office/drawing/2014/main" id="{922738FE-EB99-477B-C387-F404EAD06CFE}"/>
+              </a:ext>
+            </a:extLst>
+          </p:cNvPr>
+          <p:cNvSpPr txBox="1"/>
+          <p:nvPr/>
+        </p:nvSpPr>
+        <p:spPr>
+          <a:xfrm>
+            <a:off x="298127" y="48985"/>
+            <a:ext cx="2528888" cy="1200329"/>
+          </a:xfrm>
+          <a:prstGeom prst="rect">
+            <a:avLst/>
+          </a:prstGeom>
+          <a:noFill/>
+        </p:spPr>
+        <p:txBody>
+          <a:bodyPr wrap="square" rtlCol="0">
+            <a:spAutoFit/>
+          </a:bodyPr>
+          <a:lstStyle/>
+          <a:p>
+            <a:r>
+              <a:rPr lang="ja-JP" altLang="en-US" sz="7200" b="1" dirty="0">
+                <a:latin typeface="BIZ UDPゴシック" panose="020B0400000000000000" pitchFamily="50" charset="-128"/>
+                <a:ea typeface="BIZ UDPゴシック" panose="020B0400000000000000" pitchFamily="50" charset="-128"/>
+              </a:rPr>
+              <a:t>概要</a:t>
+            </a:r>
+            <a:endParaRPr kumimoji="1" lang="ja-JP" altLang="en-US" sz="7200" b="1" dirty="0">
+              <a:latin typeface="BIZ UDPゴシック" panose="020B0400000000000000" pitchFamily="50" charset="-128"/>
+              <a:ea typeface="BIZ UDPゴシック" panose="020B0400000000000000" pitchFamily="50" charset="-128"/>
+            </a:endParaRPr>
+          </a:p>
+        </p:txBody>
+      </p:sp>
+      <p:pic>
+        <p:nvPicPr>
+          <p:cNvPr id="1026" name="Picture 2" descr="Nasdaq Logo PNG vector in SVG, PDF, AI, CDR format">
+            <a:extLst>
+              <a:ext uri="{FF2B5EF4-FFF2-40B4-BE49-F238E27FC236}">
+                <a16:creationId xmlns:a16="http://schemas.microsoft.com/office/drawing/2014/main" id="{5ED6ACAC-E3C2-958D-F2AF-81F7B669A168}"/>
+              </a:ext>
+            </a:extLst>
+          </p:cNvPr>
+          <p:cNvPicPr>
+            <a:picLocks noChangeAspect="1" noChangeArrowheads="1"/>
+          </p:cNvPicPr>
+          <p:nvPr/>
+        </p:nvPicPr>
+        <p:blipFill rotWithShape="1">
+          <a:blip r:embed="rId2">
+            <a:extLst>
+              <a:ext uri="{28A0092B-C50C-407E-A947-70E740481C1C}">
+                <a14:useLocalDpi xmlns:a14="http://schemas.microsoft.com/office/drawing/2010/main" val="0"/>
+              </a:ext>
+            </a:extLst>
+          </a:blip>
+          <a:srcRect t="29259" b="29533"/>
+          <a:stretch/>
+        </p:blipFill>
+        <p:spPr bwMode="auto">
+          <a:xfrm>
+            <a:off x="620890" y="3355729"/>
+            <a:ext cx="2409326" cy="745199"/>
+          </a:xfrm>
+          <a:prstGeom prst="rect">
+            <a:avLst/>
+          </a:prstGeom>
+          <a:noFill/>
+          <a:ln>
+            <a:solidFill>
+              <a:schemeClr val="bg2">
+                <a:lumMod val="75000"/>
+              </a:schemeClr>
+            </a:solidFill>
+          </a:ln>
+          <a:extLst>
+            <a:ext uri="{909E8E84-426E-40DD-AFC4-6F175D3DCCD1}">
+              <a14:hiddenFill xmlns:a14="http://schemas.microsoft.com/office/drawing/2010/main">
+                <a:solidFill>
+                  <a:srgbClr val="FFFFFF"/>
+                </a:solidFill>
+              </a14:hiddenFill>
+            </a:ext>
+          </a:extLst>
+        </p:spPr>
+      </p:pic>
+      <p:pic>
+        <p:nvPicPr>
+          <p:cNvPr id="1028" name="Picture 4" descr="銘柄に表示される記号の意味｜HYPER SBI 操作ガイド｜SBI証券">
+            <a:extLst>
+              <a:ext uri="{FF2B5EF4-FFF2-40B4-BE49-F238E27FC236}">
+                <a16:creationId xmlns:a16="http://schemas.microsoft.com/office/drawing/2014/main" id="{E5D6D5D4-EFB5-9BF3-C3E9-156EADEC49D7}"/>
+              </a:ext>
+            </a:extLst>
+          </p:cNvPr>
+          <p:cNvPicPr>
+            <a:picLocks noChangeAspect="1" noChangeArrowheads="1"/>
+          </p:cNvPicPr>
+          <p:nvPr/>
+        </p:nvPicPr>
+        <p:blipFill rotWithShape="1">
+          <a:blip r:embed="rId3">
+            <a:extLst>
+              <a:ext uri="{28A0092B-C50C-407E-A947-70E740481C1C}">
+                <a14:useLocalDpi xmlns:a14="http://schemas.microsoft.com/office/drawing/2010/main" val="0"/>
+              </a:ext>
+            </a:extLst>
+          </a:blip>
+          <a:srcRect t="20910" b="26817"/>
+          <a:stretch/>
+        </p:blipFill>
+        <p:spPr bwMode="auto">
+          <a:xfrm>
+            <a:off x="620890" y="1879442"/>
+            <a:ext cx="2409327" cy="661203"/>
+          </a:xfrm>
+          <a:prstGeom prst="rect">
+            <a:avLst/>
+          </a:prstGeom>
+          <a:noFill/>
+          <a:ln>
+            <a:solidFill>
+              <a:schemeClr val="bg2">
+                <a:lumMod val="75000"/>
+              </a:schemeClr>
+            </a:solidFill>
+          </a:ln>
+          <a:extLst>
+            <a:ext uri="{909E8E84-426E-40DD-AFC4-6F175D3DCCD1}">
+              <a14:hiddenFill xmlns:a14="http://schemas.microsoft.com/office/drawing/2010/main">
+                <a:solidFill>
+                  <a:srgbClr val="FFFFFF"/>
+                </a:solidFill>
+              </a14:hiddenFill>
+            </a:ext>
+          </a:extLst>
+        </p:spPr>
+      </p:pic>
+      <p:pic>
+        <p:nvPicPr>
+          <p:cNvPr id="1032" name="Picture 8" descr="Google Finance - 株式市場価格、リアルタイムの相場、ビジネス ニュース">
+            <a:extLst>
+              <a:ext uri="{FF2B5EF4-FFF2-40B4-BE49-F238E27FC236}">
+                <a16:creationId xmlns:a16="http://schemas.microsoft.com/office/drawing/2014/main" id="{CB89B57A-060E-C3D9-C30B-89F3FA3FE84E}"/>
+              </a:ext>
+            </a:extLst>
+          </p:cNvPr>
+          <p:cNvPicPr>
+            <a:picLocks noChangeAspect="1" noChangeArrowheads="1"/>
+          </p:cNvPicPr>
+          <p:nvPr/>
+        </p:nvPicPr>
+        <p:blipFill rotWithShape="1">
+          <a:blip r:embed="rId4">
+            <a:extLst>
+              <a:ext uri="{28A0092B-C50C-407E-A947-70E740481C1C}">
+                <a14:useLocalDpi xmlns:a14="http://schemas.microsoft.com/office/drawing/2010/main" val="0"/>
+              </a:ext>
+            </a:extLst>
+          </a:blip>
+          <a:srcRect l="6574" t="21365" r="9907" b="21959"/>
+          <a:stretch/>
+        </p:blipFill>
+        <p:spPr bwMode="auto">
+          <a:xfrm>
+            <a:off x="620890" y="4916012"/>
+            <a:ext cx="2409326" cy="854750"/>
+          </a:xfrm>
+          <a:prstGeom prst="rect">
+            <a:avLst/>
+          </a:prstGeom>
+          <a:noFill/>
+          <a:ln>
+            <a:solidFill>
+              <a:schemeClr val="bg2">
+                <a:lumMod val="75000"/>
+              </a:schemeClr>
+            </a:solidFill>
+          </a:ln>
+          <a:extLst>
+            <a:ext uri="{909E8E84-426E-40DD-AFC4-6F175D3DCCD1}">
+              <a14:hiddenFill xmlns:a14="http://schemas.microsoft.com/office/drawing/2010/main">
+                <a:solidFill>
+                  <a:srgbClr val="FFFFFF"/>
+                </a:solidFill>
+              </a14:hiddenFill>
+            </a:ext>
+          </a:extLst>
+        </p:spPr>
+      </p:pic>
+      <p:grpSp>
+        <p:nvGrpSpPr>
+          <p:cNvPr id="9" name="グラフィックス 3">
+            <a:extLst>
+              <a:ext uri="{FF2B5EF4-FFF2-40B4-BE49-F238E27FC236}">
+                <a16:creationId xmlns:a16="http://schemas.microsoft.com/office/drawing/2014/main" id="{51E18454-5CB8-D29A-D710-296424B9EB16}"/>
+              </a:ext>
+            </a:extLst>
+          </p:cNvPr>
+          <p:cNvGrpSpPr/>
+          <p:nvPr/>
+        </p:nvGrpSpPr>
+        <p:grpSpPr>
+          <a:xfrm>
+            <a:off x="9337511" y="4404451"/>
+            <a:ext cx="1790700" cy="1790700"/>
+            <a:chOff x="9467850" y="4543073"/>
+            <a:chExt cx="1790700" cy="1790700"/>
+          </a:xfrm>
+        </p:grpSpPr>
+        <p:sp>
+          <p:nvSpPr>
+            <p:cNvPr id="10" name="フリーフォーム: 図形 9">
+              <a:extLst>
+                <a:ext uri="{FF2B5EF4-FFF2-40B4-BE49-F238E27FC236}">
+                  <a16:creationId xmlns:a16="http://schemas.microsoft.com/office/drawing/2014/main" id="{BC1627E7-1B97-D762-F8C4-E2E202B39736}"/>
+                </a:ext>
+              </a:extLst>
+            </p:cNvPr>
+            <p:cNvSpPr/>
+            <p:nvPr/>
+          </p:nvSpPr>
+          <p:spPr>
+            <a:xfrm>
+              <a:off x="9467850" y="4543073"/>
+              <a:ext cx="1790700" cy="1790700"/>
+            </a:xfrm>
+            <a:custGeom>
+              <a:avLst/>
+              <a:gdLst>
+                <a:gd name="connsiteX0" fmla="*/ 0 w 1790700"/>
+                <a:gd name="connsiteY0" fmla="*/ 0 h 1790700"/>
+                <a:gd name="connsiteX1" fmla="*/ 1790700 w 1790700"/>
+                <a:gd name="connsiteY1" fmla="*/ 0 h 1790700"/>
+                <a:gd name="connsiteX2" fmla="*/ 1790700 w 1790700"/>
+                <a:gd name="connsiteY2" fmla="*/ 1790700 h 1790700"/>
+                <a:gd name="connsiteX3" fmla="*/ 0 w 1790700"/>
+                <a:gd name="connsiteY3" fmla="*/ 1790700 h 1790700"/>
+              </a:gdLst>
+              <a:ahLst/>
+              <a:cxnLst>
+                <a:cxn ang="0">
+                  <a:pos x="connsiteX0" y="connsiteY0"/>
+                </a:cxn>
+                <a:cxn ang="0">
+                  <a:pos x="connsiteX1" y="connsiteY1"/>
+                </a:cxn>
+                <a:cxn ang="0">
+                  <a:pos x="connsiteX2" y="connsiteY2"/>
+                </a:cxn>
+                <a:cxn ang="0">
+                  <a:pos x="connsiteX3" y="connsiteY3"/>
+                </a:cxn>
+              </a:cxnLst>
+              <a:rect l="l" t="t" r="r" b="b"/>
+              <a:pathLst>
+                <a:path w="1790700" h="1790700">
+                  <a:moveTo>
+                    <a:pt x="0" y="0"/>
+                  </a:moveTo>
+                  <a:lnTo>
+                    <a:pt x="1790700" y="0"/>
+                  </a:lnTo>
+                  <a:lnTo>
+                    <a:pt x="1790700" y="1790700"/>
+                  </a:lnTo>
+                  <a:lnTo>
+                    <a:pt x="0" y="1790700"/>
+                  </a:lnTo>
+                  <a:close/>
+                </a:path>
+              </a:pathLst>
+            </a:custGeom>
+            <a:noFill/>
+            <a:ln w="9525" cap="flat">
+              <a:noFill/>
+              <a:prstDash val="solid"/>
+              <a:miter/>
+            </a:ln>
+          </p:spPr>
+          <p:txBody>
+            <a:bodyPr rtlCol="0" anchor="ctr"/>
+            <a:lstStyle/>
+            <a:p>
+              <a:endParaRPr lang="ja-JP" altLang="en-US"/>
+            </a:p>
+          </p:txBody>
+        </p:sp>
+        <p:sp>
+          <p:nvSpPr>
+            <p:cNvPr id="11" name="フリーフォーム: 図形 10">
+              <a:extLst>
+                <a:ext uri="{FF2B5EF4-FFF2-40B4-BE49-F238E27FC236}">
+                  <a16:creationId xmlns:a16="http://schemas.microsoft.com/office/drawing/2014/main" id="{CC5F10FE-FF20-4179-BCC3-49F5B9AD7F5B}"/>
+                </a:ext>
+              </a:extLst>
+            </p:cNvPr>
+            <p:cNvSpPr/>
+            <p:nvPr/>
+          </p:nvSpPr>
+          <p:spPr>
+            <a:xfrm>
+              <a:off x="9467850" y="4545358"/>
+              <a:ext cx="1790700" cy="1786127"/>
+            </a:xfrm>
+            <a:custGeom>
+              <a:avLst/>
+              <a:gdLst>
+                <a:gd name="connsiteX0" fmla="*/ 1709261 w 1790700"/>
+                <a:gd name="connsiteY0" fmla="*/ 1139666 h 1786127"/>
+                <a:gd name="connsiteX1" fmla="*/ 1709261 w 1790700"/>
+                <a:gd name="connsiteY1" fmla="*/ 995839 h 1786127"/>
+                <a:gd name="connsiteX2" fmla="*/ 1425797 w 1790700"/>
+                <a:gd name="connsiteY2" fmla="*/ 1054037 h 1786127"/>
+                <a:gd name="connsiteX3" fmla="*/ 1142429 w 1790700"/>
+                <a:gd name="connsiteY3" fmla="*/ 995839 h 1786127"/>
+                <a:gd name="connsiteX4" fmla="*/ 1142429 w 1790700"/>
+                <a:gd name="connsiteY4" fmla="*/ 1139666 h 1786127"/>
+                <a:gd name="connsiteX5" fmla="*/ 1425797 w 1790700"/>
+                <a:gd name="connsiteY5" fmla="*/ 1225201 h 1786127"/>
+                <a:gd name="connsiteX6" fmla="*/ 1709261 w 1790700"/>
+                <a:gd name="connsiteY6" fmla="*/ 1139666 h 1786127"/>
+                <a:gd name="connsiteX7" fmla="*/ 1709261 w 1790700"/>
+                <a:gd name="connsiteY7" fmla="*/ 1387793 h 1786127"/>
+                <a:gd name="connsiteX8" fmla="*/ 1709261 w 1790700"/>
+                <a:gd name="connsiteY8" fmla="*/ 1248442 h 1786127"/>
+                <a:gd name="connsiteX9" fmla="*/ 1425797 w 1790700"/>
+                <a:gd name="connsiteY9" fmla="*/ 1306735 h 1786127"/>
+                <a:gd name="connsiteX10" fmla="*/ 1142429 w 1790700"/>
+                <a:gd name="connsiteY10" fmla="*/ 1248442 h 1786127"/>
+                <a:gd name="connsiteX11" fmla="*/ 1142429 w 1790700"/>
+                <a:gd name="connsiteY11" fmla="*/ 1387793 h 1786127"/>
+                <a:gd name="connsiteX12" fmla="*/ 1425797 w 1790700"/>
+                <a:gd name="connsiteY12" fmla="*/ 1473327 h 1786127"/>
+                <a:gd name="connsiteX13" fmla="*/ 1709261 w 1790700"/>
+                <a:gd name="connsiteY13" fmla="*/ 1387793 h 1786127"/>
+                <a:gd name="connsiteX14" fmla="*/ 1709261 w 1790700"/>
+                <a:gd name="connsiteY14" fmla="*/ 1609344 h 1786127"/>
+                <a:gd name="connsiteX15" fmla="*/ 1709261 w 1790700"/>
+                <a:gd name="connsiteY15" fmla="*/ 1496568 h 1786127"/>
+                <a:gd name="connsiteX16" fmla="*/ 1425797 w 1790700"/>
+                <a:gd name="connsiteY16" fmla="*/ 1554766 h 1786127"/>
+                <a:gd name="connsiteX17" fmla="*/ 1142429 w 1790700"/>
+                <a:gd name="connsiteY17" fmla="*/ 1496568 h 1786127"/>
+                <a:gd name="connsiteX18" fmla="*/ 1142429 w 1790700"/>
+                <a:gd name="connsiteY18" fmla="*/ 1609344 h 1786127"/>
+                <a:gd name="connsiteX19" fmla="*/ 1425797 w 1790700"/>
+                <a:gd name="connsiteY19" fmla="*/ 1694878 h 1786127"/>
+                <a:gd name="connsiteX20" fmla="*/ 1709261 w 1790700"/>
+                <a:gd name="connsiteY20" fmla="*/ 1609344 h 1786127"/>
+                <a:gd name="connsiteX21" fmla="*/ 1142429 w 1790700"/>
+                <a:gd name="connsiteY21" fmla="*/ 887063 h 1786127"/>
+                <a:gd name="connsiteX22" fmla="*/ 1425797 w 1790700"/>
+                <a:gd name="connsiteY22" fmla="*/ 972598 h 1786127"/>
+                <a:gd name="connsiteX23" fmla="*/ 1709261 w 1790700"/>
+                <a:gd name="connsiteY23" fmla="*/ 887063 h 1786127"/>
+                <a:gd name="connsiteX24" fmla="*/ 1425797 w 1790700"/>
+                <a:gd name="connsiteY24" fmla="*/ 801529 h 1786127"/>
+                <a:gd name="connsiteX25" fmla="*/ 1142429 w 1790700"/>
+                <a:gd name="connsiteY25" fmla="*/ 887063 h 1786127"/>
+                <a:gd name="connsiteX26" fmla="*/ 1790700 w 1790700"/>
+                <a:gd name="connsiteY26" fmla="*/ 887063 h 1786127"/>
+                <a:gd name="connsiteX27" fmla="*/ 1790700 w 1790700"/>
+                <a:gd name="connsiteY27" fmla="*/ 1609344 h 1786127"/>
+                <a:gd name="connsiteX28" fmla="*/ 1425797 w 1790700"/>
+                <a:gd name="connsiteY28" fmla="*/ 1776317 h 1786127"/>
+                <a:gd name="connsiteX29" fmla="*/ 1060895 w 1790700"/>
+                <a:gd name="connsiteY29" fmla="*/ 1609344 h 1786127"/>
+                <a:gd name="connsiteX30" fmla="*/ 1060895 w 1790700"/>
+                <a:gd name="connsiteY30" fmla="*/ 887063 h 1786127"/>
+                <a:gd name="connsiteX31" fmla="*/ 1425797 w 1790700"/>
+                <a:gd name="connsiteY31" fmla="*/ 719995 h 1786127"/>
+                <a:gd name="connsiteX32" fmla="*/ 1790700 w 1790700"/>
+                <a:gd name="connsiteY32" fmla="*/ 887063 h 1786127"/>
+                <a:gd name="connsiteX33" fmla="*/ 81439 w 1790700"/>
+                <a:gd name="connsiteY33" fmla="*/ 1551908 h 1786127"/>
+                <a:gd name="connsiteX34" fmla="*/ 81439 w 1790700"/>
+                <a:gd name="connsiteY34" fmla="*/ 234220 h 1786127"/>
+                <a:gd name="connsiteX35" fmla="*/ 234220 w 1790700"/>
+                <a:gd name="connsiteY35" fmla="*/ 81439 h 1786127"/>
+                <a:gd name="connsiteX36" fmla="*/ 1552004 w 1790700"/>
+                <a:gd name="connsiteY36" fmla="*/ 81439 h 1786127"/>
+                <a:gd name="connsiteX37" fmla="*/ 1704689 w 1790700"/>
+                <a:gd name="connsiteY37" fmla="*/ 234220 h 1786127"/>
+                <a:gd name="connsiteX38" fmla="*/ 1704689 w 1790700"/>
+                <a:gd name="connsiteY38" fmla="*/ 750951 h 1786127"/>
+                <a:gd name="connsiteX39" fmla="*/ 1786223 w 1790700"/>
+                <a:gd name="connsiteY39" fmla="*/ 750951 h 1786127"/>
+                <a:gd name="connsiteX40" fmla="*/ 1786223 w 1790700"/>
+                <a:gd name="connsiteY40" fmla="*/ 234220 h 1786127"/>
+                <a:gd name="connsiteX41" fmla="*/ 1552004 w 1790700"/>
+                <a:gd name="connsiteY41" fmla="*/ 0 h 1786127"/>
+                <a:gd name="connsiteX42" fmla="*/ 234220 w 1790700"/>
+                <a:gd name="connsiteY42" fmla="*/ 0 h 1786127"/>
+                <a:gd name="connsiteX43" fmla="*/ 0 w 1790700"/>
+                <a:gd name="connsiteY43" fmla="*/ 234220 h 1786127"/>
+                <a:gd name="connsiteX44" fmla="*/ 0 w 1790700"/>
+                <a:gd name="connsiteY44" fmla="*/ 1551908 h 1786127"/>
+                <a:gd name="connsiteX45" fmla="*/ 234220 w 1790700"/>
+                <a:gd name="connsiteY45" fmla="*/ 1786128 h 1786127"/>
+                <a:gd name="connsiteX46" fmla="*/ 1035177 w 1790700"/>
+                <a:gd name="connsiteY46" fmla="*/ 1786128 h 1786127"/>
+                <a:gd name="connsiteX47" fmla="*/ 1035177 w 1790700"/>
+                <a:gd name="connsiteY47" fmla="*/ 1704689 h 1786127"/>
+                <a:gd name="connsiteX48" fmla="*/ 234220 w 1790700"/>
+                <a:gd name="connsiteY48" fmla="*/ 1704689 h 1786127"/>
+                <a:gd name="connsiteX49" fmla="*/ 81439 w 1790700"/>
+                <a:gd name="connsiteY49" fmla="*/ 1551908 h 1786127"/>
+                <a:gd name="connsiteX50" fmla="*/ 1343216 w 1790700"/>
+                <a:gd name="connsiteY50" fmla="*/ 260033 h 1786127"/>
+                <a:gd name="connsiteX51" fmla="*/ 1343216 w 1790700"/>
+                <a:gd name="connsiteY51" fmla="*/ 579977 h 1786127"/>
+                <a:gd name="connsiteX52" fmla="*/ 1516856 w 1790700"/>
+                <a:gd name="connsiteY52" fmla="*/ 579977 h 1786127"/>
+                <a:gd name="connsiteX53" fmla="*/ 1516856 w 1790700"/>
+                <a:gd name="connsiteY53" fmla="*/ 528733 h 1786127"/>
+                <a:gd name="connsiteX54" fmla="*/ 1407890 w 1790700"/>
+                <a:gd name="connsiteY54" fmla="*/ 528733 h 1786127"/>
+                <a:gd name="connsiteX55" fmla="*/ 1407890 w 1790700"/>
+                <a:gd name="connsiteY55" fmla="*/ 260033 h 1786127"/>
+                <a:gd name="connsiteX56" fmla="*/ 1222343 w 1790700"/>
+                <a:gd name="connsiteY56" fmla="*/ 419767 h 1786127"/>
+                <a:gd name="connsiteX57" fmla="*/ 1207103 w 1790700"/>
+                <a:gd name="connsiteY57" fmla="*/ 333470 h 1786127"/>
+                <a:gd name="connsiteX58" fmla="*/ 1160431 w 1790700"/>
+                <a:gd name="connsiteY58" fmla="*/ 305276 h 1786127"/>
+                <a:gd name="connsiteX59" fmla="*/ 1113758 w 1790700"/>
+                <a:gd name="connsiteY59" fmla="*/ 333470 h 1786127"/>
+                <a:gd name="connsiteX60" fmla="*/ 1098614 w 1790700"/>
+                <a:gd name="connsiteY60" fmla="*/ 419767 h 1786127"/>
+                <a:gd name="connsiteX61" fmla="*/ 1114235 w 1790700"/>
+                <a:gd name="connsiteY61" fmla="*/ 505682 h 1786127"/>
+                <a:gd name="connsiteX62" fmla="*/ 1160431 w 1790700"/>
+                <a:gd name="connsiteY62" fmla="*/ 534734 h 1786127"/>
+                <a:gd name="connsiteX63" fmla="*/ 1206532 w 1790700"/>
+                <a:gd name="connsiteY63" fmla="*/ 505682 h 1786127"/>
+                <a:gd name="connsiteX64" fmla="*/ 1222343 w 1790700"/>
+                <a:gd name="connsiteY64" fmla="*/ 419767 h 1786127"/>
+                <a:gd name="connsiteX65" fmla="*/ 1207103 w 1790700"/>
+                <a:gd name="connsiteY65" fmla="*/ 579025 h 1786127"/>
+                <a:gd name="connsiteX66" fmla="*/ 1238917 w 1790700"/>
+                <a:gd name="connsiteY66" fmla="*/ 597027 h 1786127"/>
+                <a:gd name="connsiteX67" fmla="*/ 1281875 w 1790700"/>
+                <a:gd name="connsiteY67" fmla="*/ 606362 h 1786127"/>
+                <a:gd name="connsiteX68" fmla="*/ 1281875 w 1790700"/>
+                <a:gd name="connsiteY68" fmla="*/ 658940 h 1786127"/>
+                <a:gd name="connsiteX69" fmla="*/ 1211675 w 1790700"/>
+                <a:gd name="connsiteY69" fmla="*/ 634460 h 1786127"/>
+                <a:gd name="connsiteX70" fmla="*/ 1153954 w 1790700"/>
+                <a:gd name="connsiteY70" fmla="*/ 586931 h 1786127"/>
+                <a:gd name="connsiteX71" fmla="*/ 1063943 w 1790700"/>
+                <a:gd name="connsiteY71" fmla="*/ 541020 h 1786127"/>
+                <a:gd name="connsiteX72" fmla="*/ 1032034 w 1790700"/>
+                <a:gd name="connsiteY72" fmla="*/ 419767 h 1786127"/>
+                <a:gd name="connsiteX73" fmla="*/ 1065752 w 1790700"/>
+                <a:gd name="connsiteY73" fmla="*/ 296799 h 1786127"/>
+                <a:gd name="connsiteX74" fmla="*/ 1160431 w 1790700"/>
+                <a:gd name="connsiteY74" fmla="*/ 253079 h 1786127"/>
+                <a:gd name="connsiteX75" fmla="*/ 1255109 w 1790700"/>
+                <a:gd name="connsiteY75" fmla="*/ 296799 h 1786127"/>
+                <a:gd name="connsiteX76" fmla="*/ 1288733 w 1790700"/>
+                <a:gd name="connsiteY76" fmla="*/ 419767 h 1786127"/>
+                <a:gd name="connsiteX77" fmla="*/ 1267778 w 1790700"/>
+                <a:gd name="connsiteY77" fmla="*/ 522732 h 1786127"/>
+                <a:gd name="connsiteX78" fmla="*/ 1207103 w 1790700"/>
+                <a:gd name="connsiteY78" fmla="*/ 579025 h 1786127"/>
+                <a:gd name="connsiteX79" fmla="*/ 881539 w 1790700"/>
+                <a:gd name="connsiteY79" fmla="*/ 535115 h 1786127"/>
+                <a:gd name="connsiteX80" fmla="*/ 844868 w 1790700"/>
+                <a:gd name="connsiteY80" fmla="*/ 530828 h 1786127"/>
+                <a:gd name="connsiteX81" fmla="*/ 806291 w 1790700"/>
+                <a:gd name="connsiteY81" fmla="*/ 519970 h 1786127"/>
+                <a:gd name="connsiteX82" fmla="*/ 806291 w 1790700"/>
+                <a:gd name="connsiteY82" fmla="*/ 568452 h 1786127"/>
+                <a:gd name="connsiteX83" fmla="*/ 842772 w 1790700"/>
+                <a:gd name="connsiteY83" fmla="*/ 581882 h 1786127"/>
+                <a:gd name="connsiteX84" fmla="*/ 886206 w 1790700"/>
+                <a:gd name="connsiteY84" fmla="*/ 586931 h 1786127"/>
+                <a:gd name="connsiteX85" fmla="*/ 964406 w 1790700"/>
+                <a:gd name="connsiteY85" fmla="*/ 561308 h 1786127"/>
+                <a:gd name="connsiteX86" fmla="*/ 992791 w 1790700"/>
+                <a:gd name="connsiteY86" fmla="*/ 491776 h 1786127"/>
+                <a:gd name="connsiteX87" fmla="*/ 986123 w 1790700"/>
+                <a:gd name="connsiteY87" fmla="*/ 453295 h 1786127"/>
+                <a:gd name="connsiteX88" fmla="*/ 965359 w 1790700"/>
+                <a:gd name="connsiteY88" fmla="*/ 424339 h 1786127"/>
+                <a:gd name="connsiteX89" fmla="*/ 927259 w 1790700"/>
+                <a:gd name="connsiteY89" fmla="*/ 398526 h 1786127"/>
+                <a:gd name="connsiteX90" fmla="*/ 902303 w 1790700"/>
+                <a:gd name="connsiteY90" fmla="*/ 385191 h 1786127"/>
+                <a:gd name="connsiteX91" fmla="*/ 874871 w 1790700"/>
+                <a:gd name="connsiteY91" fmla="*/ 364903 h 1786127"/>
+                <a:gd name="connsiteX92" fmla="*/ 867728 w 1790700"/>
+                <a:gd name="connsiteY92" fmla="*/ 341281 h 1786127"/>
+                <a:gd name="connsiteX93" fmla="*/ 878777 w 1790700"/>
+                <a:gd name="connsiteY93" fmla="*/ 314515 h 1786127"/>
+                <a:gd name="connsiteX94" fmla="*/ 909257 w 1790700"/>
+                <a:gd name="connsiteY94" fmla="*/ 304800 h 1786127"/>
+                <a:gd name="connsiteX95" fmla="*/ 975265 w 1790700"/>
+                <a:gd name="connsiteY95" fmla="*/ 318707 h 1786127"/>
+                <a:gd name="connsiteX96" fmla="*/ 975265 w 1790700"/>
+                <a:gd name="connsiteY96" fmla="*/ 269748 h 1786127"/>
+                <a:gd name="connsiteX97" fmla="*/ 902780 w 1790700"/>
+                <a:gd name="connsiteY97" fmla="*/ 253079 h 1786127"/>
+                <a:gd name="connsiteX98" fmla="*/ 851345 w 1790700"/>
+                <a:gd name="connsiteY98" fmla="*/ 264414 h 1786127"/>
+                <a:gd name="connsiteX99" fmla="*/ 816007 w 1790700"/>
+                <a:gd name="connsiteY99" fmla="*/ 296799 h 1786127"/>
+                <a:gd name="connsiteX100" fmla="*/ 803053 w 1790700"/>
+                <a:gd name="connsiteY100" fmla="*/ 345948 h 1786127"/>
+                <a:gd name="connsiteX101" fmla="*/ 817817 w 1790700"/>
+                <a:gd name="connsiteY101" fmla="*/ 397574 h 1786127"/>
+                <a:gd name="connsiteX102" fmla="*/ 866775 w 1790700"/>
+                <a:gd name="connsiteY102" fmla="*/ 437293 h 1786127"/>
+                <a:gd name="connsiteX103" fmla="*/ 891731 w 1790700"/>
+                <a:gd name="connsiteY103" fmla="*/ 450723 h 1786127"/>
+                <a:gd name="connsiteX104" fmla="*/ 918686 w 1790700"/>
+                <a:gd name="connsiteY104" fmla="*/ 470821 h 1786127"/>
+                <a:gd name="connsiteX105" fmla="*/ 926878 w 1790700"/>
+                <a:gd name="connsiteY105" fmla="*/ 495014 h 1786127"/>
+                <a:gd name="connsiteX106" fmla="*/ 915257 w 1790700"/>
+                <a:gd name="connsiteY106" fmla="*/ 524828 h 1786127"/>
+                <a:gd name="connsiteX107" fmla="*/ 881539 w 1790700"/>
+                <a:gd name="connsiteY107" fmla="*/ 535115 h 1786127"/>
+                <a:gd name="connsiteX108" fmla="*/ 644271 w 1790700"/>
+                <a:gd name="connsiteY108" fmla="*/ 623792 h 1786127"/>
+                <a:gd name="connsiteX109" fmla="*/ 617887 w 1790700"/>
+                <a:gd name="connsiteY109" fmla="*/ 633032 h 1786127"/>
+                <a:gd name="connsiteX110" fmla="*/ 595694 w 1790700"/>
+                <a:gd name="connsiteY110" fmla="*/ 631317 h 1786127"/>
+                <a:gd name="connsiteX111" fmla="*/ 595694 w 1790700"/>
+                <a:gd name="connsiteY111" fmla="*/ 673703 h 1786127"/>
+                <a:gd name="connsiteX112" fmla="*/ 636365 w 1790700"/>
+                <a:gd name="connsiteY112" fmla="*/ 680657 h 1786127"/>
+                <a:gd name="connsiteX113" fmla="*/ 678847 w 1790700"/>
+                <a:gd name="connsiteY113" fmla="*/ 665417 h 1786127"/>
+                <a:gd name="connsiteX114" fmla="*/ 704755 w 1790700"/>
+                <a:gd name="connsiteY114" fmla="*/ 615982 h 1786127"/>
+                <a:gd name="connsiteX115" fmla="*/ 782765 w 1790700"/>
+                <a:gd name="connsiteY115" fmla="*/ 344138 h 1786127"/>
+                <a:gd name="connsiteX116" fmla="*/ 717613 w 1790700"/>
+                <a:gd name="connsiteY116" fmla="*/ 344138 h 1786127"/>
+                <a:gd name="connsiteX117" fmla="*/ 683038 w 1790700"/>
+                <a:gd name="connsiteY117" fmla="*/ 517684 h 1786127"/>
+                <a:gd name="connsiteX118" fmla="*/ 647510 w 1790700"/>
+                <a:gd name="connsiteY118" fmla="*/ 344138 h 1786127"/>
+                <a:gd name="connsiteX119" fmla="*/ 580454 w 1790700"/>
+                <a:gd name="connsiteY119" fmla="*/ 344138 h 1786127"/>
+                <a:gd name="connsiteX120" fmla="*/ 656749 w 1790700"/>
+                <a:gd name="connsiteY120" fmla="*/ 584645 h 1786127"/>
+                <a:gd name="connsiteX121" fmla="*/ 655796 w 1790700"/>
+                <a:gd name="connsiteY121" fmla="*/ 592836 h 1786127"/>
+                <a:gd name="connsiteX122" fmla="*/ 644271 w 1790700"/>
+                <a:gd name="connsiteY122" fmla="*/ 623792 h 1786127"/>
+                <a:gd name="connsiteX123" fmla="*/ 489585 w 1790700"/>
+                <a:gd name="connsiteY123" fmla="*/ 579977 h 1786127"/>
+                <a:gd name="connsiteX124" fmla="*/ 489585 w 1790700"/>
+                <a:gd name="connsiteY124" fmla="*/ 355664 h 1786127"/>
+                <a:gd name="connsiteX125" fmla="*/ 435578 w 1790700"/>
+                <a:gd name="connsiteY125" fmla="*/ 501015 h 1786127"/>
+                <a:gd name="connsiteX126" fmla="*/ 380619 w 1790700"/>
+                <a:gd name="connsiteY126" fmla="*/ 501015 h 1786127"/>
+                <a:gd name="connsiteX127" fmla="*/ 326993 w 1790700"/>
+                <a:gd name="connsiteY127" fmla="*/ 356997 h 1786127"/>
+                <a:gd name="connsiteX128" fmla="*/ 326993 w 1790700"/>
+                <a:gd name="connsiteY128" fmla="*/ 579977 h 1786127"/>
+                <a:gd name="connsiteX129" fmla="*/ 269272 w 1790700"/>
+                <a:gd name="connsiteY129" fmla="*/ 579977 h 1786127"/>
+                <a:gd name="connsiteX130" fmla="*/ 269272 w 1790700"/>
+                <a:gd name="connsiteY130" fmla="*/ 260033 h 1786127"/>
+                <a:gd name="connsiteX131" fmla="*/ 343281 w 1790700"/>
+                <a:gd name="connsiteY131" fmla="*/ 260033 h 1786127"/>
+                <a:gd name="connsiteX132" fmla="*/ 409289 w 1790700"/>
+                <a:gd name="connsiteY132" fmla="*/ 439198 h 1786127"/>
+                <a:gd name="connsiteX133" fmla="*/ 475298 w 1790700"/>
+                <a:gd name="connsiteY133" fmla="*/ 260033 h 1786127"/>
+                <a:gd name="connsiteX134" fmla="*/ 547307 w 1790700"/>
+                <a:gd name="connsiteY134" fmla="*/ 260033 h 1786127"/>
+                <a:gd name="connsiteX135" fmla="*/ 547307 w 1790700"/>
+                <a:gd name="connsiteY135" fmla="*/ 579977 h 1786127"/>
+              </a:gdLst>
+              <a:ahLst/>
+              <a:cxnLst>
+                <a:cxn ang="0">
+                  <a:pos x="connsiteX0" y="connsiteY0"/>
+                </a:cxn>
+                <a:cxn ang="0">
+                  <a:pos x="connsiteX1" y="connsiteY1"/>
+                </a:cxn>
+                <a:cxn ang="0">
+                  <a:pos x="connsiteX2" y="connsiteY2"/>
+                </a:cxn>
+                <a:cxn ang="0">
+                  <a:pos x="connsiteX3" y="connsiteY3"/>
+                </a:cxn>
+                <a:cxn ang="0">
+                  <a:pos x="connsiteX4" y="connsiteY4"/>
+                </a:cxn>
+                <a:cxn ang="0">
+                  <a:pos x="connsiteX5" y="connsiteY5"/>
+                </a:cxn>
+                <a:cxn ang="0">
+                  <a:pos x="connsiteX6" y="connsiteY6"/>
+                </a:cxn>
+                <a:cxn ang="0">
+                  <a:pos x="connsiteX7" y="connsiteY7"/>
+                </a:cxn>
+                <a:cxn ang="0">
+                  <a:pos x="connsiteX8" y="connsiteY8"/>
+                </a:cxn>
+                <a:cxn ang="0">
+                  <a:pos x="connsiteX9" y="connsiteY9"/>
+                </a:cxn>
+                <a:cxn ang="0">
+                  <a:pos x="connsiteX10" y="connsiteY10"/>
+                </a:cxn>
+                <a:cxn ang="0">
+                  <a:pos x="connsiteX11" y="connsiteY11"/>
+                </a:cxn>
+                <a:cxn ang="0">
+                  <a:pos x="connsiteX12" y="connsiteY12"/>
+                </a:cxn>
+                <a:cxn ang="0">
+                  <a:pos x="connsiteX13" y="connsiteY13"/>
+                </a:cxn>
+                <a:cxn ang="0">
+                  <a:pos x="connsiteX14" y="connsiteY14"/>
+                </a:cxn>
+                <a:cxn ang="0">
+                  <a:pos x="connsiteX15" y="connsiteY15"/>
+                </a:cxn>
+                <a:cxn ang="0">
+                  <a:pos x="connsiteX16" y="connsiteY16"/>
+                </a:cxn>
+                <a:cxn ang="0">
+                  <a:pos x="connsiteX17" y="connsiteY17"/>
+                </a:cxn>
+                <a:cxn ang="0">
+                  <a:pos x="connsiteX18" y="connsiteY18"/>
+                </a:cxn>
+                <a:cxn ang="0">
+                  <a:pos x="connsiteX19" y="connsiteY19"/>
+                </a:cxn>
+                <a:cxn ang="0">
+                  <a:pos x="connsiteX20" y="connsiteY20"/>
+                </a:cxn>
+                <a:cxn ang="0">
+                  <a:pos x="connsiteX21" y="connsiteY21"/>
+                </a:cxn>
+                <a:cxn ang="0">
+                  <a:pos x="connsiteX22" y="connsiteY22"/>
+                </a:cxn>
+                <a:cxn ang="0">
+                  <a:pos x="connsiteX23" y="connsiteY23"/>
+                </a:cxn>
+                <a:cxn ang="0">
+                  <a:pos x="connsiteX24" y="connsiteY24"/>
+                </a:cxn>
+                <a:cxn ang="0">
+                  <a:pos x="connsiteX25" y="connsiteY25"/>
+                </a:cxn>
+                <a:cxn ang="0">
+                  <a:pos x="connsiteX26" y="connsiteY26"/>
+                </a:cxn>
+                <a:cxn ang="0">
+                  <a:pos x="connsiteX27" y="connsiteY27"/>
+                </a:cxn>
+                <a:cxn ang="0">
+                  <a:pos x="connsiteX28" y="connsiteY28"/>
+                </a:cxn>
+                <a:cxn ang="0">
+                  <a:pos x="connsiteX29" y="connsiteY29"/>
+                </a:cxn>
+                <a:cxn ang="0">
+                  <a:pos x="connsiteX30" y="connsiteY30"/>
+                </a:cxn>
+                <a:cxn ang="0">
+                  <a:pos x="connsiteX31" y="connsiteY31"/>
+                </a:cxn>
+                <a:cxn ang="0">
+                  <a:pos x="connsiteX32" y="connsiteY32"/>
+                </a:cxn>
+                <a:cxn ang="0">
+                  <a:pos x="connsiteX33" y="connsiteY33"/>
+                </a:cxn>
+                <a:cxn ang="0">
+                  <a:pos x="connsiteX34" y="connsiteY34"/>
+                </a:cxn>
+                <a:cxn ang="0">
+                  <a:pos x="connsiteX35" y="connsiteY35"/>
+                </a:cxn>
+                <a:cxn ang="0">
+                  <a:pos x="connsiteX36" y="connsiteY36"/>
+                </a:cxn>
+                <a:cxn ang="0">
+                  <a:pos x="connsiteX37" y="connsiteY37"/>
+                </a:cxn>
+                <a:cxn ang="0">
+                  <a:pos x="connsiteX38" y="connsiteY38"/>
+                </a:cxn>
+                <a:cxn ang="0">
+                  <a:pos x="connsiteX39" y="connsiteY39"/>
+                </a:cxn>
+                <a:cxn ang="0">
+                  <a:pos x="connsiteX40" y="connsiteY40"/>
+                </a:cxn>
+                <a:cxn ang="0">
+                  <a:pos x="connsiteX41" y="connsiteY41"/>
+                </a:cxn>
+                <a:cxn ang="0">
+                  <a:pos x="connsiteX42" y="connsiteY42"/>
+                </a:cxn>
+                <a:cxn ang="0">
+                  <a:pos x="connsiteX43" y="connsiteY43"/>
+                </a:cxn>
+                <a:cxn ang="0">
+                  <a:pos x="connsiteX44" y="connsiteY44"/>
+                </a:cxn>
+                <a:cxn ang="0">
+                  <a:pos x="connsiteX45" y="connsiteY45"/>
+                </a:cxn>
+                <a:cxn ang="0">
+                  <a:pos x="connsiteX46" y="connsiteY46"/>
+                </a:cxn>
+                <a:cxn ang="0">
+                  <a:pos x="connsiteX47" y="connsiteY47"/>
+                </a:cxn>
+                <a:cxn ang="0">
+                  <a:pos x="connsiteX48" y="connsiteY48"/>
+                </a:cxn>
+                <a:cxn ang="0">
+                  <a:pos x="connsiteX49" y="connsiteY49"/>
+                </a:cxn>
+                <a:cxn ang="0">
+                  <a:pos x="connsiteX50" y="connsiteY50"/>
+                </a:cxn>
+                <a:cxn ang="0">
+                  <a:pos x="connsiteX51" y="connsiteY51"/>
+                </a:cxn>
+                <a:cxn ang="0">
+                  <a:pos x="connsiteX52" y="connsiteY52"/>
+                </a:cxn>
+                <a:cxn ang="0">
+                  <a:pos x="connsiteX53" y="connsiteY53"/>
+                </a:cxn>
+                <a:cxn ang="0">
+                  <a:pos x="connsiteX54" y="connsiteY54"/>
+                </a:cxn>
+                <a:cxn ang="0">
+                  <a:pos x="connsiteX55" y="connsiteY55"/>
+                </a:cxn>
+                <a:cxn ang="0">
+                  <a:pos x="connsiteX56" y="connsiteY56"/>
+                </a:cxn>
+                <a:cxn ang="0">
+                  <a:pos x="connsiteX57" y="connsiteY57"/>
+                </a:cxn>
+                <a:cxn ang="0">
+                  <a:pos x="connsiteX58" y="connsiteY58"/>
+                </a:cxn>
+                <a:cxn ang="0">
+                  <a:pos x="connsiteX59" y="connsiteY59"/>
+                </a:cxn>
+                <a:cxn ang="0">
+                  <a:pos x="connsiteX60" y="connsiteY60"/>
+                </a:cxn>
+                <a:cxn ang="0">
+                  <a:pos x="connsiteX61" y="connsiteY61"/>
+                </a:cxn>
+                <a:cxn ang="0">
+                  <a:pos x="connsiteX62" y="connsiteY62"/>
+                </a:cxn>
+                <a:cxn ang="0">
+                  <a:pos x="connsiteX63" y="connsiteY63"/>
+                </a:cxn>
+                <a:cxn ang="0">
+                  <a:pos x="connsiteX64" y="connsiteY64"/>
+                </a:cxn>
+                <a:cxn ang="0">
+                  <a:pos x="connsiteX65" y="connsiteY65"/>
+                </a:cxn>
+                <a:cxn ang="0">
+                  <a:pos x="connsiteX66" y="connsiteY66"/>
+                </a:cxn>
+                <a:cxn ang="0">
+                  <a:pos x="connsiteX67" y="connsiteY67"/>
+                </a:cxn>
+                <a:cxn ang="0">
+                  <a:pos x="connsiteX68" y="connsiteY68"/>
+                </a:cxn>
+                <a:cxn ang="0">
+                  <a:pos x="connsiteX69" y="connsiteY69"/>
+                </a:cxn>
+                <a:cxn ang="0">
+                  <a:pos x="connsiteX70" y="connsiteY70"/>
+                </a:cxn>
+                <a:cxn ang="0">
+                  <a:pos x="connsiteX71" y="connsiteY71"/>
+                </a:cxn>
+                <a:cxn ang="0">
+                  <a:pos x="connsiteX72" y="connsiteY72"/>
+                </a:cxn>
+                <a:cxn ang="0">
+                  <a:pos x="connsiteX73" y="connsiteY73"/>
+                </a:cxn>
+                <a:cxn ang="0">
+                  <a:pos x="connsiteX74" y="connsiteY74"/>
+                </a:cxn>
+                <a:cxn ang="0">
+                  <a:pos x="connsiteX75" y="connsiteY75"/>
+                </a:cxn>
+                <a:cxn ang="0">
+                  <a:pos x="connsiteX76" y="connsiteY76"/>
+                </a:cxn>
+                <a:cxn ang="0">
+                  <a:pos x="connsiteX77" y="connsiteY77"/>
+                </a:cxn>
+                <a:cxn ang="0">
+                  <a:pos x="connsiteX78" y="connsiteY78"/>
+                </a:cxn>
+                <a:cxn ang="0">
+                  <a:pos x="connsiteX79" y="connsiteY79"/>
+                </a:cxn>
+                <a:cxn ang="0">
+                  <a:pos x="connsiteX80" y="connsiteY80"/>
+                </a:cxn>
+                <a:cxn ang="0">
+                  <a:pos x="connsiteX81" y="connsiteY81"/>
+                </a:cxn>
+                <a:cxn ang="0">
+                  <a:pos x="connsiteX82" y="connsiteY82"/>
+                </a:cxn>
+                <a:cxn ang="0">
+                  <a:pos x="connsiteX83" y="connsiteY83"/>
+                </a:cxn>
+                <a:cxn ang="0">
+                  <a:pos x="connsiteX84" y="connsiteY84"/>
+                </a:cxn>
+                <a:cxn ang="0">
+                  <a:pos x="connsiteX85" y="connsiteY85"/>
+                </a:cxn>
+                <a:cxn ang="0">
+                  <a:pos x="connsiteX86" y="connsiteY86"/>
+                </a:cxn>
+                <a:cxn ang="0">
+                  <a:pos x="connsiteX87" y="connsiteY87"/>
+                </a:cxn>
+                <a:cxn ang="0">
+                  <a:pos x="connsiteX88" y="connsiteY88"/>
+                </a:cxn>
+                <a:cxn ang="0">
+                  <a:pos x="connsiteX89" y="connsiteY89"/>
+                </a:cxn>
+                <a:cxn ang="0">
+                  <a:pos x="connsiteX90" y="connsiteY90"/>
+                </a:cxn>
+                <a:cxn ang="0">
+                  <a:pos x="connsiteX91" y="connsiteY91"/>
+                </a:cxn>
+                <a:cxn ang="0">
+                  <a:pos x="connsiteX92" y="connsiteY92"/>
+                </a:cxn>
+                <a:cxn ang="0">
+                  <a:pos x="connsiteX93" y="connsiteY93"/>
+                </a:cxn>
+                <a:cxn ang="0">
+                  <a:pos x="connsiteX94" y="connsiteY94"/>
+                </a:cxn>
+                <a:cxn ang="0">
+                  <a:pos x="connsiteX95" y="connsiteY95"/>
+                </a:cxn>
+                <a:cxn ang="0">
+                  <a:pos x="connsiteX96" y="connsiteY96"/>
+                </a:cxn>
+                <a:cxn ang="0">
+                  <a:pos x="connsiteX97" y="connsiteY97"/>
+                </a:cxn>
+                <a:cxn ang="0">
+                  <a:pos x="connsiteX98" y="connsiteY98"/>
+                </a:cxn>
+                <a:cxn ang="0">
+                  <a:pos x="connsiteX99" y="connsiteY99"/>
+                </a:cxn>
+                <a:cxn ang="0">
+                  <a:pos x="connsiteX100" y="connsiteY100"/>
+                </a:cxn>
+                <a:cxn ang="0">
+                  <a:pos x="connsiteX101" y="connsiteY101"/>
+                </a:cxn>
+                <a:cxn ang="0">
+                  <a:pos x="connsiteX102" y="connsiteY102"/>
+                </a:cxn>
+                <a:cxn ang="0">
+                  <a:pos x="connsiteX103" y="connsiteY103"/>
+                </a:cxn>
+                <a:cxn ang="0">
+                  <a:pos x="connsiteX104" y="connsiteY104"/>
+                </a:cxn>
+                <a:cxn ang="0">
+                  <a:pos x="connsiteX105" y="connsiteY105"/>
+                </a:cxn>
+                <a:cxn ang="0">
+                  <a:pos x="connsiteX106" y="connsiteY106"/>
+                </a:cxn>
+                <a:cxn ang="0">
+                  <a:pos x="connsiteX107" y="connsiteY107"/>
+                </a:cxn>
+                <a:cxn ang="0">
+                  <a:pos x="connsiteX108" y="connsiteY108"/>
+                </a:cxn>
+                <a:cxn ang="0">
+                  <a:pos x="connsiteX109" y="connsiteY109"/>
+                </a:cxn>
+                <a:cxn ang="0">
+                  <a:pos x="connsiteX110" y="connsiteY110"/>
+                </a:cxn>
+                <a:cxn ang="0">
+                  <a:pos x="connsiteX111" y="connsiteY111"/>
+                </a:cxn>
+                <a:cxn ang="0">
+                  <a:pos x="connsiteX112" y="connsiteY112"/>
+                </a:cxn>
+                <a:cxn ang="0">
+                  <a:pos x="connsiteX113" y="connsiteY113"/>
+                </a:cxn>
+                <a:cxn ang="0">
+                  <a:pos x="connsiteX114" y="connsiteY114"/>
+                </a:cxn>
+                <a:cxn ang="0">
+                  <a:pos x="connsiteX115" y="connsiteY115"/>
+                </a:cxn>
+                <a:cxn ang="0">
+                  <a:pos x="connsiteX116" y="connsiteY116"/>
+                </a:cxn>
+                <a:cxn ang="0">
+                  <a:pos x="connsiteX117" y="connsiteY117"/>
+                </a:cxn>
+                <a:cxn ang="0">
+                  <a:pos x="connsiteX118" y="connsiteY118"/>
+                </a:cxn>
+                <a:cxn ang="0">
+                  <a:pos x="connsiteX119" y="connsiteY119"/>
+                </a:cxn>
+                <a:cxn ang="0">
+                  <a:pos x="connsiteX120" y="connsiteY120"/>
+                </a:cxn>
+                <a:cxn ang="0">
+                  <a:pos x="connsiteX121" y="connsiteY121"/>
+                </a:cxn>
+                <a:cxn ang="0">
+                  <a:pos x="connsiteX122" y="connsiteY122"/>
+                </a:cxn>
+                <a:cxn ang="0">
+                  <a:pos x="connsiteX123" y="connsiteY123"/>
+                </a:cxn>
+                <a:cxn ang="0">
+                  <a:pos x="connsiteX124" y="connsiteY124"/>
+                </a:cxn>
+                <a:cxn ang="0">
+                  <a:pos x="connsiteX125" y="connsiteY125"/>
+                </a:cxn>
+                <a:cxn ang="0">
+                  <a:pos x="connsiteX126" y="connsiteY126"/>
+                </a:cxn>
+                <a:cxn ang="0">
+                  <a:pos x="connsiteX127" y="connsiteY127"/>
+                </a:cxn>
+                <a:cxn ang="0">
+                  <a:pos x="connsiteX128" y="connsiteY128"/>
+                </a:cxn>
+                <a:cxn ang="0">
+                  <a:pos x="connsiteX129" y="connsiteY129"/>
+                </a:cxn>
+                <a:cxn ang="0">
+                  <a:pos x="connsiteX130" y="connsiteY130"/>
+                </a:cxn>
+                <a:cxn ang="0">
+                  <a:pos x="connsiteX131" y="connsiteY131"/>
+                </a:cxn>
+                <a:cxn ang="0">
+                  <a:pos x="connsiteX132" y="connsiteY132"/>
+                </a:cxn>
+                <a:cxn ang="0">
+                  <a:pos x="connsiteX133" y="connsiteY133"/>
+                </a:cxn>
+                <a:cxn ang="0">
+                  <a:pos x="connsiteX134" y="connsiteY134"/>
+                </a:cxn>
+                <a:cxn ang="0">
+                  <a:pos x="connsiteX135" y="connsiteY135"/>
+                </a:cxn>
+              </a:cxnLst>
+              <a:rect l="l" t="t" r="r" b="b"/>
+              <a:pathLst>
+                <a:path w="1790700" h="1786127">
+                  <a:moveTo>
+                    <a:pt x="1709261" y="1139666"/>
+                  </a:moveTo>
+                  <a:lnTo>
+                    <a:pt x="1709261" y="995839"/>
+                  </a:lnTo>
+                  <a:cubicBezTo>
+                    <a:pt x="1638776" y="1034225"/>
+                    <a:pt x="1532096" y="1054037"/>
+                    <a:pt x="1425797" y="1054037"/>
+                  </a:cubicBezTo>
+                  <a:cubicBezTo>
+                    <a:pt x="1319593" y="1054037"/>
+                    <a:pt x="1212818" y="1034225"/>
+                    <a:pt x="1142429" y="995839"/>
+                  </a:cubicBezTo>
+                  <a:lnTo>
+                    <a:pt x="1142429" y="1139666"/>
+                  </a:lnTo>
+                  <a:cubicBezTo>
+                    <a:pt x="1142429" y="1165193"/>
+                    <a:pt x="1238822" y="1225201"/>
+                    <a:pt x="1425797" y="1225201"/>
+                  </a:cubicBezTo>
+                  <a:cubicBezTo>
+                    <a:pt x="1612868" y="1225201"/>
+                    <a:pt x="1709261" y="1165193"/>
+                    <a:pt x="1709261" y="1139666"/>
+                  </a:cubicBezTo>
+                  <a:close/>
+                  <a:moveTo>
+                    <a:pt x="1709261" y="1387793"/>
+                  </a:moveTo>
+                  <a:lnTo>
+                    <a:pt x="1709261" y="1248442"/>
+                  </a:lnTo>
+                  <a:cubicBezTo>
+                    <a:pt x="1638776" y="1286828"/>
+                    <a:pt x="1532096" y="1306735"/>
+                    <a:pt x="1425797" y="1306735"/>
+                  </a:cubicBezTo>
+                  <a:cubicBezTo>
+                    <a:pt x="1319593" y="1306735"/>
+                    <a:pt x="1212818" y="1286828"/>
+                    <a:pt x="1142429" y="1248442"/>
+                  </a:cubicBezTo>
+                  <a:lnTo>
+                    <a:pt x="1142429" y="1387793"/>
+                  </a:lnTo>
+                  <a:cubicBezTo>
+                    <a:pt x="1142429" y="1413320"/>
+                    <a:pt x="1238822" y="1473327"/>
+                    <a:pt x="1425797" y="1473327"/>
+                  </a:cubicBezTo>
+                  <a:cubicBezTo>
+                    <a:pt x="1612868" y="1473327"/>
+                    <a:pt x="1709261" y="1413320"/>
+                    <a:pt x="1709261" y="1387793"/>
+                  </a:cubicBezTo>
+                  <a:close/>
+                  <a:moveTo>
+                    <a:pt x="1709261" y="1609344"/>
+                  </a:moveTo>
+                  <a:lnTo>
+                    <a:pt x="1709261" y="1496568"/>
+                  </a:lnTo>
+                  <a:cubicBezTo>
+                    <a:pt x="1638776" y="1534954"/>
+                    <a:pt x="1532096" y="1554766"/>
+                    <a:pt x="1425797" y="1554766"/>
+                  </a:cubicBezTo>
+                  <a:cubicBezTo>
+                    <a:pt x="1319593" y="1554766"/>
+                    <a:pt x="1212818" y="1534954"/>
+                    <a:pt x="1142429" y="1496568"/>
+                  </a:cubicBezTo>
+                  <a:lnTo>
+                    <a:pt x="1142429" y="1609344"/>
+                  </a:lnTo>
+                  <a:cubicBezTo>
+                    <a:pt x="1142429" y="1634871"/>
+                    <a:pt x="1238822" y="1694878"/>
+                    <a:pt x="1425797" y="1694878"/>
+                  </a:cubicBezTo>
+                  <a:cubicBezTo>
+                    <a:pt x="1612868" y="1694878"/>
+                    <a:pt x="1709261" y="1634871"/>
+                    <a:pt x="1709261" y="1609344"/>
+                  </a:cubicBezTo>
+                  <a:close/>
+                  <a:moveTo>
+                    <a:pt x="1142429" y="887063"/>
+                  </a:moveTo>
+                  <a:cubicBezTo>
+                    <a:pt x="1142429" y="912686"/>
+                    <a:pt x="1238822" y="972598"/>
+                    <a:pt x="1425797" y="972598"/>
+                  </a:cubicBezTo>
+                  <a:cubicBezTo>
+                    <a:pt x="1612868" y="972598"/>
+                    <a:pt x="1709261" y="912686"/>
+                    <a:pt x="1709261" y="887063"/>
+                  </a:cubicBezTo>
+                  <a:cubicBezTo>
+                    <a:pt x="1709261" y="861536"/>
+                    <a:pt x="1612868" y="801529"/>
+                    <a:pt x="1425797" y="801529"/>
+                  </a:cubicBezTo>
+                  <a:cubicBezTo>
+                    <a:pt x="1238822" y="801529"/>
+                    <a:pt x="1142429" y="861536"/>
+                    <a:pt x="1142429" y="887063"/>
+                  </a:cubicBezTo>
+                  <a:close/>
+                  <a:moveTo>
+                    <a:pt x="1790700" y="887063"/>
+                  </a:moveTo>
+                  <a:lnTo>
+                    <a:pt x="1790700" y="1609344"/>
+                  </a:lnTo>
+                  <a:cubicBezTo>
+                    <a:pt x="1790700" y="1718977"/>
+                    <a:pt x="1607153" y="1776317"/>
+                    <a:pt x="1425797" y="1776317"/>
+                  </a:cubicBezTo>
+                  <a:cubicBezTo>
+                    <a:pt x="1244537" y="1776317"/>
+                    <a:pt x="1060895" y="1718977"/>
+                    <a:pt x="1060895" y="1609344"/>
+                  </a:cubicBezTo>
+                  <a:lnTo>
+                    <a:pt x="1060895" y="887063"/>
+                  </a:lnTo>
+                  <a:cubicBezTo>
+                    <a:pt x="1060895" y="777431"/>
+                    <a:pt x="1244537" y="719995"/>
+                    <a:pt x="1425797" y="719995"/>
+                  </a:cubicBezTo>
+                  <a:cubicBezTo>
+                    <a:pt x="1607153" y="719995"/>
+                    <a:pt x="1790700" y="777431"/>
+                    <a:pt x="1790700" y="887063"/>
+                  </a:cubicBezTo>
+                  <a:close/>
+                  <a:moveTo>
+                    <a:pt x="81439" y="1551908"/>
+                  </a:moveTo>
+                  <a:lnTo>
+                    <a:pt x="81439" y="234220"/>
+                  </a:lnTo>
+                  <a:cubicBezTo>
+                    <a:pt x="81439" y="149924"/>
+                    <a:pt x="150019" y="81439"/>
+                    <a:pt x="234220" y="81439"/>
+                  </a:cubicBezTo>
+                  <a:lnTo>
+                    <a:pt x="1552004" y="81439"/>
+                  </a:lnTo>
+                  <a:cubicBezTo>
+                    <a:pt x="1636205" y="81439"/>
+                    <a:pt x="1704689" y="149924"/>
+                    <a:pt x="1704689" y="234220"/>
+                  </a:cubicBezTo>
+                  <a:lnTo>
+                    <a:pt x="1704689" y="750951"/>
+                  </a:lnTo>
+                  <a:lnTo>
+                    <a:pt x="1786223" y="750951"/>
+                  </a:lnTo>
+                  <a:lnTo>
+                    <a:pt x="1786223" y="234220"/>
+                  </a:lnTo>
+                  <a:cubicBezTo>
+                    <a:pt x="1786223" y="105061"/>
+                    <a:pt x="1681163" y="0"/>
+                    <a:pt x="1552004" y="0"/>
+                  </a:cubicBezTo>
+                  <a:lnTo>
+                    <a:pt x="234220" y="0"/>
+                  </a:lnTo>
+                  <a:cubicBezTo>
+                    <a:pt x="105061" y="0"/>
+                    <a:pt x="0" y="105061"/>
+                    <a:pt x="0" y="234220"/>
+                  </a:cubicBezTo>
+                  <a:lnTo>
+                    <a:pt x="0" y="1551908"/>
+                  </a:lnTo>
+                  <a:cubicBezTo>
+                    <a:pt x="0" y="1681067"/>
+                    <a:pt x="105061" y="1786128"/>
+                    <a:pt x="234220" y="1786128"/>
+                  </a:cubicBezTo>
+                  <a:lnTo>
+                    <a:pt x="1035177" y="1786128"/>
+                  </a:lnTo>
+                  <a:lnTo>
+                    <a:pt x="1035177" y="1704689"/>
+                  </a:lnTo>
+                  <a:lnTo>
+                    <a:pt x="234220" y="1704689"/>
+                  </a:lnTo>
+                  <a:cubicBezTo>
+                    <a:pt x="150019" y="1704689"/>
+                    <a:pt x="81439" y="1636109"/>
+                    <a:pt x="81439" y="1551908"/>
+                  </a:cubicBezTo>
+                  <a:close/>
+                  <a:moveTo>
+                    <a:pt x="1343216" y="260033"/>
+                  </a:moveTo>
+                  <a:lnTo>
+                    <a:pt x="1343216" y="579977"/>
+                  </a:lnTo>
+                  <a:lnTo>
+                    <a:pt x="1516856" y="579977"/>
+                  </a:lnTo>
+                  <a:lnTo>
+                    <a:pt x="1516856" y="528733"/>
+                  </a:lnTo>
+                  <a:lnTo>
+                    <a:pt x="1407890" y="528733"/>
+                  </a:lnTo>
+                  <a:lnTo>
+                    <a:pt x="1407890" y="260033"/>
+                  </a:lnTo>
+                  <a:close/>
+                  <a:moveTo>
+                    <a:pt x="1222343" y="419767"/>
+                  </a:moveTo>
+                  <a:cubicBezTo>
+                    <a:pt x="1222343" y="381000"/>
+                    <a:pt x="1217200" y="352235"/>
+                    <a:pt x="1207103" y="333470"/>
+                  </a:cubicBezTo>
+                  <a:cubicBezTo>
+                    <a:pt x="1196912" y="314706"/>
+                    <a:pt x="1181291" y="305276"/>
+                    <a:pt x="1160431" y="305276"/>
+                  </a:cubicBezTo>
+                  <a:cubicBezTo>
+                    <a:pt x="1139571" y="305276"/>
+                    <a:pt x="1123950" y="314706"/>
+                    <a:pt x="1113758" y="333470"/>
+                  </a:cubicBezTo>
+                  <a:cubicBezTo>
+                    <a:pt x="1103662" y="352235"/>
+                    <a:pt x="1098614" y="381000"/>
+                    <a:pt x="1098614" y="419767"/>
+                  </a:cubicBezTo>
+                  <a:cubicBezTo>
+                    <a:pt x="1098614" y="457676"/>
+                    <a:pt x="1103757" y="486251"/>
+                    <a:pt x="1114235" y="505682"/>
+                  </a:cubicBezTo>
+                  <a:cubicBezTo>
+                    <a:pt x="1124712" y="525018"/>
+                    <a:pt x="1140143" y="534734"/>
+                    <a:pt x="1160431" y="534734"/>
+                  </a:cubicBezTo>
+                  <a:cubicBezTo>
+                    <a:pt x="1180719" y="534734"/>
+                    <a:pt x="1196150" y="525018"/>
+                    <a:pt x="1206532" y="505682"/>
+                  </a:cubicBezTo>
+                  <a:cubicBezTo>
+                    <a:pt x="1217009" y="486251"/>
+                    <a:pt x="1222343" y="457676"/>
+                    <a:pt x="1222343" y="419767"/>
+                  </a:cubicBezTo>
+                  <a:close/>
+                  <a:moveTo>
+                    <a:pt x="1207103" y="579025"/>
+                  </a:moveTo>
+                  <a:cubicBezTo>
+                    <a:pt x="1216628" y="586740"/>
+                    <a:pt x="1227201" y="592741"/>
+                    <a:pt x="1238917" y="597027"/>
+                  </a:cubicBezTo>
+                  <a:cubicBezTo>
+                    <a:pt x="1250633" y="601313"/>
+                    <a:pt x="1264920" y="604457"/>
+                    <a:pt x="1281875" y="606362"/>
+                  </a:cubicBezTo>
+                  <a:lnTo>
+                    <a:pt x="1281875" y="658940"/>
+                  </a:lnTo>
+                  <a:cubicBezTo>
+                    <a:pt x="1257491" y="655225"/>
+                    <a:pt x="1234154" y="647033"/>
+                    <a:pt x="1211675" y="634460"/>
+                  </a:cubicBezTo>
+                  <a:cubicBezTo>
+                    <a:pt x="1189196" y="621792"/>
+                    <a:pt x="1169956" y="605981"/>
+                    <a:pt x="1153954" y="586931"/>
+                  </a:cubicBezTo>
+                  <a:cubicBezTo>
+                    <a:pt x="1115187" y="585407"/>
+                    <a:pt x="1085183" y="570071"/>
+                    <a:pt x="1063943" y="541020"/>
+                  </a:cubicBezTo>
+                  <a:cubicBezTo>
+                    <a:pt x="1042702" y="511874"/>
+                    <a:pt x="1032034" y="471583"/>
+                    <a:pt x="1032034" y="419767"/>
+                  </a:cubicBezTo>
+                  <a:cubicBezTo>
+                    <a:pt x="1032034" y="366808"/>
+                    <a:pt x="1043273" y="325850"/>
+                    <a:pt x="1065752" y="296799"/>
+                  </a:cubicBezTo>
+                  <a:cubicBezTo>
+                    <a:pt x="1088231" y="267653"/>
+                    <a:pt x="1119759" y="253079"/>
+                    <a:pt x="1160431" y="253079"/>
+                  </a:cubicBezTo>
+                  <a:cubicBezTo>
+                    <a:pt x="1201007" y="253079"/>
+                    <a:pt x="1232630" y="267653"/>
+                    <a:pt x="1255109" y="296799"/>
+                  </a:cubicBezTo>
+                  <a:cubicBezTo>
+                    <a:pt x="1277493" y="325850"/>
+                    <a:pt x="1288733" y="366808"/>
+                    <a:pt x="1288733" y="419767"/>
+                  </a:cubicBezTo>
+                  <a:cubicBezTo>
+                    <a:pt x="1288733" y="461010"/>
+                    <a:pt x="1281779" y="495395"/>
+                    <a:pt x="1267778" y="522732"/>
+                  </a:cubicBezTo>
+                  <a:cubicBezTo>
+                    <a:pt x="1253776" y="550164"/>
+                    <a:pt x="1233488" y="568928"/>
+                    <a:pt x="1207103" y="579025"/>
+                  </a:cubicBezTo>
+                  <a:close/>
+                  <a:moveTo>
+                    <a:pt x="881539" y="535115"/>
+                  </a:moveTo>
+                  <a:cubicBezTo>
+                    <a:pt x="871442" y="535115"/>
+                    <a:pt x="859250" y="533781"/>
+                    <a:pt x="844868" y="530828"/>
+                  </a:cubicBezTo>
+                  <a:cubicBezTo>
+                    <a:pt x="830580" y="527876"/>
+                    <a:pt x="817721" y="524351"/>
+                    <a:pt x="806291" y="519970"/>
+                  </a:cubicBezTo>
+                  <a:lnTo>
+                    <a:pt x="806291" y="568452"/>
+                  </a:lnTo>
+                  <a:cubicBezTo>
+                    <a:pt x="816102" y="573977"/>
+                    <a:pt x="828294" y="578453"/>
+                    <a:pt x="842772" y="581882"/>
+                  </a:cubicBezTo>
+                  <a:cubicBezTo>
+                    <a:pt x="857250" y="585216"/>
+                    <a:pt x="871728" y="586931"/>
+                    <a:pt x="886206" y="586931"/>
+                  </a:cubicBezTo>
+                  <a:cubicBezTo>
+                    <a:pt x="919353" y="586931"/>
+                    <a:pt x="945452" y="578453"/>
+                    <a:pt x="964406" y="561308"/>
+                  </a:cubicBezTo>
+                  <a:cubicBezTo>
+                    <a:pt x="983361" y="544163"/>
+                    <a:pt x="992791" y="521018"/>
+                    <a:pt x="992791" y="491776"/>
+                  </a:cubicBezTo>
+                  <a:cubicBezTo>
+                    <a:pt x="992791" y="476726"/>
+                    <a:pt x="990505" y="463868"/>
+                    <a:pt x="986123" y="453295"/>
+                  </a:cubicBezTo>
+                  <a:cubicBezTo>
+                    <a:pt x="981742" y="442627"/>
+                    <a:pt x="974788" y="433007"/>
+                    <a:pt x="965359" y="424339"/>
+                  </a:cubicBezTo>
+                  <a:cubicBezTo>
+                    <a:pt x="955929" y="415862"/>
+                    <a:pt x="943261" y="407194"/>
+                    <a:pt x="927259" y="398526"/>
+                  </a:cubicBezTo>
+                  <a:lnTo>
+                    <a:pt x="902303" y="385191"/>
+                  </a:lnTo>
+                  <a:cubicBezTo>
+                    <a:pt x="888778" y="377857"/>
+                    <a:pt x="879634" y="370999"/>
+                    <a:pt x="874871" y="364903"/>
+                  </a:cubicBezTo>
+                  <a:cubicBezTo>
+                    <a:pt x="870013" y="358712"/>
+                    <a:pt x="867728" y="350806"/>
+                    <a:pt x="867728" y="341281"/>
+                  </a:cubicBezTo>
+                  <a:cubicBezTo>
+                    <a:pt x="867728" y="329946"/>
+                    <a:pt x="871442" y="320993"/>
+                    <a:pt x="878777" y="314515"/>
+                  </a:cubicBezTo>
+                  <a:cubicBezTo>
+                    <a:pt x="886206" y="308039"/>
+                    <a:pt x="896303" y="304800"/>
+                    <a:pt x="909257" y="304800"/>
+                  </a:cubicBezTo>
+                  <a:cubicBezTo>
+                    <a:pt x="928307" y="304800"/>
+                    <a:pt x="950309" y="309467"/>
+                    <a:pt x="975265" y="318707"/>
+                  </a:cubicBezTo>
+                  <a:lnTo>
+                    <a:pt x="975265" y="269748"/>
+                  </a:lnTo>
+                  <a:cubicBezTo>
+                    <a:pt x="951357" y="258604"/>
+                    <a:pt x="927163" y="253079"/>
+                    <a:pt x="902780" y="253079"/>
+                  </a:cubicBezTo>
+                  <a:cubicBezTo>
+                    <a:pt x="883444" y="253079"/>
+                    <a:pt x="866299" y="256889"/>
+                    <a:pt x="851345" y="264414"/>
+                  </a:cubicBezTo>
+                  <a:cubicBezTo>
+                    <a:pt x="836390" y="271939"/>
+                    <a:pt x="824579" y="282797"/>
+                    <a:pt x="816007" y="296799"/>
+                  </a:cubicBezTo>
+                  <a:cubicBezTo>
+                    <a:pt x="807339" y="310706"/>
+                    <a:pt x="803053" y="327184"/>
+                    <a:pt x="803053" y="345948"/>
+                  </a:cubicBezTo>
+                  <a:cubicBezTo>
+                    <a:pt x="803053" y="366236"/>
+                    <a:pt x="808006" y="383477"/>
+                    <a:pt x="817817" y="397574"/>
+                  </a:cubicBezTo>
+                  <a:cubicBezTo>
+                    <a:pt x="827723" y="411766"/>
+                    <a:pt x="844010" y="425006"/>
+                    <a:pt x="866775" y="437293"/>
+                  </a:cubicBezTo>
+                  <a:lnTo>
+                    <a:pt x="891731" y="450723"/>
+                  </a:lnTo>
+                  <a:cubicBezTo>
+                    <a:pt x="904399" y="457486"/>
+                    <a:pt x="913352" y="464249"/>
+                    <a:pt x="918686" y="470821"/>
+                  </a:cubicBezTo>
+                  <a:cubicBezTo>
+                    <a:pt x="924115" y="477393"/>
+                    <a:pt x="926878" y="485489"/>
+                    <a:pt x="926878" y="495014"/>
+                  </a:cubicBezTo>
+                  <a:cubicBezTo>
+                    <a:pt x="926878" y="507968"/>
+                    <a:pt x="922973" y="517874"/>
+                    <a:pt x="915257" y="524828"/>
+                  </a:cubicBezTo>
+                  <a:cubicBezTo>
+                    <a:pt x="907542" y="531781"/>
+                    <a:pt x="896303" y="535115"/>
+                    <a:pt x="881539" y="535115"/>
+                  </a:cubicBezTo>
+                  <a:close/>
+                  <a:moveTo>
+                    <a:pt x="644271" y="623792"/>
+                  </a:moveTo>
+                  <a:cubicBezTo>
+                    <a:pt x="638461" y="629984"/>
+                    <a:pt x="629603" y="633032"/>
+                    <a:pt x="617887" y="633032"/>
+                  </a:cubicBezTo>
+                  <a:cubicBezTo>
+                    <a:pt x="611410" y="633032"/>
+                    <a:pt x="604076" y="632460"/>
+                    <a:pt x="595694" y="631317"/>
+                  </a:cubicBezTo>
+                  <a:lnTo>
+                    <a:pt x="595694" y="673703"/>
+                  </a:lnTo>
+                  <a:cubicBezTo>
+                    <a:pt x="609600" y="678371"/>
+                    <a:pt x="623126" y="680657"/>
+                    <a:pt x="636365" y="680657"/>
+                  </a:cubicBezTo>
+                  <a:cubicBezTo>
+                    <a:pt x="653891" y="680657"/>
+                    <a:pt x="668084" y="675513"/>
+                    <a:pt x="678847" y="665417"/>
+                  </a:cubicBezTo>
+                  <a:cubicBezTo>
+                    <a:pt x="689705" y="655225"/>
+                    <a:pt x="698278" y="638747"/>
+                    <a:pt x="704755" y="615982"/>
+                  </a:cubicBezTo>
+                  <a:lnTo>
+                    <a:pt x="782765" y="344138"/>
+                  </a:lnTo>
+                  <a:lnTo>
+                    <a:pt x="717613" y="344138"/>
+                  </a:lnTo>
+                  <a:lnTo>
+                    <a:pt x="683038" y="517684"/>
+                  </a:lnTo>
+                  <a:lnTo>
+                    <a:pt x="647510" y="344138"/>
+                  </a:lnTo>
+                  <a:lnTo>
+                    <a:pt x="580454" y="344138"/>
+                  </a:lnTo>
+                  <a:lnTo>
+                    <a:pt x="656749" y="584645"/>
+                  </a:lnTo>
+                  <a:lnTo>
+                    <a:pt x="655796" y="592836"/>
+                  </a:lnTo>
+                  <a:cubicBezTo>
+                    <a:pt x="653891" y="607409"/>
+                    <a:pt x="650081" y="617696"/>
+                    <a:pt x="644271" y="623792"/>
+                  </a:cubicBezTo>
+                  <a:close/>
+                  <a:moveTo>
+                    <a:pt x="489585" y="579977"/>
+                  </a:moveTo>
+                  <a:lnTo>
+                    <a:pt x="489585" y="355664"/>
+                  </a:lnTo>
+                  <a:lnTo>
+                    <a:pt x="435578" y="501015"/>
+                  </a:lnTo>
+                  <a:lnTo>
+                    <a:pt x="380619" y="501015"/>
+                  </a:lnTo>
+                  <a:lnTo>
+                    <a:pt x="326993" y="356997"/>
+                  </a:lnTo>
+                  <a:lnTo>
+                    <a:pt x="326993" y="579977"/>
+                  </a:lnTo>
+                  <a:lnTo>
+                    <a:pt x="269272" y="579977"/>
+                  </a:lnTo>
+                  <a:lnTo>
+                    <a:pt x="269272" y="260033"/>
+                  </a:lnTo>
+                  <a:lnTo>
+                    <a:pt x="343281" y="260033"/>
+                  </a:lnTo>
+                  <a:lnTo>
+                    <a:pt x="409289" y="439198"/>
+                  </a:lnTo>
+                  <a:lnTo>
+                    <a:pt x="475298" y="260033"/>
+                  </a:lnTo>
+                  <a:lnTo>
+                    <a:pt x="547307" y="260033"/>
+                  </a:lnTo>
+                  <a:lnTo>
+                    <a:pt x="547307" y="579977"/>
+                  </a:lnTo>
+                  <a:close/>
+                </a:path>
+              </a:pathLst>
+            </a:custGeom>
+            <a:solidFill>
+              <a:srgbClr val="C925D1"/>
+            </a:solidFill>
+            <a:ln w="9525" cap="flat">
+              <a:noFill/>
+              <a:prstDash val="solid"/>
+              <a:miter/>
+            </a:ln>
+          </p:spPr>
+          <p:txBody>
+            <a:bodyPr rtlCol="0" anchor="ctr"/>
+            <a:lstStyle/>
+            <a:p>
+              <a:endParaRPr lang="ja-JP" altLang="en-US" dirty="0"/>
+            </a:p>
+          </p:txBody>
+        </p:sp>
+      </p:grpSp>
+      <p:pic>
+        <p:nvPicPr>
+          <p:cNvPr id="6" name="グラフィックス 5">
+            <a:extLst>
+              <a:ext uri="{FF2B5EF4-FFF2-40B4-BE49-F238E27FC236}">
+                <a16:creationId xmlns:a16="http://schemas.microsoft.com/office/drawing/2014/main" id="{703F5217-E906-E559-AA09-8FDF5A5D0993}"/>
+              </a:ext>
+            </a:extLst>
+          </p:cNvPr>
+          <p:cNvPicPr>
+            <a:picLocks noChangeAspect="1"/>
+          </p:cNvPicPr>
+          <p:nvPr/>
+        </p:nvPicPr>
+        <p:blipFill>
+          <a:blip r:embed="rId5">
+            <a:extLst>
+              <a:ext uri="{96DAC541-7B7A-43D3-8B79-37D633B846F1}">
+                <asvg:svgBlip xmlns:asvg="http://schemas.microsoft.com/office/drawing/2016/SVG/main" r:embed="rId6"/>
+              </a:ext>
+            </a:extLst>
+          </a:blip>
+          <a:stretch>
+            <a:fillRect/>
+          </a:stretch>
+        </p:blipFill>
+        <p:spPr>
+          <a:xfrm>
+            <a:off x="5310187" y="3019073"/>
+            <a:ext cx="1571625" cy="1524000"/>
+          </a:xfrm>
+          <a:prstGeom prst="rect">
+            <a:avLst/>
+          </a:prstGeom>
+        </p:spPr>
+      </p:pic>
+      <p:cxnSp>
+        <p:nvCxnSpPr>
+          <p:cNvPr id="13" name="直線矢印コネクタ 12">
+            <a:extLst>
+              <a:ext uri="{FF2B5EF4-FFF2-40B4-BE49-F238E27FC236}">
+                <a16:creationId xmlns:a16="http://schemas.microsoft.com/office/drawing/2014/main" id="{04DC4338-20B9-9311-9D4F-968456642280}"/>
+              </a:ext>
+            </a:extLst>
+          </p:cNvPr>
+          <p:cNvCxnSpPr>
+            <a:cxnSpLocks/>
+            <a:endCxn id="1028" idx="3"/>
+          </p:cNvCxnSpPr>
+          <p:nvPr/>
+        </p:nvCxnSpPr>
+        <p:spPr>
+          <a:xfrm flipH="1" flipV="1">
+            <a:off x="3030217" y="2210044"/>
+            <a:ext cx="2106227" cy="718310"/>
+          </a:xfrm>
+          <a:prstGeom prst="straightConnector1">
+            <a:avLst/>
+          </a:prstGeom>
+          <a:ln>
+            <a:solidFill>
+              <a:schemeClr val="bg2">
+                <a:lumMod val="25000"/>
+              </a:schemeClr>
+            </a:solidFill>
+            <a:tailEnd type="triangle"/>
+          </a:ln>
+        </p:spPr>
+        <p:style>
+          <a:lnRef idx="1">
+            <a:schemeClr val="accent1"/>
+          </a:lnRef>
+          <a:fillRef idx="0">
+            <a:schemeClr val="accent1"/>
+          </a:fillRef>
+          <a:effectRef idx="0">
+            <a:schemeClr val="accent1"/>
+          </a:effectRef>
+          <a:fontRef idx="minor">
+            <a:schemeClr val="tx1"/>
+          </a:fontRef>
+        </p:style>
+      </p:cxnSp>
+      <p:cxnSp>
+        <p:nvCxnSpPr>
+          <p:cNvPr id="14" name="直線矢印コネクタ 13">
+            <a:extLst>
+              <a:ext uri="{FF2B5EF4-FFF2-40B4-BE49-F238E27FC236}">
+                <a16:creationId xmlns:a16="http://schemas.microsoft.com/office/drawing/2014/main" id="{E3C4AB87-BF0F-729F-B951-BBD6CBD31D41}"/>
+              </a:ext>
+            </a:extLst>
+          </p:cNvPr>
+          <p:cNvCxnSpPr>
+            <a:cxnSpLocks/>
+            <a:endCxn id="1026" idx="3"/>
+          </p:cNvCxnSpPr>
+          <p:nvPr/>
+        </p:nvCxnSpPr>
+        <p:spPr>
+          <a:xfrm flipH="1">
+            <a:off x="3030216" y="3728328"/>
+            <a:ext cx="2106228" cy="1"/>
+          </a:xfrm>
+          <a:prstGeom prst="straightConnector1">
+            <a:avLst/>
+          </a:prstGeom>
+          <a:ln>
+            <a:solidFill>
+              <a:schemeClr val="bg2">
+                <a:lumMod val="25000"/>
+              </a:schemeClr>
+            </a:solidFill>
+            <a:tailEnd type="triangle"/>
+          </a:ln>
+        </p:spPr>
+        <p:style>
+          <a:lnRef idx="1">
+            <a:schemeClr val="accent1"/>
+          </a:lnRef>
+          <a:fillRef idx="0">
+            <a:schemeClr val="accent1"/>
+          </a:fillRef>
+          <a:effectRef idx="0">
+            <a:schemeClr val="accent1"/>
+          </a:effectRef>
+          <a:fontRef idx="minor">
+            <a:schemeClr val="tx1"/>
+          </a:fontRef>
+        </p:style>
+      </p:cxnSp>
+      <p:cxnSp>
+        <p:nvCxnSpPr>
+          <p:cNvPr id="19" name="直線矢印コネクタ 18">
+            <a:extLst>
+              <a:ext uri="{FF2B5EF4-FFF2-40B4-BE49-F238E27FC236}">
+                <a16:creationId xmlns:a16="http://schemas.microsoft.com/office/drawing/2014/main" id="{7B1DACF4-979B-2FEF-F45C-7344CC98982C}"/>
+              </a:ext>
+            </a:extLst>
+          </p:cNvPr>
+          <p:cNvCxnSpPr>
+            <a:cxnSpLocks/>
+            <a:endCxn id="1032" idx="3"/>
+          </p:cNvCxnSpPr>
+          <p:nvPr/>
+        </p:nvCxnSpPr>
+        <p:spPr>
+          <a:xfrm flipH="1">
+            <a:off x="3030216" y="4551745"/>
+            <a:ext cx="2106228" cy="791642"/>
+          </a:xfrm>
+          <a:prstGeom prst="straightConnector1">
+            <a:avLst/>
+          </a:prstGeom>
+          <a:ln>
+            <a:solidFill>
+              <a:schemeClr val="bg2">
+                <a:lumMod val="25000"/>
+              </a:schemeClr>
+            </a:solidFill>
+            <a:tailEnd type="triangle"/>
+          </a:ln>
+        </p:spPr>
+        <p:style>
+          <a:lnRef idx="1">
+            <a:schemeClr val="accent1"/>
+          </a:lnRef>
+          <a:fillRef idx="0">
+            <a:schemeClr val="accent1"/>
+          </a:fillRef>
+          <a:effectRef idx="0">
+            <a:schemeClr val="accent1"/>
+          </a:effectRef>
+          <a:fontRef idx="minor">
+            <a:schemeClr val="tx1"/>
+          </a:fontRef>
+        </p:style>
+      </p:cxnSp>
+      <p:sp>
+        <p:nvSpPr>
+          <p:cNvPr id="21" name="テキスト ボックス 20">
+            <a:extLst>
+              <a:ext uri="{FF2B5EF4-FFF2-40B4-BE49-F238E27FC236}">
+                <a16:creationId xmlns:a16="http://schemas.microsoft.com/office/drawing/2014/main" id="{FB017D86-903D-292C-BB0F-69DA90C83623}"/>
+              </a:ext>
+            </a:extLst>
+          </p:cNvPr>
+          <p:cNvSpPr txBox="1"/>
+          <p:nvPr/>
+        </p:nvSpPr>
+        <p:spPr>
+          <a:xfrm rot="508353">
+            <a:off x="7029265" y="4547456"/>
+            <a:ext cx="2206125" cy="523220"/>
+          </a:xfrm>
+          <a:prstGeom prst="rect">
+            <a:avLst/>
+          </a:prstGeom>
+          <a:noFill/>
+        </p:spPr>
+        <p:txBody>
+          <a:bodyPr wrap="square" rtlCol="0">
+            <a:spAutoFit/>
+          </a:bodyPr>
+          <a:lstStyle/>
+          <a:p>
+            <a:pPr algn="ctr"/>
+            <a:r>
+              <a:rPr kumimoji="1" lang="en-US" altLang="ja-JP" sz="2800" dirty="0">
+                <a:latin typeface="BIZ UDPゴシック" panose="020B0400000000000000" pitchFamily="50" charset="-128"/>
+                <a:ea typeface="BIZ UDPゴシック" panose="020B0400000000000000" pitchFamily="50" charset="-128"/>
+              </a:rPr>
+              <a:t>post</a:t>
+            </a:r>
+            <a:endParaRPr kumimoji="1" lang="ja-JP" altLang="en-US" sz="2800" dirty="0">
+              <a:latin typeface="BIZ UDPゴシック" panose="020B0400000000000000" pitchFamily="50" charset="-128"/>
+              <a:ea typeface="BIZ UDPゴシック" panose="020B0400000000000000" pitchFamily="50" charset="-128"/>
+            </a:endParaRPr>
+          </a:p>
+        </p:txBody>
+      </p:sp>
+      <p:cxnSp>
+        <p:nvCxnSpPr>
+          <p:cNvPr id="26" name="直線矢印コネクタ 25">
+            <a:extLst>
+              <a:ext uri="{FF2B5EF4-FFF2-40B4-BE49-F238E27FC236}">
+                <a16:creationId xmlns:a16="http://schemas.microsoft.com/office/drawing/2014/main" id="{EACB52C4-E6EE-37BF-9CF2-17AA52E415EE}"/>
+              </a:ext>
+            </a:extLst>
+          </p:cNvPr>
+          <p:cNvCxnSpPr>
+            <a:cxnSpLocks/>
+          </p:cNvCxnSpPr>
+          <p:nvPr/>
+        </p:nvCxnSpPr>
+        <p:spPr>
+          <a:xfrm>
+            <a:off x="7180822" y="4520191"/>
+            <a:ext cx="1980961" cy="288876"/>
+          </a:xfrm>
+          <a:prstGeom prst="straightConnector1">
+            <a:avLst/>
+          </a:prstGeom>
+          <a:ln>
+            <a:solidFill>
+              <a:schemeClr val="bg2">
+                <a:lumMod val="25000"/>
+              </a:schemeClr>
+            </a:solidFill>
+            <a:headEnd type="triangle"/>
+            <a:tailEnd type="triangle"/>
+          </a:ln>
+        </p:spPr>
+        <p:style>
+          <a:lnRef idx="1">
+            <a:schemeClr val="accent1"/>
+          </a:lnRef>
+          <a:fillRef idx="0">
+            <a:schemeClr val="accent1"/>
+          </a:fillRef>
+          <a:effectRef idx="0">
+            <a:schemeClr val="accent1"/>
+          </a:effectRef>
+          <a:fontRef idx="minor">
+            <a:schemeClr val="tx1"/>
+          </a:fontRef>
+        </p:style>
+      </p:cxnSp>
+      <p:cxnSp>
+        <p:nvCxnSpPr>
+          <p:cNvPr id="28" name="直線矢印コネクタ 27">
+            <a:extLst>
+              <a:ext uri="{FF2B5EF4-FFF2-40B4-BE49-F238E27FC236}">
+                <a16:creationId xmlns:a16="http://schemas.microsoft.com/office/drawing/2014/main" id="{7EE3B1FB-AF25-A52E-6580-BD20070897B4}"/>
+              </a:ext>
+            </a:extLst>
+          </p:cNvPr>
+          <p:cNvCxnSpPr>
+            <a:cxnSpLocks/>
+          </p:cNvCxnSpPr>
+          <p:nvPr/>
+        </p:nvCxnSpPr>
+        <p:spPr>
+          <a:xfrm>
+            <a:off x="10182578" y="2569199"/>
+            <a:ext cx="0" cy="1720579"/>
+          </a:xfrm>
+          <a:prstGeom prst="straightConnector1">
+            <a:avLst/>
+          </a:prstGeom>
+          <a:ln>
+            <a:solidFill>
+              <a:schemeClr val="bg2">
+                <a:lumMod val="25000"/>
+              </a:schemeClr>
+            </a:solidFill>
+            <a:headEnd type="triangle"/>
+            <a:tailEnd type="triangle"/>
+          </a:ln>
+        </p:spPr>
+        <p:style>
+          <a:lnRef idx="1">
+            <a:schemeClr val="accent1"/>
+          </a:lnRef>
+          <a:fillRef idx="0">
+            <a:schemeClr val="accent1"/>
+          </a:fillRef>
+          <a:effectRef idx="0">
+            <a:schemeClr val="accent1"/>
+          </a:effectRef>
+          <a:fontRef idx="minor">
+            <a:schemeClr val="tx1"/>
+          </a:fontRef>
+        </p:style>
+      </p:cxnSp>
+      <p:pic>
+        <p:nvPicPr>
+          <p:cNvPr id="8" name="図 7" descr="アイコン&#10;&#10;自動的に生成された説明">
+            <a:extLst>
+              <a:ext uri="{FF2B5EF4-FFF2-40B4-BE49-F238E27FC236}">
+                <a16:creationId xmlns:a16="http://schemas.microsoft.com/office/drawing/2014/main" id="{91F408B9-01EB-7AF2-F726-66929B6652AF}"/>
+              </a:ext>
+            </a:extLst>
+          </p:cNvPr>
+          <p:cNvPicPr>
+            <a:picLocks noChangeAspect="1"/>
+          </p:cNvPicPr>
+          <p:nvPr/>
+        </p:nvPicPr>
+        <p:blipFill>
+          <a:blip r:embed="rId7">
+            <a:extLst>
+              <a:ext uri="{28A0092B-C50C-407E-A947-70E740481C1C}">
+                <a14:useLocalDpi xmlns:a14="http://schemas.microsoft.com/office/drawing/2010/main" val="0"/>
+              </a:ext>
+            </a:extLst>
+          </a:blip>
+          <a:stretch>
+            <a:fillRect/>
+          </a:stretch>
+        </p:blipFill>
+        <p:spPr>
+          <a:xfrm>
+            <a:off x="9555255" y="614884"/>
+            <a:ext cx="1572956" cy="1790700"/>
+          </a:xfrm>
+          <a:prstGeom prst="rect">
+            <a:avLst/>
+          </a:prstGeom>
+        </p:spPr>
+      </p:pic>
+      <p:sp>
+        <p:nvSpPr>
+          <p:cNvPr id="35" name="テキスト ボックス 34">
+            <a:extLst>
+              <a:ext uri="{FF2B5EF4-FFF2-40B4-BE49-F238E27FC236}">
+                <a16:creationId xmlns:a16="http://schemas.microsoft.com/office/drawing/2014/main" id="{4692A7EB-B27B-C519-E29A-AF6DA2961EE5}"/>
+              </a:ext>
+            </a:extLst>
+          </p:cNvPr>
+          <p:cNvSpPr txBox="1"/>
+          <p:nvPr/>
+        </p:nvSpPr>
+        <p:spPr>
+          <a:xfrm>
+            <a:off x="2926855" y="3881231"/>
+            <a:ext cx="2206125" cy="523220"/>
+          </a:xfrm>
+          <a:prstGeom prst="rect">
+            <a:avLst/>
+          </a:prstGeom>
+          <a:noFill/>
+        </p:spPr>
+        <p:txBody>
+          <a:bodyPr wrap="square" rtlCol="0">
+            <a:spAutoFit/>
+          </a:bodyPr>
+          <a:lstStyle/>
+          <a:p>
+            <a:pPr algn="ctr"/>
+            <a:r>
+              <a:rPr kumimoji="1" lang="ja-JP" altLang="en-US" sz="2800" dirty="0">
+                <a:latin typeface="BIZ UDPゴシック" panose="020B0400000000000000" pitchFamily="50" charset="-128"/>
+                <a:ea typeface="BIZ UDPゴシック" panose="020B0400000000000000" pitchFamily="50" charset="-128"/>
+              </a:rPr>
+              <a:t>スクレイプ</a:t>
+            </a:r>
+          </a:p>
+        </p:txBody>
+      </p:sp>
+      <p:sp>
+        <p:nvSpPr>
+          <p:cNvPr id="36" name="テキスト ボックス 35">
+            <a:extLst>
+              <a:ext uri="{FF2B5EF4-FFF2-40B4-BE49-F238E27FC236}">
+                <a16:creationId xmlns:a16="http://schemas.microsoft.com/office/drawing/2014/main" id="{1A508570-B1B5-E228-7855-FB1708719CD5}"/>
+              </a:ext>
+            </a:extLst>
+          </p:cNvPr>
+          <p:cNvSpPr txBox="1"/>
+          <p:nvPr/>
+        </p:nvSpPr>
+        <p:spPr>
+          <a:xfrm rot="488513">
+            <a:off x="7054854" y="4107500"/>
+            <a:ext cx="2206125" cy="523220"/>
+          </a:xfrm>
+          <a:prstGeom prst="rect">
+            <a:avLst/>
+          </a:prstGeom>
+          <a:noFill/>
+        </p:spPr>
+        <p:txBody>
+          <a:bodyPr wrap="square" rtlCol="0">
+            <a:spAutoFit/>
+          </a:bodyPr>
+          <a:lstStyle/>
+          <a:p>
+            <a:pPr algn="ctr"/>
+            <a:r>
+              <a:rPr lang="en-US" altLang="ja-JP" sz="2800" dirty="0">
+                <a:latin typeface="BIZ UDPゴシック" panose="020B0400000000000000" pitchFamily="50" charset="-128"/>
+                <a:ea typeface="BIZ UDPゴシック" panose="020B0400000000000000" pitchFamily="50" charset="-128"/>
+              </a:rPr>
+              <a:t>g</a:t>
+            </a:r>
+            <a:r>
+              <a:rPr kumimoji="1" lang="en-US" altLang="ja-JP" sz="2800" dirty="0">
+                <a:latin typeface="BIZ UDPゴシック" panose="020B0400000000000000" pitchFamily="50" charset="-128"/>
+                <a:ea typeface="BIZ UDPゴシック" panose="020B0400000000000000" pitchFamily="50" charset="-128"/>
+              </a:rPr>
+              <a:t>et</a:t>
+            </a:r>
+          </a:p>
+        </p:txBody>
+      </p:sp>
+      <p:cxnSp>
+        <p:nvCxnSpPr>
+          <p:cNvPr id="37" name="直線矢印コネクタ 36">
+            <a:extLst>
+              <a:ext uri="{FF2B5EF4-FFF2-40B4-BE49-F238E27FC236}">
+                <a16:creationId xmlns:a16="http://schemas.microsoft.com/office/drawing/2014/main" id="{61761759-5FF0-D2F8-0000-329E9268ECB5}"/>
+              </a:ext>
+            </a:extLst>
+          </p:cNvPr>
+          <p:cNvCxnSpPr>
+            <a:cxnSpLocks/>
+          </p:cNvCxnSpPr>
+          <p:nvPr/>
+        </p:nvCxnSpPr>
+        <p:spPr>
+          <a:xfrm flipH="1">
+            <a:off x="7192109" y="1879442"/>
+            <a:ext cx="1886662" cy="1048912"/>
+          </a:xfrm>
+          <a:prstGeom prst="straightConnector1">
+            <a:avLst/>
+          </a:prstGeom>
+          <a:ln>
+            <a:solidFill>
+              <a:schemeClr val="bg2">
+                <a:lumMod val="25000"/>
+              </a:schemeClr>
+            </a:solidFill>
+            <a:headEnd type="triangle"/>
+            <a:tailEnd type="triangle"/>
+          </a:ln>
+        </p:spPr>
+        <p:style>
+          <a:lnRef idx="1">
+            <a:schemeClr val="accent1"/>
+          </a:lnRef>
+          <a:fillRef idx="0">
+            <a:schemeClr val="accent1"/>
+          </a:fillRef>
+          <a:effectRef idx="0">
+            <a:schemeClr val="accent1"/>
+          </a:effectRef>
+          <a:fontRef idx="minor">
+            <a:schemeClr val="tx1"/>
+          </a:fontRef>
+        </p:style>
+      </p:cxnSp>
+      <p:sp>
+        <p:nvSpPr>
+          <p:cNvPr id="39" name="テキスト ボックス 38">
+            <a:extLst>
+              <a:ext uri="{FF2B5EF4-FFF2-40B4-BE49-F238E27FC236}">
+                <a16:creationId xmlns:a16="http://schemas.microsoft.com/office/drawing/2014/main" id="{170953CB-70ED-215E-4AEC-7700C8554861}"/>
+              </a:ext>
+            </a:extLst>
+          </p:cNvPr>
+          <p:cNvSpPr txBox="1"/>
+          <p:nvPr/>
+        </p:nvSpPr>
+        <p:spPr>
+          <a:xfrm rot="5400000">
+            <a:off x="9367857" y="3193457"/>
+            <a:ext cx="2206125" cy="523220"/>
+          </a:xfrm>
+          <a:prstGeom prst="rect">
+            <a:avLst/>
+          </a:prstGeom>
+          <a:noFill/>
+        </p:spPr>
+        <p:txBody>
+          <a:bodyPr wrap="square" rtlCol="0">
+            <a:spAutoFit/>
+          </a:bodyPr>
+          <a:lstStyle/>
+          <a:p>
+            <a:pPr algn="ctr"/>
+            <a:r>
+              <a:rPr lang="en-US" altLang="ja-JP" sz="2800" dirty="0">
+                <a:latin typeface="BIZ UDPゴシック" panose="020B0400000000000000" pitchFamily="50" charset="-128"/>
+                <a:ea typeface="BIZ UDPゴシック" panose="020B0400000000000000" pitchFamily="50" charset="-128"/>
+              </a:rPr>
+              <a:t>g</a:t>
+            </a:r>
+            <a:r>
+              <a:rPr kumimoji="1" lang="en-US" altLang="ja-JP" sz="2800" dirty="0">
+                <a:latin typeface="BIZ UDPゴシック" panose="020B0400000000000000" pitchFamily="50" charset="-128"/>
+                <a:ea typeface="BIZ UDPゴシック" panose="020B0400000000000000" pitchFamily="50" charset="-128"/>
+              </a:rPr>
+              <a:t>et</a:t>
+            </a:r>
+          </a:p>
+        </p:txBody>
+      </p:sp>
+      <p:sp>
+        <p:nvSpPr>
+          <p:cNvPr id="40" name="テキスト ボックス 39">
+            <a:extLst>
+              <a:ext uri="{FF2B5EF4-FFF2-40B4-BE49-F238E27FC236}">
+                <a16:creationId xmlns:a16="http://schemas.microsoft.com/office/drawing/2014/main" id="{3464CB45-8F09-7F22-8792-8349957EA6CD}"/>
+              </a:ext>
+            </a:extLst>
+          </p:cNvPr>
+          <p:cNvSpPr txBox="1"/>
+          <p:nvPr/>
+        </p:nvSpPr>
+        <p:spPr>
+          <a:xfrm rot="16200000">
+            <a:off x="8791174" y="3193456"/>
+            <a:ext cx="2206125" cy="523220"/>
+          </a:xfrm>
+          <a:prstGeom prst="rect">
+            <a:avLst/>
+          </a:prstGeom>
+          <a:noFill/>
+        </p:spPr>
+        <p:txBody>
+          <a:bodyPr wrap="square" rtlCol="0">
+            <a:spAutoFit/>
+          </a:bodyPr>
+          <a:lstStyle/>
+          <a:p>
+            <a:pPr algn="ctr"/>
+            <a:r>
+              <a:rPr kumimoji="1" lang="en-US" altLang="ja-JP" sz="2800" dirty="0">
+                <a:latin typeface="BIZ UDPゴシック" panose="020B0400000000000000" pitchFamily="50" charset="-128"/>
+                <a:ea typeface="BIZ UDPゴシック" panose="020B0400000000000000" pitchFamily="50" charset="-128"/>
+              </a:rPr>
+              <a:t>post</a:t>
+            </a:r>
+            <a:endParaRPr kumimoji="1" lang="ja-JP" altLang="en-US" sz="2800" dirty="0">
+              <a:latin typeface="BIZ UDPゴシック" panose="020B0400000000000000" pitchFamily="50" charset="-128"/>
+              <a:ea typeface="BIZ UDPゴシック" panose="020B0400000000000000" pitchFamily="50" charset="-128"/>
+            </a:endParaRPr>
+          </a:p>
+        </p:txBody>
+      </p:sp>
+      <p:sp>
+        <p:nvSpPr>
+          <p:cNvPr id="41" name="テキスト ボックス 40">
+            <a:extLst>
+              <a:ext uri="{FF2B5EF4-FFF2-40B4-BE49-F238E27FC236}">
+                <a16:creationId xmlns:a16="http://schemas.microsoft.com/office/drawing/2014/main" id="{087AE362-3E79-88B9-248E-AF1582012FB1}"/>
+              </a:ext>
+            </a:extLst>
+          </p:cNvPr>
+          <p:cNvSpPr txBox="1"/>
+          <p:nvPr/>
+        </p:nvSpPr>
+        <p:spPr>
+          <a:xfrm>
+            <a:off x="8471794" y="6266504"/>
+            <a:ext cx="3522133" cy="523220"/>
+          </a:xfrm>
+          <a:prstGeom prst="rect">
+            <a:avLst/>
+          </a:prstGeom>
+          <a:noFill/>
+        </p:spPr>
+        <p:txBody>
+          <a:bodyPr wrap="square" rtlCol="0">
+            <a:spAutoFit/>
+          </a:bodyPr>
+          <a:lstStyle/>
+          <a:p>
+            <a:pPr algn="ctr"/>
+            <a:r>
+              <a:rPr kumimoji="1" lang="en-US" altLang="ja-JP" sz="2800" dirty="0" err="1">
+                <a:latin typeface="BIZ UDPゴシック" panose="020B0400000000000000" pitchFamily="50" charset="-128"/>
+                <a:ea typeface="BIZ UDPゴシック" panose="020B0400000000000000" pitchFamily="50" charset="-128"/>
+              </a:rPr>
+              <a:t>DataBase</a:t>
+            </a:r>
+            <a:r>
+              <a:rPr lang="ja-JP" altLang="en-US" sz="2800" dirty="0">
+                <a:latin typeface="BIZ UDPゴシック" panose="020B0400000000000000" pitchFamily="50" charset="-128"/>
+                <a:ea typeface="BIZ UDPゴシック" panose="020B0400000000000000" pitchFamily="50" charset="-128"/>
+              </a:rPr>
+              <a:t> </a:t>
+            </a:r>
+            <a:r>
+              <a:rPr lang="en-US" altLang="ja-JP" sz="2800" dirty="0">
+                <a:latin typeface="BIZ UDPゴシック" panose="020B0400000000000000" pitchFamily="50" charset="-128"/>
+                <a:ea typeface="BIZ UDPゴシック" panose="020B0400000000000000" pitchFamily="50" charset="-128"/>
+              </a:rPr>
+              <a:t>Server</a:t>
+            </a:r>
+            <a:endParaRPr kumimoji="1" lang="ja-JP" altLang="en-US" sz="2800" dirty="0">
+              <a:latin typeface="BIZ UDPゴシック" panose="020B0400000000000000" pitchFamily="50" charset="-128"/>
+              <a:ea typeface="BIZ UDPゴシック" panose="020B0400000000000000" pitchFamily="50" charset="-128"/>
+            </a:endParaRPr>
+          </a:p>
+        </p:txBody>
+      </p:sp>
+      <p:sp>
+        <p:nvSpPr>
+          <p:cNvPr id="42" name="テキスト ボックス 41">
+            <a:extLst>
+              <a:ext uri="{FF2B5EF4-FFF2-40B4-BE49-F238E27FC236}">
+                <a16:creationId xmlns:a16="http://schemas.microsoft.com/office/drawing/2014/main" id="{A337CF9E-05EB-78A8-F5E9-66BFA7AFA70B}"/>
+              </a:ext>
+            </a:extLst>
+          </p:cNvPr>
+          <p:cNvSpPr txBox="1"/>
+          <p:nvPr/>
+        </p:nvSpPr>
+        <p:spPr>
+          <a:xfrm>
+            <a:off x="9106246" y="66902"/>
+            <a:ext cx="2206125" cy="523220"/>
+          </a:xfrm>
+          <a:prstGeom prst="rect">
+            <a:avLst/>
+          </a:prstGeom>
+          <a:noFill/>
+        </p:spPr>
+        <p:txBody>
+          <a:bodyPr wrap="square" rtlCol="0">
+            <a:spAutoFit/>
+          </a:bodyPr>
+          <a:lstStyle/>
+          <a:p>
+            <a:pPr algn="ctr"/>
+            <a:r>
+              <a:rPr kumimoji="1" lang="ja-JP" altLang="en-US" sz="2800" dirty="0">
+                <a:latin typeface="BIZ UDPゴシック" panose="020B0400000000000000" pitchFamily="50" charset="-128"/>
+                <a:ea typeface="BIZ UDPゴシック" panose="020B0400000000000000" pitchFamily="50" charset="-128"/>
+              </a:rPr>
+              <a:t>学習用</a:t>
+            </a:r>
+            <a:r>
+              <a:rPr kumimoji="1" lang="en-US" altLang="ja-JP" sz="2800" dirty="0">
+                <a:latin typeface="BIZ UDPゴシック" panose="020B0400000000000000" pitchFamily="50" charset="-128"/>
+                <a:ea typeface="BIZ UDPゴシック" panose="020B0400000000000000" pitchFamily="50" charset="-128"/>
+              </a:rPr>
+              <a:t>PC</a:t>
+            </a:r>
+            <a:endParaRPr kumimoji="1" lang="ja-JP" altLang="en-US" sz="2800" dirty="0">
+              <a:latin typeface="BIZ UDPゴシック" panose="020B0400000000000000" pitchFamily="50" charset="-128"/>
+              <a:ea typeface="BIZ UDPゴシック" panose="020B0400000000000000" pitchFamily="50" charset="-128"/>
+            </a:endParaRPr>
+          </a:p>
+        </p:txBody>
+      </p:sp>
+      <p:sp>
+        <p:nvSpPr>
+          <p:cNvPr id="44" name="テキスト ボックス 43">
+            <a:extLst>
+              <a:ext uri="{FF2B5EF4-FFF2-40B4-BE49-F238E27FC236}">
+                <a16:creationId xmlns:a16="http://schemas.microsoft.com/office/drawing/2014/main" id="{75A6BBFA-3B90-8E64-A78A-305B523EA90B}"/>
+              </a:ext>
+            </a:extLst>
+          </p:cNvPr>
+          <p:cNvSpPr txBox="1"/>
+          <p:nvPr/>
+        </p:nvSpPr>
+        <p:spPr>
+          <a:xfrm rot="19910389">
+            <a:off x="7007237" y="1891254"/>
+            <a:ext cx="2206125" cy="523220"/>
+          </a:xfrm>
+          <a:prstGeom prst="rect">
+            <a:avLst/>
+          </a:prstGeom>
+          <a:noFill/>
+        </p:spPr>
+        <p:txBody>
+          <a:bodyPr wrap="square" rtlCol="0">
+            <a:spAutoFit/>
+          </a:bodyPr>
+          <a:lstStyle/>
+          <a:p>
+            <a:pPr algn="ctr"/>
+            <a:r>
+              <a:rPr lang="ja-JP" altLang="en-US" sz="2800" dirty="0">
+                <a:latin typeface="BIZ UDPゴシック" panose="020B0400000000000000" pitchFamily="50" charset="-128"/>
+                <a:ea typeface="BIZ UDPゴシック" panose="020B0400000000000000" pitchFamily="50" charset="-128"/>
+              </a:rPr>
+              <a:t>操作</a:t>
+            </a:r>
+            <a:endParaRPr kumimoji="1" lang="en-US" altLang="ja-JP" sz="2800" dirty="0">
+              <a:latin typeface="BIZ UDPゴシック" panose="020B0400000000000000" pitchFamily="50" charset="-128"/>
+              <a:ea typeface="BIZ UDPゴシック" panose="020B0400000000000000" pitchFamily="50" charset="-128"/>
+            </a:endParaRPr>
+          </a:p>
+        </p:txBody>
+      </p:sp>
+      <p:sp>
+        <p:nvSpPr>
+          <p:cNvPr id="45" name="テキスト ボックス 44">
+            <a:extLst>
+              <a:ext uri="{FF2B5EF4-FFF2-40B4-BE49-F238E27FC236}">
+                <a16:creationId xmlns:a16="http://schemas.microsoft.com/office/drawing/2014/main" id="{FAB537A5-6D1A-5CFE-57CE-755D2D9E1D89}"/>
+              </a:ext>
+            </a:extLst>
+          </p:cNvPr>
+          <p:cNvSpPr txBox="1"/>
+          <p:nvPr/>
+        </p:nvSpPr>
+        <p:spPr>
+          <a:xfrm>
+            <a:off x="4217013" y="6266504"/>
+            <a:ext cx="3757972" cy="584775"/>
+          </a:xfrm>
+          <a:prstGeom prst="rect">
+            <a:avLst/>
+          </a:prstGeom>
+          <a:noFill/>
+        </p:spPr>
+        <p:txBody>
+          <a:bodyPr wrap="square" rtlCol="0">
+            <a:spAutoFit/>
+          </a:bodyPr>
+          <a:lstStyle/>
+          <a:p>
+            <a:pPr algn="ctr"/>
+            <a:r>
+              <a:rPr kumimoji="1" lang="ja-JP" altLang="en-US" sz="3200" dirty="0">
+                <a:latin typeface="BIZ UDPゴシック" panose="020B0400000000000000" pitchFamily="50" charset="-128"/>
+                <a:ea typeface="BIZ UDPゴシック" panose="020B0400000000000000" pitchFamily="50" charset="-128"/>
+              </a:rPr>
+              <a:t>システム全体概要図</a:t>
+            </a:r>
+          </a:p>
+        </p:txBody>
+      </p:sp>
+    </p:spTree>
+    <p:extLst>
+      <p:ext uri="{BB962C8B-B14F-4D97-AF65-F5344CB8AC3E}">
+        <p14:creationId xmlns:p14="http://schemas.microsoft.com/office/powerpoint/2010/main" val="2488031248"/>
+      </p:ext>
+    </p:extLst>
+  </p:cSld>
+  <p:clrMapOvr>
+    <a:masterClrMapping/>
+  </p:clrMapOvr>
+</p:sld>
+</file>
+
+<file path=ppt/slides/slide25.xml><?xml version="1.0" encoding="utf-8"?>
 <p:sld xmlns:a="http://schemas.openxmlformats.org/drawingml/2006/main" xmlns:r="http://schemas.openxmlformats.org/officeDocument/2006/relationships" xmlns:p="http://schemas.openxmlformats.org/presentationml/2006/main">
   <p:cSld>
     <p:spTree>

--- a/最終報告.pptx
+++ b/最終報告.pptx
@@ -35,7 +35,7 @@
     <p:sldId id="263" r:id="rId26"/>
   </p:sldIdLst>
   <p:sldSz cx="12192000" cy="6858000"/>
-  <p:notesSz cx="6858000" cy="9144000"/>
+  <p:notesSz cx="6886575" cy="10017125"/>
   <p:defaultTextStyle>
     <a:defPPr>
       <a:defRPr lang="ja-JP"/>
@@ -142,7 +142,7 @@
 <file path=ppt/charts/chart1.xml><?xml version="1.0" encoding="utf-8"?>
 <c:chartSpace xmlns:c="http://schemas.openxmlformats.org/drawingml/2006/chart" xmlns:a="http://schemas.openxmlformats.org/drawingml/2006/main" xmlns:r="http://schemas.openxmlformats.org/officeDocument/2006/relationships" xmlns:c16r2="http://schemas.microsoft.com/office/drawing/2015/06/chart">
   <c:date1904 val="0"/>
-  <c:lang val="ja-JP"/>
+  <c:lang val="en-US"/>
   <c:roundedCorners val="0"/>
   <mc:AlternateContent xmlns:mc="http://schemas.openxmlformats.org/markup-compatibility/2006">
     <mc:Choice xmlns:c14="http://schemas.microsoft.com/office/drawing/2007/8/2/chart" Requires="c14">
@@ -307,7 +307,7 @@
       <a:pPr>
         <a:defRPr/>
       </a:pPr>
-      <a:endParaRPr lang="ja-JP"/>
+      <a:endParaRPr lang="en-US"/>
     </a:p>
   </c:txPr>
   <c:externalData r:id="rId3">
@@ -319,7 +319,7 @@
 <file path=ppt/charts/chart2.xml><?xml version="1.0" encoding="utf-8"?>
 <c:chartSpace xmlns:c="http://schemas.openxmlformats.org/drawingml/2006/chart" xmlns:a="http://schemas.openxmlformats.org/drawingml/2006/main" xmlns:r="http://schemas.openxmlformats.org/officeDocument/2006/relationships" xmlns:c16r2="http://schemas.microsoft.com/office/drawing/2015/06/chart">
   <c:date1904 val="0"/>
-  <c:lang val="ja-JP"/>
+  <c:lang val="en-US"/>
   <c:roundedCorners val="0"/>
   <mc:AlternateContent xmlns:mc="http://schemas.openxmlformats.org/markup-compatibility/2006">
     <mc:Choice xmlns:c14="http://schemas.microsoft.com/office/drawing/2007/8/2/chart" Requires="c14">
@@ -541,7 +541,7 @@
       <a:pPr>
         <a:defRPr/>
       </a:pPr>
-      <a:endParaRPr lang="ja-JP"/>
+      <a:endParaRPr lang="en-US"/>
     </a:p>
   </c:txPr>
   <c:externalData r:id="rId3">
@@ -1703,17 +1703,17 @@
         <p:spPr>
           <a:xfrm>
             <a:off x="0" y="0"/>
-            <a:ext cx="2971800" cy="458788"/>
+            <a:ext cx="2984183" cy="502596"/>
           </a:xfrm>
           <a:prstGeom prst="rect">
             <a:avLst/>
           </a:prstGeom>
         </p:spPr>
         <p:txBody>
-          <a:bodyPr vert="horz" lIns="91440" tIns="45720" rIns="91440" bIns="45720" rtlCol="0"/>
+          <a:bodyPr vert="horz" lIns="96588" tIns="48294" rIns="96588" bIns="48294" rtlCol="0"/>
           <a:lstStyle>
             <a:lvl1pPr algn="l">
-              <a:defRPr sz="1200"/>
+              <a:defRPr sz="1300"/>
             </a:lvl1pPr>
           </a:lstStyle>
           <a:p>
@@ -1733,18 +1733,18 @@
         </p:nvSpPr>
         <p:spPr>
           <a:xfrm>
-            <a:off x="3884613" y="0"/>
-            <a:ext cx="2971800" cy="458788"/>
+            <a:off x="3900799" y="0"/>
+            <a:ext cx="2984183" cy="502596"/>
           </a:xfrm>
           <a:prstGeom prst="rect">
             <a:avLst/>
           </a:prstGeom>
         </p:spPr>
         <p:txBody>
-          <a:bodyPr vert="horz" lIns="91440" tIns="45720" rIns="91440" bIns="45720" rtlCol="0"/>
+          <a:bodyPr vert="horz" lIns="96588" tIns="48294" rIns="96588" bIns="48294" rtlCol="0"/>
           <a:lstStyle>
             <a:lvl1pPr algn="r">
-              <a:defRPr sz="1200"/>
+              <a:defRPr sz="1300"/>
             </a:lvl1pPr>
           </a:lstStyle>
           <a:p>
@@ -1768,8 +1768,8 @@
         </p:nvSpPr>
         <p:spPr>
           <a:xfrm>
-            <a:off x="685800" y="1143000"/>
-            <a:ext cx="5486400" cy="3086100"/>
+            <a:off x="439738" y="1252538"/>
+            <a:ext cx="6007100" cy="3379787"/>
           </a:xfrm>
           <a:prstGeom prst="rect">
             <a:avLst/>
@@ -1782,7 +1782,7 @@
           </a:ln>
         </p:spPr>
         <p:txBody>
-          <a:bodyPr vert="horz" lIns="91440" tIns="45720" rIns="91440" bIns="45720" rtlCol="0" anchor="ctr"/>
+          <a:bodyPr vert="horz" lIns="96588" tIns="48294" rIns="96588" bIns="48294" rtlCol="0" anchor="ctr"/>
           <a:lstStyle/>
           <a:p>
             <a:endParaRPr lang="ja-JP" altLang="en-US"/>
@@ -1801,15 +1801,15 @@
         </p:nvSpPr>
         <p:spPr>
           <a:xfrm>
-            <a:off x="685800" y="4400550"/>
-            <a:ext cx="5486400" cy="3600450"/>
+            <a:off x="688658" y="4820741"/>
+            <a:ext cx="5509260" cy="3944243"/>
           </a:xfrm>
           <a:prstGeom prst="rect">
             <a:avLst/>
           </a:prstGeom>
         </p:spPr>
         <p:txBody>
-          <a:bodyPr vert="horz" lIns="91440" tIns="45720" rIns="91440" bIns="45720" rtlCol="0"/>
+          <a:bodyPr vert="horz" lIns="96588" tIns="48294" rIns="96588" bIns="48294" rtlCol="0"/>
           <a:lstStyle/>
           <a:p>
             <a:pPr lvl="0"/>
@@ -1892,18 +1892,18 @@
         </p:nvSpPr>
         <p:spPr>
           <a:xfrm>
-            <a:off x="0" y="8685213"/>
-            <a:ext cx="2971800" cy="458787"/>
+            <a:off x="0" y="9514531"/>
+            <a:ext cx="2984183" cy="502595"/>
           </a:xfrm>
           <a:prstGeom prst="rect">
             <a:avLst/>
           </a:prstGeom>
         </p:spPr>
         <p:txBody>
-          <a:bodyPr vert="horz" lIns="91440" tIns="45720" rIns="91440" bIns="45720" rtlCol="0" anchor="b"/>
+          <a:bodyPr vert="horz" lIns="96588" tIns="48294" rIns="96588" bIns="48294" rtlCol="0" anchor="b"/>
           <a:lstStyle>
             <a:lvl1pPr algn="l">
-              <a:defRPr sz="1200"/>
+              <a:defRPr sz="1300"/>
             </a:lvl1pPr>
           </a:lstStyle>
           <a:p>
@@ -1923,18 +1923,18 @@
         </p:nvSpPr>
         <p:spPr>
           <a:xfrm>
-            <a:off x="3884613" y="8685213"/>
-            <a:ext cx="2971800" cy="458787"/>
+            <a:off x="3900799" y="9514531"/>
+            <a:ext cx="2984183" cy="502595"/>
           </a:xfrm>
           <a:prstGeom prst="rect">
             <a:avLst/>
           </a:prstGeom>
         </p:spPr>
         <p:txBody>
-          <a:bodyPr vert="horz" lIns="91440" tIns="45720" rIns="91440" bIns="45720" rtlCol="0" anchor="b"/>
+          <a:bodyPr vert="horz" lIns="96588" tIns="48294" rIns="96588" bIns="48294" rtlCol="0" anchor="b"/>
           <a:lstStyle>
             <a:lvl1pPr algn="r">
-              <a:defRPr sz="1200"/>
+              <a:defRPr sz="1300"/>
             </a:lvl1pPr>
           </a:lstStyle>
           <a:p>
@@ -2203,54 +2203,26 @@
           <a:bodyPr/>
           <a:lstStyle/>
           <a:p>
-            <a:pPr marL="0" marR="0" lvl="0" indent="0" algn="l" defTabSz="914400" rtl="0" eaLnBrk="1" fontAlgn="auto" latinLnBrk="0" hangingPunct="1">
-              <a:lnSpc>
-                <a:spcPct val="100000"/>
-              </a:lnSpc>
-              <a:spcBef>
-                <a:spcPts val="0"/>
-              </a:spcBef>
-              <a:spcAft>
-                <a:spcPts val="0"/>
-              </a:spcAft>
-              <a:buClrTx/>
-              <a:buSzTx/>
-              <a:buFontTx/>
-              <a:buNone/>
-              <a:tabLst/>
+            <a:pPr defTabSz="965881">
               <a:defRPr/>
             </a:pPr>
             <a:r>
-              <a:rPr kumimoji="1" lang="ja-JP" altLang="en-US" sz="1200" dirty="0">
+              <a:rPr lang="ja-JP" altLang="en-US" sz="1300" dirty="0">
                 <a:latin typeface="BIZ UDPゴシック" panose="020B0400000000000000" pitchFamily="50" charset="-128"/>
                 <a:ea typeface="BIZ UDPゴシック" panose="020B0400000000000000" pitchFamily="50" charset="-128"/>
               </a:rPr>
               <a:t>また、簡易アンサンブル学習として全ての株に対して学習</a:t>
             </a:r>
-            <a:endParaRPr kumimoji="1" lang="en-US" altLang="ja-JP" sz="1200" dirty="0">
+            <a:endParaRPr lang="en-US" altLang="ja-JP" sz="1300" dirty="0">
               <a:latin typeface="BIZ UDPゴシック" panose="020B0400000000000000" pitchFamily="50" charset="-128"/>
               <a:ea typeface="BIZ UDPゴシック" panose="020B0400000000000000" pitchFamily="50" charset="-128"/>
             </a:endParaRPr>
           </a:p>
           <a:p>
-            <a:pPr marL="0" marR="0" lvl="0" indent="0" algn="l" defTabSz="914400" rtl="0" eaLnBrk="1" fontAlgn="auto" latinLnBrk="0" hangingPunct="1">
-              <a:lnSpc>
-                <a:spcPct val="100000"/>
-              </a:lnSpc>
-              <a:spcBef>
-                <a:spcPts val="0"/>
-              </a:spcBef>
-              <a:spcAft>
-                <a:spcPts val="0"/>
-              </a:spcAft>
-              <a:buClrTx/>
-              <a:buSzTx/>
-              <a:buFontTx/>
-              <a:buNone/>
-              <a:tabLst/>
+            <a:pPr defTabSz="965881">
               <a:defRPr/>
             </a:pPr>
-            <a:endParaRPr kumimoji="1" lang="en-US" altLang="ja-JP" sz="1200" dirty="0">
+            <a:endParaRPr lang="en-US" altLang="ja-JP" sz="1300" dirty="0">
               <a:latin typeface="BIZ UDPゴシック" panose="020B0400000000000000" pitchFamily="50" charset="-128"/>
               <a:ea typeface="BIZ UDPゴシック" panose="020B0400000000000000" pitchFamily="50" charset="-128"/>
             </a:endParaRPr>
@@ -2985,24 +2957,10 @@
             </a:r>
           </a:p>
           <a:p>
-            <a:pPr marL="0" marR="0" lvl="0" indent="0" algn="l" defTabSz="914400" rtl="0" eaLnBrk="1" fontAlgn="auto" latinLnBrk="0" hangingPunct="1">
-              <a:lnSpc>
-                <a:spcPct val="100000"/>
-              </a:lnSpc>
-              <a:spcBef>
-                <a:spcPts val="0"/>
-              </a:spcBef>
-              <a:spcAft>
-                <a:spcPts val="0"/>
-              </a:spcAft>
-              <a:buClrTx/>
-              <a:buSzTx/>
-              <a:buFontTx/>
-              <a:buNone/>
-              <a:tabLst/>
+            <a:pPr defTabSz="965881">
               <a:defRPr/>
             </a:pPr>
-            <a:endParaRPr kumimoji="1" lang="en-US" altLang="ja-JP" sz="1200" dirty="0">
+            <a:endParaRPr lang="en-US" altLang="ja-JP" sz="1300" dirty="0">
               <a:latin typeface="BIZ UDPゴシック" panose="020B0400000000000000" pitchFamily="50" charset="-128"/>
               <a:ea typeface="BIZ UDPゴシック" panose="020B0400000000000000" pitchFamily="50" charset="-128"/>
             </a:endParaRPr>
@@ -3748,24 +3706,10 @@
             </a:r>
           </a:p>
           <a:p>
-            <a:pPr marL="0" marR="0" lvl="0" indent="0" algn="l" defTabSz="914400" rtl="0" eaLnBrk="1" fontAlgn="auto" latinLnBrk="0" hangingPunct="1">
-              <a:lnSpc>
-                <a:spcPct val="100000"/>
-              </a:lnSpc>
-              <a:spcBef>
-                <a:spcPts val="0"/>
-              </a:spcBef>
-              <a:spcAft>
-                <a:spcPts val="0"/>
-              </a:spcAft>
-              <a:buClrTx/>
-              <a:buSzTx/>
-              <a:buFontTx/>
-              <a:buNone/>
-              <a:tabLst/>
+            <a:pPr defTabSz="965881">
               <a:defRPr/>
             </a:pPr>
-            <a:endParaRPr kumimoji="1" lang="ja-JP" altLang="en-US" sz="1200" dirty="0">
+            <a:endParaRPr lang="ja-JP" altLang="en-US" sz="1300" dirty="0">
               <a:latin typeface="BIZ UDPゴシック" panose="020B0400000000000000" pitchFamily="50" charset="-128"/>
               <a:ea typeface="BIZ UDPゴシック" panose="020B0400000000000000" pitchFamily="50" charset="-128"/>
             </a:endParaRPr>
@@ -3979,26 +3923,10 @@
               <a:t> :</a:t>
             </a:r>
             <a:r>
-              <a:rPr kumimoji="1" lang="zh-TW" altLang="en-US" sz="1200" b="0" i="0" kern="1200" dirty="0">
-                <a:solidFill>
-                  <a:schemeClr val="tx1"/>
-                </a:solidFill>
-                <a:effectLst/>
-                <a:latin typeface="+mn-lt"/>
-                <a:ea typeface="+mn-ea"/>
-                <a:cs typeface="+mn-cs"/>
-              </a:rPr>
+              <a:rPr lang="zh-TW" altLang="en-US" sz="1300" dirty="0"/>
               <a:t>商業用損害保険持株会社</a:t>
             </a:r>
-            <a:endParaRPr kumimoji="1" lang="en-US" altLang="zh-TW" sz="1200" b="0" i="0" kern="1200" dirty="0">
-              <a:solidFill>
-                <a:schemeClr val="tx1"/>
-              </a:solidFill>
-              <a:effectLst/>
-              <a:latin typeface="+mn-lt"/>
-              <a:ea typeface="+mn-ea"/>
-              <a:cs typeface="+mn-cs"/>
-            </a:endParaRPr>
+            <a:endParaRPr lang="en-US" altLang="zh-TW" sz="1300" dirty="0"/>
           </a:p>
           <a:p>
             <a:r>
@@ -4010,120 +3938,40 @@
               <a:t> :</a:t>
             </a:r>
             <a:r>
-              <a:rPr kumimoji="1" lang="ja-JP" altLang="en-US" sz="1200" b="0" i="0" kern="1200" dirty="0">
-                <a:solidFill>
-                  <a:schemeClr val="tx1"/>
-                </a:solidFill>
-                <a:effectLst/>
-                <a:latin typeface="+mn-lt"/>
-                <a:ea typeface="+mn-ea"/>
-                <a:cs typeface="+mn-cs"/>
-              </a:rPr>
+              <a:rPr lang="ja-JP" altLang="en-US" sz="1300" dirty="0"/>
               <a:t>アメリカ・ニューヨークに拠点を置く出版・メディア企業</a:t>
             </a:r>
-            <a:endParaRPr kumimoji="1" lang="en-US" altLang="ja-JP" sz="1200" b="0" i="0" kern="1200" dirty="0">
-              <a:solidFill>
-                <a:schemeClr val="tx1"/>
-              </a:solidFill>
-              <a:effectLst/>
-              <a:latin typeface="+mn-lt"/>
-              <a:ea typeface="+mn-ea"/>
-              <a:cs typeface="+mn-cs"/>
-            </a:endParaRPr>
-          </a:p>
-          <a:p>
-            <a:r>
-              <a:rPr kumimoji="1" lang="en-US" altLang="ja-JP" sz="1200" b="0" i="0" kern="1200" dirty="0" err="1">
-                <a:solidFill>
-                  <a:schemeClr val="tx1"/>
-                </a:solidFill>
-                <a:effectLst/>
-                <a:latin typeface="+mn-lt"/>
-                <a:ea typeface="+mn-ea"/>
-                <a:cs typeface="+mn-cs"/>
-              </a:rPr>
+            <a:endParaRPr lang="en-US" altLang="ja-JP" sz="1300" dirty="0"/>
+          </a:p>
+          <a:p>
+            <a:r>
+              <a:rPr lang="en-US" altLang="ja-JP" sz="1300" dirty="0" err="1"/>
               <a:t>Dva</a:t>
             </a:r>
             <a:r>
-              <a:rPr kumimoji="1" lang="en-US" altLang="ja-JP" sz="1200" b="0" i="0" kern="1200" dirty="0">
-                <a:solidFill>
-                  <a:schemeClr val="tx1"/>
-                </a:solidFill>
-                <a:effectLst/>
-                <a:latin typeface="+mn-lt"/>
-                <a:ea typeface="+mn-ea"/>
-                <a:cs typeface="+mn-cs"/>
-              </a:rPr>
+              <a:rPr lang="en-US" altLang="ja-JP" sz="1300" dirty="0"/>
               <a:t> :</a:t>
             </a:r>
             <a:r>
-              <a:rPr kumimoji="1" lang="ja-JP" altLang="en-US" sz="1200" b="0" i="0" kern="1200" dirty="0">
-                <a:solidFill>
-                  <a:schemeClr val="tx1"/>
-                </a:solidFill>
-                <a:effectLst/>
-                <a:latin typeface="+mn-lt"/>
-                <a:ea typeface="+mn-ea"/>
-                <a:cs typeface="+mn-cs"/>
-              </a:rPr>
+              <a:rPr lang="ja-JP" altLang="en-US" sz="1300" dirty="0"/>
               <a:t>末期腎疾患や慢性腎不全の患者向けに透析サービスを提供。</a:t>
             </a:r>
-            <a:endParaRPr kumimoji="1" lang="en-US" altLang="ja-JP" sz="1200" b="0" i="0" kern="1200" dirty="0">
-              <a:solidFill>
-                <a:schemeClr val="tx1"/>
-              </a:solidFill>
-              <a:effectLst/>
-              <a:latin typeface="+mn-lt"/>
-              <a:ea typeface="+mn-ea"/>
-              <a:cs typeface="+mn-cs"/>
-            </a:endParaRPr>
-          </a:p>
-          <a:p>
-            <a:r>
-              <a:rPr kumimoji="1" lang="en-US" altLang="ja-JP" sz="1200" b="0" i="0" kern="1200" dirty="0" err="1">
-                <a:solidFill>
-                  <a:schemeClr val="tx1"/>
-                </a:solidFill>
-                <a:effectLst/>
-                <a:latin typeface="+mn-lt"/>
-                <a:ea typeface="+mn-ea"/>
-                <a:cs typeface="+mn-cs"/>
-              </a:rPr>
+            <a:endParaRPr lang="en-US" altLang="ja-JP" sz="1300" dirty="0"/>
+          </a:p>
+          <a:p>
+            <a:r>
+              <a:rPr lang="en-US" altLang="ja-JP" sz="1300" dirty="0" err="1"/>
               <a:t>Aph</a:t>
             </a:r>
             <a:r>
-              <a:rPr kumimoji="1" lang="en-US" altLang="ja-JP" sz="1200" b="0" i="0" kern="1200" dirty="0">
-                <a:solidFill>
-                  <a:schemeClr val="tx1"/>
-                </a:solidFill>
-                <a:effectLst/>
-                <a:latin typeface="+mn-lt"/>
-                <a:ea typeface="+mn-ea"/>
-                <a:cs typeface="+mn-cs"/>
-              </a:rPr>
+              <a:rPr lang="en-US" altLang="ja-JP" sz="1300" dirty="0"/>
               <a:t> :</a:t>
             </a:r>
             <a:r>
-              <a:rPr kumimoji="1" lang="ja-JP" altLang="en-US" sz="1200" b="0" i="0" kern="1200" dirty="0">
-                <a:solidFill>
-                  <a:schemeClr val="tx1"/>
-                </a:solidFill>
-                <a:effectLst/>
-                <a:latin typeface="+mn-lt"/>
-                <a:ea typeface="+mn-ea"/>
-                <a:cs typeface="+mn-cs"/>
-              </a:rPr>
+              <a:rPr lang="ja-JP" altLang="en-US" sz="1300" dirty="0"/>
               <a:t>電気配線や光ファイバー、同軸ケーブルなど向けのコネクタ（接続部品）をはじめ、アンテナやセンサー、ケーブルを含む周辺品の設計・製造・販売を手がける。</a:t>
             </a:r>
-            <a:endParaRPr kumimoji="1" lang="en-US" altLang="ja-JP" sz="1200" b="0" i="0" kern="1200" dirty="0">
-              <a:solidFill>
-                <a:schemeClr val="tx1"/>
-              </a:solidFill>
-              <a:effectLst/>
-              <a:latin typeface="+mn-lt"/>
-              <a:ea typeface="+mn-ea"/>
-              <a:cs typeface="+mn-cs"/>
-            </a:endParaRPr>
+            <a:endParaRPr lang="en-US" altLang="ja-JP" sz="1300" dirty="0"/>
           </a:p>
           <a:p>
             <a:r>
@@ -4131,97 +3979,33 @@
               <a:t>Hum :</a:t>
             </a:r>
             <a:r>
-              <a:rPr kumimoji="1" lang="zh-CN" altLang="en-US" sz="1200" b="0" i="0" kern="1200" dirty="0">
-                <a:solidFill>
-                  <a:schemeClr val="tx1"/>
-                </a:solidFill>
-                <a:effectLst/>
-                <a:latin typeface="+mn-lt"/>
-                <a:ea typeface="+mn-ea"/>
-                <a:cs typeface="+mn-cs"/>
-              </a:rPr>
+              <a:rPr lang="zh-CN" altLang="en-US" sz="1300" dirty="0"/>
               <a:t>営利健康保険会社</a:t>
             </a:r>
-            <a:endParaRPr kumimoji="1" lang="en-US" altLang="zh-CN" sz="1200" b="0" i="0" kern="1200" dirty="0">
-              <a:solidFill>
-                <a:schemeClr val="tx1"/>
-              </a:solidFill>
-              <a:effectLst/>
-              <a:latin typeface="+mn-lt"/>
-              <a:ea typeface="+mn-ea"/>
-              <a:cs typeface="+mn-cs"/>
-            </a:endParaRPr>
-          </a:p>
-          <a:p>
-            <a:r>
-              <a:rPr kumimoji="1" lang="en-US" altLang="ja-JP" sz="1200" b="0" i="0" kern="1200" dirty="0" err="1">
-                <a:solidFill>
-                  <a:schemeClr val="tx1"/>
-                </a:solidFill>
-                <a:effectLst/>
-                <a:latin typeface="+mn-lt"/>
-                <a:ea typeface="+mn-ea"/>
-                <a:cs typeface="+mn-cs"/>
-              </a:rPr>
+            <a:endParaRPr lang="en-US" altLang="zh-CN" sz="1300" dirty="0"/>
+          </a:p>
+          <a:p>
+            <a:r>
+              <a:rPr lang="en-US" altLang="ja-JP" sz="1300" dirty="0" err="1"/>
               <a:t>Gl</a:t>
             </a:r>
             <a:r>
-              <a:rPr kumimoji="1" lang="en-US" altLang="ja-JP" sz="1200" b="0" i="0" kern="1200" dirty="0">
-                <a:solidFill>
-                  <a:schemeClr val="tx1"/>
-                </a:solidFill>
-                <a:effectLst/>
-                <a:latin typeface="+mn-lt"/>
-                <a:ea typeface="+mn-ea"/>
-                <a:cs typeface="+mn-cs"/>
-              </a:rPr>
+              <a:rPr lang="en-US" altLang="ja-JP" sz="1300" dirty="0"/>
               <a:t> :</a:t>
             </a:r>
             <a:r>
-              <a:rPr kumimoji="1" lang="ja-JP" altLang="en-US" sz="1200" b="0" i="0" kern="1200" dirty="0">
-                <a:solidFill>
-                  <a:schemeClr val="tx1"/>
-                </a:solidFill>
-                <a:effectLst/>
-                <a:latin typeface="+mn-lt"/>
-                <a:ea typeface="+mn-ea"/>
-                <a:cs typeface="+mn-cs"/>
-              </a:rPr>
+              <a:rPr lang="ja-JP" altLang="en-US" sz="1300" dirty="0"/>
               <a:t>金融サービス持株会社</a:t>
             </a:r>
-            <a:endParaRPr kumimoji="1" lang="en-US" altLang="ja-JP" sz="1200" b="0" i="0" kern="1200" dirty="0">
-              <a:solidFill>
-                <a:schemeClr val="tx1"/>
-              </a:solidFill>
-              <a:effectLst/>
-              <a:latin typeface="+mn-lt"/>
-              <a:ea typeface="+mn-ea"/>
-              <a:cs typeface="+mn-cs"/>
-            </a:endParaRPr>
-          </a:p>
-          <a:p>
-            <a:r>
-              <a:rPr kumimoji="1" lang="en-US" altLang="ja-JP" sz="1200" b="0" i="0" kern="1200" dirty="0" err="1">
-                <a:solidFill>
-                  <a:schemeClr val="tx1"/>
-                </a:solidFill>
-                <a:effectLst/>
-                <a:latin typeface="+mn-lt"/>
-                <a:ea typeface="+mn-ea"/>
-                <a:cs typeface="+mn-cs"/>
-              </a:rPr>
+            <a:endParaRPr lang="en-US" altLang="ja-JP" sz="1300" dirty="0"/>
+          </a:p>
+          <a:p>
+            <a:r>
+              <a:rPr lang="en-US" altLang="ja-JP" sz="1300" dirty="0" err="1"/>
               <a:t>Dva</a:t>
             </a:r>
             <a:r>
-              <a:rPr kumimoji="1" lang="en-US" altLang="ja-JP" sz="1200" b="0" i="0" kern="1200" dirty="0">
-                <a:solidFill>
-                  <a:schemeClr val="tx1"/>
-                </a:solidFill>
-                <a:effectLst/>
-                <a:latin typeface="+mn-lt"/>
-                <a:ea typeface="+mn-ea"/>
-                <a:cs typeface="+mn-cs"/>
-              </a:rPr>
+              <a:rPr lang="en-US" altLang="ja-JP" sz="1300" dirty="0"/>
               <a:t> : </a:t>
             </a:r>
             <a:endParaRPr kumimoji="1" lang="ja-JP" altLang="en-US" dirty="0"/>
@@ -4502,110 +4286,38 @@
               <a:t>Volatility : </a:t>
             </a:r>
             <a:r>
-              <a:rPr kumimoji="1" lang="ja-JP" altLang="en-US" sz="1200" b="0" i="0" kern="1200" dirty="0">
-                <a:solidFill>
-                  <a:schemeClr val="tx1"/>
-                </a:solidFill>
-                <a:effectLst/>
-                <a:latin typeface="+mn-lt"/>
-                <a:ea typeface="+mn-ea"/>
-                <a:cs typeface="+mn-cs"/>
-              </a:rPr>
+              <a:rPr lang="ja-JP" altLang="en-US" sz="1300" dirty="0"/>
               <a:t>一般的に価格変動の度合いを示す言葉</a:t>
             </a:r>
-            <a:endParaRPr kumimoji="1" lang="en-US" altLang="ja-JP" sz="1200" b="0" i="0" kern="1200" dirty="0">
-              <a:solidFill>
-                <a:schemeClr val="tx1"/>
-              </a:solidFill>
-              <a:effectLst/>
-              <a:latin typeface="+mn-lt"/>
-              <a:ea typeface="+mn-ea"/>
-              <a:cs typeface="+mn-cs"/>
-            </a:endParaRPr>
-          </a:p>
-          <a:p>
-            <a:r>
-              <a:rPr kumimoji="1" lang="ja-JP" altLang="en-US" sz="1200" b="0" i="0" kern="1200" dirty="0">
-                <a:solidFill>
-                  <a:schemeClr val="tx1"/>
-                </a:solidFill>
-                <a:effectLst/>
-                <a:latin typeface="+mn-lt"/>
-                <a:ea typeface="+mn-ea"/>
-                <a:cs typeface="+mn-cs"/>
-              </a:rPr>
+            <a:endParaRPr lang="en-US" altLang="ja-JP" sz="1300" dirty="0"/>
+          </a:p>
+          <a:p>
+            <a:r>
+              <a:rPr lang="ja-JP" altLang="en-US" sz="1300" dirty="0"/>
               <a:t>投資家が市場の先行きとしてどれくらいのボラティリティを見込んでいるか、つまり市場の不安定度を示す指数です。 </a:t>
             </a:r>
             <a:r>
-              <a:rPr kumimoji="1" lang="en-US" altLang="ja-JP" sz="1200" b="0" i="0" kern="1200" dirty="0">
-                <a:solidFill>
-                  <a:schemeClr val="tx1"/>
-                </a:solidFill>
-                <a:effectLst/>
-                <a:latin typeface="+mn-lt"/>
-                <a:ea typeface="+mn-ea"/>
-                <a:cs typeface="+mn-cs"/>
-              </a:rPr>
+              <a:rPr lang="en-US" altLang="ja-JP" sz="1300" dirty="0"/>
               <a:t>10〜20</a:t>
             </a:r>
             <a:r>
-              <a:rPr kumimoji="1" lang="ja-JP" altLang="en-US" sz="1200" b="0" i="0" kern="1200" dirty="0">
-                <a:solidFill>
-                  <a:schemeClr val="tx1"/>
-                </a:solidFill>
-                <a:effectLst/>
-                <a:latin typeface="+mn-lt"/>
-                <a:ea typeface="+mn-ea"/>
-                <a:cs typeface="+mn-cs"/>
-              </a:rPr>
+              <a:rPr lang="ja-JP" altLang="en-US" sz="1300" dirty="0"/>
               <a:t>が平常で、</a:t>
             </a:r>
             <a:r>
-              <a:rPr kumimoji="1" lang="en-US" altLang="ja-JP" sz="1200" b="0" i="0" kern="1200" dirty="0">
-                <a:solidFill>
-                  <a:schemeClr val="tx1"/>
-                </a:solidFill>
-                <a:effectLst/>
-                <a:latin typeface="+mn-lt"/>
-                <a:ea typeface="+mn-ea"/>
-                <a:cs typeface="+mn-cs"/>
-              </a:rPr>
+              <a:rPr lang="en-US" altLang="ja-JP" sz="1300" dirty="0"/>
               <a:t>20</a:t>
             </a:r>
             <a:r>
-              <a:rPr kumimoji="1" lang="ja-JP" altLang="en-US" sz="1200" b="0" i="0" kern="1200" dirty="0">
-                <a:solidFill>
-                  <a:schemeClr val="tx1"/>
-                </a:solidFill>
-                <a:effectLst/>
-                <a:latin typeface="+mn-lt"/>
-                <a:ea typeface="+mn-ea"/>
-                <a:cs typeface="+mn-cs"/>
-              </a:rPr>
+              <a:rPr lang="ja-JP" altLang="en-US" sz="1300" dirty="0"/>
               <a:t>を超えると不安定、</a:t>
             </a:r>
             <a:r>
-              <a:rPr kumimoji="1" lang="en-US" altLang="ja-JP" sz="1200" b="0" i="0" kern="1200" dirty="0">
-                <a:solidFill>
-                  <a:schemeClr val="tx1"/>
-                </a:solidFill>
-                <a:effectLst/>
-                <a:latin typeface="+mn-lt"/>
-                <a:ea typeface="+mn-ea"/>
-                <a:cs typeface="+mn-cs"/>
-              </a:rPr>
+              <a:rPr lang="en-US" altLang="ja-JP" sz="1300" dirty="0"/>
               <a:t>30</a:t>
             </a:r>
             <a:r>
-              <a:rPr kumimoji="1" lang="ja-JP" altLang="en-US" sz="1200" b="0" i="0" kern="1200" dirty="0">
-                <a:solidFill>
-                  <a:schemeClr val="tx1"/>
-                </a:solidFill>
-                <a:effectLst/>
-                <a:latin typeface="+mn-lt"/>
-                <a:ea typeface="+mn-ea"/>
-                <a:cs typeface="+mn-cs"/>
-              </a:rPr>
+              <a:rPr lang="ja-JP" altLang="en-US" sz="1300" dirty="0"/>
               <a:t>を超えると危険だと判断されます。</a:t>
             </a:r>
             <a:endParaRPr kumimoji="1" lang="ja-JP" altLang="en-US" b="1" dirty="0"/>
@@ -12531,6 +12243,56 @@
               </a:rPr>
               <a:t>システム全体概要図</a:t>
             </a:r>
+          </a:p>
+        </p:txBody>
+      </p:sp>
+      <p:sp>
+        <p:nvSpPr>
+          <p:cNvPr id="3" name="テキスト ボックス 41">
+            <a:extLst>
+              <a:ext uri="{FF2B5EF4-FFF2-40B4-BE49-F238E27FC236}">
+                <a16:creationId xmlns:a16="http://schemas.microsoft.com/office/drawing/2014/main" id="{4129204F-3C4E-AC77-437F-7A1E2DAC7A50}"/>
+              </a:ext>
+            </a:extLst>
+          </p:cNvPr>
+          <p:cNvSpPr txBox="1"/>
+          <p:nvPr/>
+        </p:nvSpPr>
+        <p:spPr>
+          <a:xfrm>
+            <a:off x="4999892" y="2324614"/>
+            <a:ext cx="2206125" cy="523220"/>
+          </a:xfrm>
+          <a:prstGeom prst="rect">
+            <a:avLst/>
+          </a:prstGeom>
+          <a:noFill/>
+        </p:spPr>
+        <p:txBody>
+          <a:bodyPr wrap="square" rtlCol="0">
+            <a:spAutoFit/>
+          </a:bodyPr>
+          <a:lstStyle/>
+          <a:p>
+            <a:pPr algn="ctr"/>
+            <a:r>
+              <a:rPr lang="ja-JP" altLang="en-US" sz="2800" dirty="0">
+                <a:latin typeface="BIZ UDPゴシック" panose="020B0400000000000000" pitchFamily="50" charset="-128"/>
+                <a:ea typeface="BIZ UDPゴシック" panose="020B0400000000000000" pitchFamily="50" charset="-128"/>
+              </a:rPr>
+              <a:t>サーバー</a:t>
+            </a:r>
+            <a:r>
+              <a:rPr kumimoji="1" lang="en-US" altLang="ja-JP" sz="2800" dirty="0">
+                <a:latin typeface="BIZ UDPゴシック" panose="020B0400000000000000" pitchFamily="50" charset="-128"/>
+                <a:ea typeface="BIZ UDPゴシック" panose="020B0400000000000000" pitchFamily="50" charset="-128"/>
+              </a:rPr>
+              <a:t>PC</a:t>
+            </a:r>
+            <a:endParaRPr kumimoji="1" lang="ja-JP" altLang="en-US" sz="2800" dirty="0">
+              <a:latin typeface="BIZ UDPゴシック" panose="020B0400000000000000" pitchFamily="50" charset="-128"/>
+              <a:ea typeface="BIZ UDPゴシック" panose="020B0400000000000000" pitchFamily="50" charset="-128"/>
+            </a:endParaRPr>
           </a:p>
         </p:txBody>
       </p:sp>
@@ -18267,48 +18029,6 @@
           <a:chExt cx="0" cy="0"/>
         </a:xfrm>
       </p:grpSpPr>
-      <p:sp>
-        <p:nvSpPr>
-          <p:cNvPr id="2" name="テキスト ボックス 1">
-            <a:extLst>
-              <a:ext uri="{FF2B5EF4-FFF2-40B4-BE49-F238E27FC236}">
-                <a16:creationId xmlns:a16="http://schemas.microsoft.com/office/drawing/2014/main" id="{922738FE-EB99-477B-C387-F404EAD06CFE}"/>
-              </a:ext>
-            </a:extLst>
-          </p:cNvPr>
-          <p:cNvSpPr txBox="1"/>
-          <p:nvPr/>
-        </p:nvSpPr>
-        <p:spPr>
-          <a:xfrm>
-            <a:off x="298127" y="48985"/>
-            <a:ext cx="2528888" cy="1200329"/>
-          </a:xfrm>
-          <a:prstGeom prst="rect">
-            <a:avLst/>
-          </a:prstGeom>
-          <a:noFill/>
-        </p:spPr>
-        <p:txBody>
-          <a:bodyPr wrap="square" rtlCol="0">
-            <a:spAutoFit/>
-          </a:bodyPr>
-          <a:lstStyle/>
-          <a:p>
-            <a:r>
-              <a:rPr lang="ja-JP" altLang="en-US" sz="7200" b="1" dirty="0">
-                <a:latin typeface="BIZ UDPゴシック" panose="020B0400000000000000" pitchFamily="50" charset="-128"/>
-                <a:ea typeface="BIZ UDPゴシック" panose="020B0400000000000000" pitchFamily="50" charset="-128"/>
-              </a:rPr>
-              <a:t>概要</a:t>
-            </a:r>
-            <a:endParaRPr kumimoji="1" lang="ja-JP" altLang="en-US" sz="7200" b="1" dirty="0">
-              <a:latin typeface="BIZ UDPゴシック" panose="020B0400000000000000" pitchFamily="50" charset="-128"/>
-              <a:ea typeface="BIZ UDPゴシック" panose="020B0400000000000000" pitchFamily="50" charset="-128"/>
-            </a:endParaRPr>
-          </a:p>
-        </p:txBody>
-      </p:sp>
       <p:pic>
         <p:nvPicPr>
           <p:cNvPr id="1026" name="Picture 2" descr="Nasdaq Logo PNG vector in SVG, PDF, AI, CDR format">
@@ -18363,10 +18083,10 @@
       </p:pic>
       <p:pic>
         <p:nvPicPr>
-          <p:cNvPr id="1028" name="Picture 4" descr="銘柄に表示される記号の意味｜HYPER SBI 操作ガイド｜SBI証券">
+          <p:cNvPr id="1032" name="Picture 8" descr="Google Finance - 株式市場価格、リアルタイムの相場、ビジネス ニュース">
             <a:extLst>
               <a:ext uri="{FF2B5EF4-FFF2-40B4-BE49-F238E27FC236}">
-                <a16:creationId xmlns:a16="http://schemas.microsoft.com/office/drawing/2014/main" id="{E5D6D5D4-EFB5-9BF3-C3E9-156EADEC49D7}"/>
+                <a16:creationId xmlns:a16="http://schemas.microsoft.com/office/drawing/2014/main" id="{CB89B57A-060E-C3D9-C30B-89F3FA3FE84E}"/>
               </a:ext>
             </a:extLst>
           </p:cNvPr>
@@ -18377,58 +18097,6 @@
         </p:nvPicPr>
         <p:blipFill rotWithShape="1">
           <a:blip r:embed="rId3">
-            <a:extLst>
-              <a:ext uri="{28A0092B-C50C-407E-A947-70E740481C1C}">
-                <a14:useLocalDpi xmlns:a14="http://schemas.microsoft.com/office/drawing/2010/main" val="0"/>
-              </a:ext>
-            </a:extLst>
-          </a:blip>
-          <a:srcRect t="20910" b="26817"/>
-          <a:stretch/>
-        </p:blipFill>
-        <p:spPr bwMode="auto">
-          <a:xfrm>
-            <a:off x="620890" y="1879442"/>
-            <a:ext cx="2409327" cy="661203"/>
-          </a:xfrm>
-          <a:prstGeom prst="rect">
-            <a:avLst/>
-          </a:prstGeom>
-          <a:noFill/>
-          <a:ln>
-            <a:solidFill>
-              <a:schemeClr val="bg2">
-                <a:lumMod val="75000"/>
-              </a:schemeClr>
-            </a:solidFill>
-          </a:ln>
-          <a:extLst>
-            <a:ext uri="{909E8E84-426E-40DD-AFC4-6F175D3DCCD1}">
-              <a14:hiddenFill xmlns:a14="http://schemas.microsoft.com/office/drawing/2010/main">
-                <a:solidFill>
-                  <a:srgbClr val="FFFFFF"/>
-                </a:solidFill>
-              </a14:hiddenFill>
-            </a:ext>
-          </a:extLst>
-        </p:spPr>
-      </p:pic>
-      <p:pic>
-        <p:nvPicPr>
-          <p:cNvPr id="1032" name="Picture 8" descr="Google Finance - 株式市場価格、リアルタイムの相場、ビジネス ニュース">
-            <a:extLst>
-              <a:ext uri="{FF2B5EF4-FFF2-40B4-BE49-F238E27FC236}">
-                <a16:creationId xmlns:a16="http://schemas.microsoft.com/office/drawing/2014/main" id="{CB89B57A-060E-C3D9-C30B-89F3FA3FE84E}"/>
-              </a:ext>
-            </a:extLst>
-          </p:cNvPr>
-          <p:cNvPicPr>
-            <a:picLocks noChangeAspect="1" noChangeArrowheads="1"/>
-          </p:cNvPicPr>
-          <p:nvPr/>
-        </p:nvPicPr>
-        <p:blipFill rotWithShape="1">
-          <a:blip r:embed="rId4">
             <a:extLst>
               <a:ext uri="{28A0092B-C50C-407E-A947-70E740481C1C}">
                 <a14:useLocalDpi xmlns:a14="http://schemas.microsoft.com/office/drawing/2010/main" val="0"/>
@@ -19878,10 +19546,10 @@
           <p:nvPr/>
         </p:nvPicPr>
         <p:blipFill>
-          <a:blip r:embed="rId5">
+          <a:blip r:embed="rId4">
             <a:extLst>
               <a:ext uri="{96DAC541-7B7A-43D3-8B79-37D633B846F1}">
-                <asvg:svgBlip xmlns:asvg="http://schemas.microsoft.com/office/drawing/2016/SVG/main" r:embed="rId6"/>
+                <asvg:svgBlip xmlns:asvg="http://schemas.microsoft.com/office/drawing/2016/SVG/main" r:embed="rId5"/>
               </a:ext>
             </a:extLst>
           </a:blip>
@@ -19910,7 +19578,6 @@
           </p:cNvPr>
           <p:cNvCxnSpPr>
             <a:cxnSpLocks/>
-            <a:endCxn id="1028" idx="3"/>
           </p:cNvCxnSpPr>
           <p:nvPr/>
         </p:nvCxnSpPr>
@@ -20070,13 +19737,13 @@
           <a:p>
             <a:pPr algn="ctr"/>
             <a:r>
-              <a:rPr kumimoji="1" lang="en-US" altLang="ja-JP" sz="2800" dirty="0">
+              <a:rPr kumimoji="1" lang="en-US" altLang="ja-JP" sz="2800" b="1" dirty="0">
                 <a:latin typeface="BIZ UDPゴシック" panose="020B0400000000000000" pitchFamily="50" charset="-128"/>
                 <a:ea typeface="BIZ UDPゴシック" panose="020B0400000000000000" pitchFamily="50" charset="-128"/>
               </a:rPr>
               <a:t>post</a:t>
             </a:r>
-            <a:endParaRPr kumimoji="1" lang="ja-JP" altLang="en-US" sz="2800" dirty="0">
+            <a:endParaRPr kumimoji="1" lang="ja-JP" altLang="en-US" sz="2800" b="1" dirty="0">
               <a:latin typeface="BIZ UDPゴシック" panose="020B0400000000000000" pitchFamily="50" charset="-128"/>
               <a:ea typeface="BIZ UDPゴシック" panose="020B0400000000000000" pitchFamily="50" charset="-128"/>
             </a:endParaRPr>
@@ -20192,7 +19859,7 @@
           <p:nvPr/>
         </p:nvPicPr>
         <p:blipFill>
-          <a:blip r:embed="rId7">
+          <a:blip r:embed="rId6">
             <a:extLst>
               <a:ext uri="{28A0092B-C50C-407E-A947-70E740481C1C}">
                 <a14:useLocalDpi xmlns:a14="http://schemas.microsoft.com/office/drawing/2010/main" val="0"/>
@@ -20227,7 +19894,7 @@
         </p:nvSpPr>
         <p:spPr>
           <a:xfrm>
-            <a:off x="2926855" y="3881231"/>
+            <a:off x="3067139" y="3117561"/>
             <a:ext cx="2206125" cy="523220"/>
           </a:xfrm>
           <a:prstGeom prst="rect">
@@ -20243,7 +19910,7 @@
           <a:p>
             <a:pPr algn="ctr"/>
             <a:r>
-              <a:rPr kumimoji="1" lang="ja-JP" altLang="en-US" sz="2800" dirty="0">
+              <a:rPr kumimoji="1" lang="ja-JP" altLang="en-US" sz="2800" b="1" dirty="0">
                 <a:latin typeface="BIZ UDPゴシック" panose="020B0400000000000000" pitchFamily="50" charset="-128"/>
                 <a:ea typeface="BIZ UDPゴシック" panose="020B0400000000000000" pitchFamily="50" charset="-128"/>
               </a:rPr>
@@ -20282,14 +19949,14 @@
           <a:p>
             <a:pPr algn="ctr"/>
             <a:r>
-              <a:rPr lang="en-US" altLang="ja-JP" sz="2800" dirty="0">
+              <a:rPr lang="en-US" altLang="ja-JP" sz="2800" b="1" dirty="0">
                 <a:latin typeface="BIZ UDPゴシック" panose="020B0400000000000000" pitchFamily="50" charset="-128"/>
                 <a:ea typeface="BIZ UDPゴシック" panose="020B0400000000000000" pitchFamily="50" charset="-128"/>
               </a:rPr>
               <a:t>g</a:t>
             </a:r>
             <a:r>
-              <a:rPr kumimoji="1" lang="en-US" altLang="ja-JP" sz="2800" dirty="0">
+              <a:rPr kumimoji="1" lang="en-US" altLang="ja-JP" sz="2800" b="1" dirty="0">
                 <a:latin typeface="BIZ UDPゴシック" panose="020B0400000000000000" pitchFamily="50" charset="-128"/>
                 <a:ea typeface="BIZ UDPゴシック" panose="020B0400000000000000" pitchFamily="50" charset="-128"/>
               </a:rPr>
@@ -20375,14 +20042,14 @@
           <a:p>
             <a:pPr algn="ctr"/>
             <a:r>
-              <a:rPr lang="en-US" altLang="ja-JP" sz="2800" dirty="0">
+              <a:rPr lang="en-US" altLang="ja-JP" sz="2800" b="1" dirty="0">
                 <a:latin typeface="BIZ UDPゴシック" panose="020B0400000000000000" pitchFamily="50" charset="-128"/>
                 <a:ea typeface="BIZ UDPゴシック" panose="020B0400000000000000" pitchFamily="50" charset="-128"/>
               </a:rPr>
               <a:t>g</a:t>
             </a:r>
             <a:r>
-              <a:rPr kumimoji="1" lang="en-US" altLang="ja-JP" sz="2800" dirty="0">
+              <a:rPr kumimoji="1" lang="en-US" altLang="ja-JP" sz="2800" b="1" dirty="0">
                 <a:latin typeface="BIZ UDPゴシック" panose="020B0400000000000000" pitchFamily="50" charset="-128"/>
                 <a:ea typeface="BIZ UDPゴシック" panose="020B0400000000000000" pitchFamily="50" charset="-128"/>
               </a:rPr>
@@ -20421,13 +20088,13 @@
           <a:p>
             <a:pPr algn="ctr"/>
             <a:r>
-              <a:rPr kumimoji="1" lang="en-US" altLang="ja-JP" sz="2800" dirty="0">
+              <a:rPr kumimoji="1" lang="en-US" altLang="ja-JP" sz="2800" b="1" dirty="0">
                 <a:latin typeface="BIZ UDPゴシック" panose="020B0400000000000000" pitchFamily="50" charset="-128"/>
                 <a:ea typeface="BIZ UDPゴシック" panose="020B0400000000000000" pitchFamily="50" charset="-128"/>
               </a:rPr>
               <a:t>post</a:t>
             </a:r>
-            <a:endParaRPr kumimoji="1" lang="ja-JP" altLang="en-US" sz="2800" dirty="0">
+            <a:endParaRPr kumimoji="1" lang="ja-JP" altLang="en-US" sz="2800" b="1" dirty="0">
               <a:latin typeface="BIZ UDPゴシック" panose="020B0400000000000000" pitchFamily="50" charset="-128"/>
               <a:ea typeface="BIZ UDPゴシック" panose="020B0400000000000000" pitchFamily="50" charset="-128"/>
             </a:endParaRPr>
@@ -20448,8 +20115,8 @@
         </p:nvSpPr>
         <p:spPr>
           <a:xfrm>
-            <a:off x="8471794" y="6266504"/>
-            <a:ext cx="3522133" cy="523220"/>
+            <a:off x="8330322" y="6266504"/>
+            <a:ext cx="3757971" cy="523220"/>
           </a:xfrm>
           <a:prstGeom prst="rect">
             <a:avLst/>
@@ -20464,27 +20131,27 @@
           <a:p>
             <a:pPr algn="ctr"/>
             <a:r>
-              <a:rPr kumimoji="1" lang="en-US" altLang="ja-JP" sz="2800" dirty="0" err="1">
+              <a:rPr kumimoji="1" lang="en-US" altLang="ja-JP" sz="2800" b="1" dirty="0" err="1">
                 <a:latin typeface="BIZ UDPゴシック" panose="020B0400000000000000" pitchFamily="50" charset="-128"/>
                 <a:ea typeface="BIZ UDPゴシック" panose="020B0400000000000000" pitchFamily="50" charset="-128"/>
               </a:rPr>
               <a:t>DataBase</a:t>
             </a:r>
             <a:r>
-              <a:rPr lang="ja-JP" altLang="en-US" sz="2800" dirty="0">
+              <a:rPr lang="ja-JP" altLang="en-US" sz="2800" b="1" dirty="0">
                 <a:latin typeface="BIZ UDPゴシック" panose="020B0400000000000000" pitchFamily="50" charset="-128"/>
                 <a:ea typeface="BIZ UDPゴシック" panose="020B0400000000000000" pitchFamily="50" charset="-128"/>
               </a:rPr>
               <a:t> </a:t>
             </a:r>
             <a:r>
-              <a:rPr lang="en-US" altLang="ja-JP" sz="2800" dirty="0">
+              <a:rPr lang="en-US" altLang="ja-JP" sz="2800" b="1" dirty="0">
                 <a:latin typeface="BIZ UDPゴシック" panose="020B0400000000000000" pitchFamily="50" charset="-128"/>
                 <a:ea typeface="BIZ UDPゴシック" panose="020B0400000000000000" pitchFamily="50" charset="-128"/>
               </a:rPr>
               <a:t>Server</a:t>
             </a:r>
-            <a:endParaRPr kumimoji="1" lang="ja-JP" altLang="en-US" sz="2800" dirty="0">
+            <a:endParaRPr kumimoji="1" lang="ja-JP" altLang="en-US" sz="2800" b="1" dirty="0">
               <a:latin typeface="BIZ UDPゴシック" panose="020B0400000000000000" pitchFamily="50" charset="-128"/>
               <a:ea typeface="BIZ UDPゴシック" panose="020B0400000000000000" pitchFamily="50" charset="-128"/>
             </a:endParaRPr>
@@ -20521,20 +20188,20 @@
           <a:p>
             <a:pPr algn="ctr"/>
             <a:r>
-              <a:rPr kumimoji="1" lang="ja-JP" altLang="en-US" sz="2800" dirty="0">
+              <a:rPr kumimoji="1" lang="ja-JP" altLang="en-US" sz="2800" b="1" dirty="0">
                 <a:latin typeface="BIZ UDPゴシック" panose="020B0400000000000000" pitchFamily="50" charset="-128"/>
                 <a:ea typeface="BIZ UDPゴシック" panose="020B0400000000000000" pitchFamily="50" charset="-128"/>
               </a:rPr>
               <a:t>学習用</a:t>
             </a:r>
             <a:r>
-              <a:rPr kumimoji="1" lang="en-US" altLang="ja-JP" sz="2800" dirty="0">
+              <a:rPr kumimoji="1" lang="en-US" altLang="ja-JP" sz="2800" b="1" dirty="0">
                 <a:latin typeface="BIZ UDPゴシック" panose="020B0400000000000000" pitchFamily="50" charset="-128"/>
                 <a:ea typeface="BIZ UDPゴシック" panose="020B0400000000000000" pitchFamily="50" charset="-128"/>
               </a:rPr>
               <a:t>PC</a:t>
             </a:r>
-            <a:endParaRPr kumimoji="1" lang="ja-JP" altLang="en-US" sz="2800" dirty="0">
+            <a:endParaRPr kumimoji="1" lang="ja-JP" altLang="en-US" sz="2800" b="1" dirty="0">
               <a:latin typeface="BIZ UDPゴシック" panose="020B0400000000000000" pitchFamily="50" charset="-128"/>
               <a:ea typeface="BIZ UDPゴシック" panose="020B0400000000000000" pitchFamily="50" charset="-128"/>
             </a:endParaRPr>
@@ -20571,13 +20238,13 @@
           <a:p>
             <a:pPr algn="ctr"/>
             <a:r>
-              <a:rPr lang="ja-JP" altLang="en-US" sz="2800" dirty="0">
+              <a:rPr lang="ja-JP" altLang="en-US" sz="2800" b="1" dirty="0">
                 <a:latin typeface="BIZ UDPゴシック" panose="020B0400000000000000" pitchFamily="50" charset="-128"/>
                 <a:ea typeface="BIZ UDPゴシック" panose="020B0400000000000000" pitchFamily="50" charset="-128"/>
               </a:rPr>
               <a:t>操作</a:t>
             </a:r>
-            <a:endParaRPr kumimoji="1" lang="en-US" altLang="ja-JP" sz="2800" dirty="0">
+            <a:endParaRPr kumimoji="1" lang="en-US" altLang="ja-JP" sz="2800" b="1" dirty="0">
               <a:latin typeface="BIZ UDPゴシック" panose="020B0400000000000000" pitchFamily="50" charset="-128"/>
               <a:ea typeface="BIZ UDPゴシック" panose="020B0400000000000000" pitchFamily="50" charset="-128"/>
             </a:endParaRPr>
@@ -20586,10 +20253,10 @@
       </p:sp>
       <p:sp>
         <p:nvSpPr>
-          <p:cNvPr id="45" name="テキスト ボックス 44">
+          <p:cNvPr id="3" name="テキスト ボックス 41">
             <a:extLst>
               <a:ext uri="{FF2B5EF4-FFF2-40B4-BE49-F238E27FC236}">
-                <a16:creationId xmlns:a16="http://schemas.microsoft.com/office/drawing/2014/main" id="{FAB537A5-6D1A-5CFE-57CE-755D2D9E1D89}"/>
+                <a16:creationId xmlns:a16="http://schemas.microsoft.com/office/drawing/2014/main" id="{4318522F-4614-6DF8-5C05-9FB95418AE9D}"/>
               </a:ext>
             </a:extLst>
           </p:cNvPr>
@@ -20598,8 +20265,68 @@
         </p:nvSpPr>
         <p:spPr>
           <a:xfrm>
-            <a:off x="4217013" y="6266504"/>
-            <a:ext cx="3757972" cy="584775"/>
+            <a:off x="620890" y="1617832"/>
+            <a:ext cx="2409326" cy="1077218"/>
+          </a:xfrm>
+          <a:prstGeom prst="rect">
+            <a:avLst/>
+          </a:prstGeom>
+          <a:noFill/>
+          <a:ln>
+            <a:solidFill>
+              <a:schemeClr val="bg1">
+                <a:lumMod val="65000"/>
+              </a:schemeClr>
+            </a:solidFill>
+          </a:ln>
+        </p:spPr>
+        <p:txBody>
+          <a:bodyPr wrap="square" rtlCol="0">
+            <a:spAutoFit/>
+          </a:bodyPr>
+          <a:lstStyle/>
+          <a:p>
+            <a:pPr algn="ctr"/>
+            <a:r>
+              <a:rPr kumimoji="1" lang="ja-JP" altLang="en-US" sz="3200" b="1" dirty="0">
+                <a:latin typeface="BIZ UDPゴシック" panose="020B0400000000000000" pitchFamily="50" charset="-128"/>
+                <a:ea typeface="BIZ UDPゴシック" panose="020B0400000000000000" pitchFamily="50" charset="-128"/>
+              </a:rPr>
+              <a:t>ニュース</a:t>
+            </a:r>
+            <a:endParaRPr kumimoji="1" lang="en-GB" altLang="ja-JP" sz="3200" b="1" dirty="0">
+              <a:latin typeface="BIZ UDPゴシック" panose="020B0400000000000000" pitchFamily="50" charset="-128"/>
+              <a:ea typeface="BIZ UDPゴシック" panose="020B0400000000000000" pitchFamily="50" charset="-128"/>
+            </a:endParaRPr>
+          </a:p>
+          <a:p>
+            <a:pPr algn="ctr"/>
+            <a:r>
+              <a:rPr kumimoji="1" lang="ja-JP" altLang="en-US" sz="3200" b="1" dirty="0">
+                <a:latin typeface="BIZ UDPゴシック" panose="020B0400000000000000" pitchFamily="50" charset="-128"/>
+                <a:ea typeface="BIZ UDPゴシック" panose="020B0400000000000000" pitchFamily="50" charset="-128"/>
+              </a:rPr>
+              <a:t>サイト</a:t>
+            </a:r>
+          </a:p>
+        </p:txBody>
+      </p:sp>
+      <p:sp>
+        <p:nvSpPr>
+          <p:cNvPr id="4" name="テキスト ボックス 34">
+            <a:extLst>
+              <a:ext uri="{FF2B5EF4-FFF2-40B4-BE49-F238E27FC236}">
+                <a16:creationId xmlns:a16="http://schemas.microsoft.com/office/drawing/2014/main" id="{85EBD594-32DB-D7BF-76BD-5847F1CC1672}"/>
+              </a:ext>
+            </a:extLst>
+          </p:cNvPr>
+          <p:cNvSpPr txBox="1"/>
+          <p:nvPr/>
+        </p:nvSpPr>
+        <p:spPr>
+          <a:xfrm rot="1121792">
+            <a:off x="3199782" y="2029145"/>
+            <a:ext cx="2206125" cy="523220"/>
           </a:xfrm>
           <a:prstGeom prst="rect">
             <a:avLst/>
@@ -20614,11 +20341,50 @@
           <a:p>
             <a:pPr algn="ctr"/>
             <a:r>
-              <a:rPr kumimoji="1" lang="ja-JP" altLang="en-US" sz="3200" dirty="0">
-                <a:latin typeface="BIZ UDPゴシック" panose="020B0400000000000000" pitchFamily="50" charset="-128"/>
-                <a:ea typeface="BIZ UDPゴシック" panose="020B0400000000000000" pitchFamily="50" charset="-128"/>
-              </a:rPr>
-              <a:t>システム全体概要図</a:t>
+              <a:rPr kumimoji="1" lang="ja-JP" altLang="en-US" sz="2800" b="1" dirty="0">
+                <a:latin typeface="BIZ UDPゴシック" panose="020B0400000000000000" pitchFamily="50" charset="-128"/>
+                <a:ea typeface="BIZ UDPゴシック" panose="020B0400000000000000" pitchFamily="50" charset="-128"/>
+              </a:rPr>
+              <a:t>スクレイプ</a:t>
+            </a:r>
+          </a:p>
+        </p:txBody>
+      </p:sp>
+      <p:sp>
+        <p:nvSpPr>
+          <p:cNvPr id="5" name="テキスト ボックス 34">
+            <a:extLst>
+              <a:ext uri="{FF2B5EF4-FFF2-40B4-BE49-F238E27FC236}">
+                <a16:creationId xmlns:a16="http://schemas.microsoft.com/office/drawing/2014/main" id="{A07183A4-FA2D-DFBA-2CF3-2D5EE81D109F}"/>
+              </a:ext>
+            </a:extLst>
+          </p:cNvPr>
+          <p:cNvSpPr txBox="1"/>
+          <p:nvPr/>
+        </p:nvSpPr>
+        <p:spPr>
+          <a:xfrm rot="20314251">
+            <a:off x="2996549" y="4327196"/>
+            <a:ext cx="2206125" cy="523220"/>
+          </a:xfrm>
+          <a:prstGeom prst="rect">
+            <a:avLst/>
+          </a:prstGeom>
+          <a:noFill/>
+        </p:spPr>
+        <p:txBody>
+          <a:bodyPr wrap="square" rtlCol="0">
+            <a:spAutoFit/>
+          </a:bodyPr>
+          <a:lstStyle/>
+          <a:p>
+            <a:pPr algn="ctr"/>
+            <a:r>
+              <a:rPr kumimoji="1" lang="ja-JP" altLang="en-US" sz="2800" b="1" dirty="0">
+                <a:latin typeface="BIZ UDPゴシック" panose="020B0400000000000000" pitchFamily="50" charset="-128"/>
+                <a:ea typeface="BIZ UDPゴシック" panose="020B0400000000000000" pitchFamily="50" charset="-128"/>
+              </a:rPr>
+              <a:t>スクレイプ</a:t>
             </a:r>
           </a:p>
         </p:txBody>
